--- a/Spotipy Presentation 10.27.pptx
+++ b/Spotipy Presentation 10.27.pptx
@@ -114,6 +114,11 @@
       </a:defRPr>
     </a:lvl9pPr>
   </p:defaultTextStyle>
+  <p:extLst>
+    <p:ext uri="{EFAFB233-063F-42B5-8137-9DF3F51BA10A}">
+      <p15:sldGuideLst xmlns:p15="http://schemas.microsoft.com/office/powerpoint/2012/main"/>
+    </p:ext>
+  </p:extLst>
 </p:presentation>
 </file>
 
@@ -6802,31 +6807,6 @@
           </a:p>
         </p:txBody>
       </p:sp>
-      <p:sp>
-        <p:nvSpPr>
-          <p:cNvPr id="2" name="Content Placeholder 1">
-            <a:extLst>
-              <a:ext uri="{FF2B5EF4-FFF2-40B4-BE49-F238E27FC236}">
-                <a16:creationId xmlns:a16="http://schemas.microsoft.com/office/drawing/2014/main" id="{BF538738-3398-4C11-9BE0-C1433DA864AD}"/>
-              </a:ext>
-            </a:extLst>
-          </p:cNvPr>
-          <p:cNvSpPr>
-            <a:spLocks noGrp="1"/>
-          </p:cNvSpPr>
-          <p:nvPr>
-            <p:ph idx="1"/>
-          </p:nvPr>
-        </p:nvSpPr>
-        <p:spPr/>
-        <p:txBody>
-          <a:bodyPr/>
-          <a:lstStyle/>
-          <a:p>
-            <a:endParaRPr lang="en-US"/>
-          </a:p>
-        </p:txBody>
-      </p:sp>
       <p:pic>
         <p:nvPicPr>
           <p:cNvPr id="5" name="Content Placeholder 4" descr="Terraform &amp; Spotify Data Engineering | Python In Plain English">

--- a/Spotipy Presentation 10.27.pptx
+++ b/Spotipy Presentation 10.27.pptx
@@ -6,15 +6,15 @@
   </p:sldMasterIdLst>
   <p:sldIdLst>
     <p:sldId id="256" r:id="rId2"/>
-    <p:sldId id="258" r:id="rId3"/>
+    <p:sldId id="265" r:id="rId3"/>
     <p:sldId id="257" r:id="rId4"/>
-    <p:sldId id="259" r:id="rId5"/>
-    <p:sldId id="260" r:id="rId6"/>
-    <p:sldId id="261" r:id="rId7"/>
-    <p:sldId id="262" r:id="rId8"/>
-    <p:sldId id="263" r:id="rId9"/>
-    <p:sldId id="264" r:id="rId10"/>
-    <p:sldId id="265" r:id="rId11"/>
+    <p:sldId id="262" r:id="rId5"/>
+    <p:sldId id="263" r:id="rId6"/>
+    <p:sldId id="264" r:id="rId7"/>
+    <p:sldId id="259" r:id="rId8"/>
+    <p:sldId id="260" r:id="rId9"/>
+    <p:sldId id="261" r:id="rId10"/>
+    <p:sldId id="258" r:id="rId11"/>
     <p:sldId id="266" r:id="rId12"/>
   </p:sldIdLst>
   <p:sldSz cx="12192000" cy="6858000"/>
@@ -269,7 +269,7 @@
           <a:p>
             <a:fld id="{2E169012-87EE-4DD3-8E3A-8A578A32B048}" type="datetimeFigureOut">
               <a:rPr lang="en-US" smtClean="0"/>
-              <a:t>10/23/2020</a:t>
+              <a:t>10/24/2020</a:t>
             </a:fld>
             <a:endParaRPr lang="en-US"/>
           </a:p>
@@ -467,7 +467,7 @@
           <a:p>
             <a:fld id="{2E169012-87EE-4DD3-8E3A-8A578A32B048}" type="datetimeFigureOut">
               <a:rPr lang="en-US" smtClean="0"/>
-              <a:t>10/23/2020</a:t>
+              <a:t>10/24/2020</a:t>
             </a:fld>
             <a:endParaRPr lang="en-US"/>
           </a:p>
@@ -675,7 +675,7 @@
           <a:p>
             <a:fld id="{2E169012-87EE-4DD3-8E3A-8A578A32B048}" type="datetimeFigureOut">
               <a:rPr lang="en-US" smtClean="0"/>
-              <a:t>10/23/2020</a:t>
+              <a:t>10/24/2020</a:t>
             </a:fld>
             <a:endParaRPr lang="en-US"/>
           </a:p>
@@ -873,7 +873,7 @@
           <a:p>
             <a:fld id="{2E169012-87EE-4DD3-8E3A-8A578A32B048}" type="datetimeFigureOut">
               <a:rPr lang="en-US" smtClean="0"/>
-              <a:t>10/23/2020</a:t>
+              <a:t>10/24/2020</a:t>
             </a:fld>
             <a:endParaRPr lang="en-US"/>
           </a:p>
@@ -1148,7 +1148,7 @@
           <a:p>
             <a:fld id="{2E169012-87EE-4DD3-8E3A-8A578A32B048}" type="datetimeFigureOut">
               <a:rPr lang="en-US" smtClean="0"/>
-              <a:t>10/23/2020</a:t>
+              <a:t>10/24/2020</a:t>
             </a:fld>
             <a:endParaRPr lang="en-US"/>
           </a:p>
@@ -1413,7 +1413,7 @@
           <a:p>
             <a:fld id="{2E169012-87EE-4DD3-8E3A-8A578A32B048}" type="datetimeFigureOut">
               <a:rPr lang="en-US" smtClean="0"/>
-              <a:t>10/23/2020</a:t>
+              <a:t>10/24/2020</a:t>
             </a:fld>
             <a:endParaRPr lang="en-US"/>
           </a:p>
@@ -1825,7 +1825,7 @@
           <a:p>
             <a:fld id="{2E169012-87EE-4DD3-8E3A-8A578A32B048}" type="datetimeFigureOut">
               <a:rPr lang="en-US" smtClean="0"/>
-              <a:t>10/23/2020</a:t>
+              <a:t>10/24/2020</a:t>
             </a:fld>
             <a:endParaRPr lang="en-US"/>
           </a:p>
@@ -1966,7 +1966,7 @@
           <a:p>
             <a:fld id="{2E169012-87EE-4DD3-8E3A-8A578A32B048}" type="datetimeFigureOut">
               <a:rPr lang="en-US" smtClean="0"/>
-              <a:t>10/23/2020</a:t>
+              <a:t>10/24/2020</a:t>
             </a:fld>
             <a:endParaRPr lang="en-US"/>
           </a:p>
@@ -2079,7 +2079,7 @@
           <a:p>
             <a:fld id="{2E169012-87EE-4DD3-8E3A-8A578A32B048}" type="datetimeFigureOut">
               <a:rPr lang="en-US" smtClean="0"/>
-              <a:t>10/23/2020</a:t>
+              <a:t>10/24/2020</a:t>
             </a:fld>
             <a:endParaRPr lang="en-US"/>
           </a:p>
@@ -2390,7 +2390,7 @@
           <a:p>
             <a:fld id="{2E169012-87EE-4DD3-8E3A-8A578A32B048}" type="datetimeFigureOut">
               <a:rPr lang="en-US" smtClean="0"/>
-              <a:t>10/23/2020</a:t>
+              <a:t>10/24/2020</a:t>
             </a:fld>
             <a:endParaRPr lang="en-US"/>
           </a:p>
@@ -2678,7 +2678,7 @@
           <a:p>
             <a:fld id="{2E169012-87EE-4DD3-8E3A-8A578A32B048}" type="datetimeFigureOut">
               <a:rPr lang="en-US" smtClean="0"/>
-              <a:t>10/23/2020</a:t>
+              <a:t>10/24/2020</a:t>
             </a:fld>
             <a:endParaRPr lang="en-US"/>
           </a:p>
@@ -2919,7 +2919,7 @@
           <a:p>
             <a:fld id="{2E169012-87EE-4DD3-8E3A-8A578A32B048}" type="datetimeFigureOut">
               <a:rPr lang="en-US" smtClean="0"/>
-              <a:t>10/23/2020</a:t>
+              <a:t>10/24/2020</a:t>
             </a:fld>
             <a:endParaRPr lang="en-US"/>
           </a:p>
@@ -3473,14 +3473,14 @@
         </p:nvSpPr>
         <p:spPr>
           <a:xfrm>
-            <a:off x="650449" y="5458207"/>
-            <a:ext cx="10901471" cy="1432312"/>
+            <a:off x="1" y="5458207"/>
+            <a:ext cx="12191978" cy="1432312"/>
           </a:xfrm>
           <a:noFill/>
         </p:spPr>
         <p:txBody>
           <a:bodyPr anchor="ctr">
-            <a:normAutofit fontScale="92500"/>
+            <a:normAutofit/>
           </a:bodyPr>
           <a:lstStyle/>
           <a:p>
@@ -3503,17 +3503,6 @@
                 <a:latin typeface="Ink Free" panose="03080402000500000000" pitchFamily="66" charset="0"/>
               </a:rPr>
               <a:t>Release Date: 2020 – 10 – 27</a:t>
-            </a:r>
-          </a:p>
-          <a:p>
-            <a:r>
-              <a:rPr lang="en-US" dirty="0">
-                <a:solidFill>
-                  <a:schemeClr val="bg1"/>
-                </a:solidFill>
-                <a:latin typeface="Ink Free" panose="03080402000500000000" pitchFamily="66" charset="0"/>
-              </a:rPr>
-              <a:t>Popularity: 100% </a:t>
             </a:r>
           </a:p>
           <a:p>
@@ -3758,10 +3747,10 @@
       </p:sp>
       <p:pic>
         <p:nvPicPr>
-          <p:cNvPr id="5" name="Content Placeholder 4" descr="Terraform &amp; Spotify Data Engineering | Python In Plain English">
-            <a:extLst>
-              <a:ext uri="{FF2B5EF4-FFF2-40B4-BE49-F238E27FC236}">
-                <a16:creationId xmlns:a16="http://schemas.microsoft.com/office/drawing/2014/main" id="{6D0DB71E-185C-4131-91A6-714502ABB5D5}"/>
+          <p:cNvPr id="9" name="Content Placeholder 4" descr="Terraform &amp; Spotify Data Engineering | Python In Plain English">
+            <a:extLst>
+              <a:ext uri="{FF2B5EF4-FFF2-40B4-BE49-F238E27FC236}">
+                <a16:creationId xmlns:a16="http://schemas.microsoft.com/office/drawing/2014/main" id="{EE9A1D33-E99C-4079-8458-B95631A1BB06}"/>
               </a:ext>
             </a:extLst>
           </p:cNvPr>
@@ -3803,253 +3792,10 @@
       </p:pic>
       <p:sp>
         <p:nvSpPr>
-          <p:cNvPr id="8" name="Content Placeholder 1">
-            <a:extLst>
-              <a:ext uri="{FF2B5EF4-FFF2-40B4-BE49-F238E27FC236}">
-                <a16:creationId xmlns:a16="http://schemas.microsoft.com/office/drawing/2014/main" id="{5B1EBA21-EE74-401B-B8ED-909E462E2D59}"/>
-              </a:ext>
-            </a:extLst>
-          </p:cNvPr>
-          <p:cNvSpPr txBox="1">
-            <a:spLocks/>
-          </p:cNvSpPr>
-          <p:nvPr/>
-        </p:nvSpPr>
-        <p:spPr>
-          <a:xfrm>
-            <a:off x="376024" y="1520825"/>
-            <a:ext cx="6615326" cy="4351338"/>
-          </a:xfrm>
-          <a:prstGeom prst="rect">
-            <a:avLst/>
-          </a:prstGeom>
-        </p:spPr>
-        <p:txBody>
-          <a:bodyPr vert="horz" lIns="91440" tIns="45720" rIns="91440" bIns="45720" rtlCol="0">
-            <a:normAutofit/>
-          </a:bodyPr>
-          <a:lstStyle>
-            <a:lvl1pPr marL="228600" indent="-228600" algn="l" defTabSz="914400" rtl="0" eaLnBrk="1" latinLnBrk="0" hangingPunct="1">
-              <a:lnSpc>
-                <a:spcPct val="90000"/>
-              </a:lnSpc>
-              <a:spcBef>
-                <a:spcPts val="1000"/>
-              </a:spcBef>
-              <a:buFont typeface="Arial" panose="020B0604020202020204" pitchFamily="34" charset="0"/>
-              <a:buChar char="•"/>
-              <a:defRPr sz="2800" kern="1200">
-                <a:solidFill>
-                  <a:schemeClr val="tx1"/>
-                </a:solidFill>
-                <a:latin typeface="+mn-lt"/>
-                <a:ea typeface="+mn-ea"/>
-                <a:cs typeface="+mn-cs"/>
-              </a:defRPr>
-            </a:lvl1pPr>
-            <a:lvl2pPr marL="685800" indent="-228600" algn="l" defTabSz="914400" rtl="0" eaLnBrk="1" latinLnBrk="0" hangingPunct="1">
-              <a:lnSpc>
-                <a:spcPct val="90000"/>
-              </a:lnSpc>
-              <a:spcBef>
-                <a:spcPts val="500"/>
-              </a:spcBef>
-              <a:buFont typeface="Arial" panose="020B0604020202020204" pitchFamily="34" charset="0"/>
-              <a:buChar char="•"/>
-              <a:defRPr sz="2400" kern="1200">
-                <a:solidFill>
-                  <a:schemeClr val="tx1"/>
-                </a:solidFill>
-                <a:latin typeface="+mn-lt"/>
-                <a:ea typeface="+mn-ea"/>
-                <a:cs typeface="+mn-cs"/>
-              </a:defRPr>
-            </a:lvl2pPr>
-            <a:lvl3pPr marL="1143000" indent="-228600" algn="l" defTabSz="914400" rtl="0" eaLnBrk="1" latinLnBrk="0" hangingPunct="1">
-              <a:lnSpc>
-                <a:spcPct val="90000"/>
-              </a:lnSpc>
-              <a:spcBef>
-                <a:spcPts val="500"/>
-              </a:spcBef>
-              <a:buFont typeface="Arial" panose="020B0604020202020204" pitchFamily="34" charset="0"/>
-              <a:buChar char="•"/>
-              <a:defRPr sz="2000" kern="1200">
-                <a:solidFill>
-                  <a:schemeClr val="tx1"/>
-                </a:solidFill>
-                <a:latin typeface="+mn-lt"/>
-                <a:ea typeface="+mn-ea"/>
-                <a:cs typeface="+mn-cs"/>
-              </a:defRPr>
-            </a:lvl3pPr>
-            <a:lvl4pPr marL="1600200" indent="-228600" algn="l" defTabSz="914400" rtl="0" eaLnBrk="1" latinLnBrk="0" hangingPunct="1">
-              <a:lnSpc>
-                <a:spcPct val="90000"/>
-              </a:lnSpc>
-              <a:spcBef>
-                <a:spcPts val="500"/>
-              </a:spcBef>
-              <a:buFont typeface="Arial" panose="020B0604020202020204" pitchFamily="34" charset="0"/>
-              <a:buChar char="•"/>
-              <a:defRPr sz="1800" kern="1200">
-                <a:solidFill>
-                  <a:schemeClr val="tx1"/>
-                </a:solidFill>
-                <a:latin typeface="+mn-lt"/>
-                <a:ea typeface="+mn-ea"/>
-                <a:cs typeface="+mn-cs"/>
-              </a:defRPr>
-            </a:lvl4pPr>
-            <a:lvl5pPr marL="2057400" indent="-228600" algn="l" defTabSz="914400" rtl="0" eaLnBrk="1" latinLnBrk="0" hangingPunct="1">
-              <a:lnSpc>
-                <a:spcPct val="90000"/>
-              </a:lnSpc>
-              <a:spcBef>
-                <a:spcPts val="500"/>
-              </a:spcBef>
-              <a:buFont typeface="Arial" panose="020B0604020202020204" pitchFamily="34" charset="0"/>
-              <a:buChar char="•"/>
-              <a:defRPr sz="1800" kern="1200">
-                <a:solidFill>
-                  <a:schemeClr val="tx1"/>
-                </a:solidFill>
-                <a:latin typeface="+mn-lt"/>
-                <a:ea typeface="+mn-ea"/>
-                <a:cs typeface="+mn-cs"/>
-              </a:defRPr>
-            </a:lvl5pPr>
-            <a:lvl6pPr marL="2514600" indent="-228600" algn="l" defTabSz="914400" rtl="0" eaLnBrk="1" latinLnBrk="0" hangingPunct="1">
-              <a:lnSpc>
-                <a:spcPct val="90000"/>
-              </a:lnSpc>
-              <a:spcBef>
-                <a:spcPts val="500"/>
-              </a:spcBef>
-              <a:buFont typeface="Arial" panose="020B0604020202020204" pitchFamily="34" charset="0"/>
-              <a:buChar char="•"/>
-              <a:defRPr sz="1800" kern="1200">
-                <a:solidFill>
-                  <a:schemeClr val="tx1"/>
-                </a:solidFill>
-                <a:latin typeface="+mn-lt"/>
-                <a:ea typeface="+mn-ea"/>
-                <a:cs typeface="+mn-cs"/>
-              </a:defRPr>
-            </a:lvl6pPr>
-            <a:lvl7pPr marL="2971800" indent="-228600" algn="l" defTabSz="914400" rtl="0" eaLnBrk="1" latinLnBrk="0" hangingPunct="1">
-              <a:lnSpc>
-                <a:spcPct val="90000"/>
-              </a:lnSpc>
-              <a:spcBef>
-                <a:spcPts val="500"/>
-              </a:spcBef>
-              <a:buFont typeface="Arial" panose="020B0604020202020204" pitchFamily="34" charset="0"/>
-              <a:buChar char="•"/>
-              <a:defRPr sz="1800" kern="1200">
-                <a:solidFill>
-                  <a:schemeClr val="tx1"/>
-                </a:solidFill>
-                <a:latin typeface="+mn-lt"/>
-                <a:ea typeface="+mn-ea"/>
-                <a:cs typeface="+mn-cs"/>
-              </a:defRPr>
-            </a:lvl7pPr>
-            <a:lvl8pPr marL="3429000" indent="-228600" algn="l" defTabSz="914400" rtl="0" eaLnBrk="1" latinLnBrk="0" hangingPunct="1">
-              <a:lnSpc>
-                <a:spcPct val="90000"/>
-              </a:lnSpc>
-              <a:spcBef>
-                <a:spcPts val="500"/>
-              </a:spcBef>
-              <a:buFont typeface="Arial" panose="020B0604020202020204" pitchFamily="34" charset="0"/>
-              <a:buChar char="•"/>
-              <a:defRPr sz="1800" kern="1200">
-                <a:solidFill>
-                  <a:schemeClr val="tx1"/>
-                </a:solidFill>
-                <a:latin typeface="+mn-lt"/>
-                <a:ea typeface="+mn-ea"/>
-                <a:cs typeface="+mn-cs"/>
-              </a:defRPr>
-            </a:lvl8pPr>
-            <a:lvl9pPr marL="3886200" indent="-228600" algn="l" defTabSz="914400" rtl="0" eaLnBrk="1" latinLnBrk="0" hangingPunct="1">
-              <a:lnSpc>
-                <a:spcPct val="90000"/>
-              </a:lnSpc>
-              <a:spcBef>
-                <a:spcPts val="500"/>
-              </a:spcBef>
-              <a:buFont typeface="Arial" panose="020B0604020202020204" pitchFamily="34" charset="0"/>
-              <a:buChar char="•"/>
-              <a:defRPr sz="1800" kern="1200">
-                <a:solidFill>
-                  <a:schemeClr val="tx1"/>
-                </a:solidFill>
-                <a:latin typeface="+mn-lt"/>
-                <a:ea typeface="+mn-ea"/>
-                <a:cs typeface="+mn-cs"/>
-              </a:defRPr>
-            </a:lvl9pPr>
-          </a:lstStyle>
-          <a:p>
-            <a:pPr>
-              <a:buFont typeface="Courier New" panose="02070309020205020404" pitchFamily="49" charset="0"/>
-              <a:buChar char="o"/>
-            </a:pPr>
-            <a:r>
-              <a:rPr lang="en-US" b="1" dirty="0">
-                <a:solidFill>
-                  <a:srgbClr val="262626"/>
-                </a:solidFill>
-                <a:latin typeface="+mj-lt"/>
-                <a:ea typeface="+mj-ea"/>
-                <a:cs typeface="+mj-cs"/>
-              </a:rPr>
-              <a:t> </a:t>
-            </a:r>
-            <a:r>
-              <a:rPr lang="en-US" b="1" dirty="0" err="1">
-                <a:solidFill>
-                  <a:srgbClr val="262626"/>
-                </a:solidFill>
-                <a:latin typeface="+mj-lt"/>
-                <a:ea typeface="+mj-ea"/>
-                <a:cs typeface="+mj-cs"/>
-              </a:rPr>
-              <a:t>ldsjfkdsfks</a:t>
-            </a:r>
-            <a:endParaRPr lang="en-US" sz="2800" b="1" dirty="0">
-              <a:solidFill>
-                <a:srgbClr val="262626"/>
-              </a:solidFill>
-              <a:latin typeface="+mj-lt"/>
-              <a:ea typeface="+mj-ea"/>
-              <a:cs typeface="+mj-cs"/>
-            </a:endParaRPr>
-          </a:p>
-          <a:p>
-            <a:pPr lvl="1">
-              <a:buFont typeface="Courier New" panose="02070309020205020404" pitchFamily="49" charset="0"/>
-              <a:buChar char="o"/>
-            </a:pPr>
-            <a:endParaRPr lang="en-US" sz="2800" b="1" dirty="0">
-              <a:solidFill>
-                <a:srgbClr val="262626"/>
-              </a:solidFill>
-              <a:latin typeface="+mj-lt"/>
-              <a:ea typeface="+mj-ea"/>
-              <a:cs typeface="+mj-cs"/>
-            </a:endParaRPr>
-          </a:p>
-        </p:txBody>
-      </p:sp>
-      <p:sp>
-        <p:nvSpPr>
-          <p:cNvPr id="9" name="Title 1">
-            <a:extLst>
-              <a:ext uri="{FF2B5EF4-FFF2-40B4-BE49-F238E27FC236}">
-                <a16:creationId xmlns:a16="http://schemas.microsoft.com/office/drawing/2014/main" id="{4D05BA02-CA33-42ED-ACC3-DA76FC780B50}"/>
+          <p:cNvPr id="14" name="Title 1">
+            <a:extLst>
+              <a:ext uri="{FF2B5EF4-FFF2-40B4-BE49-F238E27FC236}">
+                <a16:creationId xmlns:a16="http://schemas.microsoft.com/office/drawing/2014/main" id="{06EDEE77-4FA2-48B9-B9AD-45946FE46EB2}"/>
               </a:ext>
             </a:extLst>
           </p:cNvPr>
@@ -4099,7 +3845,7 @@
                 </a:solidFill>
                 <a:latin typeface="Ink Free" panose="03080402000500000000" pitchFamily="66" charset="0"/>
               </a:rPr>
-              <a:t>e x t r a</a:t>
+              <a:t>c o n c l u s i o n</a:t>
             </a:r>
             <a:endParaRPr lang="en-US" sz="2800" b="1" i="1" dirty="0">
               <a:solidFill>
@@ -4110,10 +3856,469 @@
           </a:p>
         </p:txBody>
       </p:sp>
+      <p:sp>
+        <p:nvSpPr>
+          <p:cNvPr id="15" name="Content Placeholder 1">
+            <a:extLst>
+              <a:ext uri="{FF2B5EF4-FFF2-40B4-BE49-F238E27FC236}">
+                <a16:creationId xmlns:a16="http://schemas.microsoft.com/office/drawing/2014/main" id="{0D876D14-B92E-44C2-A552-8A0E54C91F10}"/>
+              </a:ext>
+            </a:extLst>
+          </p:cNvPr>
+          <p:cNvSpPr txBox="1">
+            <a:spLocks/>
+          </p:cNvSpPr>
+          <p:nvPr/>
+        </p:nvSpPr>
+        <p:spPr>
+          <a:xfrm>
+            <a:off x="376024" y="1520825"/>
+            <a:ext cx="6615326" cy="4351338"/>
+          </a:xfrm>
+          <a:prstGeom prst="rect">
+            <a:avLst/>
+          </a:prstGeom>
+        </p:spPr>
+        <p:txBody>
+          <a:bodyPr vert="horz" lIns="91440" tIns="45720" rIns="91440" bIns="45720" rtlCol="0">
+            <a:normAutofit lnSpcReduction="10000"/>
+          </a:bodyPr>
+          <a:lstStyle>
+            <a:lvl1pPr marL="228600" indent="-228600" algn="l" defTabSz="914400" rtl="0" eaLnBrk="1" latinLnBrk="0" hangingPunct="1">
+              <a:lnSpc>
+                <a:spcPct val="90000"/>
+              </a:lnSpc>
+              <a:spcBef>
+                <a:spcPts val="1000"/>
+              </a:spcBef>
+              <a:buFont typeface="Arial" panose="020B0604020202020204" pitchFamily="34" charset="0"/>
+              <a:buChar char="•"/>
+              <a:defRPr sz="2800" kern="1200">
+                <a:solidFill>
+                  <a:schemeClr val="tx1"/>
+                </a:solidFill>
+                <a:latin typeface="+mn-lt"/>
+                <a:ea typeface="+mn-ea"/>
+                <a:cs typeface="+mn-cs"/>
+              </a:defRPr>
+            </a:lvl1pPr>
+            <a:lvl2pPr marL="685800" indent="-228600" algn="l" defTabSz="914400" rtl="0" eaLnBrk="1" latinLnBrk="0" hangingPunct="1">
+              <a:lnSpc>
+                <a:spcPct val="90000"/>
+              </a:lnSpc>
+              <a:spcBef>
+                <a:spcPts val="500"/>
+              </a:spcBef>
+              <a:buFont typeface="Arial" panose="020B0604020202020204" pitchFamily="34" charset="0"/>
+              <a:buChar char="•"/>
+              <a:defRPr sz="2400" kern="1200">
+                <a:solidFill>
+                  <a:schemeClr val="tx1"/>
+                </a:solidFill>
+                <a:latin typeface="+mn-lt"/>
+                <a:ea typeface="+mn-ea"/>
+                <a:cs typeface="+mn-cs"/>
+              </a:defRPr>
+            </a:lvl2pPr>
+            <a:lvl3pPr marL="1143000" indent="-228600" algn="l" defTabSz="914400" rtl="0" eaLnBrk="1" latinLnBrk="0" hangingPunct="1">
+              <a:lnSpc>
+                <a:spcPct val="90000"/>
+              </a:lnSpc>
+              <a:spcBef>
+                <a:spcPts val="500"/>
+              </a:spcBef>
+              <a:buFont typeface="Arial" panose="020B0604020202020204" pitchFamily="34" charset="0"/>
+              <a:buChar char="•"/>
+              <a:defRPr sz="2000" kern="1200">
+                <a:solidFill>
+                  <a:schemeClr val="tx1"/>
+                </a:solidFill>
+                <a:latin typeface="+mn-lt"/>
+                <a:ea typeface="+mn-ea"/>
+                <a:cs typeface="+mn-cs"/>
+              </a:defRPr>
+            </a:lvl3pPr>
+            <a:lvl4pPr marL="1600200" indent="-228600" algn="l" defTabSz="914400" rtl="0" eaLnBrk="1" latinLnBrk="0" hangingPunct="1">
+              <a:lnSpc>
+                <a:spcPct val="90000"/>
+              </a:lnSpc>
+              <a:spcBef>
+                <a:spcPts val="500"/>
+              </a:spcBef>
+              <a:buFont typeface="Arial" panose="020B0604020202020204" pitchFamily="34" charset="0"/>
+              <a:buChar char="•"/>
+              <a:defRPr sz="1800" kern="1200">
+                <a:solidFill>
+                  <a:schemeClr val="tx1"/>
+                </a:solidFill>
+                <a:latin typeface="+mn-lt"/>
+                <a:ea typeface="+mn-ea"/>
+                <a:cs typeface="+mn-cs"/>
+              </a:defRPr>
+            </a:lvl4pPr>
+            <a:lvl5pPr marL="2057400" indent="-228600" algn="l" defTabSz="914400" rtl="0" eaLnBrk="1" latinLnBrk="0" hangingPunct="1">
+              <a:lnSpc>
+                <a:spcPct val="90000"/>
+              </a:lnSpc>
+              <a:spcBef>
+                <a:spcPts val="500"/>
+              </a:spcBef>
+              <a:buFont typeface="Arial" panose="020B0604020202020204" pitchFamily="34" charset="0"/>
+              <a:buChar char="•"/>
+              <a:defRPr sz="1800" kern="1200">
+                <a:solidFill>
+                  <a:schemeClr val="tx1"/>
+                </a:solidFill>
+                <a:latin typeface="+mn-lt"/>
+                <a:ea typeface="+mn-ea"/>
+                <a:cs typeface="+mn-cs"/>
+              </a:defRPr>
+            </a:lvl5pPr>
+            <a:lvl6pPr marL="2514600" indent="-228600" algn="l" defTabSz="914400" rtl="0" eaLnBrk="1" latinLnBrk="0" hangingPunct="1">
+              <a:lnSpc>
+                <a:spcPct val="90000"/>
+              </a:lnSpc>
+              <a:spcBef>
+                <a:spcPts val="500"/>
+              </a:spcBef>
+              <a:buFont typeface="Arial" panose="020B0604020202020204" pitchFamily="34" charset="0"/>
+              <a:buChar char="•"/>
+              <a:defRPr sz="1800" kern="1200">
+                <a:solidFill>
+                  <a:schemeClr val="tx1"/>
+                </a:solidFill>
+                <a:latin typeface="+mn-lt"/>
+                <a:ea typeface="+mn-ea"/>
+                <a:cs typeface="+mn-cs"/>
+              </a:defRPr>
+            </a:lvl6pPr>
+            <a:lvl7pPr marL="2971800" indent="-228600" algn="l" defTabSz="914400" rtl="0" eaLnBrk="1" latinLnBrk="0" hangingPunct="1">
+              <a:lnSpc>
+                <a:spcPct val="90000"/>
+              </a:lnSpc>
+              <a:spcBef>
+                <a:spcPts val="500"/>
+              </a:spcBef>
+              <a:buFont typeface="Arial" panose="020B0604020202020204" pitchFamily="34" charset="0"/>
+              <a:buChar char="•"/>
+              <a:defRPr sz="1800" kern="1200">
+                <a:solidFill>
+                  <a:schemeClr val="tx1"/>
+                </a:solidFill>
+                <a:latin typeface="+mn-lt"/>
+                <a:ea typeface="+mn-ea"/>
+                <a:cs typeface="+mn-cs"/>
+              </a:defRPr>
+            </a:lvl7pPr>
+            <a:lvl8pPr marL="3429000" indent="-228600" algn="l" defTabSz="914400" rtl="0" eaLnBrk="1" latinLnBrk="0" hangingPunct="1">
+              <a:lnSpc>
+                <a:spcPct val="90000"/>
+              </a:lnSpc>
+              <a:spcBef>
+                <a:spcPts val="500"/>
+              </a:spcBef>
+              <a:buFont typeface="Arial" panose="020B0604020202020204" pitchFamily="34" charset="0"/>
+              <a:buChar char="•"/>
+              <a:defRPr sz="1800" kern="1200">
+                <a:solidFill>
+                  <a:schemeClr val="tx1"/>
+                </a:solidFill>
+                <a:latin typeface="+mn-lt"/>
+                <a:ea typeface="+mn-ea"/>
+                <a:cs typeface="+mn-cs"/>
+              </a:defRPr>
+            </a:lvl8pPr>
+            <a:lvl9pPr marL="3886200" indent="-228600" algn="l" defTabSz="914400" rtl="0" eaLnBrk="1" latinLnBrk="0" hangingPunct="1">
+              <a:lnSpc>
+                <a:spcPct val="90000"/>
+              </a:lnSpc>
+              <a:spcBef>
+                <a:spcPts val="500"/>
+              </a:spcBef>
+              <a:buFont typeface="Arial" panose="020B0604020202020204" pitchFamily="34" charset="0"/>
+              <a:buChar char="•"/>
+              <a:defRPr sz="1800" kern="1200">
+                <a:solidFill>
+                  <a:schemeClr val="tx1"/>
+                </a:solidFill>
+                <a:latin typeface="+mn-lt"/>
+                <a:ea typeface="+mn-ea"/>
+                <a:cs typeface="+mn-cs"/>
+              </a:defRPr>
+            </a:lvl9pPr>
+          </a:lstStyle>
+          <a:p>
+            <a:pPr>
+              <a:buBlip>
+                <a:blip r:embed="rId3">
+                  <a:extLst>
+                    <a:ext uri="{837473B0-CC2E-450A-ABE3-18F120FF3D39}">
+                      <a1611:picAttrSrcUrl xmlns:a1611="http://schemas.microsoft.com/office/drawing/2016/11/main" r:id="rId4"/>
+                    </a:ext>
+                  </a:extLst>
+                </a:blip>
+              </a:buBlip>
+            </a:pPr>
+            <a:r>
+              <a:rPr lang="en-US" sz="2400" dirty="0">
+                <a:solidFill>
+                  <a:srgbClr val="262626"/>
+                </a:solidFill>
+                <a:latin typeface="+mj-lt"/>
+                <a:ea typeface="+mj-ea"/>
+                <a:cs typeface="+mj-cs"/>
+              </a:rPr>
+              <a:t>Based off the data provided, The Janitors are can conclude that: </a:t>
+            </a:r>
+          </a:p>
+          <a:p>
+            <a:pPr marL="0" indent="0">
+              <a:buNone/>
+            </a:pPr>
+            <a:endParaRPr lang="en-US" sz="2400" dirty="0">
+              <a:solidFill>
+                <a:srgbClr val="262626"/>
+              </a:solidFill>
+              <a:latin typeface="+mj-lt"/>
+              <a:ea typeface="+mj-ea"/>
+              <a:cs typeface="+mj-cs"/>
+            </a:endParaRPr>
+          </a:p>
+          <a:p>
+            <a:pPr lvl="1">
+              <a:buBlip>
+                <a:blip r:embed="rId3">
+                  <a:extLst>
+                    <a:ext uri="{837473B0-CC2E-450A-ABE3-18F120FF3D39}">
+                      <a1611:picAttrSrcUrl xmlns:a1611="http://schemas.microsoft.com/office/drawing/2016/11/main" r:id="rId4"/>
+                    </a:ext>
+                  </a:extLst>
+                </a:blip>
+              </a:buBlip>
+            </a:pPr>
+            <a:r>
+              <a:rPr lang="en-US" dirty="0">
+                <a:solidFill>
+                  <a:srgbClr val="262626"/>
+                </a:solidFill>
+                <a:latin typeface="+mj-lt"/>
+                <a:ea typeface="+mj-ea"/>
+                <a:cs typeface="+mj-cs"/>
+              </a:rPr>
+              <a:t>Number of streams has a direct correlation to the position rank</a:t>
+            </a:r>
+          </a:p>
+          <a:p>
+            <a:pPr lvl="1">
+              <a:buBlip>
+                <a:blip r:embed="rId3">
+                  <a:extLst>
+                    <a:ext uri="{837473B0-CC2E-450A-ABE3-18F120FF3D39}">
+                      <a1611:picAttrSrcUrl xmlns:a1611="http://schemas.microsoft.com/office/drawing/2016/11/main" r:id="rId4"/>
+                    </a:ext>
+                  </a:extLst>
+                </a:blip>
+              </a:buBlip>
+            </a:pPr>
+            <a:r>
+              <a:rPr lang="en-US" dirty="0">
+                <a:solidFill>
+                  <a:srgbClr val="262626"/>
+                </a:solidFill>
+                <a:latin typeface="+mj-lt"/>
+                <a:ea typeface="+mj-ea"/>
+                <a:cs typeface="+mj-cs"/>
+              </a:rPr>
+              <a:t>Artist frequency on the list equates to higher streams</a:t>
+            </a:r>
+          </a:p>
+          <a:p>
+            <a:pPr lvl="1">
+              <a:buBlip>
+                <a:blip r:embed="rId3">
+                  <a:extLst>
+                    <a:ext uri="{837473B0-CC2E-450A-ABE3-18F120FF3D39}">
+                      <a1611:picAttrSrcUrl xmlns:a1611="http://schemas.microsoft.com/office/drawing/2016/11/main" r:id="rId4"/>
+                    </a:ext>
+                  </a:extLst>
+                </a:blip>
+              </a:buBlip>
+            </a:pPr>
+            <a:r>
+              <a:rPr lang="en-US" dirty="0">
+                <a:solidFill>
+                  <a:srgbClr val="262626"/>
+                </a:solidFill>
+                <a:latin typeface="+mj-lt"/>
+                <a:ea typeface="+mj-ea"/>
+                <a:cs typeface="+mj-cs"/>
+              </a:rPr>
+              <a:t>As the years progress, the number of streams per artist will progress significantly</a:t>
+            </a:r>
+          </a:p>
+          <a:p>
+            <a:pPr lvl="1">
+              <a:buBlip>
+                <a:blip r:embed="rId3">
+                  <a:extLst>
+                    <a:ext uri="{837473B0-CC2E-450A-ABE3-18F120FF3D39}">
+                      <a1611:picAttrSrcUrl xmlns:a1611="http://schemas.microsoft.com/office/drawing/2016/11/main" r:id="rId4"/>
+                    </a:ext>
+                  </a:extLst>
+                </a:blip>
+              </a:buBlip>
+            </a:pPr>
+            <a:r>
+              <a:rPr lang="en-US" dirty="0">
+                <a:solidFill>
+                  <a:srgbClr val="262626"/>
+                </a:solidFill>
+                <a:latin typeface="+mj-lt"/>
+                <a:ea typeface="+mj-ea"/>
+                <a:cs typeface="+mj-cs"/>
+              </a:rPr>
+              <a:t>Just because an artist has multiple albums within the list, it does not mean that their overall stream count will be higher. </a:t>
+            </a:r>
+          </a:p>
+          <a:p>
+            <a:pPr lvl="1">
+              <a:buBlip>
+                <a:blip r:embed="rId3">
+                  <a:extLst>
+                    <a:ext uri="{837473B0-CC2E-450A-ABE3-18F120FF3D39}">
+                      <a1611:picAttrSrcUrl xmlns:a1611="http://schemas.microsoft.com/office/drawing/2016/11/main" r:id="rId4"/>
+                    </a:ext>
+                  </a:extLst>
+                </a:blip>
+              </a:buBlip>
+            </a:pPr>
+            <a:endParaRPr lang="en-US" dirty="0">
+              <a:solidFill>
+                <a:srgbClr val="262626"/>
+              </a:solidFill>
+              <a:latin typeface="+mj-lt"/>
+              <a:ea typeface="+mj-ea"/>
+              <a:cs typeface="+mj-cs"/>
+            </a:endParaRPr>
+          </a:p>
+          <a:p>
+            <a:pPr lvl="1">
+              <a:buFont typeface="Wingdings" panose="05000000000000000000" pitchFamily="2" charset="2"/>
+              <a:buChar char="q"/>
+            </a:pPr>
+            <a:endParaRPr lang="en-US" b="1" dirty="0">
+              <a:solidFill>
+                <a:srgbClr val="262626"/>
+              </a:solidFill>
+              <a:latin typeface="+mj-lt"/>
+              <a:ea typeface="+mj-ea"/>
+              <a:cs typeface="+mj-cs"/>
+            </a:endParaRPr>
+          </a:p>
+          <a:p>
+            <a:pPr lvl="1">
+              <a:buFont typeface="Wingdings" panose="05000000000000000000" pitchFamily="2" charset="2"/>
+              <a:buChar char="q"/>
+            </a:pPr>
+            <a:endParaRPr lang="en-US" b="1" dirty="0">
+              <a:solidFill>
+                <a:srgbClr val="262626"/>
+              </a:solidFill>
+              <a:latin typeface="+mj-lt"/>
+              <a:ea typeface="+mj-ea"/>
+              <a:cs typeface="+mj-cs"/>
+            </a:endParaRPr>
+          </a:p>
+          <a:p>
+            <a:pPr lvl="1">
+              <a:buFont typeface="Wingdings" panose="05000000000000000000" pitchFamily="2" charset="2"/>
+              <a:buChar char="q"/>
+            </a:pPr>
+            <a:endParaRPr lang="en-US" b="1" dirty="0">
+              <a:solidFill>
+                <a:srgbClr val="262626"/>
+              </a:solidFill>
+              <a:latin typeface="+mj-lt"/>
+              <a:ea typeface="+mj-ea"/>
+              <a:cs typeface="+mj-cs"/>
+            </a:endParaRPr>
+          </a:p>
+          <a:p>
+            <a:pPr lvl="1">
+              <a:buFont typeface="Wingdings" panose="05000000000000000000" pitchFamily="2" charset="2"/>
+              <a:buChar char="q"/>
+            </a:pPr>
+            <a:endParaRPr lang="en-US" b="1" dirty="0">
+              <a:solidFill>
+                <a:srgbClr val="262626"/>
+              </a:solidFill>
+              <a:latin typeface="+mj-lt"/>
+              <a:ea typeface="+mj-ea"/>
+              <a:cs typeface="+mj-cs"/>
+            </a:endParaRPr>
+          </a:p>
+          <a:p>
+            <a:pPr lvl="1">
+              <a:buFont typeface="Wingdings" panose="05000000000000000000" pitchFamily="2" charset="2"/>
+              <a:buChar char="q"/>
+            </a:pPr>
+            <a:endParaRPr lang="en-US" b="1" dirty="0">
+              <a:solidFill>
+                <a:srgbClr val="262626"/>
+              </a:solidFill>
+              <a:latin typeface="+mj-lt"/>
+              <a:ea typeface="+mj-ea"/>
+              <a:cs typeface="+mj-cs"/>
+            </a:endParaRPr>
+          </a:p>
+          <a:p>
+            <a:pPr lvl="1">
+              <a:buFont typeface="Wingdings" panose="05000000000000000000" pitchFamily="2" charset="2"/>
+              <a:buChar char="q"/>
+            </a:pPr>
+            <a:endParaRPr lang="en-US" b="1" dirty="0">
+              <a:solidFill>
+                <a:srgbClr val="262626"/>
+              </a:solidFill>
+              <a:latin typeface="+mj-lt"/>
+              <a:ea typeface="+mj-ea"/>
+              <a:cs typeface="+mj-cs"/>
+            </a:endParaRPr>
+          </a:p>
+          <a:p>
+            <a:pPr lvl="1">
+              <a:buFont typeface="Courier New" panose="02070309020205020404" pitchFamily="49" charset="0"/>
+              <a:buChar char="o"/>
+            </a:pPr>
+            <a:endParaRPr lang="en-US" b="1" dirty="0">
+              <a:solidFill>
+                <a:srgbClr val="262626"/>
+              </a:solidFill>
+              <a:latin typeface="+mj-lt"/>
+              <a:ea typeface="+mj-ea"/>
+              <a:cs typeface="+mj-cs"/>
+            </a:endParaRPr>
+          </a:p>
+          <a:p>
+            <a:pPr lvl="1">
+              <a:buFont typeface="Courier New" panose="02070309020205020404" pitchFamily="49" charset="0"/>
+              <a:buChar char="o"/>
+            </a:pPr>
+            <a:endParaRPr lang="en-US" sz="2800" b="1" dirty="0">
+              <a:solidFill>
+                <a:srgbClr val="262626"/>
+              </a:solidFill>
+              <a:latin typeface="+mj-lt"/>
+              <a:ea typeface="+mj-ea"/>
+              <a:cs typeface="+mj-cs"/>
+            </a:endParaRPr>
+          </a:p>
+        </p:txBody>
+      </p:sp>
     </p:spTree>
     <p:extLst>
       <p:ext uri="{BB962C8B-B14F-4D97-AF65-F5344CB8AC3E}">
-        <p14:creationId xmlns:p14="http://schemas.microsoft.com/office/powerpoint/2010/main" val="3525575612"/>
+        <p14:creationId xmlns:p14="http://schemas.microsoft.com/office/powerpoint/2010/main" val="796348755"/>
       </p:ext>
     </p:extLst>
   </p:cSld>
@@ -4494,10 +4699,10 @@
       </p:sp>
       <p:pic>
         <p:nvPicPr>
-          <p:cNvPr id="9" name="Content Placeholder 4" descr="Terraform &amp; Spotify Data Engineering | Python In Plain English">
-            <a:extLst>
-              <a:ext uri="{FF2B5EF4-FFF2-40B4-BE49-F238E27FC236}">
-                <a16:creationId xmlns:a16="http://schemas.microsoft.com/office/drawing/2014/main" id="{EE9A1D33-E99C-4079-8458-B95631A1BB06}"/>
+          <p:cNvPr id="5" name="Content Placeholder 4" descr="Terraform &amp; Spotify Data Engineering | Python In Plain English">
+            <a:extLst>
+              <a:ext uri="{FF2B5EF4-FFF2-40B4-BE49-F238E27FC236}">
+                <a16:creationId xmlns:a16="http://schemas.microsoft.com/office/drawing/2014/main" id="{6D0DB71E-185C-4131-91A6-714502ABB5D5}"/>
               </a:ext>
             </a:extLst>
           </p:cNvPr>
@@ -4539,10 +4744,303 @@
       </p:pic>
       <p:sp>
         <p:nvSpPr>
-          <p:cNvPr id="14" name="Title 1">
-            <a:extLst>
-              <a:ext uri="{FF2B5EF4-FFF2-40B4-BE49-F238E27FC236}">
-                <a16:creationId xmlns:a16="http://schemas.microsoft.com/office/drawing/2014/main" id="{06EDEE77-4FA2-48B9-B9AD-45946FE46EB2}"/>
+          <p:cNvPr id="8" name="Content Placeholder 1">
+            <a:extLst>
+              <a:ext uri="{FF2B5EF4-FFF2-40B4-BE49-F238E27FC236}">
+                <a16:creationId xmlns:a16="http://schemas.microsoft.com/office/drawing/2014/main" id="{5B1EBA21-EE74-401B-B8ED-909E462E2D59}"/>
+              </a:ext>
+            </a:extLst>
+          </p:cNvPr>
+          <p:cNvSpPr txBox="1">
+            <a:spLocks/>
+          </p:cNvSpPr>
+          <p:nvPr/>
+        </p:nvSpPr>
+        <p:spPr>
+          <a:xfrm>
+            <a:off x="376024" y="1520825"/>
+            <a:ext cx="6615326" cy="5072480"/>
+          </a:xfrm>
+          <a:prstGeom prst="rect">
+            <a:avLst/>
+          </a:prstGeom>
+        </p:spPr>
+        <p:txBody>
+          <a:bodyPr vert="horz" lIns="91440" tIns="45720" rIns="91440" bIns="45720" rtlCol="0">
+            <a:normAutofit/>
+          </a:bodyPr>
+          <a:lstStyle>
+            <a:lvl1pPr marL="228600" indent="-228600" algn="l" defTabSz="914400" rtl="0" eaLnBrk="1" latinLnBrk="0" hangingPunct="1">
+              <a:lnSpc>
+                <a:spcPct val="90000"/>
+              </a:lnSpc>
+              <a:spcBef>
+                <a:spcPts val="1000"/>
+              </a:spcBef>
+              <a:buFont typeface="Arial" panose="020B0604020202020204" pitchFamily="34" charset="0"/>
+              <a:buChar char="•"/>
+              <a:defRPr sz="2800" kern="1200">
+                <a:solidFill>
+                  <a:schemeClr val="tx1"/>
+                </a:solidFill>
+                <a:latin typeface="+mn-lt"/>
+                <a:ea typeface="+mn-ea"/>
+                <a:cs typeface="+mn-cs"/>
+              </a:defRPr>
+            </a:lvl1pPr>
+            <a:lvl2pPr marL="685800" indent="-228600" algn="l" defTabSz="914400" rtl="0" eaLnBrk="1" latinLnBrk="0" hangingPunct="1">
+              <a:lnSpc>
+                <a:spcPct val="90000"/>
+              </a:lnSpc>
+              <a:spcBef>
+                <a:spcPts val="500"/>
+              </a:spcBef>
+              <a:buFont typeface="Arial" panose="020B0604020202020204" pitchFamily="34" charset="0"/>
+              <a:buChar char="•"/>
+              <a:defRPr sz="2400" kern="1200">
+                <a:solidFill>
+                  <a:schemeClr val="tx1"/>
+                </a:solidFill>
+                <a:latin typeface="+mn-lt"/>
+                <a:ea typeface="+mn-ea"/>
+                <a:cs typeface="+mn-cs"/>
+              </a:defRPr>
+            </a:lvl2pPr>
+            <a:lvl3pPr marL="1143000" indent="-228600" algn="l" defTabSz="914400" rtl="0" eaLnBrk="1" latinLnBrk="0" hangingPunct="1">
+              <a:lnSpc>
+                <a:spcPct val="90000"/>
+              </a:lnSpc>
+              <a:spcBef>
+                <a:spcPts val="500"/>
+              </a:spcBef>
+              <a:buFont typeface="Arial" panose="020B0604020202020204" pitchFamily="34" charset="0"/>
+              <a:buChar char="•"/>
+              <a:defRPr sz="2000" kern="1200">
+                <a:solidFill>
+                  <a:schemeClr val="tx1"/>
+                </a:solidFill>
+                <a:latin typeface="+mn-lt"/>
+                <a:ea typeface="+mn-ea"/>
+                <a:cs typeface="+mn-cs"/>
+              </a:defRPr>
+            </a:lvl3pPr>
+            <a:lvl4pPr marL="1600200" indent="-228600" algn="l" defTabSz="914400" rtl="0" eaLnBrk="1" latinLnBrk="0" hangingPunct="1">
+              <a:lnSpc>
+                <a:spcPct val="90000"/>
+              </a:lnSpc>
+              <a:spcBef>
+                <a:spcPts val="500"/>
+              </a:spcBef>
+              <a:buFont typeface="Arial" panose="020B0604020202020204" pitchFamily="34" charset="0"/>
+              <a:buChar char="•"/>
+              <a:defRPr sz="1800" kern="1200">
+                <a:solidFill>
+                  <a:schemeClr val="tx1"/>
+                </a:solidFill>
+                <a:latin typeface="+mn-lt"/>
+                <a:ea typeface="+mn-ea"/>
+                <a:cs typeface="+mn-cs"/>
+              </a:defRPr>
+            </a:lvl4pPr>
+            <a:lvl5pPr marL="2057400" indent="-228600" algn="l" defTabSz="914400" rtl="0" eaLnBrk="1" latinLnBrk="0" hangingPunct="1">
+              <a:lnSpc>
+                <a:spcPct val="90000"/>
+              </a:lnSpc>
+              <a:spcBef>
+                <a:spcPts val="500"/>
+              </a:spcBef>
+              <a:buFont typeface="Arial" panose="020B0604020202020204" pitchFamily="34" charset="0"/>
+              <a:buChar char="•"/>
+              <a:defRPr sz="1800" kern="1200">
+                <a:solidFill>
+                  <a:schemeClr val="tx1"/>
+                </a:solidFill>
+                <a:latin typeface="+mn-lt"/>
+                <a:ea typeface="+mn-ea"/>
+                <a:cs typeface="+mn-cs"/>
+              </a:defRPr>
+            </a:lvl5pPr>
+            <a:lvl6pPr marL="2514600" indent="-228600" algn="l" defTabSz="914400" rtl="0" eaLnBrk="1" latinLnBrk="0" hangingPunct="1">
+              <a:lnSpc>
+                <a:spcPct val="90000"/>
+              </a:lnSpc>
+              <a:spcBef>
+                <a:spcPts val="500"/>
+              </a:spcBef>
+              <a:buFont typeface="Arial" panose="020B0604020202020204" pitchFamily="34" charset="0"/>
+              <a:buChar char="•"/>
+              <a:defRPr sz="1800" kern="1200">
+                <a:solidFill>
+                  <a:schemeClr val="tx1"/>
+                </a:solidFill>
+                <a:latin typeface="+mn-lt"/>
+                <a:ea typeface="+mn-ea"/>
+                <a:cs typeface="+mn-cs"/>
+              </a:defRPr>
+            </a:lvl6pPr>
+            <a:lvl7pPr marL="2971800" indent="-228600" algn="l" defTabSz="914400" rtl="0" eaLnBrk="1" latinLnBrk="0" hangingPunct="1">
+              <a:lnSpc>
+                <a:spcPct val="90000"/>
+              </a:lnSpc>
+              <a:spcBef>
+                <a:spcPts val="500"/>
+              </a:spcBef>
+              <a:buFont typeface="Arial" panose="020B0604020202020204" pitchFamily="34" charset="0"/>
+              <a:buChar char="•"/>
+              <a:defRPr sz="1800" kern="1200">
+                <a:solidFill>
+                  <a:schemeClr val="tx1"/>
+                </a:solidFill>
+                <a:latin typeface="+mn-lt"/>
+                <a:ea typeface="+mn-ea"/>
+                <a:cs typeface="+mn-cs"/>
+              </a:defRPr>
+            </a:lvl7pPr>
+            <a:lvl8pPr marL="3429000" indent="-228600" algn="l" defTabSz="914400" rtl="0" eaLnBrk="1" latinLnBrk="0" hangingPunct="1">
+              <a:lnSpc>
+                <a:spcPct val="90000"/>
+              </a:lnSpc>
+              <a:spcBef>
+                <a:spcPts val="500"/>
+              </a:spcBef>
+              <a:buFont typeface="Arial" panose="020B0604020202020204" pitchFamily="34" charset="0"/>
+              <a:buChar char="•"/>
+              <a:defRPr sz="1800" kern="1200">
+                <a:solidFill>
+                  <a:schemeClr val="tx1"/>
+                </a:solidFill>
+                <a:latin typeface="+mn-lt"/>
+                <a:ea typeface="+mn-ea"/>
+                <a:cs typeface="+mn-cs"/>
+              </a:defRPr>
+            </a:lvl8pPr>
+            <a:lvl9pPr marL="3886200" indent="-228600" algn="l" defTabSz="914400" rtl="0" eaLnBrk="1" latinLnBrk="0" hangingPunct="1">
+              <a:lnSpc>
+                <a:spcPct val="90000"/>
+              </a:lnSpc>
+              <a:spcBef>
+                <a:spcPts val="500"/>
+              </a:spcBef>
+              <a:buFont typeface="Arial" panose="020B0604020202020204" pitchFamily="34" charset="0"/>
+              <a:buChar char="•"/>
+              <a:defRPr sz="1800" kern="1200">
+                <a:solidFill>
+                  <a:schemeClr val="tx1"/>
+                </a:solidFill>
+                <a:latin typeface="+mn-lt"/>
+                <a:ea typeface="+mn-ea"/>
+                <a:cs typeface="+mn-cs"/>
+              </a:defRPr>
+            </a:lvl9pPr>
+          </a:lstStyle>
+          <a:p>
+            <a:pPr>
+              <a:buBlip>
+                <a:blip r:embed="rId3">
+                  <a:extLst>
+                    <a:ext uri="{837473B0-CC2E-450A-ABE3-18F120FF3D39}">
+                      <a1611:picAttrSrcUrl xmlns:a1611="http://schemas.microsoft.com/office/drawing/2016/11/main" r:id="rId4"/>
+                    </a:ext>
+                  </a:extLst>
+                </a:blip>
+              </a:buBlip>
+            </a:pPr>
+            <a:r>
+              <a:rPr lang="en-US" sz="2400" dirty="0">
+                <a:solidFill>
+                  <a:srgbClr val="262626"/>
+                </a:solidFill>
+                <a:latin typeface="+mj-lt"/>
+                <a:ea typeface="+mj-ea"/>
+                <a:cs typeface="+mj-cs"/>
+              </a:rPr>
+              <a:t>With over a million rows of data, The Janitors had their work cut out for them. </a:t>
+            </a:r>
+          </a:p>
+          <a:p>
+            <a:pPr>
+              <a:buBlip>
+                <a:blip r:embed="rId3">
+                  <a:extLst>
+                    <a:ext uri="{837473B0-CC2E-450A-ABE3-18F120FF3D39}">
+                      <a1611:picAttrSrcUrl xmlns:a1611="http://schemas.microsoft.com/office/drawing/2016/11/main" r:id="rId4"/>
+                    </a:ext>
+                  </a:extLst>
+                </a:blip>
+              </a:buBlip>
+            </a:pPr>
+            <a:endParaRPr lang="en-US" sz="2400" dirty="0">
+              <a:solidFill>
+                <a:srgbClr val="262626"/>
+              </a:solidFill>
+              <a:latin typeface="+mj-lt"/>
+              <a:ea typeface="+mj-ea"/>
+              <a:cs typeface="+mj-cs"/>
+            </a:endParaRPr>
+          </a:p>
+          <a:p>
+            <a:pPr>
+              <a:buBlip>
+                <a:blip r:embed="rId3">
+                  <a:extLst>
+                    <a:ext uri="{837473B0-CC2E-450A-ABE3-18F120FF3D39}">
+                      <a1611:picAttrSrcUrl xmlns:a1611="http://schemas.microsoft.com/office/drawing/2016/11/main" r:id="rId4"/>
+                    </a:ext>
+                  </a:extLst>
+                </a:blip>
+              </a:buBlip>
+            </a:pPr>
+            <a:r>
+              <a:rPr lang="en-US" sz="2400" dirty="0">
+                <a:solidFill>
+                  <a:srgbClr val="262626"/>
+                </a:solidFill>
+                <a:latin typeface="+mj-lt"/>
+              </a:rPr>
+              <a:t>The original data set featured the top 200 streamed songs daily for 13 full months (starting on January 1, 2017) spanning across 17 countries around the world. </a:t>
+            </a:r>
+          </a:p>
+          <a:p>
+            <a:pPr marL="0" indent="0">
+              <a:buNone/>
+            </a:pPr>
+            <a:endParaRPr lang="en-US" sz="2400" dirty="0">
+              <a:solidFill>
+                <a:srgbClr val="262626"/>
+              </a:solidFill>
+              <a:latin typeface="+mj-lt"/>
+            </a:endParaRPr>
+          </a:p>
+          <a:p>
+            <a:pPr>
+              <a:buBlip>
+                <a:blip r:embed="rId3">
+                  <a:extLst>
+                    <a:ext uri="{837473B0-CC2E-450A-ABE3-18F120FF3D39}">
+                      <a1611:picAttrSrcUrl xmlns:a1611="http://schemas.microsoft.com/office/drawing/2016/11/main" r:id="rId4"/>
+                    </a:ext>
+                  </a:extLst>
+                </a:blip>
+              </a:buBlip>
+            </a:pPr>
+            <a:r>
+              <a:rPr lang="en-US" sz="2400" dirty="0">
+                <a:solidFill>
+                  <a:srgbClr val="262626"/>
+                </a:solidFill>
+                <a:latin typeface="+mj-lt"/>
+              </a:rPr>
+              <a:t>Given this information, our group started to wonder how we could effectively “clean” the data using the tools learned in class to come to meaningful conclusions. </a:t>
+            </a:r>
+          </a:p>
+        </p:txBody>
+      </p:sp>
+      <p:sp>
+        <p:nvSpPr>
+          <p:cNvPr id="9" name="Title 1">
+            <a:extLst>
+              <a:ext uri="{FF2B5EF4-FFF2-40B4-BE49-F238E27FC236}">
+                <a16:creationId xmlns:a16="http://schemas.microsoft.com/office/drawing/2014/main" id="{4D05BA02-CA33-42ED-ACC3-DA76FC780B50}"/>
               </a:ext>
             </a:extLst>
           </p:cNvPr>
@@ -4592,7 +5090,7 @@
                 </a:solidFill>
                 <a:latin typeface="Ink Free" panose="03080402000500000000" pitchFamily="66" charset="0"/>
               </a:rPr>
-              <a:t>h y p o t h e s i s</a:t>
+              <a:t>t h e   o r i g i n a l   d a t a</a:t>
             </a:r>
             <a:endParaRPr lang="en-US" sz="2800" b="1" i="1" dirty="0">
               <a:solidFill>
@@ -4603,242 +5101,44 @@
           </a:p>
         </p:txBody>
       </p:sp>
-      <p:sp>
-        <p:nvSpPr>
-          <p:cNvPr id="15" name="Content Placeholder 1">
-            <a:extLst>
-              <a:ext uri="{FF2B5EF4-FFF2-40B4-BE49-F238E27FC236}">
-                <a16:creationId xmlns:a16="http://schemas.microsoft.com/office/drawing/2014/main" id="{0D876D14-B92E-44C2-A552-8A0E54C91F10}"/>
-              </a:ext>
-            </a:extLst>
-          </p:cNvPr>
-          <p:cNvSpPr txBox="1">
-            <a:spLocks/>
-          </p:cNvSpPr>
+      <p:pic>
+        <p:nvPicPr>
+          <p:cNvPr id="2" name="Picture 1">
+            <a:extLst>
+              <a:ext uri="{FF2B5EF4-FFF2-40B4-BE49-F238E27FC236}">
+                <a16:creationId xmlns:a16="http://schemas.microsoft.com/office/drawing/2014/main" id="{D05646DC-15B4-49D1-BDB5-49125ED2197D}"/>
+              </a:ext>
+            </a:extLst>
+          </p:cNvPr>
+          <p:cNvPicPr>
+            <a:picLocks noChangeAspect="1"/>
+          </p:cNvPicPr>
           <p:nvPr/>
-        </p:nvSpPr>
+        </p:nvPicPr>
+        <p:blipFill rotWithShape="1">
+          <a:blip r:embed="rId5"/>
+          <a:srcRect l="2879" t="10800"/>
+          <a:stretch/>
+        </p:blipFill>
         <p:spPr>
           <a:xfrm>
-            <a:off x="376024" y="1520825"/>
-            <a:ext cx="6615326" cy="4351338"/>
+            <a:off x="7768205" y="2731546"/>
+            <a:ext cx="4112431" cy="1315674"/>
           </a:xfrm>
           <a:prstGeom prst="rect">
             <a:avLst/>
           </a:prstGeom>
+          <a:ln w="38100">
+            <a:solidFill>
+              <a:srgbClr val="1ED760"/>
+            </a:solidFill>
+          </a:ln>
         </p:spPr>
-        <p:txBody>
-          <a:bodyPr vert="horz" lIns="91440" tIns="45720" rIns="91440" bIns="45720" rtlCol="0">
-            <a:normAutofit/>
-          </a:bodyPr>
-          <a:lstStyle>
-            <a:lvl1pPr marL="228600" indent="-228600" algn="l" defTabSz="914400" rtl="0" eaLnBrk="1" latinLnBrk="0" hangingPunct="1">
-              <a:lnSpc>
-                <a:spcPct val="90000"/>
-              </a:lnSpc>
-              <a:spcBef>
-                <a:spcPts val="1000"/>
-              </a:spcBef>
-              <a:buFont typeface="Arial" panose="020B0604020202020204" pitchFamily="34" charset="0"/>
-              <a:buChar char="•"/>
-              <a:defRPr sz="2800" kern="1200">
-                <a:solidFill>
-                  <a:schemeClr val="tx1"/>
-                </a:solidFill>
-                <a:latin typeface="+mn-lt"/>
-                <a:ea typeface="+mn-ea"/>
-                <a:cs typeface="+mn-cs"/>
-              </a:defRPr>
-            </a:lvl1pPr>
-            <a:lvl2pPr marL="685800" indent="-228600" algn="l" defTabSz="914400" rtl="0" eaLnBrk="1" latinLnBrk="0" hangingPunct="1">
-              <a:lnSpc>
-                <a:spcPct val="90000"/>
-              </a:lnSpc>
-              <a:spcBef>
-                <a:spcPts val="500"/>
-              </a:spcBef>
-              <a:buFont typeface="Arial" panose="020B0604020202020204" pitchFamily="34" charset="0"/>
-              <a:buChar char="•"/>
-              <a:defRPr sz="2400" kern="1200">
-                <a:solidFill>
-                  <a:schemeClr val="tx1"/>
-                </a:solidFill>
-                <a:latin typeface="+mn-lt"/>
-                <a:ea typeface="+mn-ea"/>
-                <a:cs typeface="+mn-cs"/>
-              </a:defRPr>
-            </a:lvl2pPr>
-            <a:lvl3pPr marL="1143000" indent="-228600" algn="l" defTabSz="914400" rtl="0" eaLnBrk="1" latinLnBrk="0" hangingPunct="1">
-              <a:lnSpc>
-                <a:spcPct val="90000"/>
-              </a:lnSpc>
-              <a:spcBef>
-                <a:spcPts val="500"/>
-              </a:spcBef>
-              <a:buFont typeface="Arial" panose="020B0604020202020204" pitchFamily="34" charset="0"/>
-              <a:buChar char="•"/>
-              <a:defRPr sz="2000" kern="1200">
-                <a:solidFill>
-                  <a:schemeClr val="tx1"/>
-                </a:solidFill>
-                <a:latin typeface="+mn-lt"/>
-                <a:ea typeface="+mn-ea"/>
-                <a:cs typeface="+mn-cs"/>
-              </a:defRPr>
-            </a:lvl3pPr>
-            <a:lvl4pPr marL="1600200" indent="-228600" algn="l" defTabSz="914400" rtl="0" eaLnBrk="1" latinLnBrk="0" hangingPunct="1">
-              <a:lnSpc>
-                <a:spcPct val="90000"/>
-              </a:lnSpc>
-              <a:spcBef>
-                <a:spcPts val="500"/>
-              </a:spcBef>
-              <a:buFont typeface="Arial" panose="020B0604020202020204" pitchFamily="34" charset="0"/>
-              <a:buChar char="•"/>
-              <a:defRPr sz="1800" kern="1200">
-                <a:solidFill>
-                  <a:schemeClr val="tx1"/>
-                </a:solidFill>
-                <a:latin typeface="+mn-lt"/>
-                <a:ea typeface="+mn-ea"/>
-                <a:cs typeface="+mn-cs"/>
-              </a:defRPr>
-            </a:lvl4pPr>
-            <a:lvl5pPr marL="2057400" indent="-228600" algn="l" defTabSz="914400" rtl="0" eaLnBrk="1" latinLnBrk="0" hangingPunct="1">
-              <a:lnSpc>
-                <a:spcPct val="90000"/>
-              </a:lnSpc>
-              <a:spcBef>
-                <a:spcPts val="500"/>
-              </a:spcBef>
-              <a:buFont typeface="Arial" panose="020B0604020202020204" pitchFamily="34" charset="0"/>
-              <a:buChar char="•"/>
-              <a:defRPr sz="1800" kern="1200">
-                <a:solidFill>
-                  <a:schemeClr val="tx1"/>
-                </a:solidFill>
-                <a:latin typeface="+mn-lt"/>
-                <a:ea typeface="+mn-ea"/>
-                <a:cs typeface="+mn-cs"/>
-              </a:defRPr>
-            </a:lvl5pPr>
-            <a:lvl6pPr marL="2514600" indent="-228600" algn="l" defTabSz="914400" rtl="0" eaLnBrk="1" latinLnBrk="0" hangingPunct="1">
-              <a:lnSpc>
-                <a:spcPct val="90000"/>
-              </a:lnSpc>
-              <a:spcBef>
-                <a:spcPts val="500"/>
-              </a:spcBef>
-              <a:buFont typeface="Arial" panose="020B0604020202020204" pitchFamily="34" charset="0"/>
-              <a:buChar char="•"/>
-              <a:defRPr sz="1800" kern="1200">
-                <a:solidFill>
-                  <a:schemeClr val="tx1"/>
-                </a:solidFill>
-                <a:latin typeface="+mn-lt"/>
-                <a:ea typeface="+mn-ea"/>
-                <a:cs typeface="+mn-cs"/>
-              </a:defRPr>
-            </a:lvl6pPr>
-            <a:lvl7pPr marL="2971800" indent="-228600" algn="l" defTabSz="914400" rtl="0" eaLnBrk="1" latinLnBrk="0" hangingPunct="1">
-              <a:lnSpc>
-                <a:spcPct val="90000"/>
-              </a:lnSpc>
-              <a:spcBef>
-                <a:spcPts val="500"/>
-              </a:spcBef>
-              <a:buFont typeface="Arial" panose="020B0604020202020204" pitchFamily="34" charset="0"/>
-              <a:buChar char="•"/>
-              <a:defRPr sz="1800" kern="1200">
-                <a:solidFill>
-                  <a:schemeClr val="tx1"/>
-                </a:solidFill>
-                <a:latin typeface="+mn-lt"/>
-                <a:ea typeface="+mn-ea"/>
-                <a:cs typeface="+mn-cs"/>
-              </a:defRPr>
-            </a:lvl7pPr>
-            <a:lvl8pPr marL="3429000" indent="-228600" algn="l" defTabSz="914400" rtl="0" eaLnBrk="1" latinLnBrk="0" hangingPunct="1">
-              <a:lnSpc>
-                <a:spcPct val="90000"/>
-              </a:lnSpc>
-              <a:spcBef>
-                <a:spcPts val="500"/>
-              </a:spcBef>
-              <a:buFont typeface="Arial" panose="020B0604020202020204" pitchFamily="34" charset="0"/>
-              <a:buChar char="•"/>
-              <a:defRPr sz="1800" kern="1200">
-                <a:solidFill>
-                  <a:schemeClr val="tx1"/>
-                </a:solidFill>
-                <a:latin typeface="+mn-lt"/>
-                <a:ea typeface="+mn-ea"/>
-                <a:cs typeface="+mn-cs"/>
-              </a:defRPr>
-            </a:lvl8pPr>
-            <a:lvl9pPr marL="3886200" indent="-228600" algn="l" defTabSz="914400" rtl="0" eaLnBrk="1" latinLnBrk="0" hangingPunct="1">
-              <a:lnSpc>
-                <a:spcPct val="90000"/>
-              </a:lnSpc>
-              <a:spcBef>
-                <a:spcPts val="500"/>
-              </a:spcBef>
-              <a:buFont typeface="Arial" panose="020B0604020202020204" pitchFamily="34" charset="0"/>
-              <a:buChar char="•"/>
-              <a:defRPr sz="1800" kern="1200">
-                <a:solidFill>
-                  <a:schemeClr val="tx1"/>
-                </a:solidFill>
-                <a:latin typeface="+mn-lt"/>
-                <a:ea typeface="+mn-ea"/>
-                <a:cs typeface="+mn-cs"/>
-              </a:defRPr>
-            </a:lvl9pPr>
-          </a:lstStyle>
-          <a:p>
-            <a:pPr>
-              <a:buFont typeface="Courier New" panose="02070309020205020404" pitchFamily="49" charset="0"/>
-              <a:buChar char="o"/>
-            </a:pPr>
-            <a:r>
-              <a:rPr lang="en-US" b="1" dirty="0" err="1">
-                <a:solidFill>
-                  <a:srgbClr val="262626"/>
-                </a:solidFill>
-                <a:latin typeface="+mj-lt"/>
-                <a:ea typeface="+mj-ea"/>
-                <a:cs typeface="+mj-cs"/>
-              </a:rPr>
-              <a:t>dsdjskfhdkfh</a:t>
-            </a:r>
-            <a:endParaRPr lang="en-US" sz="2800" b="1" dirty="0">
-              <a:solidFill>
-                <a:srgbClr val="262626"/>
-              </a:solidFill>
-              <a:latin typeface="+mj-lt"/>
-              <a:ea typeface="+mj-ea"/>
-              <a:cs typeface="+mj-cs"/>
-            </a:endParaRPr>
-          </a:p>
-          <a:p>
-            <a:pPr lvl="1">
-              <a:buFont typeface="Courier New" panose="02070309020205020404" pitchFamily="49" charset="0"/>
-              <a:buChar char="o"/>
-            </a:pPr>
-            <a:endParaRPr lang="en-US" sz="2800" b="1" dirty="0">
-              <a:solidFill>
-                <a:srgbClr val="262626"/>
-              </a:solidFill>
-              <a:latin typeface="+mj-lt"/>
-              <a:ea typeface="+mj-ea"/>
-              <a:cs typeface="+mj-cs"/>
-            </a:endParaRPr>
-          </a:p>
-        </p:txBody>
-      </p:sp>
+      </p:pic>
     </p:spTree>
     <p:extLst>
       <p:ext uri="{BB962C8B-B14F-4D97-AF65-F5344CB8AC3E}">
-        <p14:creationId xmlns:p14="http://schemas.microsoft.com/office/powerpoint/2010/main" val="796348755"/>
+        <p14:creationId xmlns:p14="http://schemas.microsoft.com/office/powerpoint/2010/main" val="3525575612"/>
       </p:ext>
     </p:extLst>
   </p:cSld>
@@ -5002,8 +5302,8 @@
         </p:nvSpPr>
         <p:spPr>
           <a:xfrm>
-            <a:off x="376024" y="1520825"/>
-            <a:ext cx="6615326" cy="4351338"/>
+            <a:off x="393882" y="1236440"/>
+            <a:ext cx="6615326" cy="4879975"/>
           </a:xfrm>
           <a:prstGeom prst="rect">
             <a:avLst/>
@@ -5011,7 +5311,7 @@
         </p:spPr>
         <p:txBody>
           <a:bodyPr vert="horz" lIns="91440" tIns="45720" rIns="91440" bIns="45720" rtlCol="0">
-            <a:normAutofit/>
+            <a:normAutofit fontScale="85000" lnSpcReduction="20000"/>
           </a:bodyPr>
           <a:lstStyle>
             <a:lvl1pPr marL="228600" indent="-228600" algn="l" defTabSz="914400" rtl="0" eaLnBrk="1" latinLnBrk="0" hangingPunct="1">
@@ -5179,11 +5479,39 @@
           </a:lstStyle>
           <a:p>
             <a:pPr>
-              <a:buFont typeface="Courier New" panose="02070309020205020404" pitchFamily="49" charset="0"/>
-              <a:buChar char="o"/>
+              <a:buBlip>
+                <a:blip r:embed="rId3">
+                  <a:extLst>
+                    <a:ext uri="{837473B0-CC2E-450A-ABE3-18F120FF3D39}">
+                      <a1611:picAttrSrcUrl xmlns:a1611="http://schemas.microsoft.com/office/drawing/2016/11/main" r:id="rId4"/>
+                    </a:ext>
+                  </a:extLst>
+                </a:blip>
+              </a:buBlip>
             </a:pPr>
-            <a:r>
-              <a:rPr lang="en-US" b="1" dirty="0" err="1">
+            <a:endParaRPr lang="en-US" b="1" dirty="0">
+              <a:solidFill>
+                <a:srgbClr val="262626"/>
+              </a:solidFill>
+              <a:latin typeface="+mj-lt"/>
+              <a:ea typeface="+mj-ea"/>
+              <a:cs typeface="+mj-cs"/>
+            </a:endParaRPr>
+          </a:p>
+          <a:p>
+            <a:pPr>
+              <a:buBlip>
+                <a:blip r:embed="rId3">
+                  <a:extLst>
+                    <a:ext uri="{837473B0-CC2E-450A-ABE3-18F120FF3D39}">
+                      <a1611:picAttrSrcUrl xmlns:a1611="http://schemas.microsoft.com/office/drawing/2016/11/main" r:id="rId4"/>
+                    </a:ext>
+                  </a:extLst>
+                </a:blip>
+              </a:buBlip>
+            </a:pPr>
+            <a:r>
+              <a:rPr lang="en-US" sz="3100" dirty="0">
                 <a:solidFill>
                   <a:srgbClr val="262626"/>
                 </a:solidFill>
@@ -5191,9 +5519,144 @@
                 <a:ea typeface="+mj-ea"/>
                 <a:cs typeface="+mj-cs"/>
               </a:rPr>
-              <a:t>kdnfkjfh</a:t>
-            </a:r>
-            <a:endParaRPr lang="en-US" sz="2800" b="1" dirty="0">
+              <a:t>Given the data provided, is there a direct correlation between our Spotipy headers? </a:t>
+            </a:r>
+          </a:p>
+          <a:p>
+            <a:pPr marL="0" indent="0">
+              <a:buNone/>
+            </a:pPr>
+            <a:endParaRPr lang="en-US" sz="3100" dirty="0">
+              <a:solidFill>
+                <a:srgbClr val="262626"/>
+              </a:solidFill>
+              <a:latin typeface="+mj-lt"/>
+              <a:ea typeface="+mj-ea"/>
+              <a:cs typeface="+mj-cs"/>
+            </a:endParaRPr>
+          </a:p>
+          <a:p>
+            <a:pPr>
+              <a:buBlip>
+                <a:blip r:embed="rId3">
+                  <a:extLst>
+                    <a:ext uri="{837473B0-CC2E-450A-ABE3-18F120FF3D39}">
+                      <a1611:picAttrSrcUrl xmlns:a1611="http://schemas.microsoft.com/office/drawing/2016/11/main" r:id="rId4"/>
+                    </a:ext>
+                  </a:extLst>
+                </a:blip>
+              </a:buBlip>
+            </a:pPr>
+            <a:r>
+              <a:rPr lang="en-US" sz="3100" dirty="0">
+                <a:solidFill>
+                  <a:srgbClr val="262626"/>
+                </a:solidFill>
+                <a:latin typeface="+mj-lt"/>
+              </a:rPr>
+              <a:t>Could we bucket the stream counts to show the percentage breakdown? How “popular” is popular?</a:t>
+            </a:r>
+          </a:p>
+          <a:p>
+            <a:pPr marL="0" indent="0">
+              <a:buNone/>
+            </a:pPr>
+            <a:endParaRPr lang="en-US" sz="3100" dirty="0">
+              <a:solidFill>
+                <a:srgbClr val="262626"/>
+              </a:solidFill>
+              <a:latin typeface="+mj-lt"/>
+            </a:endParaRPr>
+          </a:p>
+          <a:p>
+            <a:pPr>
+              <a:buBlip>
+                <a:blip r:embed="rId3">
+                  <a:extLst>
+                    <a:ext uri="{837473B0-CC2E-450A-ABE3-18F120FF3D39}">
+                      <a1611:picAttrSrcUrl xmlns:a1611="http://schemas.microsoft.com/office/drawing/2016/11/main" r:id="rId4"/>
+                    </a:ext>
+                  </a:extLst>
+                </a:blip>
+              </a:buBlip>
+            </a:pPr>
+            <a:r>
+              <a:rPr lang="en-US" sz="3100" dirty="0">
+                <a:solidFill>
+                  <a:srgbClr val="262626"/>
+                </a:solidFill>
+                <a:latin typeface="+mj-lt"/>
+              </a:rPr>
+              <a:t>Which artist/album appears the most and least amount of times on the list? </a:t>
+            </a:r>
+          </a:p>
+          <a:p>
+            <a:pPr marL="0" indent="0">
+              <a:buNone/>
+            </a:pPr>
+            <a:endParaRPr lang="en-US" sz="3100" dirty="0">
+              <a:solidFill>
+                <a:srgbClr val="262626"/>
+              </a:solidFill>
+              <a:latin typeface="+mj-lt"/>
+            </a:endParaRPr>
+          </a:p>
+          <a:p>
+            <a:pPr>
+              <a:buBlip>
+                <a:blip r:embed="rId3">
+                  <a:extLst>
+                    <a:ext uri="{837473B0-CC2E-450A-ABE3-18F120FF3D39}">
+                      <a1611:picAttrSrcUrl xmlns:a1611="http://schemas.microsoft.com/office/drawing/2016/11/main" r:id="rId4"/>
+                    </a:ext>
+                  </a:extLst>
+                </a:blip>
+              </a:buBlip>
+            </a:pPr>
+            <a:r>
+              <a:rPr lang="en-US" sz="3100" dirty="0">
+                <a:solidFill>
+                  <a:srgbClr val="262626"/>
+                </a:solidFill>
+                <a:latin typeface="+mj-lt"/>
+                <a:ea typeface="+mj-ea"/>
+                <a:cs typeface="+mj-cs"/>
+              </a:rPr>
+              <a:t>What decade was responsible for providing the most amount of streams? </a:t>
+            </a:r>
+          </a:p>
+          <a:p>
+            <a:pPr marL="0" indent="0">
+              <a:buNone/>
+            </a:pPr>
+            <a:endParaRPr lang="en-US" b="1" dirty="0">
+              <a:solidFill>
+                <a:srgbClr val="262626"/>
+              </a:solidFill>
+              <a:latin typeface="+mj-lt"/>
+              <a:ea typeface="+mj-ea"/>
+              <a:cs typeface="+mj-cs"/>
+            </a:endParaRPr>
+          </a:p>
+          <a:p>
+            <a:pPr marL="514350" indent="-514350">
+              <a:buFont typeface="Arial" panose="020B0604020202020204" pitchFamily="34" charset="0"/>
+              <a:buAutoNum type="arabicPeriod"/>
+            </a:pPr>
+            <a:endParaRPr lang="en-US" b="1" dirty="0">
+              <a:solidFill>
+                <a:srgbClr val="262626"/>
+              </a:solidFill>
+              <a:latin typeface="+mj-lt"/>
+              <a:ea typeface="+mj-ea"/>
+              <a:cs typeface="+mj-cs"/>
+            </a:endParaRPr>
+          </a:p>
+          <a:p>
+            <a:pPr marL="514350" indent="-514350">
+              <a:buAutoNum type="arabicPeriod"/>
+            </a:pPr>
+            <a:endParaRPr lang="en-US" b="1" dirty="0">
               <a:solidFill>
                 <a:srgbClr val="262626"/>
               </a:solidFill>
@@ -5280,6 +5743,321 @@
                 <a:schemeClr val="bg1"/>
               </a:solidFill>
               <a:latin typeface="Ink Free" panose="03080402000500000000" pitchFamily="66" charset="0"/>
+            </a:endParaRPr>
+          </a:p>
+        </p:txBody>
+      </p:sp>
+      <p:sp>
+        <p:nvSpPr>
+          <p:cNvPr id="7" name="Title 1">
+            <a:extLst>
+              <a:ext uri="{FF2B5EF4-FFF2-40B4-BE49-F238E27FC236}">
+                <a16:creationId xmlns:a16="http://schemas.microsoft.com/office/drawing/2014/main" id="{E59A3F55-B6D6-40AA-8525-F86CA27E957C}"/>
+              </a:ext>
+            </a:extLst>
+          </p:cNvPr>
+          <p:cNvSpPr txBox="1">
+            <a:spLocks/>
+          </p:cNvSpPr>
+          <p:nvPr/>
+        </p:nvSpPr>
+        <p:spPr>
+          <a:xfrm>
+            <a:off x="7403089" y="368969"/>
+            <a:ext cx="4788911" cy="6031830"/>
+          </a:xfrm>
+          <a:prstGeom prst="rect">
+            <a:avLst/>
+          </a:prstGeom>
+          <a:noFill/>
+        </p:spPr>
+        <p:txBody>
+          <a:bodyPr vert="horz" lIns="91440" tIns="45720" rIns="91440" bIns="45720" rtlCol="0" anchor="t">
+            <a:normAutofit fontScale="77500" lnSpcReduction="20000"/>
+          </a:bodyPr>
+          <a:lstStyle>
+            <a:lvl1pPr algn="l" defTabSz="914400" rtl="0" eaLnBrk="1" latinLnBrk="0" hangingPunct="1">
+              <a:lnSpc>
+                <a:spcPct val="90000"/>
+              </a:lnSpc>
+              <a:spcBef>
+                <a:spcPct val="0"/>
+              </a:spcBef>
+              <a:buNone/>
+              <a:defRPr sz="4400" kern="1200">
+                <a:solidFill>
+                  <a:schemeClr val="tx1"/>
+                </a:solidFill>
+                <a:latin typeface="+mj-lt"/>
+                <a:ea typeface="+mj-ea"/>
+                <a:cs typeface="+mj-cs"/>
+              </a:defRPr>
+            </a:lvl1pPr>
+          </a:lstStyle>
+          <a:p>
+            <a:pPr algn="ctr"/>
+            <a:r>
+              <a:rPr lang="en-US" sz="3300" b="1" dirty="0">
+                <a:solidFill>
+                  <a:srgbClr val="1ED760"/>
+                </a:solidFill>
+              </a:rPr>
+              <a:t>Data Headers:</a:t>
+            </a:r>
+          </a:p>
+          <a:p>
+            <a:pPr algn="ctr"/>
+            <a:endParaRPr lang="en-US" sz="3300" b="1" dirty="0">
+              <a:solidFill>
+                <a:schemeClr val="bg1"/>
+              </a:solidFill>
+            </a:endParaRPr>
+          </a:p>
+          <a:p>
+            <a:pPr algn="ctr"/>
+            <a:r>
+              <a:rPr lang="en-US" sz="3300" b="1" dirty="0">
+                <a:solidFill>
+                  <a:schemeClr val="bg1"/>
+                </a:solidFill>
+              </a:rPr>
+              <a:t>Position</a:t>
+            </a:r>
+          </a:p>
+          <a:p>
+            <a:pPr algn="ctr"/>
+            <a:r>
+              <a:rPr lang="en-US" sz="3300" b="1" dirty="0">
+                <a:solidFill>
+                  <a:schemeClr val="bg1"/>
+                </a:solidFill>
+              </a:rPr>
+              <a:t>Track Name</a:t>
+            </a:r>
+          </a:p>
+          <a:p>
+            <a:pPr algn="ctr"/>
+            <a:r>
+              <a:rPr lang="en-US" sz="3300" b="1" dirty="0">
+                <a:solidFill>
+                  <a:schemeClr val="bg1"/>
+                </a:solidFill>
+              </a:rPr>
+              <a:t>Artist</a:t>
+            </a:r>
+          </a:p>
+          <a:p>
+            <a:pPr algn="ctr"/>
+            <a:r>
+              <a:rPr lang="en-US" sz="3300" b="1" dirty="0">
+                <a:solidFill>
+                  <a:schemeClr val="bg1"/>
+                </a:solidFill>
+              </a:rPr>
+              <a:t>Streams</a:t>
+            </a:r>
+          </a:p>
+          <a:p>
+            <a:pPr algn="ctr"/>
+            <a:r>
+              <a:rPr lang="en-US" sz="3300" b="1" dirty="0">
+                <a:solidFill>
+                  <a:schemeClr val="bg1"/>
+                </a:solidFill>
+              </a:rPr>
+              <a:t>Date</a:t>
+            </a:r>
+          </a:p>
+          <a:p>
+            <a:pPr algn="ctr"/>
+            <a:r>
+              <a:rPr lang="en-US" sz="3300" b="1" dirty="0">
+                <a:solidFill>
+                  <a:schemeClr val="bg1"/>
+                </a:solidFill>
+              </a:rPr>
+              <a:t>Bins</a:t>
+            </a:r>
+          </a:p>
+          <a:p>
+            <a:pPr algn="ctr"/>
+            <a:r>
+              <a:rPr lang="en-US" sz="3300" b="1" dirty="0">
+                <a:solidFill>
+                  <a:schemeClr val="bg1"/>
+                </a:solidFill>
+              </a:rPr>
+              <a:t>Unique Track ID</a:t>
+            </a:r>
+          </a:p>
+          <a:p>
+            <a:pPr algn="ctr"/>
+            <a:r>
+              <a:rPr lang="en-US" sz="3300" b="1" dirty="0">
+                <a:solidFill>
+                  <a:schemeClr val="bg1"/>
+                </a:solidFill>
+              </a:rPr>
+              <a:t>Album</a:t>
+            </a:r>
+          </a:p>
+          <a:p>
+            <a:pPr algn="ctr"/>
+            <a:r>
+              <a:rPr lang="en-US" sz="3300" b="1" dirty="0">
+                <a:solidFill>
+                  <a:schemeClr val="bg1"/>
+                </a:solidFill>
+              </a:rPr>
+              <a:t>Release Date</a:t>
+            </a:r>
+          </a:p>
+          <a:p>
+            <a:pPr algn="ctr"/>
+            <a:r>
+              <a:rPr lang="en-US" sz="3300" b="1" dirty="0">
+                <a:solidFill>
+                  <a:schemeClr val="bg1"/>
+                </a:solidFill>
+              </a:rPr>
+              <a:t>Length</a:t>
+            </a:r>
+          </a:p>
+          <a:p>
+            <a:pPr algn="ctr"/>
+            <a:r>
+              <a:rPr lang="en-US" sz="3300" b="1" dirty="0">
+                <a:solidFill>
+                  <a:schemeClr val="bg1"/>
+                </a:solidFill>
+              </a:rPr>
+              <a:t>Popularity</a:t>
+            </a:r>
+          </a:p>
+          <a:p>
+            <a:pPr algn="ctr"/>
+            <a:r>
+              <a:rPr lang="en-US" sz="3300" b="1" dirty="0">
+                <a:solidFill>
+                  <a:schemeClr val="bg1"/>
+                </a:solidFill>
+              </a:rPr>
+              <a:t>Danceability</a:t>
+            </a:r>
+          </a:p>
+          <a:p>
+            <a:pPr algn="ctr"/>
+            <a:r>
+              <a:rPr lang="en-US" sz="3300" b="1" dirty="0">
+                <a:solidFill>
+                  <a:schemeClr val="bg1"/>
+                </a:solidFill>
+              </a:rPr>
+              <a:t>Acousticness</a:t>
+            </a:r>
+          </a:p>
+          <a:p>
+            <a:pPr algn="ctr"/>
+            <a:r>
+              <a:rPr lang="en-US" sz="3300" b="1" dirty="0">
+                <a:solidFill>
+                  <a:schemeClr val="bg1"/>
+                </a:solidFill>
+              </a:rPr>
+              <a:t>Energy</a:t>
+            </a:r>
+          </a:p>
+          <a:p>
+            <a:pPr algn="ctr"/>
+            <a:r>
+              <a:rPr lang="en-US" sz="3300" b="1" dirty="0">
+                <a:solidFill>
+                  <a:schemeClr val="bg1"/>
+                </a:solidFill>
+              </a:rPr>
+              <a:t>Instrumentalness</a:t>
+            </a:r>
+          </a:p>
+          <a:p>
+            <a:pPr algn="ctr"/>
+            <a:r>
+              <a:rPr lang="en-US" sz="3300" b="1" dirty="0">
+                <a:solidFill>
+                  <a:schemeClr val="bg1"/>
+                </a:solidFill>
+              </a:rPr>
+              <a:t>Liveness</a:t>
+            </a:r>
+          </a:p>
+          <a:p>
+            <a:pPr algn="ctr"/>
+            <a:r>
+              <a:rPr lang="en-US" sz="3300" b="1" dirty="0">
+                <a:solidFill>
+                  <a:schemeClr val="bg1"/>
+                </a:solidFill>
+              </a:rPr>
+              <a:t>Loudness </a:t>
+            </a:r>
+          </a:p>
+          <a:p>
+            <a:pPr algn="ctr"/>
+            <a:r>
+              <a:rPr lang="en-US" sz="3300" b="1" dirty="0">
+                <a:solidFill>
+                  <a:schemeClr val="bg1"/>
+                </a:solidFill>
+              </a:rPr>
+              <a:t>Speechiness</a:t>
+            </a:r>
+          </a:p>
+          <a:p>
+            <a:pPr algn="ctr"/>
+            <a:r>
+              <a:rPr lang="en-US" sz="3300" b="1" dirty="0">
+                <a:solidFill>
+                  <a:schemeClr val="bg1"/>
+                </a:solidFill>
+              </a:rPr>
+              <a:t>Tempo</a:t>
+            </a:r>
+          </a:p>
+          <a:p>
+            <a:pPr algn="ctr"/>
+            <a:endParaRPr lang="en-US" sz="3200" b="1" dirty="0">
+              <a:solidFill>
+                <a:schemeClr val="bg1"/>
+              </a:solidFill>
+            </a:endParaRPr>
+          </a:p>
+          <a:p>
+            <a:pPr marL="457200" indent="-457200">
+              <a:buClr>
+                <a:schemeClr val="bg1"/>
+              </a:buClr>
+              <a:buFont typeface="Wingdings" panose="05000000000000000000" pitchFamily="2" charset="2"/>
+              <a:buChar char="q"/>
+            </a:pPr>
+            <a:endParaRPr lang="en-US" sz="3200" b="1" dirty="0">
+              <a:solidFill>
+                <a:schemeClr val="bg1"/>
+              </a:solidFill>
+            </a:endParaRPr>
+          </a:p>
+          <a:p>
+            <a:pPr algn="ctr"/>
+            <a:endParaRPr lang="en-US" sz="3200" b="1" dirty="0">
+              <a:solidFill>
+                <a:schemeClr val="bg1"/>
+              </a:solidFill>
+            </a:endParaRPr>
+          </a:p>
+          <a:p>
+            <a:pPr algn="ctr"/>
+            <a:endParaRPr lang="en-US" sz="3200" b="1" dirty="0">
+              <a:solidFill>
+                <a:schemeClr val="bg1"/>
+              </a:solidFill>
             </a:endParaRPr>
           </a:p>
         </p:txBody>
@@ -5393,7 +6171,7 @@
           <p:cNvPr id="5" name="Content Placeholder 4" descr="Terraform &amp; Spotify Data Engineering | Python In Plain English">
             <a:extLst>
               <a:ext uri="{FF2B5EF4-FFF2-40B4-BE49-F238E27FC236}">
-                <a16:creationId xmlns:a16="http://schemas.microsoft.com/office/drawing/2014/main" id="{1CB322AD-0C14-4B6E-87B1-21D722FE2094}"/>
+                <a16:creationId xmlns:a16="http://schemas.microsoft.com/office/drawing/2014/main" id="{3CD7143D-AE3A-491F-AE69-11DDCDEBAFD4}"/>
               </a:ext>
             </a:extLst>
           </p:cNvPr>
@@ -5438,7 +6216,7 @@
           <p:cNvPr id="8" name="Title 1">
             <a:extLst>
               <a:ext uri="{FF2B5EF4-FFF2-40B4-BE49-F238E27FC236}">
-                <a16:creationId xmlns:a16="http://schemas.microsoft.com/office/drawing/2014/main" id="{D9DFD1F7-1CAA-4059-8E9F-3A5144453FCF}"/>
+                <a16:creationId xmlns:a16="http://schemas.microsoft.com/office/drawing/2014/main" id="{0140C57F-B1D0-4A30-B11E-B121C5C35128}"/>
               </a:ext>
             </a:extLst>
           </p:cNvPr>
@@ -5488,7 +6266,7 @@
                 </a:solidFill>
                 <a:latin typeface="Ink Free" panose="03080402000500000000" pitchFamily="66" charset="0"/>
               </a:rPr>
-              <a:t>d a t a   s o u r c e</a:t>
+              <a:t>h y p o t h e s i s</a:t>
             </a:r>
             <a:endParaRPr lang="en-US" sz="2800" b="1" i="1" dirty="0">
               <a:solidFill>
@@ -5501,10 +6279,10 @@
       </p:sp>
       <p:sp>
         <p:nvSpPr>
-          <p:cNvPr id="10" name="Content Placeholder 1">
-            <a:extLst>
-              <a:ext uri="{FF2B5EF4-FFF2-40B4-BE49-F238E27FC236}">
-                <a16:creationId xmlns:a16="http://schemas.microsoft.com/office/drawing/2014/main" id="{3A4D2F9E-DBCA-430E-B455-69F5DE302AF7}"/>
+          <p:cNvPr id="6" name="Content Placeholder 1">
+            <a:extLst>
+              <a:ext uri="{FF2B5EF4-FFF2-40B4-BE49-F238E27FC236}">
+                <a16:creationId xmlns:a16="http://schemas.microsoft.com/office/drawing/2014/main" id="{163E7B8F-17E8-4ED0-AE47-6611FC1B58F8}"/>
               </a:ext>
             </a:extLst>
           </p:cNvPr>
@@ -5524,7 +6302,7 @@
         </p:spPr>
         <p:txBody>
           <a:bodyPr vert="horz" lIns="91440" tIns="45720" rIns="91440" bIns="45720" rtlCol="0">
-            <a:normAutofit/>
+            <a:normAutofit fontScale="92500" lnSpcReduction="20000"/>
           </a:bodyPr>
           <a:lstStyle>
             <a:lvl1pPr marL="228600" indent="-228600" algn="l" defTabSz="914400" rtl="0" eaLnBrk="1" latinLnBrk="0" hangingPunct="1">
@@ -5692,11 +6470,18 @@
           </a:lstStyle>
           <a:p>
             <a:pPr>
-              <a:buFont typeface="Courier New" panose="02070309020205020404" pitchFamily="49" charset="0"/>
-              <a:buChar char="o"/>
+              <a:buBlip>
+                <a:blip r:embed="rId3">
+                  <a:extLst>
+                    <a:ext uri="{837473B0-CC2E-450A-ABE3-18F120FF3D39}">
+                      <a1611:picAttrSrcUrl xmlns:a1611="http://schemas.microsoft.com/office/drawing/2016/11/main" r:id="rId4"/>
+                    </a:ext>
+                  </a:extLst>
+                </a:blip>
+              </a:buBlip>
             </a:pPr>
             <a:r>
-              <a:rPr lang="en-US" b="1" dirty="0" err="1">
+              <a:rPr lang="en-US" sz="2500" dirty="0">
                 <a:solidFill>
                   <a:srgbClr val="262626"/>
                 </a:solidFill>
@@ -5704,9 +6489,284 @@
                 <a:ea typeface="+mj-ea"/>
                 <a:cs typeface="+mj-cs"/>
               </a:rPr>
-              <a:t>skjdfksdhf</a:t>
-            </a:r>
-            <a:endParaRPr lang="en-US" sz="2800" b="1" dirty="0">
+              <a:t>Before analyzing the data, our group collaborated to hypothesize the following: </a:t>
+            </a:r>
+          </a:p>
+          <a:p>
+            <a:pPr marL="0" indent="0">
+              <a:buNone/>
+            </a:pPr>
+            <a:endParaRPr lang="en-US" sz="2500" dirty="0">
+              <a:solidFill>
+                <a:srgbClr val="262626"/>
+              </a:solidFill>
+              <a:latin typeface="+mj-lt"/>
+              <a:ea typeface="+mj-ea"/>
+              <a:cs typeface="+mj-cs"/>
+            </a:endParaRPr>
+          </a:p>
+          <a:p>
+            <a:pPr lvl="1">
+              <a:buBlip>
+                <a:blip r:embed="rId3">
+                  <a:extLst>
+                    <a:ext uri="{837473B0-CC2E-450A-ABE3-18F120FF3D39}">
+                      <a1611:picAttrSrcUrl xmlns:a1611="http://schemas.microsoft.com/office/drawing/2016/11/main" r:id="rId4"/>
+                    </a:ext>
+                  </a:extLst>
+                </a:blip>
+              </a:buBlip>
+            </a:pPr>
+            <a:r>
+              <a:rPr lang="en-US" sz="2500" dirty="0">
+                <a:solidFill>
+                  <a:srgbClr val="262626"/>
+                </a:solidFill>
+                <a:latin typeface="+mj-lt"/>
+                <a:ea typeface="+mj-ea"/>
+                <a:cs typeface="+mj-cs"/>
+              </a:rPr>
+              <a:t>If the rank of the Track Name is higher, does that mean that the stream count is larger? </a:t>
+            </a:r>
+          </a:p>
+          <a:p>
+            <a:pPr lvl="1">
+              <a:buBlip>
+                <a:blip r:embed="rId3">
+                  <a:extLst>
+                    <a:ext uri="{837473B0-CC2E-450A-ABE3-18F120FF3D39}">
+                      <a1611:picAttrSrcUrl xmlns:a1611="http://schemas.microsoft.com/office/drawing/2016/11/main" r:id="rId4"/>
+                    </a:ext>
+                  </a:extLst>
+                </a:blip>
+              </a:buBlip>
+            </a:pPr>
+            <a:endParaRPr lang="en-US" sz="2500" dirty="0">
+              <a:solidFill>
+                <a:srgbClr val="262626"/>
+              </a:solidFill>
+              <a:latin typeface="+mj-lt"/>
+              <a:ea typeface="+mj-ea"/>
+              <a:cs typeface="+mj-cs"/>
+            </a:endParaRPr>
+          </a:p>
+          <a:p>
+            <a:pPr lvl="1">
+              <a:buBlip>
+                <a:blip r:embed="rId3">
+                  <a:extLst>
+                    <a:ext uri="{837473B0-CC2E-450A-ABE3-18F120FF3D39}">
+                      <a1611:picAttrSrcUrl xmlns:a1611="http://schemas.microsoft.com/office/drawing/2016/11/main" r:id="rId4"/>
+                    </a:ext>
+                  </a:extLst>
+                </a:blip>
+              </a:buBlip>
+            </a:pPr>
+            <a:r>
+              <a:rPr lang="en-US" sz="2500" dirty="0">
+                <a:solidFill>
+                  <a:srgbClr val="262626"/>
+                </a:solidFill>
+                <a:latin typeface="+mj-lt"/>
+                <a:ea typeface="+mj-ea"/>
+                <a:cs typeface="+mj-cs"/>
+              </a:rPr>
+              <a:t>If an artist appears on the list more frequently, does that mean the stream count is larger?</a:t>
+            </a:r>
+          </a:p>
+          <a:p>
+            <a:pPr lvl="1">
+              <a:buBlip>
+                <a:blip r:embed="rId3">
+                  <a:extLst>
+                    <a:ext uri="{837473B0-CC2E-450A-ABE3-18F120FF3D39}">
+                      <a1611:picAttrSrcUrl xmlns:a1611="http://schemas.microsoft.com/office/drawing/2016/11/main" r:id="rId4"/>
+                    </a:ext>
+                  </a:extLst>
+                </a:blip>
+              </a:buBlip>
+            </a:pPr>
+            <a:endParaRPr lang="en-US" sz="2500" dirty="0">
+              <a:solidFill>
+                <a:srgbClr val="262626"/>
+              </a:solidFill>
+              <a:latin typeface="+mj-lt"/>
+              <a:ea typeface="+mj-ea"/>
+              <a:cs typeface="+mj-cs"/>
+            </a:endParaRPr>
+          </a:p>
+          <a:p>
+            <a:pPr lvl="1">
+              <a:buBlip>
+                <a:blip r:embed="rId3">
+                  <a:extLst>
+                    <a:ext uri="{837473B0-CC2E-450A-ABE3-18F120FF3D39}">
+                      <a1611:picAttrSrcUrl xmlns:a1611="http://schemas.microsoft.com/office/drawing/2016/11/main" r:id="rId4"/>
+                    </a:ext>
+                  </a:extLst>
+                </a:blip>
+              </a:buBlip>
+            </a:pPr>
+            <a:r>
+              <a:rPr lang="en-US" sz="2500" dirty="0">
+                <a:solidFill>
+                  <a:srgbClr val="262626"/>
+                </a:solidFill>
+                <a:latin typeface="+mj-lt"/>
+                <a:ea typeface="+mj-ea"/>
+                <a:cs typeface="+mj-cs"/>
+              </a:rPr>
+              <a:t>If the release of the track is newer, does that mean the stream count is larger? </a:t>
+            </a:r>
+          </a:p>
+          <a:p>
+            <a:pPr marL="457200" lvl="1" indent="0">
+              <a:buNone/>
+            </a:pPr>
+            <a:endParaRPr lang="en-US" sz="2500" dirty="0">
+              <a:solidFill>
+                <a:srgbClr val="262626"/>
+              </a:solidFill>
+              <a:latin typeface="+mj-lt"/>
+              <a:ea typeface="+mj-ea"/>
+              <a:cs typeface="+mj-cs"/>
+            </a:endParaRPr>
+          </a:p>
+          <a:p>
+            <a:pPr lvl="1">
+              <a:buBlip>
+                <a:blip r:embed="rId3">
+                  <a:extLst>
+                    <a:ext uri="{837473B0-CC2E-450A-ABE3-18F120FF3D39}">
+                      <a1611:picAttrSrcUrl xmlns:a1611="http://schemas.microsoft.com/office/drawing/2016/11/main" r:id="rId4"/>
+                    </a:ext>
+                  </a:extLst>
+                </a:blip>
+              </a:buBlip>
+            </a:pPr>
+            <a:r>
+              <a:rPr lang="en-US" sz="2500" dirty="0">
+                <a:solidFill>
+                  <a:srgbClr val="262626"/>
+                </a:solidFill>
+                <a:latin typeface="+mj-lt"/>
+                <a:ea typeface="+mj-ea"/>
+                <a:cs typeface="+mj-cs"/>
+              </a:rPr>
+              <a:t>If the artist has multiples albums on the list, does that mean the stream count is larger?</a:t>
+            </a:r>
+          </a:p>
+          <a:p>
+            <a:pPr lvl="1">
+              <a:buBlip>
+                <a:blip r:embed="rId3">
+                  <a:extLst>
+                    <a:ext uri="{837473B0-CC2E-450A-ABE3-18F120FF3D39}">
+                      <a1611:picAttrSrcUrl xmlns:a1611="http://schemas.microsoft.com/office/drawing/2016/11/main" r:id="rId4"/>
+                    </a:ext>
+                  </a:extLst>
+                </a:blip>
+              </a:buBlip>
+            </a:pPr>
+            <a:endParaRPr lang="en-US" dirty="0">
+              <a:solidFill>
+                <a:srgbClr val="262626"/>
+              </a:solidFill>
+              <a:latin typeface="+mj-lt"/>
+              <a:ea typeface="+mj-ea"/>
+              <a:cs typeface="+mj-cs"/>
+            </a:endParaRPr>
+          </a:p>
+          <a:p>
+            <a:pPr lvl="1">
+              <a:buFont typeface="Wingdings" panose="05000000000000000000" pitchFamily="2" charset="2"/>
+              <a:buChar char="q"/>
+            </a:pPr>
+            <a:endParaRPr lang="en-US" b="1" dirty="0">
+              <a:solidFill>
+                <a:srgbClr val="262626"/>
+              </a:solidFill>
+              <a:latin typeface="+mj-lt"/>
+              <a:ea typeface="+mj-ea"/>
+              <a:cs typeface="+mj-cs"/>
+            </a:endParaRPr>
+          </a:p>
+          <a:p>
+            <a:pPr lvl="1">
+              <a:buFont typeface="Wingdings" panose="05000000000000000000" pitchFamily="2" charset="2"/>
+              <a:buChar char="q"/>
+            </a:pPr>
+            <a:endParaRPr lang="en-US" b="1" dirty="0">
+              <a:solidFill>
+                <a:srgbClr val="262626"/>
+              </a:solidFill>
+              <a:latin typeface="+mj-lt"/>
+              <a:ea typeface="+mj-ea"/>
+              <a:cs typeface="+mj-cs"/>
+            </a:endParaRPr>
+          </a:p>
+          <a:p>
+            <a:pPr lvl="1">
+              <a:buFont typeface="Wingdings" panose="05000000000000000000" pitchFamily="2" charset="2"/>
+              <a:buChar char="q"/>
+            </a:pPr>
+            <a:endParaRPr lang="en-US" b="1" dirty="0">
+              <a:solidFill>
+                <a:srgbClr val="262626"/>
+              </a:solidFill>
+              <a:latin typeface="+mj-lt"/>
+              <a:ea typeface="+mj-ea"/>
+              <a:cs typeface="+mj-cs"/>
+            </a:endParaRPr>
+          </a:p>
+          <a:p>
+            <a:pPr lvl="1">
+              <a:buFont typeface="Wingdings" panose="05000000000000000000" pitchFamily="2" charset="2"/>
+              <a:buChar char="q"/>
+            </a:pPr>
+            <a:endParaRPr lang="en-US" b="1" dirty="0">
+              <a:solidFill>
+                <a:srgbClr val="262626"/>
+              </a:solidFill>
+              <a:latin typeface="+mj-lt"/>
+              <a:ea typeface="+mj-ea"/>
+              <a:cs typeface="+mj-cs"/>
+            </a:endParaRPr>
+          </a:p>
+          <a:p>
+            <a:pPr lvl="1">
+              <a:buFont typeface="Wingdings" panose="05000000000000000000" pitchFamily="2" charset="2"/>
+              <a:buChar char="q"/>
+            </a:pPr>
+            <a:endParaRPr lang="en-US" b="1" dirty="0">
+              <a:solidFill>
+                <a:srgbClr val="262626"/>
+              </a:solidFill>
+              <a:latin typeface="+mj-lt"/>
+              <a:ea typeface="+mj-ea"/>
+              <a:cs typeface="+mj-cs"/>
+            </a:endParaRPr>
+          </a:p>
+          <a:p>
+            <a:pPr lvl="1">
+              <a:buFont typeface="Wingdings" panose="05000000000000000000" pitchFamily="2" charset="2"/>
+              <a:buChar char="q"/>
+            </a:pPr>
+            <a:endParaRPr lang="en-US" b="1" dirty="0">
+              <a:solidFill>
+                <a:srgbClr val="262626"/>
+              </a:solidFill>
+              <a:latin typeface="+mj-lt"/>
+              <a:ea typeface="+mj-ea"/>
+              <a:cs typeface="+mj-cs"/>
+            </a:endParaRPr>
+          </a:p>
+          <a:p>
+            <a:pPr lvl="1">
+              <a:buFont typeface="Courier New" panose="02070309020205020404" pitchFamily="49" charset="0"/>
+              <a:buChar char="o"/>
+            </a:pPr>
+            <a:endParaRPr lang="en-US" b="1" dirty="0">
               <a:solidFill>
                 <a:srgbClr val="262626"/>
               </a:solidFill>
@@ -5734,7 +6794,7 @@
     </p:spTree>
     <p:extLst>
       <p:ext uri="{BB962C8B-B14F-4D97-AF65-F5344CB8AC3E}">
-        <p14:creationId xmlns:p14="http://schemas.microsoft.com/office/powerpoint/2010/main" val="147323286"/>
+        <p14:creationId xmlns:p14="http://schemas.microsoft.com/office/powerpoint/2010/main" val="991961116"/>
       </p:ext>
     </p:extLst>
   </p:cSld>
@@ -5840,7 +6900,7 @@
           <p:cNvPr id="5" name="Content Placeholder 4" descr="Terraform &amp; Spotify Data Engineering | Python In Plain English">
             <a:extLst>
               <a:ext uri="{FF2B5EF4-FFF2-40B4-BE49-F238E27FC236}">
-                <a16:creationId xmlns:a16="http://schemas.microsoft.com/office/drawing/2014/main" id="{84D92599-E100-4725-AD6A-0D4038DE46AD}"/>
+                <a16:creationId xmlns:a16="http://schemas.microsoft.com/office/drawing/2014/main" id="{50B1EFE3-741F-453E-8793-C05FA4889D1F}"/>
               </a:ext>
             </a:extLst>
           </p:cNvPr>
@@ -5882,66 +6942,10 @@
       </p:pic>
       <p:sp>
         <p:nvSpPr>
-          <p:cNvPr id="7" name="Title 1">
-            <a:extLst>
-              <a:ext uri="{FF2B5EF4-FFF2-40B4-BE49-F238E27FC236}">
-                <a16:creationId xmlns:a16="http://schemas.microsoft.com/office/drawing/2014/main" id="{EBA8A45B-E1A7-47EC-8A3D-B78F9CD35F1D}"/>
-              </a:ext>
-            </a:extLst>
-          </p:cNvPr>
-          <p:cNvSpPr txBox="1">
-            <a:spLocks/>
-          </p:cNvSpPr>
-          <p:nvPr/>
-        </p:nvSpPr>
-        <p:spPr>
-          <a:xfrm>
-            <a:off x="183089" y="0"/>
-            <a:ext cx="10901471" cy="1236440"/>
-          </a:xfrm>
-          <a:prstGeom prst="rect">
-            <a:avLst/>
-          </a:prstGeom>
-          <a:noFill/>
-        </p:spPr>
-        <p:txBody>
-          <a:bodyPr vert="horz" lIns="91440" tIns="45720" rIns="91440" bIns="45720" rtlCol="0" anchor="ctr">
-            <a:normAutofit/>
-          </a:bodyPr>
-          <a:lstStyle>
-            <a:lvl1pPr algn="l" defTabSz="914400" rtl="0" eaLnBrk="1" latinLnBrk="0" hangingPunct="1">
-              <a:lnSpc>
-                <a:spcPct val="90000"/>
-              </a:lnSpc>
-              <a:spcBef>
-                <a:spcPct val="0"/>
-              </a:spcBef>
-              <a:buNone/>
-              <a:defRPr sz="4400" kern="1200">
-                <a:solidFill>
-                  <a:schemeClr val="tx1"/>
-                </a:solidFill>
-                <a:latin typeface="+mj-lt"/>
-                <a:ea typeface="+mj-ea"/>
-                <a:cs typeface="+mj-cs"/>
-              </a:defRPr>
-            </a:lvl1pPr>
-          </a:lstStyle>
-          <a:p>
-            <a:endParaRPr lang="en-US" sz="4800" b="1" dirty="0">
-              <a:solidFill>
-                <a:schemeClr val="bg1"/>
-              </a:solidFill>
-            </a:endParaRPr>
-          </a:p>
-        </p:txBody>
-      </p:sp>
-      <p:sp>
-        <p:nvSpPr>
           <p:cNvPr id="8" name="Content Placeholder 1">
             <a:extLst>
               <a:ext uri="{FF2B5EF4-FFF2-40B4-BE49-F238E27FC236}">
-                <a16:creationId xmlns:a16="http://schemas.microsoft.com/office/drawing/2014/main" id="{963A0821-FD19-4856-BEB2-4652D7C46FA1}"/>
+                <a16:creationId xmlns:a16="http://schemas.microsoft.com/office/drawing/2014/main" id="{FF2369B4-D283-4008-B8BA-ABA6D72CA155}"/>
               </a:ext>
             </a:extLst>
           </p:cNvPr>
@@ -5953,7 +6957,7 @@
         <p:spPr>
           <a:xfrm>
             <a:off x="376024" y="1520825"/>
-            <a:ext cx="6615326" cy="4351338"/>
+            <a:ext cx="6615326" cy="4992270"/>
           </a:xfrm>
           <a:prstGeom prst="rect">
             <a:avLst/>
@@ -6128,33 +7132,11 @@
             </a:lvl9pPr>
           </a:lstStyle>
           <a:p>
-            <a:pPr>
+            <a:pPr lvl="1">
               <a:buFont typeface="Courier New" panose="02070309020205020404" pitchFamily="49" charset="0"/>
               <a:buChar char="o"/>
             </a:pPr>
-            <a:r>
-              <a:rPr lang="en-US" b="1" dirty="0">
-                <a:solidFill>
-                  <a:srgbClr val="262626"/>
-                </a:solidFill>
-                <a:latin typeface="+mj-lt"/>
-                <a:ea typeface="+mj-ea"/>
-                <a:cs typeface="+mj-cs"/>
-              </a:rPr>
-              <a:t> </a:t>
-            </a:r>
-            <a:r>
-              <a:rPr lang="en-US" b="1" dirty="0" err="1">
-                <a:solidFill>
-                  <a:srgbClr val="262626"/>
-                </a:solidFill>
-                <a:latin typeface="+mj-lt"/>
-                <a:ea typeface="+mj-ea"/>
-                <a:cs typeface="+mj-cs"/>
-              </a:rPr>
-              <a:t>ldsjfkdsfks</a:t>
-            </a:r>
-            <a:endParaRPr lang="en-US" sz="2800" b="1" dirty="0">
+            <a:endParaRPr lang="en-US" b="1" dirty="0">
               <a:solidFill>
                 <a:srgbClr val="262626"/>
               </a:solidFill>
@@ -6184,7 +7166,7 @@
           <p:cNvPr id="9" name="Title 1">
             <a:extLst>
               <a:ext uri="{FF2B5EF4-FFF2-40B4-BE49-F238E27FC236}">
-                <a16:creationId xmlns:a16="http://schemas.microsoft.com/office/drawing/2014/main" id="{E49AA69A-92C5-4D28-A84A-D4CC39C5635E}"/>
+                <a16:creationId xmlns:a16="http://schemas.microsoft.com/office/drawing/2014/main" id="{FC2BD453-C865-4503-A6A5-50F87DE569AD}"/>
               </a:ext>
             </a:extLst>
           </p:cNvPr>
@@ -6234,7 +7216,7 @@
                 </a:solidFill>
                 <a:latin typeface="Ink Free" panose="03080402000500000000" pitchFamily="66" charset="0"/>
               </a:rPr>
-              <a:t>d a t a   e x p l o r a t i o n</a:t>
+              <a:t>c l e a n i n g   t h e   d a t a</a:t>
             </a:r>
             <a:endParaRPr lang="en-US" sz="2800" b="1" i="1" dirty="0">
               <a:solidFill>
@@ -6245,10 +7227,553 @@
           </a:p>
         </p:txBody>
       </p:sp>
+      <p:sp>
+        <p:nvSpPr>
+          <p:cNvPr id="6" name="Content Placeholder 1">
+            <a:extLst>
+              <a:ext uri="{FF2B5EF4-FFF2-40B4-BE49-F238E27FC236}">
+                <a16:creationId xmlns:a16="http://schemas.microsoft.com/office/drawing/2014/main" id="{E0E24ACE-92F9-4FD5-B544-EBC0DDBB08DB}"/>
+              </a:ext>
+            </a:extLst>
+          </p:cNvPr>
+          <p:cNvSpPr txBox="1">
+            <a:spLocks/>
+          </p:cNvSpPr>
+          <p:nvPr/>
+        </p:nvSpPr>
+        <p:spPr>
+          <a:xfrm>
+            <a:off x="376024" y="1520825"/>
+            <a:ext cx="6615326" cy="4351338"/>
+          </a:xfrm>
+          <a:prstGeom prst="rect">
+            <a:avLst/>
+          </a:prstGeom>
+        </p:spPr>
+        <p:txBody>
+          <a:bodyPr vert="horz" lIns="91440" tIns="45720" rIns="91440" bIns="45720" rtlCol="0">
+            <a:normAutofit/>
+          </a:bodyPr>
+          <a:lstStyle>
+            <a:lvl1pPr marL="228600" indent="-228600" algn="l" defTabSz="914400" rtl="0" eaLnBrk="1" latinLnBrk="0" hangingPunct="1">
+              <a:lnSpc>
+                <a:spcPct val="90000"/>
+              </a:lnSpc>
+              <a:spcBef>
+                <a:spcPts val="1000"/>
+              </a:spcBef>
+              <a:buFont typeface="Arial" panose="020B0604020202020204" pitchFamily="34" charset="0"/>
+              <a:buChar char="•"/>
+              <a:defRPr sz="2800" kern="1200">
+                <a:solidFill>
+                  <a:schemeClr val="tx1"/>
+                </a:solidFill>
+                <a:latin typeface="+mn-lt"/>
+                <a:ea typeface="+mn-ea"/>
+                <a:cs typeface="+mn-cs"/>
+              </a:defRPr>
+            </a:lvl1pPr>
+            <a:lvl2pPr marL="685800" indent="-228600" algn="l" defTabSz="914400" rtl="0" eaLnBrk="1" latinLnBrk="0" hangingPunct="1">
+              <a:lnSpc>
+                <a:spcPct val="90000"/>
+              </a:lnSpc>
+              <a:spcBef>
+                <a:spcPts val="500"/>
+              </a:spcBef>
+              <a:buFont typeface="Arial" panose="020B0604020202020204" pitchFamily="34" charset="0"/>
+              <a:buChar char="•"/>
+              <a:defRPr sz="2400" kern="1200">
+                <a:solidFill>
+                  <a:schemeClr val="tx1"/>
+                </a:solidFill>
+                <a:latin typeface="+mn-lt"/>
+                <a:ea typeface="+mn-ea"/>
+                <a:cs typeface="+mn-cs"/>
+              </a:defRPr>
+            </a:lvl2pPr>
+            <a:lvl3pPr marL="1143000" indent="-228600" algn="l" defTabSz="914400" rtl="0" eaLnBrk="1" latinLnBrk="0" hangingPunct="1">
+              <a:lnSpc>
+                <a:spcPct val="90000"/>
+              </a:lnSpc>
+              <a:spcBef>
+                <a:spcPts val="500"/>
+              </a:spcBef>
+              <a:buFont typeface="Arial" panose="020B0604020202020204" pitchFamily="34" charset="0"/>
+              <a:buChar char="•"/>
+              <a:defRPr sz="2000" kern="1200">
+                <a:solidFill>
+                  <a:schemeClr val="tx1"/>
+                </a:solidFill>
+                <a:latin typeface="+mn-lt"/>
+                <a:ea typeface="+mn-ea"/>
+                <a:cs typeface="+mn-cs"/>
+              </a:defRPr>
+            </a:lvl3pPr>
+            <a:lvl4pPr marL="1600200" indent="-228600" algn="l" defTabSz="914400" rtl="0" eaLnBrk="1" latinLnBrk="0" hangingPunct="1">
+              <a:lnSpc>
+                <a:spcPct val="90000"/>
+              </a:lnSpc>
+              <a:spcBef>
+                <a:spcPts val="500"/>
+              </a:spcBef>
+              <a:buFont typeface="Arial" panose="020B0604020202020204" pitchFamily="34" charset="0"/>
+              <a:buChar char="•"/>
+              <a:defRPr sz="1800" kern="1200">
+                <a:solidFill>
+                  <a:schemeClr val="tx1"/>
+                </a:solidFill>
+                <a:latin typeface="+mn-lt"/>
+                <a:ea typeface="+mn-ea"/>
+                <a:cs typeface="+mn-cs"/>
+              </a:defRPr>
+            </a:lvl4pPr>
+            <a:lvl5pPr marL="2057400" indent="-228600" algn="l" defTabSz="914400" rtl="0" eaLnBrk="1" latinLnBrk="0" hangingPunct="1">
+              <a:lnSpc>
+                <a:spcPct val="90000"/>
+              </a:lnSpc>
+              <a:spcBef>
+                <a:spcPts val="500"/>
+              </a:spcBef>
+              <a:buFont typeface="Arial" panose="020B0604020202020204" pitchFamily="34" charset="0"/>
+              <a:buChar char="•"/>
+              <a:defRPr sz="1800" kern="1200">
+                <a:solidFill>
+                  <a:schemeClr val="tx1"/>
+                </a:solidFill>
+                <a:latin typeface="+mn-lt"/>
+                <a:ea typeface="+mn-ea"/>
+                <a:cs typeface="+mn-cs"/>
+              </a:defRPr>
+            </a:lvl5pPr>
+            <a:lvl6pPr marL="2514600" indent="-228600" algn="l" defTabSz="914400" rtl="0" eaLnBrk="1" latinLnBrk="0" hangingPunct="1">
+              <a:lnSpc>
+                <a:spcPct val="90000"/>
+              </a:lnSpc>
+              <a:spcBef>
+                <a:spcPts val="500"/>
+              </a:spcBef>
+              <a:buFont typeface="Arial" panose="020B0604020202020204" pitchFamily="34" charset="0"/>
+              <a:buChar char="•"/>
+              <a:defRPr sz="1800" kern="1200">
+                <a:solidFill>
+                  <a:schemeClr val="tx1"/>
+                </a:solidFill>
+                <a:latin typeface="+mn-lt"/>
+                <a:ea typeface="+mn-ea"/>
+                <a:cs typeface="+mn-cs"/>
+              </a:defRPr>
+            </a:lvl6pPr>
+            <a:lvl7pPr marL="2971800" indent="-228600" algn="l" defTabSz="914400" rtl="0" eaLnBrk="1" latinLnBrk="0" hangingPunct="1">
+              <a:lnSpc>
+                <a:spcPct val="90000"/>
+              </a:lnSpc>
+              <a:spcBef>
+                <a:spcPts val="500"/>
+              </a:spcBef>
+              <a:buFont typeface="Arial" panose="020B0604020202020204" pitchFamily="34" charset="0"/>
+              <a:buChar char="•"/>
+              <a:defRPr sz="1800" kern="1200">
+                <a:solidFill>
+                  <a:schemeClr val="tx1"/>
+                </a:solidFill>
+                <a:latin typeface="+mn-lt"/>
+                <a:ea typeface="+mn-ea"/>
+                <a:cs typeface="+mn-cs"/>
+              </a:defRPr>
+            </a:lvl7pPr>
+            <a:lvl8pPr marL="3429000" indent="-228600" algn="l" defTabSz="914400" rtl="0" eaLnBrk="1" latinLnBrk="0" hangingPunct="1">
+              <a:lnSpc>
+                <a:spcPct val="90000"/>
+              </a:lnSpc>
+              <a:spcBef>
+                <a:spcPts val="500"/>
+              </a:spcBef>
+              <a:buFont typeface="Arial" panose="020B0604020202020204" pitchFamily="34" charset="0"/>
+              <a:buChar char="•"/>
+              <a:defRPr sz="1800" kern="1200">
+                <a:solidFill>
+                  <a:schemeClr val="tx1"/>
+                </a:solidFill>
+                <a:latin typeface="+mn-lt"/>
+                <a:ea typeface="+mn-ea"/>
+                <a:cs typeface="+mn-cs"/>
+              </a:defRPr>
+            </a:lvl8pPr>
+            <a:lvl9pPr marL="3886200" indent="-228600" algn="l" defTabSz="914400" rtl="0" eaLnBrk="1" latinLnBrk="0" hangingPunct="1">
+              <a:lnSpc>
+                <a:spcPct val="90000"/>
+              </a:lnSpc>
+              <a:spcBef>
+                <a:spcPts val="500"/>
+              </a:spcBef>
+              <a:buFont typeface="Arial" panose="020B0604020202020204" pitchFamily="34" charset="0"/>
+              <a:buChar char="•"/>
+              <a:defRPr sz="1800" kern="1200">
+                <a:solidFill>
+                  <a:schemeClr val="tx1"/>
+                </a:solidFill>
+                <a:latin typeface="+mn-lt"/>
+                <a:ea typeface="+mn-ea"/>
+                <a:cs typeface="+mn-cs"/>
+              </a:defRPr>
+            </a:lvl9pPr>
+          </a:lstStyle>
+          <a:p>
+            <a:pPr>
+              <a:buBlip>
+                <a:blip r:embed="rId3">
+                  <a:extLst>
+                    <a:ext uri="{837473B0-CC2E-450A-ABE3-18F120FF3D39}">
+                      <a1611:picAttrSrcUrl xmlns:a1611="http://schemas.microsoft.com/office/drawing/2016/11/main" r:id="rId4"/>
+                    </a:ext>
+                  </a:extLst>
+                </a:blip>
+              </a:buBlip>
+            </a:pPr>
+            <a:r>
+              <a:rPr lang="en-US" sz="2200" dirty="0">
+                <a:solidFill>
+                  <a:srgbClr val="262626"/>
+                </a:solidFill>
+                <a:latin typeface="+mj-lt"/>
+                <a:ea typeface="+mj-ea"/>
+                <a:cs typeface="+mj-cs"/>
+              </a:rPr>
+              <a:t>Given the sheer volume of information provided, we knew we wanted to “clean” as much as possible to give ourselves a small subset of the data.</a:t>
+            </a:r>
+          </a:p>
+          <a:p>
+            <a:pPr marL="0" indent="0">
+              <a:buNone/>
+            </a:pPr>
+            <a:r>
+              <a:rPr lang="en-US" sz="2200" dirty="0">
+                <a:solidFill>
+                  <a:srgbClr val="262626"/>
+                </a:solidFill>
+                <a:latin typeface="+mj-lt"/>
+                <a:ea typeface="+mj-ea"/>
+                <a:cs typeface="+mj-cs"/>
+              </a:rPr>
+              <a:t> </a:t>
+            </a:r>
+          </a:p>
+          <a:p>
+            <a:pPr>
+              <a:buBlip>
+                <a:blip r:embed="rId3">
+                  <a:extLst>
+                    <a:ext uri="{837473B0-CC2E-450A-ABE3-18F120FF3D39}">
+                      <a1611:picAttrSrcUrl xmlns:a1611="http://schemas.microsoft.com/office/drawing/2016/11/main" r:id="rId4"/>
+                    </a:ext>
+                  </a:extLst>
+                </a:blip>
+              </a:buBlip>
+            </a:pPr>
+            <a:r>
+              <a:rPr lang="en-US" sz="2200" dirty="0">
+                <a:solidFill>
+                  <a:srgbClr val="262626"/>
+                </a:solidFill>
+                <a:latin typeface="+mj-lt"/>
+              </a:rPr>
+              <a:t>Using the tools from class, our base data has a combination of the Spotify API to bring in additional columns, US data in 2017, and the trimmed version to exclude erroneous Track Names and Artists.</a:t>
+            </a:r>
+          </a:p>
+          <a:p>
+            <a:pPr>
+              <a:buBlip>
+                <a:blip r:embed="rId3">
+                  <a:extLst>
+                    <a:ext uri="{837473B0-CC2E-450A-ABE3-18F120FF3D39}">
+                      <a1611:picAttrSrcUrl xmlns:a1611="http://schemas.microsoft.com/office/drawing/2016/11/main" r:id="rId4"/>
+                    </a:ext>
+                  </a:extLst>
+                </a:blip>
+              </a:buBlip>
+            </a:pPr>
+            <a:endParaRPr lang="en-US" sz="2000" dirty="0">
+              <a:solidFill>
+                <a:srgbClr val="262626"/>
+              </a:solidFill>
+              <a:latin typeface="+mj-lt"/>
+            </a:endParaRPr>
+          </a:p>
+          <a:p>
+            <a:pPr>
+              <a:buBlip>
+                <a:blip r:embed="rId3">
+                  <a:extLst>
+                    <a:ext uri="{837473B0-CC2E-450A-ABE3-18F120FF3D39}">
+                      <a1611:picAttrSrcUrl xmlns:a1611="http://schemas.microsoft.com/office/drawing/2016/11/main" r:id="rId4"/>
+                    </a:ext>
+                  </a:extLst>
+                </a:blip>
+              </a:buBlip>
+            </a:pPr>
+            <a:r>
+              <a:rPr lang="en-US" sz="2000" dirty="0">
+                <a:solidFill>
+                  <a:srgbClr val="262626"/>
+                </a:solidFill>
+                <a:latin typeface="+mj-lt"/>
+              </a:rPr>
+              <a:t>Cam </a:t>
+            </a:r>
+            <a:r>
+              <a:rPr lang="en-US" sz="2000" dirty="0" err="1">
+                <a:solidFill>
+                  <a:srgbClr val="262626"/>
+                </a:solidFill>
+                <a:latin typeface="+mj-lt"/>
+              </a:rPr>
+              <a:t>api</a:t>
+            </a:r>
+            <a:endParaRPr lang="en-US" sz="2000" dirty="0">
+              <a:solidFill>
+                <a:srgbClr val="262626"/>
+              </a:solidFill>
+              <a:latin typeface="+mj-lt"/>
+            </a:endParaRPr>
+          </a:p>
+          <a:p>
+            <a:pPr>
+              <a:buBlip>
+                <a:blip r:embed="rId3">
+                  <a:extLst>
+                    <a:ext uri="{837473B0-CC2E-450A-ABE3-18F120FF3D39}">
+                      <a1611:picAttrSrcUrl xmlns:a1611="http://schemas.microsoft.com/office/drawing/2016/11/main" r:id="rId4"/>
+                    </a:ext>
+                  </a:extLst>
+                </a:blip>
+              </a:buBlip>
+            </a:pPr>
+            <a:endParaRPr lang="en-US" sz="2000" dirty="0">
+              <a:solidFill>
+                <a:srgbClr val="262626"/>
+              </a:solidFill>
+              <a:latin typeface="+mj-lt"/>
+            </a:endParaRPr>
+          </a:p>
+          <a:p>
+            <a:pPr>
+              <a:buBlip>
+                <a:blip r:embed="rId3">
+                  <a:extLst>
+                    <a:ext uri="{837473B0-CC2E-450A-ABE3-18F120FF3D39}">
+                      <a1611:picAttrSrcUrl xmlns:a1611="http://schemas.microsoft.com/office/drawing/2016/11/main" r:id="rId4"/>
+                    </a:ext>
+                  </a:extLst>
+                </a:blip>
+              </a:buBlip>
+            </a:pPr>
+            <a:endParaRPr lang="en-US" sz="2000" dirty="0">
+              <a:solidFill>
+                <a:srgbClr val="262626"/>
+              </a:solidFill>
+              <a:latin typeface="+mj-lt"/>
+            </a:endParaRPr>
+          </a:p>
+          <a:p>
+            <a:pPr>
+              <a:buBlip>
+                <a:blip r:embed="rId3">
+                  <a:extLst>
+                    <a:ext uri="{837473B0-CC2E-450A-ABE3-18F120FF3D39}">
+                      <a1611:picAttrSrcUrl xmlns:a1611="http://schemas.microsoft.com/office/drawing/2016/11/main" r:id="rId4"/>
+                    </a:ext>
+                  </a:extLst>
+                </a:blip>
+              </a:buBlip>
+            </a:pPr>
+            <a:endParaRPr lang="en-US" sz="2000" dirty="0">
+              <a:solidFill>
+                <a:srgbClr val="262626"/>
+              </a:solidFill>
+              <a:latin typeface="+mj-lt"/>
+            </a:endParaRPr>
+          </a:p>
+          <a:p>
+            <a:pPr>
+              <a:buBlip>
+                <a:blip r:embed="rId3">
+                  <a:extLst>
+                    <a:ext uri="{837473B0-CC2E-450A-ABE3-18F120FF3D39}">
+                      <a1611:picAttrSrcUrl xmlns:a1611="http://schemas.microsoft.com/office/drawing/2016/11/main" r:id="rId4"/>
+                    </a:ext>
+                  </a:extLst>
+                </a:blip>
+              </a:buBlip>
+            </a:pPr>
+            <a:endParaRPr lang="en-US" sz="2000" b="1" dirty="0">
+              <a:solidFill>
+                <a:srgbClr val="262626"/>
+              </a:solidFill>
+              <a:latin typeface="+mj-lt"/>
+              <a:ea typeface="+mj-ea"/>
+              <a:cs typeface="+mj-cs"/>
+            </a:endParaRPr>
+          </a:p>
+          <a:p>
+            <a:pPr>
+              <a:buBlip>
+                <a:blip r:embed="rId3">
+                  <a:extLst>
+                    <a:ext uri="{837473B0-CC2E-450A-ABE3-18F120FF3D39}">
+                      <a1611:picAttrSrcUrl xmlns:a1611="http://schemas.microsoft.com/office/drawing/2016/11/main" r:id="rId4"/>
+                    </a:ext>
+                  </a:extLst>
+                </a:blip>
+              </a:buBlip>
+            </a:pPr>
+            <a:endParaRPr lang="en-US" sz="2000" b="1" dirty="0">
+              <a:solidFill>
+                <a:srgbClr val="262626"/>
+              </a:solidFill>
+              <a:latin typeface="+mj-lt"/>
+              <a:ea typeface="+mj-ea"/>
+              <a:cs typeface="+mj-cs"/>
+            </a:endParaRPr>
+          </a:p>
+          <a:p>
+            <a:pPr lvl="1">
+              <a:buFont typeface="Wingdings" panose="05000000000000000000" pitchFamily="2" charset="2"/>
+              <a:buChar char="q"/>
+            </a:pPr>
+            <a:endParaRPr lang="en-US" sz="1800" b="1" dirty="0">
+              <a:solidFill>
+                <a:srgbClr val="262626"/>
+              </a:solidFill>
+              <a:latin typeface="+mj-lt"/>
+              <a:ea typeface="+mj-ea"/>
+              <a:cs typeface="+mj-cs"/>
+            </a:endParaRPr>
+          </a:p>
+          <a:p>
+            <a:pPr marL="457200" lvl="1" indent="0">
+              <a:buNone/>
+            </a:pPr>
+            <a:endParaRPr lang="en-US" sz="1800" b="1" dirty="0">
+              <a:solidFill>
+                <a:srgbClr val="262626"/>
+              </a:solidFill>
+              <a:latin typeface="+mj-lt"/>
+              <a:ea typeface="+mj-ea"/>
+              <a:cs typeface="+mj-cs"/>
+            </a:endParaRPr>
+          </a:p>
+          <a:p>
+            <a:pPr lvl="1">
+              <a:buFont typeface="Wingdings" panose="05000000000000000000" pitchFamily="2" charset="2"/>
+              <a:buChar char="q"/>
+            </a:pPr>
+            <a:endParaRPr lang="en-US" sz="1800" b="1" dirty="0">
+              <a:solidFill>
+                <a:srgbClr val="262626"/>
+              </a:solidFill>
+              <a:latin typeface="+mj-lt"/>
+              <a:ea typeface="+mj-ea"/>
+              <a:cs typeface="+mj-cs"/>
+            </a:endParaRPr>
+          </a:p>
+          <a:p>
+            <a:pPr lvl="1">
+              <a:buFont typeface="Wingdings" panose="05000000000000000000" pitchFamily="2" charset="2"/>
+              <a:buChar char="q"/>
+            </a:pPr>
+            <a:endParaRPr lang="en-US" sz="1800" b="1" dirty="0">
+              <a:solidFill>
+                <a:srgbClr val="262626"/>
+              </a:solidFill>
+              <a:latin typeface="+mj-lt"/>
+              <a:ea typeface="+mj-ea"/>
+              <a:cs typeface="+mj-cs"/>
+            </a:endParaRPr>
+          </a:p>
+          <a:p>
+            <a:pPr lvl="1">
+              <a:buFont typeface="Courier New" panose="02070309020205020404" pitchFamily="49" charset="0"/>
+              <a:buChar char="o"/>
+            </a:pPr>
+            <a:endParaRPr lang="en-US" sz="1800" b="1" dirty="0">
+              <a:solidFill>
+                <a:srgbClr val="262626"/>
+              </a:solidFill>
+              <a:latin typeface="+mj-lt"/>
+              <a:ea typeface="+mj-ea"/>
+              <a:cs typeface="+mj-cs"/>
+            </a:endParaRPr>
+          </a:p>
+          <a:p>
+            <a:pPr lvl="1">
+              <a:buFont typeface="Courier New" panose="02070309020205020404" pitchFamily="49" charset="0"/>
+              <a:buChar char="o"/>
+            </a:pPr>
+            <a:endParaRPr lang="en-US" sz="2000" b="1" dirty="0">
+              <a:solidFill>
+                <a:srgbClr val="262626"/>
+              </a:solidFill>
+              <a:latin typeface="+mj-lt"/>
+              <a:ea typeface="+mj-ea"/>
+              <a:cs typeface="+mj-cs"/>
+            </a:endParaRPr>
+          </a:p>
+        </p:txBody>
+      </p:sp>
+      <p:pic>
+        <p:nvPicPr>
+          <p:cNvPr id="1026" name="Picture 2" descr="A giant panda cub plays with a broom at the China Giant Panda... News Photo  - Getty Images">
+            <a:extLst>
+              <a:ext uri="{FF2B5EF4-FFF2-40B4-BE49-F238E27FC236}">
+                <a16:creationId xmlns:a16="http://schemas.microsoft.com/office/drawing/2014/main" id="{203E4197-6E9A-4AB6-A8AF-A6363002BFAA}"/>
+              </a:ext>
+            </a:extLst>
+          </p:cNvPr>
+          <p:cNvPicPr>
+            <a:picLocks noChangeAspect="1" noChangeArrowheads="1"/>
+          </p:cNvPicPr>
+          <p:nvPr/>
+        </p:nvPicPr>
+        <p:blipFill rotWithShape="1">
+          <a:blip r:embed="rId5">
+            <a:alphaModFix amt="85000"/>
+            <a:extLst>
+              <a:ext uri="{28A0092B-C50C-407E-A947-70E740481C1C}">
+                <a14:useLocalDpi xmlns:a14="http://schemas.microsoft.com/office/drawing/2010/main" val="0"/>
+              </a:ext>
+            </a:extLst>
+          </a:blip>
+          <a:srcRect l="9944" t="8244" r="42329" b="31951"/>
+          <a:stretch/>
+        </p:blipFill>
+        <p:spPr bwMode="auto">
+          <a:xfrm>
+            <a:off x="8128000" y="1986549"/>
+            <a:ext cx="3461882" cy="2884902"/>
+          </a:xfrm>
+          <a:prstGeom prst="rect">
+            <a:avLst/>
+          </a:prstGeom>
+          <a:ln w="38100">
+            <a:solidFill>
+              <a:schemeClr val="bg1"/>
+            </a:solidFill>
+          </a:ln>
+          <a:extLst>
+            <a:ext uri="{909E8E84-426E-40DD-AFC4-6F175D3DCCD1}">
+              <a14:hiddenFill xmlns:a14="http://schemas.microsoft.com/office/drawing/2010/main">
+                <a:solidFill>
+                  <a:srgbClr val="FFFFFF"/>
+                </a:solidFill>
+              </a14:hiddenFill>
+            </a:ext>
+          </a:extLst>
+        </p:spPr>
+      </p:pic>
     </p:spTree>
     <p:extLst>
       <p:ext uri="{BB962C8B-B14F-4D97-AF65-F5344CB8AC3E}">
-        <p14:creationId xmlns:p14="http://schemas.microsoft.com/office/powerpoint/2010/main" val="1362752728"/>
+        <p14:creationId xmlns:p14="http://schemas.microsoft.com/office/powerpoint/2010/main" val="2597762722"/>
       </p:ext>
     </p:extLst>
   </p:cSld>
@@ -6354,7 +7879,7 @@
           <p:cNvPr id="5" name="Content Placeholder 4" descr="Terraform &amp; Spotify Data Engineering | Python In Plain English">
             <a:extLst>
               <a:ext uri="{FF2B5EF4-FFF2-40B4-BE49-F238E27FC236}">
-                <a16:creationId xmlns:a16="http://schemas.microsoft.com/office/drawing/2014/main" id="{843EDE0C-EB57-4DD9-98B2-9FF5C24A7B94}"/>
+                <a16:creationId xmlns:a16="http://schemas.microsoft.com/office/drawing/2014/main" id="{1D82E38B-A57A-4A72-BC02-A48E14940DA5}"/>
               </a:ext>
             </a:extLst>
           </p:cNvPr>
@@ -6396,10 +7921,216 @@
       </p:pic>
       <p:sp>
         <p:nvSpPr>
+          <p:cNvPr id="8" name="Content Placeholder 1">
+            <a:extLst>
+              <a:ext uri="{FF2B5EF4-FFF2-40B4-BE49-F238E27FC236}">
+                <a16:creationId xmlns:a16="http://schemas.microsoft.com/office/drawing/2014/main" id="{EE7210D4-1A10-48EA-B614-F3FD1ED309CC}"/>
+              </a:ext>
+            </a:extLst>
+          </p:cNvPr>
+          <p:cNvSpPr txBox="1">
+            <a:spLocks/>
+          </p:cNvSpPr>
+          <p:nvPr/>
+        </p:nvSpPr>
+        <p:spPr>
+          <a:xfrm>
+            <a:off x="376024" y="1520825"/>
+            <a:ext cx="6615326" cy="4351338"/>
+          </a:xfrm>
+          <a:prstGeom prst="rect">
+            <a:avLst/>
+          </a:prstGeom>
+        </p:spPr>
+        <p:txBody>
+          <a:bodyPr vert="horz" lIns="91440" tIns="45720" rIns="91440" bIns="45720" rtlCol="0">
+            <a:normAutofit/>
+          </a:bodyPr>
+          <a:lstStyle>
+            <a:lvl1pPr marL="228600" indent="-228600" algn="l" defTabSz="914400" rtl="0" eaLnBrk="1" latinLnBrk="0" hangingPunct="1">
+              <a:lnSpc>
+                <a:spcPct val="90000"/>
+              </a:lnSpc>
+              <a:spcBef>
+                <a:spcPts val="1000"/>
+              </a:spcBef>
+              <a:buFont typeface="Arial" panose="020B0604020202020204" pitchFamily="34" charset="0"/>
+              <a:buChar char="•"/>
+              <a:defRPr sz="2800" kern="1200">
+                <a:solidFill>
+                  <a:schemeClr val="tx1"/>
+                </a:solidFill>
+                <a:latin typeface="+mn-lt"/>
+                <a:ea typeface="+mn-ea"/>
+                <a:cs typeface="+mn-cs"/>
+              </a:defRPr>
+            </a:lvl1pPr>
+            <a:lvl2pPr marL="685800" indent="-228600" algn="l" defTabSz="914400" rtl="0" eaLnBrk="1" latinLnBrk="0" hangingPunct="1">
+              <a:lnSpc>
+                <a:spcPct val="90000"/>
+              </a:lnSpc>
+              <a:spcBef>
+                <a:spcPts val="500"/>
+              </a:spcBef>
+              <a:buFont typeface="Arial" panose="020B0604020202020204" pitchFamily="34" charset="0"/>
+              <a:buChar char="•"/>
+              <a:defRPr sz="2400" kern="1200">
+                <a:solidFill>
+                  <a:schemeClr val="tx1"/>
+                </a:solidFill>
+                <a:latin typeface="+mn-lt"/>
+                <a:ea typeface="+mn-ea"/>
+                <a:cs typeface="+mn-cs"/>
+              </a:defRPr>
+            </a:lvl2pPr>
+            <a:lvl3pPr marL="1143000" indent="-228600" algn="l" defTabSz="914400" rtl="0" eaLnBrk="1" latinLnBrk="0" hangingPunct="1">
+              <a:lnSpc>
+                <a:spcPct val="90000"/>
+              </a:lnSpc>
+              <a:spcBef>
+                <a:spcPts val="500"/>
+              </a:spcBef>
+              <a:buFont typeface="Arial" panose="020B0604020202020204" pitchFamily="34" charset="0"/>
+              <a:buChar char="•"/>
+              <a:defRPr sz="2000" kern="1200">
+                <a:solidFill>
+                  <a:schemeClr val="tx1"/>
+                </a:solidFill>
+                <a:latin typeface="+mn-lt"/>
+                <a:ea typeface="+mn-ea"/>
+                <a:cs typeface="+mn-cs"/>
+              </a:defRPr>
+            </a:lvl3pPr>
+            <a:lvl4pPr marL="1600200" indent="-228600" algn="l" defTabSz="914400" rtl="0" eaLnBrk="1" latinLnBrk="0" hangingPunct="1">
+              <a:lnSpc>
+                <a:spcPct val="90000"/>
+              </a:lnSpc>
+              <a:spcBef>
+                <a:spcPts val="500"/>
+              </a:spcBef>
+              <a:buFont typeface="Arial" panose="020B0604020202020204" pitchFamily="34" charset="0"/>
+              <a:buChar char="•"/>
+              <a:defRPr sz="1800" kern="1200">
+                <a:solidFill>
+                  <a:schemeClr val="tx1"/>
+                </a:solidFill>
+                <a:latin typeface="+mn-lt"/>
+                <a:ea typeface="+mn-ea"/>
+                <a:cs typeface="+mn-cs"/>
+              </a:defRPr>
+            </a:lvl4pPr>
+            <a:lvl5pPr marL="2057400" indent="-228600" algn="l" defTabSz="914400" rtl="0" eaLnBrk="1" latinLnBrk="0" hangingPunct="1">
+              <a:lnSpc>
+                <a:spcPct val="90000"/>
+              </a:lnSpc>
+              <a:spcBef>
+                <a:spcPts val="500"/>
+              </a:spcBef>
+              <a:buFont typeface="Arial" panose="020B0604020202020204" pitchFamily="34" charset="0"/>
+              <a:buChar char="•"/>
+              <a:defRPr sz="1800" kern="1200">
+                <a:solidFill>
+                  <a:schemeClr val="tx1"/>
+                </a:solidFill>
+                <a:latin typeface="+mn-lt"/>
+                <a:ea typeface="+mn-ea"/>
+                <a:cs typeface="+mn-cs"/>
+              </a:defRPr>
+            </a:lvl5pPr>
+            <a:lvl6pPr marL="2514600" indent="-228600" algn="l" defTabSz="914400" rtl="0" eaLnBrk="1" latinLnBrk="0" hangingPunct="1">
+              <a:lnSpc>
+                <a:spcPct val="90000"/>
+              </a:lnSpc>
+              <a:spcBef>
+                <a:spcPts val="500"/>
+              </a:spcBef>
+              <a:buFont typeface="Arial" panose="020B0604020202020204" pitchFamily="34" charset="0"/>
+              <a:buChar char="•"/>
+              <a:defRPr sz="1800" kern="1200">
+                <a:solidFill>
+                  <a:schemeClr val="tx1"/>
+                </a:solidFill>
+                <a:latin typeface="+mn-lt"/>
+                <a:ea typeface="+mn-ea"/>
+                <a:cs typeface="+mn-cs"/>
+              </a:defRPr>
+            </a:lvl6pPr>
+            <a:lvl7pPr marL="2971800" indent="-228600" algn="l" defTabSz="914400" rtl="0" eaLnBrk="1" latinLnBrk="0" hangingPunct="1">
+              <a:lnSpc>
+                <a:spcPct val="90000"/>
+              </a:lnSpc>
+              <a:spcBef>
+                <a:spcPts val="500"/>
+              </a:spcBef>
+              <a:buFont typeface="Arial" panose="020B0604020202020204" pitchFamily="34" charset="0"/>
+              <a:buChar char="•"/>
+              <a:defRPr sz="1800" kern="1200">
+                <a:solidFill>
+                  <a:schemeClr val="tx1"/>
+                </a:solidFill>
+                <a:latin typeface="+mn-lt"/>
+                <a:ea typeface="+mn-ea"/>
+                <a:cs typeface="+mn-cs"/>
+              </a:defRPr>
+            </a:lvl7pPr>
+            <a:lvl8pPr marL="3429000" indent="-228600" algn="l" defTabSz="914400" rtl="0" eaLnBrk="1" latinLnBrk="0" hangingPunct="1">
+              <a:lnSpc>
+                <a:spcPct val="90000"/>
+              </a:lnSpc>
+              <a:spcBef>
+                <a:spcPts val="500"/>
+              </a:spcBef>
+              <a:buFont typeface="Arial" panose="020B0604020202020204" pitchFamily="34" charset="0"/>
+              <a:buChar char="•"/>
+              <a:defRPr sz="1800" kern="1200">
+                <a:solidFill>
+                  <a:schemeClr val="tx1"/>
+                </a:solidFill>
+                <a:latin typeface="+mn-lt"/>
+                <a:ea typeface="+mn-ea"/>
+                <a:cs typeface="+mn-cs"/>
+              </a:defRPr>
+            </a:lvl8pPr>
+            <a:lvl9pPr marL="3886200" indent="-228600" algn="l" defTabSz="914400" rtl="0" eaLnBrk="1" latinLnBrk="0" hangingPunct="1">
+              <a:lnSpc>
+                <a:spcPct val="90000"/>
+              </a:lnSpc>
+              <a:spcBef>
+                <a:spcPts val="500"/>
+              </a:spcBef>
+              <a:buFont typeface="Arial" panose="020B0604020202020204" pitchFamily="34" charset="0"/>
+              <a:buChar char="•"/>
+              <a:defRPr sz="1800" kern="1200">
+                <a:solidFill>
+                  <a:schemeClr val="tx1"/>
+                </a:solidFill>
+                <a:latin typeface="+mn-lt"/>
+                <a:ea typeface="+mn-ea"/>
+                <a:cs typeface="+mn-cs"/>
+              </a:defRPr>
+            </a:lvl9pPr>
+          </a:lstStyle>
+          <a:p>
+            <a:pPr marL="0" indent="0">
+              <a:buNone/>
+            </a:pPr>
+            <a:endParaRPr lang="en-US" sz="2800" b="1" dirty="0">
+              <a:solidFill>
+                <a:srgbClr val="262626"/>
+              </a:solidFill>
+              <a:latin typeface="+mj-lt"/>
+              <a:ea typeface="+mj-ea"/>
+              <a:cs typeface="+mj-cs"/>
+            </a:endParaRPr>
+          </a:p>
+        </p:txBody>
+      </p:sp>
+      <p:sp>
+        <p:nvSpPr>
           <p:cNvPr id="9" name="Title 1">
             <a:extLst>
               <a:ext uri="{FF2B5EF4-FFF2-40B4-BE49-F238E27FC236}">
-                <a16:creationId xmlns:a16="http://schemas.microsoft.com/office/drawing/2014/main" id="{426BB233-A55B-4835-80DC-FA6CA4516D5E}"/>
+                <a16:creationId xmlns:a16="http://schemas.microsoft.com/office/drawing/2014/main" id="{D8C10810-AC5E-494D-9CD2-414CEC04F8D6}"/>
               </a:ext>
             </a:extLst>
           </p:cNvPr>
@@ -6449,7 +8180,7 @@
                 </a:solidFill>
                 <a:latin typeface="Ink Free" panose="03080402000500000000" pitchFamily="66" charset="0"/>
               </a:rPr>
-              <a:t>a n a l y s i s</a:t>
+              <a:t>o u r   g r a p h s</a:t>
             </a:r>
             <a:endParaRPr lang="en-US" sz="2800" b="1" i="1" dirty="0">
               <a:solidFill>
@@ -6460,253 +8191,10 @@
           </a:p>
         </p:txBody>
       </p:sp>
-      <p:sp>
-        <p:nvSpPr>
-          <p:cNvPr id="10" name="Content Placeholder 1">
-            <a:extLst>
-              <a:ext uri="{FF2B5EF4-FFF2-40B4-BE49-F238E27FC236}">
-                <a16:creationId xmlns:a16="http://schemas.microsoft.com/office/drawing/2014/main" id="{F8009F92-071A-49E2-81A1-83C7D84ED0E9}"/>
-              </a:ext>
-            </a:extLst>
-          </p:cNvPr>
-          <p:cNvSpPr txBox="1">
-            <a:spLocks/>
-          </p:cNvSpPr>
-          <p:nvPr/>
-        </p:nvSpPr>
-        <p:spPr>
-          <a:xfrm>
-            <a:off x="376024" y="1520825"/>
-            <a:ext cx="6615326" cy="4351338"/>
-          </a:xfrm>
-          <a:prstGeom prst="rect">
-            <a:avLst/>
-          </a:prstGeom>
-        </p:spPr>
-        <p:txBody>
-          <a:bodyPr vert="horz" lIns="91440" tIns="45720" rIns="91440" bIns="45720" rtlCol="0">
-            <a:normAutofit/>
-          </a:bodyPr>
-          <a:lstStyle>
-            <a:lvl1pPr marL="228600" indent="-228600" algn="l" defTabSz="914400" rtl="0" eaLnBrk="1" latinLnBrk="0" hangingPunct="1">
-              <a:lnSpc>
-                <a:spcPct val="90000"/>
-              </a:lnSpc>
-              <a:spcBef>
-                <a:spcPts val="1000"/>
-              </a:spcBef>
-              <a:buFont typeface="Arial" panose="020B0604020202020204" pitchFamily="34" charset="0"/>
-              <a:buChar char="•"/>
-              <a:defRPr sz="2800" kern="1200">
-                <a:solidFill>
-                  <a:schemeClr val="tx1"/>
-                </a:solidFill>
-                <a:latin typeface="+mn-lt"/>
-                <a:ea typeface="+mn-ea"/>
-                <a:cs typeface="+mn-cs"/>
-              </a:defRPr>
-            </a:lvl1pPr>
-            <a:lvl2pPr marL="685800" indent="-228600" algn="l" defTabSz="914400" rtl="0" eaLnBrk="1" latinLnBrk="0" hangingPunct="1">
-              <a:lnSpc>
-                <a:spcPct val="90000"/>
-              </a:lnSpc>
-              <a:spcBef>
-                <a:spcPts val="500"/>
-              </a:spcBef>
-              <a:buFont typeface="Arial" panose="020B0604020202020204" pitchFamily="34" charset="0"/>
-              <a:buChar char="•"/>
-              <a:defRPr sz="2400" kern="1200">
-                <a:solidFill>
-                  <a:schemeClr val="tx1"/>
-                </a:solidFill>
-                <a:latin typeface="+mn-lt"/>
-                <a:ea typeface="+mn-ea"/>
-                <a:cs typeface="+mn-cs"/>
-              </a:defRPr>
-            </a:lvl2pPr>
-            <a:lvl3pPr marL="1143000" indent="-228600" algn="l" defTabSz="914400" rtl="0" eaLnBrk="1" latinLnBrk="0" hangingPunct="1">
-              <a:lnSpc>
-                <a:spcPct val="90000"/>
-              </a:lnSpc>
-              <a:spcBef>
-                <a:spcPts val="500"/>
-              </a:spcBef>
-              <a:buFont typeface="Arial" panose="020B0604020202020204" pitchFamily="34" charset="0"/>
-              <a:buChar char="•"/>
-              <a:defRPr sz="2000" kern="1200">
-                <a:solidFill>
-                  <a:schemeClr val="tx1"/>
-                </a:solidFill>
-                <a:latin typeface="+mn-lt"/>
-                <a:ea typeface="+mn-ea"/>
-                <a:cs typeface="+mn-cs"/>
-              </a:defRPr>
-            </a:lvl3pPr>
-            <a:lvl4pPr marL="1600200" indent="-228600" algn="l" defTabSz="914400" rtl="0" eaLnBrk="1" latinLnBrk="0" hangingPunct="1">
-              <a:lnSpc>
-                <a:spcPct val="90000"/>
-              </a:lnSpc>
-              <a:spcBef>
-                <a:spcPts val="500"/>
-              </a:spcBef>
-              <a:buFont typeface="Arial" panose="020B0604020202020204" pitchFamily="34" charset="0"/>
-              <a:buChar char="•"/>
-              <a:defRPr sz="1800" kern="1200">
-                <a:solidFill>
-                  <a:schemeClr val="tx1"/>
-                </a:solidFill>
-                <a:latin typeface="+mn-lt"/>
-                <a:ea typeface="+mn-ea"/>
-                <a:cs typeface="+mn-cs"/>
-              </a:defRPr>
-            </a:lvl4pPr>
-            <a:lvl5pPr marL="2057400" indent="-228600" algn="l" defTabSz="914400" rtl="0" eaLnBrk="1" latinLnBrk="0" hangingPunct="1">
-              <a:lnSpc>
-                <a:spcPct val="90000"/>
-              </a:lnSpc>
-              <a:spcBef>
-                <a:spcPts val="500"/>
-              </a:spcBef>
-              <a:buFont typeface="Arial" panose="020B0604020202020204" pitchFamily="34" charset="0"/>
-              <a:buChar char="•"/>
-              <a:defRPr sz="1800" kern="1200">
-                <a:solidFill>
-                  <a:schemeClr val="tx1"/>
-                </a:solidFill>
-                <a:latin typeface="+mn-lt"/>
-                <a:ea typeface="+mn-ea"/>
-                <a:cs typeface="+mn-cs"/>
-              </a:defRPr>
-            </a:lvl5pPr>
-            <a:lvl6pPr marL="2514600" indent="-228600" algn="l" defTabSz="914400" rtl="0" eaLnBrk="1" latinLnBrk="0" hangingPunct="1">
-              <a:lnSpc>
-                <a:spcPct val="90000"/>
-              </a:lnSpc>
-              <a:spcBef>
-                <a:spcPts val="500"/>
-              </a:spcBef>
-              <a:buFont typeface="Arial" panose="020B0604020202020204" pitchFamily="34" charset="0"/>
-              <a:buChar char="•"/>
-              <a:defRPr sz="1800" kern="1200">
-                <a:solidFill>
-                  <a:schemeClr val="tx1"/>
-                </a:solidFill>
-                <a:latin typeface="+mn-lt"/>
-                <a:ea typeface="+mn-ea"/>
-                <a:cs typeface="+mn-cs"/>
-              </a:defRPr>
-            </a:lvl6pPr>
-            <a:lvl7pPr marL="2971800" indent="-228600" algn="l" defTabSz="914400" rtl="0" eaLnBrk="1" latinLnBrk="0" hangingPunct="1">
-              <a:lnSpc>
-                <a:spcPct val="90000"/>
-              </a:lnSpc>
-              <a:spcBef>
-                <a:spcPts val="500"/>
-              </a:spcBef>
-              <a:buFont typeface="Arial" panose="020B0604020202020204" pitchFamily="34" charset="0"/>
-              <a:buChar char="•"/>
-              <a:defRPr sz="1800" kern="1200">
-                <a:solidFill>
-                  <a:schemeClr val="tx1"/>
-                </a:solidFill>
-                <a:latin typeface="+mn-lt"/>
-                <a:ea typeface="+mn-ea"/>
-                <a:cs typeface="+mn-cs"/>
-              </a:defRPr>
-            </a:lvl7pPr>
-            <a:lvl8pPr marL="3429000" indent="-228600" algn="l" defTabSz="914400" rtl="0" eaLnBrk="1" latinLnBrk="0" hangingPunct="1">
-              <a:lnSpc>
-                <a:spcPct val="90000"/>
-              </a:lnSpc>
-              <a:spcBef>
-                <a:spcPts val="500"/>
-              </a:spcBef>
-              <a:buFont typeface="Arial" panose="020B0604020202020204" pitchFamily="34" charset="0"/>
-              <a:buChar char="•"/>
-              <a:defRPr sz="1800" kern="1200">
-                <a:solidFill>
-                  <a:schemeClr val="tx1"/>
-                </a:solidFill>
-                <a:latin typeface="+mn-lt"/>
-                <a:ea typeface="+mn-ea"/>
-                <a:cs typeface="+mn-cs"/>
-              </a:defRPr>
-            </a:lvl8pPr>
-            <a:lvl9pPr marL="3886200" indent="-228600" algn="l" defTabSz="914400" rtl="0" eaLnBrk="1" latinLnBrk="0" hangingPunct="1">
-              <a:lnSpc>
-                <a:spcPct val="90000"/>
-              </a:lnSpc>
-              <a:spcBef>
-                <a:spcPts val="500"/>
-              </a:spcBef>
-              <a:buFont typeface="Arial" panose="020B0604020202020204" pitchFamily="34" charset="0"/>
-              <a:buChar char="•"/>
-              <a:defRPr sz="1800" kern="1200">
-                <a:solidFill>
-                  <a:schemeClr val="tx1"/>
-                </a:solidFill>
-                <a:latin typeface="+mn-lt"/>
-                <a:ea typeface="+mn-ea"/>
-                <a:cs typeface="+mn-cs"/>
-              </a:defRPr>
-            </a:lvl9pPr>
-          </a:lstStyle>
-          <a:p>
-            <a:pPr>
-              <a:buFont typeface="Courier New" panose="02070309020205020404" pitchFamily="49" charset="0"/>
-              <a:buChar char="o"/>
-            </a:pPr>
-            <a:r>
-              <a:rPr lang="en-US" b="1" dirty="0">
-                <a:solidFill>
-                  <a:srgbClr val="262626"/>
-                </a:solidFill>
-                <a:latin typeface="+mj-lt"/>
-                <a:ea typeface="+mj-ea"/>
-                <a:cs typeface="+mj-cs"/>
-              </a:rPr>
-              <a:t> </a:t>
-            </a:r>
-            <a:r>
-              <a:rPr lang="en-US" b="1" dirty="0" err="1">
-                <a:solidFill>
-                  <a:srgbClr val="262626"/>
-                </a:solidFill>
-                <a:latin typeface="+mj-lt"/>
-                <a:ea typeface="+mj-ea"/>
-                <a:cs typeface="+mj-cs"/>
-              </a:rPr>
-              <a:t>ldsjfkdsfks</a:t>
-            </a:r>
-            <a:endParaRPr lang="en-US" sz="2800" b="1" dirty="0">
-              <a:solidFill>
-                <a:srgbClr val="262626"/>
-              </a:solidFill>
-              <a:latin typeface="+mj-lt"/>
-              <a:ea typeface="+mj-ea"/>
-              <a:cs typeface="+mj-cs"/>
-            </a:endParaRPr>
-          </a:p>
-          <a:p>
-            <a:pPr lvl="1">
-              <a:buFont typeface="Courier New" panose="02070309020205020404" pitchFamily="49" charset="0"/>
-              <a:buChar char="o"/>
-            </a:pPr>
-            <a:endParaRPr lang="en-US" sz="2800" b="1" dirty="0">
-              <a:solidFill>
-                <a:srgbClr val="262626"/>
-              </a:solidFill>
-              <a:latin typeface="+mj-lt"/>
-              <a:ea typeface="+mj-ea"/>
-              <a:cs typeface="+mj-cs"/>
-            </a:endParaRPr>
-          </a:p>
-        </p:txBody>
-      </p:sp>
     </p:spTree>
     <p:extLst>
       <p:ext uri="{BB962C8B-B14F-4D97-AF65-F5344CB8AC3E}">
-        <p14:creationId xmlns:p14="http://schemas.microsoft.com/office/powerpoint/2010/main" val="1542471732"/>
+        <p14:creationId xmlns:p14="http://schemas.microsoft.com/office/powerpoint/2010/main" val="3589306822"/>
       </p:ext>
     </p:extLst>
   </p:cSld>
@@ -6812,7 +8300,7 @@
           <p:cNvPr id="5" name="Content Placeholder 4" descr="Terraform &amp; Spotify Data Engineering | Python In Plain English">
             <a:extLst>
               <a:ext uri="{FF2B5EF4-FFF2-40B4-BE49-F238E27FC236}">
-                <a16:creationId xmlns:a16="http://schemas.microsoft.com/office/drawing/2014/main" id="{3CD7143D-AE3A-491F-AE69-11DDCDEBAFD4}"/>
+                <a16:creationId xmlns:a16="http://schemas.microsoft.com/office/drawing/2014/main" id="{1CB322AD-0C14-4B6E-87B1-21D722FE2094}"/>
               </a:ext>
             </a:extLst>
           </p:cNvPr>
@@ -6857,7 +8345,7 @@
           <p:cNvPr id="8" name="Title 1">
             <a:extLst>
               <a:ext uri="{FF2B5EF4-FFF2-40B4-BE49-F238E27FC236}">
-                <a16:creationId xmlns:a16="http://schemas.microsoft.com/office/drawing/2014/main" id="{0140C57F-B1D0-4A30-B11E-B121C5C35128}"/>
+                <a16:creationId xmlns:a16="http://schemas.microsoft.com/office/drawing/2014/main" id="{D9DFD1F7-1CAA-4059-8E9F-3A5144453FCF}"/>
               </a:ext>
             </a:extLst>
           </p:cNvPr>
@@ -6907,7 +8395,7 @@
                 </a:solidFill>
                 <a:latin typeface="Ink Free" panose="03080402000500000000" pitchFamily="66" charset="0"/>
               </a:rPr>
-              <a:t>c o n c l u s i o n</a:t>
+              <a:t>o u r   g r a p h s</a:t>
             </a:r>
             <a:endParaRPr lang="en-US" sz="2800" b="1" i="1" dirty="0">
               <a:solidFill>
@@ -6920,10 +8408,10 @@
       </p:sp>
       <p:sp>
         <p:nvSpPr>
-          <p:cNvPr id="9" name="Content Placeholder 1">
-            <a:extLst>
-              <a:ext uri="{FF2B5EF4-FFF2-40B4-BE49-F238E27FC236}">
-                <a16:creationId xmlns:a16="http://schemas.microsoft.com/office/drawing/2014/main" id="{678A7EE8-FCEB-49BB-B998-31AD00A27F49}"/>
+          <p:cNvPr id="10" name="Content Placeholder 1">
+            <a:extLst>
+              <a:ext uri="{FF2B5EF4-FFF2-40B4-BE49-F238E27FC236}">
+                <a16:creationId xmlns:a16="http://schemas.microsoft.com/office/drawing/2014/main" id="{3A4D2F9E-DBCA-430E-B455-69F5DE302AF7}"/>
               </a:ext>
             </a:extLst>
           </p:cNvPr>
@@ -7115,7 +8603,7 @@
               <a:buChar char="o"/>
             </a:pPr>
             <a:r>
-              <a:rPr lang="en-US" b="1" dirty="0">
+              <a:rPr lang="en-US" b="1" dirty="0" err="1">
                 <a:solidFill>
                   <a:srgbClr val="262626"/>
                 </a:solidFill>
@@ -7123,18 +8611,7 @@
                 <a:ea typeface="+mj-ea"/>
                 <a:cs typeface="+mj-cs"/>
               </a:rPr>
-              <a:t> </a:t>
-            </a:r>
-            <a:r>
-              <a:rPr lang="en-US" b="1" dirty="0" err="1">
-                <a:solidFill>
-                  <a:srgbClr val="262626"/>
-                </a:solidFill>
-                <a:latin typeface="+mj-lt"/>
-                <a:ea typeface="+mj-ea"/>
-                <a:cs typeface="+mj-cs"/>
-              </a:rPr>
-              <a:t>ldsjfkdsfks</a:t>
+              <a:t>skjdfksdhf</a:t>
             </a:r>
             <a:endParaRPr lang="en-US" sz="2800" b="1" dirty="0">
               <a:solidFill>
@@ -7164,7 +8641,7 @@
     </p:spTree>
     <p:extLst>
       <p:ext uri="{BB962C8B-B14F-4D97-AF65-F5344CB8AC3E}">
-        <p14:creationId xmlns:p14="http://schemas.microsoft.com/office/powerpoint/2010/main" val="991961116"/>
+        <p14:creationId xmlns:p14="http://schemas.microsoft.com/office/powerpoint/2010/main" val="147323286"/>
       </p:ext>
     </p:extLst>
   </p:cSld>
@@ -7270,7 +8747,7 @@
           <p:cNvPr id="5" name="Content Placeholder 4" descr="Terraform &amp; Spotify Data Engineering | Python In Plain English">
             <a:extLst>
               <a:ext uri="{FF2B5EF4-FFF2-40B4-BE49-F238E27FC236}">
-                <a16:creationId xmlns:a16="http://schemas.microsoft.com/office/drawing/2014/main" id="{50B1EFE3-741F-453E-8793-C05FA4889D1F}"/>
+                <a16:creationId xmlns:a16="http://schemas.microsoft.com/office/drawing/2014/main" id="{84D92599-E100-4725-AD6A-0D4038DE46AD}"/>
               </a:ext>
             </a:extLst>
           </p:cNvPr>
@@ -7312,10 +8789,66 @@
       </p:pic>
       <p:sp>
         <p:nvSpPr>
+          <p:cNvPr id="7" name="Title 1">
+            <a:extLst>
+              <a:ext uri="{FF2B5EF4-FFF2-40B4-BE49-F238E27FC236}">
+                <a16:creationId xmlns:a16="http://schemas.microsoft.com/office/drawing/2014/main" id="{EBA8A45B-E1A7-47EC-8A3D-B78F9CD35F1D}"/>
+              </a:ext>
+            </a:extLst>
+          </p:cNvPr>
+          <p:cNvSpPr txBox="1">
+            <a:spLocks/>
+          </p:cNvSpPr>
+          <p:nvPr/>
+        </p:nvSpPr>
+        <p:spPr>
+          <a:xfrm>
+            <a:off x="183089" y="0"/>
+            <a:ext cx="10901471" cy="1236440"/>
+          </a:xfrm>
+          <a:prstGeom prst="rect">
+            <a:avLst/>
+          </a:prstGeom>
+          <a:noFill/>
+        </p:spPr>
+        <p:txBody>
+          <a:bodyPr vert="horz" lIns="91440" tIns="45720" rIns="91440" bIns="45720" rtlCol="0" anchor="ctr">
+            <a:normAutofit/>
+          </a:bodyPr>
+          <a:lstStyle>
+            <a:lvl1pPr algn="l" defTabSz="914400" rtl="0" eaLnBrk="1" latinLnBrk="0" hangingPunct="1">
+              <a:lnSpc>
+                <a:spcPct val="90000"/>
+              </a:lnSpc>
+              <a:spcBef>
+                <a:spcPct val="0"/>
+              </a:spcBef>
+              <a:buNone/>
+              <a:defRPr sz="4400" kern="1200">
+                <a:solidFill>
+                  <a:schemeClr val="tx1"/>
+                </a:solidFill>
+                <a:latin typeface="+mj-lt"/>
+                <a:ea typeface="+mj-ea"/>
+                <a:cs typeface="+mj-cs"/>
+              </a:defRPr>
+            </a:lvl1pPr>
+          </a:lstStyle>
+          <a:p>
+            <a:endParaRPr lang="en-US" sz="4800" b="1" dirty="0">
+              <a:solidFill>
+                <a:schemeClr val="bg1"/>
+              </a:solidFill>
+            </a:endParaRPr>
+          </a:p>
+        </p:txBody>
+      </p:sp>
+      <p:sp>
+        <p:nvSpPr>
           <p:cNvPr id="8" name="Content Placeholder 1">
             <a:extLst>
               <a:ext uri="{FF2B5EF4-FFF2-40B4-BE49-F238E27FC236}">
-                <a16:creationId xmlns:a16="http://schemas.microsoft.com/office/drawing/2014/main" id="{FF2369B4-D283-4008-B8BA-ABA6D72CA155}"/>
+                <a16:creationId xmlns:a16="http://schemas.microsoft.com/office/drawing/2014/main" id="{963A0821-FD19-4856-BEB2-4652D7C46FA1}"/>
               </a:ext>
             </a:extLst>
           </p:cNvPr>
@@ -7558,7 +9091,7 @@
           <p:cNvPr id="9" name="Title 1">
             <a:extLst>
               <a:ext uri="{FF2B5EF4-FFF2-40B4-BE49-F238E27FC236}">
-                <a16:creationId xmlns:a16="http://schemas.microsoft.com/office/drawing/2014/main" id="{FC2BD453-C865-4503-A6A5-50F87DE569AD}"/>
+                <a16:creationId xmlns:a16="http://schemas.microsoft.com/office/drawing/2014/main" id="{E49AA69A-92C5-4D28-A84A-D4CC39C5635E}"/>
               </a:ext>
             </a:extLst>
           </p:cNvPr>
@@ -7608,7 +9141,7 @@
                 </a:solidFill>
                 <a:latin typeface="Ink Free" panose="03080402000500000000" pitchFamily="66" charset="0"/>
               </a:rPr>
-              <a:t>e x t r a</a:t>
+              <a:t>o u r   g r a p h s</a:t>
             </a:r>
             <a:endParaRPr lang="en-US" sz="2800" b="1" i="1" dirty="0">
               <a:solidFill>
@@ -7622,7 +9155,7 @@
     </p:spTree>
     <p:extLst>
       <p:ext uri="{BB962C8B-B14F-4D97-AF65-F5344CB8AC3E}">
-        <p14:creationId xmlns:p14="http://schemas.microsoft.com/office/powerpoint/2010/main" val="2597762722"/>
+        <p14:creationId xmlns:p14="http://schemas.microsoft.com/office/powerpoint/2010/main" val="1362752728"/>
       </p:ext>
     </p:extLst>
   </p:cSld>
@@ -7728,7 +9261,7 @@
           <p:cNvPr id="5" name="Content Placeholder 4" descr="Terraform &amp; Spotify Data Engineering | Python In Plain English">
             <a:extLst>
               <a:ext uri="{FF2B5EF4-FFF2-40B4-BE49-F238E27FC236}">
-                <a16:creationId xmlns:a16="http://schemas.microsoft.com/office/drawing/2014/main" id="{1D82E38B-A57A-4A72-BC02-A48E14940DA5}"/>
+                <a16:creationId xmlns:a16="http://schemas.microsoft.com/office/drawing/2014/main" id="{843EDE0C-EB57-4DD9-98B2-9FF5C24A7B94}"/>
               </a:ext>
             </a:extLst>
           </p:cNvPr>
@@ -7770,253 +9303,10 @@
       </p:pic>
       <p:sp>
         <p:nvSpPr>
-          <p:cNvPr id="8" name="Content Placeholder 1">
-            <a:extLst>
-              <a:ext uri="{FF2B5EF4-FFF2-40B4-BE49-F238E27FC236}">
-                <a16:creationId xmlns:a16="http://schemas.microsoft.com/office/drawing/2014/main" id="{EE7210D4-1A10-48EA-B614-F3FD1ED309CC}"/>
-              </a:ext>
-            </a:extLst>
-          </p:cNvPr>
-          <p:cNvSpPr txBox="1">
-            <a:spLocks/>
-          </p:cNvSpPr>
-          <p:nvPr/>
-        </p:nvSpPr>
-        <p:spPr>
-          <a:xfrm>
-            <a:off x="376024" y="1520825"/>
-            <a:ext cx="6615326" cy="4351338"/>
-          </a:xfrm>
-          <a:prstGeom prst="rect">
-            <a:avLst/>
-          </a:prstGeom>
-        </p:spPr>
-        <p:txBody>
-          <a:bodyPr vert="horz" lIns="91440" tIns="45720" rIns="91440" bIns="45720" rtlCol="0">
-            <a:normAutofit/>
-          </a:bodyPr>
-          <a:lstStyle>
-            <a:lvl1pPr marL="228600" indent="-228600" algn="l" defTabSz="914400" rtl="0" eaLnBrk="1" latinLnBrk="0" hangingPunct="1">
-              <a:lnSpc>
-                <a:spcPct val="90000"/>
-              </a:lnSpc>
-              <a:spcBef>
-                <a:spcPts val="1000"/>
-              </a:spcBef>
-              <a:buFont typeface="Arial" panose="020B0604020202020204" pitchFamily="34" charset="0"/>
-              <a:buChar char="•"/>
-              <a:defRPr sz="2800" kern="1200">
-                <a:solidFill>
-                  <a:schemeClr val="tx1"/>
-                </a:solidFill>
-                <a:latin typeface="+mn-lt"/>
-                <a:ea typeface="+mn-ea"/>
-                <a:cs typeface="+mn-cs"/>
-              </a:defRPr>
-            </a:lvl1pPr>
-            <a:lvl2pPr marL="685800" indent="-228600" algn="l" defTabSz="914400" rtl="0" eaLnBrk="1" latinLnBrk="0" hangingPunct="1">
-              <a:lnSpc>
-                <a:spcPct val="90000"/>
-              </a:lnSpc>
-              <a:spcBef>
-                <a:spcPts val="500"/>
-              </a:spcBef>
-              <a:buFont typeface="Arial" panose="020B0604020202020204" pitchFamily="34" charset="0"/>
-              <a:buChar char="•"/>
-              <a:defRPr sz="2400" kern="1200">
-                <a:solidFill>
-                  <a:schemeClr val="tx1"/>
-                </a:solidFill>
-                <a:latin typeface="+mn-lt"/>
-                <a:ea typeface="+mn-ea"/>
-                <a:cs typeface="+mn-cs"/>
-              </a:defRPr>
-            </a:lvl2pPr>
-            <a:lvl3pPr marL="1143000" indent="-228600" algn="l" defTabSz="914400" rtl="0" eaLnBrk="1" latinLnBrk="0" hangingPunct="1">
-              <a:lnSpc>
-                <a:spcPct val="90000"/>
-              </a:lnSpc>
-              <a:spcBef>
-                <a:spcPts val="500"/>
-              </a:spcBef>
-              <a:buFont typeface="Arial" panose="020B0604020202020204" pitchFamily="34" charset="0"/>
-              <a:buChar char="•"/>
-              <a:defRPr sz="2000" kern="1200">
-                <a:solidFill>
-                  <a:schemeClr val="tx1"/>
-                </a:solidFill>
-                <a:latin typeface="+mn-lt"/>
-                <a:ea typeface="+mn-ea"/>
-                <a:cs typeface="+mn-cs"/>
-              </a:defRPr>
-            </a:lvl3pPr>
-            <a:lvl4pPr marL="1600200" indent="-228600" algn="l" defTabSz="914400" rtl="0" eaLnBrk="1" latinLnBrk="0" hangingPunct="1">
-              <a:lnSpc>
-                <a:spcPct val="90000"/>
-              </a:lnSpc>
-              <a:spcBef>
-                <a:spcPts val="500"/>
-              </a:spcBef>
-              <a:buFont typeface="Arial" panose="020B0604020202020204" pitchFamily="34" charset="0"/>
-              <a:buChar char="•"/>
-              <a:defRPr sz="1800" kern="1200">
-                <a:solidFill>
-                  <a:schemeClr val="tx1"/>
-                </a:solidFill>
-                <a:latin typeface="+mn-lt"/>
-                <a:ea typeface="+mn-ea"/>
-                <a:cs typeface="+mn-cs"/>
-              </a:defRPr>
-            </a:lvl4pPr>
-            <a:lvl5pPr marL="2057400" indent="-228600" algn="l" defTabSz="914400" rtl="0" eaLnBrk="1" latinLnBrk="0" hangingPunct="1">
-              <a:lnSpc>
-                <a:spcPct val="90000"/>
-              </a:lnSpc>
-              <a:spcBef>
-                <a:spcPts val="500"/>
-              </a:spcBef>
-              <a:buFont typeface="Arial" panose="020B0604020202020204" pitchFamily="34" charset="0"/>
-              <a:buChar char="•"/>
-              <a:defRPr sz="1800" kern="1200">
-                <a:solidFill>
-                  <a:schemeClr val="tx1"/>
-                </a:solidFill>
-                <a:latin typeface="+mn-lt"/>
-                <a:ea typeface="+mn-ea"/>
-                <a:cs typeface="+mn-cs"/>
-              </a:defRPr>
-            </a:lvl5pPr>
-            <a:lvl6pPr marL="2514600" indent="-228600" algn="l" defTabSz="914400" rtl="0" eaLnBrk="1" latinLnBrk="0" hangingPunct="1">
-              <a:lnSpc>
-                <a:spcPct val="90000"/>
-              </a:lnSpc>
-              <a:spcBef>
-                <a:spcPts val="500"/>
-              </a:spcBef>
-              <a:buFont typeface="Arial" panose="020B0604020202020204" pitchFamily="34" charset="0"/>
-              <a:buChar char="•"/>
-              <a:defRPr sz="1800" kern="1200">
-                <a:solidFill>
-                  <a:schemeClr val="tx1"/>
-                </a:solidFill>
-                <a:latin typeface="+mn-lt"/>
-                <a:ea typeface="+mn-ea"/>
-                <a:cs typeface="+mn-cs"/>
-              </a:defRPr>
-            </a:lvl6pPr>
-            <a:lvl7pPr marL="2971800" indent="-228600" algn="l" defTabSz="914400" rtl="0" eaLnBrk="1" latinLnBrk="0" hangingPunct="1">
-              <a:lnSpc>
-                <a:spcPct val="90000"/>
-              </a:lnSpc>
-              <a:spcBef>
-                <a:spcPts val="500"/>
-              </a:spcBef>
-              <a:buFont typeface="Arial" panose="020B0604020202020204" pitchFamily="34" charset="0"/>
-              <a:buChar char="•"/>
-              <a:defRPr sz="1800" kern="1200">
-                <a:solidFill>
-                  <a:schemeClr val="tx1"/>
-                </a:solidFill>
-                <a:latin typeface="+mn-lt"/>
-                <a:ea typeface="+mn-ea"/>
-                <a:cs typeface="+mn-cs"/>
-              </a:defRPr>
-            </a:lvl7pPr>
-            <a:lvl8pPr marL="3429000" indent="-228600" algn="l" defTabSz="914400" rtl="0" eaLnBrk="1" latinLnBrk="0" hangingPunct="1">
-              <a:lnSpc>
-                <a:spcPct val="90000"/>
-              </a:lnSpc>
-              <a:spcBef>
-                <a:spcPts val="500"/>
-              </a:spcBef>
-              <a:buFont typeface="Arial" panose="020B0604020202020204" pitchFamily="34" charset="0"/>
-              <a:buChar char="•"/>
-              <a:defRPr sz="1800" kern="1200">
-                <a:solidFill>
-                  <a:schemeClr val="tx1"/>
-                </a:solidFill>
-                <a:latin typeface="+mn-lt"/>
-                <a:ea typeface="+mn-ea"/>
-                <a:cs typeface="+mn-cs"/>
-              </a:defRPr>
-            </a:lvl8pPr>
-            <a:lvl9pPr marL="3886200" indent="-228600" algn="l" defTabSz="914400" rtl="0" eaLnBrk="1" latinLnBrk="0" hangingPunct="1">
-              <a:lnSpc>
-                <a:spcPct val="90000"/>
-              </a:lnSpc>
-              <a:spcBef>
-                <a:spcPts val="500"/>
-              </a:spcBef>
-              <a:buFont typeface="Arial" panose="020B0604020202020204" pitchFamily="34" charset="0"/>
-              <a:buChar char="•"/>
-              <a:defRPr sz="1800" kern="1200">
-                <a:solidFill>
-                  <a:schemeClr val="tx1"/>
-                </a:solidFill>
-                <a:latin typeface="+mn-lt"/>
-                <a:ea typeface="+mn-ea"/>
-                <a:cs typeface="+mn-cs"/>
-              </a:defRPr>
-            </a:lvl9pPr>
-          </a:lstStyle>
-          <a:p>
-            <a:pPr>
-              <a:buFont typeface="Courier New" panose="02070309020205020404" pitchFamily="49" charset="0"/>
-              <a:buChar char="o"/>
-            </a:pPr>
-            <a:r>
-              <a:rPr lang="en-US" b="1" dirty="0">
-                <a:solidFill>
-                  <a:srgbClr val="262626"/>
-                </a:solidFill>
-                <a:latin typeface="+mj-lt"/>
-                <a:ea typeface="+mj-ea"/>
-                <a:cs typeface="+mj-cs"/>
-              </a:rPr>
-              <a:t> </a:t>
-            </a:r>
-            <a:r>
-              <a:rPr lang="en-US" b="1" dirty="0" err="1">
-                <a:solidFill>
-                  <a:srgbClr val="262626"/>
-                </a:solidFill>
-                <a:latin typeface="+mj-lt"/>
-                <a:ea typeface="+mj-ea"/>
-                <a:cs typeface="+mj-cs"/>
-              </a:rPr>
-              <a:t>ldsjfkdsfks</a:t>
-            </a:r>
-            <a:endParaRPr lang="en-US" sz="2800" b="1" dirty="0">
-              <a:solidFill>
-                <a:srgbClr val="262626"/>
-              </a:solidFill>
-              <a:latin typeface="+mj-lt"/>
-              <a:ea typeface="+mj-ea"/>
-              <a:cs typeface="+mj-cs"/>
-            </a:endParaRPr>
-          </a:p>
-          <a:p>
-            <a:pPr lvl="1">
-              <a:buFont typeface="Courier New" panose="02070309020205020404" pitchFamily="49" charset="0"/>
-              <a:buChar char="o"/>
-            </a:pPr>
-            <a:endParaRPr lang="en-US" sz="2800" b="1" dirty="0">
-              <a:solidFill>
-                <a:srgbClr val="262626"/>
-              </a:solidFill>
-              <a:latin typeface="+mj-lt"/>
-              <a:ea typeface="+mj-ea"/>
-              <a:cs typeface="+mj-cs"/>
-            </a:endParaRPr>
-          </a:p>
-        </p:txBody>
-      </p:sp>
-      <p:sp>
-        <p:nvSpPr>
           <p:cNvPr id="9" name="Title 1">
             <a:extLst>
               <a:ext uri="{FF2B5EF4-FFF2-40B4-BE49-F238E27FC236}">
-                <a16:creationId xmlns:a16="http://schemas.microsoft.com/office/drawing/2014/main" id="{D8C10810-AC5E-494D-9CD2-414CEC04F8D6}"/>
+                <a16:creationId xmlns:a16="http://schemas.microsoft.com/office/drawing/2014/main" id="{426BB233-A55B-4835-80DC-FA6CA4516D5E}"/>
               </a:ext>
             </a:extLst>
           </p:cNvPr>
@@ -8066,7 +9356,7 @@
                 </a:solidFill>
                 <a:latin typeface="Ink Free" panose="03080402000500000000" pitchFamily="66" charset="0"/>
               </a:rPr>
-              <a:t>e x t r a</a:t>
+              <a:t>o u r   g r a p h s</a:t>
             </a:r>
             <a:endParaRPr lang="en-US" sz="2800" b="1" i="1" dirty="0">
               <a:solidFill>
@@ -8077,10 +9367,253 @@
           </a:p>
         </p:txBody>
       </p:sp>
+      <p:sp>
+        <p:nvSpPr>
+          <p:cNvPr id="10" name="Content Placeholder 1">
+            <a:extLst>
+              <a:ext uri="{FF2B5EF4-FFF2-40B4-BE49-F238E27FC236}">
+                <a16:creationId xmlns:a16="http://schemas.microsoft.com/office/drawing/2014/main" id="{F8009F92-071A-49E2-81A1-83C7D84ED0E9}"/>
+              </a:ext>
+            </a:extLst>
+          </p:cNvPr>
+          <p:cNvSpPr txBox="1">
+            <a:spLocks/>
+          </p:cNvSpPr>
+          <p:nvPr/>
+        </p:nvSpPr>
+        <p:spPr>
+          <a:xfrm>
+            <a:off x="376024" y="1520825"/>
+            <a:ext cx="6615326" cy="4351338"/>
+          </a:xfrm>
+          <a:prstGeom prst="rect">
+            <a:avLst/>
+          </a:prstGeom>
+        </p:spPr>
+        <p:txBody>
+          <a:bodyPr vert="horz" lIns="91440" tIns="45720" rIns="91440" bIns="45720" rtlCol="0">
+            <a:normAutofit/>
+          </a:bodyPr>
+          <a:lstStyle>
+            <a:lvl1pPr marL="228600" indent="-228600" algn="l" defTabSz="914400" rtl="0" eaLnBrk="1" latinLnBrk="0" hangingPunct="1">
+              <a:lnSpc>
+                <a:spcPct val="90000"/>
+              </a:lnSpc>
+              <a:spcBef>
+                <a:spcPts val="1000"/>
+              </a:spcBef>
+              <a:buFont typeface="Arial" panose="020B0604020202020204" pitchFamily="34" charset="0"/>
+              <a:buChar char="•"/>
+              <a:defRPr sz="2800" kern="1200">
+                <a:solidFill>
+                  <a:schemeClr val="tx1"/>
+                </a:solidFill>
+                <a:latin typeface="+mn-lt"/>
+                <a:ea typeface="+mn-ea"/>
+                <a:cs typeface="+mn-cs"/>
+              </a:defRPr>
+            </a:lvl1pPr>
+            <a:lvl2pPr marL="685800" indent="-228600" algn="l" defTabSz="914400" rtl="0" eaLnBrk="1" latinLnBrk="0" hangingPunct="1">
+              <a:lnSpc>
+                <a:spcPct val="90000"/>
+              </a:lnSpc>
+              <a:spcBef>
+                <a:spcPts val="500"/>
+              </a:spcBef>
+              <a:buFont typeface="Arial" panose="020B0604020202020204" pitchFamily="34" charset="0"/>
+              <a:buChar char="•"/>
+              <a:defRPr sz="2400" kern="1200">
+                <a:solidFill>
+                  <a:schemeClr val="tx1"/>
+                </a:solidFill>
+                <a:latin typeface="+mn-lt"/>
+                <a:ea typeface="+mn-ea"/>
+                <a:cs typeface="+mn-cs"/>
+              </a:defRPr>
+            </a:lvl2pPr>
+            <a:lvl3pPr marL="1143000" indent="-228600" algn="l" defTabSz="914400" rtl="0" eaLnBrk="1" latinLnBrk="0" hangingPunct="1">
+              <a:lnSpc>
+                <a:spcPct val="90000"/>
+              </a:lnSpc>
+              <a:spcBef>
+                <a:spcPts val="500"/>
+              </a:spcBef>
+              <a:buFont typeface="Arial" panose="020B0604020202020204" pitchFamily="34" charset="0"/>
+              <a:buChar char="•"/>
+              <a:defRPr sz="2000" kern="1200">
+                <a:solidFill>
+                  <a:schemeClr val="tx1"/>
+                </a:solidFill>
+                <a:latin typeface="+mn-lt"/>
+                <a:ea typeface="+mn-ea"/>
+                <a:cs typeface="+mn-cs"/>
+              </a:defRPr>
+            </a:lvl3pPr>
+            <a:lvl4pPr marL="1600200" indent="-228600" algn="l" defTabSz="914400" rtl="0" eaLnBrk="1" latinLnBrk="0" hangingPunct="1">
+              <a:lnSpc>
+                <a:spcPct val="90000"/>
+              </a:lnSpc>
+              <a:spcBef>
+                <a:spcPts val="500"/>
+              </a:spcBef>
+              <a:buFont typeface="Arial" panose="020B0604020202020204" pitchFamily="34" charset="0"/>
+              <a:buChar char="•"/>
+              <a:defRPr sz="1800" kern="1200">
+                <a:solidFill>
+                  <a:schemeClr val="tx1"/>
+                </a:solidFill>
+                <a:latin typeface="+mn-lt"/>
+                <a:ea typeface="+mn-ea"/>
+                <a:cs typeface="+mn-cs"/>
+              </a:defRPr>
+            </a:lvl4pPr>
+            <a:lvl5pPr marL="2057400" indent="-228600" algn="l" defTabSz="914400" rtl="0" eaLnBrk="1" latinLnBrk="0" hangingPunct="1">
+              <a:lnSpc>
+                <a:spcPct val="90000"/>
+              </a:lnSpc>
+              <a:spcBef>
+                <a:spcPts val="500"/>
+              </a:spcBef>
+              <a:buFont typeface="Arial" panose="020B0604020202020204" pitchFamily="34" charset="0"/>
+              <a:buChar char="•"/>
+              <a:defRPr sz="1800" kern="1200">
+                <a:solidFill>
+                  <a:schemeClr val="tx1"/>
+                </a:solidFill>
+                <a:latin typeface="+mn-lt"/>
+                <a:ea typeface="+mn-ea"/>
+                <a:cs typeface="+mn-cs"/>
+              </a:defRPr>
+            </a:lvl5pPr>
+            <a:lvl6pPr marL="2514600" indent="-228600" algn="l" defTabSz="914400" rtl="0" eaLnBrk="1" latinLnBrk="0" hangingPunct="1">
+              <a:lnSpc>
+                <a:spcPct val="90000"/>
+              </a:lnSpc>
+              <a:spcBef>
+                <a:spcPts val="500"/>
+              </a:spcBef>
+              <a:buFont typeface="Arial" panose="020B0604020202020204" pitchFamily="34" charset="0"/>
+              <a:buChar char="•"/>
+              <a:defRPr sz="1800" kern="1200">
+                <a:solidFill>
+                  <a:schemeClr val="tx1"/>
+                </a:solidFill>
+                <a:latin typeface="+mn-lt"/>
+                <a:ea typeface="+mn-ea"/>
+                <a:cs typeface="+mn-cs"/>
+              </a:defRPr>
+            </a:lvl6pPr>
+            <a:lvl7pPr marL="2971800" indent="-228600" algn="l" defTabSz="914400" rtl="0" eaLnBrk="1" latinLnBrk="0" hangingPunct="1">
+              <a:lnSpc>
+                <a:spcPct val="90000"/>
+              </a:lnSpc>
+              <a:spcBef>
+                <a:spcPts val="500"/>
+              </a:spcBef>
+              <a:buFont typeface="Arial" panose="020B0604020202020204" pitchFamily="34" charset="0"/>
+              <a:buChar char="•"/>
+              <a:defRPr sz="1800" kern="1200">
+                <a:solidFill>
+                  <a:schemeClr val="tx1"/>
+                </a:solidFill>
+                <a:latin typeface="+mn-lt"/>
+                <a:ea typeface="+mn-ea"/>
+                <a:cs typeface="+mn-cs"/>
+              </a:defRPr>
+            </a:lvl7pPr>
+            <a:lvl8pPr marL="3429000" indent="-228600" algn="l" defTabSz="914400" rtl="0" eaLnBrk="1" latinLnBrk="0" hangingPunct="1">
+              <a:lnSpc>
+                <a:spcPct val="90000"/>
+              </a:lnSpc>
+              <a:spcBef>
+                <a:spcPts val="500"/>
+              </a:spcBef>
+              <a:buFont typeface="Arial" panose="020B0604020202020204" pitchFamily="34" charset="0"/>
+              <a:buChar char="•"/>
+              <a:defRPr sz="1800" kern="1200">
+                <a:solidFill>
+                  <a:schemeClr val="tx1"/>
+                </a:solidFill>
+                <a:latin typeface="+mn-lt"/>
+                <a:ea typeface="+mn-ea"/>
+                <a:cs typeface="+mn-cs"/>
+              </a:defRPr>
+            </a:lvl8pPr>
+            <a:lvl9pPr marL="3886200" indent="-228600" algn="l" defTabSz="914400" rtl="0" eaLnBrk="1" latinLnBrk="0" hangingPunct="1">
+              <a:lnSpc>
+                <a:spcPct val="90000"/>
+              </a:lnSpc>
+              <a:spcBef>
+                <a:spcPts val="500"/>
+              </a:spcBef>
+              <a:buFont typeface="Arial" panose="020B0604020202020204" pitchFamily="34" charset="0"/>
+              <a:buChar char="•"/>
+              <a:defRPr sz="1800" kern="1200">
+                <a:solidFill>
+                  <a:schemeClr val="tx1"/>
+                </a:solidFill>
+                <a:latin typeface="+mn-lt"/>
+                <a:ea typeface="+mn-ea"/>
+                <a:cs typeface="+mn-cs"/>
+              </a:defRPr>
+            </a:lvl9pPr>
+          </a:lstStyle>
+          <a:p>
+            <a:pPr>
+              <a:buFont typeface="Courier New" panose="02070309020205020404" pitchFamily="49" charset="0"/>
+              <a:buChar char="o"/>
+            </a:pPr>
+            <a:r>
+              <a:rPr lang="en-US" b="1" dirty="0">
+                <a:solidFill>
+                  <a:srgbClr val="262626"/>
+                </a:solidFill>
+                <a:latin typeface="+mj-lt"/>
+                <a:ea typeface="+mj-ea"/>
+                <a:cs typeface="+mj-cs"/>
+              </a:rPr>
+              <a:t> </a:t>
+            </a:r>
+            <a:r>
+              <a:rPr lang="en-US" b="1" dirty="0" err="1">
+                <a:solidFill>
+                  <a:srgbClr val="262626"/>
+                </a:solidFill>
+                <a:latin typeface="+mj-lt"/>
+                <a:ea typeface="+mj-ea"/>
+                <a:cs typeface="+mj-cs"/>
+              </a:rPr>
+              <a:t>ldsjfkdsfks</a:t>
+            </a:r>
+            <a:endParaRPr lang="en-US" sz="2800" b="1" dirty="0">
+              <a:solidFill>
+                <a:srgbClr val="262626"/>
+              </a:solidFill>
+              <a:latin typeface="+mj-lt"/>
+              <a:ea typeface="+mj-ea"/>
+              <a:cs typeface="+mj-cs"/>
+            </a:endParaRPr>
+          </a:p>
+          <a:p>
+            <a:pPr lvl="1">
+              <a:buFont typeface="Courier New" panose="02070309020205020404" pitchFamily="49" charset="0"/>
+              <a:buChar char="o"/>
+            </a:pPr>
+            <a:endParaRPr lang="en-US" sz="2800" b="1" dirty="0">
+              <a:solidFill>
+                <a:srgbClr val="262626"/>
+              </a:solidFill>
+              <a:latin typeface="+mj-lt"/>
+              <a:ea typeface="+mj-ea"/>
+              <a:cs typeface="+mj-cs"/>
+            </a:endParaRPr>
+          </a:p>
+        </p:txBody>
+      </p:sp>
     </p:spTree>
     <p:extLst>
       <p:ext uri="{BB962C8B-B14F-4D97-AF65-F5344CB8AC3E}">
-        <p14:creationId xmlns:p14="http://schemas.microsoft.com/office/powerpoint/2010/main" val="3589306822"/>
+        <p14:creationId xmlns:p14="http://schemas.microsoft.com/office/powerpoint/2010/main" val="1542471732"/>
       </p:ext>
     </p:extLst>
   </p:cSld>

--- a/Spotipy Presentation 10.27.pptx
+++ b/Spotipy Presentation 10.27.pptx
@@ -8191,6 +8191,252 @@
           </a:p>
         </p:txBody>
       </p:sp>
+      <p:pic>
+        <p:nvPicPr>
+          <p:cNvPr id="3" name="Picture 2" descr="Chart, bar chart&#10;&#10;Description automatically generated">
+            <a:extLst>
+              <a:ext uri="{FF2B5EF4-FFF2-40B4-BE49-F238E27FC236}">
+                <a16:creationId xmlns:a16="http://schemas.microsoft.com/office/drawing/2014/main" id="{2A55818C-57F2-4B4F-A7EC-A42A56FFEE51}"/>
+              </a:ext>
+            </a:extLst>
+          </p:cNvPr>
+          <p:cNvPicPr>
+            <a:picLocks noChangeAspect="1"/>
+          </p:cNvPicPr>
+          <p:nvPr/>
+        </p:nvPicPr>
+        <p:blipFill>
+          <a:blip r:embed="rId3">
+            <a:extLst>
+              <a:ext uri="{28A0092B-C50C-407E-A947-70E740481C1C}">
+                <a14:useLocalDpi xmlns:a14="http://schemas.microsoft.com/office/drawing/2010/main" val="0"/>
+              </a:ext>
+            </a:extLst>
+          </a:blip>
+          <a:stretch>
+            <a:fillRect/>
+          </a:stretch>
+        </p:blipFill>
+        <p:spPr>
+          <a:xfrm>
+            <a:off x="285652" y="1294067"/>
+            <a:ext cx="6831785" cy="4269866"/>
+          </a:xfrm>
+          <a:prstGeom prst="rect">
+            <a:avLst/>
+          </a:prstGeom>
+        </p:spPr>
+      </p:pic>
+      <p:sp>
+        <p:nvSpPr>
+          <p:cNvPr id="10" name="Title 1">
+            <a:extLst>
+              <a:ext uri="{FF2B5EF4-FFF2-40B4-BE49-F238E27FC236}">
+                <a16:creationId xmlns:a16="http://schemas.microsoft.com/office/drawing/2014/main" id="{2B1B05DD-99A1-4BE7-AF92-602B492D66AD}"/>
+              </a:ext>
+            </a:extLst>
+          </p:cNvPr>
+          <p:cNvSpPr txBox="1">
+            <a:spLocks/>
+          </p:cNvSpPr>
+          <p:nvPr/>
+        </p:nvSpPr>
+        <p:spPr>
+          <a:xfrm>
+            <a:off x="7403089" y="368969"/>
+            <a:ext cx="4788911" cy="6031830"/>
+          </a:xfrm>
+          <a:prstGeom prst="rect">
+            <a:avLst/>
+          </a:prstGeom>
+          <a:noFill/>
+        </p:spPr>
+        <p:txBody>
+          <a:bodyPr vert="horz" lIns="91440" tIns="45720" rIns="91440" bIns="45720" rtlCol="0" anchor="t">
+            <a:normAutofit lnSpcReduction="10000"/>
+          </a:bodyPr>
+          <a:lstStyle>
+            <a:lvl1pPr algn="l" defTabSz="914400" rtl="0" eaLnBrk="1" latinLnBrk="0" hangingPunct="1">
+              <a:lnSpc>
+                <a:spcPct val="90000"/>
+              </a:lnSpc>
+              <a:spcBef>
+                <a:spcPct val="0"/>
+              </a:spcBef>
+              <a:buNone/>
+              <a:defRPr sz="4400" kern="1200">
+                <a:solidFill>
+                  <a:schemeClr val="tx1"/>
+                </a:solidFill>
+                <a:latin typeface="+mj-lt"/>
+                <a:ea typeface="+mj-ea"/>
+                <a:cs typeface="+mj-cs"/>
+              </a:defRPr>
+            </a:lvl1pPr>
+          </a:lstStyle>
+          <a:p>
+            <a:pPr algn="ctr"/>
+            <a:r>
+              <a:rPr lang="en-US" sz="2400" b="1" dirty="0">
+                <a:solidFill>
+                  <a:srgbClr val="1ED760"/>
+                </a:solidFill>
+              </a:rPr>
+              <a:t>Analyzing Stream Count by Decades</a:t>
+            </a:r>
+          </a:p>
+          <a:p>
+            <a:pPr algn="ctr"/>
+            <a:endParaRPr lang="en-US" sz="3200" b="1" dirty="0">
+              <a:solidFill>
+                <a:schemeClr val="bg1"/>
+              </a:solidFill>
+            </a:endParaRPr>
+          </a:p>
+          <a:p>
+            <a:pPr marL="457200" indent="-457200">
+              <a:buClr>
+                <a:schemeClr val="bg1"/>
+              </a:buClr>
+              <a:buBlip>
+                <a:blip r:embed="rId4">
+                  <a:extLst>
+                    <a:ext uri="{837473B0-CC2E-450A-ABE3-18F120FF3D39}">
+                      <a1611:picAttrSrcUrl xmlns:a1611="http://schemas.microsoft.com/office/drawing/2016/11/main" r:id="rId5"/>
+                    </a:ext>
+                  </a:extLst>
+                </a:blip>
+              </a:buBlip>
+            </a:pPr>
+            <a:r>
+              <a:rPr lang="en-US" sz="2600" dirty="0">
+                <a:solidFill>
+                  <a:schemeClr val="bg1"/>
+                </a:solidFill>
+              </a:rPr>
+              <a:t>Because our data was predominantly featuring songs from the 2000s, rows were filtered to eliminate bias and skewed information.</a:t>
+            </a:r>
+          </a:p>
+          <a:p>
+            <a:pPr marL="457200" indent="-457200">
+              <a:buClr>
+                <a:schemeClr val="bg1"/>
+              </a:buClr>
+              <a:buBlip>
+                <a:blip r:embed="rId4">
+                  <a:extLst>
+                    <a:ext uri="{837473B0-CC2E-450A-ABE3-18F120FF3D39}">
+                      <a1611:picAttrSrcUrl xmlns:a1611="http://schemas.microsoft.com/office/drawing/2016/11/main" r:id="rId5"/>
+                    </a:ext>
+                  </a:extLst>
+                </a:blip>
+              </a:buBlip>
+            </a:pPr>
+            <a:endParaRPr lang="en-US" sz="2600" dirty="0">
+              <a:solidFill>
+                <a:schemeClr val="bg1"/>
+              </a:solidFill>
+            </a:endParaRPr>
+          </a:p>
+          <a:p>
+            <a:pPr marL="457200" indent="-457200">
+              <a:buClr>
+                <a:schemeClr val="bg1"/>
+              </a:buClr>
+              <a:buBlip>
+                <a:blip r:embed="rId4">
+                  <a:extLst>
+                    <a:ext uri="{837473B0-CC2E-450A-ABE3-18F120FF3D39}">
+                      <a1611:picAttrSrcUrl xmlns:a1611="http://schemas.microsoft.com/office/drawing/2016/11/main" r:id="rId5"/>
+                    </a:ext>
+                  </a:extLst>
+                </a:blip>
+              </a:buBlip>
+            </a:pPr>
+            <a:r>
+              <a:rPr lang="en-US" sz="2600" b="1" dirty="0">
+                <a:solidFill>
+                  <a:schemeClr val="bg1"/>
+                </a:solidFill>
+              </a:rPr>
+              <a:t>While the track count was the highest in 00s, The Janitors can see that the number of streams was larger across the board in all decades.</a:t>
+            </a:r>
+          </a:p>
+          <a:p>
+            <a:pPr>
+              <a:buClr>
+                <a:schemeClr val="bg1"/>
+              </a:buClr>
+            </a:pPr>
+            <a:endParaRPr lang="en-US" sz="2600" b="1" dirty="0">
+              <a:solidFill>
+                <a:schemeClr val="bg1"/>
+              </a:solidFill>
+            </a:endParaRPr>
+          </a:p>
+          <a:p>
+            <a:pPr marL="457200" indent="-457200">
+              <a:buClr>
+                <a:schemeClr val="bg1"/>
+              </a:buClr>
+              <a:buBlip>
+                <a:blip r:embed="rId4">
+                  <a:extLst>
+                    <a:ext uri="{837473B0-CC2E-450A-ABE3-18F120FF3D39}">
+                      <a1611:picAttrSrcUrl xmlns:a1611="http://schemas.microsoft.com/office/drawing/2016/11/main" r:id="rId5"/>
+                    </a:ext>
+                  </a:extLst>
+                </a:blip>
+              </a:buBlip>
+            </a:pPr>
+            <a:r>
+              <a:rPr lang="en-US" sz="2600" b="1" dirty="0">
+                <a:solidFill>
+                  <a:schemeClr val="bg1"/>
+                </a:solidFill>
+              </a:rPr>
+              <a:t>One can conclude that there is not necessarily a direct tie with stream to track count.</a:t>
+            </a:r>
+          </a:p>
+          <a:p>
+            <a:pPr marL="457200" indent="-457200">
+              <a:buClr>
+                <a:schemeClr val="bg1"/>
+              </a:buClr>
+              <a:buBlip>
+                <a:blip r:embed="rId4">
+                  <a:extLst>
+                    <a:ext uri="{837473B0-CC2E-450A-ABE3-18F120FF3D39}">
+                      <a1611:picAttrSrcUrl xmlns:a1611="http://schemas.microsoft.com/office/drawing/2016/11/main" r:id="rId5"/>
+                    </a:ext>
+                  </a:extLst>
+                </a:blip>
+              </a:buBlip>
+            </a:pPr>
+            <a:endParaRPr lang="en-US" sz="3200" b="1" dirty="0">
+              <a:solidFill>
+                <a:schemeClr val="bg1"/>
+              </a:solidFill>
+            </a:endParaRPr>
+          </a:p>
+          <a:p>
+            <a:pPr algn="ctr"/>
+            <a:endParaRPr lang="en-US" sz="3200" b="1" dirty="0">
+              <a:solidFill>
+                <a:schemeClr val="bg1"/>
+              </a:solidFill>
+            </a:endParaRPr>
+          </a:p>
+          <a:p>
+            <a:pPr algn="ctr"/>
+            <a:endParaRPr lang="en-US" sz="3200" b="1" dirty="0">
+              <a:solidFill>
+                <a:schemeClr val="bg1"/>
+              </a:solidFill>
+            </a:endParaRPr>
+          </a:p>
+        </p:txBody>
+      </p:sp>
     </p:spTree>
     <p:extLst>
       <p:ext uri="{BB962C8B-B14F-4D97-AF65-F5344CB8AC3E}">

--- a/Spotipy Presentation 10.27.pptx
+++ b/Spotipy Presentation 10.27.pptx
@@ -11,11 +11,15 @@
     <p:sldId id="262" r:id="rId5"/>
     <p:sldId id="263" r:id="rId6"/>
     <p:sldId id="264" r:id="rId7"/>
-    <p:sldId id="259" r:id="rId8"/>
-    <p:sldId id="260" r:id="rId9"/>
+    <p:sldId id="260" r:id="rId8"/>
+    <p:sldId id="259" r:id="rId9"/>
     <p:sldId id="261" r:id="rId10"/>
-    <p:sldId id="258" r:id="rId11"/>
-    <p:sldId id="266" r:id="rId12"/>
+    <p:sldId id="270" r:id="rId11"/>
+    <p:sldId id="271" r:id="rId12"/>
+    <p:sldId id="272" r:id="rId13"/>
+    <p:sldId id="273" r:id="rId14"/>
+    <p:sldId id="258" r:id="rId15"/>
+    <p:sldId id="266" r:id="rId16"/>
   </p:sldIdLst>
   <p:sldSz cx="12192000" cy="6858000"/>
   <p:notesSz cx="6858000" cy="9144000"/>
@@ -3740,17 +3744,46 @@
           <a:bodyPr rtlCol="0" anchor="ctr"/>
           <a:lstStyle/>
           <a:p>
-            <a:pPr algn="ctr"/>
-            <a:endParaRPr lang="en-US"/>
+            <a:pPr marL="0" marR="0" lvl="0" indent="0" algn="ctr" defTabSz="914400" rtl="0" eaLnBrk="1" fontAlgn="auto" latinLnBrk="0" hangingPunct="1">
+              <a:lnSpc>
+                <a:spcPct val="100000"/>
+              </a:lnSpc>
+              <a:spcBef>
+                <a:spcPts val="0"/>
+              </a:spcBef>
+              <a:spcAft>
+                <a:spcPts val="0"/>
+              </a:spcAft>
+              <a:buClrTx/>
+              <a:buSzTx/>
+              <a:buFontTx/>
+              <a:buNone/>
+              <a:tabLst/>
+              <a:defRPr/>
+            </a:pPr>
+            <a:endParaRPr kumimoji="0" lang="en-US" sz="1800" b="0" i="0" u="none" strike="noStrike" kern="1200" cap="none" spc="0" normalizeH="0" baseline="0" noProof="0">
+              <a:ln>
+                <a:noFill/>
+              </a:ln>
+              <a:solidFill>
+                <a:prstClr val="white"/>
+              </a:solidFill>
+              <a:effectLst/>
+              <a:uLnTx/>
+              <a:uFillTx/>
+              <a:latin typeface="Calibri" panose="020F0502020204030204"/>
+              <a:ea typeface="+mn-ea"/>
+              <a:cs typeface="+mn-cs"/>
+            </a:endParaRPr>
           </a:p>
         </p:txBody>
       </p:sp>
       <p:pic>
         <p:nvPicPr>
-          <p:cNvPr id="9" name="Content Placeholder 4" descr="Terraform &amp; Spotify Data Engineering | Python In Plain English">
-            <a:extLst>
-              <a:ext uri="{FF2B5EF4-FFF2-40B4-BE49-F238E27FC236}">
-                <a16:creationId xmlns:a16="http://schemas.microsoft.com/office/drawing/2014/main" id="{EE9A1D33-E99C-4079-8458-B95631A1BB06}"/>
+          <p:cNvPr id="5" name="Content Placeholder 4" descr="Terraform &amp; Spotify Data Engineering | Python In Plain English">
+            <a:extLst>
+              <a:ext uri="{FF2B5EF4-FFF2-40B4-BE49-F238E27FC236}">
+                <a16:creationId xmlns:a16="http://schemas.microsoft.com/office/drawing/2014/main" id="{843EDE0C-EB57-4DD9-98B2-9FF5C24A7B94}"/>
               </a:ext>
             </a:extLst>
           </p:cNvPr>
@@ -3792,10 +3825,10 @@
       </p:pic>
       <p:sp>
         <p:nvSpPr>
-          <p:cNvPr id="14" name="Title 1">
-            <a:extLst>
-              <a:ext uri="{FF2B5EF4-FFF2-40B4-BE49-F238E27FC236}">
-                <a16:creationId xmlns:a16="http://schemas.microsoft.com/office/drawing/2014/main" id="{06EDEE77-4FA2-48B9-B9AD-45946FE46EB2}"/>
+          <p:cNvPr id="9" name="Title 1">
+            <a:extLst>
+              <a:ext uri="{FF2B5EF4-FFF2-40B4-BE49-F238E27FC236}">
+                <a16:creationId xmlns:a16="http://schemas.microsoft.com/office/drawing/2014/main" id="{426BB233-A55B-4835-80DC-FA6CA4516D5E}"/>
               </a:ext>
             </a:extLst>
           </p:cNvPr>
@@ -3838,6 +3871,2257 @@
             </a:lvl1pPr>
           </a:lstStyle>
           <a:p>
+            <a:pPr marL="0" marR="0" lvl="0" indent="0" algn="l" defTabSz="914400" rtl="0" eaLnBrk="1" fontAlgn="auto" latinLnBrk="0" hangingPunct="1">
+              <a:lnSpc>
+                <a:spcPct val="90000"/>
+              </a:lnSpc>
+              <a:spcBef>
+                <a:spcPct val="0"/>
+              </a:spcBef>
+              <a:spcAft>
+                <a:spcPts val="0"/>
+              </a:spcAft>
+              <a:buClrTx/>
+              <a:buSzTx/>
+              <a:buFontTx/>
+              <a:buNone/>
+              <a:tabLst/>
+              <a:defRPr/>
+            </a:pPr>
+            <a:r>
+              <a:rPr kumimoji="0" lang="en-US" sz="4000" b="1" i="1" u="none" strike="noStrike" kern="1200" cap="none" spc="0" normalizeH="0" baseline="0" noProof="0" dirty="0">
+                <a:ln>
+                  <a:noFill/>
+                </a:ln>
+                <a:solidFill>
+                  <a:srgbClr val="1ED760"/>
+                </a:solidFill>
+                <a:effectLst/>
+                <a:uLnTx/>
+                <a:uFillTx/>
+                <a:latin typeface="Ink Free" panose="03080402000500000000" pitchFamily="66" charset="0"/>
+                <a:ea typeface="+mj-ea"/>
+                <a:cs typeface="+mj-cs"/>
+              </a:rPr>
+              <a:t>o u r   g r a p h s</a:t>
+            </a:r>
+            <a:endParaRPr kumimoji="0" lang="en-US" sz="2800" b="1" i="1" u="none" strike="noStrike" kern="1200" cap="none" spc="0" normalizeH="0" baseline="0" noProof="0" dirty="0">
+              <a:ln>
+                <a:noFill/>
+              </a:ln>
+              <a:solidFill>
+                <a:prstClr val="white"/>
+              </a:solidFill>
+              <a:effectLst/>
+              <a:uLnTx/>
+              <a:uFillTx/>
+              <a:latin typeface="Ink Free" panose="03080402000500000000" pitchFamily="66" charset="0"/>
+              <a:ea typeface="+mj-ea"/>
+              <a:cs typeface="+mj-cs"/>
+            </a:endParaRPr>
+          </a:p>
+        </p:txBody>
+      </p:sp>
+      <p:sp>
+        <p:nvSpPr>
+          <p:cNvPr id="10" name="Content Placeholder 1">
+            <a:extLst>
+              <a:ext uri="{FF2B5EF4-FFF2-40B4-BE49-F238E27FC236}">
+                <a16:creationId xmlns:a16="http://schemas.microsoft.com/office/drawing/2014/main" id="{F8009F92-071A-49E2-81A1-83C7D84ED0E9}"/>
+              </a:ext>
+            </a:extLst>
+          </p:cNvPr>
+          <p:cNvSpPr txBox="1">
+            <a:spLocks/>
+          </p:cNvSpPr>
+          <p:nvPr/>
+        </p:nvSpPr>
+        <p:spPr>
+          <a:xfrm>
+            <a:off x="376024" y="1520825"/>
+            <a:ext cx="6615326" cy="4351338"/>
+          </a:xfrm>
+          <a:prstGeom prst="rect">
+            <a:avLst/>
+          </a:prstGeom>
+        </p:spPr>
+        <p:txBody>
+          <a:bodyPr vert="horz" lIns="91440" tIns="45720" rIns="91440" bIns="45720" rtlCol="0">
+            <a:normAutofit/>
+          </a:bodyPr>
+          <a:lstStyle>
+            <a:lvl1pPr marL="228600" indent="-228600" algn="l" defTabSz="914400" rtl="0" eaLnBrk="1" latinLnBrk="0" hangingPunct="1">
+              <a:lnSpc>
+                <a:spcPct val="90000"/>
+              </a:lnSpc>
+              <a:spcBef>
+                <a:spcPts val="1000"/>
+              </a:spcBef>
+              <a:buFont typeface="Arial" panose="020B0604020202020204" pitchFamily="34" charset="0"/>
+              <a:buChar char="•"/>
+              <a:defRPr sz="2800" kern="1200">
+                <a:solidFill>
+                  <a:schemeClr val="tx1"/>
+                </a:solidFill>
+                <a:latin typeface="+mn-lt"/>
+                <a:ea typeface="+mn-ea"/>
+                <a:cs typeface="+mn-cs"/>
+              </a:defRPr>
+            </a:lvl1pPr>
+            <a:lvl2pPr marL="685800" indent="-228600" algn="l" defTabSz="914400" rtl="0" eaLnBrk="1" latinLnBrk="0" hangingPunct="1">
+              <a:lnSpc>
+                <a:spcPct val="90000"/>
+              </a:lnSpc>
+              <a:spcBef>
+                <a:spcPts val="500"/>
+              </a:spcBef>
+              <a:buFont typeface="Arial" panose="020B0604020202020204" pitchFamily="34" charset="0"/>
+              <a:buChar char="•"/>
+              <a:defRPr sz="2400" kern="1200">
+                <a:solidFill>
+                  <a:schemeClr val="tx1"/>
+                </a:solidFill>
+                <a:latin typeface="+mn-lt"/>
+                <a:ea typeface="+mn-ea"/>
+                <a:cs typeface="+mn-cs"/>
+              </a:defRPr>
+            </a:lvl2pPr>
+            <a:lvl3pPr marL="1143000" indent="-228600" algn="l" defTabSz="914400" rtl="0" eaLnBrk="1" latinLnBrk="0" hangingPunct="1">
+              <a:lnSpc>
+                <a:spcPct val="90000"/>
+              </a:lnSpc>
+              <a:spcBef>
+                <a:spcPts val="500"/>
+              </a:spcBef>
+              <a:buFont typeface="Arial" panose="020B0604020202020204" pitchFamily="34" charset="0"/>
+              <a:buChar char="•"/>
+              <a:defRPr sz="2000" kern="1200">
+                <a:solidFill>
+                  <a:schemeClr val="tx1"/>
+                </a:solidFill>
+                <a:latin typeface="+mn-lt"/>
+                <a:ea typeface="+mn-ea"/>
+                <a:cs typeface="+mn-cs"/>
+              </a:defRPr>
+            </a:lvl3pPr>
+            <a:lvl4pPr marL="1600200" indent="-228600" algn="l" defTabSz="914400" rtl="0" eaLnBrk="1" latinLnBrk="0" hangingPunct="1">
+              <a:lnSpc>
+                <a:spcPct val="90000"/>
+              </a:lnSpc>
+              <a:spcBef>
+                <a:spcPts val="500"/>
+              </a:spcBef>
+              <a:buFont typeface="Arial" panose="020B0604020202020204" pitchFamily="34" charset="0"/>
+              <a:buChar char="•"/>
+              <a:defRPr sz="1800" kern="1200">
+                <a:solidFill>
+                  <a:schemeClr val="tx1"/>
+                </a:solidFill>
+                <a:latin typeface="+mn-lt"/>
+                <a:ea typeface="+mn-ea"/>
+                <a:cs typeface="+mn-cs"/>
+              </a:defRPr>
+            </a:lvl4pPr>
+            <a:lvl5pPr marL="2057400" indent="-228600" algn="l" defTabSz="914400" rtl="0" eaLnBrk="1" latinLnBrk="0" hangingPunct="1">
+              <a:lnSpc>
+                <a:spcPct val="90000"/>
+              </a:lnSpc>
+              <a:spcBef>
+                <a:spcPts val="500"/>
+              </a:spcBef>
+              <a:buFont typeface="Arial" panose="020B0604020202020204" pitchFamily="34" charset="0"/>
+              <a:buChar char="•"/>
+              <a:defRPr sz="1800" kern="1200">
+                <a:solidFill>
+                  <a:schemeClr val="tx1"/>
+                </a:solidFill>
+                <a:latin typeface="+mn-lt"/>
+                <a:ea typeface="+mn-ea"/>
+                <a:cs typeface="+mn-cs"/>
+              </a:defRPr>
+            </a:lvl5pPr>
+            <a:lvl6pPr marL="2514600" indent="-228600" algn="l" defTabSz="914400" rtl="0" eaLnBrk="1" latinLnBrk="0" hangingPunct="1">
+              <a:lnSpc>
+                <a:spcPct val="90000"/>
+              </a:lnSpc>
+              <a:spcBef>
+                <a:spcPts val="500"/>
+              </a:spcBef>
+              <a:buFont typeface="Arial" panose="020B0604020202020204" pitchFamily="34" charset="0"/>
+              <a:buChar char="•"/>
+              <a:defRPr sz="1800" kern="1200">
+                <a:solidFill>
+                  <a:schemeClr val="tx1"/>
+                </a:solidFill>
+                <a:latin typeface="+mn-lt"/>
+                <a:ea typeface="+mn-ea"/>
+                <a:cs typeface="+mn-cs"/>
+              </a:defRPr>
+            </a:lvl6pPr>
+            <a:lvl7pPr marL="2971800" indent="-228600" algn="l" defTabSz="914400" rtl="0" eaLnBrk="1" latinLnBrk="0" hangingPunct="1">
+              <a:lnSpc>
+                <a:spcPct val="90000"/>
+              </a:lnSpc>
+              <a:spcBef>
+                <a:spcPts val="500"/>
+              </a:spcBef>
+              <a:buFont typeface="Arial" panose="020B0604020202020204" pitchFamily="34" charset="0"/>
+              <a:buChar char="•"/>
+              <a:defRPr sz="1800" kern="1200">
+                <a:solidFill>
+                  <a:schemeClr val="tx1"/>
+                </a:solidFill>
+                <a:latin typeface="+mn-lt"/>
+                <a:ea typeface="+mn-ea"/>
+                <a:cs typeface="+mn-cs"/>
+              </a:defRPr>
+            </a:lvl7pPr>
+            <a:lvl8pPr marL="3429000" indent="-228600" algn="l" defTabSz="914400" rtl="0" eaLnBrk="1" latinLnBrk="0" hangingPunct="1">
+              <a:lnSpc>
+                <a:spcPct val="90000"/>
+              </a:lnSpc>
+              <a:spcBef>
+                <a:spcPts val="500"/>
+              </a:spcBef>
+              <a:buFont typeface="Arial" panose="020B0604020202020204" pitchFamily="34" charset="0"/>
+              <a:buChar char="•"/>
+              <a:defRPr sz="1800" kern="1200">
+                <a:solidFill>
+                  <a:schemeClr val="tx1"/>
+                </a:solidFill>
+                <a:latin typeface="+mn-lt"/>
+                <a:ea typeface="+mn-ea"/>
+                <a:cs typeface="+mn-cs"/>
+              </a:defRPr>
+            </a:lvl8pPr>
+            <a:lvl9pPr marL="3886200" indent="-228600" algn="l" defTabSz="914400" rtl="0" eaLnBrk="1" latinLnBrk="0" hangingPunct="1">
+              <a:lnSpc>
+                <a:spcPct val="90000"/>
+              </a:lnSpc>
+              <a:spcBef>
+                <a:spcPts val="500"/>
+              </a:spcBef>
+              <a:buFont typeface="Arial" panose="020B0604020202020204" pitchFamily="34" charset="0"/>
+              <a:buChar char="•"/>
+              <a:defRPr sz="1800" kern="1200">
+                <a:solidFill>
+                  <a:schemeClr val="tx1"/>
+                </a:solidFill>
+                <a:latin typeface="+mn-lt"/>
+                <a:ea typeface="+mn-ea"/>
+                <a:cs typeface="+mn-cs"/>
+              </a:defRPr>
+            </a:lvl9pPr>
+          </a:lstStyle>
+          <a:p>
+            <a:pPr marL="228600" marR="0" lvl="0" indent="-228600" algn="l" defTabSz="914400" rtl="0" eaLnBrk="1" fontAlgn="auto" latinLnBrk="0" hangingPunct="1">
+              <a:lnSpc>
+                <a:spcPct val="90000"/>
+              </a:lnSpc>
+              <a:spcBef>
+                <a:spcPts val="1000"/>
+              </a:spcBef>
+              <a:spcAft>
+                <a:spcPts val="0"/>
+              </a:spcAft>
+              <a:buClrTx/>
+              <a:buSzTx/>
+              <a:buFont typeface="Courier New" panose="02070309020205020404" pitchFamily="49" charset="0"/>
+              <a:buChar char="o"/>
+              <a:tabLst/>
+              <a:defRPr/>
+            </a:pPr>
+            <a:r>
+              <a:rPr kumimoji="0" lang="en-US" sz="2800" b="1" i="0" u="none" strike="noStrike" kern="1200" cap="none" spc="0" normalizeH="0" baseline="0" noProof="0" dirty="0">
+                <a:ln>
+                  <a:noFill/>
+                </a:ln>
+                <a:solidFill>
+                  <a:srgbClr val="262626"/>
+                </a:solidFill>
+                <a:effectLst/>
+                <a:uLnTx/>
+                <a:uFillTx/>
+                <a:latin typeface="Calibri Light" panose="020F0302020204030204"/>
+                <a:ea typeface="+mn-ea"/>
+                <a:cs typeface="+mn-cs"/>
+              </a:rPr>
+              <a:t> </a:t>
+            </a:r>
+            <a:r>
+              <a:rPr kumimoji="0" lang="en-US" sz="2800" b="1" i="0" u="none" strike="noStrike" kern="1200" cap="none" spc="0" normalizeH="0" baseline="0" noProof="0" dirty="0" err="1">
+                <a:ln>
+                  <a:noFill/>
+                </a:ln>
+                <a:solidFill>
+                  <a:srgbClr val="262626"/>
+                </a:solidFill>
+                <a:effectLst/>
+                <a:uLnTx/>
+                <a:uFillTx/>
+                <a:latin typeface="Calibri Light" panose="020F0302020204030204"/>
+                <a:ea typeface="+mn-ea"/>
+                <a:cs typeface="+mn-cs"/>
+              </a:rPr>
+              <a:t>ldsjfkdsfks</a:t>
+            </a:r>
+            <a:endParaRPr kumimoji="0" lang="en-US" sz="2800" b="1" i="0" u="none" strike="noStrike" kern="1200" cap="none" spc="0" normalizeH="0" baseline="0" noProof="0" dirty="0">
+              <a:ln>
+                <a:noFill/>
+              </a:ln>
+              <a:solidFill>
+                <a:srgbClr val="262626"/>
+              </a:solidFill>
+              <a:effectLst/>
+              <a:uLnTx/>
+              <a:uFillTx/>
+              <a:latin typeface="Calibri Light" panose="020F0302020204030204"/>
+              <a:ea typeface="+mn-ea"/>
+              <a:cs typeface="+mn-cs"/>
+            </a:endParaRPr>
+          </a:p>
+          <a:p>
+            <a:pPr marL="685800" marR="0" lvl="1" indent="-228600" algn="l" defTabSz="914400" rtl="0" eaLnBrk="1" fontAlgn="auto" latinLnBrk="0" hangingPunct="1">
+              <a:lnSpc>
+                <a:spcPct val="90000"/>
+              </a:lnSpc>
+              <a:spcBef>
+                <a:spcPts val="500"/>
+              </a:spcBef>
+              <a:spcAft>
+                <a:spcPts val="0"/>
+              </a:spcAft>
+              <a:buClrTx/>
+              <a:buSzTx/>
+              <a:buFont typeface="Courier New" panose="02070309020205020404" pitchFamily="49" charset="0"/>
+              <a:buChar char="o"/>
+              <a:tabLst/>
+              <a:defRPr/>
+            </a:pPr>
+            <a:endParaRPr kumimoji="0" lang="en-US" sz="2800" b="1" i="0" u="none" strike="noStrike" kern="1200" cap="none" spc="0" normalizeH="0" baseline="0" noProof="0" dirty="0">
+              <a:ln>
+                <a:noFill/>
+              </a:ln>
+              <a:solidFill>
+                <a:srgbClr val="262626"/>
+              </a:solidFill>
+              <a:effectLst/>
+              <a:uLnTx/>
+              <a:uFillTx/>
+              <a:latin typeface="Calibri Light" panose="020F0302020204030204"/>
+              <a:ea typeface="+mn-ea"/>
+              <a:cs typeface="+mn-cs"/>
+            </a:endParaRPr>
+          </a:p>
+        </p:txBody>
+      </p:sp>
+    </p:spTree>
+    <p:extLst>
+      <p:ext uri="{BB962C8B-B14F-4D97-AF65-F5344CB8AC3E}">
+        <p14:creationId xmlns:p14="http://schemas.microsoft.com/office/powerpoint/2010/main" val="4224663228"/>
+      </p:ext>
+    </p:extLst>
+  </p:cSld>
+  <p:clrMapOvr>
+    <a:masterClrMapping/>
+  </p:clrMapOvr>
+</p:sld>
+</file>
+
+<file path=ppt/slides/slide11.xml><?xml version="1.0" encoding="utf-8"?>
+<p:sld xmlns:a="http://schemas.openxmlformats.org/drawingml/2006/main" xmlns:r="http://schemas.openxmlformats.org/officeDocument/2006/relationships" xmlns:p="http://schemas.openxmlformats.org/presentationml/2006/main">
+  <p:cSld>
+    <p:bg>
+      <p:bgPr>
+        <a:solidFill>
+          <a:schemeClr val="bg1"/>
+        </a:solidFill>
+        <a:effectLst/>
+      </p:bgPr>
+    </p:bg>
+    <p:spTree>
+      <p:nvGrpSpPr>
+        <p:cNvPr id="1" name=""/>
+        <p:cNvGrpSpPr/>
+        <p:nvPr/>
+      </p:nvGrpSpPr>
+      <p:grpSpPr>
+        <a:xfrm>
+          <a:off x="0" y="0"/>
+          <a:ext cx="0" cy="0"/>
+          <a:chOff x="0" y="0"/>
+          <a:chExt cx="0" cy="0"/>
+        </a:xfrm>
+      </p:grpSpPr>
+      <p:sp>
+        <p:nvSpPr>
+          <p:cNvPr id="11" name="Rectangle 10">
+            <a:extLst>
+              <a:ext uri="{FF2B5EF4-FFF2-40B4-BE49-F238E27FC236}">
+                <a16:creationId xmlns:a16="http://schemas.microsoft.com/office/drawing/2014/main" id="{2E614F1C-2D93-42D0-B229-768199449923}"/>
+              </a:ext>
+              <a:ext uri="{C183D7F6-B498-43B3-948B-1728B52AA6E4}">
+                <adec:decorative xmlns:adec="http://schemas.microsoft.com/office/drawing/2017/decorative" val="1"/>
+              </a:ext>
+            </a:extLst>
+          </p:cNvPr>
+          <p:cNvSpPr>
+            <a:spLocks noGrp="1" noRot="1" noChangeAspect="1" noMove="1" noResize="1" noEditPoints="1" noAdjustHandles="1" noChangeArrowheads="1" noChangeShapeType="1" noTextEdit="1"/>
+          </p:cNvSpPr>
+          <p:nvPr>
+            <p:extLst>
+              <p:ext uri="{386F3935-93C4-4BCD-93E2-E3B085C9AB24}">
+                <p16:designElem xmlns:p16="http://schemas.microsoft.com/office/powerpoint/2015/main" val="1"/>
+              </p:ext>
+            </p:extLst>
+          </p:nvPr>
+        </p:nvSpPr>
+        <p:spPr bwMode="white">
+          <a:xfrm>
+            <a:off x="7403089" y="0"/>
+            <a:ext cx="4788912" cy="6858000"/>
+          </a:xfrm>
+          <a:prstGeom prst="rect">
+            <a:avLst/>
+          </a:prstGeom>
+          <a:solidFill>
+            <a:schemeClr val="tx1">
+              <a:lumMod val="85000"/>
+              <a:lumOff val="15000"/>
+            </a:schemeClr>
+          </a:solidFill>
+          <a:ln>
+            <a:noFill/>
+          </a:ln>
+        </p:spPr>
+        <p:style>
+          <a:lnRef idx="2">
+            <a:schemeClr val="accent1">
+              <a:shade val="50000"/>
+            </a:schemeClr>
+          </a:lnRef>
+          <a:fillRef idx="1">
+            <a:schemeClr val="accent1"/>
+          </a:fillRef>
+          <a:effectRef idx="0">
+            <a:schemeClr val="accent1"/>
+          </a:effectRef>
+          <a:fontRef idx="minor">
+            <a:schemeClr val="lt1"/>
+          </a:fontRef>
+        </p:style>
+        <p:txBody>
+          <a:bodyPr rtlCol="0" anchor="ctr"/>
+          <a:lstStyle/>
+          <a:p>
+            <a:pPr marL="0" marR="0" lvl="0" indent="0" algn="ctr" defTabSz="914400" rtl="0" eaLnBrk="1" fontAlgn="auto" latinLnBrk="0" hangingPunct="1">
+              <a:lnSpc>
+                <a:spcPct val="100000"/>
+              </a:lnSpc>
+              <a:spcBef>
+                <a:spcPts val="0"/>
+              </a:spcBef>
+              <a:spcAft>
+                <a:spcPts val="0"/>
+              </a:spcAft>
+              <a:buClrTx/>
+              <a:buSzTx/>
+              <a:buFontTx/>
+              <a:buNone/>
+              <a:tabLst/>
+              <a:defRPr/>
+            </a:pPr>
+            <a:endParaRPr kumimoji="0" lang="en-US" sz="1800" b="0" i="0" u="none" strike="noStrike" kern="1200" cap="none" spc="0" normalizeH="0" baseline="0" noProof="0">
+              <a:ln>
+                <a:noFill/>
+              </a:ln>
+              <a:solidFill>
+                <a:prstClr val="white"/>
+              </a:solidFill>
+              <a:effectLst/>
+              <a:uLnTx/>
+              <a:uFillTx/>
+              <a:latin typeface="Calibri" panose="020F0502020204030204"/>
+              <a:ea typeface="+mn-ea"/>
+              <a:cs typeface="+mn-cs"/>
+            </a:endParaRPr>
+          </a:p>
+        </p:txBody>
+      </p:sp>
+      <p:pic>
+        <p:nvPicPr>
+          <p:cNvPr id="5" name="Content Placeholder 4" descr="Terraform &amp; Spotify Data Engineering | Python In Plain English">
+            <a:extLst>
+              <a:ext uri="{FF2B5EF4-FFF2-40B4-BE49-F238E27FC236}">
+                <a16:creationId xmlns:a16="http://schemas.microsoft.com/office/drawing/2014/main" id="{843EDE0C-EB57-4DD9-98B2-9FF5C24A7B94}"/>
+              </a:ext>
+            </a:extLst>
+          </p:cNvPr>
+          <p:cNvPicPr>
+            <a:picLocks noChangeAspect="1" noChangeArrowheads="1"/>
+          </p:cNvPicPr>
+          <p:nvPr/>
+        </p:nvPicPr>
+        <p:blipFill rotWithShape="1">
+          <a:blip r:embed="rId2">
+            <a:extLst>
+              <a:ext uri="{28A0092B-C50C-407E-A947-70E740481C1C}">
+                <a14:useLocalDpi xmlns:a14="http://schemas.microsoft.com/office/drawing/2010/main" val="0"/>
+              </a:ext>
+            </a:extLst>
+          </a:blip>
+          <a:srcRect l="9719" r="9804"/>
+          <a:stretch/>
+        </p:blipFill>
+        <p:spPr bwMode="auto">
+          <a:xfrm>
+            <a:off x="11084560" y="5770880"/>
+            <a:ext cx="1107440" cy="1016000"/>
+          </a:xfrm>
+          <a:prstGeom prst="rect">
+            <a:avLst/>
+          </a:prstGeom>
+          <a:noFill/>
+          <a:extLst>
+            <a:ext uri="{909E8E84-426E-40DD-AFC4-6F175D3DCCD1}">
+              <a14:hiddenFill xmlns:a14="http://schemas.microsoft.com/office/drawing/2010/main">
+                <a:solidFill>
+                  <a:srgbClr val="FFFFFF"/>
+                </a:solidFill>
+              </a14:hiddenFill>
+            </a:ext>
+          </a:extLst>
+        </p:spPr>
+      </p:pic>
+      <p:sp>
+        <p:nvSpPr>
+          <p:cNvPr id="9" name="Title 1">
+            <a:extLst>
+              <a:ext uri="{FF2B5EF4-FFF2-40B4-BE49-F238E27FC236}">
+                <a16:creationId xmlns:a16="http://schemas.microsoft.com/office/drawing/2014/main" id="{426BB233-A55B-4835-80DC-FA6CA4516D5E}"/>
+              </a:ext>
+            </a:extLst>
+          </p:cNvPr>
+          <p:cNvSpPr txBox="1">
+            <a:spLocks/>
+          </p:cNvSpPr>
+          <p:nvPr/>
+        </p:nvSpPr>
+        <p:spPr>
+          <a:xfrm>
+            <a:off x="0" y="0"/>
+            <a:ext cx="11504086" cy="1236440"/>
+          </a:xfrm>
+          <a:prstGeom prst="rect">
+            <a:avLst/>
+          </a:prstGeom>
+          <a:noFill/>
+        </p:spPr>
+        <p:txBody>
+          <a:bodyPr vert="horz" lIns="91440" tIns="45720" rIns="91440" bIns="45720" rtlCol="0" anchor="ctr">
+            <a:normAutofit/>
+          </a:bodyPr>
+          <a:lstStyle>
+            <a:lvl1pPr algn="l" defTabSz="914400" rtl="0" eaLnBrk="1" latinLnBrk="0" hangingPunct="1">
+              <a:lnSpc>
+                <a:spcPct val="90000"/>
+              </a:lnSpc>
+              <a:spcBef>
+                <a:spcPct val="0"/>
+              </a:spcBef>
+              <a:buNone/>
+              <a:defRPr sz="4400" kern="1200">
+                <a:solidFill>
+                  <a:schemeClr val="tx1"/>
+                </a:solidFill>
+                <a:latin typeface="+mj-lt"/>
+                <a:ea typeface="+mj-ea"/>
+                <a:cs typeface="+mj-cs"/>
+              </a:defRPr>
+            </a:lvl1pPr>
+          </a:lstStyle>
+          <a:p>
+            <a:pPr marL="0" marR="0" lvl="0" indent="0" algn="l" defTabSz="914400" rtl="0" eaLnBrk="1" fontAlgn="auto" latinLnBrk="0" hangingPunct="1">
+              <a:lnSpc>
+                <a:spcPct val="90000"/>
+              </a:lnSpc>
+              <a:spcBef>
+                <a:spcPct val="0"/>
+              </a:spcBef>
+              <a:spcAft>
+                <a:spcPts val="0"/>
+              </a:spcAft>
+              <a:buClrTx/>
+              <a:buSzTx/>
+              <a:buFontTx/>
+              <a:buNone/>
+              <a:tabLst/>
+              <a:defRPr/>
+            </a:pPr>
+            <a:r>
+              <a:rPr kumimoji="0" lang="en-US" sz="4000" b="1" i="1" u="none" strike="noStrike" kern="1200" cap="none" spc="0" normalizeH="0" baseline="0" noProof="0" dirty="0">
+                <a:ln>
+                  <a:noFill/>
+                </a:ln>
+                <a:solidFill>
+                  <a:srgbClr val="1ED760"/>
+                </a:solidFill>
+                <a:effectLst/>
+                <a:uLnTx/>
+                <a:uFillTx/>
+                <a:latin typeface="Ink Free" panose="03080402000500000000" pitchFamily="66" charset="0"/>
+                <a:ea typeface="+mj-ea"/>
+                <a:cs typeface="+mj-cs"/>
+              </a:rPr>
+              <a:t>o u r   g r a p h s</a:t>
+            </a:r>
+            <a:endParaRPr kumimoji="0" lang="en-US" sz="2800" b="1" i="1" u="none" strike="noStrike" kern="1200" cap="none" spc="0" normalizeH="0" baseline="0" noProof="0" dirty="0">
+              <a:ln>
+                <a:noFill/>
+              </a:ln>
+              <a:solidFill>
+                <a:prstClr val="white"/>
+              </a:solidFill>
+              <a:effectLst/>
+              <a:uLnTx/>
+              <a:uFillTx/>
+              <a:latin typeface="Ink Free" panose="03080402000500000000" pitchFamily="66" charset="0"/>
+              <a:ea typeface="+mj-ea"/>
+              <a:cs typeface="+mj-cs"/>
+            </a:endParaRPr>
+          </a:p>
+        </p:txBody>
+      </p:sp>
+      <p:sp>
+        <p:nvSpPr>
+          <p:cNvPr id="10" name="Content Placeholder 1">
+            <a:extLst>
+              <a:ext uri="{FF2B5EF4-FFF2-40B4-BE49-F238E27FC236}">
+                <a16:creationId xmlns:a16="http://schemas.microsoft.com/office/drawing/2014/main" id="{F8009F92-071A-49E2-81A1-83C7D84ED0E9}"/>
+              </a:ext>
+            </a:extLst>
+          </p:cNvPr>
+          <p:cNvSpPr txBox="1">
+            <a:spLocks/>
+          </p:cNvSpPr>
+          <p:nvPr/>
+        </p:nvSpPr>
+        <p:spPr>
+          <a:xfrm>
+            <a:off x="376024" y="1520825"/>
+            <a:ext cx="6615326" cy="4351338"/>
+          </a:xfrm>
+          <a:prstGeom prst="rect">
+            <a:avLst/>
+          </a:prstGeom>
+        </p:spPr>
+        <p:txBody>
+          <a:bodyPr vert="horz" lIns="91440" tIns="45720" rIns="91440" bIns="45720" rtlCol="0">
+            <a:normAutofit/>
+          </a:bodyPr>
+          <a:lstStyle>
+            <a:lvl1pPr marL="228600" indent="-228600" algn="l" defTabSz="914400" rtl="0" eaLnBrk="1" latinLnBrk="0" hangingPunct="1">
+              <a:lnSpc>
+                <a:spcPct val="90000"/>
+              </a:lnSpc>
+              <a:spcBef>
+                <a:spcPts val="1000"/>
+              </a:spcBef>
+              <a:buFont typeface="Arial" panose="020B0604020202020204" pitchFamily="34" charset="0"/>
+              <a:buChar char="•"/>
+              <a:defRPr sz="2800" kern="1200">
+                <a:solidFill>
+                  <a:schemeClr val="tx1"/>
+                </a:solidFill>
+                <a:latin typeface="+mn-lt"/>
+                <a:ea typeface="+mn-ea"/>
+                <a:cs typeface="+mn-cs"/>
+              </a:defRPr>
+            </a:lvl1pPr>
+            <a:lvl2pPr marL="685800" indent="-228600" algn="l" defTabSz="914400" rtl="0" eaLnBrk="1" latinLnBrk="0" hangingPunct="1">
+              <a:lnSpc>
+                <a:spcPct val="90000"/>
+              </a:lnSpc>
+              <a:spcBef>
+                <a:spcPts val="500"/>
+              </a:spcBef>
+              <a:buFont typeface="Arial" panose="020B0604020202020204" pitchFamily="34" charset="0"/>
+              <a:buChar char="•"/>
+              <a:defRPr sz="2400" kern="1200">
+                <a:solidFill>
+                  <a:schemeClr val="tx1"/>
+                </a:solidFill>
+                <a:latin typeface="+mn-lt"/>
+                <a:ea typeface="+mn-ea"/>
+                <a:cs typeface="+mn-cs"/>
+              </a:defRPr>
+            </a:lvl2pPr>
+            <a:lvl3pPr marL="1143000" indent="-228600" algn="l" defTabSz="914400" rtl="0" eaLnBrk="1" latinLnBrk="0" hangingPunct="1">
+              <a:lnSpc>
+                <a:spcPct val="90000"/>
+              </a:lnSpc>
+              <a:spcBef>
+                <a:spcPts val="500"/>
+              </a:spcBef>
+              <a:buFont typeface="Arial" panose="020B0604020202020204" pitchFamily="34" charset="0"/>
+              <a:buChar char="•"/>
+              <a:defRPr sz="2000" kern="1200">
+                <a:solidFill>
+                  <a:schemeClr val="tx1"/>
+                </a:solidFill>
+                <a:latin typeface="+mn-lt"/>
+                <a:ea typeface="+mn-ea"/>
+                <a:cs typeface="+mn-cs"/>
+              </a:defRPr>
+            </a:lvl3pPr>
+            <a:lvl4pPr marL="1600200" indent="-228600" algn="l" defTabSz="914400" rtl="0" eaLnBrk="1" latinLnBrk="0" hangingPunct="1">
+              <a:lnSpc>
+                <a:spcPct val="90000"/>
+              </a:lnSpc>
+              <a:spcBef>
+                <a:spcPts val="500"/>
+              </a:spcBef>
+              <a:buFont typeface="Arial" panose="020B0604020202020204" pitchFamily="34" charset="0"/>
+              <a:buChar char="•"/>
+              <a:defRPr sz="1800" kern="1200">
+                <a:solidFill>
+                  <a:schemeClr val="tx1"/>
+                </a:solidFill>
+                <a:latin typeface="+mn-lt"/>
+                <a:ea typeface="+mn-ea"/>
+                <a:cs typeface="+mn-cs"/>
+              </a:defRPr>
+            </a:lvl4pPr>
+            <a:lvl5pPr marL="2057400" indent="-228600" algn="l" defTabSz="914400" rtl="0" eaLnBrk="1" latinLnBrk="0" hangingPunct="1">
+              <a:lnSpc>
+                <a:spcPct val="90000"/>
+              </a:lnSpc>
+              <a:spcBef>
+                <a:spcPts val="500"/>
+              </a:spcBef>
+              <a:buFont typeface="Arial" panose="020B0604020202020204" pitchFamily="34" charset="0"/>
+              <a:buChar char="•"/>
+              <a:defRPr sz="1800" kern="1200">
+                <a:solidFill>
+                  <a:schemeClr val="tx1"/>
+                </a:solidFill>
+                <a:latin typeface="+mn-lt"/>
+                <a:ea typeface="+mn-ea"/>
+                <a:cs typeface="+mn-cs"/>
+              </a:defRPr>
+            </a:lvl5pPr>
+            <a:lvl6pPr marL="2514600" indent="-228600" algn="l" defTabSz="914400" rtl="0" eaLnBrk="1" latinLnBrk="0" hangingPunct="1">
+              <a:lnSpc>
+                <a:spcPct val="90000"/>
+              </a:lnSpc>
+              <a:spcBef>
+                <a:spcPts val="500"/>
+              </a:spcBef>
+              <a:buFont typeface="Arial" panose="020B0604020202020204" pitchFamily="34" charset="0"/>
+              <a:buChar char="•"/>
+              <a:defRPr sz="1800" kern="1200">
+                <a:solidFill>
+                  <a:schemeClr val="tx1"/>
+                </a:solidFill>
+                <a:latin typeface="+mn-lt"/>
+                <a:ea typeface="+mn-ea"/>
+                <a:cs typeface="+mn-cs"/>
+              </a:defRPr>
+            </a:lvl6pPr>
+            <a:lvl7pPr marL="2971800" indent="-228600" algn="l" defTabSz="914400" rtl="0" eaLnBrk="1" latinLnBrk="0" hangingPunct="1">
+              <a:lnSpc>
+                <a:spcPct val="90000"/>
+              </a:lnSpc>
+              <a:spcBef>
+                <a:spcPts val="500"/>
+              </a:spcBef>
+              <a:buFont typeface="Arial" panose="020B0604020202020204" pitchFamily="34" charset="0"/>
+              <a:buChar char="•"/>
+              <a:defRPr sz="1800" kern="1200">
+                <a:solidFill>
+                  <a:schemeClr val="tx1"/>
+                </a:solidFill>
+                <a:latin typeface="+mn-lt"/>
+                <a:ea typeface="+mn-ea"/>
+                <a:cs typeface="+mn-cs"/>
+              </a:defRPr>
+            </a:lvl7pPr>
+            <a:lvl8pPr marL="3429000" indent="-228600" algn="l" defTabSz="914400" rtl="0" eaLnBrk="1" latinLnBrk="0" hangingPunct="1">
+              <a:lnSpc>
+                <a:spcPct val="90000"/>
+              </a:lnSpc>
+              <a:spcBef>
+                <a:spcPts val="500"/>
+              </a:spcBef>
+              <a:buFont typeface="Arial" panose="020B0604020202020204" pitchFamily="34" charset="0"/>
+              <a:buChar char="•"/>
+              <a:defRPr sz="1800" kern="1200">
+                <a:solidFill>
+                  <a:schemeClr val="tx1"/>
+                </a:solidFill>
+                <a:latin typeface="+mn-lt"/>
+                <a:ea typeface="+mn-ea"/>
+                <a:cs typeface="+mn-cs"/>
+              </a:defRPr>
+            </a:lvl8pPr>
+            <a:lvl9pPr marL="3886200" indent="-228600" algn="l" defTabSz="914400" rtl="0" eaLnBrk="1" latinLnBrk="0" hangingPunct="1">
+              <a:lnSpc>
+                <a:spcPct val="90000"/>
+              </a:lnSpc>
+              <a:spcBef>
+                <a:spcPts val="500"/>
+              </a:spcBef>
+              <a:buFont typeface="Arial" panose="020B0604020202020204" pitchFamily="34" charset="0"/>
+              <a:buChar char="•"/>
+              <a:defRPr sz="1800" kern="1200">
+                <a:solidFill>
+                  <a:schemeClr val="tx1"/>
+                </a:solidFill>
+                <a:latin typeface="+mn-lt"/>
+                <a:ea typeface="+mn-ea"/>
+                <a:cs typeface="+mn-cs"/>
+              </a:defRPr>
+            </a:lvl9pPr>
+          </a:lstStyle>
+          <a:p>
+            <a:pPr marL="228600" marR="0" lvl="0" indent="-228600" algn="l" defTabSz="914400" rtl="0" eaLnBrk="1" fontAlgn="auto" latinLnBrk="0" hangingPunct="1">
+              <a:lnSpc>
+                <a:spcPct val="90000"/>
+              </a:lnSpc>
+              <a:spcBef>
+                <a:spcPts val="1000"/>
+              </a:spcBef>
+              <a:spcAft>
+                <a:spcPts val="0"/>
+              </a:spcAft>
+              <a:buClrTx/>
+              <a:buSzTx/>
+              <a:buFont typeface="Courier New" panose="02070309020205020404" pitchFamily="49" charset="0"/>
+              <a:buChar char="o"/>
+              <a:tabLst/>
+              <a:defRPr/>
+            </a:pPr>
+            <a:r>
+              <a:rPr kumimoji="0" lang="en-US" sz="2800" b="1" i="0" u="none" strike="noStrike" kern="1200" cap="none" spc="0" normalizeH="0" baseline="0" noProof="0" dirty="0">
+                <a:ln>
+                  <a:noFill/>
+                </a:ln>
+                <a:solidFill>
+                  <a:srgbClr val="262626"/>
+                </a:solidFill>
+                <a:effectLst/>
+                <a:uLnTx/>
+                <a:uFillTx/>
+                <a:latin typeface="Calibri Light" panose="020F0302020204030204"/>
+                <a:ea typeface="+mn-ea"/>
+                <a:cs typeface="+mn-cs"/>
+              </a:rPr>
+              <a:t> </a:t>
+            </a:r>
+            <a:r>
+              <a:rPr kumimoji="0" lang="en-US" sz="2800" b="1" i="0" u="none" strike="noStrike" kern="1200" cap="none" spc="0" normalizeH="0" baseline="0" noProof="0" dirty="0" err="1">
+                <a:ln>
+                  <a:noFill/>
+                </a:ln>
+                <a:solidFill>
+                  <a:srgbClr val="262626"/>
+                </a:solidFill>
+                <a:effectLst/>
+                <a:uLnTx/>
+                <a:uFillTx/>
+                <a:latin typeface="Calibri Light" panose="020F0302020204030204"/>
+                <a:ea typeface="+mn-ea"/>
+                <a:cs typeface="+mn-cs"/>
+              </a:rPr>
+              <a:t>ldsjfkdsfks</a:t>
+            </a:r>
+            <a:endParaRPr kumimoji="0" lang="en-US" sz="2800" b="1" i="0" u="none" strike="noStrike" kern="1200" cap="none" spc="0" normalizeH="0" baseline="0" noProof="0" dirty="0">
+              <a:ln>
+                <a:noFill/>
+              </a:ln>
+              <a:solidFill>
+                <a:srgbClr val="262626"/>
+              </a:solidFill>
+              <a:effectLst/>
+              <a:uLnTx/>
+              <a:uFillTx/>
+              <a:latin typeface="Calibri Light" panose="020F0302020204030204"/>
+              <a:ea typeface="+mn-ea"/>
+              <a:cs typeface="+mn-cs"/>
+            </a:endParaRPr>
+          </a:p>
+          <a:p>
+            <a:pPr marL="685800" marR="0" lvl="1" indent="-228600" algn="l" defTabSz="914400" rtl="0" eaLnBrk="1" fontAlgn="auto" latinLnBrk="0" hangingPunct="1">
+              <a:lnSpc>
+                <a:spcPct val="90000"/>
+              </a:lnSpc>
+              <a:spcBef>
+                <a:spcPts val="500"/>
+              </a:spcBef>
+              <a:spcAft>
+                <a:spcPts val="0"/>
+              </a:spcAft>
+              <a:buClrTx/>
+              <a:buSzTx/>
+              <a:buFont typeface="Courier New" panose="02070309020205020404" pitchFamily="49" charset="0"/>
+              <a:buChar char="o"/>
+              <a:tabLst/>
+              <a:defRPr/>
+            </a:pPr>
+            <a:endParaRPr kumimoji="0" lang="en-US" sz="2800" b="1" i="0" u="none" strike="noStrike" kern="1200" cap="none" spc="0" normalizeH="0" baseline="0" noProof="0" dirty="0">
+              <a:ln>
+                <a:noFill/>
+              </a:ln>
+              <a:solidFill>
+                <a:srgbClr val="262626"/>
+              </a:solidFill>
+              <a:effectLst/>
+              <a:uLnTx/>
+              <a:uFillTx/>
+              <a:latin typeface="Calibri Light" panose="020F0302020204030204"/>
+              <a:ea typeface="+mn-ea"/>
+              <a:cs typeface="+mn-cs"/>
+            </a:endParaRPr>
+          </a:p>
+        </p:txBody>
+      </p:sp>
+    </p:spTree>
+    <p:extLst>
+      <p:ext uri="{BB962C8B-B14F-4D97-AF65-F5344CB8AC3E}">
+        <p14:creationId xmlns:p14="http://schemas.microsoft.com/office/powerpoint/2010/main" val="2954498260"/>
+      </p:ext>
+    </p:extLst>
+  </p:cSld>
+  <p:clrMapOvr>
+    <a:masterClrMapping/>
+  </p:clrMapOvr>
+</p:sld>
+</file>
+
+<file path=ppt/slides/slide12.xml><?xml version="1.0" encoding="utf-8"?>
+<p:sld xmlns:a="http://schemas.openxmlformats.org/drawingml/2006/main" xmlns:r="http://schemas.openxmlformats.org/officeDocument/2006/relationships" xmlns:p="http://schemas.openxmlformats.org/presentationml/2006/main">
+  <p:cSld>
+    <p:bg>
+      <p:bgPr>
+        <a:solidFill>
+          <a:schemeClr val="bg1"/>
+        </a:solidFill>
+        <a:effectLst/>
+      </p:bgPr>
+    </p:bg>
+    <p:spTree>
+      <p:nvGrpSpPr>
+        <p:cNvPr id="1" name=""/>
+        <p:cNvGrpSpPr/>
+        <p:nvPr/>
+      </p:nvGrpSpPr>
+      <p:grpSpPr>
+        <a:xfrm>
+          <a:off x="0" y="0"/>
+          <a:ext cx="0" cy="0"/>
+          <a:chOff x="0" y="0"/>
+          <a:chExt cx="0" cy="0"/>
+        </a:xfrm>
+      </p:grpSpPr>
+      <p:sp>
+        <p:nvSpPr>
+          <p:cNvPr id="11" name="Rectangle 10">
+            <a:extLst>
+              <a:ext uri="{FF2B5EF4-FFF2-40B4-BE49-F238E27FC236}">
+                <a16:creationId xmlns:a16="http://schemas.microsoft.com/office/drawing/2014/main" id="{2E614F1C-2D93-42D0-B229-768199449923}"/>
+              </a:ext>
+              <a:ext uri="{C183D7F6-B498-43B3-948B-1728B52AA6E4}">
+                <adec:decorative xmlns:adec="http://schemas.microsoft.com/office/drawing/2017/decorative" val="1"/>
+              </a:ext>
+            </a:extLst>
+          </p:cNvPr>
+          <p:cNvSpPr>
+            <a:spLocks noGrp="1" noRot="1" noChangeAspect="1" noMove="1" noResize="1" noEditPoints="1" noAdjustHandles="1" noChangeArrowheads="1" noChangeShapeType="1" noTextEdit="1"/>
+          </p:cNvSpPr>
+          <p:nvPr>
+            <p:extLst>
+              <p:ext uri="{386F3935-93C4-4BCD-93E2-E3B085C9AB24}">
+                <p16:designElem xmlns:p16="http://schemas.microsoft.com/office/powerpoint/2015/main" val="1"/>
+              </p:ext>
+            </p:extLst>
+          </p:nvPr>
+        </p:nvSpPr>
+        <p:spPr bwMode="white">
+          <a:xfrm>
+            <a:off x="7403089" y="0"/>
+            <a:ext cx="4788912" cy="6858000"/>
+          </a:xfrm>
+          <a:prstGeom prst="rect">
+            <a:avLst/>
+          </a:prstGeom>
+          <a:solidFill>
+            <a:schemeClr val="tx1">
+              <a:lumMod val="85000"/>
+              <a:lumOff val="15000"/>
+            </a:schemeClr>
+          </a:solidFill>
+          <a:ln>
+            <a:noFill/>
+          </a:ln>
+        </p:spPr>
+        <p:style>
+          <a:lnRef idx="2">
+            <a:schemeClr val="accent1">
+              <a:shade val="50000"/>
+            </a:schemeClr>
+          </a:lnRef>
+          <a:fillRef idx="1">
+            <a:schemeClr val="accent1"/>
+          </a:fillRef>
+          <a:effectRef idx="0">
+            <a:schemeClr val="accent1"/>
+          </a:effectRef>
+          <a:fontRef idx="minor">
+            <a:schemeClr val="lt1"/>
+          </a:fontRef>
+        </p:style>
+        <p:txBody>
+          <a:bodyPr rtlCol="0" anchor="ctr"/>
+          <a:lstStyle/>
+          <a:p>
+            <a:pPr marL="0" marR="0" lvl="0" indent="0" algn="ctr" defTabSz="914400" rtl="0" eaLnBrk="1" fontAlgn="auto" latinLnBrk="0" hangingPunct="1">
+              <a:lnSpc>
+                <a:spcPct val="100000"/>
+              </a:lnSpc>
+              <a:spcBef>
+                <a:spcPts val="0"/>
+              </a:spcBef>
+              <a:spcAft>
+                <a:spcPts val="0"/>
+              </a:spcAft>
+              <a:buClrTx/>
+              <a:buSzTx/>
+              <a:buFontTx/>
+              <a:buNone/>
+              <a:tabLst/>
+              <a:defRPr/>
+            </a:pPr>
+            <a:endParaRPr kumimoji="0" lang="en-US" sz="1800" b="0" i="0" u="none" strike="noStrike" kern="1200" cap="none" spc="0" normalizeH="0" baseline="0" noProof="0">
+              <a:ln>
+                <a:noFill/>
+              </a:ln>
+              <a:solidFill>
+                <a:prstClr val="white"/>
+              </a:solidFill>
+              <a:effectLst/>
+              <a:uLnTx/>
+              <a:uFillTx/>
+              <a:latin typeface="Calibri" panose="020F0502020204030204"/>
+              <a:ea typeface="+mn-ea"/>
+              <a:cs typeface="+mn-cs"/>
+            </a:endParaRPr>
+          </a:p>
+        </p:txBody>
+      </p:sp>
+      <p:pic>
+        <p:nvPicPr>
+          <p:cNvPr id="5" name="Content Placeholder 4" descr="Terraform &amp; Spotify Data Engineering | Python In Plain English">
+            <a:extLst>
+              <a:ext uri="{FF2B5EF4-FFF2-40B4-BE49-F238E27FC236}">
+                <a16:creationId xmlns:a16="http://schemas.microsoft.com/office/drawing/2014/main" id="{843EDE0C-EB57-4DD9-98B2-9FF5C24A7B94}"/>
+              </a:ext>
+            </a:extLst>
+          </p:cNvPr>
+          <p:cNvPicPr>
+            <a:picLocks noChangeAspect="1" noChangeArrowheads="1"/>
+          </p:cNvPicPr>
+          <p:nvPr/>
+        </p:nvPicPr>
+        <p:blipFill rotWithShape="1">
+          <a:blip r:embed="rId2">
+            <a:extLst>
+              <a:ext uri="{28A0092B-C50C-407E-A947-70E740481C1C}">
+                <a14:useLocalDpi xmlns:a14="http://schemas.microsoft.com/office/drawing/2010/main" val="0"/>
+              </a:ext>
+            </a:extLst>
+          </a:blip>
+          <a:srcRect l="9719" r="9804"/>
+          <a:stretch/>
+        </p:blipFill>
+        <p:spPr bwMode="auto">
+          <a:xfrm>
+            <a:off x="11084560" y="5770880"/>
+            <a:ext cx="1107440" cy="1016000"/>
+          </a:xfrm>
+          <a:prstGeom prst="rect">
+            <a:avLst/>
+          </a:prstGeom>
+          <a:noFill/>
+          <a:extLst>
+            <a:ext uri="{909E8E84-426E-40DD-AFC4-6F175D3DCCD1}">
+              <a14:hiddenFill xmlns:a14="http://schemas.microsoft.com/office/drawing/2010/main">
+                <a:solidFill>
+                  <a:srgbClr val="FFFFFF"/>
+                </a:solidFill>
+              </a14:hiddenFill>
+            </a:ext>
+          </a:extLst>
+        </p:spPr>
+      </p:pic>
+      <p:sp>
+        <p:nvSpPr>
+          <p:cNvPr id="9" name="Title 1">
+            <a:extLst>
+              <a:ext uri="{FF2B5EF4-FFF2-40B4-BE49-F238E27FC236}">
+                <a16:creationId xmlns:a16="http://schemas.microsoft.com/office/drawing/2014/main" id="{426BB233-A55B-4835-80DC-FA6CA4516D5E}"/>
+              </a:ext>
+            </a:extLst>
+          </p:cNvPr>
+          <p:cNvSpPr txBox="1">
+            <a:spLocks/>
+          </p:cNvSpPr>
+          <p:nvPr/>
+        </p:nvSpPr>
+        <p:spPr>
+          <a:xfrm>
+            <a:off x="0" y="0"/>
+            <a:ext cx="11504086" cy="1236440"/>
+          </a:xfrm>
+          <a:prstGeom prst="rect">
+            <a:avLst/>
+          </a:prstGeom>
+          <a:noFill/>
+        </p:spPr>
+        <p:txBody>
+          <a:bodyPr vert="horz" lIns="91440" tIns="45720" rIns="91440" bIns="45720" rtlCol="0" anchor="ctr">
+            <a:normAutofit/>
+          </a:bodyPr>
+          <a:lstStyle>
+            <a:lvl1pPr algn="l" defTabSz="914400" rtl="0" eaLnBrk="1" latinLnBrk="0" hangingPunct="1">
+              <a:lnSpc>
+                <a:spcPct val="90000"/>
+              </a:lnSpc>
+              <a:spcBef>
+                <a:spcPct val="0"/>
+              </a:spcBef>
+              <a:buNone/>
+              <a:defRPr sz="4400" kern="1200">
+                <a:solidFill>
+                  <a:schemeClr val="tx1"/>
+                </a:solidFill>
+                <a:latin typeface="+mj-lt"/>
+                <a:ea typeface="+mj-ea"/>
+                <a:cs typeface="+mj-cs"/>
+              </a:defRPr>
+            </a:lvl1pPr>
+          </a:lstStyle>
+          <a:p>
+            <a:pPr marL="0" marR="0" lvl="0" indent="0" algn="l" defTabSz="914400" rtl="0" eaLnBrk="1" fontAlgn="auto" latinLnBrk="0" hangingPunct="1">
+              <a:lnSpc>
+                <a:spcPct val="90000"/>
+              </a:lnSpc>
+              <a:spcBef>
+                <a:spcPct val="0"/>
+              </a:spcBef>
+              <a:spcAft>
+                <a:spcPts val="0"/>
+              </a:spcAft>
+              <a:buClrTx/>
+              <a:buSzTx/>
+              <a:buFontTx/>
+              <a:buNone/>
+              <a:tabLst/>
+              <a:defRPr/>
+            </a:pPr>
+            <a:r>
+              <a:rPr kumimoji="0" lang="en-US" sz="4000" b="1" i="1" u="none" strike="noStrike" kern="1200" cap="none" spc="0" normalizeH="0" baseline="0" noProof="0" dirty="0">
+                <a:ln>
+                  <a:noFill/>
+                </a:ln>
+                <a:solidFill>
+                  <a:srgbClr val="1ED760"/>
+                </a:solidFill>
+                <a:effectLst/>
+                <a:uLnTx/>
+                <a:uFillTx/>
+                <a:latin typeface="Ink Free" panose="03080402000500000000" pitchFamily="66" charset="0"/>
+                <a:ea typeface="+mj-ea"/>
+                <a:cs typeface="+mj-cs"/>
+              </a:rPr>
+              <a:t>o u r   g r a p h s</a:t>
+            </a:r>
+            <a:endParaRPr kumimoji="0" lang="en-US" sz="2800" b="1" i="1" u="none" strike="noStrike" kern="1200" cap="none" spc="0" normalizeH="0" baseline="0" noProof="0" dirty="0">
+              <a:ln>
+                <a:noFill/>
+              </a:ln>
+              <a:solidFill>
+                <a:prstClr val="white"/>
+              </a:solidFill>
+              <a:effectLst/>
+              <a:uLnTx/>
+              <a:uFillTx/>
+              <a:latin typeface="Ink Free" panose="03080402000500000000" pitchFamily="66" charset="0"/>
+              <a:ea typeface="+mj-ea"/>
+              <a:cs typeface="+mj-cs"/>
+            </a:endParaRPr>
+          </a:p>
+        </p:txBody>
+      </p:sp>
+      <p:sp>
+        <p:nvSpPr>
+          <p:cNvPr id="10" name="Content Placeholder 1">
+            <a:extLst>
+              <a:ext uri="{FF2B5EF4-FFF2-40B4-BE49-F238E27FC236}">
+                <a16:creationId xmlns:a16="http://schemas.microsoft.com/office/drawing/2014/main" id="{F8009F92-071A-49E2-81A1-83C7D84ED0E9}"/>
+              </a:ext>
+            </a:extLst>
+          </p:cNvPr>
+          <p:cNvSpPr txBox="1">
+            <a:spLocks/>
+          </p:cNvSpPr>
+          <p:nvPr/>
+        </p:nvSpPr>
+        <p:spPr>
+          <a:xfrm>
+            <a:off x="376024" y="1520825"/>
+            <a:ext cx="6615326" cy="4351338"/>
+          </a:xfrm>
+          <a:prstGeom prst="rect">
+            <a:avLst/>
+          </a:prstGeom>
+        </p:spPr>
+        <p:txBody>
+          <a:bodyPr vert="horz" lIns="91440" tIns="45720" rIns="91440" bIns="45720" rtlCol="0">
+            <a:normAutofit/>
+          </a:bodyPr>
+          <a:lstStyle>
+            <a:lvl1pPr marL="228600" indent="-228600" algn="l" defTabSz="914400" rtl="0" eaLnBrk="1" latinLnBrk="0" hangingPunct="1">
+              <a:lnSpc>
+                <a:spcPct val="90000"/>
+              </a:lnSpc>
+              <a:spcBef>
+                <a:spcPts val="1000"/>
+              </a:spcBef>
+              <a:buFont typeface="Arial" panose="020B0604020202020204" pitchFamily="34" charset="0"/>
+              <a:buChar char="•"/>
+              <a:defRPr sz="2800" kern="1200">
+                <a:solidFill>
+                  <a:schemeClr val="tx1"/>
+                </a:solidFill>
+                <a:latin typeface="+mn-lt"/>
+                <a:ea typeface="+mn-ea"/>
+                <a:cs typeface="+mn-cs"/>
+              </a:defRPr>
+            </a:lvl1pPr>
+            <a:lvl2pPr marL="685800" indent="-228600" algn="l" defTabSz="914400" rtl="0" eaLnBrk="1" latinLnBrk="0" hangingPunct="1">
+              <a:lnSpc>
+                <a:spcPct val="90000"/>
+              </a:lnSpc>
+              <a:spcBef>
+                <a:spcPts val="500"/>
+              </a:spcBef>
+              <a:buFont typeface="Arial" panose="020B0604020202020204" pitchFamily="34" charset="0"/>
+              <a:buChar char="•"/>
+              <a:defRPr sz="2400" kern="1200">
+                <a:solidFill>
+                  <a:schemeClr val="tx1"/>
+                </a:solidFill>
+                <a:latin typeface="+mn-lt"/>
+                <a:ea typeface="+mn-ea"/>
+                <a:cs typeface="+mn-cs"/>
+              </a:defRPr>
+            </a:lvl2pPr>
+            <a:lvl3pPr marL="1143000" indent="-228600" algn="l" defTabSz="914400" rtl="0" eaLnBrk="1" latinLnBrk="0" hangingPunct="1">
+              <a:lnSpc>
+                <a:spcPct val="90000"/>
+              </a:lnSpc>
+              <a:spcBef>
+                <a:spcPts val="500"/>
+              </a:spcBef>
+              <a:buFont typeface="Arial" panose="020B0604020202020204" pitchFamily="34" charset="0"/>
+              <a:buChar char="•"/>
+              <a:defRPr sz="2000" kern="1200">
+                <a:solidFill>
+                  <a:schemeClr val="tx1"/>
+                </a:solidFill>
+                <a:latin typeface="+mn-lt"/>
+                <a:ea typeface="+mn-ea"/>
+                <a:cs typeface="+mn-cs"/>
+              </a:defRPr>
+            </a:lvl3pPr>
+            <a:lvl4pPr marL="1600200" indent="-228600" algn="l" defTabSz="914400" rtl="0" eaLnBrk="1" latinLnBrk="0" hangingPunct="1">
+              <a:lnSpc>
+                <a:spcPct val="90000"/>
+              </a:lnSpc>
+              <a:spcBef>
+                <a:spcPts val="500"/>
+              </a:spcBef>
+              <a:buFont typeface="Arial" panose="020B0604020202020204" pitchFamily="34" charset="0"/>
+              <a:buChar char="•"/>
+              <a:defRPr sz="1800" kern="1200">
+                <a:solidFill>
+                  <a:schemeClr val="tx1"/>
+                </a:solidFill>
+                <a:latin typeface="+mn-lt"/>
+                <a:ea typeface="+mn-ea"/>
+                <a:cs typeface="+mn-cs"/>
+              </a:defRPr>
+            </a:lvl4pPr>
+            <a:lvl5pPr marL="2057400" indent="-228600" algn="l" defTabSz="914400" rtl="0" eaLnBrk="1" latinLnBrk="0" hangingPunct="1">
+              <a:lnSpc>
+                <a:spcPct val="90000"/>
+              </a:lnSpc>
+              <a:spcBef>
+                <a:spcPts val="500"/>
+              </a:spcBef>
+              <a:buFont typeface="Arial" panose="020B0604020202020204" pitchFamily="34" charset="0"/>
+              <a:buChar char="•"/>
+              <a:defRPr sz="1800" kern="1200">
+                <a:solidFill>
+                  <a:schemeClr val="tx1"/>
+                </a:solidFill>
+                <a:latin typeface="+mn-lt"/>
+                <a:ea typeface="+mn-ea"/>
+                <a:cs typeface="+mn-cs"/>
+              </a:defRPr>
+            </a:lvl5pPr>
+            <a:lvl6pPr marL="2514600" indent="-228600" algn="l" defTabSz="914400" rtl="0" eaLnBrk="1" latinLnBrk="0" hangingPunct="1">
+              <a:lnSpc>
+                <a:spcPct val="90000"/>
+              </a:lnSpc>
+              <a:spcBef>
+                <a:spcPts val="500"/>
+              </a:spcBef>
+              <a:buFont typeface="Arial" panose="020B0604020202020204" pitchFamily="34" charset="0"/>
+              <a:buChar char="•"/>
+              <a:defRPr sz="1800" kern="1200">
+                <a:solidFill>
+                  <a:schemeClr val="tx1"/>
+                </a:solidFill>
+                <a:latin typeface="+mn-lt"/>
+                <a:ea typeface="+mn-ea"/>
+                <a:cs typeface="+mn-cs"/>
+              </a:defRPr>
+            </a:lvl6pPr>
+            <a:lvl7pPr marL="2971800" indent="-228600" algn="l" defTabSz="914400" rtl="0" eaLnBrk="1" latinLnBrk="0" hangingPunct="1">
+              <a:lnSpc>
+                <a:spcPct val="90000"/>
+              </a:lnSpc>
+              <a:spcBef>
+                <a:spcPts val="500"/>
+              </a:spcBef>
+              <a:buFont typeface="Arial" panose="020B0604020202020204" pitchFamily="34" charset="0"/>
+              <a:buChar char="•"/>
+              <a:defRPr sz="1800" kern="1200">
+                <a:solidFill>
+                  <a:schemeClr val="tx1"/>
+                </a:solidFill>
+                <a:latin typeface="+mn-lt"/>
+                <a:ea typeface="+mn-ea"/>
+                <a:cs typeface="+mn-cs"/>
+              </a:defRPr>
+            </a:lvl7pPr>
+            <a:lvl8pPr marL="3429000" indent="-228600" algn="l" defTabSz="914400" rtl="0" eaLnBrk="1" latinLnBrk="0" hangingPunct="1">
+              <a:lnSpc>
+                <a:spcPct val="90000"/>
+              </a:lnSpc>
+              <a:spcBef>
+                <a:spcPts val="500"/>
+              </a:spcBef>
+              <a:buFont typeface="Arial" panose="020B0604020202020204" pitchFamily="34" charset="0"/>
+              <a:buChar char="•"/>
+              <a:defRPr sz="1800" kern="1200">
+                <a:solidFill>
+                  <a:schemeClr val="tx1"/>
+                </a:solidFill>
+                <a:latin typeface="+mn-lt"/>
+                <a:ea typeface="+mn-ea"/>
+                <a:cs typeface="+mn-cs"/>
+              </a:defRPr>
+            </a:lvl8pPr>
+            <a:lvl9pPr marL="3886200" indent="-228600" algn="l" defTabSz="914400" rtl="0" eaLnBrk="1" latinLnBrk="0" hangingPunct="1">
+              <a:lnSpc>
+                <a:spcPct val="90000"/>
+              </a:lnSpc>
+              <a:spcBef>
+                <a:spcPts val="500"/>
+              </a:spcBef>
+              <a:buFont typeface="Arial" panose="020B0604020202020204" pitchFamily="34" charset="0"/>
+              <a:buChar char="•"/>
+              <a:defRPr sz="1800" kern="1200">
+                <a:solidFill>
+                  <a:schemeClr val="tx1"/>
+                </a:solidFill>
+                <a:latin typeface="+mn-lt"/>
+                <a:ea typeface="+mn-ea"/>
+                <a:cs typeface="+mn-cs"/>
+              </a:defRPr>
+            </a:lvl9pPr>
+          </a:lstStyle>
+          <a:p>
+            <a:pPr marL="228600" marR="0" lvl="0" indent="-228600" algn="l" defTabSz="914400" rtl="0" eaLnBrk="1" fontAlgn="auto" latinLnBrk="0" hangingPunct="1">
+              <a:lnSpc>
+                <a:spcPct val="90000"/>
+              </a:lnSpc>
+              <a:spcBef>
+                <a:spcPts val="1000"/>
+              </a:spcBef>
+              <a:spcAft>
+                <a:spcPts val="0"/>
+              </a:spcAft>
+              <a:buClrTx/>
+              <a:buSzTx/>
+              <a:buFont typeface="Courier New" panose="02070309020205020404" pitchFamily="49" charset="0"/>
+              <a:buChar char="o"/>
+              <a:tabLst/>
+              <a:defRPr/>
+            </a:pPr>
+            <a:r>
+              <a:rPr kumimoji="0" lang="en-US" sz="2800" b="1" i="0" u="none" strike="noStrike" kern="1200" cap="none" spc="0" normalizeH="0" baseline="0" noProof="0" dirty="0">
+                <a:ln>
+                  <a:noFill/>
+                </a:ln>
+                <a:solidFill>
+                  <a:srgbClr val="262626"/>
+                </a:solidFill>
+                <a:effectLst/>
+                <a:uLnTx/>
+                <a:uFillTx/>
+                <a:latin typeface="Calibri Light" panose="020F0302020204030204"/>
+                <a:ea typeface="+mn-ea"/>
+                <a:cs typeface="+mn-cs"/>
+              </a:rPr>
+              <a:t> </a:t>
+            </a:r>
+            <a:r>
+              <a:rPr kumimoji="0" lang="en-US" sz="2800" b="1" i="0" u="none" strike="noStrike" kern="1200" cap="none" spc="0" normalizeH="0" baseline="0" noProof="0" dirty="0" err="1">
+                <a:ln>
+                  <a:noFill/>
+                </a:ln>
+                <a:solidFill>
+                  <a:srgbClr val="262626"/>
+                </a:solidFill>
+                <a:effectLst/>
+                <a:uLnTx/>
+                <a:uFillTx/>
+                <a:latin typeface="Calibri Light" panose="020F0302020204030204"/>
+                <a:ea typeface="+mn-ea"/>
+                <a:cs typeface="+mn-cs"/>
+              </a:rPr>
+              <a:t>ldsjfkdsfks</a:t>
+            </a:r>
+            <a:endParaRPr kumimoji="0" lang="en-US" sz="2800" b="1" i="0" u="none" strike="noStrike" kern="1200" cap="none" spc="0" normalizeH="0" baseline="0" noProof="0" dirty="0">
+              <a:ln>
+                <a:noFill/>
+              </a:ln>
+              <a:solidFill>
+                <a:srgbClr val="262626"/>
+              </a:solidFill>
+              <a:effectLst/>
+              <a:uLnTx/>
+              <a:uFillTx/>
+              <a:latin typeface="Calibri Light" panose="020F0302020204030204"/>
+              <a:ea typeface="+mn-ea"/>
+              <a:cs typeface="+mn-cs"/>
+            </a:endParaRPr>
+          </a:p>
+          <a:p>
+            <a:pPr marL="685800" marR="0" lvl="1" indent="-228600" algn="l" defTabSz="914400" rtl="0" eaLnBrk="1" fontAlgn="auto" latinLnBrk="0" hangingPunct="1">
+              <a:lnSpc>
+                <a:spcPct val="90000"/>
+              </a:lnSpc>
+              <a:spcBef>
+                <a:spcPts val="500"/>
+              </a:spcBef>
+              <a:spcAft>
+                <a:spcPts val="0"/>
+              </a:spcAft>
+              <a:buClrTx/>
+              <a:buSzTx/>
+              <a:buFont typeface="Courier New" panose="02070309020205020404" pitchFamily="49" charset="0"/>
+              <a:buChar char="o"/>
+              <a:tabLst/>
+              <a:defRPr/>
+            </a:pPr>
+            <a:endParaRPr kumimoji="0" lang="en-US" sz="2800" b="1" i="0" u="none" strike="noStrike" kern="1200" cap="none" spc="0" normalizeH="0" baseline="0" noProof="0" dirty="0">
+              <a:ln>
+                <a:noFill/>
+              </a:ln>
+              <a:solidFill>
+                <a:srgbClr val="262626"/>
+              </a:solidFill>
+              <a:effectLst/>
+              <a:uLnTx/>
+              <a:uFillTx/>
+              <a:latin typeface="Calibri Light" panose="020F0302020204030204"/>
+              <a:ea typeface="+mn-ea"/>
+              <a:cs typeface="+mn-cs"/>
+            </a:endParaRPr>
+          </a:p>
+        </p:txBody>
+      </p:sp>
+    </p:spTree>
+    <p:extLst>
+      <p:ext uri="{BB962C8B-B14F-4D97-AF65-F5344CB8AC3E}">
+        <p14:creationId xmlns:p14="http://schemas.microsoft.com/office/powerpoint/2010/main" val="3183582397"/>
+      </p:ext>
+    </p:extLst>
+  </p:cSld>
+  <p:clrMapOvr>
+    <a:masterClrMapping/>
+  </p:clrMapOvr>
+</p:sld>
+</file>
+
+<file path=ppt/slides/slide13.xml><?xml version="1.0" encoding="utf-8"?>
+<p:sld xmlns:a="http://schemas.openxmlformats.org/drawingml/2006/main" xmlns:r="http://schemas.openxmlformats.org/officeDocument/2006/relationships" xmlns:p="http://schemas.openxmlformats.org/presentationml/2006/main">
+  <p:cSld>
+    <p:bg>
+      <p:bgPr>
+        <a:solidFill>
+          <a:schemeClr val="bg1"/>
+        </a:solidFill>
+        <a:effectLst/>
+      </p:bgPr>
+    </p:bg>
+    <p:spTree>
+      <p:nvGrpSpPr>
+        <p:cNvPr id="1" name=""/>
+        <p:cNvGrpSpPr/>
+        <p:nvPr/>
+      </p:nvGrpSpPr>
+      <p:grpSpPr>
+        <a:xfrm>
+          <a:off x="0" y="0"/>
+          <a:ext cx="0" cy="0"/>
+          <a:chOff x="0" y="0"/>
+          <a:chExt cx="0" cy="0"/>
+        </a:xfrm>
+      </p:grpSpPr>
+      <p:sp>
+        <p:nvSpPr>
+          <p:cNvPr id="11" name="Rectangle 10">
+            <a:extLst>
+              <a:ext uri="{FF2B5EF4-FFF2-40B4-BE49-F238E27FC236}">
+                <a16:creationId xmlns:a16="http://schemas.microsoft.com/office/drawing/2014/main" id="{2E614F1C-2D93-42D0-B229-768199449923}"/>
+              </a:ext>
+              <a:ext uri="{C183D7F6-B498-43B3-948B-1728B52AA6E4}">
+                <adec:decorative xmlns:adec="http://schemas.microsoft.com/office/drawing/2017/decorative" val="1"/>
+              </a:ext>
+            </a:extLst>
+          </p:cNvPr>
+          <p:cNvSpPr>
+            <a:spLocks noGrp="1" noRot="1" noChangeAspect="1" noMove="1" noResize="1" noEditPoints="1" noAdjustHandles="1" noChangeArrowheads="1" noChangeShapeType="1" noTextEdit="1"/>
+          </p:cNvSpPr>
+          <p:nvPr>
+            <p:extLst>
+              <p:ext uri="{386F3935-93C4-4BCD-93E2-E3B085C9AB24}">
+                <p16:designElem xmlns:p16="http://schemas.microsoft.com/office/powerpoint/2015/main" val="1"/>
+              </p:ext>
+            </p:extLst>
+          </p:nvPr>
+        </p:nvSpPr>
+        <p:spPr bwMode="white">
+          <a:xfrm>
+            <a:off x="7403089" y="0"/>
+            <a:ext cx="4788912" cy="6858000"/>
+          </a:xfrm>
+          <a:prstGeom prst="rect">
+            <a:avLst/>
+          </a:prstGeom>
+          <a:solidFill>
+            <a:schemeClr val="tx1">
+              <a:lumMod val="85000"/>
+              <a:lumOff val="15000"/>
+            </a:schemeClr>
+          </a:solidFill>
+          <a:ln>
+            <a:noFill/>
+          </a:ln>
+        </p:spPr>
+        <p:style>
+          <a:lnRef idx="2">
+            <a:schemeClr val="accent1">
+              <a:shade val="50000"/>
+            </a:schemeClr>
+          </a:lnRef>
+          <a:fillRef idx="1">
+            <a:schemeClr val="accent1"/>
+          </a:fillRef>
+          <a:effectRef idx="0">
+            <a:schemeClr val="accent1"/>
+          </a:effectRef>
+          <a:fontRef idx="minor">
+            <a:schemeClr val="lt1"/>
+          </a:fontRef>
+        </p:style>
+        <p:txBody>
+          <a:bodyPr rtlCol="0" anchor="ctr"/>
+          <a:lstStyle/>
+          <a:p>
+            <a:pPr marL="0" marR="0" lvl="0" indent="0" algn="ctr" defTabSz="914400" rtl="0" eaLnBrk="1" fontAlgn="auto" latinLnBrk="0" hangingPunct="1">
+              <a:lnSpc>
+                <a:spcPct val="100000"/>
+              </a:lnSpc>
+              <a:spcBef>
+                <a:spcPts val="0"/>
+              </a:spcBef>
+              <a:spcAft>
+                <a:spcPts val="0"/>
+              </a:spcAft>
+              <a:buClrTx/>
+              <a:buSzTx/>
+              <a:buFontTx/>
+              <a:buNone/>
+              <a:tabLst/>
+              <a:defRPr/>
+            </a:pPr>
+            <a:endParaRPr kumimoji="0" lang="en-US" sz="1800" b="0" i="0" u="none" strike="noStrike" kern="1200" cap="none" spc="0" normalizeH="0" baseline="0" noProof="0">
+              <a:ln>
+                <a:noFill/>
+              </a:ln>
+              <a:solidFill>
+                <a:prstClr val="white"/>
+              </a:solidFill>
+              <a:effectLst/>
+              <a:uLnTx/>
+              <a:uFillTx/>
+              <a:latin typeface="Calibri" panose="020F0502020204030204"/>
+              <a:ea typeface="+mn-ea"/>
+              <a:cs typeface="+mn-cs"/>
+            </a:endParaRPr>
+          </a:p>
+        </p:txBody>
+      </p:sp>
+      <p:pic>
+        <p:nvPicPr>
+          <p:cNvPr id="5" name="Content Placeholder 4" descr="Terraform &amp; Spotify Data Engineering | Python In Plain English">
+            <a:extLst>
+              <a:ext uri="{FF2B5EF4-FFF2-40B4-BE49-F238E27FC236}">
+                <a16:creationId xmlns:a16="http://schemas.microsoft.com/office/drawing/2014/main" id="{843EDE0C-EB57-4DD9-98B2-9FF5C24A7B94}"/>
+              </a:ext>
+            </a:extLst>
+          </p:cNvPr>
+          <p:cNvPicPr>
+            <a:picLocks noChangeAspect="1" noChangeArrowheads="1"/>
+          </p:cNvPicPr>
+          <p:nvPr/>
+        </p:nvPicPr>
+        <p:blipFill rotWithShape="1">
+          <a:blip r:embed="rId2">
+            <a:extLst>
+              <a:ext uri="{28A0092B-C50C-407E-A947-70E740481C1C}">
+                <a14:useLocalDpi xmlns:a14="http://schemas.microsoft.com/office/drawing/2010/main" val="0"/>
+              </a:ext>
+            </a:extLst>
+          </a:blip>
+          <a:srcRect l="9719" r="9804"/>
+          <a:stretch/>
+        </p:blipFill>
+        <p:spPr bwMode="auto">
+          <a:xfrm>
+            <a:off x="11084560" y="5770880"/>
+            <a:ext cx="1107440" cy="1016000"/>
+          </a:xfrm>
+          <a:prstGeom prst="rect">
+            <a:avLst/>
+          </a:prstGeom>
+          <a:noFill/>
+          <a:extLst>
+            <a:ext uri="{909E8E84-426E-40DD-AFC4-6F175D3DCCD1}">
+              <a14:hiddenFill xmlns:a14="http://schemas.microsoft.com/office/drawing/2010/main">
+                <a:solidFill>
+                  <a:srgbClr val="FFFFFF"/>
+                </a:solidFill>
+              </a14:hiddenFill>
+            </a:ext>
+          </a:extLst>
+        </p:spPr>
+      </p:pic>
+      <p:sp>
+        <p:nvSpPr>
+          <p:cNvPr id="9" name="Title 1">
+            <a:extLst>
+              <a:ext uri="{FF2B5EF4-FFF2-40B4-BE49-F238E27FC236}">
+                <a16:creationId xmlns:a16="http://schemas.microsoft.com/office/drawing/2014/main" id="{426BB233-A55B-4835-80DC-FA6CA4516D5E}"/>
+              </a:ext>
+            </a:extLst>
+          </p:cNvPr>
+          <p:cNvSpPr txBox="1">
+            <a:spLocks/>
+          </p:cNvSpPr>
+          <p:nvPr/>
+        </p:nvSpPr>
+        <p:spPr>
+          <a:xfrm>
+            <a:off x="0" y="0"/>
+            <a:ext cx="11504086" cy="1236440"/>
+          </a:xfrm>
+          <a:prstGeom prst="rect">
+            <a:avLst/>
+          </a:prstGeom>
+          <a:noFill/>
+        </p:spPr>
+        <p:txBody>
+          <a:bodyPr vert="horz" lIns="91440" tIns="45720" rIns="91440" bIns="45720" rtlCol="0" anchor="ctr">
+            <a:normAutofit/>
+          </a:bodyPr>
+          <a:lstStyle>
+            <a:lvl1pPr algn="l" defTabSz="914400" rtl="0" eaLnBrk="1" latinLnBrk="0" hangingPunct="1">
+              <a:lnSpc>
+                <a:spcPct val="90000"/>
+              </a:lnSpc>
+              <a:spcBef>
+                <a:spcPct val="0"/>
+              </a:spcBef>
+              <a:buNone/>
+              <a:defRPr sz="4400" kern="1200">
+                <a:solidFill>
+                  <a:schemeClr val="tx1"/>
+                </a:solidFill>
+                <a:latin typeface="+mj-lt"/>
+                <a:ea typeface="+mj-ea"/>
+                <a:cs typeface="+mj-cs"/>
+              </a:defRPr>
+            </a:lvl1pPr>
+          </a:lstStyle>
+          <a:p>
+            <a:pPr marL="0" marR="0" lvl="0" indent="0" algn="l" defTabSz="914400" rtl="0" eaLnBrk="1" fontAlgn="auto" latinLnBrk="0" hangingPunct="1">
+              <a:lnSpc>
+                <a:spcPct val="90000"/>
+              </a:lnSpc>
+              <a:spcBef>
+                <a:spcPct val="0"/>
+              </a:spcBef>
+              <a:spcAft>
+                <a:spcPts val="0"/>
+              </a:spcAft>
+              <a:buClrTx/>
+              <a:buSzTx/>
+              <a:buFontTx/>
+              <a:buNone/>
+              <a:tabLst/>
+              <a:defRPr/>
+            </a:pPr>
+            <a:r>
+              <a:rPr kumimoji="0" lang="en-US" sz="4000" b="1" i="1" u="none" strike="noStrike" kern="1200" cap="none" spc="0" normalizeH="0" baseline="0" noProof="0" dirty="0">
+                <a:ln>
+                  <a:noFill/>
+                </a:ln>
+                <a:solidFill>
+                  <a:srgbClr val="1ED760"/>
+                </a:solidFill>
+                <a:effectLst/>
+                <a:uLnTx/>
+                <a:uFillTx/>
+                <a:latin typeface="Ink Free" panose="03080402000500000000" pitchFamily="66" charset="0"/>
+                <a:ea typeface="+mj-ea"/>
+                <a:cs typeface="+mj-cs"/>
+              </a:rPr>
+              <a:t>o u r   g r a p h s</a:t>
+            </a:r>
+            <a:endParaRPr kumimoji="0" lang="en-US" sz="2800" b="1" i="1" u="none" strike="noStrike" kern="1200" cap="none" spc="0" normalizeH="0" baseline="0" noProof="0" dirty="0">
+              <a:ln>
+                <a:noFill/>
+              </a:ln>
+              <a:solidFill>
+                <a:prstClr val="white"/>
+              </a:solidFill>
+              <a:effectLst/>
+              <a:uLnTx/>
+              <a:uFillTx/>
+              <a:latin typeface="Ink Free" panose="03080402000500000000" pitchFamily="66" charset="0"/>
+              <a:ea typeface="+mj-ea"/>
+              <a:cs typeface="+mj-cs"/>
+            </a:endParaRPr>
+          </a:p>
+        </p:txBody>
+      </p:sp>
+      <p:sp>
+        <p:nvSpPr>
+          <p:cNvPr id="10" name="Content Placeholder 1">
+            <a:extLst>
+              <a:ext uri="{FF2B5EF4-FFF2-40B4-BE49-F238E27FC236}">
+                <a16:creationId xmlns:a16="http://schemas.microsoft.com/office/drawing/2014/main" id="{F8009F92-071A-49E2-81A1-83C7D84ED0E9}"/>
+              </a:ext>
+            </a:extLst>
+          </p:cNvPr>
+          <p:cNvSpPr txBox="1">
+            <a:spLocks/>
+          </p:cNvSpPr>
+          <p:nvPr/>
+        </p:nvSpPr>
+        <p:spPr>
+          <a:xfrm>
+            <a:off x="376024" y="1520825"/>
+            <a:ext cx="6615326" cy="4351338"/>
+          </a:xfrm>
+          <a:prstGeom prst="rect">
+            <a:avLst/>
+          </a:prstGeom>
+        </p:spPr>
+        <p:txBody>
+          <a:bodyPr vert="horz" lIns="91440" tIns="45720" rIns="91440" bIns="45720" rtlCol="0">
+            <a:normAutofit/>
+          </a:bodyPr>
+          <a:lstStyle>
+            <a:lvl1pPr marL="228600" indent="-228600" algn="l" defTabSz="914400" rtl="0" eaLnBrk="1" latinLnBrk="0" hangingPunct="1">
+              <a:lnSpc>
+                <a:spcPct val="90000"/>
+              </a:lnSpc>
+              <a:spcBef>
+                <a:spcPts val="1000"/>
+              </a:spcBef>
+              <a:buFont typeface="Arial" panose="020B0604020202020204" pitchFamily="34" charset="0"/>
+              <a:buChar char="•"/>
+              <a:defRPr sz="2800" kern="1200">
+                <a:solidFill>
+                  <a:schemeClr val="tx1"/>
+                </a:solidFill>
+                <a:latin typeface="+mn-lt"/>
+                <a:ea typeface="+mn-ea"/>
+                <a:cs typeface="+mn-cs"/>
+              </a:defRPr>
+            </a:lvl1pPr>
+            <a:lvl2pPr marL="685800" indent="-228600" algn="l" defTabSz="914400" rtl="0" eaLnBrk="1" latinLnBrk="0" hangingPunct="1">
+              <a:lnSpc>
+                <a:spcPct val="90000"/>
+              </a:lnSpc>
+              <a:spcBef>
+                <a:spcPts val="500"/>
+              </a:spcBef>
+              <a:buFont typeface="Arial" panose="020B0604020202020204" pitchFamily="34" charset="0"/>
+              <a:buChar char="•"/>
+              <a:defRPr sz="2400" kern="1200">
+                <a:solidFill>
+                  <a:schemeClr val="tx1"/>
+                </a:solidFill>
+                <a:latin typeface="+mn-lt"/>
+                <a:ea typeface="+mn-ea"/>
+                <a:cs typeface="+mn-cs"/>
+              </a:defRPr>
+            </a:lvl2pPr>
+            <a:lvl3pPr marL="1143000" indent="-228600" algn="l" defTabSz="914400" rtl="0" eaLnBrk="1" latinLnBrk="0" hangingPunct="1">
+              <a:lnSpc>
+                <a:spcPct val="90000"/>
+              </a:lnSpc>
+              <a:spcBef>
+                <a:spcPts val="500"/>
+              </a:spcBef>
+              <a:buFont typeface="Arial" panose="020B0604020202020204" pitchFamily="34" charset="0"/>
+              <a:buChar char="•"/>
+              <a:defRPr sz="2000" kern="1200">
+                <a:solidFill>
+                  <a:schemeClr val="tx1"/>
+                </a:solidFill>
+                <a:latin typeface="+mn-lt"/>
+                <a:ea typeface="+mn-ea"/>
+                <a:cs typeface="+mn-cs"/>
+              </a:defRPr>
+            </a:lvl3pPr>
+            <a:lvl4pPr marL="1600200" indent="-228600" algn="l" defTabSz="914400" rtl="0" eaLnBrk="1" latinLnBrk="0" hangingPunct="1">
+              <a:lnSpc>
+                <a:spcPct val="90000"/>
+              </a:lnSpc>
+              <a:spcBef>
+                <a:spcPts val="500"/>
+              </a:spcBef>
+              <a:buFont typeface="Arial" panose="020B0604020202020204" pitchFamily="34" charset="0"/>
+              <a:buChar char="•"/>
+              <a:defRPr sz="1800" kern="1200">
+                <a:solidFill>
+                  <a:schemeClr val="tx1"/>
+                </a:solidFill>
+                <a:latin typeface="+mn-lt"/>
+                <a:ea typeface="+mn-ea"/>
+                <a:cs typeface="+mn-cs"/>
+              </a:defRPr>
+            </a:lvl4pPr>
+            <a:lvl5pPr marL="2057400" indent="-228600" algn="l" defTabSz="914400" rtl="0" eaLnBrk="1" latinLnBrk="0" hangingPunct="1">
+              <a:lnSpc>
+                <a:spcPct val="90000"/>
+              </a:lnSpc>
+              <a:spcBef>
+                <a:spcPts val="500"/>
+              </a:spcBef>
+              <a:buFont typeface="Arial" panose="020B0604020202020204" pitchFamily="34" charset="0"/>
+              <a:buChar char="•"/>
+              <a:defRPr sz="1800" kern="1200">
+                <a:solidFill>
+                  <a:schemeClr val="tx1"/>
+                </a:solidFill>
+                <a:latin typeface="+mn-lt"/>
+                <a:ea typeface="+mn-ea"/>
+                <a:cs typeface="+mn-cs"/>
+              </a:defRPr>
+            </a:lvl5pPr>
+            <a:lvl6pPr marL="2514600" indent="-228600" algn="l" defTabSz="914400" rtl="0" eaLnBrk="1" latinLnBrk="0" hangingPunct="1">
+              <a:lnSpc>
+                <a:spcPct val="90000"/>
+              </a:lnSpc>
+              <a:spcBef>
+                <a:spcPts val="500"/>
+              </a:spcBef>
+              <a:buFont typeface="Arial" panose="020B0604020202020204" pitchFamily="34" charset="0"/>
+              <a:buChar char="•"/>
+              <a:defRPr sz="1800" kern="1200">
+                <a:solidFill>
+                  <a:schemeClr val="tx1"/>
+                </a:solidFill>
+                <a:latin typeface="+mn-lt"/>
+                <a:ea typeface="+mn-ea"/>
+                <a:cs typeface="+mn-cs"/>
+              </a:defRPr>
+            </a:lvl6pPr>
+            <a:lvl7pPr marL="2971800" indent="-228600" algn="l" defTabSz="914400" rtl="0" eaLnBrk="1" latinLnBrk="0" hangingPunct="1">
+              <a:lnSpc>
+                <a:spcPct val="90000"/>
+              </a:lnSpc>
+              <a:spcBef>
+                <a:spcPts val="500"/>
+              </a:spcBef>
+              <a:buFont typeface="Arial" panose="020B0604020202020204" pitchFamily="34" charset="0"/>
+              <a:buChar char="•"/>
+              <a:defRPr sz="1800" kern="1200">
+                <a:solidFill>
+                  <a:schemeClr val="tx1"/>
+                </a:solidFill>
+                <a:latin typeface="+mn-lt"/>
+                <a:ea typeface="+mn-ea"/>
+                <a:cs typeface="+mn-cs"/>
+              </a:defRPr>
+            </a:lvl7pPr>
+            <a:lvl8pPr marL="3429000" indent="-228600" algn="l" defTabSz="914400" rtl="0" eaLnBrk="1" latinLnBrk="0" hangingPunct="1">
+              <a:lnSpc>
+                <a:spcPct val="90000"/>
+              </a:lnSpc>
+              <a:spcBef>
+                <a:spcPts val="500"/>
+              </a:spcBef>
+              <a:buFont typeface="Arial" panose="020B0604020202020204" pitchFamily="34" charset="0"/>
+              <a:buChar char="•"/>
+              <a:defRPr sz="1800" kern="1200">
+                <a:solidFill>
+                  <a:schemeClr val="tx1"/>
+                </a:solidFill>
+                <a:latin typeface="+mn-lt"/>
+                <a:ea typeface="+mn-ea"/>
+                <a:cs typeface="+mn-cs"/>
+              </a:defRPr>
+            </a:lvl8pPr>
+            <a:lvl9pPr marL="3886200" indent="-228600" algn="l" defTabSz="914400" rtl="0" eaLnBrk="1" latinLnBrk="0" hangingPunct="1">
+              <a:lnSpc>
+                <a:spcPct val="90000"/>
+              </a:lnSpc>
+              <a:spcBef>
+                <a:spcPts val="500"/>
+              </a:spcBef>
+              <a:buFont typeface="Arial" panose="020B0604020202020204" pitchFamily="34" charset="0"/>
+              <a:buChar char="•"/>
+              <a:defRPr sz="1800" kern="1200">
+                <a:solidFill>
+                  <a:schemeClr val="tx1"/>
+                </a:solidFill>
+                <a:latin typeface="+mn-lt"/>
+                <a:ea typeface="+mn-ea"/>
+                <a:cs typeface="+mn-cs"/>
+              </a:defRPr>
+            </a:lvl9pPr>
+          </a:lstStyle>
+          <a:p>
+            <a:pPr marL="228600" marR="0" lvl="0" indent="-228600" algn="l" defTabSz="914400" rtl="0" eaLnBrk="1" fontAlgn="auto" latinLnBrk="0" hangingPunct="1">
+              <a:lnSpc>
+                <a:spcPct val="90000"/>
+              </a:lnSpc>
+              <a:spcBef>
+                <a:spcPts val="1000"/>
+              </a:spcBef>
+              <a:spcAft>
+                <a:spcPts val="0"/>
+              </a:spcAft>
+              <a:buClrTx/>
+              <a:buSzTx/>
+              <a:buFont typeface="Courier New" panose="02070309020205020404" pitchFamily="49" charset="0"/>
+              <a:buChar char="o"/>
+              <a:tabLst/>
+              <a:defRPr/>
+            </a:pPr>
+            <a:r>
+              <a:rPr kumimoji="0" lang="en-US" sz="2800" b="1" i="0" u="none" strike="noStrike" kern="1200" cap="none" spc="0" normalizeH="0" baseline="0" noProof="0" dirty="0">
+                <a:ln>
+                  <a:noFill/>
+                </a:ln>
+                <a:solidFill>
+                  <a:srgbClr val="262626"/>
+                </a:solidFill>
+                <a:effectLst/>
+                <a:uLnTx/>
+                <a:uFillTx/>
+                <a:latin typeface="Calibri Light" panose="020F0302020204030204"/>
+                <a:ea typeface="+mn-ea"/>
+                <a:cs typeface="+mn-cs"/>
+              </a:rPr>
+              <a:t> </a:t>
+            </a:r>
+            <a:r>
+              <a:rPr kumimoji="0" lang="en-US" sz="2800" b="1" i="0" u="none" strike="noStrike" kern="1200" cap="none" spc="0" normalizeH="0" baseline="0" noProof="0" dirty="0" err="1">
+                <a:ln>
+                  <a:noFill/>
+                </a:ln>
+                <a:solidFill>
+                  <a:srgbClr val="262626"/>
+                </a:solidFill>
+                <a:effectLst/>
+                <a:uLnTx/>
+                <a:uFillTx/>
+                <a:latin typeface="Calibri Light" panose="020F0302020204030204"/>
+                <a:ea typeface="+mn-ea"/>
+                <a:cs typeface="+mn-cs"/>
+              </a:rPr>
+              <a:t>ldsjfkdsfks</a:t>
+            </a:r>
+            <a:endParaRPr kumimoji="0" lang="en-US" sz="2800" b="1" i="0" u="none" strike="noStrike" kern="1200" cap="none" spc="0" normalizeH="0" baseline="0" noProof="0" dirty="0">
+              <a:ln>
+                <a:noFill/>
+              </a:ln>
+              <a:solidFill>
+                <a:srgbClr val="262626"/>
+              </a:solidFill>
+              <a:effectLst/>
+              <a:uLnTx/>
+              <a:uFillTx/>
+              <a:latin typeface="Calibri Light" panose="020F0302020204030204"/>
+              <a:ea typeface="+mn-ea"/>
+              <a:cs typeface="+mn-cs"/>
+            </a:endParaRPr>
+          </a:p>
+          <a:p>
+            <a:pPr marL="685800" marR="0" lvl="1" indent="-228600" algn="l" defTabSz="914400" rtl="0" eaLnBrk="1" fontAlgn="auto" latinLnBrk="0" hangingPunct="1">
+              <a:lnSpc>
+                <a:spcPct val="90000"/>
+              </a:lnSpc>
+              <a:spcBef>
+                <a:spcPts val="500"/>
+              </a:spcBef>
+              <a:spcAft>
+                <a:spcPts val="0"/>
+              </a:spcAft>
+              <a:buClrTx/>
+              <a:buSzTx/>
+              <a:buFont typeface="Courier New" panose="02070309020205020404" pitchFamily="49" charset="0"/>
+              <a:buChar char="o"/>
+              <a:tabLst/>
+              <a:defRPr/>
+            </a:pPr>
+            <a:endParaRPr kumimoji="0" lang="en-US" sz="2800" b="1" i="0" u="none" strike="noStrike" kern="1200" cap="none" spc="0" normalizeH="0" baseline="0" noProof="0" dirty="0">
+              <a:ln>
+                <a:noFill/>
+              </a:ln>
+              <a:solidFill>
+                <a:srgbClr val="262626"/>
+              </a:solidFill>
+              <a:effectLst/>
+              <a:uLnTx/>
+              <a:uFillTx/>
+              <a:latin typeface="Calibri Light" panose="020F0302020204030204"/>
+              <a:ea typeface="+mn-ea"/>
+              <a:cs typeface="+mn-cs"/>
+            </a:endParaRPr>
+          </a:p>
+        </p:txBody>
+      </p:sp>
+    </p:spTree>
+    <p:extLst>
+      <p:ext uri="{BB962C8B-B14F-4D97-AF65-F5344CB8AC3E}">
+        <p14:creationId xmlns:p14="http://schemas.microsoft.com/office/powerpoint/2010/main" val="1579915666"/>
+      </p:ext>
+    </p:extLst>
+  </p:cSld>
+  <p:clrMapOvr>
+    <a:masterClrMapping/>
+  </p:clrMapOvr>
+</p:sld>
+</file>
+
+<file path=ppt/slides/slide14.xml><?xml version="1.0" encoding="utf-8"?>
+<p:sld xmlns:a="http://schemas.openxmlformats.org/drawingml/2006/main" xmlns:r="http://schemas.openxmlformats.org/officeDocument/2006/relationships" xmlns:p="http://schemas.openxmlformats.org/presentationml/2006/main">
+  <p:cSld>
+    <p:bg>
+      <p:bgPr>
+        <a:solidFill>
+          <a:schemeClr val="bg1"/>
+        </a:solidFill>
+        <a:effectLst/>
+      </p:bgPr>
+    </p:bg>
+    <p:spTree>
+      <p:nvGrpSpPr>
+        <p:cNvPr id="1" name=""/>
+        <p:cNvGrpSpPr/>
+        <p:nvPr/>
+      </p:nvGrpSpPr>
+      <p:grpSpPr>
+        <a:xfrm>
+          <a:off x="0" y="0"/>
+          <a:ext cx="0" cy="0"/>
+          <a:chOff x="0" y="0"/>
+          <a:chExt cx="0" cy="0"/>
+        </a:xfrm>
+      </p:grpSpPr>
+      <p:sp>
+        <p:nvSpPr>
+          <p:cNvPr id="11" name="Rectangle 10">
+            <a:extLst>
+              <a:ext uri="{FF2B5EF4-FFF2-40B4-BE49-F238E27FC236}">
+                <a16:creationId xmlns:a16="http://schemas.microsoft.com/office/drawing/2014/main" id="{2E614F1C-2D93-42D0-B229-768199449923}"/>
+              </a:ext>
+              <a:ext uri="{C183D7F6-B498-43B3-948B-1728B52AA6E4}">
+                <adec:decorative xmlns:adec="http://schemas.microsoft.com/office/drawing/2017/decorative" val="1"/>
+              </a:ext>
+            </a:extLst>
+          </p:cNvPr>
+          <p:cNvSpPr>
+            <a:spLocks noGrp="1" noRot="1" noChangeAspect="1" noMove="1" noResize="1" noEditPoints="1" noAdjustHandles="1" noChangeArrowheads="1" noChangeShapeType="1" noTextEdit="1"/>
+          </p:cNvSpPr>
+          <p:nvPr>
+            <p:extLst>
+              <p:ext uri="{386F3935-93C4-4BCD-93E2-E3B085C9AB24}">
+                <p16:designElem xmlns:p16="http://schemas.microsoft.com/office/powerpoint/2015/main" val="1"/>
+              </p:ext>
+            </p:extLst>
+          </p:nvPr>
+        </p:nvSpPr>
+        <p:spPr bwMode="white">
+          <a:xfrm>
+            <a:off x="7403089" y="0"/>
+            <a:ext cx="4788912" cy="6858000"/>
+          </a:xfrm>
+          <a:prstGeom prst="rect">
+            <a:avLst/>
+          </a:prstGeom>
+          <a:solidFill>
+            <a:schemeClr val="tx1">
+              <a:lumMod val="85000"/>
+              <a:lumOff val="15000"/>
+            </a:schemeClr>
+          </a:solidFill>
+          <a:ln>
+            <a:noFill/>
+          </a:ln>
+        </p:spPr>
+        <p:style>
+          <a:lnRef idx="2">
+            <a:schemeClr val="accent1">
+              <a:shade val="50000"/>
+            </a:schemeClr>
+          </a:lnRef>
+          <a:fillRef idx="1">
+            <a:schemeClr val="accent1"/>
+          </a:fillRef>
+          <a:effectRef idx="0">
+            <a:schemeClr val="accent1"/>
+          </a:effectRef>
+          <a:fontRef idx="minor">
+            <a:schemeClr val="lt1"/>
+          </a:fontRef>
+        </p:style>
+        <p:txBody>
+          <a:bodyPr rtlCol="0" anchor="ctr"/>
+          <a:lstStyle/>
+          <a:p>
+            <a:pPr algn="ctr"/>
+            <a:endParaRPr lang="en-US"/>
+          </a:p>
+        </p:txBody>
+      </p:sp>
+      <p:pic>
+        <p:nvPicPr>
+          <p:cNvPr id="9" name="Content Placeholder 4" descr="Terraform &amp; Spotify Data Engineering | Python In Plain English">
+            <a:extLst>
+              <a:ext uri="{FF2B5EF4-FFF2-40B4-BE49-F238E27FC236}">
+                <a16:creationId xmlns:a16="http://schemas.microsoft.com/office/drawing/2014/main" id="{EE9A1D33-E99C-4079-8458-B95631A1BB06}"/>
+              </a:ext>
+            </a:extLst>
+          </p:cNvPr>
+          <p:cNvPicPr>
+            <a:picLocks noChangeAspect="1" noChangeArrowheads="1"/>
+          </p:cNvPicPr>
+          <p:nvPr/>
+        </p:nvPicPr>
+        <p:blipFill rotWithShape="1">
+          <a:blip r:embed="rId2">
+            <a:extLst>
+              <a:ext uri="{28A0092B-C50C-407E-A947-70E740481C1C}">
+                <a14:useLocalDpi xmlns:a14="http://schemas.microsoft.com/office/drawing/2010/main" val="0"/>
+              </a:ext>
+            </a:extLst>
+          </a:blip>
+          <a:srcRect l="9719" r="9804"/>
+          <a:stretch/>
+        </p:blipFill>
+        <p:spPr bwMode="auto">
+          <a:xfrm>
+            <a:off x="11084560" y="5770880"/>
+            <a:ext cx="1107440" cy="1016000"/>
+          </a:xfrm>
+          <a:prstGeom prst="rect">
+            <a:avLst/>
+          </a:prstGeom>
+          <a:noFill/>
+          <a:extLst>
+            <a:ext uri="{909E8E84-426E-40DD-AFC4-6F175D3DCCD1}">
+              <a14:hiddenFill xmlns:a14="http://schemas.microsoft.com/office/drawing/2010/main">
+                <a:solidFill>
+                  <a:srgbClr val="FFFFFF"/>
+                </a:solidFill>
+              </a14:hiddenFill>
+            </a:ext>
+          </a:extLst>
+        </p:spPr>
+      </p:pic>
+      <p:sp>
+        <p:nvSpPr>
+          <p:cNvPr id="14" name="Title 1">
+            <a:extLst>
+              <a:ext uri="{FF2B5EF4-FFF2-40B4-BE49-F238E27FC236}">
+                <a16:creationId xmlns:a16="http://schemas.microsoft.com/office/drawing/2014/main" id="{06EDEE77-4FA2-48B9-B9AD-45946FE46EB2}"/>
+              </a:ext>
+            </a:extLst>
+          </p:cNvPr>
+          <p:cNvSpPr txBox="1">
+            <a:spLocks/>
+          </p:cNvSpPr>
+          <p:nvPr/>
+        </p:nvSpPr>
+        <p:spPr>
+          <a:xfrm>
+            <a:off x="0" y="0"/>
+            <a:ext cx="11504086" cy="1236440"/>
+          </a:xfrm>
+          <a:prstGeom prst="rect">
+            <a:avLst/>
+          </a:prstGeom>
+          <a:noFill/>
+        </p:spPr>
+        <p:txBody>
+          <a:bodyPr vert="horz" lIns="91440" tIns="45720" rIns="91440" bIns="45720" rtlCol="0" anchor="ctr">
+            <a:normAutofit/>
+          </a:bodyPr>
+          <a:lstStyle>
+            <a:lvl1pPr algn="l" defTabSz="914400" rtl="0" eaLnBrk="1" latinLnBrk="0" hangingPunct="1">
+              <a:lnSpc>
+                <a:spcPct val="90000"/>
+              </a:lnSpc>
+              <a:spcBef>
+                <a:spcPct val="0"/>
+              </a:spcBef>
+              <a:buNone/>
+              <a:defRPr sz="4400" kern="1200">
+                <a:solidFill>
+                  <a:schemeClr val="tx1"/>
+                </a:solidFill>
+                <a:latin typeface="+mj-lt"/>
+                <a:ea typeface="+mj-ea"/>
+                <a:cs typeface="+mj-cs"/>
+              </a:defRPr>
+            </a:lvl1pPr>
+          </a:lstStyle>
+          <a:p>
             <a:r>
               <a:rPr lang="en-US" sz="4000" b="1" i="1" dirty="0">
                 <a:solidFill>
@@ -4328,7 +6612,7 @@
 </p:sld>
 </file>
 
-<file path=ppt/slides/slide11.xml><?xml version="1.0" encoding="utf-8"?>
+<file path=ppt/slides/slide15.xml><?xml version="1.0" encoding="utf-8"?>
 <p:sld xmlns:a="http://schemas.openxmlformats.org/drawingml/2006/main" xmlns:r="http://schemas.openxmlformats.org/officeDocument/2006/relationships" xmlns:p="http://schemas.openxmlformats.org/presentationml/2006/main">
   <p:cSld>
     <p:bg>
@@ -4537,14 +6821,11 @@
               </a:spcAft>
             </a:pPr>
             <a:r>
-              <a:rPr lang="en-US" sz="3600" b="1" i="1">
+              <a:rPr lang="en-US" sz="3600" b="1" i="1" dirty="0">
                 <a:latin typeface="Ink Free" panose="03080402000500000000" pitchFamily="66" charset="0"/>
               </a:rPr>
-              <a:t>f i n i s h e d .   r e p e a t ?</a:t>
-            </a:r>
-            <a:endParaRPr lang="en-US" sz="3600" b="1" i="1" dirty="0">
-              <a:latin typeface="Ink Free" panose="03080402000500000000" pitchFamily="66" charset="0"/>
-            </a:endParaRPr>
+              <a:t>f i n i s h e d .   q u e s t i o n s ?</a:t>
+            </a:r>
           </a:p>
         </p:txBody>
       </p:sp>
@@ -4577,6 +6858,111 @@
           <a:xfrm>
             <a:off x="11084560" y="5770880"/>
             <a:ext cx="1107440" cy="1016000"/>
+          </a:xfrm>
+          <a:prstGeom prst="rect">
+            <a:avLst/>
+          </a:prstGeom>
+          <a:noFill/>
+          <a:extLst>
+            <a:ext uri="{909E8E84-426E-40DD-AFC4-6F175D3DCCD1}">
+              <a14:hiddenFill xmlns:a14="http://schemas.microsoft.com/office/drawing/2010/main">
+                <a:solidFill>
+                  <a:srgbClr val="FFFFFF"/>
+                </a:solidFill>
+              </a14:hiddenFill>
+            </a:ext>
+          </a:extLst>
+        </p:spPr>
+      </p:pic>
+      <p:pic>
+        <p:nvPicPr>
+          <p:cNvPr id="1026" name="Picture 2" descr="Mic Drop Illustration Set. Cartoon Hand Holding And Dropping.. Royalty Free  Cliparts, Vectors, And Stock Illustration. Image 67672062.">
+            <a:extLst>
+              <a:ext uri="{FF2B5EF4-FFF2-40B4-BE49-F238E27FC236}">
+                <a16:creationId xmlns:a16="http://schemas.microsoft.com/office/drawing/2014/main" id="{342E0ECE-DBD1-4711-A245-C0665908E042}"/>
+              </a:ext>
+            </a:extLst>
+          </p:cNvPr>
+          <p:cNvPicPr>
+            <a:picLocks noChangeAspect="1" noChangeArrowheads="1"/>
+          </p:cNvPicPr>
+          <p:nvPr/>
+        </p:nvPicPr>
+        <p:blipFill>
+          <a:blip r:embed="rId3">
+            <a:extLst>
+              <a:ext uri="{BEBA8EAE-BF5A-486C-A8C5-ECC9F3942E4B}">
+                <a14:imgProps xmlns:a14="http://schemas.microsoft.com/office/drawing/2010/main">
+                  <a14:imgLayer r:embed="rId4">
+                    <a14:imgEffect>
+                      <a14:backgroundRemoval t="9931" b="89954" l="9692" r="91000">
+                        <a14:foregroundMark x1="17385" y1="53233" x2="17385" y2="53233"/>
+                        <a14:foregroundMark x1="25615" y1="47460" x2="25615" y2="47460"/>
+                        <a14:foregroundMark x1="27923" y1="47460" x2="27923" y2="47460"/>
+                        <a14:foregroundMark x1="29692" y1="46536" x2="29692" y2="46536"/>
+                        <a14:foregroundMark x1="28769" y1="44457" x2="28769" y2="44457"/>
+                        <a14:foregroundMark x1="31000" y1="47113" x2="31000" y2="47113"/>
+                        <a14:foregroundMark x1="31154" y1="44804" x2="31154" y2="44804"/>
+                        <a14:foregroundMark x1="27077" y1="45727" x2="27077" y2="45727"/>
+                        <a14:foregroundMark x1="23769" y1="49654" x2="23769" y2="49654"/>
+                        <a14:foregroundMark x1="10154" y1="59007" x2="10154" y2="59007"/>
+                        <a14:foregroundMark x1="11000" y1="57852" x2="11000" y2="57852"/>
+                        <a14:foregroundMark x1="11000" y1="57852" x2="11000" y2="57852"/>
+                        <a14:foregroundMark x1="11000" y1="57852" x2="11000" y2="57852"/>
+                        <a14:foregroundMark x1="11000" y1="57852" x2="11000" y2="57852"/>
+                        <a14:foregroundMark x1="11000" y1="57852" x2="10692" y2="59700"/>
+                        <a14:foregroundMark x1="9769" y1="55889" x2="9769" y2="55889"/>
+                        <a14:foregroundMark x1="9692" y1="56351" x2="9692" y2="56351"/>
+                        <a14:foregroundMark x1="17923" y1="53811" x2="17923" y2="53811"/>
+                        <a14:foregroundMark x1="58538" y1="48614" x2="58538" y2="48614"/>
+                        <a14:foregroundMark x1="60615" y1="45612" x2="60615" y2="45612"/>
+                        <a14:foregroundMark x1="16538" y1="60277" x2="16538" y2="60277"/>
+                        <a14:foregroundMark x1="75308" y1="72286" x2="75308" y2="72286"/>
+                        <a14:foregroundMark x1="77846" y1="65242" x2="77846" y2="65242"/>
+                        <a14:foregroundMark x1="79538" y1="63741" x2="79538" y2="63741"/>
+                        <a14:foregroundMark x1="79538" y1="62356" x2="79538" y2="62356"/>
+                        <a14:foregroundMark x1="79154" y1="53580" x2="79154" y2="53580"/>
+                        <a14:foregroundMark x1="75846" y1="63395" x2="75846" y2="63395"/>
+                        <a14:foregroundMark x1="77615" y1="63510" x2="77615" y2="63510"/>
+                        <a14:foregroundMark x1="77615" y1="62356" x2="77615" y2="62356"/>
+                        <a14:foregroundMark x1="77615" y1="62356" x2="77615" y2="62356"/>
+                        <a14:foregroundMark x1="77923" y1="66513" x2="77923" y2="66513"/>
+                        <a14:foregroundMark x1="77923" y1="66513" x2="77923" y2="66513"/>
+                        <a14:foregroundMark x1="77769" y1="67321" x2="77769" y2="67321"/>
+                        <a14:foregroundMark x1="77769" y1="67321" x2="77769" y2="67321"/>
+                        <a14:foregroundMark x1="77615" y1="62009" x2="77615" y2="62009"/>
+                        <a14:foregroundMark x1="77615" y1="62009" x2="77615" y2="62009"/>
+                        <a14:foregroundMark x1="79538" y1="61547" x2="79538" y2="61547"/>
+                        <a14:foregroundMark x1="79538" y1="61547" x2="79538" y2="61547"/>
+                        <a14:foregroundMark x1="79538" y1="65012" x2="79538" y2="65012"/>
+                        <a14:foregroundMark x1="75846" y1="62587" x2="75846" y2="62587"/>
+                        <a14:foregroundMark x1="75846" y1="62587" x2="75846" y2="62587"/>
+                        <a14:foregroundMark x1="75769" y1="62009" x2="75769" y2="62009"/>
+                        <a14:foregroundMark x1="75923" y1="64781" x2="75923" y2="64781"/>
+                        <a14:foregroundMark x1="88154" y1="76559" x2="88154" y2="76559"/>
+                        <a14:foregroundMark x1="89154" y1="76559" x2="89154" y2="76559"/>
+                        <a14:foregroundMark x1="91000" y1="79099" x2="91000" y2="79099"/>
+                        <a14:foregroundMark x1="86923" y1="78522" x2="86923" y2="78522"/>
+                        <a14:foregroundMark x1="79462" y1="61201" x2="79462" y2="61201"/>
+                      </a14:backgroundRemoval>
+                    </a14:imgEffect>
+                  </a14:imgLayer>
+                </a14:imgProps>
+              </a:ext>
+              <a:ext uri="{28A0092B-C50C-407E-A947-70E740481C1C}">
+                <a14:useLocalDpi xmlns:a14="http://schemas.microsoft.com/office/drawing/2010/main" val="0"/>
+              </a:ext>
+            </a:extLst>
+          </a:blip>
+          <a:srcRect/>
+          <a:stretch>
+            <a:fillRect/>
+          </a:stretch>
+        </p:blipFill>
+        <p:spPr bwMode="auto">
+          <a:xfrm>
+            <a:off x="2579257" y="0"/>
+            <a:ext cx="6580480" cy="4383605"/>
           </a:xfrm>
           <a:prstGeom prst="rect">
             <a:avLst/>
@@ -8225,6 +10611,11 @@
           <a:prstGeom prst="rect">
             <a:avLst/>
           </a:prstGeom>
+          <a:ln w="38100">
+            <a:solidFill>
+              <a:srgbClr val="1ED760"/>
+            </a:solidFill>
+          </a:ln>
         </p:spPr>
       </p:pic>
       <p:sp>
@@ -8546,7 +10937,7 @@
           <p:cNvPr id="5" name="Content Placeholder 4" descr="Terraform &amp; Spotify Data Engineering | Python In Plain English">
             <a:extLst>
               <a:ext uri="{FF2B5EF4-FFF2-40B4-BE49-F238E27FC236}">
-                <a16:creationId xmlns:a16="http://schemas.microsoft.com/office/drawing/2014/main" id="{1CB322AD-0C14-4B6E-87B1-21D722FE2094}"/>
+                <a16:creationId xmlns:a16="http://schemas.microsoft.com/office/drawing/2014/main" id="{84D92599-E100-4725-AD6A-0D4038DE46AD}"/>
               </a:ext>
             </a:extLst>
           </p:cNvPr>
@@ -8588,10 +10979,66 @@
       </p:pic>
       <p:sp>
         <p:nvSpPr>
-          <p:cNvPr id="8" name="Title 1">
-            <a:extLst>
-              <a:ext uri="{FF2B5EF4-FFF2-40B4-BE49-F238E27FC236}">
-                <a16:creationId xmlns:a16="http://schemas.microsoft.com/office/drawing/2014/main" id="{D9DFD1F7-1CAA-4059-8E9F-3A5144453FCF}"/>
+          <p:cNvPr id="7" name="Title 1">
+            <a:extLst>
+              <a:ext uri="{FF2B5EF4-FFF2-40B4-BE49-F238E27FC236}">
+                <a16:creationId xmlns:a16="http://schemas.microsoft.com/office/drawing/2014/main" id="{EBA8A45B-E1A7-47EC-8A3D-B78F9CD35F1D}"/>
+              </a:ext>
+            </a:extLst>
+          </p:cNvPr>
+          <p:cNvSpPr txBox="1">
+            <a:spLocks/>
+          </p:cNvSpPr>
+          <p:nvPr/>
+        </p:nvSpPr>
+        <p:spPr>
+          <a:xfrm>
+            <a:off x="183089" y="0"/>
+            <a:ext cx="10901471" cy="1236440"/>
+          </a:xfrm>
+          <a:prstGeom prst="rect">
+            <a:avLst/>
+          </a:prstGeom>
+          <a:noFill/>
+        </p:spPr>
+        <p:txBody>
+          <a:bodyPr vert="horz" lIns="91440" tIns="45720" rIns="91440" bIns="45720" rtlCol="0" anchor="ctr">
+            <a:normAutofit/>
+          </a:bodyPr>
+          <a:lstStyle>
+            <a:lvl1pPr algn="l" defTabSz="914400" rtl="0" eaLnBrk="1" latinLnBrk="0" hangingPunct="1">
+              <a:lnSpc>
+                <a:spcPct val="90000"/>
+              </a:lnSpc>
+              <a:spcBef>
+                <a:spcPct val="0"/>
+              </a:spcBef>
+              <a:buNone/>
+              <a:defRPr sz="4400" kern="1200">
+                <a:solidFill>
+                  <a:schemeClr val="tx1"/>
+                </a:solidFill>
+                <a:latin typeface="+mj-lt"/>
+                <a:ea typeface="+mj-ea"/>
+                <a:cs typeface="+mj-cs"/>
+              </a:defRPr>
+            </a:lvl1pPr>
+          </a:lstStyle>
+          <a:p>
+            <a:endParaRPr lang="en-US" sz="4800" b="1" dirty="0">
+              <a:solidFill>
+                <a:schemeClr val="bg1"/>
+              </a:solidFill>
+            </a:endParaRPr>
+          </a:p>
+        </p:txBody>
+      </p:sp>
+      <p:sp>
+        <p:nvSpPr>
+          <p:cNvPr id="9" name="Title 1">
+            <a:extLst>
+              <a:ext uri="{FF2B5EF4-FFF2-40B4-BE49-F238E27FC236}">
+                <a16:creationId xmlns:a16="http://schemas.microsoft.com/office/drawing/2014/main" id="{E49AA69A-92C5-4D28-A84A-D4CC39C5635E}"/>
               </a:ext>
             </a:extLst>
           </p:cNvPr>
@@ -8652,234 +11099,95 @@
           </a:p>
         </p:txBody>
       </p:sp>
+      <p:pic>
+        <p:nvPicPr>
+          <p:cNvPr id="10" name="Picture 9">
+            <a:extLst>
+              <a:ext uri="{FF2B5EF4-FFF2-40B4-BE49-F238E27FC236}">
+                <a16:creationId xmlns:a16="http://schemas.microsoft.com/office/drawing/2014/main" id="{00A35371-46AB-4218-8914-10D7982FD810}"/>
+              </a:ext>
+            </a:extLst>
+          </p:cNvPr>
+          <p:cNvPicPr>
+            <a:picLocks noChangeAspect="1"/>
+          </p:cNvPicPr>
+          <p:nvPr/>
+        </p:nvPicPr>
+        <p:blipFill>
+          <a:blip r:embed="rId3"/>
+          <a:stretch>
+            <a:fillRect/>
+          </a:stretch>
+        </p:blipFill>
+        <p:spPr>
+          <a:xfrm>
+            <a:off x="1357312" y="1652587"/>
+            <a:ext cx="9477375" cy="3552825"/>
+          </a:xfrm>
+          <a:prstGeom prst="rect">
+            <a:avLst/>
+          </a:prstGeom>
+          <a:ln w="38100">
+            <a:solidFill>
+              <a:srgbClr val="1ED760"/>
+            </a:solidFill>
+          </a:ln>
+        </p:spPr>
+      </p:pic>
       <p:sp>
         <p:nvSpPr>
-          <p:cNvPr id="10" name="Content Placeholder 1">
-            <a:extLst>
-              <a:ext uri="{FF2B5EF4-FFF2-40B4-BE49-F238E27FC236}">
-                <a16:creationId xmlns:a16="http://schemas.microsoft.com/office/drawing/2014/main" id="{3A4D2F9E-DBCA-430E-B455-69F5DE302AF7}"/>
-              </a:ext>
-            </a:extLst>
-          </p:cNvPr>
-          <p:cNvSpPr txBox="1">
-            <a:spLocks/>
-          </p:cNvSpPr>
+          <p:cNvPr id="2" name="Rectangle 1">
+            <a:extLst>
+              <a:ext uri="{FF2B5EF4-FFF2-40B4-BE49-F238E27FC236}">
+                <a16:creationId xmlns:a16="http://schemas.microsoft.com/office/drawing/2014/main" id="{C857CCFD-0755-4A27-B79A-6A2B1BEBB692}"/>
+              </a:ext>
+            </a:extLst>
+          </p:cNvPr>
+          <p:cNvSpPr/>
           <p:nvPr/>
         </p:nvSpPr>
         <p:spPr>
           <a:xfrm>
-            <a:off x="376024" y="1520825"/>
-            <a:ext cx="6615326" cy="4351338"/>
+            <a:off x="6509857" y="4865615"/>
+            <a:ext cx="620785" cy="339797"/>
           </a:xfrm>
           <a:prstGeom prst="rect">
             <a:avLst/>
           </a:prstGeom>
+          <a:noFill/>
+          <a:ln w="38100">
+            <a:solidFill>
+              <a:srgbClr val="FF0000"/>
+            </a:solidFill>
+          </a:ln>
         </p:spPr>
+        <p:style>
+          <a:lnRef idx="2">
+            <a:schemeClr val="accent1">
+              <a:shade val="50000"/>
+            </a:schemeClr>
+          </a:lnRef>
+          <a:fillRef idx="1">
+            <a:schemeClr val="accent1"/>
+          </a:fillRef>
+          <a:effectRef idx="0">
+            <a:schemeClr val="accent1"/>
+          </a:effectRef>
+          <a:fontRef idx="minor">
+            <a:schemeClr val="lt1"/>
+          </a:fontRef>
+        </p:style>
         <p:txBody>
-          <a:bodyPr vert="horz" lIns="91440" tIns="45720" rIns="91440" bIns="45720" rtlCol="0">
-            <a:normAutofit/>
-          </a:bodyPr>
-          <a:lstStyle>
-            <a:lvl1pPr marL="228600" indent="-228600" algn="l" defTabSz="914400" rtl="0" eaLnBrk="1" latinLnBrk="0" hangingPunct="1">
-              <a:lnSpc>
-                <a:spcPct val="90000"/>
-              </a:lnSpc>
-              <a:spcBef>
-                <a:spcPts val="1000"/>
-              </a:spcBef>
-              <a:buFont typeface="Arial" panose="020B0604020202020204" pitchFamily="34" charset="0"/>
-              <a:buChar char="•"/>
-              <a:defRPr sz="2800" kern="1200">
-                <a:solidFill>
-                  <a:schemeClr val="tx1"/>
-                </a:solidFill>
-                <a:latin typeface="+mn-lt"/>
-                <a:ea typeface="+mn-ea"/>
-                <a:cs typeface="+mn-cs"/>
-              </a:defRPr>
-            </a:lvl1pPr>
-            <a:lvl2pPr marL="685800" indent="-228600" algn="l" defTabSz="914400" rtl="0" eaLnBrk="1" latinLnBrk="0" hangingPunct="1">
-              <a:lnSpc>
-                <a:spcPct val="90000"/>
-              </a:lnSpc>
-              <a:spcBef>
-                <a:spcPts val="500"/>
-              </a:spcBef>
-              <a:buFont typeface="Arial" panose="020B0604020202020204" pitchFamily="34" charset="0"/>
-              <a:buChar char="•"/>
-              <a:defRPr sz="2400" kern="1200">
-                <a:solidFill>
-                  <a:schemeClr val="tx1"/>
-                </a:solidFill>
-                <a:latin typeface="+mn-lt"/>
-                <a:ea typeface="+mn-ea"/>
-                <a:cs typeface="+mn-cs"/>
-              </a:defRPr>
-            </a:lvl2pPr>
-            <a:lvl3pPr marL="1143000" indent="-228600" algn="l" defTabSz="914400" rtl="0" eaLnBrk="1" latinLnBrk="0" hangingPunct="1">
-              <a:lnSpc>
-                <a:spcPct val="90000"/>
-              </a:lnSpc>
-              <a:spcBef>
-                <a:spcPts val="500"/>
-              </a:spcBef>
-              <a:buFont typeface="Arial" panose="020B0604020202020204" pitchFamily="34" charset="0"/>
-              <a:buChar char="•"/>
-              <a:defRPr sz="2000" kern="1200">
-                <a:solidFill>
-                  <a:schemeClr val="tx1"/>
-                </a:solidFill>
-                <a:latin typeface="+mn-lt"/>
-                <a:ea typeface="+mn-ea"/>
-                <a:cs typeface="+mn-cs"/>
-              </a:defRPr>
-            </a:lvl3pPr>
-            <a:lvl4pPr marL="1600200" indent="-228600" algn="l" defTabSz="914400" rtl="0" eaLnBrk="1" latinLnBrk="0" hangingPunct="1">
-              <a:lnSpc>
-                <a:spcPct val="90000"/>
-              </a:lnSpc>
-              <a:spcBef>
-                <a:spcPts val="500"/>
-              </a:spcBef>
-              <a:buFont typeface="Arial" panose="020B0604020202020204" pitchFamily="34" charset="0"/>
-              <a:buChar char="•"/>
-              <a:defRPr sz="1800" kern="1200">
-                <a:solidFill>
-                  <a:schemeClr val="tx1"/>
-                </a:solidFill>
-                <a:latin typeface="+mn-lt"/>
-                <a:ea typeface="+mn-ea"/>
-                <a:cs typeface="+mn-cs"/>
-              </a:defRPr>
-            </a:lvl4pPr>
-            <a:lvl5pPr marL="2057400" indent="-228600" algn="l" defTabSz="914400" rtl="0" eaLnBrk="1" latinLnBrk="0" hangingPunct="1">
-              <a:lnSpc>
-                <a:spcPct val="90000"/>
-              </a:lnSpc>
-              <a:spcBef>
-                <a:spcPts val="500"/>
-              </a:spcBef>
-              <a:buFont typeface="Arial" panose="020B0604020202020204" pitchFamily="34" charset="0"/>
-              <a:buChar char="•"/>
-              <a:defRPr sz="1800" kern="1200">
-                <a:solidFill>
-                  <a:schemeClr val="tx1"/>
-                </a:solidFill>
-                <a:latin typeface="+mn-lt"/>
-                <a:ea typeface="+mn-ea"/>
-                <a:cs typeface="+mn-cs"/>
-              </a:defRPr>
-            </a:lvl5pPr>
-            <a:lvl6pPr marL="2514600" indent="-228600" algn="l" defTabSz="914400" rtl="0" eaLnBrk="1" latinLnBrk="0" hangingPunct="1">
-              <a:lnSpc>
-                <a:spcPct val="90000"/>
-              </a:lnSpc>
-              <a:spcBef>
-                <a:spcPts val="500"/>
-              </a:spcBef>
-              <a:buFont typeface="Arial" panose="020B0604020202020204" pitchFamily="34" charset="0"/>
-              <a:buChar char="•"/>
-              <a:defRPr sz="1800" kern="1200">
-                <a:solidFill>
-                  <a:schemeClr val="tx1"/>
-                </a:solidFill>
-                <a:latin typeface="+mn-lt"/>
-                <a:ea typeface="+mn-ea"/>
-                <a:cs typeface="+mn-cs"/>
-              </a:defRPr>
-            </a:lvl6pPr>
-            <a:lvl7pPr marL="2971800" indent="-228600" algn="l" defTabSz="914400" rtl="0" eaLnBrk="1" latinLnBrk="0" hangingPunct="1">
-              <a:lnSpc>
-                <a:spcPct val="90000"/>
-              </a:lnSpc>
-              <a:spcBef>
-                <a:spcPts val="500"/>
-              </a:spcBef>
-              <a:buFont typeface="Arial" panose="020B0604020202020204" pitchFamily="34" charset="0"/>
-              <a:buChar char="•"/>
-              <a:defRPr sz="1800" kern="1200">
-                <a:solidFill>
-                  <a:schemeClr val="tx1"/>
-                </a:solidFill>
-                <a:latin typeface="+mn-lt"/>
-                <a:ea typeface="+mn-ea"/>
-                <a:cs typeface="+mn-cs"/>
-              </a:defRPr>
-            </a:lvl7pPr>
-            <a:lvl8pPr marL="3429000" indent="-228600" algn="l" defTabSz="914400" rtl="0" eaLnBrk="1" latinLnBrk="0" hangingPunct="1">
-              <a:lnSpc>
-                <a:spcPct val="90000"/>
-              </a:lnSpc>
-              <a:spcBef>
-                <a:spcPts val="500"/>
-              </a:spcBef>
-              <a:buFont typeface="Arial" panose="020B0604020202020204" pitchFamily="34" charset="0"/>
-              <a:buChar char="•"/>
-              <a:defRPr sz="1800" kern="1200">
-                <a:solidFill>
-                  <a:schemeClr val="tx1"/>
-                </a:solidFill>
-                <a:latin typeface="+mn-lt"/>
-                <a:ea typeface="+mn-ea"/>
-                <a:cs typeface="+mn-cs"/>
-              </a:defRPr>
-            </a:lvl8pPr>
-            <a:lvl9pPr marL="3886200" indent="-228600" algn="l" defTabSz="914400" rtl="0" eaLnBrk="1" latinLnBrk="0" hangingPunct="1">
-              <a:lnSpc>
-                <a:spcPct val="90000"/>
-              </a:lnSpc>
-              <a:spcBef>
-                <a:spcPts val="500"/>
-              </a:spcBef>
-              <a:buFont typeface="Arial" panose="020B0604020202020204" pitchFamily="34" charset="0"/>
-              <a:buChar char="•"/>
-              <a:defRPr sz="1800" kern="1200">
-                <a:solidFill>
-                  <a:schemeClr val="tx1"/>
-                </a:solidFill>
-                <a:latin typeface="+mn-lt"/>
-                <a:ea typeface="+mn-ea"/>
-                <a:cs typeface="+mn-cs"/>
-              </a:defRPr>
-            </a:lvl9pPr>
-          </a:lstStyle>
-          <a:p>
-            <a:pPr>
-              <a:buFont typeface="Courier New" panose="02070309020205020404" pitchFamily="49" charset="0"/>
-              <a:buChar char="o"/>
-            </a:pPr>
-            <a:r>
-              <a:rPr lang="en-US" b="1" dirty="0" err="1">
-                <a:solidFill>
-                  <a:srgbClr val="262626"/>
-                </a:solidFill>
-                <a:latin typeface="+mj-lt"/>
-                <a:ea typeface="+mj-ea"/>
-                <a:cs typeface="+mj-cs"/>
-              </a:rPr>
-              <a:t>skjdfksdhf</a:t>
-            </a:r>
-            <a:endParaRPr lang="en-US" sz="2800" b="1" dirty="0">
-              <a:solidFill>
-                <a:srgbClr val="262626"/>
-              </a:solidFill>
-              <a:latin typeface="+mj-lt"/>
-              <a:ea typeface="+mj-ea"/>
-              <a:cs typeface="+mj-cs"/>
-            </a:endParaRPr>
-          </a:p>
-          <a:p>
-            <a:pPr lvl="1">
-              <a:buFont typeface="Courier New" panose="02070309020205020404" pitchFamily="49" charset="0"/>
-              <a:buChar char="o"/>
-            </a:pPr>
-            <a:endParaRPr lang="en-US" sz="2800" b="1" dirty="0">
-              <a:solidFill>
-                <a:srgbClr val="262626"/>
-              </a:solidFill>
-              <a:latin typeface="+mj-lt"/>
-              <a:ea typeface="+mj-ea"/>
-              <a:cs typeface="+mj-cs"/>
+          <a:bodyPr rtlCol="0" anchor="ctr"/>
+          <a:lstStyle/>
+          <a:p>
+            <a:pPr algn="ctr"/>
+            <a:endParaRPr lang="en-US">
+              <a:ln>
+                <a:solidFill>
+                  <a:srgbClr val="FF0000"/>
+                </a:solidFill>
+              </a:ln>
             </a:endParaRPr>
           </a:p>
         </p:txBody>
@@ -8887,7 +11195,7 @@
     </p:spTree>
     <p:extLst>
       <p:ext uri="{BB962C8B-B14F-4D97-AF65-F5344CB8AC3E}">
-        <p14:creationId xmlns:p14="http://schemas.microsoft.com/office/powerpoint/2010/main" val="147323286"/>
+        <p14:creationId xmlns:p14="http://schemas.microsoft.com/office/powerpoint/2010/main" val="1362752728"/>
       </p:ext>
     </p:extLst>
   </p:cSld>
@@ -8993,7 +11301,7 @@
           <p:cNvPr id="5" name="Content Placeholder 4" descr="Terraform &amp; Spotify Data Engineering | Python In Plain English">
             <a:extLst>
               <a:ext uri="{FF2B5EF4-FFF2-40B4-BE49-F238E27FC236}">
-                <a16:creationId xmlns:a16="http://schemas.microsoft.com/office/drawing/2014/main" id="{84D92599-E100-4725-AD6A-0D4038DE46AD}"/>
+                <a16:creationId xmlns:a16="http://schemas.microsoft.com/office/drawing/2014/main" id="{1CB322AD-0C14-4B6E-87B1-21D722FE2094}"/>
               </a:ext>
             </a:extLst>
           </p:cNvPr>
@@ -9035,309 +11343,10 @@
       </p:pic>
       <p:sp>
         <p:nvSpPr>
-          <p:cNvPr id="7" name="Title 1">
-            <a:extLst>
-              <a:ext uri="{FF2B5EF4-FFF2-40B4-BE49-F238E27FC236}">
-                <a16:creationId xmlns:a16="http://schemas.microsoft.com/office/drawing/2014/main" id="{EBA8A45B-E1A7-47EC-8A3D-B78F9CD35F1D}"/>
-              </a:ext>
-            </a:extLst>
-          </p:cNvPr>
-          <p:cNvSpPr txBox="1">
-            <a:spLocks/>
-          </p:cNvSpPr>
-          <p:nvPr/>
-        </p:nvSpPr>
-        <p:spPr>
-          <a:xfrm>
-            <a:off x="183089" y="0"/>
-            <a:ext cx="10901471" cy="1236440"/>
-          </a:xfrm>
-          <a:prstGeom prst="rect">
-            <a:avLst/>
-          </a:prstGeom>
-          <a:noFill/>
-        </p:spPr>
-        <p:txBody>
-          <a:bodyPr vert="horz" lIns="91440" tIns="45720" rIns="91440" bIns="45720" rtlCol="0" anchor="ctr">
-            <a:normAutofit/>
-          </a:bodyPr>
-          <a:lstStyle>
-            <a:lvl1pPr algn="l" defTabSz="914400" rtl="0" eaLnBrk="1" latinLnBrk="0" hangingPunct="1">
-              <a:lnSpc>
-                <a:spcPct val="90000"/>
-              </a:lnSpc>
-              <a:spcBef>
-                <a:spcPct val="0"/>
-              </a:spcBef>
-              <a:buNone/>
-              <a:defRPr sz="4400" kern="1200">
-                <a:solidFill>
-                  <a:schemeClr val="tx1"/>
-                </a:solidFill>
-                <a:latin typeface="+mj-lt"/>
-                <a:ea typeface="+mj-ea"/>
-                <a:cs typeface="+mj-cs"/>
-              </a:defRPr>
-            </a:lvl1pPr>
-          </a:lstStyle>
-          <a:p>
-            <a:endParaRPr lang="en-US" sz="4800" b="1" dirty="0">
-              <a:solidFill>
-                <a:schemeClr val="bg1"/>
-              </a:solidFill>
-            </a:endParaRPr>
-          </a:p>
-        </p:txBody>
-      </p:sp>
-      <p:sp>
-        <p:nvSpPr>
-          <p:cNvPr id="8" name="Content Placeholder 1">
-            <a:extLst>
-              <a:ext uri="{FF2B5EF4-FFF2-40B4-BE49-F238E27FC236}">
-                <a16:creationId xmlns:a16="http://schemas.microsoft.com/office/drawing/2014/main" id="{963A0821-FD19-4856-BEB2-4652D7C46FA1}"/>
-              </a:ext>
-            </a:extLst>
-          </p:cNvPr>
-          <p:cNvSpPr txBox="1">
-            <a:spLocks/>
-          </p:cNvSpPr>
-          <p:nvPr/>
-        </p:nvSpPr>
-        <p:spPr>
-          <a:xfrm>
-            <a:off x="376024" y="1520825"/>
-            <a:ext cx="6615326" cy="4351338"/>
-          </a:xfrm>
-          <a:prstGeom prst="rect">
-            <a:avLst/>
-          </a:prstGeom>
-        </p:spPr>
-        <p:txBody>
-          <a:bodyPr vert="horz" lIns="91440" tIns="45720" rIns="91440" bIns="45720" rtlCol="0">
-            <a:normAutofit/>
-          </a:bodyPr>
-          <a:lstStyle>
-            <a:lvl1pPr marL="228600" indent="-228600" algn="l" defTabSz="914400" rtl="0" eaLnBrk="1" latinLnBrk="0" hangingPunct="1">
-              <a:lnSpc>
-                <a:spcPct val="90000"/>
-              </a:lnSpc>
-              <a:spcBef>
-                <a:spcPts val="1000"/>
-              </a:spcBef>
-              <a:buFont typeface="Arial" panose="020B0604020202020204" pitchFamily="34" charset="0"/>
-              <a:buChar char="•"/>
-              <a:defRPr sz="2800" kern="1200">
-                <a:solidFill>
-                  <a:schemeClr val="tx1"/>
-                </a:solidFill>
-                <a:latin typeface="+mn-lt"/>
-                <a:ea typeface="+mn-ea"/>
-                <a:cs typeface="+mn-cs"/>
-              </a:defRPr>
-            </a:lvl1pPr>
-            <a:lvl2pPr marL="685800" indent="-228600" algn="l" defTabSz="914400" rtl="0" eaLnBrk="1" latinLnBrk="0" hangingPunct="1">
-              <a:lnSpc>
-                <a:spcPct val="90000"/>
-              </a:lnSpc>
-              <a:spcBef>
-                <a:spcPts val="500"/>
-              </a:spcBef>
-              <a:buFont typeface="Arial" panose="020B0604020202020204" pitchFamily="34" charset="0"/>
-              <a:buChar char="•"/>
-              <a:defRPr sz="2400" kern="1200">
-                <a:solidFill>
-                  <a:schemeClr val="tx1"/>
-                </a:solidFill>
-                <a:latin typeface="+mn-lt"/>
-                <a:ea typeface="+mn-ea"/>
-                <a:cs typeface="+mn-cs"/>
-              </a:defRPr>
-            </a:lvl2pPr>
-            <a:lvl3pPr marL="1143000" indent="-228600" algn="l" defTabSz="914400" rtl="0" eaLnBrk="1" latinLnBrk="0" hangingPunct="1">
-              <a:lnSpc>
-                <a:spcPct val="90000"/>
-              </a:lnSpc>
-              <a:spcBef>
-                <a:spcPts val="500"/>
-              </a:spcBef>
-              <a:buFont typeface="Arial" panose="020B0604020202020204" pitchFamily="34" charset="0"/>
-              <a:buChar char="•"/>
-              <a:defRPr sz="2000" kern="1200">
-                <a:solidFill>
-                  <a:schemeClr val="tx1"/>
-                </a:solidFill>
-                <a:latin typeface="+mn-lt"/>
-                <a:ea typeface="+mn-ea"/>
-                <a:cs typeface="+mn-cs"/>
-              </a:defRPr>
-            </a:lvl3pPr>
-            <a:lvl4pPr marL="1600200" indent="-228600" algn="l" defTabSz="914400" rtl="0" eaLnBrk="1" latinLnBrk="0" hangingPunct="1">
-              <a:lnSpc>
-                <a:spcPct val="90000"/>
-              </a:lnSpc>
-              <a:spcBef>
-                <a:spcPts val="500"/>
-              </a:spcBef>
-              <a:buFont typeface="Arial" panose="020B0604020202020204" pitchFamily="34" charset="0"/>
-              <a:buChar char="•"/>
-              <a:defRPr sz="1800" kern="1200">
-                <a:solidFill>
-                  <a:schemeClr val="tx1"/>
-                </a:solidFill>
-                <a:latin typeface="+mn-lt"/>
-                <a:ea typeface="+mn-ea"/>
-                <a:cs typeface="+mn-cs"/>
-              </a:defRPr>
-            </a:lvl4pPr>
-            <a:lvl5pPr marL="2057400" indent="-228600" algn="l" defTabSz="914400" rtl="0" eaLnBrk="1" latinLnBrk="0" hangingPunct="1">
-              <a:lnSpc>
-                <a:spcPct val="90000"/>
-              </a:lnSpc>
-              <a:spcBef>
-                <a:spcPts val="500"/>
-              </a:spcBef>
-              <a:buFont typeface="Arial" panose="020B0604020202020204" pitchFamily="34" charset="0"/>
-              <a:buChar char="•"/>
-              <a:defRPr sz="1800" kern="1200">
-                <a:solidFill>
-                  <a:schemeClr val="tx1"/>
-                </a:solidFill>
-                <a:latin typeface="+mn-lt"/>
-                <a:ea typeface="+mn-ea"/>
-                <a:cs typeface="+mn-cs"/>
-              </a:defRPr>
-            </a:lvl5pPr>
-            <a:lvl6pPr marL="2514600" indent="-228600" algn="l" defTabSz="914400" rtl="0" eaLnBrk="1" latinLnBrk="0" hangingPunct="1">
-              <a:lnSpc>
-                <a:spcPct val="90000"/>
-              </a:lnSpc>
-              <a:spcBef>
-                <a:spcPts val="500"/>
-              </a:spcBef>
-              <a:buFont typeface="Arial" panose="020B0604020202020204" pitchFamily="34" charset="0"/>
-              <a:buChar char="•"/>
-              <a:defRPr sz="1800" kern="1200">
-                <a:solidFill>
-                  <a:schemeClr val="tx1"/>
-                </a:solidFill>
-                <a:latin typeface="+mn-lt"/>
-                <a:ea typeface="+mn-ea"/>
-                <a:cs typeface="+mn-cs"/>
-              </a:defRPr>
-            </a:lvl6pPr>
-            <a:lvl7pPr marL="2971800" indent="-228600" algn="l" defTabSz="914400" rtl="0" eaLnBrk="1" latinLnBrk="0" hangingPunct="1">
-              <a:lnSpc>
-                <a:spcPct val="90000"/>
-              </a:lnSpc>
-              <a:spcBef>
-                <a:spcPts val="500"/>
-              </a:spcBef>
-              <a:buFont typeface="Arial" panose="020B0604020202020204" pitchFamily="34" charset="0"/>
-              <a:buChar char="•"/>
-              <a:defRPr sz="1800" kern="1200">
-                <a:solidFill>
-                  <a:schemeClr val="tx1"/>
-                </a:solidFill>
-                <a:latin typeface="+mn-lt"/>
-                <a:ea typeface="+mn-ea"/>
-                <a:cs typeface="+mn-cs"/>
-              </a:defRPr>
-            </a:lvl7pPr>
-            <a:lvl8pPr marL="3429000" indent="-228600" algn="l" defTabSz="914400" rtl="0" eaLnBrk="1" latinLnBrk="0" hangingPunct="1">
-              <a:lnSpc>
-                <a:spcPct val="90000"/>
-              </a:lnSpc>
-              <a:spcBef>
-                <a:spcPts val="500"/>
-              </a:spcBef>
-              <a:buFont typeface="Arial" panose="020B0604020202020204" pitchFamily="34" charset="0"/>
-              <a:buChar char="•"/>
-              <a:defRPr sz="1800" kern="1200">
-                <a:solidFill>
-                  <a:schemeClr val="tx1"/>
-                </a:solidFill>
-                <a:latin typeface="+mn-lt"/>
-                <a:ea typeface="+mn-ea"/>
-                <a:cs typeface="+mn-cs"/>
-              </a:defRPr>
-            </a:lvl8pPr>
-            <a:lvl9pPr marL="3886200" indent="-228600" algn="l" defTabSz="914400" rtl="0" eaLnBrk="1" latinLnBrk="0" hangingPunct="1">
-              <a:lnSpc>
-                <a:spcPct val="90000"/>
-              </a:lnSpc>
-              <a:spcBef>
-                <a:spcPts val="500"/>
-              </a:spcBef>
-              <a:buFont typeface="Arial" panose="020B0604020202020204" pitchFamily="34" charset="0"/>
-              <a:buChar char="•"/>
-              <a:defRPr sz="1800" kern="1200">
-                <a:solidFill>
-                  <a:schemeClr val="tx1"/>
-                </a:solidFill>
-                <a:latin typeface="+mn-lt"/>
-                <a:ea typeface="+mn-ea"/>
-                <a:cs typeface="+mn-cs"/>
-              </a:defRPr>
-            </a:lvl9pPr>
-          </a:lstStyle>
-          <a:p>
-            <a:pPr>
-              <a:buFont typeface="Courier New" panose="02070309020205020404" pitchFamily="49" charset="0"/>
-              <a:buChar char="o"/>
-            </a:pPr>
-            <a:r>
-              <a:rPr lang="en-US" b="1" dirty="0">
-                <a:solidFill>
-                  <a:srgbClr val="262626"/>
-                </a:solidFill>
-                <a:latin typeface="+mj-lt"/>
-                <a:ea typeface="+mj-ea"/>
-                <a:cs typeface="+mj-cs"/>
-              </a:rPr>
-              <a:t> </a:t>
-            </a:r>
-            <a:r>
-              <a:rPr lang="en-US" b="1" dirty="0" err="1">
-                <a:solidFill>
-                  <a:srgbClr val="262626"/>
-                </a:solidFill>
-                <a:latin typeface="+mj-lt"/>
-                <a:ea typeface="+mj-ea"/>
-                <a:cs typeface="+mj-cs"/>
-              </a:rPr>
-              <a:t>ldsjfkdsfks</a:t>
-            </a:r>
-            <a:endParaRPr lang="en-US" sz="2800" b="1" dirty="0">
-              <a:solidFill>
-                <a:srgbClr val="262626"/>
-              </a:solidFill>
-              <a:latin typeface="+mj-lt"/>
-              <a:ea typeface="+mj-ea"/>
-              <a:cs typeface="+mj-cs"/>
-            </a:endParaRPr>
-          </a:p>
-          <a:p>
-            <a:pPr lvl="1">
-              <a:buFont typeface="Courier New" panose="02070309020205020404" pitchFamily="49" charset="0"/>
-              <a:buChar char="o"/>
-            </a:pPr>
-            <a:endParaRPr lang="en-US" sz="2800" b="1" dirty="0">
-              <a:solidFill>
-                <a:srgbClr val="262626"/>
-              </a:solidFill>
-              <a:latin typeface="+mj-lt"/>
-              <a:ea typeface="+mj-ea"/>
-              <a:cs typeface="+mj-cs"/>
-            </a:endParaRPr>
-          </a:p>
-        </p:txBody>
-      </p:sp>
-      <p:sp>
-        <p:nvSpPr>
-          <p:cNvPr id="9" name="Title 1">
-            <a:extLst>
-              <a:ext uri="{FF2B5EF4-FFF2-40B4-BE49-F238E27FC236}">
-                <a16:creationId xmlns:a16="http://schemas.microsoft.com/office/drawing/2014/main" id="{E49AA69A-92C5-4D28-A84A-D4CC39C5635E}"/>
+          <p:cNvPr id="8" name="Title 1">
+            <a:extLst>
+              <a:ext uri="{FF2B5EF4-FFF2-40B4-BE49-F238E27FC236}">
+                <a16:creationId xmlns:a16="http://schemas.microsoft.com/office/drawing/2014/main" id="{D9DFD1F7-1CAA-4059-8E9F-3A5144453FCF}"/>
               </a:ext>
             </a:extLst>
           </p:cNvPr>
@@ -9398,10 +11407,274 @@
           </a:p>
         </p:txBody>
       </p:sp>
+      <p:pic>
+        <p:nvPicPr>
+          <p:cNvPr id="3" name="Picture 2" descr="Chart, scatter chart&#10;&#10;Description automatically generated">
+            <a:extLst>
+              <a:ext uri="{FF2B5EF4-FFF2-40B4-BE49-F238E27FC236}">
+                <a16:creationId xmlns:a16="http://schemas.microsoft.com/office/drawing/2014/main" id="{BEE24786-917D-41D0-83EB-F0BC9085B5F8}"/>
+              </a:ext>
+            </a:extLst>
+          </p:cNvPr>
+          <p:cNvPicPr>
+            <a:picLocks noChangeAspect="1"/>
+          </p:cNvPicPr>
+          <p:nvPr/>
+        </p:nvPicPr>
+        <p:blipFill>
+          <a:blip r:embed="rId3">
+            <a:extLst>
+              <a:ext uri="{28A0092B-C50C-407E-A947-70E740481C1C}">
+                <a14:useLocalDpi xmlns:a14="http://schemas.microsoft.com/office/drawing/2010/main" val="0"/>
+              </a:ext>
+            </a:extLst>
+          </a:blip>
+          <a:stretch>
+            <a:fillRect/>
+          </a:stretch>
+        </p:blipFill>
+        <p:spPr>
+          <a:xfrm>
+            <a:off x="1045203" y="1599783"/>
+            <a:ext cx="5487650" cy="3658433"/>
+          </a:xfrm>
+          <a:prstGeom prst="rect">
+            <a:avLst/>
+          </a:prstGeom>
+          <a:ln w="38100">
+            <a:solidFill>
+              <a:srgbClr val="1ED760"/>
+            </a:solidFill>
+          </a:ln>
+        </p:spPr>
+      </p:pic>
+      <p:sp>
+        <p:nvSpPr>
+          <p:cNvPr id="9" name="Title 1">
+            <a:extLst>
+              <a:ext uri="{FF2B5EF4-FFF2-40B4-BE49-F238E27FC236}">
+                <a16:creationId xmlns:a16="http://schemas.microsoft.com/office/drawing/2014/main" id="{93CFEEBA-B8C9-40E3-89AD-98EB11AF5C92}"/>
+              </a:ext>
+            </a:extLst>
+          </p:cNvPr>
+          <p:cNvSpPr txBox="1">
+            <a:spLocks/>
+          </p:cNvSpPr>
+          <p:nvPr/>
+        </p:nvSpPr>
+        <p:spPr>
+          <a:xfrm>
+            <a:off x="7403089" y="368969"/>
+            <a:ext cx="4788911" cy="6031830"/>
+          </a:xfrm>
+          <a:prstGeom prst="rect">
+            <a:avLst/>
+          </a:prstGeom>
+          <a:noFill/>
+        </p:spPr>
+        <p:txBody>
+          <a:bodyPr vert="horz" lIns="91440" tIns="45720" rIns="91440" bIns="45720" rtlCol="0" anchor="t">
+            <a:normAutofit/>
+          </a:bodyPr>
+          <a:lstStyle>
+            <a:lvl1pPr algn="l" defTabSz="914400" rtl="0" eaLnBrk="1" latinLnBrk="0" hangingPunct="1">
+              <a:lnSpc>
+                <a:spcPct val="90000"/>
+              </a:lnSpc>
+              <a:spcBef>
+                <a:spcPct val="0"/>
+              </a:spcBef>
+              <a:buNone/>
+              <a:defRPr sz="4400" kern="1200">
+                <a:solidFill>
+                  <a:schemeClr val="tx1"/>
+                </a:solidFill>
+                <a:latin typeface="+mj-lt"/>
+                <a:ea typeface="+mj-ea"/>
+                <a:cs typeface="+mj-cs"/>
+              </a:defRPr>
+            </a:lvl1pPr>
+          </a:lstStyle>
+          <a:p>
+            <a:pPr algn="ctr"/>
+            <a:r>
+              <a:rPr lang="en-US" sz="2200" b="1" dirty="0">
+                <a:solidFill>
+                  <a:srgbClr val="1ED760"/>
+                </a:solidFill>
+              </a:rPr>
+              <a:t>Stream Count by Release Year</a:t>
+            </a:r>
+          </a:p>
+          <a:p>
+            <a:pPr>
+              <a:buClr>
+                <a:schemeClr val="bg1"/>
+              </a:buClr>
+            </a:pPr>
+            <a:endParaRPr lang="en-US" sz="2200" b="1" dirty="0">
+              <a:solidFill>
+                <a:schemeClr val="bg1"/>
+              </a:solidFill>
+            </a:endParaRPr>
+          </a:p>
+          <a:p>
+            <a:pPr marL="457200" indent="-457200">
+              <a:buClr>
+                <a:schemeClr val="bg1"/>
+              </a:buClr>
+              <a:buBlip>
+                <a:blip r:embed="rId4">
+                  <a:extLst>
+                    <a:ext uri="{837473B0-CC2E-450A-ABE3-18F120FF3D39}">
+                      <a1611:picAttrSrcUrl xmlns:a1611="http://schemas.microsoft.com/office/drawing/2016/11/main" r:id="rId5"/>
+                    </a:ext>
+                  </a:extLst>
+                </a:blip>
+              </a:buBlip>
+            </a:pPr>
+            <a:r>
+              <a:rPr lang="en-US" sz="2200" b="1" dirty="0">
+                <a:solidFill>
+                  <a:schemeClr val="bg1"/>
+                </a:solidFill>
+              </a:rPr>
+              <a:t>Based off the data represented in the correlation map, The Janitors can conclude that there is a weak (to no) correlation tied between the stream count as the years progress. </a:t>
+            </a:r>
+          </a:p>
+          <a:p>
+            <a:pPr marL="457200" indent="-457200">
+              <a:buClr>
+                <a:schemeClr val="bg1"/>
+              </a:buClr>
+              <a:buBlip>
+                <a:blip r:embed="rId4">
+                  <a:extLst>
+                    <a:ext uri="{837473B0-CC2E-450A-ABE3-18F120FF3D39}">
+                      <a1611:picAttrSrcUrl xmlns:a1611="http://schemas.microsoft.com/office/drawing/2016/11/main" r:id="rId5"/>
+                    </a:ext>
+                  </a:extLst>
+                </a:blip>
+              </a:buBlip>
+            </a:pPr>
+            <a:endParaRPr lang="en-US" sz="2200" b="1" dirty="0">
+              <a:solidFill>
+                <a:schemeClr val="bg1"/>
+              </a:solidFill>
+            </a:endParaRPr>
+          </a:p>
+          <a:p>
+            <a:pPr marL="457200" indent="-457200">
+              <a:buClr>
+                <a:schemeClr val="bg1"/>
+              </a:buClr>
+              <a:buBlip>
+                <a:blip r:embed="rId4">
+                  <a:extLst>
+                    <a:ext uri="{837473B0-CC2E-450A-ABE3-18F120FF3D39}">
+                      <a1611:picAttrSrcUrl xmlns:a1611="http://schemas.microsoft.com/office/drawing/2016/11/main" r:id="rId5"/>
+                    </a:ext>
+                  </a:extLst>
+                </a:blip>
+              </a:buBlip>
+            </a:pPr>
+            <a:r>
+              <a:rPr lang="en-US" sz="2200" b="1" dirty="0">
+                <a:solidFill>
+                  <a:schemeClr val="bg1"/>
+                </a:solidFill>
+              </a:rPr>
+              <a:t>In contrast to our previous graph, there are several outliers causing our data points to skew. </a:t>
+            </a:r>
+          </a:p>
+          <a:p>
+            <a:pPr marL="457200" indent="-457200">
+              <a:buClr>
+                <a:schemeClr val="bg1"/>
+              </a:buClr>
+              <a:buBlip>
+                <a:blip r:embed="rId4">
+                  <a:extLst>
+                    <a:ext uri="{837473B0-CC2E-450A-ABE3-18F120FF3D39}">
+                      <a1611:picAttrSrcUrl xmlns:a1611="http://schemas.microsoft.com/office/drawing/2016/11/main" r:id="rId5"/>
+                    </a:ext>
+                  </a:extLst>
+                </a:blip>
+              </a:buBlip>
+            </a:pPr>
+            <a:endParaRPr lang="en-US" sz="2200" b="1" dirty="0">
+              <a:solidFill>
+                <a:schemeClr val="bg1"/>
+              </a:solidFill>
+            </a:endParaRPr>
+          </a:p>
+          <a:p>
+            <a:pPr marL="457200" indent="-457200">
+              <a:buClr>
+                <a:schemeClr val="bg1"/>
+              </a:buClr>
+              <a:buBlip>
+                <a:blip r:embed="rId4">
+                  <a:extLst>
+                    <a:ext uri="{837473B0-CC2E-450A-ABE3-18F120FF3D39}">
+                      <a1611:picAttrSrcUrl xmlns:a1611="http://schemas.microsoft.com/office/drawing/2016/11/main" r:id="rId5"/>
+                    </a:ext>
+                  </a:extLst>
+                </a:blip>
+              </a:buBlip>
+            </a:pPr>
+            <a:r>
+              <a:rPr lang="en-US" sz="2200" b="1" dirty="0">
+                <a:solidFill>
+                  <a:schemeClr val="bg1"/>
+                </a:solidFill>
+              </a:rPr>
+              <a:t>Theoretically, one would conclude that with modern technology and booming streaming industry, the stream counts would directly tie as the years progress. </a:t>
+            </a:r>
+          </a:p>
+          <a:p>
+            <a:pPr marL="457200" indent="-457200">
+              <a:buClr>
+                <a:schemeClr val="bg1"/>
+              </a:buClr>
+              <a:buBlip>
+                <a:blip r:embed="rId4">
+                  <a:extLst>
+                    <a:ext uri="{837473B0-CC2E-450A-ABE3-18F120FF3D39}">
+                      <a1611:picAttrSrcUrl xmlns:a1611="http://schemas.microsoft.com/office/drawing/2016/11/main" r:id="rId5"/>
+                    </a:ext>
+                  </a:extLst>
+                </a:blip>
+              </a:buBlip>
+            </a:pPr>
+            <a:endParaRPr lang="en-US" sz="2200" b="1" dirty="0">
+              <a:solidFill>
+                <a:schemeClr val="bg1"/>
+              </a:solidFill>
+            </a:endParaRPr>
+          </a:p>
+          <a:p>
+            <a:pPr algn="ctr"/>
+            <a:endParaRPr lang="en-US" sz="2200" b="1" dirty="0">
+              <a:solidFill>
+                <a:schemeClr val="bg1"/>
+              </a:solidFill>
+            </a:endParaRPr>
+          </a:p>
+          <a:p>
+            <a:pPr algn="ctr"/>
+            <a:endParaRPr lang="en-US" sz="2200" b="1" dirty="0">
+              <a:solidFill>
+                <a:schemeClr val="bg1"/>
+              </a:solidFill>
+            </a:endParaRPr>
+          </a:p>
+        </p:txBody>
+      </p:sp>
     </p:spTree>
     <p:extLst>
       <p:ext uri="{BB962C8B-B14F-4D97-AF65-F5344CB8AC3E}">
-        <p14:creationId xmlns:p14="http://schemas.microsoft.com/office/powerpoint/2010/main" val="1362752728"/>
+        <p14:creationId xmlns:p14="http://schemas.microsoft.com/office/powerpoint/2010/main" val="147323286"/>
       </p:ext>
     </p:extLst>
   </p:cSld>

--- a/Spotipy Presentation 10.27.pptx
+++ b/Spotipy Presentation 10.27.pptx
@@ -10,16 +10,20 @@
     <p:sldId id="257" r:id="rId4"/>
     <p:sldId id="262" r:id="rId5"/>
     <p:sldId id="263" r:id="rId6"/>
-    <p:sldId id="264" r:id="rId7"/>
-    <p:sldId id="260" r:id="rId8"/>
-    <p:sldId id="259" r:id="rId9"/>
-    <p:sldId id="261" r:id="rId10"/>
-    <p:sldId id="270" r:id="rId11"/>
-    <p:sldId id="271" r:id="rId12"/>
-    <p:sldId id="272" r:id="rId13"/>
-    <p:sldId id="273" r:id="rId14"/>
-    <p:sldId id="258" r:id="rId15"/>
-    <p:sldId id="266" r:id="rId16"/>
+    <p:sldId id="277" r:id="rId7"/>
+    <p:sldId id="276" r:id="rId8"/>
+    <p:sldId id="274" r:id="rId9"/>
+    <p:sldId id="264" r:id="rId10"/>
+    <p:sldId id="260" r:id="rId11"/>
+    <p:sldId id="259" r:id="rId12"/>
+    <p:sldId id="261" r:id="rId13"/>
+    <p:sldId id="270" r:id="rId14"/>
+    <p:sldId id="271" r:id="rId15"/>
+    <p:sldId id="272" r:id="rId16"/>
+    <p:sldId id="273" r:id="rId17"/>
+    <p:sldId id="275" r:id="rId18"/>
+    <p:sldId id="258" r:id="rId19"/>
+    <p:sldId id="266" r:id="rId20"/>
   </p:sldIdLst>
   <p:sldSz cx="12192000" cy="6858000"/>
   <p:notesSz cx="6858000" cy="9144000"/>
@@ -3744,37 +3748,8 @@
           <a:bodyPr rtlCol="0" anchor="ctr"/>
           <a:lstStyle/>
           <a:p>
-            <a:pPr marL="0" marR="0" lvl="0" indent="0" algn="ctr" defTabSz="914400" rtl="0" eaLnBrk="1" fontAlgn="auto" latinLnBrk="0" hangingPunct="1">
-              <a:lnSpc>
-                <a:spcPct val="100000"/>
-              </a:lnSpc>
-              <a:spcBef>
-                <a:spcPts val="0"/>
-              </a:spcBef>
-              <a:spcAft>
-                <a:spcPts val="0"/>
-              </a:spcAft>
-              <a:buClrTx/>
-              <a:buSzTx/>
-              <a:buFontTx/>
-              <a:buNone/>
-              <a:tabLst/>
-              <a:defRPr/>
-            </a:pPr>
-            <a:endParaRPr kumimoji="0" lang="en-US" sz="1800" b="0" i="0" u="none" strike="noStrike" kern="1200" cap="none" spc="0" normalizeH="0" baseline="0" noProof="0">
-              <a:ln>
-                <a:noFill/>
-              </a:ln>
-              <a:solidFill>
-                <a:prstClr val="white"/>
-              </a:solidFill>
-              <a:effectLst/>
-              <a:uLnTx/>
-              <a:uFillTx/>
-              <a:latin typeface="Calibri" panose="020F0502020204030204"/>
-              <a:ea typeface="+mn-ea"/>
-              <a:cs typeface="+mn-cs"/>
-            </a:endParaRPr>
+            <a:pPr algn="ctr"/>
+            <a:endParaRPr lang="en-US"/>
           </a:p>
         </p:txBody>
       </p:sp>
@@ -3783,7 +3758,7 @@
           <p:cNvPr id="5" name="Content Placeholder 4" descr="Terraform &amp; Spotify Data Engineering | Python In Plain English">
             <a:extLst>
               <a:ext uri="{FF2B5EF4-FFF2-40B4-BE49-F238E27FC236}">
-                <a16:creationId xmlns:a16="http://schemas.microsoft.com/office/drawing/2014/main" id="{843EDE0C-EB57-4DD9-98B2-9FF5C24A7B94}"/>
+                <a16:creationId xmlns:a16="http://schemas.microsoft.com/office/drawing/2014/main" id="{84D92599-E100-4725-AD6A-0D4038DE46AD}"/>
               </a:ext>
             </a:extLst>
           </p:cNvPr>
@@ -3825,10 +3800,66 @@
       </p:pic>
       <p:sp>
         <p:nvSpPr>
+          <p:cNvPr id="7" name="Title 1">
+            <a:extLst>
+              <a:ext uri="{FF2B5EF4-FFF2-40B4-BE49-F238E27FC236}">
+                <a16:creationId xmlns:a16="http://schemas.microsoft.com/office/drawing/2014/main" id="{EBA8A45B-E1A7-47EC-8A3D-B78F9CD35F1D}"/>
+              </a:ext>
+            </a:extLst>
+          </p:cNvPr>
+          <p:cNvSpPr txBox="1">
+            <a:spLocks/>
+          </p:cNvSpPr>
+          <p:nvPr/>
+        </p:nvSpPr>
+        <p:spPr>
+          <a:xfrm>
+            <a:off x="183089" y="0"/>
+            <a:ext cx="10901471" cy="1236440"/>
+          </a:xfrm>
+          <a:prstGeom prst="rect">
+            <a:avLst/>
+          </a:prstGeom>
+          <a:noFill/>
+        </p:spPr>
+        <p:txBody>
+          <a:bodyPr vert="horz" lIns="91440" tIns="45720" rIns="91440" bIns="45720" rtlCol="0" anchor="ctr">
+            <a:normAutofit/>
+          </a:bodyPr>
+          <a:lstStyle>
+            <a:lvl1pPr algn="l" defTabSz="914400" rtl="0" eaLnBrk="1" latinLnBrk="0" hangingPunct="1">
+              <a:lnSpc>
+                <a:spcPct val="90000"/>
+              </a:lnSpc>
+              <a:spcBef>
+                <a:spcPct val="0"/>
+              </a:spcBef>
+              <a:buNone/>
+              <a:defRPr sz="4400" kern="1200">
+                <a:solidFill>
+                  <a:schemeClr val="tx1"/>
+                </a:solidFill>
+                <a:latin typeface="+mj-lt"/>
+                <a:ea typeface="+mj-ea"/>
+                <a:cs typeface="+mj-cs"/>
+              </a:defRPr>
+            </a:lvl1pPr>
+          </a:lstStyle>
+          <a:p>
+            <a:endParaRPr lang="en-US" sz="4800" b="1" dirty="0">
+              <a:solidFill>
+                <a:schemeClr val="bg1"/>
+              </a:solidFill>
+            </a:endParaRPr>
+          </a:p>
+        </p:txBody>
+      </p:sp>
+      <p:sp>
+        <p:nvSpPr>
           <p:cNvPr id="9" name="Title 1">
             <a:extLst>
               <a:ext uri="{FF2B5EF4-FFF2-40B4-BE49-F238E27FC236}">
-                <a16:creationId xmlns:a16="http://schemas.microsoft.com/office/drawing/2014/main" id="{426BB233-A55B-4835-80DC-FA6CA4516D5E}"/>
+                <a16:creationId xmlns:a16="http://schemas.microsoft.com/office/drawing/2014/main" id="{E49AA69A-92C5-4D28-A84A-D4CC39C5635E}"/>
               </a:ext>
             </a:extLst>
           </p:cNvPr>
@@ -3871,346 +3902,113 @@
             </a:lvl1pPr>
           </a:lstStyle>
           <a:p>
-            <a:pPr marL="0" marR="0" lvl="0" indent="0" algn="l" defTabSz="914400" rtl="0" eaLnBrk="1" fontAlgn="auto" latinLnBrk="0" hangingPunct="1">
-              <a:lnSpc>
-                <a:spcPct val="90000"/>
-              </a:lnSpc>
-              <a:spcBef>
-                <a:spcPct val="0"/>
-              </a:spcBef>
-              <a:spcAft>
-                <a:spcPts val="0"/>
-              </a:spcAft>
-              <a:buClrTx/>
-              <a:buSzTx/>
-              <a:buFontTx/>
-              <a:buNone/>
-              <a:tabLst/>
-              <a:defRPr/>
-            </a:pPr>
             <a:r>
-              <a:rPr kumimoji="0" lang="en-US" sz="4000" b="1" i="1" u="none" strike="noStrike" kern="1200" cap="none" spc="0" normalizeH="0" baseline="0" noProof="0" dirty="0">
-                <a:ln>
-                  <a:noFill/>
-                </a:ln>
+              <a:rPr lang="en-US" sz="4000" b="1" i="1" dirty="0">
                 <a:solidFill>
                   <a:srgbClr val="1ED760"/>
                 </a:solidFill>
-                <a:effectLst/>
-                <a:uLnTx/>
-                <a:uFillTx/>
                 <a:latin typeface="Ink Free" panose="03080402000500000000" pitchFamily="66" charset="0"/>
-                <a:ea typeface="+mj-ea"/>
-                <a:cs typeface="+mj-cs"/>
               </a:rPr>
-              <a:t>o u r   g r a p h s</a:t>
+              <a:t>c o d e</a:t>
             </a:r>
-            <a:endParaRPr kumimoji="0" lang="en-US" sz="2800" b="1" i="1" u="none" strike="noStrike" kern="1200" cap="none" spc="0" normalizeH="0" baseline="0" noProof="0" dirty="0">
-              <a:ln>
-                <a:noFill/>
-              </a:ln>
+            <a:endParaRPr lang="en-US" sz="2800" b="1" i="1" dirty="0">
               <a:solidFill>
-                <a:prstClr val="white"/>
+                <a:schemeClr val="bg1"/>
               </a:solidFill>
-              <a:effectLst/>
-              <a:uLnTx/>
-              <a:uFillTx/>
               <a:latin typeface="Ink Free" panose="03080402000500000000" pitchFamily="66" charset="0"/>
-              <a:ea typeface="+mj-ea"/>
-              <a:cs typeface="+mj-cs"/>
             </a:endParaRPr>
           </a:p>
         </p:txBody>
       </p:sp>
+      <p:pic>
+        <p:nvPicPr>
+          <p:cNvPr id="10" name="Picture 9">
+            <a:extLst>
+              <a:ext uri="{FF2B5EF4-FFF2-40B4-BE49-F238E27FC236}">
+                <a16:creationId xmlns:a16="http://schemas.microsoft.com/office/drawing/2014/main" id="{00A35371-46AB-4218-8914-10D7982FD810}"/>
+              </a:ext>
+            </a:extLst>
+          </p:cNvPr>
+          <p:cNvPicPr>
+            <a:picLocks noChangeAspect="1"/>
+          </p:cNvPicPr>
+          <p:nvPr/>
+        </p:nvPicPr>
+        <p:blipFill>
+          <a:blip r:embed="rId3"/>
+          <a:stretch>
+            <a:fillRect/>
+          </a:stretch>
+        </p:blipFill>
+        <p:spPr>
+          <a:xfrm>
+            <a:off x="1357312" y="1652587"/>
+            <a:ext cx="9477375" cy="3552825"/>
+          </a:xfrm>
+          <a:prstGeom prst="rect">
+            <a:avLst/>
+          </a:prstGeom>
+          <a:ln w="38100">
+            <a:solidFill>
+              <a:srgbClr val="1ED760"/>
+            </a:solidFill>
+          </a:ln>
+        </p:spPr>
+      </p:pic>
       <p:sp>
         <p:nvSpPr>
-          <p:cNvPr id="10" name="Content Placeholder 1">
-            <a:extLst>
-              <a:ext uri="{FF2B5EF4-FFF2-40B4-BE49-F238E27FC236}">
-                <a16:creationId xmlns:a16="http://schemas.microsoft.com/office/drawing/2014/main" id="{F8009F92-071A-49E2-81A1-83C7D84ED0E9}"/>
-              </a:ext>
-            </a:extLst>
-          </p:cNvPr>
-          <p:cNvSpPr txBox="1">
-            <a:spLocks/>
-          </p:cNvSpPr>
+          <p:cNvPr id="2" name="Rectangle 1">
+            <a:extLst>
+              <a:ext uri="{FF2B5EF4-FFF2-40B4-BE49-F238E27FC236}">
+                <a16:creationId xmlns:a16="http://schemas.microsoft.com/office/drawing/2014/main" id="{C857CCFD-0755-4A27-B79A-6A2B1BEBB692}"/>
+              </a:ext>
+            </a:extLst>
+          </p:cNvPr>
+          <p:cNvSpPr/>
           <p:nvPr/>
         </p:nvSpPr>
         <p:spPr>
           <a:xfrm>
-            <a:off x="376024" y="1520825"/>
-            <a:ext cx="6615326" cy="4351338"/>
+            <a:off x="6509857" y="4865615"/>
+            <a:ext cx="620785" cy="339797"/>
           </a:xfrm>
           <a:prstGeom prst="rect">
             <a:avLst/>
           </a:prstGeom>
+          <a:noFill/>
+          <a:ln w="38100">
+            <a:solidFill>
+              <a:srgbClr val="FF0000"/>
+            </a:solidFill>
+          </a:ln>
         </p:spPr>
+        <p:style>
+          <a:lnRef idx="2">
+            <a:schemeClr val="accent1">
+              <a:shade val="50000"/>
+            </a:schemeClr>
+          </a:lnRef>
+          <a:fillRef idx="1">
+            <a:schemeClr val="accent1"/>
+          </a:fillRef>
+          <a:effectRef idx="0">
+            <a:schemeClr val="accent1"/>
+          </a:effectRef>
+          <a:fontRef idx="minor">
+            <a:schemeClr val="lt1"/>
+          </a:fontRef>
+        </p:style>
         <p:txBody>
-          <a:bodyPr vert="horz" lIns="91440" tIns="45720" rIns="91440" bIns="45720" rtlCol="0">
-            <a:normAutofit/>
-          </a:bodyPr>
-          <a:lstStyle>
-            <a:lvl1pPr marL="228600" indent="-228600" algn="l" defTabSz="914400" rtl="0" eaLnBrk="1" latinLnBrk="0" hangingPunct="1">
-              <a:lnSpc>
-                <a:spcPct val="90000"/>
-              </a:lnSpc>
-              <a:spcBef>
-                <a:spcPts val="1000"/>
-              </a:spcBef>
-              <a:buFont typeface="Arial" panose="020B0604020202020204" pitchFamily="34" charset="0"/>
-              <a:buChar char="•"/>
-              <a:defRPr sz="2800" kern="1200">
-                <a:solidFill>
-                  <a:schemeClr val="tx1"/>
-                </a:solidFill>
-                <a:latin typeface="+mn-lt"/>
-                <a:ea typeface="+mn-ea"/>
-                <a:cs typeface="+mn-cs"/>
-              </a:defRPr>
-            </a:lvl1pPr>
-            <a:lvl2pPr marL="685800" indent="-228600" algn="l" defTabSz="914400" rtl="0" eaLnBrk="1" latinLnBrk="0" hangingPunct="1">
-              <a:lnSpc>
-                <a:spcPct val="90000"/>
-              </a:lnSpc>
-              <a:spcBef>
-                <a:spcPts val="500"/>
-              </a:spcBef>
-              <a:buFont typeface="Arial" panose="020B0604020202020204" pitchFamily="34" charset="0"/>
-              <a:buChar char="•"/>
-              <a:defRPr sz="2400" kern="1200">
-                <a:solidFill>
-                  <a:schemeClr val="tx1"/>
-                </a:solidFill>
-                <a:latin typeface="+mn-lt"/>
-                <a:ea typeface="+mn-ea"/>
-                <a:cs typeface="+mn-cs"/>
-              </a:defRPr>
-            </a:lvl2pPr>
-            <a:lvl3pPr marL="1143000" indent="-228600" algn="l" defTabSz="914400" rtl="0" eaLnBrk="1" latinLnBrk="0" hangingPunct="1">
-              <a:lnSpc>
-                <a:spcPct val="90000"/>
-              </a:lnSpc>
-              <a:spcBef>
-                <a:spcPts val="500"/>
-              </a:spcBef>
-              <a:buFont typeface="Arial" panose="020B0604020202020204" pitchFamily="34" charset="0"/>
-              <a:buChar char="•"/>
-              <a:defRPr sz="2000" kern="1200">
-                <a:solidFill>
-                  <a:schemeClr val="tx1"/>
-                </a:solidFill>
-                <a:latin typeface="+mn-lt"/>
-                <a:ea typeface="+mn-ea"/>
-                <a:cs typeface="+mn-cs"/>
-              </a:defRPr>
-            </a:lvl3pPr>
-            <a:lvl4pPr marL="1600200" indent="-228600" algn="l" defTabSz="914400" rtl="0" eaLnBrk="1" latinLnBrk="0" hangingPunct="1">
-              <a:lnSpc>
-                <a:spcPct val="90000"/>
-              </a:lnSpc>
-              <a:spcBef>
-                <a:spcPts val="500"/>
-              </a:spcBef>
-              <a:buFont typeface="Arial" panose="020B0604020202020204" pitchFamily="34" charset="0"/>
-              <a:buChar char="•"/>
-              <a:defRPr sz="1800" kern="1200">
-                <a:solidFill>
-                  <a:schemeClr val="tx1"/>
-                </a:solidFill>
-                <a:latin typeface="+mn-lt"/>
-                <a:ea typeface="+mn-ea"/>
-                <a:cs typeface="+mn-cs"/>
-              </a:defRPr>
-            </a:lvl4pPr>
-            <a:lvl5pPr marL="2057400" indent="-228600" algn="l" defTabSz="914400" rtl="0" eaLnBrk="1" latinLnBrk="0" hangingPunct="1">
-              <a:lnSpc>
-                <a:spcPct val="90000"/>
-              </a:lnSpc>
-              <a:spcBef>
-                <a:spcPts val="500"/>
-              </a:spcBef>
-              <a:buFont typeface="Arial" panose="020B0604020202020204" pitchFamily="34" charset="0"/>
-              <a:buChar char="•"/>
-              <a:defRPr sz="1800" kern="1200">
-                <a:solidFill>
-                  <a:schemeClr val="tx1"/>
-                </a:solidFill>
-                <a:latin typeface="+mn-lt"/>
-                <a:ea typeface="+mn-ea"/>
-                <a:cs typeface="+mn-cs"/>
-              </a:defRPr>
-            </a:lvl5pPr>
-            <a:lvl6pPr marL="2514600" indent="-228600" algn="l" defTabSz="914400" rtl="0" eaLnBrk="1" latinLnBrk="0" hangingPunct="1">
-              <a:lnSpc>
-                <a:spcPct val="90000"/>
-              </a:lnSpc>
-              <a:spcBef>
-                <a:spcPts val="500"/>
-              </a:spcBef>
-              <a:buFont typeface="Arial" panose="020B0604020202020204" pitchFamily="34" charset="0"/>
-              <a:buChar char="•"/>
-              <a:defRPr sz="1800" kern="1200">
-                <a:solidFill>
-                  <a:schemeClr val="tx1"/>
-                </a:solidFill>
-                <a:latin typeface="+mn-lt"/>
-                <a:ea typeface="+mn-ea"/>
-                <a:cs typeface="+mn-cs"/>
-              </a:defRPr>
-            </a:lvl6pPr>
-            <a:lvl7pPr marL="2971800" indent="-228600" algn="l" defTabSz="914400" rtl="0" eaLnBrk="1" latinLnBrk="0" hangingPunct="1">
-              <a:lnSpc>
-                <a:spcPct val="90000"/>
-              </a:lnSpc>
-              <a:spcBef>
-                <a:spcPts val="500"/>
-              </a:spcBef>
-              <a:buFont typeface="Arial" panose="020B0604020202020204" pitchFamily="34" charset="0"/>
-              <a:buChar char="•"/>
-              <a:defRPr sz="1800" kern="1200">
-                <a:solidFill>
-                  <a:schemeClr val="tx1"/>
-                </a:solidFill>
-                <a:latin typeface="+mn-lt"/>
-                <a:ea typeface="+mn-ea"/>
-                <a:cs typeface="+mn-cs"/>
-              </a:defRPr>
-            </a:lvl7pPr>
-            <a:lvl8pPr marL="3429000" indent="-228600" algn="l" defTabSz="914400" rtl="0" eaLnBrk="1" latinLnBrk="0" hangingPunct="1">
-              <a:lnSpc>
-                <a:spcPct val="90000"/>
-              </a:lnSpc>
-              <a:spcBef>
-                <a:spcPts val="500"/>
-              </a:spcBef>
-              <a:buFont typeface="Arial" panose="020B0604020202020204" pitchFamily="34" charset="0"/>
-              <a:buChar char="•"/>
-              <a:defRPr sz="1800" kern="1200">
-                <a:solidFill>
-                  <a:schemeClr val="tx1"/>
-                </a:solidFill>
-                <a:latin typeface="+mn-lt"/>
-                <a:ea typeface="+mn-ea"/>
-                <a:cs typeface="+mn-cs"/>
-              </a:defRPr>
-            </a:lvl8pPr>
-            <a:lvl9pPr marL="3886200" indent="-228600" algn="l" defTabSz="914400" rtl="0" eaLnBrk="1" latinLnBrk="0" hangingPunct="1">
-              <a:lnSpc>
-                <a:spcPct val="90000"/>
-              </a:lnSpc>
-              <a:spcBef>
-                <a:spcPts val="500"/>
-              </a:spcBef>
-              <a:buFont typeface="Arial" panose="020B0604020202020204" pitchFamily="34" charset="0"/>
-              <a:buChar char="•"/>
-              <a:defRPr sz="1800" kern="1200">
-                <a:solidFill>
-                  <a:schemeClr val="tx1"/>
-                </a:solidFill>
-                <a:latin typeface="+mn-lt"/>
-                <a:ea typeface="+mn-ea"/>
-                <a:cs typeface="+mn-cs"/>
-              </a:defRPr>
-            </a:lvl9pPr>
-          </a:lstStyle>
-          <a:p>
-            <a:pPr marL="228600" marR="0" lvl="0" indent="-228600" algn="l" defTabSz="914400" rtl="0" eaLnBrk="1" fontAlgn="auto" latinLnBrk="0" hangingPunct="1">
-              <a:lnSpc>
-                <a:spcPct val="90000"/>
-              </a:lnSpc>
-              <a:spcBef>
-                <a:spcPts val="1000"/>
-              </a:spcBef>
-              <a:spcAft>
-                <a:spcPts val="0"/>
-              </a:spcAft>
-              <a:buClrTx/>
-              <a:buSzTx/>
-              <a:buFont typeface="Courier New" panose="02070309020205020404" pitchFamily="49" charset="0"/>
-              <a:buChar char="o"/>
-              <a:tabLst/>
-              <a:defRPr/>
-            </a:pPr>
-            <a:r>
-              <a:rPr kumimoji="0" lang="en-US" sz="2800" b="1" i="0" u="none" strike="noStrike" kern="1200" cap="none" spc="0" normalizeH="0" baseline="0" noProof="0" dirty="0">
-                <a:ln>
-                  <a:noFill/>
-                </a:ln>
-                <a:solidFill>
-                  <a:srgbClr val="262626"/>
-                </a:solidFill>
-                <a:effectLst/>
-                <a:uLnTx/>
-                <a:uFillTx/>
-                <a:latin typeface="Calibri Light" panose="020F0302020204030204"/>
-                <a:ea typeface="+mn-ea"/>
-                <a:cs typeface="+mn-cs"/>
-              </a:rPr>
-              <a:t> </a:t>
-            </a:r>
-            <a:r>
-              <a:rPr kumimoji="0" lang="en-US" sz="2800" b="1" i="0" u="none" strike="noStrike" kern="1200" cap="none" spc="0" normalizeH="0" baseline="0" noProof="0" dirty="0" err="1">
-                <a:ln>
-                  <a:noFill/>
-                </a:ln>
-                <a:solidFill>
-                  <a:srgbClr val="262626"/>
-                </a:solidFill>
-                <a:effectLst/>
-                <a:uLnTx/>
-                <a:uFillTx/>
-                <a:latin typeface="Calibri Light" panose="020F0302020204030204"/>
-                <a:ea typeface="+mn-ea"/>
-                <a:cs typeface="+mn-cs"/>
-              </a:rPr>
-              <a:t>ldsjfkdsfks</a:t>
-            </a:r>
-            <a:endParaRPr kumimoji="0" lang="en-US" sz="2800" b="1" i="0" u="none" strike="noStrike" kern="1200" cap="none" spc="0" normalizeH="0" baseline="0" noProof="0" dirty="0">
+          <a:bodyPr rtlCol="0" anchor="ctr"/>
+          <a:lstStyle/>
+          <a:p>
+            <a:pPr algn="ctr"/>
+            <a:endParaRPr lang="en-US">
               <a:ln>
-                <a:noFill/>
+                <a:solidFill>
+                  <a:srgbClr val="FF0000"/>
+                </a:solidFill>
               </a:ln>
-              <a:solidFill>
-                <a:srgbClr val="262626"/>
-              </a:solidFill>
-              <a:effectLst/>
-              <a:uLnTx/>
-              <a:uFillTx/>
-              <a:latin typeface="Calibri Light" panose="020F0302020204030204"/>
-              <a:ea typeface="+mn-ea"/>
-              <a:cs typeface="+mn-cs"/>
-            </a:endParaRPr>
-          </a:p>
-          <a:p>
-            <a:pPr marL="685800" marR="0" lvl="1" indent="-228600" algn="l" defTabSz="914400" rtl="0" eaLnBrk="1" fontAlgn="auto" latinLnBrk="0" hangingPunct="1">
-              <a:lnSpc>
-                <a:spcPct val="90000"/>
-              </a:lnSpc>
-              <a:spcBef>
-                <a:spcPts val="500"/>
-              </a:spcBef>
-              <a:spcAft>
-                <a:spcPts val="0"/>
-              </a:spcAft>
-              <a:buClrTx/>
-              <a:buSzTx/>
-              <a:buFont typeface="Courier New" panose="02070309020205020404" pitchFamily="49" charset="0"/>
-              <a:buChar char="o"/>
-              <a:tabLst/>
-              <a:defRPr/>
-            </a:pPr>
-            <a:endParaRPr kumimoji="0" lang="en-US" sz="2800" b="1" i="0" u="none" strike="noStrike" kern="1200" cap="none" spc="0" normalizeH="0" baseline="0" noProof="0" dirty="0">
-              <a:ln>
-                <a:noFill/>
-              </a:ln>
-              <a:solidFill>
-                <a:srgbClr val="262626"/>
-              </a:solidFill>
-              <a:effectLst/>
-              <a:uLnTx/>
-              <a:uFillTx/>
-              <a:latin typeface="Calibri Light" panose="020F0302020204030204"/>
-              <a:ea typeface="+mn-ea"/>
-              <a:cs typeface="+mn-cs"/>
             </a:endParaRPr>
           </a:p>
         </p:txBody>
@@ -4218,7 +4016,7 @@
     </p:spTree>
     <p:extLst>
       <p:ext uri="{BB962C8B-B14F-4D97-AF65-F5344CB8AC3E}">
-        <p14:creationId xmlns:p14="http://schemas.microsoft.com/office/powerpoint/2010/main" val="4224663228"/>
+        <p14:creationId xmlns:p14="http://schemas.microsoft.com/office/powerpoint/2010/main" val="1362752728"/>
       </p:ext>
     </p:extLst>
   </p:cSld>
@@ -4314,37 +4112,8 @@
           <a:bodyPr rtlCol="0" anchor="ctr"/>
           <a:lstStyle/>
           <a:p>
-            <a:pPr marL="0" marR="0" lvl="0" indent="0" algn="ctr" defTabSz="914400" rtl="0" eaLnBrk="1" fontAlgn="auto" latinLnBrk="0" hangingPunct="1">
-              <a:lnSpc>
-                <a:spcPct val="100000"/>
-              </a:lnSpc>
-              <a:spcBef>
-                <a:spcPts val="0"/>
-              </a:spcBef>
-              <a:spcAft>
-                <a:spcPts val="0"/>
-              </a:spcAft>
-              <a:buClrTx/>
-              <a:buSzTx/>
-              <a:buFontTx/>
-              <a:buNone/>
-              <a:tabLst/>
-              <a:defRPr/>
-            </a:pPr>
-            <a:endParaRPr kumimoji="0" lang="en-US" sz="1800" b="0" i="0" u="none" strike="noStrike" kern="1200" cap="none" spc="0" normalizeH="0" baseline="0" noProof="0">
-              <a:ln>
-                <a:noFill/>
-              </a:ln>
-              <a:solidFill>
-                <a:prstClr val="white"/>
-              </a:solidFill>
-              <a:effectLst/>
-              <a:uLnTx/>
-              <a:uFillTx/>
-              <a:latin typeface="Calibri" panose="020F0502020204030204"/>
-              <a:ea typeface="+mn-ea"/>
-              <a:cs typeface="+mn-cs"/>
-            </a:endParaRPr>
+            <a:pPr algn="ctr"/>
+            <a:endParaRPr lang="en-US"/>
           </a:p>
         </p:txBody>
       </p:sp>
@@ -4353,7 +4122,7 @@
           <p:cNvPr id="5" name="Content Placeholder 4" descr="Terraform &amp; Spotify Data Engineering | Python In Plain English">
             <a:extLst>
               <a:ext uri="{FF2B5EF4-FFF2-40B4-BE49-F238E27FC236}">
-                <a16:creationId xmlns:a16="http://schemas.microsoft.com/office/drawing/2014/main" id="{843EDE0C-EB57-4DD9-98B2-9FF5C24A7B94}"/>
+                <a16:creationId xmlns:a16="http://schemas.microsoft.com/office/drawing/2014/main" id="{1CB322AD-0C14-4B6E-87B1-21D722FE2094}"/>
               </a:ext>
             </a:extLst>
           </p:cNvPr>
@@ -4395,10 +4164,10 @@
       </p:pic>
       <p:sp>
         <p:nvSpPr>
-          <p:cNvPr id="9" name="Title 1">
-            <a:extLst>
-              <a:ext uri="{FF2B5EF4-FFF2-40B4-BE49-F238E27FC236}">
-                <a16:creationId xmlns:a16="http://schemas.microsoft.com/office/drawing/2014/main" id="{426BB233-A55B-4835-80DC-FA6CA4516D5E}"/>
+          <p:cNvPr id="8" name="Title 1">
+            <a:extLst>
+              <a:ext uri="{FF2B5EF4-FFF2-40B4-BE49-F238E27FC236}">
+                <a16:creationId xmlns:a16="http://schemas.microsoft.com/office/drawing/2014/main" id="{D9DFD1F7-1CAA-4059-8E9F-3A5144453FCF}"/>
               </a:ext>
             </a:extLst>
           </p:cNvPr>
@@ -4441,63 +4210,71 @@
             </a:lvl1pPr>
           </a:lstStyle>
           <a:p>
-            <a:pPr marL="0" marR="0" lvl="0" indent="0" algn="l" defTabSz="914400" rtl="0" eaLnBrk="1" fontAlgn="auto" latinLnBrk="0" hangingPunct="1">
-              <a:lnSpc>
-                <a:spcPct val="90000"/>
-              </a:lnSpc>
-              <a:spcBef>
-                <a:spcPct val="0"/>
-              </a:spcBef>
-              <a:spcAft>
-                <a:spcPts val="0"/>
-              </a:spcAft>
-              <a:buClrTx/>
-              <a:buSzTx/>
-              <a:buFontTx/>
-              <a:buNone/>
-              <a:tabLst/>
-              <a:defRPr/>
-            </a:pPr>
             <a:r>
-              <a:rPr kumimoji="0" lang="en-US" sz="4000" b="1" i="1" u="none" strike="noStrike" kern="1200" cap="none" spc="0" normalizeH="0" baseline="0" noProof="0" dirty="0">
-                <a:ln>
-                  <a:noFill/>
-                </a:ln>
+              <a:rPr lang="en-US" sz="4000" b="1" i="1" dirty="0">
                 <a:solidFill>
                   <a:srgbClr val="1ED760"/>
                 </a:solidFill>
-                <a:effectLst/>
-                <a:uLnTx/>
-                <a:uFillTx/>
                 <a:latin typeface="Ink Free" panose="03080402000500000000" pitchFamily="66" charset="0"/>
-                <a:ea typeface="+mj-ea"/>
-                <a:cs typeface="+mj-cs"/>
               </a:rPr>
               <a:t>o u r   g r a p h s</a:t>
             </a:r>
-            <a:endParaRPr kumimoji="0" lang="en-US" sz="2800" b="1" i="1" u="none" strike="noStrike" kern="1200" cap="none" spc="0" normalizeH="0" baseline="0" noProof="0" dirty="0">
-              <a:ln>
-                <a:noFill/>
-              </a:ln>
+            <a:endParaRPr lang="en-US" sz="2800" b="1" i="1" dirty="0">
               <a:solidFill>
-                <a:prstClr val="white"/>
+                <a:schemeClr val="bg1"/>
               </a:solidFill>
-              <a:effectLst/>
-              <a:uLnTx/>
-              <a:uFillTx/>
               <a:latin typeface="Ink Free" panose="03080402000500000000" pitchFamily="66" charset="0"/>
-              <a:ea typeface="+mj-ea"/>
-              <a:cs typeface="+mj-cs"/>
             </a:endParaRPr>
           </a:p>
         </p:txBody>
       </p:sp>
+      <p:pic>
+        <p:nvPicPr>
+          <p:cNvPr id="3" name="Picture 2" descr="Chart, scatter chart&#10;&#10;Description automatically generated">
+            <a:extLst>
+              <a:ext uri="{FF2B5EF4-FFF2-40B4-BE49-F238E27FC236}">
+                <a16:creationId xmlns:a16="http://schemas.microsoft.com/office/drawing/2014/main" id="{BEE24786-917D-41D0-83EB-F0BC9085B5F8}"/>
+              </a:ext>
+            </a:extLst>
+          </p:cNvPr>
+          <p:cNvPicPr>
+            <a:picLocks noChangeAspect="1"/>
+          </p:cNvPicPr>
+          <p:nvPr/>
+        </p:nvPicPr>
+        <p:blipFill>
+          <a:blip r:embed="rId3">
+            <a:extLst>
+              <a:ext uri="{28A0092B-C50C-407E-A947-70E740481C1C}">
+                <a14:useLocalDpi xmlns:a14="http://schemas.microsoft.com/office/drawing/2010/main" val="0"/>
+              </a:ext>
+            </a:extLst>
+          </a:blip>
+          <a:stretch>
+            <a:fillRect/>
+          </a:stretch>
+        </p:blipFill>
+        <p:spPr>
+          <a:xfrm>
+            <a:off x="1045203" y="1599783"/>
+            <a:ext cx="5487650" cy="3658433"/>
+          </a:xfrm>
+          <a:prstGeom prst="rect">
+            <a:avLst/>
+          </a:prstGeom>
+          <a:ln w="38100">
+            <a:solidFill>
+              <a:srgbClr val="1ED760"/>
+            </a:solidFill>
+          </a:ln>
+        </p:spPr>
+      </p:pic>
       <p:sp>
         <p:nvSpPr>
-          <p:cNvPr id="10" name="Content Placeholder 1">
-            <a:extLst>
-              <a:ext uri="{FF2B5EF4-FFF2-40B4-BE49-F238E27FC236}">
-                <a16:creationId xmlns:a16="http://schemas.microsoft.com/office/drawing/2014/main" id="{F8009F92-071A-49E2-81A1-83C7D84ED0E9}"/>
+          <p:cNvPr id="9" name="Title 1">
+            <a:extLst>
+              <a:ext uri="{FF2B5EF4-FFF2-40B4-BE49-F238E27FC236}">
+                <a16:creationId xmlns:a16="http://schemas.microsoft.com/office/drawing/2014/main" id="{93CFEEBA-B8C9-40E3-89AD-98EB11AF5C92}"/>
               </a:ext>
             </a:extLst>
           </p:cNvPr>
@@ -4508,279 +4285,209 @@
         </p:nvSpPr>
         <p:spPr>
           <a:xfrm>
-            <a:off x="376024" y="1520825"/>
-            <a:ext cx="6615326" cy="4351338"/>
+            <a:off x="7403089" y="368969"/>
+            <a:ext cx="4788911" cy="6031830"/>
           </a:xfrm>
           <a:prstGeom prst="rect">
             <a:avLst/>
           </a:prstGeom>
+          <a:noFill/>
         </p:spPr>
         <p:txBody>
-          <a:bodyPr vert="horz" lIns="91440" tIns="45720" rIns="91440" bIns="45720" rtlCol="0">
+          <a:bodyPr vert="horz" lIns="91440" tIns="45720" rIns="91440" bIns="45720" rtlCol="0" anchor="t">
             <a:normAutofit/>
           </a:bodyPr>
           <a:lstStyle>
-            <a:lvl1pPr marL="228600" indent="-228600" algn="l" defTabSz="914400" rtl="0" eaLnBrk="1" latinLnBrk="0" hangingPunct="1">
-              <a:lnSpc>
-                <a:spcPct val="90000"/>
-              </a:lnSpc>
-              <a:spcBef>
-                <a:spcPts val="1000"/>
-              </a:spcBef>
-              <a:buFont typeface="Arial" panose="020B0604020202020204" pitchFamily="34" charset="0"/>
-              <a:buChar char="•"/>
-              <a:defRPr sz="2800" kern="1200">
+            <a:lvl1pPr algn="l" defTabSz="914400" rtl="0" eaLnBrk="1" latinLnBrk="0" hangingPunct="1">
+              <a:lnSpc>
+                <a:spcPct val="90000"/>
+              </a:lnSpc>
+              <a:spcBef>
+                <a:spcPct val="0"/>
+              </a:spcBef>
+              <a:buNone/>
+              <a:defRPr sz="4400" kern="1200">
                 <a:solidFill>
                   <a:schemeClr val="tx1"/>
                 </a:solidFill>
-                <a:latin typeface="+mn-lt"/>
-                <a:ea typeface="+mn-ea"/>
-                <a:cs typeface="+mn-cs"/>
+                <a:latin typeface="+mj-lt"/>
+                <a:ea typeface="+mj-ea"/>
+                <a:cs typeface="+mj-cs"/>
               </a:defRPr>
             </a:lvl1pPr>
-            <a:lvl2pPr marL="685800" indent="-228600" algn="l" defTabSz="914400" rtl="0" eaLnBrk="1" latinLnBrk="0" hangingPunct="1">
-              <a:lnSpc>
-                <a:spcPct val="90000"/>
-              </a:lnSpc>
-              <a:spcBef>
-                <a:spcPts val="500"/>
-              </a:spcBef>
-              <a:buFont typeface="Arial" panose="020B0604020202020204" pitchFamily="34" charset="0"/>
-              <a:buChar char="•"/>
-              <a:defRPr sz="2400" kern="1200">
-                <a:solidFill>
-                  <a:schemeClr val="tx1"/>
-                </a:solidFill>
-                <a:latin typeface="+mn-lt"/>
-                <a:ea typeface="+mn-ea"/>
-                <a:cs typeface="+mn-cs"/>
-              </a:defRPr>
-            </a:lvl2pPr>
-            <a:lvl3pPr marL="1143000" indent="-228600" algn="l" defTabSz="914400" rtl="0" eaLnBrk="1" latinLnBrk="0" hangingPunct="1">
-              <a:lnSpc>
-                <a:spcPct val="90000"/>
-              </a:lnSpc>
-              <a:spcBef>
-                <a:spcPts val="500"/>
-              </a:spcBef>
-              <a:buFont typeface="Arial" panose="020B0604020202020204" pitchFamily="34" charset="0"/>
-              <a:buChar char="•"/>
-              <a:defRPr sz="2000" kern="1200">
-                <a:solidFill>
-                  <a:schemeClr val="tx1"/>
-                </a:solidFill>
-                <a:latin typeface="+mn-lt"/>
-                <a:ea typeface="+mn-ea"/>
-                <a:cs typeface="+mn-cs"/>
-              </a:defRPr>
-            </a:lvl3pPr>
-            <a:lvl4pPr marL="1600200" indent="-228600" algn="l" defTabSz="914400" rtl="0" eaLnBrk="1" latinLnBrk="0" hangingPunct="1">
-              <a:lnSpc>
-                <a:spcPct val="90000"/>
-              </a:lnSpc>
-              <a:spcBef>
-                <a:spcPts val="500"/>
-              </a:spcBef>
-              <a:buFont typeface="Arial" panose="020B0604020202020204" pitchFamily="34" charset="0"/>
-              <a:buChar char="•"/>
-              <a:defRPr sz="1800" kern="1200">
-                <a:solidFill>
-                  <a:schemeClr val="tx1"/>
-                </a:solidFill>
-                <a:latin typeface="+mn-lt"/>
-                <a:ea typeface="+mn-ea"/>
-                <a:cs typeface="+mn-cs"/>
-              </a:defRPr>
-            </a:lvl4pPr>
-            <a:lvl5pPr marL="2057400" indent="-228600" algn="l" defTabSz="914400" rtl="0" eaLnBrk="1" latinLnBrk="0" hangingPunct="1">
-              <a:lnSpc>
-                <a:spcPct val="90000"/>
-              </a:lnSpc>
-              <a:spcBef>
-                <a:spcPts val="500"/>
-              </a:spcBef>
-              <a:buFont typeface="Arial" panose="020B0604020202020204" pitchFamily="34" charset="0"/>
-              <a:buChar char="•"/>
-              <a:defRPr sz="1800" kern="1200">
-                <a:solidFill>
-                  <a:schemeClr val="tx1"/>
-                </a:solidFill>
-                <a:latin typeface="+mn-lt"/>
-                <a:ea typeface="+mn-ea"/>
-                <a:cs typeface="+mn-cs"/>
-              </a:defRPr>
-            </a:lvl5pPr>
-            <a:lvl6pPr marL="2514600" indent="-228600" algn="l" defTabSz="914400" rtl="0" eaLnBrk="1" latinLnBrk="0" hangingPunct="1">
-              <a:lnSpc>
-                <a:spcPct val="90000"/>
-              </a:lnSpc>
-              <a:spcBef>
-                <a:spcPts val="500"/>
-              </a:spcBef>
-              <a:buFont typeface="Arial" panose="020B0604020202020204" pitchFamily="34" charset="0"/>
-              <a:buChar char="•"/>
-              <a:defRPr sz="1800" kern="1200">
-                <a:solidFill>
-                  <a:schemeClr val="tx1"/>
-                </a:solidFill>
-                <a:latin typeface="+mn-lt"/>
-                <a:ea typeface="+mn-ea"/>
-                <a:cs typeface="+mn-cs"/>
-              </a:defRPr>
-            </a:lvl6pPr>
-            <a:lvl7pPr marL="2971800" indent="-228600" algn="l" defTabSz="914400" rtl="0" eaLnBrk="1" latinLnBrk="0" hangingPunct="1">
-              <a:lnSpc>
-                <a:spcPct val="90000"/>
-              </a:lnSpc>
-              <a:spcBef>
-                <a:spcPts val="500"/>
-              </a:spcBef>
-              <a:buFont typeface="Arial" panose="020B0604020202020204" pitchFamily="34" charset="0"/>
-              <a:buChar char="•"/>
-              <a:defRPr sz="1800" kern="1200">
-                <a:solidFill>
-                  <a:schemeClr val="tx1"/>
-                </a:solidFill>
-                <a:latin typeface="+mn-lt"/>
-                <a:ea typeface="+mn-ea"/>
-                <a:cs typeface="+mn-cs"/>
-              </a:defRPr>
-            </a:lvl7pPr>
-            <a:lvl8pPr marL="3429000" indent="-228600" algn="l" defTabSz="914400" rtl="0" eaLnBrk="1" latinLnBrk="0" hangingPunct="1">
-              <a:lnSpc>
-                <a:spcPct val="90000"/>
-              </a:lnSpc>
-              <a:spcBef>
-                <a:spcPts val="500"/>
-              </a:spcBef>
-              <a:buFont typeface="Arial" panose="020B0604020202020204" pitchFamily="34" charset="0"/>
-              <a:buChar char="•"/>
-              <a:defRPr sz="1800" kern="1200">
-                <a:solidFill>
-                  <a:schemeClr val="tx1"/>
-                </a:solidFill>
-                <a:latin typeface="+mn-lt"/>
-                <a:ea typeface="+mn-ea"/>
-                <a:cs typeface="+mn-cs"/>
-              </a:defRPr>
-            </a:lvl8pPr>
-            <a:lvl9pPr marL="3886200" indent="-228600" algn="l" defTabSz="914400" rtl="0" eaLnBrk="1" latinLnBrk="0" hangingPunct="1">
-              <a:lnSpc>
-                <a:spcPct val="90000"/>
-              </a:lnSpc>
-              <a:spcBef>
-                <a:spcPts val="500"/>
-              </a:spcBef>
-              <a:buFont typeface="Arial" panose="020B0604020202020204" pitchFamily="34" charset="0"/>
-              <a:buChar char="•"/>
-              <a:defRPr sz="1800" kern="1200">
-                <a:solidFill>
-                  <a:schemeClr val="tx1"/>
-                </a:solidFill>
-                <a:latin typeface="+mn-lt"/>
-                <a:ea typeface="+mn-ea"/>
-                <a:cs typeface="+mn-cs"/>
-              </a:defRPr>
-            </a:lvl9pPr>
           </a:lstStyle>
           <a:p>
-            <a:pPr marL="228600" marR="0" lvl="0" indent="-228600" algn="l" defTabSz="914400" rtl="0" eaLnBrk="1" fontAlgn="auto" latinLnBrk="0" hangingPunct="1">
-              <a:lnSpc>
-                <a:spcPct val="90000"/>
-              </a:lnSpc>
-              <a:spcBef>
-                <a:spcPts val="1000"/>
-              </a:spcBef>
-              <a:spcAft>
-                <a:spcPts val="0"/>
-              </a:spcAft>
-              <a:buClrTx/>
-              <a:buSzTx/>
-              <a:buFont typeface="Courier New" panose="02070309020205020404" pitchFamily="49" charset="0"/>
-              <a:buChar char="o"/>
-              <a:tabLst/>
-              <a:defRPr/>
+            <a:pPr algn="ctr"/>
+            <a:r>
+              <a:rPr lang="en-US" sz="2200" b="1" dirty="0">
+                <a:solidFill>
+                  <a:srgbClr val="1ED760"/>
+                </a:solidFill>
+              </a:rPr>
+              <a:t>Stream Count by Release Year</a:t>
+            </a:r>
+          </a:p>
+          <a:p>
+            <a:pPr>
+              <a:buClr>
+                <a:schemeClr val="bg1"/>
+              </a:buClr>
+            </a:pPr>
+            <a:endParaRPr lang="en-US" sz="2200" b="1" dirty="0">
+              <a:solidFill>
+                <a:schemeClr val="bg1"/>
+              </a:solidFill>
+            </a:endParaRPr>
+          </a:p>
+          <a:p>
+            <a:pPr marL="457200" indent="-457200">
+              <a:buClr>
+                <a:schemeClr val="bg1"/>
+              </a:buClr>
+              <a:buBlip>
+                <a:blip r:embed="rId4">
+                  <a:extLst>
+                    <a:ext uri="{837473B0-CC2E-450A-ABE3-18F120FF3D39}">
+                      <a1611:picAttrSrcUrl xmlns:a1611="http://schemas.microsoft.com/office/drawing/2016/11/main" r:id="rId5"/>
+                    </a:ext>
+                  </a:extLst>
+                </a:blip>
+              </a:buBlip>
             </a:pPr>
             <a:r>
-              <a:rPr kumimoji="0" lang="en-US" sz="2800" b="1" i="0" u="none" strike="noStrike" kern="1200" cap="none" spc="0" normalizeH="0" baseline="0" noProof="0" dirty="0">
-                <a:ln>
-                  <a:noFill/>
-                </a:ln>
-                <a:solidFill>
-                  <a:srgbClr val="262626"/>
-                </a:solidFill>
-                <a:effectLst/>
-                <a:uLnTx/>
-                <a:uFillTx/>
-                <a:latin typeface="Calibri Light" panose="020F0302020204030204"/>
-                <a:ea typeface="+mn-ea"/>
-                <a:cs typeface="+mn-cs"/>
+              <a:rPr lang="en-US" sz="2200" b="1" dirty="0">
+                <a:solidFill>
+                  <a:schemeClr val="bg1"/>
+                </a:solidFill>
               </a:rPr>
-              <a:t> </a:t>
+              <a:t>Based off the data represented in the correlation map, The Janitors can conclude that there is a weak (to no) correlation tied between the stream count as the years progress. </a:t>
             </a:r>
+          </a:p>
+          <a:p>
+            <a:pPr marL="457200" indent="-457200">
+              <a:buClr>
+                <a:schemeClr val="bg1"/>
+              </a:buClr>
+              <a:buBlip>
+                <a:blip r:embed="rId4">
+                  <a:extLst>
+                    <a:ext uri="{837473B0-CC2E-450A-ABE3-18F120FF3D39}">
+                      <a1611:picAttrSrcUrl xmlns:a1611="http://schemas.microsoft.com/office/drawing/2016/11/main" r:id="rId5"/>
+                    </a:ext>
+                  </a:extLst>
+                </a:blip>
+              </a:buBlip>
+            </a:pPr>
+            <a:endParaRPr lang="en-US" sz="2200" b="1" dirty="0">
+              <a:solidFill>
+                <a:schemeClr val="bg1"/>
+              </a:solidFill>
+            </a:endParaRPr>
+          </a:p>
+          <a:p>
+            <a:pPr marL="457200" indent="-457200">
+              <a:buClr>
+                <a:schemeClr val="bg1"/>
+              </a:buClr>
+              <a:buBlip>
+                <a:blip r:embed="rId4">
+                  <a:extLst>
+                    <a:ext uri="{837473B0-CC2E-450A-ABE3-18F120FF3D39}">
+                      <a1611:picAttrSrcUrl xmlns:a1611="http://schemas.microsoft.com/office/drawing/2016/11/main" r:id="rId5"/>
+                    </a:ext>
+                  </a:extLst>
+                </a:blip>
+              </a:buBlip>
+            </a:pPr>
             <a:r>
-              <a:rPr kumimoji="0" lang="en-US" sz="2800" b="1" i="0" u="none" strike="noStrike" kern="1200" cap="none" spc="0" normalizeH="0" baseline="0" noProof="0" dirty="0" err="1">
-                <a:ln>
-                  <a:noFill/>
-                </a:ln>
-                <a:solidFill>
-                  <a:srgbClr val="262626"/>
-                </a:solidFill>
-                <a:effectLst/>
-                <a:uLnTx/>
-                <a:uFillTx/>
-                <a:latin typeface="Calibri Light" panose="020F0302020204030204"/>
-                <a:ea typeface="+mn-ea"/>
-                <a:cs typeface="+mn-cs"/>
+              <a:rPr lang="en-US" sz="2200" b="1" dirty="0">
+                <a:solidFill>
+                  <a:schemeClr val="bg1"/>
+                </a:solidFill>
               </a:rPr>
-              <a:t>ldsjfkdsfks</a:t>
+              <a:t>In contrast to our previous graph, there are several outliers causing our data points to skew. </a:t>
             </a:r>
-            <a:endParaRPr kumimoji="0" lang="en-US" sz="2800" b="1" i="0" u="none" strike="noStrike" kern="1200" cap="none" spc="0" normalizeH="0" baseline="0" noProof="0" dirty="0">
-              <a:ln>
-                <a:noFill/>
-              </a:ln>
+          </a:p>
+          <a:p>
+            <a:pPr marL="457200" indent="-457200">
+              <a:buClr>
+                <a:schemeClr val="bg1"/>
+              </a:buClr>
+              <a:buBlip>
+                <a:blip r:embed="rId4">
+                  <a:extLst>
+                    <a:ext uri="{837473B0-CC2E-450A-ABE3-18F120FF3D39}">
+                      <a1611:picAttrSrcUrl xmlns:a1611="http://schemas.microsoft.com/office/drawing/2016/11/main" r:id="rId5"/>
+                    </a:ext>
+                  </a:extLst>
+                </a:blip>
+              </a:buBlip>
+            </a:pPr>
+            <a:endParaRPr lang="en-US" sz="2200" b="1" dirty="0">
               <a:solidFill>
-                <a:srgbClr val="262626"/>
+                <a:schemeClr val="bg1"/>
               </a:solidFill>
-              <a:effectLst/>
-              <a:uLnTx/>
-              <a:uFillTx/>
-              <a:latin typeface="Calibri Light" panose="020F0302020204030204"/>
-              <a:ea typeface="+mn-ea"/>
-              <a:cs typeface="+mn-cs"/>
             </a:endParaRPr>
           </a:p>
           <a:p>
-            <a:pPr marL="685800" marR="0" lvl="1" indent="-228600" algn="l" defTabSz="914400" rtl="0" eaLnBrk="1" fontAlgn="auto" latinLnBrk="0" hangingPunct="1">
-              <a:lnSpc>
-                <a:spcPct val="90000"/>
-              </a:lnSpc>
-              <a:spcBef>
-                <a:spcPts val="500"/>
-              </a:spcBef>
-              <a:spcAft>
-                <a:spcPts val="0"/>
-              </a:spcAft>
-              <a:buClrTx/>
-              <a:buSzTx/>
-              <a:buFont typeface="Courier New" panose="02070309020205020404" pitchFamily="49" charset="0"/>
-              <a:buChar char="o"/>
-              <a:tabLst/>
-              <a:defRPr/>
+            <a:pPr marL="457200" indent="-457200">
+              <a:buClr>
+                <a:schemeClr val="bg1"/>
+              </a:buClr>
+              <a:buBlip>
+                <a:blip r:embed="rId4">
+                  <a:extLst>
+                    <a:ext uri="{837473B0-CC2E-450A-ABE3-18F120FF3D39}">
+                      <a1611:picAttrSrcUrl xmlns:a1611="http://schemas.microsoft.com/office/drawing/2016/11/main" r:id="rId5"/>
+                    </a:ext>
+                  </a:extLst>
+                </a:blip>
+              </a:buBlip>
             </a:pPr>
-            <a:endParaRPr kumimoji="0" lang="en-US" sz="2800" b="1" i="0" u="none" strike="noStrike" kern="1200" cap="none" spc="0" normalizeH="0" baseline="0" noProof="0" dirty="0">
-              <a:ln>
-                <a:noFill/>
-              </a:ln>
+            <a:r>
+              <a:rPr lang="en-US" sz="2200" b="1" dirty="0">
+                <a:solidFill>
+                  <a:schemeClr val="bg1"/>
+                </a:solidFill>
+              </a:rPr>
+              <a:t>Theoretically, one would conclude that with modern technology and booming streaming industry, the stream counts would directly tie as the years progress. </a:t>
+            </a:r>
+          </a:p>
+          <a:p>
+            <a:pPr marL="457200" indent="-457200">
+              <a:buClr>
+                <a:schemeClr val="bg1"/>
+              </a:buClr>
+              <a:buBlip>
+                <a:blip r:embed="rId4">
+                  <a:extLst>
+                    <a:ext uri="{837473B0-CC2E-450A-ABE3-18F120FF3D39}">
+                      <a1611:picAttrSrcUrl xmlns:a1611="http://schemas.microsoft.com/office/drawing/2016/11/main" r:id="rId5"/>
+                    </a:ext>
+                  </a:extLst>
+                </a:blip>
+              </a:buBlip>
+            </a:pPr>
+            <a:endParaRPr lang="en-US" sz="2200" b="1" dirty="0">
               <a:solidFill>
-                <a:srgbClr val="262626"/>
+                <a:schemeClr val="bg1"/>
               </a:solidFill>
-              <a:effectLst/>
-              <a:uLnTx/>
-              <a:uFillTx/>
-              <a:latin typeface="Calibri Light" panose="020F0302020204030204"/>
-              <a:ea typeface="+mn-ea"/>
-              <a:cs typeface="+mn-cs"/>
+            </a:endParaRPr>
+          </a:p>
+          <a:p>
+            <a:pPr algn="ctr"/>
+            <a:endParaRPr lang="en-US" sz="2200" b="1" dirty="0">
+              <a:solidFill>
+                <a:schemeClr val="bg1"/>
+              </a:solidFill>
+            </a:endParaRPr>
+          </a:p>
+          <a:p>
+            <a:pPr algn="ctr"/>
+            <a:endParaRPr lang="en-US" sz="2200" b="1" dirty="0">
+              <a:solidFill>
+                <a:schemeClr val="bg1"/>
+              </a:solidFill>
             </a:endParaRPr>
           </a:p>
         </p:txBody>
@@ -4788,7 +4495,7 @@
     </p:spTree>
     <p:extLst>
       <p:ext uri="{BB962C8B-B14F-4D97-AF65-F5344CB8AC3E}">
-        <p14:creationId xmlns:p14="http://schemas.microsoft.com/office/powerpoint/2010/main" val="2954498260"/>
+        <p14:creationId xmlns:p14="http://schemas.microsoft.com/office/powerpoint/2010/main" val="147323286"/>
       </p:ext>
     </p:extLst>
   </p:cSld>
@@ -4884,37 +4591,8 @@
           <a:bodyPr rtlCol="0" anchor="ctr"/>
           <a:lstStyle/>
           <a:p>
-            <a:pPr marL="0" marR="0" lvl="0" indent="0" algn="ctr" defTabSz="914400" rtl="0" eaLnBrk="1" fontAlgn="auto" latinLnBrk="0" hangingPunct="1">
-              <a:lnSpc>
-                <a:spcPct val="100000"/>
-              </a:lnSpc>
-              <a:spcBef>
-                <a:spcPts val="0"/>
-              </a:spcBef>
-              <a:spcAft>
-                <a:spcPts val="0"/>
-              </a:spcAft>
-              <a:buClrTx/>
-              <a:buSzTx/>
-              <a:buFontTx/>
-              <a:buNone/>
-              <a:tabLst/>
-              <a:defRPr/>
-            </a:pPr>
-            <a:endParaRPr kumimoji="0" lang="en-US" sz="1800" b="0" i="0" u="none" strike="noStrike" kern="1200" cap="none" spc="0" normalizeH="0" baseline="0" noProof="0">
-              <a:ln>
-                <a:noFill/>
-              </a:ln>
-              <a:solidFill>
-                <a:prstClr val="white"/>
-              </a:solidFill>
-              <a:effectLst/>
-              <a:uLnTx/>
-              <a:uFillTx/>
-              <a:latin typeface="Calibri" panose="020F0502020204030204"/>
-              <a:ea typeface="+mn-ea"/>
-              <a:cs typeface="+mn-cs"/>
-            </a:endParaRPr>
+            <a:pPr algn="ctr"/>
+            <a:endParaRPr lang="en-US"/>
           </a:p>
         </p:txBody>
       </p:sp>
@@ -5011,346 +4689,20 @@
             </a:lvl1pPr>
           </a:lstStyle>
           <a:p>
-            <a:pPr marL="0" marR="0" lvl="0" indent="0" algn="l" defTabSz="914400" rtl="0" eaLnBrk="1" fontAlgn="auto" latinLnBrk="0" hangingPunct="1">
-              <a:lnSpc>
-                <a:spcPct val="90000"/>
-              </a:lnSpc>
-              <a:spcBef>
-                <a:spcPct val="0"/>
-              </a:spcBef>
-              <a:spcAft>
-                <a:spcPts val="0"/>
-              </a:spcAft>
-              <a:buClrTx/>
-              <a:buSzTx/>
-              <a:buFontTx/>
-              <a:buNone/>
-              <a:tabLst/>
-              <a:defRPr/>
-            </a:pPr>
             <a:r>
-              <a:rPr kumimoji="0" lang="en-US" sz="4000" b="1" i="1" u="none" strike="noStrike" kern="1200" cap="none" spc="0" normalizeH="0" baseline="0" noProof="0" dirty="0">
-                <a:ln>
-                  <a:noFill/>
-                </a:ln>
+              <a:rPr lang="en-US" sz="4000" b="1" i="1" dirty="0">
                 <a:solidFill>
                   <a:srgbClr val="1ED760"/>
                 </a:solidFill>
-                <a:effectLst/>
-                <a:uLnTx/>
-                <a:uFillTx/>
                 <a:latin typeface="Ink Free" panose="03080402000500000000" pitchFamily="66" charset="0"/>
-                <a:ea typeface="+mj-ea"/>
-                <a:cs typeface="+mj-cs"/>
               </a:rPr>
-              <a:t>o u r   g r a p h s</a:t>
+              <a:t>c o d e</a:t>
             </a:r>
-            <a:endParaRPr kumimoji="0" lang="en-US" sz="2800" b="1" i="1" u="none" strike="noStrike" kern="1200" cap="none" spc="0" normalizeH="0" baseline="0" noProof="0" dirty="0">
-              <a:ln>
-                <a:noFill/>
-              </a:ln>
+            <a:endParaRPr lang="en-US" sz="2800" b="1" i="1" dirty="0">
               <a:solidFill>
-                <a:prstClr val="white"/>
+                <a:schemeClr val="bg1"/>
               </a:solidFill>
-              <a:effectLst/>
-              <a:uLnTx/>
-              <a:uFillTx/>
               <a:latin typeface="Ink Free" panose="03080402000500000000" pitchFamily="66" charset="0"/>
-              <a:ea typeface="+mj-ea"/>
-              <a:cs typeface="+mj-cs"/>
-            </a:endParaRPr>
-          </a:p>
-        </p:txBody>
-      </p:sp>
-      <p:sp>
-        <p:nvSpPr>
-          <p:cNvPr id="10" name="Content Placeholder 1">
-            <a:extLst>
-              <a:ext uri="{FF2B5EF4-FFF2-40B4-BE49-F238E27FC236}">
-                <a16:creationId xmlns:a16="http://schemas.microsoft.com/office/drawing/2014/main" id="{F8009F92-071A-49E2-81A1-83C7D84ED0E9}"/>
-              </a:ext>
-            </a:extLst>
-          </p:cNvPr>
-          <p:cNvSpPr txBox="1">
-            <a:spLocks/>
-          </p:cNvSpPr>
-          <p:nvPr/>
-        </p:nvSpPr>
-        <p:spPr>
-          <a:xfrm>
-            <a:off x="376024" y="1520825"/>
-            <a:ext cx="6615326" cy="4351338"/>
-          </a:xfrm>
-          <a:prstGeom prst="rect">
-            <a:avLst/>
-          </a:prstGeom>
-        </p:spPr>
-        <p:txBody>
-          <a:bodyPr vert="horz" lIns="91440" tIns="45720" rIns="91440" bIns="45720" rtlCol="0">
-            <a:normAutofit/>
-          </a:bodyPr>
-          <a:lstStyle>
-            <a:lvl1pPr marL="228600" indent="-228600" algn="l" defTabSz="914400" rtl="0" eaLnBrk="1" latinLnBrk="0" hangingPunct="1">
-              <a:lnSpc>
-                <a:spcPct val="90000"/>
-              </a:lnSpc>
-              <a:spcBef>
-                <a:spcPts val="1000"/>
-              </a:spcBef>
-              <a:buFont typeface="Arial" panose="020B0604020202020204" pitchFamily="34" charset="0"/>
-              <a:buChar char="•"/>
-              <a:defRPr sz="2800" kern="1200">
-                <a:solidFill>
-                  <a:schemeClr val="tx1"/>
-                </a:solidFill>
-                <a:latin typeface="+mn-lt"/>
-                <a:ea typeface="+mn-ea"/>
-                <a:cs typeface="+mn-cs"/>
-              </a:defRPr>
-            </a:lvl1pPr>
-            <a:lvl2pPr marL="685800" indent="-228600" algn="l" defTabSz="914400" rtl="0" eaLnBrk="1" latinLnBrk="0" hangingPunct="1">
-              <a:lnSpc>
-                <a:spcPct val="90000"/>
-              </a:lnSpc>
-              <a:spcBef>
-                <a:spcPts val="500"/>
-              </a:spcBef>
-              <a:buFont typeface="Arial" panose="020B0604020202020204" pitchFamily="34" charset="0"/>
-              <a:buChar char="•"/>
-              <a:defRPr sz="2400" kern="1200">
-                <a:solidFill>
-                  <a:schemeClr val="tx1"/>
-                </a:solidFill>
-                <a:latin typeface="+mn-lt"/>
-                <a:ea typeface="+mn-ea"/>
-                <a:cs typeface="+mn-cs"/>
-              </a:defRPr>
-            </a:lvl2pPr>
-            <a:lvl3pPr marL="1143000" indent="-228600" algn="l" defTabSz="914400" rtl="0" eaLnBrk="1" latinLnBrk="0" hangingPunct="1">
-              <a:lnSpc>
-                <a:spcPct val="90000"/>
-              </a:lnSpc>
-              <a:spcBef>
-                <a:spcPts val="500"/>
-              </a:spcBef>
-              <a:buFont typeface="Arial" panose="020B0604020202020204" pitchFamily="34" charset="0"/>
-              <a:buChar char="•"/>
-              <a:defRPr sz="2000" kern="1200">
-                <a:solidFill>
-                  <a:schemeClr val="tx1"/>
-                </a:solidFill>
-                <a:latin typeface="+mn-lt"/>
-                <a:ea typeface="+mn-ea"/>
-                <a:cs typeface="+mn-cs"/>
-              </a:defRPr>
-            </a:lvl3pPr>
-            <a:lvl4pPr marL="1600200" indent="-228600" algn="l" defTabSz="914400" rtl="0" eaLnBrk="1" latinLnBrk="0" hangingPunct="1">
-              <a:lnSpc>
-                <a:spcPct val="90000"/>
-              </a:lnSpc>
-              <a:spcBef>
-                <a:spcPts val="500"/>
-              </a:spcBef>
-              <a:buFont typeface="Arial" panose="020B0604020202020204" pitchFamily="34" charset="0"/>
-              <a:buChar char="•"/>
-              <a:defRPr sz="1800" kern="1200">
-                <a:solidFill>
-                  <a:schemeClr val="tx1"/>
-                </a:solidFill>
-                <a:latin typeface="+mn-lt"/>
-                <a:ea typeface="+mn-ea"/>
-                <a:cs typeface="+mn-cs"/>
-              </a:defRPr>
-            </a:lvl4pPr>
-            <a:lvl5pPr marL="2057400" indent="-228600" algn="l" defTabSz="914400" rtl="0" eaLnBrk="1" latinLnBrk="0" hangingPunct="1">
-              <a:lnSpc>
-                <a:spcPct val="90000"/>
-              </a:lnSpc>
-              <a:spcBef>
-                <a:spcPts val="500"/>
-              </a:spcBef>
-              <a:buFont typeface="Arial" panose="020B0604020202020204" pitchFamily="34" charset="0"/>
-              <a:buChar char="•"/>
-              <a:defRPr sz="1800" kern="1200">
-                <a:solidFill>
-                  <a:schemeClr val="tx1"/>
-                </a:solidFill>
-                <a:latin typeface="+mn-lt"/>
-                <a:ea typeface="+mn-ea"/>
-                <a:cs typeface="+mn-cs"/>
-              </a:defRPr>
-            </a:lvl5pPr>
-            <a:lvl6pPr marL="2514600" indent="-228600" algn="l" defTabSz="914400" rtl="0" eaLnBrk="1" latinLnBrk="0" hangingPunct="1">
-              <a:lnSpc>
-                <a:spcPct val="90000"/>
-              </a:lnSpc>
-              <a:spcBef>
-                <a:spcPts val="500"/>
-              </a:spcBef>
-              <a:buFont typeface="Arial" panose="020B0604020202020204" pitchFamily="34" charset="0"/>
-              <a:buChar char="•"/>
-              <a:defRPr sz="1800" kern="1200">
-                <a:solidFill>
-                  <a:schemeClr val="tx1"/>
-                </a:solidFill>
-                <a:latin typeface="+mn-lt"/>
-                <a:ea typeface="+mn-ea"/>
-                <a:cs typeface="+mn-cs"/>
-              </a:defRPr>
-            </a:lvl6pPr>
-            <a:lvl7pPr marL="2971800" indent="-228600" algn="l" defTabSz="914400" rtl="0" eaLnBrk="1" latinLnBrk="0" hangingPunct="1">
-              <a:lnSpc>
-                <a:spcPct val="90000"/>
-              </a:lnSpc>
-              <a:spcBef>
-                <a:spcPts val="500"/>
-              </a:spcBef>
-              <a:buFont typeface="Arial" panose="020B0604020202020204" pitchFamily="34" charset="0"/>
-              <a:buChar char="•"/>
-              <a:defRPr sz="1800" kern="1200">
-                <a:solidFill>
-                  <a:schemeClr val="tx1"/>
-                </a:solidFill>
-                <a:latin typeface="+mn-lt"/>
-                <a:ea typeface="+mn-ea"/>
-                <a:cs typeface="+mn-cs"/>
-              </a:defRPr>
-            </a:lvl7pPr>
-            <a:lvl8pPr marL="3429000" indent="-228600" algn="l" defTabSz="914400" rtl="0" eaLnBrk="1" latinLnBrk="0" hangingPunct="1">
-              <a:lnSpc>
-                <a:spcPct val="90000"/>
-              </a:lnSpc>
-              <a:spcBef>
-                <a:spcPts val="500"/>
-              </a:spcBef>
-              <a:buFont typeface="Arial" panose="020B0604020202020204" pitchFamily="34" charset="0"/>
-              <a:buChar char="•"/>
-              <a:defRPr sz="1800" kern="1200">
-                <a:solidFill>
-                  <a:schemeClr val="tx1"/>
-                </a:solidFill>
-                <a:latin typeface="+mn-lt"/>
-                <a:ea typeface="+mn-ea"/>
-                <a:cs typeface="+mn-cs"/>
-              </a:defRPr>
-            </a:lvl8pPr>
-            <a:lvl9pPr marL="3886200" indent="-228600" algn="l" defTabSz="914400" rtl="0" eaLnBrk="1" latinLnBrk="0" hangingPunct="1">
-              <a:lnSpc>
-                <a:spcPct val="90000"/>
-              </a:lnSpc>
-              <a:spcBef>
-                <a:spcPts val="500"/>
-              </a:spcBef>
-              <a:buFont typeface="Arial" panose="020B0604020202020204" pitchFamily="34" charset="0"/>
-              <a:buChar char="•"/>
-              <a:defRPr sz="1800" kern="1200">
-                <a:solidFill>
-                  <a:schemeClr val="tx1"/>
-                </a:solidFill>
-                <a:latin typeface="+mn-lt"/>
-                <a:ea typeface="+mn-ea"/>
-                <a:cs typeface="+mn-cs"/>
-              </a:defRPr>
-            </a:lvl9pPr>
-          </a:lstStyle>
-          <a:p>
-            <a:pPr marL="228600" marR="0" lvl="0" indent="-228600" algn="l" defTabSz="914400" rtl="0" eaLnBrk="1" fontAlgn="auto" latinLnBrk="0" hangingPunct="1">
-              <a:lnSpc>
-                <a:spcPct val="90000"/>
-              </a:lnSpc>
-              <a:spcBef>
-                <a:spcPts val="1000"/>
-              </a:spcBef>
-              <a:spcAft>
-                <a:spcPts val="0"/>
-              </a:spcAft>
-              <a:buClrTx/>
-              <a:buSzTx/>
-              <a:buFont typeface="Courier New" panose="02070309020205020404" pitchFamily="49" charset="0"/>
-              <a:buChar char="o"/>
-              <a:tabLst/>
-              <a:defRPr/>
-            </a:pPr>
-            <a:r>
-              <a:rPr kumimoji="0" lang="en-US" sz="2800" b="1" i="0" u="none" strike="noStrike" kern="1200" cap="none" spc="0" normalizeH="0" baseline="0" noProof="0" dirty="0">
-                <a:ln>
-                  <a:noFill/>
-                </a:ln>
-                <a:solidFill>
-                  <a:srgbClr val="262626"/>
-                </a:solidFill>
-                <a:effectLst/>
-                <a:uLnTx/>
-                <a:uFillTx/>
-                <a:latin typeface="Calibri Light" panose="020F0302020204030204"/>
-                <a:ea typeface="+mn-ea"/>
-                <a:cs typeface="+mn-cs"/>
-              </a:rPr>
-              <a:t> </a:t>
-            </a:r>
-            <a:r>
-              <a:rPr kumimoji="0" lang="en-US" sz="2800" b="1" i="0" u="none" strike="noStrike" kern="1200" cap="none" spc="0" normalizeH="0" baseline="0" noProof="0" dirty="0" err="1">
-                <a:ln>
-                  <a:noFill/>
-                </a:ln>
-                <a:solidFill>
-                  <a:srgbClr val="262626"/>
-                </a:solidFill>
-                <a:effectLst/>
-                <a:uLnTx/>
-                <a:uFillTx/>
-                <a:latin typeface="Calibri Light" panose="020F0302020204030204"/>
-                <a:ea typeface="+mn-ea"/>
-                <a:cs typeface="+mn-cs"/>
-              </a:rPr>
-              <a:t>ldsjfkdsfks</a:t>
-            </a:r>
-            <a:endParaRPr kumimoji="0" lang="en-US" sz="2800" b="1" i="0" u="none" strike="noStrike" kern="1200" cap="none" spc="0" normalizeH="0" baseline="0" noProof="0" dirty="0">
-              <a:ln>
-                <a:noFill/>
-              </a:ln>
-              <a:solidFill>
-                <a:srgbClr val="262626"/>
-              </a:solidFill>
-              <a:effectLst/>
-              <a:uLnTx/>
-              <a:uFillTx/>
-              <a:latin typeface="Calibri Light" panose="020F0302020204030204"/>
-              <a:ea typeface="+mn-ea"/>
-              <a:cs typeface="+mn-cs"/>
-            </a:endParaRPr>
-          </a:p>
-          <a:p>
-            <a:pPr marL="685800" marR="0" lvl="1" indent="-228600" algn="l" defTabSz="914400" rtl="0" eaLnBrk="1" fontAlgn="auto" latinLnBrk="0" hangingPunct="1">
-              <a:lnSpc>
-                <a:spcPct val="90000"/>
-              </a:lnSpc>
-              <a:spcBef>
-                <a:spcPts val="500"/>
-              </a:spcBef>
-              <a:spcAft>
-                <a:spcPts val="0"/>
-              </a:spcAft>
-              <a:buClrTx/>
-              <a:buSzTx/>
-              <a:buFont typeface="Courier New" panose="02070309020205020404" pitchFamily="49" charset="0"/>
-              <a:buChar char="o"/>
-              <a:tabLst/>
-              <a:defRPr/>
-            </a:pPr>
-            <a:endParaRPr kumimoji="0" lang="en-US" sz="2800" b="1" i="0" u="none" strike="noStrike" kern="1200" cap="none" spc="0" normalizeH="0" baseline="0" noProof="0" dirty="0">
-              <a:ln>
-                <a:noFill/>
-              </a:ln>
-              <a:solidFill>
-                <a:srgbClr val="262626"/>
-              </a:solidFill>
-              <a:effectLst/>
-              <a:uLnTx/>
-              <a:uFillTx/>
-              <a:latin typeface="Calibri Light" panose="020F0302020204030204"/>
-              <a:ea typeface="+mn-ea"/>
-              <a:cs typeface="+mn-cs"/>
             </a:endParaRPr>
           </a:p>
         </p:txBody>
@@ -5358,7 +4710,7 @@
     </p:spTree>
     <p:extLst>
       <p:ext uri="{BB962C8B-B14F-4D97-AF65-F5344CB8AC3E}">
-        <p14:creationId xmlns:p14="http://schemas.microsoft.com/office/powerpoint/2010/main" val="3183582397"/>
+        <p14:creationId xmlns:p14="http://schemas.microsoft.com/office/powerpoint/2010/main" val="1542471732"/>
       </p:ext>
     </p:extLst>
   </p:cSld>
@@ -5632,303 +4984,10 @@
           </a:p>
         </p:txBody>
       </p:sp>
-      <p:sp>
-        <p:nvSpPr>
-          <p:cNvPr id="10" name="Content Placeholder 1">
-            <a:extLst>
-              <a:ext uri="{FF2B5EF4-FFF2-40B4-BE49-F238E27FC236}">
-                <a16:creationId xmlns:a16="http://schemas.microsoft.com/office/drawing/2014/main" id="{F8009F92-071A-49E2-81A1-83C7D84ED0E9}"/>
-              </a:ext>
-            </a:extLst>
-          </p:cNvPr>
-          <p:cNvSpPr txBox="1">
-            <a:spLocks/>
-          </p:cNvSpPr>
-          <p:nvPr/>
-        </p:nvSpPr>
-        <p:spPr>
-          <a:xfrm>
-            <a:off x="376024" y="1520825"/>
-            <a:ext cx="6615326" cy="4351338"/>
-          </a:xfrm>
-          <a:prstGeom prst="rect">
-            <a:avLst/>
-          </a:prstGeom>
-        </p:spPr>
-        <p:txBody>
-          <a:bodyPr vert="horz" lIns="91440" tIns="45720" rIns="91440" bIns="45720" rtlCol="0">
-            <a:normAutofit/>
-          </a:bodyPr>
-          <a:lstStyle>
-            <a:lvl1pPr marL="228600" indent="-228600" algn="l" defTabSz="914400" rtl="0" eaLnBrk="1" latinLnBrk="0" hangingPunct="1">
-              <a:lnSpc>
-                <a:spcPct val="90000"/>
-              </a:lnSpc>
-              <a:spcBef>
-                <a:spcPts val="1000"/>
-              </a:spcBef>
-              <a:buFont typeface="Arial" panose="020B0604020202020204" pitchFamily="34" charset="0"/>
-              <a:buChar char="•"/>
-              <a:defRPr sz="2800" kern="1200">
-                <a:solidFill>
-                  <a:schemeClr val="tx1"/>
-                </a:solidFill>
-                <a:latin typeface="+mn-lt"/>
-                <a:ea typeface="+mn-ea"/>
-                <a:cs typeface="+mn-cs"/>
-              </a:defRPr>
-            </a:lvl1pPr>
-            <a:lvl2pPr marL="685800" indent="-228600" algn="l" defTabSz="914400" rtl="0" eaLnBrk="1" latinLnBrk="0" hangingPunct="1">
-              <a:lnSpc>
-                <a:spcPct val="90000"/>
-              </a:lnSpc>
-              <a:spcBef>
-                <a:spcPts val="500"/>
-              </a:spcBef>
-              <a:buFont typeface="Arial" panose="020B0604020202020204" pitchFamily="34" charset="0"/>
-              <a:buChar char="•"/>
-              <a:defRPr sz="2400" kern="1200">
-                <a:solidFill>
-                  <a:schemeClr val="tx1"/>
-                </a:solidFill>
-                <a:latin typeface="+mn-lt"/>
-                <a:ea typeface="+mn-ea"/>
-                <a:cs typeface="+mn-cs"/>
-              </a:defRPr>
-            </a:lvl2pPr>
-            <a:lvl3pPr marL="1143000" indent="-228600" algn="l" defTabSz="914400" rtl="0" eaLnBrk="1" latinLnBrk="0" hangingPunct="1">
-              <a:lnSpc>
-                <a:spcPct val="90000"/>
-              </a:lnSpc>
-              <a:spcBef>
-                <a:spcPts val="500"/>
-              </a:spcBef>
-              <a:buFont typeface="Arial" panose="020B0604020202020204" pitchFamily="34" charset="0"/>
-              <a:buChar char="•"/>
-              <a:defRPr sz="2000" kern="1200">
-                <a:solidFill>
-                  <a:schemeClr val="tx1"/>
-                </a:solidFill>
-                <a:latin typeface="+mn-lt"/>
-                <a:ea typeface="+mn-ea"/>
-                <a:cs typeface="+mn-cs"/>
-              </a:defRPr>
-            </a:lvl3pPr>
-            <a:lvl4pPr marL="1600200" indent="-228600" algn="l" defTabSz="914400" rtl="0" eaLnBrk="1" latinLnBrk="0" hangingPunct="1">
-              <a:lnSpc>
-                <a:spcPct val="90000"/>
-              </a:lnSpc>
-              <a:spcBef>
-                <a:spcPts val="500"/>
-              </a:spcBef>
-              <a:buFont typeface="Arial" panose="020B0604020202020204" pitchFamily="34" charset="0"/>
-              <a:buChar char="•"/>
-              <a:defRPr sz="1800" kern="1200">
-                <a:solidFill>
-                  <a:schemeClr val="tx1"/>
-                </a:solidFill>
-                <a:latin typeface="+mn-lt"/>
-                <a:ea typeface="+mn-ea"/>
-                <a:cs typeface="+mn-cs"/>
-              </a:defRPr>
-            </a:lvl4pPr>
-            <a:lvl5pPr marL="2057400" indent="-228600" algn="l" defTabSz="914400" rtl="0" eaLnBrk="1" latinLnBrk="0" hangingPunct="1">
-              <a:lnSpc>
-                <a:spcPct val="90000"/>
-              </a:lnSpc>
-              <a:spcBef>
-                <a:spcPts val="500"/>
-              </a:spcBef>
-              <a:buFont typeface="Arial" panose="020B0604020202020204" pitchFamily="34" charset="0"/>
-              <a:buChar char="•"/>
-              <a:defRPr sz="1800" kern="1200">
-                <a:solidFill>
-                  <a:schemeClr val="tx1"/>
-                </a:solidFill>
-                <a:latin typeface="+mn-lt"/>
-                <a:ea typeface="+mn-ea"/>
-                <a:cs typeface="+mn-cs"/>
-              </a:defRPr>
-            </a:lvl5pPr>
-            <a:lvl6pPr marL="2514600" indent="-228600" algn="l" defTabSz="914400" rtl="0" eaLnBrk="1" latinLnBrk="0" hangingPunct="1">
-              <a:lnSpc>
-                <a:spcPct val="90000"/>
-              </a:lnSpc>
-              <a:spcBef>
-                <a:spcPts val="500"/>
-              </a:spcBef>
-              <a:buFont typeface="Arial" panose="020B0604020202020204" pitchFamily="34" charset="0"/>
-              <a:buChar char="•"/>
-              <a:defRPr sz="1800" kern="1200">
-                <a:solidFill>
-                  <a:schemeClr val="tx1"/>
-                </a:solidFill>
-                <a:latin typeface="+mn-lt"/>
-                <a:ea typeface="+mn-ea"/>
-                <a:cs typeface="+mn-cs"/>
-              </a:defRPr>
-            </a:lvl6pPr>
-            <a:lvl7pPr marL="2971800" indent="-228600" algn="l" defTabSz="914400" rtl="0" eaLnBrk="1" latinLnBrk="0" hangingPunct="1">
-              <a:lnSpc>
-                <a:spcPct val="90000"/>
-              </a:lnSpc>
-              <a:spcBef>
-                <a:spcPts val="500"/>
-              </a:spcBef>
-              <a:buFont typeface="Arial" panose="020B0604020202020204" pitchFamily="34" charset="0"/>
-              <a:buChar char="•"/>
-              <a:defRPr sz="1800" kern="1200">
-                <a:solidFill>
-                  <a:schemeClr val="tx1"/>
-                </a:solidFill>
-                <a:latin typeface="+mn-lt"/>
-                <a:ea typeface="+mn-ea"/>
-                <a:cs typeface="+mn-cs"/>
-              </a:defRPr>
-            </a:lvl7pPr>
-            <a:lvl8pPr marL="3429000" indent="-228600" algn="l" defTabSz="914400" rtl="0" eaLnBrk="1" latinLnBrk="0" hangingPunct="1">
-              <a:lnSpc>
-                <a:spcPct val="90000"/>
-              </a:lnSpc>
-              <a:spcBef>
-                <a:spcPts val="500"/>
-              </a:spcBef>
-              <a:buFont typeface="Arial" panose="020B0604020202020204" pitchFamily="34" charset="0"/>
-              <a:buChar char="•"/>
-              <a:defRPr sz="1800" kern="1200">
-                <a:solidFill>
-                  <a:schemeClr val="tx1"/>
-                </a:solidFill>
-                <a:latin typeface="+mn-lt"/>
-                <a:ea typeface="+mn-ea"/>
-                <a:cs typeface="+mn-cs"/>
-              </a:defRPr>
-            </a:lvl8pPr>
-            <a:lvl9pPr marL="3886200" indent="-228600" algn="l" defTabSz="914400" rtl="0" eaLnBrk="1" latinLnBrk="0" hangingPunct="1">
-              <a:lnSpc>
-                <a:spcPct val="90000"/>
-              </a:lnSpc>
-              <a:spcBef>
-                <a:spcPts val="500"/>
-              </a:spcBef>
-              <a:buFont typeface="Arial" panose="020B0604020202020204" pitchFamily="34" charset="0"/>
-              <a:buChar char="•"/>
-              <a:defRPr sz="1800" kern="1200">
-                <a:solidFill>
-                  <a:schemeClr val="tx1"/>
-                </a:solidFill>
-                <a:latin typeface="+mn-lt"/>
-                <a:ea typeface="+mn-ea"/>
-                <a:cs typeface="+mn-cs"/>
-              </a:defRPr>
-            </a:lvl9pPr>
-          </a:lstStyle>
-          <a:p>
-            <a:pPr marL="228600" marR="0" lvl="0" indent="-228600" algn="l" defTabSz="914400" rtl="0" eaLnBrk="1" fontAlgn="auto" latinLnBrk="0" hangingPunct="1">
-              <a:lnSpc>
-                <a:spcPct val="90000"/>
-              </a:lnSpc>
-              <a:spcBef>
-                <a:spcPts val="1000"/>
-              </a:spcBef>
-              <a:spcAft>
-                <a:spcPts val="0"/>
-              </a:spcAft>
-              <a:buClrTx/>
-              <a:buSzTx/>
-              <a:buFont typeface="Courier New" panose="02070309020205020404" pitchFamily="49" charset="0"/>
-              <a:buChar char="o"/>
-              <a:tabLst/>
-              <a:defRPr/>
-            </a:pPr>
-            <a:r>
-              <a:rPr kumimoji="0" lang="en-US" sz="2800" b="1" i="0" u="none" strike="noStrike" kern="1200" cap="none" spc="0" normalizeH="0" baseline="0" noProof="0" dirty="0">
-                <a:ln>
-                  <a:noFill/>
-                </a:ln>
-                <a:solidFill>
-                  <a:srgbClr val="262626"/>
-                </a:solidFill>
-                <a:effectLst/>
-                <a:uLnTx/>
-                <a:uFillTx/>
-                <a:latin typeface="Calibri Light" panose="020F0302020204030204"/>
-                <a:ea typeface="+mn-ea"/>
-                <a:cs typeface="+mn-cs"/>
-              </a:rPr>
-              <a:t> </a:t>
-            </a:r>
-            <a:r>
-              <a:rPr kumimoji="0" lang="en-US" sz="2800" b="1" i="0" u="none" strike="noStrike" kern="1200" cap="none" spc="0" normalizeH="0" baseline="0" noProof="0" dirty="0" err="1">
-                <a:ln>
-                  <a:noFill/>
-                </a:ln>
-                <a:solidFill>
-                  <a:srgbClr val="262626"/>
-                </a:solidFill>
-                <a:effectLst/>
-                <a:uLnTx/>
-                <a:uFillTx/>
-                <a:latin typeface="Calibri Light" panose="020F0302020204030204"/>
-                <a:ea typeface="+mn-ea"/>
-                <a:cs typeface="+mn-cs"/>
-              </a:rPr>
-              <a:t>ldsjfkdsfks</a:t>
-            </a:r>
-            <a:endParaRPr kumimoji="0" lang="en-US" sz="2800" b="1" i="0" u="none" strike="noStrike" kern="1200" cap="none" spc="0" normalizeH="0" baseline="0" noProof="0" dirty="0">
-              <a:ln>
-                <a:noFill/>
-              </a:ln>
-              <a:solidFill>
-                <a:srgbClr val="262626"/>
-              </a:solidFill>
-              <a:effectLst/>
-              <a:uLnTx/>
-              <a:uFillTx/>
-              <a:latin typeface="Calibri Light" panose="020F0302020204030204"/>
-              <a:ea typeface="+mn-ea"/>
-              <a:cs typeface="+mn-cs"/>
-            </a:endParaRPr>
-          </a:p>
-          <a:p>
-            <a:pPr marL="685800" marR="0" lvl="1" indent="-228600" algn="l" defTabSz="914400" rtl="0" eaLnBrk="1" fontAlgn="auto" latinLnBrk="0" hangingPunct="1">
-              <a:lnSpc>
-                <a:spcPct val="90000"/>
-              </a:lnSpc>
-              <a:spcBef>
-                <a:spcPts val="500"/>
-              </a:spcBef>
-              <a:spcAft>
-                <a:spcPts val="0"/>
-              </a:spcAft>
-              <a:buClrTx/>
-              <a:buSzTx/>
-              <a:buFont typeface="Courier New" panose="02070309020205020404" pitchFamily="49" charset="0"/>
-              <a:buChar char="o"/>
-              <a:tabLst/>
-              <a:defRPr/>
-            </a:pPr>
-            <a:endParaRPr kumimoji="0" lang="en-US" sz="2800" b="1" i="0" u="none" strike="noStrike" kern="1200" cap="none" spc="0" normalizeH="0" baseline="0" noProof="0" dirty="0">
-              <a:ln>
-                <a:noFill/>
-              </a:ln>
-              <a:solidFill>
-                <a:srgbClr val="262626"/>
-              </a:solidFill>
-              <a:effectLst/>
-              <a:uLnTx/>
-              <a:uFillTx/>
-              <a:latin typeface="Calibri Light" panose="020F0302020204030204"/>
-              <a:ea typeface="+mn-ea"/>
-              <a:cs typeface="+mn-cs"/>
-            </a:endParaRPr>
-          </a:p>
-        </p:txBody>
-      </p:sp>
     </p:spTree>
     <p:extLst>
       <p:ext uri="{BB962C8B-B14F-4D97-AF65-F5344CB8AC3E}">
-        <p14:creationId xmlns:p14="http://schemas.microsoft.com/office/powerpoint/2010/main" val="1579915666"/>
+        <p14:creationId xmlns:p14="http://schemas.microsoft.com/office/powerpoint/2010/main" val="4224663228"/>
       </p:ext>
     </p:extLst>
   </p:cSld>
@@ -6024,17 +5083,46 @@
           <a:bodyPr rtlCol="0" anchor="ctr"/>
           <a:lstStyle/>
           <a:p>
-            <a:pPr algn="ctr"/>
-            <a:endParaRPr lang="en-US"/>
+            <a:pPr marL="0" marR="0" lvl="0" indent="0" algn="ctr" defTabSz="914400" rtl="0" eaLnBrk="1" fontAlgn="auto" latinLnBrk="0" hangingPunct="1">
+              <a:lnSpc>
+                <a:spcPct val="100000"/>
+              </a:lnSpc>
+              <a:spcBef>
+                <a:spcPts val="0"/>
+              </a:spcBef>
+              <a:spcAft>
+                <a:spcPts val="0"/>
+              </a:spcAft>
+              <a:buClrTx/>
+              <a:buSzTx/>
+              <a:buFontTx/>
+              <a:buNone/>
+              <a:tabLst/>
+              <a:defRPr/>
+            </a:pPr>
+            <a:endParaRPr kumimoji="0" lang="en-US" sz="1800" b="0" i="0" u="none" strike="noStrike" kern="1200" cap="none" spc="0" normalizeH="0" baseline="0" noProof="0">
+              <a:ln>
+                <a:noFill/>
+              </a:ln>
+              <a:solidFill>
+                <a:prstClr val="white"/>
+              </a:solidFill>
+              <a:effectLst/>
+              <a:uLnTx/>
+              <a:uFillTx/>
+              <a:latin typeface="Calibri" panose="020F0502020204030204"/>
+              <a:ea typeface="+mn-ea"/>
+              <a:cs typeface="+mn-cs"/>
+            </a:endParaRPr>
           </a:p>
         </p:txBody>
       </p:sp>
       <p:pic>
         <p:nvPicPr>
-          <p:cNvPr id="9" name="Content Placeholder 4" descr="Terraform &amp; Spotify Data Engineering | Python In Plain English">
-            <a:extLst>
-              <a:ext uri="{FF2B5EF4-FFF2-40B4-BE49-F238E27FC236}">
-                <a16:creationId xmlns:a16="http://schemas.microsoft.com/office/drawing/2014/main" id="{EE9A1D33-E99C-4079-8458-B95631A1BB06}"/>
+          <p:cNvPr id="5" name="Content Placeholder 4" descr="Terraform &amp; Spotify Data Engineering | Python In Plain English">
+            <a:extLst>
+              <a:ext uri="{FF2B5EF4-FFF2-40B4-BE49-F238E27FC236}">
+                <a16:creationId xmlns:a16="http://schemas.microsoft.com/office/drawing/2014/main" id="{843EDE0C-EB57-4DD9-98B2-9FF5C24A7B94}"/>
               </a:ext>
             </a:extLst>
           </p:cNvPr>
@@ -6076,10 +5164,10 @@
       </p:pic>
       <p:sp>
         <p:nvSpPr>
-          <p:cNvPr id="14" name="Title 1">
-            <a:extLst>
-              <a:ext uri="{FF2B5EF4-FFF2-40B4-BE49-F238E27FC236}">
-                <a16:creationId xmlns:a16="http://schemas.microsoft.com/office/drawing/2014/main" id="{06EDEE77-4FA2-48B9-B9AD-45946FE46EB2}"/>
+          <p:cNvPr id="9" name="Title 1">
+            <a:extLst>
+              <a:ext uri="{FF2B5EF4-FFF2-40B4-BE49-F238E27FC236}">
+                <a16:creationId xmlns:a16="http://schemas.microsoft.com/office/drawing/2014/main" id="{426BB233-A55B-4835-80DC-FA6CA4516D5E}"/>
               </a:ext>
             </a:extLst>
           </p:cNvPr>
@@ -6122,6 +5210,23 @@
             </a:lvl1pPr>
           </a:lstStyle>
           <a:p>
+            <a:pPr marL="0" marR="0" lvl="0" indent="0" algn="l" defTabSz="914400" rtl="0" eaLnBrk="1" fontAlgn="auto" latinLnBrk="0" hangingPunct="1">
+              <a:lnSpc>
+                <a:spcPct val="90000"/>
+              </a:lnSpc>
+              <a:spcBef>
+                <a:spcPct val="0"/>
+              </a:spcBef>
+              <a:spcAft>
+                <a:spcPts val="0"/>
+              </a:spcAft>
+              <a:buClrTx/>
+              <a:buSzTx/>
+              <a:buFontTx/>
+              <a:buNone/>
+              <a:tabLst/>
+              <a:defRPr/>
+            </a:pPr>
             <a:r>
               <a:rPr lang="en-US" sz="4000" b="1" i="1" dirty="0">
                 <a:solidFill>
@@ -6129,23 +5234,31 @@
                 </a:solidFill>
                 <a:latin typeface="Ink Free" panose="03080402000500000000" pitchFamily="66" charset="0"/>
               </a:rPr>
-              <a:t>c o n c l u s i o n</a:t>
+              <a:t>c o d e</a:t>
             </a:r>
-            <a:endParaRPr lang="en-US" sz="2800" b="1" i="1" dirty="0">
+            <a:endParaRPr kumimoji="0" lang="en-US" sz="2800" b="1" i="1" u="none" strike="noStrike" kern="1200" cap="none" spc="0" normalizeH="0" baseline="0" noProof="0" dirty="0">
+              <a:ln>
+                <a:noFill/>
+              </a:ln>
               <a:solidFill>
-                <a:schemeClr val="bg1"/>
+                <a:prstClr val="white"/>
               </a:solidFill>
+              <a:effectLst/>
+              <a:uLnTx/>
+              <a:uFillTx/>
               <a:latin typeface="Ink Free" panose="03080402000500000000" pitchFamily="66" charset="0"/>
+              <a:ea typeface="+mj-ea"/>
+              <a:cs typeface="+mj-cs"/>
             </a:endParaRPr>
           </a:p>
         </p:txBody>
       </p:sp>
       <p:sp>
         <p:nvSpPr>
-          <p:cNvPr id="15" name="Content Placeholder 1">
-            <a:extLst>
-              <a:ext uri="{FF2B5EF4-FFF2-40B4-BE49-F238E27FC236}">
-                <a16:creationId xmlns:a16="http://schemas.microsoft.com/office/drawing/2014/main" id="{0D876D14-B92E-44C2-A552-8A0E54C91F10}"/>
+          <p:cNvPr id="10" name="Content Placeholder 1">
+            <a:extLst>
+              <a:ext uri="{FF2B5EF4-FFF2-40B4-BE49-F238E27FC236}">
+                <a16:creationId xmlns:a16="http://schemas.microsoft.com/office/drawing/2014/main" id="{F8009F92-071A-49E2-81A1-83C7D84ED0E9}"/>
               </a:ext>
             </a:extLst>
           </p:cNvPr>
@@ -6165,7 +5278,1640 @@
         </p:spPr>
         <p:txBody>
           <a:bodyPr vert="horz" lIns="91440" tIns="45720" rIns="91440" bIns="45720" rtlCol="0">
-            <a:normAutofit lnSpcReduction="10000"/>
+            <a:normAutofit/>
+          </a:bodyPr>
+          <a:lstStyle>
+            <a:lvl1pPr marL="228600" indent="-228600" algn="l" defTabSz="914400" rtl="0" eaLnBrk="1" latinLnBrk="0" hangingPunct="1">
+              <a:lnSpc>
+                <a:spcPct val="90000"/>
+              </a:lnSpc>
+              <a:spcBef>
+                <a:spcPts val="1000"/>
+              </a:spcBef>
+              <a:buFont typeface="Arial" panose="020B0604020202020204" pitchFamily="34" charset="0"/>
+              <a:buChar char="•"/>
+              <a:defRPr sz="2800" kern="1200">
+                <a:solidFill>
+                  <a:schemeClr val="tx1"/>
+                </a:solidFill>
+                <a:latin typeface="+mn-lt"/>
+                <a:ea typeface="+mn-ea"/>
+                <a:cs typeface="+mn-cs"/>
+              </a:defRPr>
+            </a:lvl1pPr>
+            <a:lvl2pPr marL="685800" indent="-228600" algn="l" defTabSz="914400" rtl="0" eaLnBrk="1" latinLnBrk="0" hangingPunct="1">
+              <a:lnSpc>
+                <a:spcPct val="90000"/>
+              </a:lnSpc>
+              <a:spcBef>
+                <a:spcPts val="500"/>
+              </a:spcBef>
+              <a:buFont typeface="Arial" panose="020B0604020202020204" pitchFamily="34" charset="0"/>
+              <a:buChar char="•"/>
+              <a:defRPr sz="2400" kern="1200">
+                <a:solidFill>
+                  <a:schemeClr val="tx1"/>
+                </a:solidFill>
+                <a:latin typeface="+mn-lt"/>
+                <a:ea typeface="+mn-ea"/>
+                <a:cs typeface="+mn-cs"/>
+              </a:defRPr>
+            </a:lvl2pPr>
+            <a:lvl3pPr marL="1143000" indent="-228600" algn="l" defTabSz="914400" rtl="0" eaLnBrk="1" latinLnBrk="0" hangingPunct="1">
+              <a:lnSpc>
+                <a:spcPct val="90000"/>
+              </a:lnSpc>
+              <a:spcBef>
+                <a:spcPts val="500"/>
+              </a:spcBef>
+              <a:buFont typeface="Arial" panose="020B0604020202020204" pitchFamily="34" charset="0"/>
+              <a:buChar char="•"/>
+              <a:defRPr sz="2000" kern="1200">
+                <a:solidFill>
+                  <a:schemeClr val="tx1"/>
+                </a:solidFill>
+                <a:latin typeface="+mn-lt"/>
+                <a:ea typeface="+mn-ea"/>
+                <a:cs typeface="+mn-cs"/>
+              </a:defRPr>
+            </a:lvl3pPr>
+            <a:lvl4pPr marL="1600200" indent="-228600" algn="l" defTabSz="914400" rtl="0" eaLnBrk="1" latinLnBrk="0" hangingPunct="1">
+              <a:lnSpc>
+                <a:spcPct val="90000"/>
+              </a:lnSpc>
+              <a:spcBef>
+                <a:spcPts val="500"/>
+              </a:spcBef>
+              <a:buFont typeface="Arial" panose="020B0604020202020204" pitchFamily="34" charset="0"/>
+              <a:buChar char="•"/>
+              <a:defRPr sz="1800" kern="1200">
+                <a:solidFill>
+                  <a:schemeClr val="tx1"/>
+                </a:solidFill>
+                <a:latin typeface="+mn-lt"/>
+                <a:ea typeface="+mn-ea"/>
+                <a:cs typeface="+mn-cs"/>
+              </a:defRPr>
+            </a:lvl4pPr>
+            <a:lvl5pPr marL="2057400" indent="-228600" algn="l" defTabSz="914400" rtl="0" eaLnBrk="1" latinLnBrk="0" hangingPunct="1">
+              <a:lnSpc>
+                <a:spcPct val="90000"/>
+              </a:lnSpc>
+              <a:spcBef>
+                <a:spcPts val="500"/>
+              </a:spcBef>
+              <a:buFont typeface="Arial" panose="020B0604020202020204" pitchFamily="34" charset="0"/>
+              <a:buChar char="•"/>
+              <a:defRPr sz="1800" kern="1200">
+                <a:solidFill>
+                  <a:schemeClr val="tx1"/>
+                </a:solidFill>
+                <a:latin typeface="+mn-lt"/>
+                <a:ea typeface="+mn-ea"/>
+                <a:cs typeface="+mn-cs"/>
+              </a:defRPr>
+            </a:lvl5pPr>
+            <a:lvl6pPr marL="2514600" indent="-228600" algn="l" defTabSz="914400" rtl="0" eaLnBrk="1" latinLnBrk="0" hangingPunct="1">
+              <a:lnSpc>
+                <a:spcPct val="90000"/>
+              </a:lnSpc>
+              <a:spcBef>
+                <a:spcPts val="500"/>
+              </a:spcBef>
+              <a:buFont typeface="Arial" panose="020B0604020202020204" pitchFamily="34" charset="0"/>
+              <a:buChar char="•"/>
+              <a:defRPr sz="1800" kern="1200">
+                <a:solidFill>
+                  <a:schemeClr val="tx1"/>
+                </a:solidFill>
+                <a:latin typeface="+mn-lt"/>
+                <a:ea typeface="+mn-ea"/>
+                <a:cs typeface="+mn-cs"/>
+              </a:defRPr>
+            </a:lvl6pPr>
+            <a:lvl7pPr marL="2971800" indent="-228600" algn="l" defTabSz="914400" rtl="0" eaLnBrk="1" latinLnBrk="0" hangingPunct="1">
+              <a:lnSpc>
+                <a:spcPct val="90000"/>
+              </a:lnSpc>
+              <a:spcBef>
+                <a:spcPts val="500"/>
+              </a:spcBef>
+              <a:buFont typeface="Arial" panose="020B0604020202020204" pitchFamily="34" charset="0"/>
+              <a:buChar char="•"/>
+              <a:defRPr sz="1800" kern="1200">
+                <a:solidFill>
+                  <a:schemeClr val="tx1"/>
+                </a:solidFill>
+                <a:latin typeface="+mn-lt"/>
+                <a:ea typeface="+mn-ea"/>
+                <a:cs typeface="+mn-cs"/>
+              </a:defRPr>
+            </a:lvl7pPr>
+            <a:lvl8pPr marL="3429000" indent="-228600" algn="l" defTabSz="914400" rtl="0" eaLnBrk="1" latinLnBrk="0" hangingPunct="1">
+              <a:lnSpc>
+                <a:spcPct val="90000"/>
+              </a:lnSpc>
+              <a:spcBef>
+                <a:spcPts val="500"/>
+              </a:spcBef>
+              <a:buFont typeface="Arial" panose="020B0604020202020204" pitchFamily="34" charset="0"/>
+              <a:buChar char="•"/>
+              <a:defRPr sz="1800" kern="1200">
+                <a:solidFill>
+                  <a:schemeClr val="tx1"/>
+                </a:solidFill>
+                <a:latin typeface="+mn-lt"/>
+                <a:ea typeface="+mn-ea"/>
+                <a:cs typeface="+mn-cs"/>
+              </a:defRPr>
+            </a:lvl8pPr>
+            <a:lvl9pPr marL="3886200" indent="-228600" algn="l" defTabSz="914400" rtl="0" eaLnBrk="1" latinLnBrk="0" hangingPunct="1">
+              <a:lnSpc>
+                <a:spcPct val="90000"/>
+              </a:lnSpc>
+              <a:spcBef>
+                <a:spcPts val="500"/>
+              </a:spcBef>
+              <a:buFont typeface="Arial" panose="020B0604020202020204" pitchFamily="34" charset="0"/>
+              <a:buChar char="•"/>
+              <a:defRPr sz="1800" kern="1200">
+                <a:solidFill>
+                  <a:schemeClr val="tx1"/>
+                </a:solidFill>
+                <a:latin typeface="+mn-lt"/>
+                <a:ea typeface="+mn-ea"/>
+                <a:cs typeface="+mn-cs"/>
+              </a:defRPr>
+            </a:lvl9pPr>
+          </a:lstStyle>
+          <a:p>
+            <a:pPr marL="228600" marR="0" lvl="0" indent="-228600" algn="l" defTabSz="914400" rtl="0" eaLnBrk="1" fontAlgn="auto" latinLnBrk="0" hangingPunct="1">
+              <a:lnSpc>
+                <a:spcPct val="90000"/>
+              </a:lnSpc>
+              <a:spcBef>
+                <a:spcPts val="1000"/>
+              </a:spcBef>
+              <a:spcAft>
+                <a:spcPts val="0"/>
+              </a:spcAft>
+              <a:buClrTx/>
+              <a:buSzTx/>
+              <a:buFont typeface="Courier New" panose="02070309020205020404" pitchFamily="49" charset="0"/>
+              <a:buChar char="o"/>
+              <a:tabLst/>
+              <a:defRPr/>
+            </a:pPr>
+            <a:r>
+              <a:rPr kumimoji="0" lang="en-US" sz="2800" b="1" i="0" u="none" strike="noStrike" kern="1200" cap="none" spc="0" normalizeH="0" baseline="0" noProof="0" dirty="0">
+                <a:ln>
+                  <a:noFill/>
+                </a:ln>
+                <a:solidFill>
+                  <a:srgbClr val="262626"/>
+                </a:solidFill>
+                <a:effectLst/>
+                <a:uLnTx/>
+                <a:uFillTx/>
+                <a:latin typeface="Calibri Light" panose="020F0302020204030204"/>
+                <a:ea typeface="+mn-ea"/>
+                <a:cs typeface="+mn-cs"/>
+              </a:rPr>
+              <a:t> </a:t>
+            </a:r>
+            <a:r>
+              <a:rPr kumimoji="0" lang="en-US" sz="2800" b="1" i="0" u="none" strike="noStrike" kern="1200" cap="none" spc="0" normalizeH="0" baseline="0" noProof="0" dirty="0" err="1">
+                <a:ln>
+                  <a:noFill/>
+                </a:ln>
+                <a:solidFill>
+                  <a:srgbClr val="262626"/>
+                </a:solidFill>
+                <a:effectLst/>
+                <a:uLnTx/>
+                <a:uFillTx/>
+                <a:latin typeface="Calibri Light" panose="020F0302020204030204"/>
+                <a:ea typeface="+mn-ea"/>
+                <a:cs typeface="+mn-cs"/>
+              </a:rPr>
+              <a:t>ldsjfkdsfks</a:t>
+            </a:r>
+            <a:endParaRPr kumimoji="0" lang="en-US" sz="2800" b="1" i="0" u="none" strike="noStrike" kern="1200" cap="none" spc="0" normalizeH="0" baseline="0" noProof="0" dirty="0">
+              <a:ln>
+                <a:noFill/>
+              </a:ln>
+              <a:solidFill>
+                <a:srgbClr val="262626"/>
+              </a:solidFill>
+              <a:effectLst/>
+              <a:uLnTx/>
+              <a:uFillTx/>
+              <a:latin typeface="Calibri Light" panose="020F0302020204030204"/>
+              <a:ea typeface="+mn-ea"/>
+              <a:cs typeface="+mn-cs"/>
+            </a:endParaRPr>
+          </a:p>
+          <a:p>
+            <a:pPr marL="685800" marR="0" lvl="1" indent="-228600" algn="l" defTabSz="914400" rtl="0" eaLnBrk="1" fontAlgn="auto" latinLnBrk="0" hangingPunct="1">
+              <a:lnSpc>
+                <a:spcPct val="90000"/>
+              </a:lnSpc>
+              <a:spcBef>
+                <a:spcPts val="500"/>
+              </a:spcBef>
+              <a:spcAft>
+                <a:spcPts val="0"/>
+              </a:spcAft>
+              <a:buClrTx/>
+              <a:buSzTx/>
+              <a:buFont typeface="Courier New" panose="02070309020205020404" pitchFamily="49" charset="0"/>
+              <a:buChar char="o"/>
+              <a:tabLst/>
+              <a:defRPr/>
+            </a:pPr>
+            <a:endParaRPr kumimoji="0" lang="en-US" sz="2800" b="1" i="0" u="none" strike="noStrike" kern="1200" cap="none" spc="0" normalizeH="0" baseline="0" noProof="0" dirty="0">
+              <a:ln>
+                <a:noFill/>
+              </a:ln>
+              <a:solidFill>
+                <a:srgbClr val="262626"/>
+              </a:solidFill>
+              <a:effectLst/>
+              <a:uLnTx/>
+              <a:uFillTx/>
+              <a:latin typeface="Calibri Light" panose="020F0302020204030204"/>
+              <a:ea typeface="+mn-ea"/>
+              <a:cs typeface="+mn-cs"/>
+            </a:endParaRPr>
+          </a:p>
+        </p:txBody>
+      </p:sp>
+    </p:spTree>
+    <p:extLst>
+      <p:ext uri="{BB962C8B-B14F-4D97-AF65-F5344CB8AC3E}">
+        <p14:creationId xmlns:p14="http://schemas.microsoft.com/office/powerpoint/2010/main" val="2954498260"/>
+      </p:ext>
+    </p:extLst>
+  </p:cSld>
+  <p:clrMapOvr>
+    <a:masterClrMapping/>
+  </p:clrMapOvr>
+</p:sld>
+</file>
+
+<file path=ppt/slides/slide15.xml><?xml version="1.0" encoding="utf-8"?>
+<p:sld xmlns:a="http://schemas.openxmlformats.org/drawingml/2006/main" xmlns:r="http://schemas.openxmlformats.org/officeDocument/2006/relationships" xmlns:p="http://schemas.openxmlformats.org/presentationml/2006/main">
+  <p:cSld>
+    <p:bg>
+      <p:bgPr>
+        <a:solidFill>
+          <a:schemeClr val="bg1"/>
+        </a:solidFill>
+        <a:effectLst/>
+      </p:bgPr>
+    </p:bg>
+    <p:spTree>
+      <p:nvGrpSpPr>
+        <p:cNvPr id="1" name=""/>
+        <p:cNvGrpSpPr/>
+        <p:nvPr/>
+      </p:nvGrpSpPr>
+      <p:grpSpPr>
+        <a:xfrm>
+          <a:off x="0" y="0"/>
+          <a:ext cx="0" cy="0"/>
+          <a:chOff x="0" y="0"/>
+          <a:chExt cx="0" cy="0"/>
+        </a:xfrm>
+      </p:grpSpPr>
+      <p:sp>
+        <p:nvSpPr>
+          <p:cNvPr id="11" name="Rectangle 10">
+            <a:extLst>
+              <a:ext uri="{FF2B5EF4-FFF2-40B4-BE49-F238E27FC236}">
+                <a16:creationId xmlns:a16="http://schemas.microsoft.com/office/drawing/2014/main" id="{2E614F1C-2D93-42D0-B229-768199449923}"/>
+              </a:ext>
+              <a:ext uri="{C183D7F6-B498-43B3-948B-1728B52AA6E4}">
+                <adec:decorative xmlns:adec="http://schemas.microsoft.com/office/drawing/2017/decorative" val="1"/>
+              </a:ext>
+            </a:extLst>
+          </p:cNvPr>
+          <p:cNvSpPr>
+            <a:spLocks noGrp="1" noRot="1" noChangeAspect="1" noMove="1" noResize="1" noEditPoints="1" noAdjustHandles="1" noChangeArrowheads="1" noChangeShapeType="1" noTextEdit="1"/>
+          </p:cNvSpPr>
+          <p:nvPr>
+            <p:extLst>
+              <p:ext uri="{386F3935-93C4-4BCD-93E2-E3B085C9AB24}">
+                <p16:designElem xmlns:p16="http://schemas.microsoft.com/office/powerpoint/2015/main" val="1"/>
+              </p:ext>
+            </p:extLst>
+          </p:nvPr>
+        </p:nvSpPr>
+        <p:spPr bwMode="white">
+          <a:xfrm>
+            <a:off x="7403089" y="0"/>
+            <a:ext cx="4788912" cy="6858000"/>
+          </a:xfrm>
+          <a:prstGeom prst="rect">
+            <a:avLst/>
+          </a:prstGeom>
+          <a:solidFill>
+            <a:schemeClr val="tx1">
+              <a:lumMod val="85000"/>
+              <a:lumOff val="15000"/>
+            </a:schemeClr>
+          </a:solidFill>
+          <a:ln>
+            <a:noFill/>
+          </a:ln>
+        </p:spPr>
+        <p:style>
+          <a:lnRef idx="2">
+            <a:schemeClr val="accent1">
+              <a:shade val="50000"/>
+            </a:schemeClr>
+          </a:lnRef>
+          <a:fillRef idx="1">
+            <a:schemeClr val="accent1"/>
+          </a:fillRef>
+          <a:effectRef idx="0">
+            <a:schemeClr val="accent1"/>
+          </a:effectRef>
+          <a:fontRef idx="minor">
+            <a:schemeClr val="lt1"/>
+          </a:fontRef>
+        </p:style>
+        <p:txBody>
+          <a:bodyPr rtlCol="0" anchor="ctr"/>
+          <a:lstStyle/>
+          <a:p>
+            <a:pPr marL="0" marR="0" lvl="0" indent="0" algn="ctr" defTabSz="914400" rtl="0" eaLnBrk="1" fontAlgn="auto" latinLnBrk="0" hangingPunct="1">
+              <a:lnSpc>
+                <a:spcPct val="100000"/>
+              </a:lnSpc>
+              <a:spcBef>
+                <a:spcPts val="0"/>
+              </a:spcBef>
+              <a:spcAft>
+                <a:spcPts val="0"/>
+              </a:spcAft>
+              <a:buClrTx/>
+              <a:buSzTx/>
+              <a:buFontTx/>
+              <a:buNone/>
+              <a:tabLst/>
+              <a:defRPr/>
+            </a:pPr>
+            <a:endParaRPr kumimoji="0" lang="en-US" sz="1800" b="0" i="0" u="none" strike="noStrike" kern="1200" cap="none" spc="0" normalizeH="0" baseline="0" noProof="0">
+              <a:ln>
+                <a:noFill/>
+              </a:ln>
+              <a:solidFill>
+                <a:prstClr val="white"/>
+              </a:solidFill>
+              <a:effectLst/>
+              <a:uLnTx/>
+              <a:uFillTx/>
+              <a:latin typeface="Calibri" panose="020F0502020204030204"/>
+              <a:ea typeface="+mn-ea"/>
+              <a:cs typeface="+mn-cs"/>
+            </a:endParaRPr>
+          </a:p>
+        </p:txBody>
+      </p:sp>
+      <p:pic>
+        <p:nvPicPr>
+          <p:cNvPr id="5" name="Content Placeholder 4" descr="Terraform &amp; Spotify Data Engineering | Python In Plain English">
+            <a:extLst>
+              <a:ext uri="{FF2B5EF4-FFF2-40B4-BE49-F238E27FC236}">
+                <a16:creationId xmlns:a16="http://schemas.microsoft.com/office/drawing/2014/main" id="{843EDE0C-EB57-4DD9-98B2-9FF5C24A7B94}"/>
+              </a:ext>
+            </a:extLst>
+          </p:cNvPr>
+          <p:cNvPicPr>
+            <a:picLocks noChangeAspect="1" noChangeArrowheads="1"/>
+          </p:cNvPicPr>
+          <p:nvPr/>
+        </p:nvPicPr>
+        <p:blipFill rotWithShape="1">
+          <a:blip r:embed="rId2">
+            <a:extLst>
+              <a:ext uri="{28A0092B-C50C-407E-A947-70E740481C1C}">
+                <a14:useLocalDpi xmlns:a14="http://schemas.microsoft.com/office/drawing/2010/main" val="0"/>
+              </a:ext>
+            </a:extLst>
+          </a:blip>
+          <a:srcRect l="9719" r="9804"/>
+          <a:stretch/>
+        </p:blipFill>
+        <p:spPr bwMode="auto">
+          <a:xfrm>
+            <a:off x="11084560" y="5770880"/>
+            <a:ext cx="1107440" cy="1016000"/>
+          </a:xfrm>
+          <a:prstGeom prst="rect">
+            <a:avLst/>
+          </a:prstGeom>
+          <a:noFill/>
+          <a:extLst>
+            <a:ext uri="{909E8E84-426E-40DD-AFC4-6F175D3DCCD1}">
+              <a14:hiddenFill xmlns:a14="http://schemas.microsoft.com/office/drawing/2010/main">
+                <a:solidFill>
+                  <a:srgbClr val="FFFFFF"/>
+                </a:solidFill>
+              </a14:hiddenFill>
+            </a:ext>
+          </a:extLst>
+        </p:spPr>
+      </p:pic>
+      <p:sp>
+        <p:nvSpPr>
+          <p:cNvPr id="9" name="Title 1">
+            <a:extLst>
+              <a:ext uri="{FF2B5EF4-FFF2-40B4-BE49-F238E27FC236}">
+                <a16:creationId xmlns:a16="http://schemas.microsoft.com/office/drawing/2014/main" id="{426BB233-A55B-4835-80DC-FA6CA4516D5E}"/>
+              </a:ext>
+            </a:extLst>
+          </p:cNvPr>
+          <p:cNvSpPr txBox="1">
+            <a:spLocks/>
+          </p:cNvSpPr>
+          <p:nvPr/>
+        </p:nvSpPr>
+        <p:spPr>
+          <a:xfrm>
+            <a:off x="0" y="0"/>
+            <a:ext cx="11504086" cy="1236440"/>
+          </a:xfrm>
+          <a:prstGeom prst="rect">
+            <a:avLst/>
+          </a:prstGeom>
+          <a:noFill/>
+        </p:spPr>
+        <p:txBody>
+          <a:bodyPr vert="horz" lIns="91440" tIns="45720" rIns="91440" bIns="45720" rtlCol="0" anchor="ctr">
+            <a:normAutofit/>
+          </a:bodyPr>
+          <a:lstStyle>
+            <a:lvl1pPr algn="l" defTabSz="914400" rtl="0" eaLnBrk="1" latinLnBrk="0" hangingPunct="1">
+              <a:lnSpc>
+                <a:spcPct val="90000"/>
+              </a:lnSpc>
+              <a:spcBef>
+                <a:spcPct val="0"/>
+              </a:spcBef>
+              <a:buNone/>
+              <a:defRPr sz="4400" kern="1200">
+                <a:solidFill>
+                  <a:schemeClr val="tx1"/>
+                </a:solidFill>
+                <a:latin typeface="+mj-lt"/>
+                <a:ea typeface="+mj-ea"/>
+                <a:cs typeface="+mj-cs"/>
+              </a:defRPr>
+            </a:lvl1pPr>
+          </a:lstStyle>
+          <a:p>
+            <a:pPr marL="0" marR="0" lvl="0" indent="0" algn="l" defTabSz="914400" rtl="0" eaLnBrk="1" fontAlgn="auto" latinLnBrk="0" hangingPunct="1">
+              <a:lnSpc>
+                <a:spcPct val="90000"/>
+              </a:lnSpc>
+              <a:spcBef>
+                <a:spcPct val="0"/>
+              </a:spcBef>
+              <a:spcAft>
+                <a:spcPts val="0"/>
+              </a:spcAft>
+              <a:buClrTx/>
+              <a:buSzTx/>
+              <a:buFontTx/>
+              <a:buNone/>
+              <a:tabLst/>
+              <a:defRPr/>
+            </a:pPr>
+            <a:r>
+              <a:rPr kumimoji="0" lang="en-US" sz="4000" b="1" i="1" u="none" strike="noStrike" kern="1200" cap="none" spc="0" normalizeH="0" baseline="0" noProof="0" dirty="0">
+                <a:ln>
+                  <a:noFill/>
+                </a:ln>
+                <a:solidFill>
+                  <a:srgbClr val="1ED760"/>
+                </a:solidFill>
+                <a:effectLst/>
+                <a:uLnTx/>
+                <a:uFillTx/>
+                <a:latin typeface="Ink Free" panose="03080402000500000000" pitchFamily="66" charset="0"/>
+                <a:ea typeface="+mj-ea"/>
+                <a:cs typeface="+mj-cs"/>
+              </a:rPr>
+              <a:t>o u r   g r a p h s</a:t>
+            </a:r>
+            <a:endParaRPr kumimoji="0" lang="en-US" sz="2800" b="1" i="1" u="none" strike="noStrike" kern="1200" cap="none" spc="0" normalizeH="0" baseline="0" noProof="0" dirty="0">
+              <a:ln>
+                <a:noFill/>
+              </a:ln>
+              <a:solidFill>
+                <a:prstClr val="white"/>
+              </a:solidFill>
+              <a:effectLst/>
+              <a:uLnTx/>
+              <a:uFillTx/>
+              <a:latin typeface="Ink Free" panose="03080402000500000000" pitchFamily="66" charset="0"/>
+              <a:ea typeface="+mj-ea"/>
+              <a:cs typeface="+mj-cs"/>
+            </a:endParaRPr>
+          </a:p>
+        </p:txBody>
+      </p:sp>
+      <p:sp>
+        <p:nvSpPr>
+          <p:cNvPr id="10" name="Content Placeholder 1">
+            <a:extLst>
+              <a:ext uri="{FF2B5EF4-FFF2-40B4-BE49-F238E27FC236}">
+                <a16:creationId xmlns:a16="http://schemas.microsoft.com/office/drawing/2014/main" id="{F8009F92-071A-49E2-81A1-83C7D84ED0E9}"/>
+              </a:ext>
+            </a:extLst>
+          </p:cNvPr>
+          <p:cNvSpPr txBox="1">
+            <a:spLocks/>
+          </p:cNvSpPr>
+          <p:nvPr/>
+        </p:nvSpPr>
+        <p:spPr>
+          <a:xfrm>
+            <a:off x="376024" y="1520825"/>
+            <a:ext cx="6615326" cy="4351338"/>
+          </a:xfrm>
+          <a:prstGeom prst="rect">
+            <a:avLst/>
+          </a:prstGeom>
+        </p:spPr>
+        <p:txBody>
+          <a:bodyPr vert="horz" lIns="91440" tIns="45720" rIns="91440" bIns="45720" rtlCol="0">
+            <a:normAutofit/>
+          </a:bodyPr>
+          <a:lstStyle>
+            <a:lvl1pPr marL="228600" indent="-228600" algn="l" defTabSz="914400" rtl="0" eaLnBrk="1" latinLnBrk="0" hangingPunct="1">
+              <a:lnSpc>
+                <a:spcPct val="90000"/>
+              </a:lnSpc>
+              <a:spcBef>
+                <a:spcPts val="1000"/>
+              </a:spcBef>
+              <a:buFont typeface="Arial" panose="020B0604020202020204" pitchFamily="34" charset="0"/>
+              <a:buChar char="•"/>
+              <a:defRPr sz="2800" kern="1200">
+                <a:solidFill>
+                  <a:schemeClr val="tx1"/>
+                </a:solidFill>
+                <a:latin typeface="+mn-lt"/>
+                <a:ea typeface="+mn-ea"/>
+                <a:cs typeface="+mn-cs"/>
+              </a:defRPr>
+            </a:lvl1pPr>
+            <a:lvl2pPr marL="685800" indent="-228600" algn="l" defTabSz="914400" rtl="0" eaLnBrk="1" latinLnBrk="0" hangingPunct="1">
+              <a:lnSpc>
+                <a:spcPct val="90000"/>
+              </a:lnSpc>
+              <a:spcBef>
+                <a:spcPts val="500"/>
+              </a:spcBef>
+              <a:buFont typeface="Arial" panose="020B0604020202020204" pitchFamily="34" charset="0"/>
+              <a:buChar char="•"/>
+              <a:defRPr sz="2400" kern="1200">
+                <a:solidFill>
+                  <a:schemeClr val="tx1"/>
+                </a:solidFill>
+                <a:latin typeface="+mn-lt"/>
+                <a:ea typeface="+mn-ea"/>
+                <a:cs typeface="+mn-cs"/>
+              </a:defRPr>
+            </a:lvl2pPr>
+            <a:lvl3pPr marL="1143000" indent="-228600" algn="l" defTabSz="914400" rtl="0" eaLnBrk="1" latinLnBrk="0" hangingPunct="1">
+              <a:lnSpc>
+                <a:spcPct val="90000"/>
+              </a:lnSpc>
+              <a:spcBef>
+                <a:spcPts val="500"/>
+              </a:spcBef>
+              <a:buFont typeface="Arial" panose="020B0604020202020204" pitchFamily="34" charset="0"/>
+              <a:buChar char="•"/>
+              <a:defRPr sz="2000" kern="1200">
+                <a:solidFill>
+                  <a:schemeClr val="tx1"/>
+                </a:solidFill>
+                <a:latin typeface="+mn-lt"/>
+                <a:ea typeface="+mn-ea"/>
+                <a:cs typeface="+mn-cs"/>
+              </a:defRPr>
+            </a:lvl3pPr>
+            <a:lvl4pPr marL="1600200" indent="-228600" algn="l" defTabSz="914400" rtl="0" eaLnBrk="1" latinLnBrk="0" hangingPunct="1">
+              <a:lnSpc>
+                <a:spcPct val="90000"/>
+              </a:lnSpc>
+              <a:spcBef>
+                <a:spcPts val="500"/>
+              </a:spcBef>
+              <a:buFont typeface="Arial" panose="020B0604020202020204" pitchFamily="34" charset="0"/>
+              <a:buChar char="•"/>
+              <a:defRPr sz="1800" kern="1200">
+                <a:solidFill>
+                  <a:schemeClr val="tx1"/>
+                </a:solidFill>
+                <a:latin typeface="+mn-lt"/>
+                <a:ea typeface="+mn-ea"/>
+                <a:cs typeface="+mn-cs"/>
+              </a:defRPr>
+            </a:lvl4pPr>
+            <a:lvl5pPr marL="2057400" indent="-228600" algn="l" defTabSz="914400" rtl="0" eaLnBrk="1" latinLnBrk="0" hangingPunct="1">
+              <a:lnSpc>
+                <a:spcPct val="90000"/>
+              </a:lnSpc>
+              <a:spcBef>
+                <a:spcPts val="500"/>
+              </a:spcBef>
+              <a:buFont typeface="Arial" panose="020B0604020202020204" pitchFamily="34" charset="0"/>
+              <a:buChar char="•"/>
+              <a:defRPr sz="1800" kern="1200">
+                <a:solidFill>
+                  <a:schemeClr val="tx1"/>
+                </a:solidFill>
+                <a:latin typeface="+mn-lt"/>
+                <a:ea typeface="+mn-ea"/>
+                <a:cs typeface="+mn-cs"/>
+              </a:defRPr>
+            </a:lvl5pPr>
+            <a:lvl6pPr marL="2514600" indent="-228600" algn="l" defTabSz="914400" rtl="0" eaLnBrk="1" latinLnBrk="0" hangingPunct="1">
+              <a:lnSpc>
+                <a:spcPct val="90000"/>
+              </a:lnSpc>
+              <a:spcBef>
+                <a:spcPts val="500"/>
+              </a:spcBef>
+              <a:buFont typeface="Arial" panose="020B0604020202020204" pitchFamily="34" charset="0"/>
+              <a:buChar char="•"/>
+              <a:defRPr sz="1800" kern="1200">
+                <a:solidFill>
+                  <a:schemeClr val="tx1"/>
+                </a:solidFill>
+                <a:latin typeface="+mn-lt"/>
+                <a:ea typeface="+mn-ea"/>
+                <a:cs typeface="+mn-cs"/>
+              </a:defRPr>
+            </a:lvl6pPr>
+            <a:lvl7pPr marL="2971800" indent="-228600" algn="l" defTabSz="914400" rtl="0" eaLnBrk="1" latinLnBrk="0" hangingPunct="1">
+              <a:lnSpc>
+                <a:spcPct val="90000"/>
+              </a:lnSpc>
+              <a:spcBef>
+                <a:spcPts val="500"/>
+              </a:spcBef>
+              <a:buFont typeface="Arial" panose="020B0604020202020204" pitchFamily="34" charset="0"/>
+              <a:buChar char="•"/>
+              <a:defRPr sz="1800" kern="1200">
+                <a:solidFill>
+                  <a:schemeClr val="tx1"/>
+                </a:solidFill>
+                <a:latin typeface="+mn-lt"/>
+                <a:ea typeface="+mn-ea"/>
+                <a:cs typeface="+mn-cs"/>
+              </a:defRPr>
+            </a:lvl7pPr>
+            <a:lvl8pPr marL="3429000" indent="-228600" algn="l" defTabSz="914400" rtl="0" eaLnBrk="1" latinLnBrk="0" hangingPunct="1">
+              <a:lnSpc>
+                <a:spcPct val="90000"/>
+              </a:lnSpc>
+              <a:spcBef>
+                <a:spcPts val="500"/>
+              </a:spcBef>
+              <a:buFont typeface="Arial" panose="020B0604020202020204" pitchFamily="34" charset="0"/>
+              <a:buChar char="•"/>
+              <a:defRPr sz="1800" kern="1200">
+                <a:solidFill>
+                  <a:schemeClr val="tx1"/>
+                </a:solidFill>
+                <a:latin typeface="+mn-lt"/>
+                <a:ea typeface="+mn-ea"/>
+                <a:cs typeface="+mn-cs"/>
+              </a:defRPr>
+            </a:lvl8pPr>
+            <a:lvl9pPr marL="3886200" indent="-228600" algn="l" defTabSz="914400" rtl="0" eaLnBrk="1" latinLnBrk="0" hangingPunct="1">
+              <a:lnSpc>
+                <a:spcPct val="90000"/>
+              </a:lnSpc>
+              <a:spcBef>
+                <a:spcPts val="500"/>
+              </a:spcBef>
+              <a:buFont typeface="Arial" panose="020B0604020202020204" pitchFamily="34" charset="0"/>
+              <a:buChar char="•"/>
+              <a:defRPr sz="1800" kern="1200">
+                <a:solidFill>
+                  <a:schemeClr val="tx1"/>
+                </a:solidFill>
+                <a:latin typeface="+mn-lt"/>
+                <a:ea typeface="+mn-ea"/>
+                <a:cs typeface="+mn-cs"/>
+              </a:defRPr>
+            </a:lvl9pPr>
+          </a:lstStyle>
+          <a:p>
+            <a:pPr marL="228600" marR="0" lvl="0" indent="-228600" algn="l" defTabSz="914400" rtl="0" eaLnBrk="1" fontAlgn="auto" latinLnBrk="0" hangingPunct="1">
+              <a:lnSpc>
+                <a:spcPct val="90000"/>
+              </a:lnSpc>
+              <a:spcBef>
+                <a:spcPts val="1000"/>
+              </a:spcBef>
+              <a:spcAft>
+                <a:spcPts val="0"/>
+              </a:spcAft>
+              <a:buClrTx/>
+              <a:buSzTx/>
+              <a:buFont typeface="Courier New" panose="02070309020205020404" pitchFamily="49" charset="0"/>
+              <a:buChar char="o"/>
+              <a:tabLst/>
+              <a:defRPr/>
+            </a:pPr>
+            <a:r>
+              <a:rPr kumimoji="0" lang="en-US" sz="2800" b="1" i="0" u="none" strike="noStrike" kern="1200" cap="none" spc="0" normalizeH="0" baseline="0" noProof="0" dirty="0">
+                <a:ln>
+                  <a:noFill/>
+                </a:ln>
+                <a:solidFill>
+                  <a:srgbClr val="262626"/>
+                </a:solidFill>
+                <a:effectLst/>
+                <a:uLnTx/>
+                <a:uFillTx/>
+                <a:latin typeface="Calibri Light" panose="020F0302020204030204"/>
+                <a:ea typeface="+mn-ea"/>
+                <a:cs typeface="+mn-cs"/>
+              </a:rPr>
+              <a:t> </a:t>
+            </a:r>
+            <a:r>
+              <a:rPr kumimoji="0" lang="en-US" sz="2800" b="1" i="0" u="none" strike="noStrike" kern="1200" cap="none" spc="0" normalizeH="0" baseline="0" noProof="0" dirty="0" err="1">
+                <a:ln>
+                  <a:noFill/>
+                </a:ln>
+                <a:solidFill>
+                  <a:srgbClr val="262626"/>
+                </a:solidFill>
+                <a:effectLst/>
+                <a:uLnTx/>
+                <a:uFillTx/>
+                <a:latin typeface="Calibri Light" panose="020F0302020204030204"/>
+                <a:ea typeface="+mn-ea"/>
+                <a:cs typeface="+mn-cs"/>
+              </a:rPr>
+              <a:t>ldsjfkdsfks</a:t>
+            </a:r>
+            <a:endParaRPr kumimoji="0" lang="en-US" sz="2800" b="1" i="0" u="none" strike="noStrike" kern="1200" cap="none" spc="0" normalizeH="0" baseline="0" noProof="0" dirty="0">
+              <a:ln>
+                <a:noFill/>
+              </a:ln>
+              <a:solidFill>
+                <a:srgbClr val="262626"/>
+              </a:solidFill>
+              <a:effectLst/>
+              <a:uLnTx/>
+              <a:uFillTx/>
+              <a:latin typeface="Calibri Light" panose="020F0302020204030204"/>
+              <a:ea typeface="+mn-ea"/>
+              <a:cs typeface="+mn-cs"/>
+            </a:endParaRPr>
+          </a:p>
+          <a:p>
+            <a:pPr marL="685800" marR="0" lvl="1" indent="-228600" algn="l" defTabSz="914400" rtl="0" eaLnBrk="1" fontAlgn="auto" latinLnBrk="0" hangingPunct="1">
+              <a:lnSpc>
+                <a:spcPct val="90000"/>
+              </a:lnSpc>
+              <a:spcBef>
+                <a:spcPts val="500"/>
+              </a:spcBef>
+              <a:spcAft>
+                <a:spcPts val="0"/>
+              </a:spcAft>
+              <a:buClrTx/>
+              <a:buSzTx/>
+              <a:buFont typeface="Courier New" panose="02070309020205020404" pitchFamily="49" charset="0"/>
+              <a:buChar char="o"/>
+              <a:tabLst/>
+              <a:defRPr/>
+            </a:pPr>
+            <a:endParaRPr kumimoji="0" lang="en-US" sz="2800" b="1" i="0" u="none" strike="noStrike" kern="1200" cap="none" spc="0" normalizeH="0" baseline="0" noProof="0" dirty="0">
+              <a:ln>
+                <a:noFill/>
+              </a:ln>
+              <a:solidFill>
+                <a:srgbClr val="262626"/>
+              </a:solidFill>
+              <a:effectLst/>
+              <a:uLnTx/>
+              <a:uFillTx/>
+              <a:latin typeface="Calibri Light" panose="020F0302020204030204"/>
+              <a:ea typeface="+mn-ea"/>
+              <a:cs typeface="+mn-cs"/>
+            </a:endParaRPr>
+          </a:p>
+        </p:txBody>
+      </p:sp>
+    </p:spTree>
+    <p:extLst>
+      <p:ext uri="{BB962C8B-B14F-4D97-AF65-F5344CB8AC3E}">
+        <p14:creationId xmlns:p14="http://schemas.microsoft.com/office/powerpoint/2010/main" val="3183582397"/>
+      </p:ext>
+    </p:extLst>
+  </p:cSld>
+  <p:clrMapOvr>
+    <a:masterClrMapping/>
+  </p:clrMapOvr>
+</p:sld>
+</file>
+
+<file path=ppt/slides/slide16.xml><?xml version="1.0" encoding="utf-8"?>
+<p:sld xmlns:a="http://schemas.openxmlformats.org/drawingml/2006/main" xmlns:r="http://schemas.openxmlformats.org/officeDocument/2006/relationships" xmlns:p="http://schemas.openxmlformats.org/presentationml/2006/main">
+  <p:cSld>
+    <p:bg>
+      <p:bgPr>
+        <a:solidFill>
+          <a:schemeClr val="bg1"/>
+        </a:solidFill>
+        <a:effectLst/>
+      </p:bgPr>
+    </p:bg>
+    <p:spTree>
+      <p:nvGrpSpPr>
+        <p:cNvPr id="1" name=""/>
+        <p:cNvGrpSpPr/>
+        <p:nvPr/>
+      </p:nvGrpSpPr>
+      <p:grpSpPr>
+        <a:xfrm>
+          <a:off x="0" y="0"/>
+          <a:ext cx="0" cy="0"/>
+          <a:chOff x="0" y="0"/>
+          <a:chExt cx="0" cy="0"/>
+        </a:xfrm>
+      </p:grpSpPr>
+      <p:sp>
+        <p:nvSpPr>
+          <p:cNvPr id="11" name="Rectangle 10">
+            <a:extLst>
+              <a:ext uri="{FF2B5EF4-FFF2-40B4-BE49-F238E27FC236}">
+                <a16:creationId xmlns:a16="http://schemas.microsoft.com/office/drawing/2014/main" id="{2E614F1C-2D93-42D0-B229-768199449923}"/>
+              </a:ext>
+              <a:ext uri="{C183D7F6-B498-43B3-948B-1728B52AA6E4}">
+                <adec:decorative xmlns:adec="http://schemas.microsoft.com/office/drawing/2017/decorative" val="1"/>
+              </a:ext>
+            </a:extLst>
+          </p:cNvPr>
+          <p:cNvSpPr>
+            <a:spLocks noGrp="1" noRot="1" noChangeAspect="1" noMove="1" noResize="1" noEditPoints="1" noAdjustHandles="1" noChangeArrowheads="1" noChangeShapeType="1" noTextEdit="1"/>
+          </p:cNvSpPr>
+          <p:nvPr>
+            <p:extLst>
+              <p:ext uri="{386F3935-93C4-4BCD-93E2-E3B085C9AB24}">
+                <p16:designElem xmlns:p16="http://schemas.microsoft.com/office/powerpoint/2015/main" val="1"/>
+              </p:ext>
+            </p:extLst>
+          </p:nvPr>
+        </p:nvSpPr>
+        <p:spPr bwMode="white">
+          <a:xfrm>
+            <a:off x="7403089" y="0"/>
+            <a:ext cx="4788912" cy="6858000"/>
+          </a:xfrm>
+          <a:prstGeom prst="rect">
+            <a:avLst/>
+          </a:prstGeom>
+          <a:solidFill>
+            <a:schemeClr val="tx1">
+              <a:lumMod val="85000"/>
+              <a:lumOff val="15000"/>
+            </a:schemeClr>
+          </a:solidFill>
+          <a:ln>
+            <a:noFill/>
+          </a:ln>
+        </p:spPr>
+        <p:style>
+          <a:lnRef idx="2">
+            <a:schemeClr val="accent1">
+              <a:shade val="50000"/>
+            </a:schemeClr>
+          </a:lnRef>
+          <a:fillRef idx="1">
+            <a:schemeClr val="accent1"/>
+          </a:fillRef>
+          <a:effectRef idx="0">
+            <a:schemeClr val="accent1"/>
+          </a:effectRef>
+          <a:fontRef idx="minor">
+            <a:schemeClr val="lt1"/>
+          </a:fontRef>
+        </p:style>
+        <p:txBody>
+          <a:bodyPr rtlCol="0" anchor="ctr"/>
+          <a:lstStyle/>
+          <a:p>
+            <a:pPr marL="0" marR="0" lvl="0" indent="0" algn="ctr" defTabSz="914400" rtl="0" eaLnBrk="1" fontAlgn="auto" latinLnBrk="0" hangingPunct="1">
+              <a:lnSpc>
+                <a:spcPct val="100000"/>
+              </a:lnSpc>
+              <a:spcBef>
+                <a:spcPts val="0"/>
+              </a:spcBef>
+              <a:spcAft>
+                <a:spcPts val="0"/>
+              </a:spcAft>
+              <a:buClrTx/>
+              <a:buSzTx/>
+              <a:buFontTx/>
+              <a:buNone/>
+              <a:tabLst/>
+              <a:defRPr/>
+            </a:pPr>
+            <a:endParaRPr kumimoji="0" lang="en-US" sz="1800" b="0" i="0" u="none" strike="noStrike" kern="1200" cap="none" spc="0" normalizeH="0" baseline="0" noProof="0">
+              <a:ln>
+                <a:noFill/>
+              </a:ln>
+              <a:solidFill>
+                <a:prstClr val="white"/>
+              </a:solidFill>
+              <a:effectLst/>
+              <a:uLnTx/>
+              <a:uFillTx/>
+              <a:latin typeface="Calibri" panose="020F0502020204030204"/>
+              <a:ea typeface="+mn-ea"/>
+              <a:cs typeface="+mn-cs"/>
+            </a:endParaRPr>
+          </a:p>
+        </p:txBody>
+      </p:sp>
+      <p:pic>
+        <p:nvPicPr>
+          <p:cNvPr id="5" name="Content Placeholder 4" descr="Terraform &amp; Spotify Data Engineering | Python In Plain English">
+            <a:extLst>
+              <a:ext uri="{FF2B5EF4-FFF2-40B4-BE49-F238E27FC236}">
+                <a16:creationId xmlns:a16="http://schemas.microsoft.com/office/drawing/2014/main" id="{843EDE0C-EB57-4DD9-98B2-9FF5C24A7B94}"/>
+              </a:ext>
+            </a:extLst>
+          </p:cNvPr>
+          <p:cNvPicPr>
+            <a:picLocks noChangeAspect="1" noChangeArrowheads="1"/>
+          </p:cNvPicPr>
+          <p:nvPr/>
+        </p:nvPicPr>
+        <p:blipFill rotWithShape="1">
+          <a:blip r:embed="rId2">
+            <a:extLst>
+              <a:ext uri="{28A0092B-C50C-407E-A947-70E740481C1C}">
+                <a14:useLocalDpi xmlns:a14="http://schemas.microsoft.com/office/drawing/2010/main" val="0"/>
+              </a:ext>
+            </a:extLst>
+          </a:blip>
+          <a:srcRect l="9719" r="9804"/>
+          <a:stretch/>
+        </p:blipFill>
+        <p:spPr bwMode="auto">
+          <a:xfrm>
+            <a:off x="11084560" y="5770880"/>
+            <a:ext cx="1107440" cy="1016000"/>
+          </a:xfrm>
+          <a:prstGeom prst="rect">
+            <a:avLst/>
+          </a:prstGeom>
+          <a:noFill/>
+          <a:extLst>
+            <a:ext uri="{909E8E84-426E-40DD-AFC4-6F175D3DCCD1}">
+              <a14:hiddenFill xmlns:a14="http://schemas.microsoft.com/office/drawing/2010/main">
+                <a:solidFill>
+                  <a:srgbClr val="FFFFFF"/>
+                </a:solidFill>
+              </a14:hiddenFill>
+            </a:ext>
+          </a:extLst>
+        </p:spPr>
+      </p:pic>
+      <p:sp>
+        <p:nvSpPr>
+          <p:cNvPr id="9" name="Title 1">
+            <a:extLst>
+              <a:ext uri="{FF2B5EF4-FFF2-40B4-BE49-F238E27FC236}">
+                <a16:creationId xmlns:a16="http://schemas.microsoft.com/office/drawing/2014/main" id="{426BB233-A55B-4835-80DC-FA6CA4516D5E}"/>
+              </a:ext>
+            </a:extLst>
+          </p:cNvPr>
+          <p:cNvSpPr txBox="1">
+            <a:spLocks/>
+          </p:cNvSpPr>
+          <p:nvPr/>
+        </p:nvSpPr>
+        <p:spPr>
+          <a:xfrm>
+            <a:off x="0" y="0"/>
+            <a:ext cx="11504086" cy="1236440"/>
+          </a:xfrm>
+          <a:prstGeom prst="rect">
+            <a:avLst/>
+          </a:prstGeom>
+          <a:noFill/>
+        </p:spPr>
+        <p:txBody>
+          <a:bodyPr vert="horz" lIns="91440" tIns="45720" rIns="91440" bIns="45720" rtlCol="0" anchor="ctr">
+            <a:normAutofit/>
+          </a:bodyPr>
+          <a:lstStyle>
+            <a:lvl1pPr algn="l" defTabSz="914400" rtl="0" eaLnBrk="1" latinLnBrk="0" hangingPunct="1">
+              <a:lnSpc>
+                <a:spcPct val="90000"/>
+              </a:lnSpc>
+              <a:spcBef>
+                <a:spcPct val="0"/>
+              </a:spcBef>
+              <a:buNone/>
+              <a:defRPr sz="4400" kern="1200">
+                <a:solidFill>
+                  <a:schemeClr val="tx1"/>
+                </a:solidFill>
+                <a:latin typeface="+mj-lt"/>
+                <a:ea typeface="+mj-ea"/>
+                <a:cs typeface="+mj-cs"/>
+              </a:defRPr>
+            </a:lvl1pPr>
+          </a:lstStyle>
+          <a:p>
+            <a:pPr marL="0" marR="0" lvl="0" indent="0" algn="l" defTabSz="914400" rtl="0" eaLnBrk="1" fontAlgn="auto" latinLnBrk="0" hangingPunct="1">
+              <a:lnSpc>
+                <a:spcPct val="90000"/>
+              </a:lnSpc>
+              <a:spcBef>
+                <a:spcPct val="0"/>
+              </a:spcBef>
+              <a:spcAft>
+                <a:spcPts val="0"/>
+              </a:spcAft>
+              <a:buClrTx/>
+              <a:buSzTx/>
+              <a:buFontTx/>
+              <a:buNone/>
+              <a:tabLst/>
+              <a:defRPr/>
+            </a:pPr>
+            <a:r>
+              <a:rPr lang="en-US" sz="4000" b="1" i="1" dirty="0">
+                <a:solidFill>
+                  <a:srgbClr val="1ED760"/>
+                </a:solidFill>
+                <a:latin typeface="Ink Free" panose="03080402000500000000" pitchFamily="66" charset="0"/>
+              </a:rPr>
+              <a:t> c o d e</a:t>
+            </a:r>
+            <a:endParaRPr kumimoji="0" lang="en-US" sz="2800" b="1" i="1" u="none" strike="noStrike" kern="1200" cap="none" spc="0" normalizeH="0" baseline="0" noProof="0" dirty="0">
+              <a:ln>
+                <a:noFill/>
+              </a:ln>
+              <a:solidFill>
+                <a:prstClr val="white"/>
+              </a:solidFill>
+              <a:effectLst/>
+              <a:uLnTx/>
+              <a:uFillTx/>
+              <a:latin typeface="Ink Free" panose="03080402000500000000" pitchFamily="66" charset="0"/>
+              <a:ea typeface="+mj-ea"/>
+              <a:cs typeface="+mj-cs"/>
+            </a:endParaRPr>
+          </a:p>
+        </p:txBody>
+      </p:sp>
+    </p:spTree>
+    <p:extLst>
+      <p:ext uri="{BB962C8B-B14F-4D97-AF65-F5344CB8AC3E}">
+        <p14:creationId xmlns:p14="http://schemas.microsoft.com/office/powerpoint/2010/main" val="1579915666"/>
+      </p:ext>
+    </p:extLst>
+  </p:cSld>
+  <p:clrMapOvr>
+    <a:masterClrMapping/>
+  </p:clrMapOvr>
+</p:sld>
+</file>
+
+<file path=ppt/slides/slide17.xml><?xml version="1.0" encoding="utf-8"?>
+<p:sld xmlns:a="http://schemas.openxmlformats.org/drawingml/2006/main" xmlns:r="http://schemas.openxmlformats.org/officeDocument/2006/relationships" xmlns:p="http://schemas.openxmlformats.org/presentationml/2006/main">
+  <p:cSld>
+    <p:bg>
+      <p:bgPr>
+        <a:solidFill>
+          <a:schemeClr val="bg1"/>
+        </a:solidFill>
+        <a:effectLst/>
+      </p:bgPr>
+    </p:bg>
+    <p:spTree>
+      <p:nvGrpSpPr>
+        <p:cNvPr id="1" name=""/>
+        <p:cNvGrpSpPr/>
+        <p:nvPr/>
+      </p:nvGrpSpPr>
+      <p:grpSpPr>
+        <a:xfrm>
+          <a:off x="0" y="0"/>
+          <a:ext cx="0" cy="0"/>
+          <a:chOff x="0" y="0"/>
+          <a:chExt cx="0" cy="0"/>
+        </a:xfrm>
+      </p:grpSpPr>
+      <p:sp>
+        <p:nvSpPr>
+          <p:cNvPr id="11" name="Rectangle 10">
+            <a:extLst>
+              <a:ext uri="{FF2B5EF4-FFF2-40B4-BE49-F238E27FC236}">
+                <a16:creationId xmlns:a16="http://schemas.microsoft.com/office/drawing/2014/main" id="{2E614F1C-2D93-42D0-B229-768199449923}"/>
+              </a:ext>
+              <a:ext uri="{C183D7F6-B498-43B3-948B-1728B52AA6E4}">
+                <adec:decorative xmlns:adec="http://schemas.microsoft.com/office/drawing/2017/decorative" val="1"/>
+              </a:ext>
+            </a:extLst>
+          </p:cNvPr>
+          <p:cNvSpPr>
+            <a:spLocks noGrp="1" noRot="1" noChangeAspect="1" noMove="1" noResize="1" noEditPoints="1" noAdjustHandles="1" noChangeArrowheads="1" noChangeShapeType="1" noTextEdit="1"/>
+          </p:cNvSpPr>
+          <p:nvPr>
+            <p:extLst>
+              <p:ext uri="{386F3935-93C4-4BCD-93E2-E3B085C9AB24}">
+                <p16:designElem xmlns:p16="http://schemas.microsoft.com/office/powerpoint/2015/main" val="1"/>
+              </p:ext>
+            </p:extLst>
+          </p:nvPr>
+        </p:nvSpPr>
+        <p:spPr bwMode="white">
+          <a:xfrm>
+            <a:off x="7403089" y="0"/>
+            <a:ext cx="4788912" cy="6858000"/>
+          </a:xfrm>
+          <a:prstGeom prst="rect">
+            <a:avLst/>
+          </a:prstGeom>
+          <a:solidFill>
+            <a:schemeClr val="tx1">
+              <a:lumMod val="85000"/>
+              <a:lumOff val="15000"/>
+            </a:schemeClr>
+          </a:solidFill>
+          <a:ln>
+            <a:noFill/>
+          </a:ln>
+        </p:spPr>
+        <p:style>
+          <a:lnRef idx="2">
+            <a:schemeClr val="accent1">
+              <a:shade val="50000"/>
+            </a:schemeClr>
+          </a:lnRef>
+          <a:fillRef idx="1">
+            <a:schemeClr val="accent1"/>
+          </a:fillRef>
+          <a:effectRef idx="0">
+            <a:schemeClr val="accent1"/>
+          </a:effectRef>
+          <a:fontRef idx="minor">
+            <a:schemeClr val="lt1"/>
+          </a:fontRef>
+        </p:style>
+        <p:txBody>
+          <a:bodyPr rtlCol="0" anchor="ctr"/>
+          <a:lstStyle/>
+          <a:p>
+            <a:pPr marL="0" marR="0" lvl="0" indent="0" algn="ctr" defTabSz="914400" rtl="0" eaLnBrk="1" fontAlgn="auto" latinLnBrk="0" hangingPunct="1">
+              <a:lnSpc>
+                <a:spcPct val="100000"/>
+              </a:lnSpc>
+              <a:spcBef>
+                <a:spcPts val="0"/>
+              </a:spcBef>
+              <a:spcAft>
+                <a:spcPts val="0"/>
+              </a:spcAft>
+              <a:buClrTx/>
+              <a:buSzTx/>
+              <a:buFontTx/>
+              <a:buNone/>
+              <a:tabLst/>
+              <a:defRPr/>
+            </a:pPr>
+            <a:endParaRPr kumimoji="0" lang="en-US" sz="1800" b="0" i="0" u="none" strike="noStrike" kern="1200" cap="none" spc="0" normalizeH="0" baseline="0" noProof="0">
+              <a:ln>
+                <a:noFill/>
+              </a:ln>
+              <a:solidFill>
+                <a:prstClr val="white"/>
+              </a:solidFill>
+              <a:effectLst/>
+              <a:uLnTx/>
+              <a:uFillTx/>
+              <a:latin typeface="Calibri" panose="020F0502020204030204"/>
+              <a:ea typeface="+mn-ea"/>
+              <a:cs typeface="+mn-cs"/>
+            </a:endParaRPr>
+          </a:p>
+        </p:txBody>
+      </p:sp>
+      <p:pic>
+        <p:nvPicPr>
+          <p:cNvPr id="5" name="Content Placeholder 4" descr="Terraform &amp; Spotify Data Engineering | Python In Plain English">
+            <a:extLst>
+              <a:ext uri="{FF2B5EF4-FFF2-40B4-BE49-F238E27FC236}">
+                <a16:creationId xmlns:a16="http://schemas.microsoft.com/office/drawing/2014/main" id="{843EDE0C-EB57-4DD9-98B2-9FF5C24A7B94}"/>
+              </a:ext>
+            </a:extLst>
+          </p:cNvPr>
+          <p:cNvPicPr>
+            <a:picLocks noChangeAspect="1" noChangeArrowheads="1"/>
+          </p:cNvPicPr>
+          <p:nvPr/>
+        </p:nvPicPr>
+        <p:blipFill rotWithShape="1">
+          <a:blip r:embed="rId2">
+            <a:extLst>
+              <a:ext uri="{28A0092B-C50C-407E-A947-70E740481C1C}">
+                <a14:useLocalDpi xmlns:a14="http://schemas.microsoft.com/office/drawing/2010/main" val="0"/>
+              </a:ext>
+            </a:extLst>
+          </a:blip>
+          <a:srcRect l="9719" r="9804"/>
+          <a:stretch/>
+        </p:blipFill>
+        <p:spPr bwMode="auto">
+          <a:xfrm>
+            <a:off x="11084560" y="5770880"/>
+            <a:ext cx="1107440" cy="1016000"/>
+          </a:xfrm>
+          <a:prstGeom prst="rect">
+            <a:avLst/>
+          </a:prstGeom>
+          <a:noFill/>
+          <a:extLst>
+            <a:ext uri="{909E8E84-426E-40DD-AFC4-6F175D3DCCD1}">
+              <a14:hiddenFill xmlns:a14="http://schemas.microsoft.com/office/drawing/2010/main">
+                <a:solidFill>
+                  <a:srgbClr val="FFFFFF"/>
+                </a:solidFill>
+              </a14:hiddenFill>
+            </a:ext>
+          </a:extLst>
+        </p:spPr>
+      </p:pic>
+      <p:sp>
+        <p:nvSpPr>
+          <p:cNvPr id="9" name="Title 1">
+            <a:extLst>
+              <a:ext uri="{FF2B5EF4-FFF2-40B4-BE49-F238E27FC236}">
+                <a16:creationId xmlns:a16="http://schemas.microsoft.com/office/drawing/2014/main" id="{426BB233-A55B-4835-80DC-FA6CA4516D5E}"/>
+              </a:ext>
+            </a:extLst>
+          </p:cNvPr>
+          <p:cNvSpPr txBox="1">
+            <a:spLocks/>
+          </p:cNvSpPr>
+          <p:nvPr/>
+        </p:nvSpPr>
+        <p:spPr>
+          <a:xfrm>
+            <a:off x="0" y="0"/>
+            <a:ext cx="11504086" cy="1236440"/>
+          </a:xfrm>
+          <a:prstGeom prst="rect">
+            <a:avLst/>
+          </a:prstGeom>
+          <a:noFill/>
+        </p:spPr>
+        <p:txBody>
+          <a:bodyPr vert="horz" lIns="91440" tIns="45720" rIns="91440" bIns="45720" rtlCol="0" anchor="ctr">
+            <a:normAutofit/>
+          </a:bodyPr>
+          <a:lstStyle>
+            <a:lvl1pPr algn="l" defTabSz="914400" rtl="0" eaLnBrk="1" latinLnBrk="0" hangingPunct="1">
+              <a:lnSpc>
+                <a:spcPct val="90000"/>
+              </a:lnSpc>
+              <a:spcBef>
+                <a:spcPct val="0"/>
+              </a:spcBef>
+              <a:buNone/>
+              <a:defRPr sz="4400" kern="1200">
+                <a:solidFill>
+                  <a:schemeClr val="tx1"/>
+                </a:solidFill>
+                <a:latin typeface="+mj-lt"/>
+                <a:ea typeface="+mj-ea"/>
+                <a:cs typeface="+mj-cs"/>
+              </a:defRPr>
+            </a:lvl1pPr>
+          </a:lstStyle>
+          <a:p>
+            <a:pPr marL="0" marR="0" lvl="0" indent="0" algn="l" defTabSz="914400" rtl="0" eaLnBrk="1" fontAlgn="auto" latinLnBrk="0" hangingPunct="1">
+              <a:lnSpc>
+                <a:spcPct val="90000"/>
+              </a:lnSpc>
+              <a:spcBef>
+                <a:spcPct val="0"/>
+              </a:spcBef>
+              <a:spcAft>
+                <a:spcPts val="0"/>
+              </a:spcAft>
+              <a:buClrTx/>
+              <a:buSzTx/>
+              <a:buFontTx/>
+              <a:buNone/>
+              <a:tabLst/>
+              <a:defRPr/>
+            </a:pPr>
+            <a:r>
+              <a:rPr kumimoji="0" lang="en-US" sz="4000" b="1" i="1" u="none" strike="noStrike" kern="1200" cap="none" spc="0" normalizeH="0" baseline="0" noProof="0" dirty="0">
+                <a:ln>
+                  <a:noFill/>
+                </a:ln>
+                <a:solidFill>
+                  <a:srgbClr val="1ED760"/>
+                </a:solidFill>
+                <a:effectLst/>
+                <a:uLnTx/>
+                <a:uFillTx/>
+                <a:latin typeface="Ink Free" panose="03080402000500000000" pitchFamily="66" charset="0"/>
+                <a:ea typeface="+mj-ea"/>
+                <a:cs typeface="+mj-cs"/>
+              </a:rPr>
+              <a:t>o u r</a:t>
+            </a:r>
+            <a:r>
+              <a:rPr lang="en-US" sz="4000" b="1" i="1" dirty="0">
+                <a:solidFill>
+                  <a:srgbClr val="1ED760"/>
+                </a:solidFill>
+                <a:latin typeface="Ink Free" panose="03080402000500000000" pitchFamily="66" charset="0"/>
+              </a:rPr>
+              <a:t>   g r a p h s</a:t>
+            </a:r>
+            <a:endParaRPr kumimoji="0" lang="en-US" sz="2800" b="1" i="1" u="none" strike="noStrike" kern="1200" cap="none" spc="0" normalizeH="0" baseline="0" noProof="0" dirty="0">
+              <a:ln>
+                <a:noFill/>
+              </a:ln>
+              <a:solidFill>
+                <a:prstClr val="white"/>
+              </a:solidFill>
+              <a:effectLst/>
+              <a:uLnTx/>
+              <a:uFillTx/>
+              <a:latin typeface="Ink Free" panose="03080402000500000000" pitchFamily="66" charset="0"/>
+              <a:ea typeface="+mj-ea"/>
+              <a:cs typeface="+mj-cs"/>
+            </a:endParaRPr>
+          </a:p>
+        </p:txBody>
+      </p:sp>
+    </p:spTree>
+    <p:extLst>
+      <p:ext uri="{BB962C8B-B14F-4D97-AF65-F5344CB8AC3E}">
+        <p14:creationId xmlns:p14="http://schemas.microsoft.com/office/powerpoint/2010/main" val="1629525628"/>
+      </p:ext>
+    </p:extLst>
+  </p:cSld>
+  <p:clrMapOvr>
+    <a:masterClrMapping/>
+  </p:clrMapOvr>
+</p:sld>
+</file>
+
+<file path=ppt/slides/slide18.xml><?xml version="1.0" encoding="utf-8"?>
+<p:sld xmlns:a="http://schemas.openxmlformats.org/drawingml/2006/main" xmlns:r="http://schemas.openxmlformats.org/officeDocument/2006/relationships" xmlns:p="http://schemas.openxmlformats.org/presentationml/2006/main">
+  <p:cSld>
+    <p:bg>
+      <p:bgPr>
+        <a:solidFill>
+          <a:schemeClr val="bg1"/>
+        </a:solidFill>
+        <a:effectLst/>
+      </p:bgPr>
+    </p:bg>
+    <p:spTree>
+      <p:nvGrpSpPr>
+        <p:cNvPr id="1" name=""/>
+        <p:cNvGrpSpPr/>
+        <p:nvPr/>
+      </p:nvGrpSpPr>
+      <p:grpSpPr>
+        <a:xfrm>
+          <a:off x="0" y="0"/>
+          <a:ext cx="0" cy="0"/>
+          <a:chOff x="0" y="0"/>
+          <a:chExt cx="0" cy="0"/>
+        </a:xfrm>
+      </p:grpSpPr>
+      <p:sp>
+        <p:nvSpPr>
+          <p:cNvPr id="11" name="Rectangle 10">
+            <a:extLst>
+              <a:ext uri="{FF2B5EF4-FFF2-40B4-BE49-F238E27FC236}">
+                <a16:creationId xmlns:a16="http://schemas.microsoft.com/office/drawing/2014/main" id="{2E614F1C-2D93-42D0-B229-768199449923}"/>
+              </a:ext>
+              <a:ext uri="{C183D7F6-B498-43B3-948B-1728B52AA6E4}">
+                <adec:decorative xmlns:adec="http://schemas.microsoft.com/office/drawing/2017/decorative" val="1"/>
+              </a:ext>
+            </a:extLst>
+          </p:cNvPr>
+          <p:cNvSpPr>
+            <a:spLocks noGrp="1" noRot="1" noChangeAspect="1" noMove="1" noResize="1" noEditPoints="1" noAdjustHandles="1" noChangeArrowheads="1" noChangeShapeType="1" noTextEdit="1"/>
+          </p:cNvSpPr>
+          <p:nvPr>
+            <p:extLst>
+              <p:ext uri="{386F3935-93C4-4BCD-93E2-E3B085C9AB24}">
+                <p16:designElem xmlns:p16="http://schemas.microsoft.com/office/powerpoint/2015/main" val="1"/>
+              </p:ext>
+            </p:extLst>
+          </p:nvPr>
+        </p:nvSpPr>
+        <p:spPr bwMode="white">
+          <a:xfrm>
+            <a:off x="7403089" y="0"/>
+            <a:ext cx="4788912" cy="6858000"/>
+          </a:xfrm>
+          <a:prstGeom prst="rect">
+            <a:avLst/>
+          </a:prstGeom>
+          <a:solidFill>
+            <a:schemeClr val="tx1">
+              <a:lumMod val="85000"/>
+              <a:lumOff val="15000"/>
+            </a:schemeClr>
+          </a:solidFill>
+          <a:ln>
+            <a:noFill/>
+          </a:ln>
+        </p:spPr>
+        <p:style>
+          <a:lnRef idx="2">
+            <a:schemeClr val="accent1">
+              <a:shade val="50000"/>
+            </a:schemeClr>
+          </a:lnRef>
+          <a:fillRef idx="1">
+            <a:schemeClr val="accent1"/>
+          </a:fillRef>
+          <a:effectRef idx="0">
+            <a:schemeClr val="accent1"/>
+          </a:effectRef>
+          <a:fontRef idx="minor">
+            <a:schemeClr val="lt1"/>
+          </a:fontRef>
+        </p:style>
+        <p:txBody>
+          <a:bodyPr rtlCol="0" anchor="ctr"/>
+          <a:lstStyle/>
+          <a:p>
+            <a:pPr algn="ctr"/>
+            <a:endParaRPr lang="en-US"/>
+          </a:p>
+        </p:txBody>
+      </p:sp>
+      <p:pic>
+        <p:nvPicPr>
+          <p:cNvPr id="9" name="Content Placeholder 4" descr="Terraform &amp; Spotify Data Engineering | Python In Plain English">
+            <a:extLst>
+              <a:ext uri="{FF2B5EF4-FFF2-40B4-BE49-F238E27FC236}">
+                <a16:creationId xmlns:a16="http://schemas.microsoft.com/office/drawing/2014/main" id="{EE9A1D33-E99C-4079-8458-B95631A1BB06}"/>
+              </a:ext>
+            </a:extLst>
+          </p:cNvPr>
+          <p:cNvPicPr>
+            <a:picLocks noChangeAspect="1" noChangeArrowheads="1"/>
+          </p:cNvPicPr>
+          <p:nvPr/>
+        </p:nvPicPr>
+        <p:blipFill rotWithShape="1">
+          <a:blip r:embed="rId2">
+            <a:extLst>
+              <a:ext uri="{28A0092B-C50C-407E-A947-70E740481C1C}">
+                <a14:useLocalDpi xmlns:a14="http://schemas.microsoft.com/office/drawing/2010/main" val="0"/>
+              </a:ext>
+            </a:extLst>
+          </a:blip>
+          <a:srcRect l="9719" r="9804"/>
+          <a:stretch/>
+        </p:blipFill>
+        <p:spPr bwMode="auto">
+          <a:xfrm>
+            <a:off x="11084560" y="5770880"/>
+            <a:ext cx="1107440" cy="1016000"/>
+          </a:xfrm>
+          <a:prstGeom prst="rect">
+            <a:avLst/>
+          </a:prstGeom>
+          <a:noFill/>
+          <a:extLst>
+            <a:ext uri="{909E8E84-426E-40DD-AFC4-6F175D3DCCD1}">
+              <a14:hiddenFill xmlns:a14="http://schemas.microsoft.com/office/drawing/2010/main">
+                <a:solidFill>
+                  <a:srgbClr val="FFFFFF"/>
+                </a:solidFill>
+              </a14:hiddenFill>
+            </a:ext>
+          </a:extLst>
+        </p:spPr>
+      </p:pic>
+      <p:sp>
+        <p:nvSpPr>
+          <p:cNvPr id="14" name="Title 1">
+            <a:extLst>
+              <a:ext uri="{FF2B5EF4-FFF2-40B4-BE49-F238E27FC236}">
+                <a16:creationId xmlns:a16="http://schemas.microsoft.com/office/drawing/2014/main" id="{06EDEE77-4FA2-48B9-B9AD-45946FE46EB2}"/>
+              </a:ext>
+            </a:extLst>
+          </p:cNvPr>
+          <p:cNvSpPr txBox="1">
+            <a:spLocks/>
+          </p:cNvSpPr>
+          <p:nvPr/>
+        </p:nvSpPr>
+        <p:spPr>
+          <a:xfrm>
+            <a:off x="0" y="0"/>
+            <a:ext cx="11504086" cy="1236440"/>
+          </a:xfrm>
+          <a:prstGeom prst="rect">
+            <a:avLst/>
+          </a:prstGeom>
+          <a:noFill/>
+        </p:spPr>
+        <p:txBody>
+          <a:bodyPr vert="horz" lIns="91440" tIns="45720" rIns="91440" bIns="45720" rtlCol="0" anchor="ctr">
+            <a:normAutofit/>
+          </a:bodyPr>
+          <a:lstStyle>
+            <a:lvl1pPr algn="l" defTabSz="914400" rtl="0" eaLnBrk="1" latinLnBrk="0" hangingPunct="1">
+              <a:lnSpc>
+                <a:spcPct val="90000"/>
+              </a:lnSpc>
+              <a:spcBef>
+                <a:spcPct val="0"/>
+              </a:spcBef>
+              <a:buNone/>
+              <a:defRPr sz="4400" kern="1200">
+                <a:solidFill>
+                  <a:schemeClr val="tx1"/>
+                </a:solidFill>
+                <a:latin typeface="+mj-lt"/>
+                <a:ea typeface="+mj-ea"/>
+                <a:cs typeface="+mj-cs"/>
+              </a:defRPr>
+            </a:lvl1pPr>
+          </a:lstStyle>
+          <a:p>
+            <a:r>
+              <a:rPr lang="en-US" sz="4000" b="1" i="1" dirty="0">
+                <a:solidFill>
+                  <a:srgbClr val="1ED760"/>
+                </a:solidFill>
+                <a:latin typeface="Ink Free" panose="03080402000500000000" pitchFamily="66" charset="0"/>
+              </a:rPr>
+              <a:t>c o n c l u s i o n</a:t>
+            </a:r>
+            <a:endParaRPr lang="en-US" sz="2800" b="1" i="1" dirty="0">
+              <a:solidFill>
+                <a:schemeClr val="bg1"/>
+              </a:solidFill>
+              <a:latin typeface="Ink Free" panose="03080402000500000000" pitchFamily="66" charset="0"/>
+            </a:endParaRPr>
+          </a:p>
+        </p:txBody>
+      </p:sp>
+      <p:sp>
+        <p:nvSpPr>
+          <p:cNvPr id="15" name="Content Placeholder 1">
+            <a:extLst>
+              <a:ext uri="{FF2B5EF4-FFF2-40B4-BE49-F238E27FC236}">
+                <a16:creationId xmlns:a16="http://schemas.microsoft.com/office/drawing/2014/main" id="{0D876D14-B92E-44C2-A552-8A0E54C91F10}"/>
+              </a:ext>
+            </a:extLst>
+          </p:cNvPr>
+          <p:cNvSpPr txBox="1">
+            <a:spLocks/>
+          </p:cNvSpPr>
+          <p:nvPr/>
+        </p:nvSpPr>
+        <p:spPr>
+          <a:xfrm>
+            <a:off x="376024" y="1520825"/>
+            <a:ext cx="6615326" cy="4351338"/>
+          </a:xfrm>
+          <a:prstGeom prst="rect">
+            <a:avLst/>
+          </a:prstGeom>
+        </p:spPr>
+        <p:txBody>
+          <a:bodyPr vert="horz" lIns="91440" tIns="45720" rIns="91440" bIns="45720" rtlCol="0">
+            <a:normAutofit fontScale="92500" lnSpcReduction="20000"/>
           </a:bodyPr>
           <a:lstStyle>
             <a:lvl1pPr marL="228600" indent="-228600" algn="l" defTabSz="914400" rtl="0" eaLnBrk="1" latinLnBrk="0" hangingPunct="1">
@@ -6393,6 +7139,19 @@
             </a:r>
           </a:p>
           <a:p>
+            <a:pPr marL="457200" lvl="1" indent="0">
+              <a:buNone/>
+            </a:pPr>
+            <a:endParaRPr lang="en-US" dirty="0">
+              <a:solidFill>
+                <a:srgbClr val="262626"/>
+              </a:solidFill>
+              <a:latin typeface="+mj-lt"/>
+              <a:ea typeface="+mj-ea"/>
+              <a:cs typeface="+mj-cs"/>
+            </a:endParaRPr>
+          </a:p>
+          <a:p>
             <a:pPr lvl="1">
               <a:buBlip>
                 <a:blip r:embed="rId3">
@@ -6417,6 +7176,19 @@
             </a:r>
           </a:p>
           <a:p>
+            <a:pPr marL="457200" lvl="1" indent="0">
+              <a:buNone/>
+            </a:pPr>
+            <a:endParaRPr lang="en-US" dirty="0">
+              <a:solidFill>
+                <a:srgbClr val="262626"/>
+              </a:solidFill>
+              <a:latin typeface="+mj-lt"/>
+              <a:ea typeface="+mj-ea"/>
+              <a:cs typeface="+mj-cs"/>
+            </a:endParaRPr>
+          </a:p>
+          <a:p>
             <a:pPr lvl="1">
               <a:buBlip>
                 <a:blip r:embed="rId3">
@@ -6439,6 +7211,19 @@
               </a:rPr>
               <a:t>As the years progress, the number of streams per artist will progress significantly</a:t>
             </a:r>
+          </a:p>
+          <a:p>
+            <a:pPr marL="457200" lvl="1" indent="0">
+              <a:buNone/>
+            </a:pPr>
+            <a:endParaRPr lang="en-US" dirty="0">
+              <a:solidFill>
+                <a:srgbClr val="262626"/>
+              </a:solidFill>
+              <a:latin typeface="+mj-lt"/>
+              <a:ea typeface="+mj-ea"/>
+              <a:cs typeface="+mj-cs"/>
+            </a:endParaRPr>
           </a:p>
           <a:p>
             <a:pPr lvl="1">
@@ -6612,7 +7397,7 @@
 </p:sld>
 </file>
 
-<file path=ppt/slides/slide15.xml><?xml version="1.0" encoding="utf-8"?>
+<file path=ppt/slides/slide19.xml><?xml version="1.0" encoding="utf-8"?>
 <p:sld xmlns:a="http://schemas.openxmlformats.org/drawingml/2006/main" xmlns:r="http://schemas.openxmlformats.org/officeDocument/2006/relationships" xmlns:p="http://schemas.openxmlformats.org/presentationml/2006/main">
   <p:cSld>
     <p:bg>
@@ -6824,7 +7609,7 @@
               <a:rPr lang="en-US" sz="3600" b="1" i="1" dirty="0">
                 <a:latin typeface="Ink Free" panose="03080402000500000000" pitchFamily="66" charset="0"/>
               </a:rPr>
-              <a:t>f i n i s h e d .   q u e s t i o n s ?</a:t>
+              <a:t>s o n g   o v e r .   q u e s t i o n s ?</a:t>
             </a:r>
           </a:p>
         </p:txBody>
@@ -9865,75 +10650,6 @@
               </a:rPr>
               <a:t>Using the tools from class, our base data has a combination of the Spotify API to bring in additional columns, US data in 2017, and the trimmed version to exclude erroneous Track Names and Artists.</a:t>
             </a:r>
-          </a:p>
-          <a:p>
-            <a:pPr>
-              <a:buBlip>
-                <a:blip r:embed="rId3">
-                  <a:extLst>
-                    <a:ext uri="{837473B0-CC2E-450A-ABE3-18F120FF3D39}">
-                      <a1611:picAttrSrcUrl xmlns:a1611="http://schemas.microsoft.com/office/drawing/2016/11/main" r:id="rId4"/>
-                    </a:ext>
-                  </a:extLst>
-                </a:blip>
-              </a:buBlip>
-            </a:pPr>
-            <a:endParaRPr lang="en-US" sz="2000" dirty="0">
-              <a:solidFill>
-                <a:srgbClr val="262626"/>
-              </a:solidFill>
-              <a:latin typeface="+mj-lt"/>
-            </a:endParaRPr>
-          </a:p>
-          <a:p>
-            <a:pPr>
-              <a:buBlip>
-                <a:blip r:embed="rId3">
-                  <a:extLst>
-                    <a:ext uri="{837473B0-CC2E-450A-ABE3-18F120FF3D39}">
-                      <a1611:picAttrSrcUrl xmlns:a1611="http://schemas.microsoft.com/office/drawing/2016/11/main" r:id="rId4"/>
-                    </a:ext>
-                  </a:extLst>
-                </a:blip>
-              </a:buBlip>
-            </a:pPr>
-            <a:r>
-              <a:rPr lang="en-US" sz="2000" dirty="0">
-                <a:solidFill>
-                  <a:srgbClr val="262626"/>
-                </a:solidFill>
-                <a:latin typeface="+mj-lt"/>
-              </a:rPr>
-              <a:t>Cam </a:t>
-            </a:r>
-            <a:r>
-              <a:rPr lang="en-US" sz="2000" dirty="0" err="1">
-                <a:solidFill>
-                  <a:srgbClr val="262626"/>
-                </a:solidFill>
-                <a:latin typeface="+mj-lt"/>
-              </a:rPr>
-              <a:t>api</a:t>
-            </a:r>
-            <a:endParaRPr lang="en-US" sz="2000" dirty="0">
-              <a:solidFill>
-                <a:srgbClr val="262626"/>
-              </a:solidFill>
-              <a:latin typeface="+mj-lt"/>
-            </a:endParaRPr>
-          </a:p>
-          <a:p>
-            <a:pPr>
-              <a:buBlip>
-                <a:blip r:embed="rId3">
-                  <a:extLst>
-                    <a:ext uri="{837473B0-CC2E-450A-ABE3-18F120FF3D39}">
-                      <a1611:picAttrSrcUrl xmlns:a1611="http://schemas.microsoft.com/office/drawing/2016/11/main" r:id="rId4"/>
-                    </a:ext>
-                  </a:extLst>
-                </a:blip>
-              </a:buBlip>
-            </a:pPr>
             <a:endParaRPr lang="en-US" sz="2000" dirty="0">
               <a:solidFill>
                 <a:srgbClr val="262626"/>
@@ -10142,7 +10858,7 @@
           </a:prstGeom>
           <a:ln w="38100">
             <a:solidFill>
-              <a:schemeClr val="bg1"/>
+              <a:srgbClr val="1ED760"/>
             </a:solidFill>
           </a:ln>
           <a:extLst>
@@ -10255,8 +10971,37 @@
           <a:bodyPr rtlCol="0" anchor="ctr"/>
           <a:lstStyle/>
           <a:p>
-            <a:pPr algn="ctr"/>
-            <a:endParaRPr lang="en-US"/>
+            <a:pPr marL="0" marR="0" lvl="0" indent="0" algn="ctr" defTabSz="914400" rtl="0" eaLnBrk="1" fontAlgn="auto" latinLnBrk="0" hangingPunct="1">
+              <a:lnSpc>
+                <a:spcPct val="100000"/>
+              </a:lnSpc>
+              <a:spcBef>
+                <a:spcPts val="0"/>
+              </a:spcBef>
+              <a:spcAft>
+                <a:spcPts val="0"/>
+              </a:spcAft>
+              <a:buClrTx/>
+              <a:buSzTx/>
+              <a:buFontTx/>
+              <a:buNone/>
+              <a:tabLst/>
+              <a:defRPr/>
+            </a:pPr>
+            <a:endParaRPr kumimoji="0" lang="en-US" sz="1800" b="0" i="0" u="none" strike="noStrike" kern="1200" cap="none" spc="0" normalizeH="0" baseline="0" noProof="0">
+              <a:ln>
+                <a:noFill/>
+              </a:ln>
+              <a:solidFill>
+                <a:prstClr val="white"/>
+              </a:solidFill>
+              <a:effectLst/>
+              <a:uLnTx/>
+              <a:uFillTx/>
+              <a:latin typeface="Calibri" panose="020F0502020204030204"/>
+              <a:ea typeface="+mn-ea"/>
+              <a:cs typeface="+mn-cs"/>
+            </a:endParaRPr>
           </a:p>
         </p:txBody>
       </p:sp>
@@ -10265,7 +11010,7 @@
           <p:cNvPr id="5" name="Content Placeholder 4" descr="Terraform &amp; Spotify Data Engineering | Python In Plain English">
             <a:extLst>
               <a:ext uri="{FF2B5EF4-FFF2-40B4-BE49-F238E27FC236}">
-                <a16:creationId xmlns:a16="http://schemas.microsoft.com/office/drawing/2014/main" id="{1D82E38B-A57A-4A72-BC02-A48E14940DA5}"/>
+                <a16:creationId xmlns:a16="http://schemas.microsoft.com/office/drawing/2014/main" id="{3CD7143D-AE3A-491F-AE69-11DDCDEBAFD4}"/>
               </a:ext>
             </a:extLst>
           </p:cNvPr>
@@ -10307,216 +11052,10 @@
       </p:pic>
       <p:sp>
         <p:nvSpPr>
-          <p:cNvPr id="8" name="Content Placeholder 1">
-            <a:extLst>
-              <a:ext uri="{FF2B5EF4-FFF2-40B4-BE49-F238E27FC236}">
-                <a16:creationId xmlns:a16="http://schemas.microsoft.com/office/drawing/2014/main" id="{EE7210D4-1A10-48EA-B614-F3FD1ED309CC}"/>
-              </a:ext>
-            </a:extLst>
-          </p:cNvPr>
-          <p:cNvSpPr txBox="1">
-            <a:spLocks/>
-          </p:cNvSpPr>
-          <p:nvPr/>
-        </p:nvSpPr>
-        <p:spPr>
-          <a:xfrm>
-            <a:off x="376024" y="1520825"/>
-            <a:ext cx="6615326" cy="4351338"/>
-          </a:xfrm>
-          <a:prstGeom prst="rect">
-            <a:avLst/>
-          </a:prstGeom>
-        </p:spPr>
-        <p:txBody>
-          <a:bodyPr vert="horz" lIns="91440" tIns="45720" rIns="91440" bIns="45720" rtlCol="0">
-            <a:normAutofit/>
-          </a:bodyPr>
-          <a:lstStyle>
-            <a:lvl1pPr marL="228600" indent="-228600" algn="l" defTabSz="914400" rtl="0" eaLnBrk="1" latinLnBrk="0" hangingPunct="1">
-              <a:lnSpc>
-                <a:spcPct val="90000"/>
-              </a:lnSpc>
-              <a:spcBef>
-                <a:spcPts val="1000"/>
-              </a:spcBef>
-              <a:buFont typeface="Arial" panose="020B0604020202020204" pitchFamily="34" charset="0"/>
-              <a:buChar char="•"/>
-              <a:defRPr sz="2800" kern="1200">
-                <a:solidFill>
-                  <a:schemeClr val="tx1"/>
-                </a:solidFill>
-                <a:latin typeface="+mn-lt"/>
-                <a:ea typeface="+mn-ea"/>
-                <a:cs typeface="+mn-cs"/>
-              </a:defRPr>
-            </a:lvl1pPr>
-            <a:lvl2pPr marL="685800" indent="-228600" algn="l" defTabSz="914400" rtl="0" eaLnBrk="1" latinLnBrk="0" hangingPunct="1">
-              <a:lnSpc>
-                <a:spcPct val="90000"/>
-              </a:lnSpc>
-              <a:spcBef>
-                <a:spcPts val="500"/>
-              </a:spcBef>
-              <a:buFont typeface="Arial" panose="020B0604020202020204" pitchFamily="34" charset="0"/>
-              <a:buChar char="•"/>
-              <a:defRPr sz="2400" kern="1200">
-                <a:solidFill>
-                  <a:schemeClr val="tx1"/>
-                </a:solidFill>
-                <a:latin typeface="+mn-lt"/>
-                <a:ea typeface="+mn-ea"/>
-                <a:cs typeface="+mn-cs"/>
-              </a:defRPr>
-            </a:lvl2pPr>
-            <a:lvl3pPr marL="1143000" indent="-228600" algn="l" defTabSz="914400" rtl="0" eaLnBrk="1" latinLnBrk="0" hangingPunct="1">
-              <a:lnSpc>
-                <a:spcPct val="90000"/>
-              </a:lnSpc>
-              <a:spcBef>
-                <a:spcPts val="500"/>
-              </a:spcBef>
-              <a:buFont typeface="Arial" panose="020B0604020202020204" pitchFamily="34" charset="0"/>
-              <a:buChar char="•"/>
-              <a:defRPr sz="2000" kern="1200">
-                <a:solidFill>
-                  <a:schemeClr val="tx1"/>
-                </a:solidFill>
-                <a:latin typeface="+mn-lt"/>
-                <a:ea typeface="+mn-ea"/>
-                <a:cs typeface="+mn-cs"/>
-              </a:defRPr>
-            </a:lvl3pPr>
-            <a:lvl4pPr marL="1600200" indent="-228600" algn="l" defTabSz="914400" rtl="0" eaLnBrk="1" latinLnBrk="0" hangingPunct="1">
-              <a:lnSpc>
-                <a:spcPct val="90000"/>
-              </a:lnSpc>
-              <a:spcBef>
-                <a:spcPts val="500"/>
-              </a:spcBef>
-              <a:buFont typeface="Arial" panose="020B0604020202020204" pitchFamily="34" charset="0"/>
-              <a:buChar char="•"/>
-              <a:defRPr sz="1800" kern="1200">
-                <a:solidFill>
-                  <a:schemeClr val="tx1"/>
-                </a:solidFill>
-                <a:latin typeface="+mn-lt"/>
-                <a:ea typeface="+mn-ea"/>
-                <a:cs typeface="+mn-cs"/>
-              </a:defRPr>
-            </a:lvl4pPr>
-            <a:lvl5pPr marL="2057400" indent="-228600" algn="l" defTabSz="914400" rtl="0" eaLnBrk="1" latinLnBrk="0" hangingPunct="1">
-              <a:lnSpc>
-                <a:spcPct val="90000"/>
-              </a:lnSpc>
-              <a:spcBef>
-                <a:spcPts val="500"/>
-              </a:spcBef>
-              <a:buFont typeface="Arial" panose="020B0604020202020204" pitchFamily="34" charset="0"/>
-              <a:buChar char="•"/>
-              <a:defRPr sz="1800" kern="1200">
-                <a:solidFill>
-                  <a:schemeClr val="tx1"/>
-                </a:solidFill>
-                <a:latin typeface="+mn-lt"/>
-                <a:ea typeface="+mn-ea"/>
-                <a:cs typeface="+mn-cs"/>
-              </a:defRPr>
-            </a:lvl5pPr>
-            <a:lvl6pPr marL="2514600" indent="-228600" algn="l" defTabSz="914400" rtl="0" eaLnBrk="1" latinLnBrk="0" hangingPunct="1">
-              <a:lnSpc>
-                <a:spcPct val="90000"/>
-              </a:lnSpc>
-              <a:spcBef>
-                <a:spcPts val="500"/>
-              </a:spcBef>
-              <a:buFont typeface="Arial" panose="020B0604020202020204" pitchFamily="34" charset="0"/>
-              <a:buChar char="•"/>
-              <a:defRPr sz="1800" kern="1200">
-                <a:solidFill>
-                  <a:schemeClr val="tx1"/>
-                </a:solidFill>
-                <a:latin typeface="+mn-lt"/>
-                <a:ea typeface="+mn-ea"/>
-                <a:cs typeface="+mn-cs"/>
-              </a:defRPr>
-            </a:lvl6pPr>
-            <a:lvl7pPr marL="2971800" indent="-228600" algn="l" defTabSz="914400" rtl="0" eaLnBrk="1" latinLnBrk="0" hangingPunct="1">
-              <a:lnSpc>
-                <a:spcPct val="90000"/>
-              </a:lnSpc>
-              <a:spcBef>
-                <a:spcPts val="500"/>
-              </a:spcBef>
-              <a:buFont typeface="Arial" panose="020B0604020202020204" pitchFamily="34" charset="0"/>
-              <a:buChar char="•"/>
-              <a:defRPr sz="1800" kern="1200">
-                <a:solidFill>
-                  <a:schemeClr val="tx1"/>
-                </a:solidFill>
-                <a:latin typeface="+mn-lt"/>
-                <a:ea typeface="+mn-ea"/>
-                <a:cs typeface="+mn-cs"/>
-              </a:defRPr>
-            </a:lvl7pPr>
-            <a:lvl8pPr marL="3429000" indent="-228600" algn="l" defTabSz="914400" rtl="0" eaLnBrk="1" latinLnBrk="0" hangingPunct="1">
-              <a:lnSpc>
-                <a:spcPct val="90000"/>
-              </a:lnSpc>
-              <a:spcBef>
-                <a:spcPts val="500"/>
-              </a:spcBef>
-              <a:buFont typeface="Arial" panose="020B0604020202020204" pitchFamily="34" charset="0"/>
-              <a:buChar char="•"/>
-              <a:defRPr sz="1800" kern="1200">
-                <a:solidFill>
-                  <a:schemeClr val="tx1"/>
-                </a:solidFill>
-                <a:latin typeface="+mn-lt"/>
-                <a:ea typeface="+mn-ea"/>
-                <a:cs typeface="+mn-cs"/>
-              </a:defRPr>
-            </a:lvl8pPr>
-            <a:lvl9pPr marL="3886200" indent="-228600" algn="l" defTabSz="914400" rtl="0" eaLnBrk="1" latinLnBrk="0" hangingPunct="1">
-              <a:lnSpc>
-                <a:spcPct val="90000"/>
-              </a:lnSpc>
-              <a:spcBef>
-                <a:spcPts val="500"/>
-              </a:spcBef>
-              <a:buFont typeface="Arial" panose="020B0604020202020204" pitchFamily="34" charset="0"/>
-              <a:buChar char="•"/>
-              <a:defRPr sz="1800" kern="1200">
-                <a:solidFill>
-                  <a:schemeClr val="tx1"/>
-                </a:solidFill>
-                <a:latin typeface="+mn-lt"/>
-                <a:ea typeface="+mn-ea"/>
-                <a:cs typeface="+mn-cs"/>
-              </a:defRPr>
-            </a:lvl9pPr>
-          </a:lstStyle>
-          <a:p>
-            <a:pPr marL="0" indent="0">
-              <a:buNone/>
-            </a:pPr>
-            <a:endParaRPr lang="en-US" sz="2800" b="1" dirty="0">
-              <a:solidFill>
-                <a:srgbClr val="262626"/>
-              </a:solidFill>
-              <a:latin typeface="+mj-lt"/>
-              <a:ea typeface="+mj-ea"/>
-              <a:cs typeface="+mj-cs"/>
-            </a:endParaRPr>
-          </a:p>
-        </p:txBody>
-      </p:sp>
-      <p:sp>
-        <p:nvSpPr>
-          <p:cNvPr id="9" name="Title 1">
-            <a:extLst>
-              <a:ext uri="{FF2B5EF4-FFF2-40B4-BE49-F238E27FC236}">
-                <a16:creationId xmlns:a16="http://schemas.microsoft.com/office/drawing/2014/main" id="{D8C10810-AC5E-494D-9CD2-414CEC04F8D6}"/>
+          <p:cNvPr id="8" name="Title 1">
+            <a:extLst>
+              <a:ext uri="{FF2B5EF4-FFF2-40B4-BE49-F238E27FC236}">
+                <a16:creationId xmlns:a16="http://schemas.microsoft.com/office/drawing/2014/main" id="{0140C57F-B1D0-4A30-B11E-B121C5C35128}"/>
               </a:ext>
             </a:extLst>
           </p:cNvPr>
@@ -10559,6 +11098,23 @@
             </a:lvl1pPr>
           </a:lstStyle>
           <a:p>
+            <a:pPr marL="0" marR="0" lvl="0" indent="0" algn="l" defTabSz="914400" rtl="0" eaLnBrk="1" fontAlgn="auto" latinLnBrk="0" hangingPunct="1">
+              <a:lnSpc>
+                <a:spcPct val="90000"/>
+              </a:lnSpc>
+              <a:spcBef>
+                <a:spcPct val="0"/>
+              </a:spcBef>
+              <a:spcAft>
+                <a:spcPts val="0"/>
+              </a:spcAft>
+              <a:buClrTx/>
+              <a:buSzTx/>
+              <a:buFontTx/>
+              <a:buNone/>
+              <a:tabLst/>
+              <a:defRPr/>
+            </a:pPr>
             <a:r>
               <a:rPr lang="en-US" sz="4000" b="1" i="1" dirty="0">
                 <a:solidFill>
@@ -10566,23 +11122,1373 @@
                 </a:solidFill>
                 <a:latin typeface="Ink Free" panose="03080402000500000000" pitchFamily="66" charset="0"/>
               </a:rPr>
-              <a:t>o u r   g r a p h s</a:t>
+              <a:t>s p o t i f y   A P I</a:t>
             </a:r>
-            <a:endParaRPr lang="en-US" sz="2800" b="1" i="1" dirty="0">
+            <a:endParaRPr kumimoji="0" lang="en-US" sz="2800" b="1" i="1" u="none" strike="noStrike" kern="1200" cap="none" spc="0" normalizeH="0" baseline="0" noProof="0" dirty="0">
+              <a:ln>
+                <a:noFill/>
+              </a:ln>
               <a:solidFill>
-                <a:schemeClr val="bg1"/>
+                <a:prstClr val="white"/>
               </a:solidFill>
+              <a:effectLst/>
+              <a:uLnTx/>
+              <a:uFillTx/>
               <a:latin typeface="Ink Free" panose="03080402000500000000" pitchFamily="66" charset="0"/>
+              <a:ea typeface="+mj-ea"/>
+              <a:cs typeface="+mj-cs"/>
             </a:endParaRPr>
           </a:p>
         </p:txBody>
       </p:sp>
+      <p:sp>
+        <p:nvSpPr>
+          <p:cNvPr id="6" name="Content Placeholder 1">
+            <a:extLst>
+              <a:ext uri="{FF2B5EF4-FFF2-40B4-BE49-F238E27FC236}">
+                <a16:creationId xmlns:a16="http://schemas.microsoft.com/office/drawing/2014/main" id="{163E7B8F-17E8-4ED0-AE47-6611FC1B58F8}"/>
+              </a:ext>
+            </a:extLst>
+          </p:cNvPr>
+          <p:cNvSpPr txBox="1">
+            <a:spLocks/>
+          </p:cNvSpPr>
+          <p:nvPr/>
+        </p:nvSpPr>
+        <p:spPr>
+          <a:xfrm>
+            <a:off x="376024" y="1520825"/>
+            <a:ext cx="6615326" cy="4351338"/>
+          </a:xfrm>
+          <a:prstGeom prst="rect">
+            <a:avLst/>
+          </a:prstGeom>
+        </p:spPr>
+        <p:txBody>
+          <a:bodyPr vert="horz" lIns="91440" tIns="45720" rIns="91440" bIns="45720" rtlCol="0">
+            <a:normAutofit/>
+          </a:bodyPr>
+          <a:lstStyle>
+            <a:lvl1pPr marL="228600" indent="-228600" algn="l" defTabSz="914400" rtl="0" eaLnBrk="1" latinLnBrk="0" hangingPunct="1">
+              <a:lnSpc>
+                <a:spcPct val="90000"/>
+              </a:lnSpc>
+              <a:spcBef>
+                <a:spcPts val="1000"/>
+              </a:spcBef>
+              <a:buFont typeface="Arial" panose="020B0604020202020204" pitchFamily="34" charset="0"/>
+              <a:buChar char="•"/>
+              <a:defRPr sz="2800" kern="1200">
+                <a:solidFill>
+                  <a:schemeClr val="tx1"/>
+                </a:solidFill>
+                <a:latin typeface="+mn-lt"/>
+                <a:ea typeface="+mn-ea"/>
+                <a:cs typeface="+mn-cs"/>
+              </a:defRPr>
+            </a:lvl1pPr>
+            <a:lvl2pPr marL="685800" indent="-228600" algn="l" defTabSz="914400" rtl="0" eaLnBrk="1" latinLnBrk="0" hangingPunct="1">
+              <a:lnSpc>
+                <a:spcPct val="90000"/>
+              </a:lnSpc>
+              <a:spcBef>
+                <a:spcPts val="500"/>
+              </a:spcBef>
+              <a:buFont typeface="Arial" panose="020B0604020202020204" pitchFamily="34" charset="0"/>
+              <a:buChar char="•"/>
+              <a:defRPr sz="2400" kern="1200">
+                <a:solidFill>
+                  <a:schemeClr val="tx1"/>
+                </a:solidFill>
+                <a:latin typeface="+mn-lt"/>
+                <a:ea typeface="+mn-ea"/>
+                <a:cs typeface="+mn-cs"/>
+              </a:defRPr>
+            </a:lvl2pPr>
+            <a:lvl3pPr marL="1143000" indent="-228600" algn="l" defTabSz="914400" rtl="0" eaLnBrk="1" latinLnBrk="0" hangingPunct="1">
+              <a:lnSpc>
+                <a:spcPct val="90000"/>
+              </a:lnSpc>
+              <a:spcBef>
+                <a:spcPts val="500"/>
+              </a:spcBef>
+              <a:buFont typeface="Arial" panose="020B0604020202020204" pitchFamily="34" charset="0"/>
+              <a:buChar char="•"/>
+              <a:defRPr sz="2000" kern="1200">
+                <a:solidFill>
+                  <a:schemeClr val="tx1"/>
+                </a:solidFill>
+                <a:latin typeface="+mn-lt"/>
+                <a:ea typeface="+mn-ea"/>
+                <a:cs typeface="+mn-cs"/>
+              </a:defRPr>
+            </a:lvl3pPr>
+            <a:lvl4pPr marL="1600200" indent="-228600" algn="l" defTabSz="914400" rtl="0" eaLnBrk="1" latinLnBrk="0" hangingPunct="1">
+              <a:lnSpc>
+                <a:spcPct val="90000"/>
+              </a:lnSpc>
+              <a:spcBef>
+                <a:spcPts val="500"/>
+              </a:spcBef>
+              <a:buFont typeface="Arial" panose="020B0604020202020204" pitchFamily="34" charset="0"/>
+              <a:buChar char="•"/>
+              <a:defRPr sz="1800" kern="1200">
+                <a:solidFill>
+                  <a:schemeClr val="tx1"/>
+                </a:solidFill>
+                <a:latin typeface="+mn-lt"/>
+                <a:ea typeface="+mn-ea"/>
+                <a:cs typeface="+mn-cs"/>
+              </a:defRPr>
+            </a:lvl4pPr>
+            <a:lvl5pPr marL="2057400" indent="-228600" algn="l" defTabSz="914400" rtl="0" eaLnBrk="1" latinLnBrk="0" hangingPunct="1">
+              <a:lnSpc>
+                <a:spcPct val="90000"/>
+              </a:lnSpc>
+              <a:spcBef>
+                <a:spcPts val="500"/>
+              </a:spcBef>
+              <a:buFont typeface="Arial" panose="020B0604020202020204" pitchFamily="34" charset="0"/>
+              <a:buChar char="•"/>
+              <a:defRPr sz="1800" kern="1200">
+                <a:solidFill>
+                  <a:schemeClr val="tx1"/>
+                </a:solidFill>
+                <a:latin typeface="+mn-lt"/>
+                <a:ea typeface="+mn-ea"/>
+                <a:cs typeface="+mn-cs"/>
+              </a:defRPr>
+            </a:lvl5pPr>
+            <a:lvl6pPr marL="2514600" indent="-228600" algn="l" defTabSz="914400" rtl="0" eaLnBrk="1" latinLnBrk="0" hangingPunct="1">
+              <a:lnSpc>
+                <a:spcPct val="90000"/>
+              </a:lnSpc>
+              <a:spcBef>
+                <a:spcPts val="500"/>
+              </a:spcBef>
+              <a:buFont typeface="Arial" panose="020B0604020202020204" pitchFamily="34" charset="0"/>
+              <a:buChar char="•"/>
+              <a:defRPr sz="1800" kern="1200">
+                <a:solidFill>
+                  <a:schemeClr val="tx1"/>
+                </a:solidFill>
+                <a:latin typeface="+mn-lt"/>
+                <a:ea typeface="+mn-ea"/>
+                <a:cs typeface="+mn-cs"/>
+              </a:defRPr>
+            </a:lvl6pPr>
+            <a:lvl7pPr marL="2971800" indent="-228600" algn="l" defTabSz="914400" rtl="0" eaLnBrk="1" latinLnBrk="0" hangingPunct="1">
+              <a:lnSpc>
+                <a:spcPct val="90000"/>
+              </a:lnSpc>
+              <a:spcBef>
+                <a:spcPts val="500"/>
+              </a:spcBef>
+              <a:buFont typeface="Arial" panose="020B0604020202020204" pitchFamily="34" charset="0"/>
+              <a:buChar char="•"/>
+              <a:defRPr sz="1800" kern="1200">
+                <a:solidFill>
+                  <a:schemeClr val="tx1"/>
+                </a:solidFill>
+                <a:latin typeface="+mn-lt"/>
+                <a:ea typeface="+mn-ea"/>
+                <a:cs typeface="+mn-cs"/>
+              </a:defRPr>
+            </a:lvl7pPr>
+            <a:lvl8pPr marL="3429000" indent="-228600" algn="l" defTabSz="914400" rtl="0" eaLnBrk="1" latinLnBrk="0" hangingPunct="1">
+              <a:lnSpc>
+                <a:spcPct val="90000"/>
+              </a:lnSpc>
+              <a:spcBef>
+                <a:spcPts val="500"/>
+              </a:spcBef>
+              <a:buFont typeface="Arial" panose="020B0604020202020204" pitchFamily="34" charset="0"/>
+              <a:buChar char="•"/>
+              <a:defRPr sz="1800" kern="1200">
+                <a:solidFill>
+                  <a:schemeClr val="tx1"/>
+                </a:solidFill>
+                <a:latin typeface="+mn-lt"/>
+                <a:ea typeface="+mn-ea"/>
+                <a:cs typeface="+mn-cs"/>
+              </a:defRPr>
+            </a:lvl8pPr>
+            <a:lvl9pPr marL="3886200" indent="-228600" algn="l" defTabSz="914400" rtl="0" eaLnBrk="1" latinLnBrk="0" hangingPunct="1">
+              <a:lnSpc>
+                <a:spcPct val="90000"/>
+              </a:lnSpc>
+              <a:spcBef>
+                <a:spcPts val="500"/>
+              </a:spcBef>
+              <a:buFont typeface="Arial" panose="020B0604020202020204" pitchFamily="34" charset="0"/>
+              <a:buChar char="•"/>
+              <a:defRPr sz="1800" kern="1200">
+                <a:solidFill>
+                  <a:schemeClr val="tx1"/>
+                </a:solidFill>
+                <a:latin typeface="+mn-lt"/>
+                <a:ea typeface="+mn-ea"/>
+                <a:cs typeface="+mn-cs"/>
+              </a:defRPr>
+            </a:lvl9pPr>
+          </a:lstStyle>
+          <a:p>
+            <a:pPr marL="228600" marR="0" lvl="0" indent="-228600" algn="l" defTabSz="914400" rtl="0" eaLnBrk="1" fontAlgn="auto" latinLnBrk="0" hangingPunct="1">
+              <a:lnSpc>
+                <a:spcPct val="90000"/>
+              </a:lnSpc>
+              <a:spcBef>
+                <a:spcPts val="1000"/>
+              </a:spcBef>
+              <a:spcAft>
+                <a:spcPts val="0"/>
+              </a:spcAft>
+              <a:buClrTx/>
+              <a:buSzTx/>
+              <a:buFont typeface="Arial" panose="020B0604020202020204" pitchFamily="34" charset="0"/>
+              <a:buBlip>
+                <a:blip r:embed="rId3">
+                  <a:extLst>
+                    <a:ext uri="{837473B0-CC2E-450A-ABE3-18F120FF3D39}">
+                      <a1611:picAttrSrcUrl xmlns:a1611="http://schemas.microsoft.com/office/drawing/2016/11/main" r:id="rId4"/>
+                    </a:ext>
+                  </a:extLst>
+                </a:blip>
+              </a:buBlip>
+              <a:tabLst/>
+              <a:defRPr/>
+            </a:pPr>
+            <a:r>
+              <a:rPr kumimoji="0" lang="en-US" sz="2500" b="0" i="0" u="none" strike="noStrike" kern="1200" cap="none" spc="0" normalizeH="0" baseline="0" noProof="0" dirty="0">
+                <a:ln>
+                  <a:noFill/>
+                </a:ln>
+                <a:solidFill>
+                  <a:srgbClr val="262626"/>
+                </a:solidFill>
+                <a:effectLst/>
+                <a:uLnTx/>
+                <a:uFillTx/>
+                <a:latin typeface="Calibri Light" panose="020F0302020204030204"/>
+                <a:ea typeface="+mn-ea"/>
+                <a:cs typeface="+mn-cs"/>
+              </a:rPr>
+              <a:t>Use the python library spotipy to interact with the Spotify API</a:t>
+            </a:r>
+          </a:p>
+          <a:p>
+            <a:pPr marL="228600" marR="0" lvl="0" indent="-228600" algn="l" defTabSz="914400" rtl="0" eaLnBrk="1" fontAlgn="auto" latinLnBrk="0" hangingPunct="1">
+              <a:lnSpc>
+                <a:spcPct val="90000"/>
+              </a:lnSpc>
+              <a:spcBef>
+                <a:spcPts val="1000"/>
+              </a:spcBef>
+              <a:spcAft>
+                <a:spcPts val="0"/>
+              </a:spcAft>
+              <a:buClrTx/>
+              <a:buSzTx/>
+              <a:buFont typeface="Arial" panose="020B0604020202020204" pitchFamily="34" charset="0"/>
+              <a:buBlip>
+                <a:blip r:embed="rId3">
+                  <a:extLst>
+                    <a:ext uri="{837473B0-CC2E-450A-ABE3-18F120FF3D39}">
+                      <a1611:picAttrSrcUrl xmlns:a1611="http://schemas.microsoft.com/office/drawing/2016/11/main" r:id="rId4"/>
+                    </a:ext>
+                  </a:extLst>
+                </a:blip>
+              </a:buBlip>
+              <a:tabLst/>
+              <a:defRPr/>
+            </a:pPr>
+            <a:r>
+              <a:rPr kumimoji="0" lang="en-US" sz="2500" b="0" i="0" u="none" strike="noStrike" kern="1200" cap="none" spc="0" normalizeH="0" baseline="0" noProof="0" dirty="0">
+                <a:ln>
+                  <a:noFill/>
+                </a:ln>
+                <a:solidFill>
+                  <a:srgbClr val="262626"/>
+                </a:solidFill>
+                <a:effectLst/>
+                <a:uLnTx/>
+                <a:uFillTx/>
+                <a:latin typeface="Calibri Light" panose="020F0302020204030204"/>
+                <a:ea typeface="+mn-ea"/>
+                <a:cs typeface="+mn-cs"/>
+              </a:rPr>
+              <a:t>Steps</a:t>
+            </a:r>
+          </a:p>
+          <a:p>
+            <a:pPr marL="685800" marR="0" lvl="1" indent="-228600" algn="l" defTabSz="914400" rtl="0" eaLnBrk="1" fontAlgn="auto" latinLnBrk="0" hangingPunct="1">
+              <a:lnSpc>
+                <a:spcPct val="90000"/>
+              </a:lnSpc>
+              <a:spcBef>
+                <a:spcPts val="1000"/>
+              </a:spcBef>
+              <a:spcAft>
+                <a:spcPts val="0"/>
+              </a:spcAft>
+              <a:buClrTx/>
+              <a:buSzTx/>
+              <a:buFont typeface="Arial" panose="020B0604020202020204" pitchFamily="34" charset="0"/>
+              <a:buBlip>
+                <a:blip r:embed="rId3">
+                  <a:extLst>
+                    <a:ext uri="{837473B0-CC2E-450A-ABE3-18F120FF3D39}">
+                      <a1611:picAttrSrcUrl xmlns:a1611="http://schemas.microsoft.com/office/drawing/2016/11/main" r:id="rId4"/>
+                    </a:ext>
+                  </a:extLst>
+                </a:blip>
+              </a:buBlip>
+              <a:tabLst/>
+              <a:defRPr/>
+            </a:pPr>
+            <a:r>
+              <a:rPr kumimoji="0" lang="en-US" sz="2100" b="0" i="0" u="none" strike="noStrike" kern="1200" cap="none" spc="0" normalizeH="0" baseline="0" noProof="0" dirty="0">
+                <a:ln>
+                  <a:noFill/>
+                </a:ln>
+                <a:solidFill>
+                  <a:srgbClr val="262626"/>
+                </a:solidFill>
+                <a:effectLst/>
+                <a:uLnTx/>
+                <a:uFillTx/>
+                <a:latin typeface="Calibri Light" panose="020F0302020204030204"/>
+                <a:ea typeface="+mn-ea"/>
+                <a:cs typeface="+mn-cs"/>
+              </a:rPr>
+              <a:t>Load US data in 2017 and found unique tracks</a:t>
+            </a:r>
+          </a:p>
+          <a:p>
+            <a:pPr marL="685800" marR="0" lvl="1" indent="-228600" algn="l" defTabSz="914400" rtl="0" eaLnBrk="1" fontAlgn="auto" latinLnBrk="0" hangingPunct="1">
+              <a:lnSpc>
+                <a:spcPct val="90000"/>
+              </a:lnSpc>
+              <a:spcBef>
+                <a:spcPts val="1000"/>
+              </a:spcBef>
+              <a:spcAft>
+                <a:spcPts val="0"/>
+              </a:spcAft>
+              <a:buClrTx/>
+              <a:buSzTx/>
+              <a:buFont typeface="Arial" panose="020B0604020202020204" pitchFamily="34" charset="0"/>
+              <a:buBlip>
+                <a:blip r:embed="rId3">
+                  <a:extLst>
+                    <a:ext uri="{837473B0-CC2E-450A-ABE3-18F120FF3D39}">
+                      <a1611:picAttrSrcUrl xmlns:a1611="http://schemas.microsoft.com/office/drawing/2016/11/main" r:id="rId4"/>
+                    </a:ext>
+                  </a:extLst>
+                </a:blip>
+              </a:buBlip>
+              <a:tabLst/>
+              <a:defRPr/>
+            </a:pPr>
+            <a:r>
+              <a:rPr kumimoji="0" lang="en-US" sz="2100" b="0" i="0" u="none" strike="noStrike" kern="1200" cap="none" spc="0" normalizeH="0" baseline="0" noProof="0" dirty="0">
+                <a:ln>
+                  <a:noFill/>
+                </a:ln>
+                <a:solidFill>
+                  <a:srgbClr val="262626"/>
+                </a:solidFill>
+                <a:effectLst/>
+                <a:uLnTx/>
+                <a:uFillTx/>
+                <a:latin typeface="Calibri Light" panose="020F0302020204030204"/>
+                <a:ea typeface="+mn-ea"/>
+                <a:cs typeface="+mn-cs"/>
+              </a:rPr>
+              <a:t>Created a loop to call the spotipy API for all tracks</a:t>
+            </a:r>
+          </a:p>
+          <a:p>
+            <a:pPr marL="685800" marR="0" lvl="1" indent="-228600" algn="l" defTabSz="914400" rtl="0" eaLnBrk="1" fontAlgn="auto" latinLnBrk="0" hangingPunct="1">
+              <a:lnSpc>
+                <a:spcPct val="90000"/>
+              </a:lnSpc>
+              <a:spcBef>
+                <a:spcPts val="1000"/>
+              </a:spcBef>
+              <a:spcAft>
+                <a:spcPts val="0"/>
+              </a:spcAft>
+              <a:buClrTx/>
+              <a:buSzTx/>
+              <a:buFont typeface="Arial" panose="020B0604020202020204" pitchFamily="34" charset="0"/>
+              <a:buBlip>
+                <a:blip r:embed="rId3">
+                  <a:extLst>
+                    <a:ext uri="{837473B0-CC2E-450A-ABE3-18F120FF3D39}">
+                      <a1611:picAttrSrcUrl xmlns:a1611="http://schemas.microsoft.com/office/drawing/2016/11/main" r:id="rId4"/>
+                    </a:ext>
+                  </a:extLst>
+                </a:blip>
+              </a:buBlip>
+              <a:tabLst/>
+              <a:defRPr/>
+            </a:pPr>
+            <a:r>
+              <a:rPr kumimoji="0" lang="en-US" sz="2100" b="0" i="0" u="none" strike="noStrike" kern="1200" cap="none" spc="0" normalizeH="0" baseline="0" noProof="0" dirty="0">
+                <a:ln>
+                  <a:noFill/>
+                </a:ln>
+                <a:solidFill>
+                  <a:srgbClr val="262626"/>
+                </a:solidFill>
+                <a:effectLst/>
+                <a:uLnTx/>
+                <a:uFillTx/>
+                <a:latin typeface="Calibri Light" panose="020F0302020204030204"/>
+                <a:ea typeface="+mn-ea"/>
+                <a:cs typeface="+mn-cs"/>
+              </a:rPr>
+              <a:t>Output the data and merged on Track ID with US data in 2017</a:t>
+            </a:r>
+          </a:p>
+          <a:p>
+            <a:pPr marL="685800" marR="0" lvl="1" indent="-228600" algn="l" defTabSz="914400" rtl="0" eaLnBrk="1" fontAlgn="auto" latinLnBrk="0" hangingPunct="1">
+              <a:lnSpc>
+                <a:spcPct val="90000"/>
+              </a:lnSpc>
+              <a:spcBef>
+                <a:spcPts val="500"/>
+              </a:spcBef>
+              <a:spcAft>
+                <a:spcPts val="0"/>
+              </a:spcAft>
+              <a:buClrTx/>
+              <a:buSzTx/>
+              <a:buFont typeface="Arial" panose="020B0604020202020204" pitchFamily="34" charset="0"/>
+              <a:buBlip>
+                <a:blip r:embed="rId3">
+                  <a:extLst>
+                    <a:ext uri="{837473B0-CC2E-450A-ABE3-18F120FF3D39}">
+                      <a1611:picAttrSrcUrl xmlns:a1611="http://schemas.microsoft.com/office/drawing/2016/11/main" r:id="rId4"/>
+                    </a:ext>
+                  </a:extLst>
+                </a:blip>
+              </a:buBlip>
+              <a:tabLst/>
+              <a:defRPr/>
+            </a:pPr>
+            <a:endParaRPr kumimoji="0" lang="en-US" sz="2400" b="0" i="0" u="none" strike="noStrike" kern="1200" cap="none" spc="0" normalizeH="0" baseline="0" noProof="0" dirty="0">
+              <a:ln>
+                <a:noFill/>
+              </a:ln>
+              <a:solidFill>
+                <a:srgbClr val="262626"/>
+              </a:solidFill>
+              <a:effectLst/>
+              <a:uLnTx/>
+              <a:uFillTx/>
+              <a:latin typeface="Calibri Light" panose="020F0302020204030204"/>
+              <a:ea typeface="+mn-ea"/>
+              <a:cs typeface="+mn-cs"/>
+            </a:endParaRPr>
+          </a:p>
+          <a:p>
+            <a:pPr marL="685800" marR="0" lvl="1" indent="-228600" algn="l" defTabSz="914400" rtl="0" eaLnBrk="1" fontAlgn="auto" latinLnBrk="0" hangingPunct="1">
+              <a:lnSpc>
+                <a:spcPct val="90000"/>
+              </a:lnSpc>
+              <a:spcBef>
+                <a:spcPts val="500"/>
+              </a:spcBef>
+              <a:spcAft>
+                <a:spcPts val="0"/>
+              </a:spcAft>
+              <a:buClrTx/>
+              <a:buSzTx/>
+              <a:buFont typeface="Wingdings" panose="05000000000000000000" pitchFamily="2" charset="2"/>
+              <a:buChar char="q"/>
+              <a:tabLst/>
+              <a:defRPr/>
+            </a:pPr>
+            <a:endParaRPr kumimoji="0" lang="en-US" sz="2400" b="1" i="0" u="none" strike="noStrike" kern="1200" cap="none" spc="0" normalizeH="0" baseline="0" noProof="0" dirty="0">
+              <a:ln>
+                <a:noFill/>
+              </a:ln>
+              <a:solidFill>
+                <a:srgbClr val="262626"/>
+              </a:solidFill>
+              <a:effectLst/>
+              <a:uLnTx/>
+              <a:uFillTx/>
+              <a:latin typeface="Calibri Light" panose="020F0302020204030204"/>
+              <a:ea typeface="+mn-ea"/>
+              <a:cs typeface="+mn-cs"/>
+            </a:endParaRPr>
+          </a:p>
+          <a:p>
+            <a:pPr marL="685800" marR="0" lvl="1" indent="-228600" algn="l" defTabSz="914400" rtl="0" eaLnBrk="1" fontAlgn="auto" latinLnBrk="0" hangingPunct="1">
+              <a:lnSpc>
+                <a:spcPct val="90000"/>
+              </a:lnSpc>
+              <a:spcBef>
+                <a:spcPts val="500"/>
+              </a:spcBef>
+              <a:spcAft>
+                <a:spcPts val="0"/>
+              </a:spcAft>
+              <a:buClrTx/>
+              <a:buSzTx/>
+              <a:buFont typeface="Wingdings" panose="05000000000000000000" pitchFamily="2" charset="2"/>
+              <a:buChar char="q"/>
+              <a:tabLst/>
+              <a:defRPr/>
+            </a:pPr>
+            <a:endParaRPr kumimoji="0" lang="en-US" sz="2400" b="1" i="0" u="none" strike="noStrike" kern="1200" cap="none" spc="0" normalizeH="0" baseline="0" noProof="0" dirty="0">
+              <a:ln>
+                <a:noFill/>
+              </a:ln>
+              <a:solidFill>
+                <a:srgbClr val="262626"/>
+              </a:solidFill>
+              <a:effectLst/>
+              <a:uLnTx/>
+              <a:uFillTx/>
+              <a:latin typeface="Calibri Light" panose="020F0302020204030204"/>
+              <a:ea typeface="+mn-ea"/>
+              <a:cs typeface="+mn-cs"/>
+            </a:endParaRPr>
+          </a:p>
+          <a:p>
+            <a:pPr marL="685800" marR="0" lvl="1" indent="-228600" algn="l" defTabSz="914400" rtl="0" eaLnBrk="1" fontAlgn="auto" latinLnBrk="0" hangingPunct="1">
+              <a:lnSpc>
+                <a:spcPct val="90000"/>
+              </a:lnSpc>
+              <a:spcBef>
+                <a:spcPts val="500"/>
+              </a:spcBef>
+              <a:spcAft>
+                <a:spcPts val="0"/>
+              </a:spcAft>
+              <a:buClrTx/>
+              <a:buSzTx/>
+              <a:buFont typeface="Wingdings" panose="05000000000000000000" pitchFamily="2" charset="2"/>
+              <a:buChar char="q"/>
+              <a:tabLst/>
+              <a:defRPr/>
+            </a:pPr>
+            <a:endParaRPr kumimoji="0" lang="en-US" sz="2400" b="1" i="0" u="none" strike="noStrike" kern="1200" cap="none" spc="0" normalizeH="0" baseline="0" noProof="0" dirty="0">
+              <a:ln>
+                <a:noFill/>
+              </a:ln>
+              <a:solidFill>
+                <a:srgbClr val="262626"/>
+              </a:solidFill>
+              <a:effectLst/>
+              <a:uLnTx/>
+              <a:uFillTx/>
+              <a:latin typeface="Calibri Light" panose="020F0302020204030204"/>
+              <a:ea typeface="+mn-ea"/>
+              <a:cs typeface="+mn-cs"/>
+            </a:endParaRPr>
+          </a:p>
+          <a:p>
+            <a:pPr marL="685800" marR="0" lvl="1" indent="-228600" algn="l" defTabSz="914400" rtl="0" eaLnBrk="1" fontAlgn="auto" latinLnBrk="0" hangingPunct="1">
+              <a:lnSpc>
+                <a:spcPct val="90000"/>
+              </a:lnSpc>
+              <a:spcBef>
+                <a:spcPts val="500"/>
+              </a:spcBef>
+              <a:spcAft>
+                <a:spcPts val="0"/>
+              </a:spcAft>
+              <a:buClrTx/>
+              <a:buSzTx/>
+              <a:buFont typeface="Wingdings" panose="05000000000000000000" pitchFamily="2" charset="2"/>
+              <a:buChar char="q"/>
+              <a:tabLst/>
+              <a:defRPr/>
+            </a:pPr>
+            <a:endParaRPr kumimoji="0" lang="en-US" sz="2400" b="1" i="0" u="none" strike="noStrike" kern="1200" cap="none" spc="0" normalizeH="0" baseline="0" noProof="0" dirty="0">
+              <a:ln>
+                <a:noFill/>
+              </a:ln>
+              <a:solidFill>
+                <a:srgbClr val="262626"/>
+              </a:solidFill>
+              <a:effectLst/>
+              <a:uLnTx/>
+              <a:uFillTx/>
+              <a:latin typeface="Calibri Light" panose="020F0302020204030204"/>
+              <a:ea typeface="+mn-ea"/>
+              <a:cs typeface="+mn-cs"/>
+            </a:endParaRPr>
+          </a:p>
+          <a:p>
+            <a:pPr marL="685800" marR="0" lvl="1" indent="-228600" algn="l" defTabSz="914400" rtl="0" eaLnBrk="1" fontAlgn="auto" latinLnBrk="0" hangingPunct="1">
+              <a:lnSpc>
+                <a:spcPct val="90000"/>
+              </a:lnSpc>
+              <a:spcBef>
+                <a:spcPts val="500"/>
+              </a:spcBef>
+              <a:spcAft>
+                <a:spcPts val="0"/>
+              </a:spcAft>
+              <a:buClrTx/>
+              <a:buSzTx/>
+              <a:buFont typeface="Wingdings" panose="05000000000000000000" pitchFamily="2" charset="2"/>
+              <a:buChar char="q"/>
+              <a:tabLst/>
+              <a:defRPr/>
+            </a:pPr>
+            <a:endParaRPr kumimoji="0" lang="en-US" sz="2400" b="1" i="0" u="none" strike="noStrike" kern="1200" cap="none" spc="0" normalizeH="0" baseline="0" noProof="0" dirty="0">
+              <a:ln>
+                <a:noFill/>
+              </a:ln>
+              <a:solidFill>
+                <a:srgbClr val="262626"/>
+              </a:solidFill>
+              <a:effectLst/>
+              <a:uLnTx/>
+              <a:uFillTx/>
+              <a:latin typeface="Calibri Light" panose="020F0302020204030204"/>
+              <a:ea typeface="+mn-ea"/>
+              <a:cs typeface="+mn-cs"/>
+            </a:endParaRPr>
+          </a:p>
+          <a:p>
+            <a:pPr marL="685800" marR="0" lvl="1" indent="-228600" algn="l" defTabSz="914400" rtl="0" eaLnBrk="1" fontAlgn="auto" latinLnBrk="0" hangingPunct="1">
+              <a:lnSpc>
+                <a:spcPct val="90000"/>
+              </a:lnSpc>
+              <a:spcBef>
+                <a:spcPts val="500"/>
+              </a:spcBef>
+              <a:spcAft>
+                <a:spcPts val="0"/>
+              </a:spcAft>
+              <a:buClrTx/>
+              <a:buSzTx/>
+              <a:buFont typeface="Wingdings" panose="05000000000000000000" pitchFamily="2" charset="2"/>
+              <a:buChar char="q"/>
+              <a:tabLst/>
+              <a:defRPr/>
+            </a:pPr>
+            <a:endParaRPr kumimoji="0" lang="en-US" sz="2400" b="1" i="0" u="none" strike="noStrike" kern="1200" cap="none" spc="0" normalizeH="0" baseline="0" noProof="0" dirty="0">
+              <a:ln>
+                <a:noFill/>
+              </a:ln>
+              <a:solidFill>
+                <a:srgbClr val="262626"/>
+              </a:solidFill>
+              <a:effectLst/>
+              <a:uLnTx/>
+              <a:uFillTx/>
+              <a:latin typeface="Calibri Light" panose="020F0302020204030204"/>
+              <a:ea typeface="+mn-ea"/>
+              <a:cs typeface="+mn-cs"/>
+            </a:endParaRPr>
+          </a:p>
+          <a:p>
+            <a:pPr marL="685800" marR="0" lvl="1" indent="-228600" algn="l" defTabSz="914400" rtl="0" eaLnBrk="1" fontAlgn="auto" latinLnBrk="0" hangingPunct="1">
+              <a:lnSpc>
+                <a:spcPct val="90000"/>
+              </a:lnSpc>
+              <a:spcBef>
+                <a:spcPts val="500"/>
+              </a:spcBef>
+              <a:spcAft>
+                <a:spcPts val="0"/>
+              </a:spcAft>
+              <a:buClrTx/>
+              <a:buSzTx/>
+              <a:buFont typeface="Courier New" panose="02070309020205020404" pitchFamily="49" charset="0"/>
+              <a:buChar char="o"/>
+              <a:tabLst/>
+              <a:defRPr/>
+            </a:pPr>
+            <a:endParaRPr kumimoji="0" lang="en-US" sz="2400" b="1" i="0" u="none" strike="noStrike" kern="1200" cap="none" spc="0" normalizeH="0" baseline="0" noProof="0" dirty="0">
+              <a:ln>
+                <a:noFill/>
+              </a:ln>
+              <a:solidFill>
+                <a:srgbClr val="262626"/>
+              </a:solidFill>
+              <a:effectLst/>
+              <a:uLnTx/>
+              <a:uFillTx/>
+              <a:latin typeface="Calibri Light" panose="020F0302020204030204"/>
+              <a:ea typeface="+mn-ea"/>
+              <a:cs typeface="+mn-cs"/>
+            </a:endParaRPr>
+          </a:p>
+          <a:p>
+            <a:pPr marL="685800" marR="0" lvl="1" indent="-228600" algn="l" defTabSz="914400" rtl="0" eaLnBrk="1" fontAlgn="auto" latinLnBrk="0" hangingPunct="1">
+              <a:lnSpc>
+                <a:spcPct val="90000"/>
+              </a:lnSpc>
+              <a:spcBef>
+                <a:spcPts val="500"/>
+              </a:spcBef>
+              <a:spcAft>
+                <a:spcPts val="0"/>
+              </a:spcAft>
+              <a:buClrTx/>
+              <a:buSzTx/>
+              <a:buFont typeface="Courier New" panose="02070309020205020404" pitchFamily="49" charset="0"/>
+              <a:buChar char="o"/>
+              <a:tabLst/>
+              <a:defRPr/>
+            </a:pPr>
+            <a:endParaRPr kumimoji="0" lang="en-US" sz="2800" b="1" i="0" u="none" strike="noStrike" kern="1200" cap="none" spc="0" normalizeH="0" baseline="0" noProof="0" dirty="0">
+              <a:ln>
+                <a:noFill/>
+              </a:ln>
+              <a:solidFill>
+                <a:srgbClr val="262626"/>
+              </a:solidFill>
+              <a:effectLst/>
+              <a:uLnTx/>
+              <a:uFillTx/>
+              <a:latin typeface="Calibri Light" panose="020F0302020204030204"/>
+              <a:ea typeface="+mn-ea"/>
+              <a:cs typeface="+mn-cs"/>
+            </a:endParaRPr>
+          </a:p>
+        </p:txBody>
+      </p:sp>
+      <p:graphicFrame>
+        <p:nvGraphicFramePr>
+          <p:cNvPr id="2" name="Table 9">
+            <a:extLst>
+              <a:ext uri="{FF2B5EF4-FFF2-40B4-BE49-F238E27FC236}">
+                <a16:creationId xmlns:a16="http://schemas.microsoft.com/office/drawing/2014/main" id="{AD6EB002-CDA1-4548-9497-02328C1A3353}"/>
+              </a:ext>
+            </a:extLst>
+          </p:cNvPr>
+          <p:cNvGraphicFramePr>
+            <a:graphicFrameLocks noGrp="1"/>
+          </p:cNvGraphicFramePr>
+          <p:nvPr>
+            <p:extLst>
+              <p:ext uri="{D42A27DB-BD31-4B8C-83A1-F6EECF244321}">
+                <p14:modId xmlns:p14="http://schemas.microsoft.com/office/powerpoint/2010/main" val="3966067486"/>
+              </p:ext>
+            </p:extLst>
+          </p:nvPr>
+        </p:nvGraphicFramePr>
+        <p:xfrm>
+          <a:off x="2983134" y="4287520"/>
+          <a:ext cx="8101425" cy="2499360"/>
+        </p:xfrm>
+        <a:graphic>
+          <a:graphicData uri="http://schemas.openxmlformats.org/drawingml/2006/table">
+            <a:tbl>
+              <a:tblPr firstRow="1" bandRow="1">
+                <a:tableStyleId>{AF606853-7671-496A-8E4F-DF71F8EC918B}</a:tableStyleId>
+              </a:tblPr>
+              <a:tblGrid>
+                <a:gridCol w="1192080">
+                  <a:extLst>
+                    <a:ext uri="{9D8B030D-6E8A-4147-A177-3AD203B41FA5}">
+                      <a16:colId xmlns:a16="http://schemas.microsoft.com/office/drawing/2014/main" val="2732410458"/>
+                    </a:ext>
+                  </a:extLst>
+                </a:gridCol>
+                <a:gridCol w="6909345">
+                  <a:extLst>
+                    <a:ext uri="{9D8B030D-6E8A-4147-A177-3AD203B41FA5}">
+                      <a16:colId xmlns:a16="http://schemas.microsoft.com/office/drawing/2014/main" val="1146604693"/>
+                    </a:ext>
+                  </a:extLst>
+                </a:gridCol>
+              </a:tblGrid>
+              <a:tr h="209581">
+                <a:tc gridSpan="2">
+                  <a:txBody>
+                    <a:bodyPr/>
+                    <a:lstStyle/>
+                    <a:p>
+                      <a:pPr algn="ctr"/>
+                      <a:r>
+                        <a:rPr lang="en-US" sz="1100" dirty="0"/>
+                        <a:t>Spotipy.audio_features()</a:t>
+                      </a:r>
+                    </a:p>
+                  </a:txBody>
+                  <a:tcPr/>
+                </a:tc>
+                <a:tc hMerge="1">
+                  <a:txBody>
+                    <a:bodyPr/>
+                    <a:lstStyle/>
+                    <a:p>
+                      <a:endParaRPr lang="en-US" dirty="0"/>
+                    </a:p>
+                  </a:txBody>
+                  <a:tcPr/>
+                </a:tc>
+                <a:extLst>
+                  <a:ext uri="{0D108BD9-81ED-4DB2-BD59-A6C34878D82A}">
+                    <a16:rowId xmlns:a16="http://schemas.microsoft.com/office/drawing/2014/main" val="493520806"/>
+                  </a:ext>
+                </a:extLst>
+              </a:tr>
+              <a:tr h="209581">
+                <a:tc>
+                  <a:txBody>
+                    <a:bodyPr/>
+                    <a:lstStyle/>
+                    <a:p>
+                      <a:r>
+                        <a:rPr lang="en-US" sz="1100" dirty="0"/>
+                        <a:t>Danceability</a:t>
+                      </a:r>
+                    </a:p>
+                  </a:txBody>
+                  <a:tcPr/>
+                </a:tc>
+                <a:tc>
+                  <a:txBody>
+                    <a:bodyPr/>
+                    <a:lstStyle/>
+                    <a:p>
+                      <a:r>
+                        <a:rPr lang="en-US" sz="1100" dirty="0"/>
+                        <a:t>Describes hour suitable a track is for dancing (0-1)</a:t>
+                      </a:r>
+                    </a:p>
+                  </a:txBody>
+                  <a:tcPr/>
+                </a:tc>
+                <a:extLst>
+                  <a:ext uri="{0D108BD9-81ED-4DB2-BD59-A6C34878D82A}">
+                    <a16:rowId xmlns:a16="http://schemas.microsoft.com/office/drawing/2014/main" val="1481371270"/>
+                  </a:ext>
+                </a:extLst>
+              </a:tr>
+              <a:tr h="209581">
+                <a:tc>
+                  <a:txBody>
+                    <a:bodyPr/>
+                    <a:lstStyle/>
+                    <a:p>
+                      <a:r>
+                        <a:rPr lang="en-US" sz="1100" dirty="0"/>
+                        <a:t>Acousticness</a:t>
+                      </a:r>
+                    </a:p>
+                  </a:txBody>
+                  <a:tcPr/>
+                </a:tc>
+                <a:tc>
+                  <a:txBody>
+                    <a:bodyPr/>
+                    <a:lstStyle/>
+                    <a:p>
+                      <a:r>
+                        <a:rPr lang="en-US" sz="1100" dirty="0"/>
+                        <a:t>A measure from 0-1 of whether the track is acoustic</a:t>
+                      </a:r>
+                    </a:p>
+                  </a:txBody>
+                  <a:tcPr/>
+                </a:tc>
+                <a:extLst>
+                  <a:ext uri="{0D108BD9-81ED-4DB2-BD59-A6C34878D82A}">
+                    <a16:rowId xmlns:a16="http://schemas.microsoft.com/office/drawing/2014/main" val="3616880334"/>
+                  </a:ext>
+                </a:extLst>
+              </a:tr>
+              <a:tr h="209581">
+                <a:tc>
+                  <a:txBody>
+                    <a:bodyPr/>
+                    <a:lstStyle/>
+                    <a:p>
+                      <a:r>
+                        <a:rPr lang="en-US" sz="1100" dirty="0"/>
+                        <a:t>Energy</a:t>
+                      </a:r>
+                    </a:p>
+                  </a:txBody>
+                  <a:tcPr/>
+                </a:tc>
+                <a:tc>
+                  <a:txBody>
+                    <a:bodyPr/>
+                    <a:lstStyle/>
+                    <a:p>
+                      <a:r>
+                        <a:rPr lang="en-US" sz="1100" dirty="0"/>
+                        <a:t>A measure from 0-1 and represents a perceptual measure of intensity and activity</a:t>
+                      </a:r>
+                    </a:p>
+                  </a:txBody>
+                  <a:tcPr/>
+                </a:tc>
+                <a:extLst>
+                  <a:ext uri="{0D108BD9-81ED-4DB2-BD59-A6C34878D82A}">
+                    <a16:rowId xmlns:a16="http://schemas.microsoft.com/office/drawing/2014/main" val="2763171850"/>
+                  </a:ext>
+                </a:extLst>
+              </a:tr>
+              <a:tr h="209581">
+                <a:tc>
+                  <a:txBody>
+                    <a:bodyPr/>
+                    <a:lstStyle/>
+                    <a:p>
+                      <a:r>
+                        <a:rPr lang="en-US" sz="1100" dirty="0"/>
+                        <a:t>Instrumentalness</a:t>
+                      </a:r>
+                    </a:p>
+                  </a:txBody>
+                  <a:tcPr/>
+                </a:tc>
+                <a:tc>
+                  <a:txBody>
+                    <a:bodyPr/>
+                    <a:lstStyle/>
+                    <a:p>
+                      <a:r>
+                        <a:rPr lang="en-US" sz="1100" dirty="0"/>
+                        <a:t>Predicts whether a track contains no vocals. 0-1, with 1 having a greater likelihood of no vocal content</a:t>
+                      </a:r>
+                    </a:p>
+                  </a:txBody>
+                  <a:tcPr/>
+                </a:tc>
+                <a:extLst>
+                  <a:ext uri="{0D108BD9-81ED-4DB2-BD59-A6C34878D82A}">
+                    <a16:rowId xmlns:a16="http://schemas.microsoft.com/office/drawing/2014/main" val="3409434457"/>
+                  </a:ext>
+                </a:extLst>
+              </a:tr>
+              <a:tr h="209581">
+                <a:tc>
+                  <a:txBody>
+                    <a:bodyPr/>
+                    <a:lstStyle/>
+                    <a:p>
+                      <a:r>
+                        <a:rPr lang="en-US" sz="1100" dirty="0"/>
+                        <a:t>Liveness</a:t>
+                      </a:r>
+                    </a:p>
+                  </a:txBody>
+                  <a:tcPr/>
+                </a:tc>
+                <a:tc>
+                  <a:txBody>
+                    <a:bodyPr/>
+                    <a:lstStyle/>
+                    <a:p>
+                      <a:r>
+                        <a:rPr lang="en-US" sz="1100" dirty="0"/>
+                        <a:t>Detects the present of an audience in the recording</a:t>
+                      </a:r>
+                    </a:p>
+                  </a:txBody>
+                  <a:tcPr/>
+                </a:tc>
+                <a:extLst>
+                  <a:ext uri="{0D108BD9-81ED-4DB2-BD59-A6C34878D82A}">
+                    <a16:rowId xmlns:a16="http://schemas.microsoft.com/office/drawing/2014/main" val="2303356183"/>
+                  </a:ext>
+                </a:extLst>
+              </a:tr>
+              <a:tr h="209581">
+                <a:tc>
+                  <a:txBody>
+                    <a:bodyPr/>
+                    <a:lstStyle/>
+                    <a:p>
+                      <a:r>
+                        <a:rPr lang="en-US" sz="1100" dirty="0"/>
+                        <a:t>Loudness</a:t>
+                      </a:r>
+                    </a:p>
+                  </a:txBody>
+                  <a:tcPr/>
+                </a:tc>
+                <a:tc>
+                  <a:txBody>
+                    <a:bodyPr/>
+                    <a:lstStyle/>
+                    <a:p>
+                      <a:r>
+                        <a:rPr lang="en-US" sz="1100" dirty="0"/>
+                        <a:t>The overall loudness of a track in decibels</a:t>
+                      </a:r>
+                    </a:p>
+                  </a:txBody>
+                  <a:tcPr/>
+                </a:tc>
+                <a:extLst>
+                  <a:ext uri="{0D108BD9-81ED-4DB2-BD59-A6C34878D82A}">
+                    <a16:rowId xmlns:a16="http://schemas.microsoft.com/office/drawing/2014/main" val="3627571264"/>
+                  </a:ext>
+                </a:extLst>
+              </a:tr>
+              <a:tr h="345192">
+                <a:tc>
+                  <a:txBody>
+                    <a:bodyPr/>
+                    <a:lstStyle/>
+                    <a:p>
+                      <a:r>
+                        <a:rPr lang="en-US" sz="1100" dirty="0"/>
+                        <a:t>Speechiness</a:t>
+                      </a:r>
+                    </a:p>
+                  </a:txBody>
+                  <a:tcPr/>
+                </a:tc>
+                <a:tc>
+                  <a:txBody>
+                    <a:bodyPr/>
+                    <a:lstStyle/>
+                    <a:p>
+                      <a:r>
+                        <a:rPr lang="en-US" sz="1100" dirty="0"/>
+                        <a:t>Speechiness detects the presence of spoken words in a track. 0-1, with closer to 1 representing more exclusively speech-like recording (i.e. talk show, audio book, poetry)</a:t>
+                      </a:r>
+                    </a:p>
+                  </a:txBody>
+                  <a:tcPr/>
+                </a:tc>
+                <a:extLst>
+                  <a:ext uri="{0D108BD9-81ED-4DB2-BD59-A6C34878D82A}">
+                    <a16:rowId xmlns:a16="http://schemas.microsoft.com/office/drawing/2014/main" val="4027992347"/>
+                  </a:ext>
+                </a:extLst>
+              </a:tr>
+              <a:tr h="209581">
+                <a:tc>
+                  <a:txBody>
+                    <a:bodyPr/>
+                    <a:lstStyle/>
+                    <a:p>
+                      <a:r>
+                        <a:rPr lang="en-US" sz="1100" dirty="0"/>
+                        <a:t>Tempo</a:t>
+                      </a:r>
+                    </a:p>
+                  </a:txBody>
+                  <a:tcPr/>
+                </a:tc>
+                <a:tc>
+                  <a:txBody>
+                    <a:bodyPr/>
+                    <a:lstStyle/>
+                    <a:p>
+                      <a:r>
+                        <a:rPr lang="en-US" sz="1100" dirty="0"/>
+                        <a:t>The overall estimated tempo of a track in beats per minute</a:t>
+                      </a:r>
+                    </a:p>
+                  </a:txBody>
+                  <a:tcPr/>
+                </a:tc>
+                <a:extLst>
+                  <a:ext uri="{0D108BD9-81ED-4DB2-BD59-A6C34878D82A}">
+                    <a16:rowId xmlns:a16="http://schemas.microsoft.com/office/drawing/2014/main" val="4151822998"/>
+                  </a:ext>
+                </a:extLst>
+              </a:tr>
+            </a:tbl>
+          </a:graphicData>
+        </a:graphic>
+      </p:graphicFrame>
+      <p:graphicFrame>
+        <p:nvGraphicFramePr>
+          <p:cNvPr id="3" name="Table 6">
+            <a:extLst>
+              <a:ext uri="{FF2B5EF4-FFF2-40B4-BE49-F238E27FC236}">
+                <a16:creationId xmlns:a16="http://schemas.microsoft.com/office/drawing/2014/main" id="{2CA54E30-10F0-4357-8476-A5FE5A0473D6}"/>
+              </a:ext>
+            </a:extLst>
+          </p:cNvPr>
+          <p:cNvGraphicFramePr>
+            <a:graphicFrameLocks noGrp="1"/>
+          </p:cNvGraphicFramePr>
+          <p:nvPr>
+            <p:extLst>
+              <p:ext uri="{D42A27DB-BD31-4B8C-83A1-F6EECF244321}">
+                <p14:modId xmlns:p14="http://schemas.microsoft.com/office/powerpoint/2010/main" val="1172356977"/>
+              </p:ext>
+            </p:extLst>
+          </p:nvPr>
+        </p:nvGraphicFramePr>
+        <p:xfrm>
+          <a:off x="261923" y="4765040"/>
+          <a:ext cx="2607111" cy="2011680"/>
+        </p:xfrm>
+        <a:graphic>
+          <a:graphicData uri="http://schemas.openxmlformats.org/drawingml/2006/table">
+            <a:tbl>
+              <a:tblPr firstRow="1" bandRow="1">
+                <a:tableStyleId>{AF606853-7671-496A-8E4F-DF71F8EC918B}</a:tableStyleId>
+              </a:tblPr>
+              <a:tblGrid>
+                <a:gridCol w="828646">
+                  <a:extLst>
+                    <a:ext uri="{9D8B030D-6E8A-4147-A177-3AD203B41FA5}">
+                      <a16:colId xmlns:a16="http://schemas.microsoft.com/office/drawing/2014/main" val="1943501819"/>
+                    </a:ext>
+                  </a:extLst>
+                </a:gridCol>
+                <a:gridCol w="1778465">
+                  <a:extLst>
+                    <a:ext uri="{9D8B030D-6E8A-4147-A177-3AD203B41FA5}">
+                      <a16:colId xmlns:a16="http://schemas.microsoft.com/office/drawing/2014/main" val="543727393"/>
+                    </a:ext>
+                  </a:extLst>
+                </a:gridCol>
+              </a:tblGrid>
+              <a:tr h="182880">
+                <a:tc gridSpan="2">
+                  <a:txBody>
+                    <a:bodyPr/>
+                    <a:lstStyle/>
+                    <a:p>
+                      <a:pPr algn="ctr"/>
+                      <a:r>
+                        <a:rPr lang="en-US" sz="1000" dirty="0"/>
+                        <a:t>Spotipy.Track()</a:t>
+                      </a:r>
+                    </a:p>
+                  </a:txBody>
+                  <a:tcPr/>
+                </a:tc>
+                <a:tc hMerge="1">
+                  <a:txBody>
+                    <a:bodyPr/>
+                    <a:lstStyle/>
+                    <a:p>
+                      <a:endParaRPr lang="en-US" dirty="0"/>
+                    </a:p>
+                  </a:txBody>
+                  <a:tcPr/>
+                </a:tc>
+                <a:extLst>
+                  <a:ext uri="{0D108BD9-81ED-4DB2-BD59-A6C34878D82A}">
+                    <a16:rowId xmlns:a16="http://schemas.microsoft.com/office/drawing/2014/main" val="2694978361"/>
+                  </a:ext>
+                </a:extLst>
+              </a:tr>
+              <a:tr h="182880">
+                <a:tc>
+                  <a:txBody>
+                    <a:bodyPr/>
+                    <a:lstStyle/>
+                    <a:p>
+                      <a:r>
+                        <a:rPr lang="en-US" sz="1000" dirty="0"/>
+                        <a:t>Name</a:t>
+                      </a:r>
+                    </a:p>
+                  </a:txBody>
+                  <a:tcPr/>
+                </a:tc>
+                <a:tc>
+                  <a:txBody>
+                    <a:bodyPr/>
+                    <a:lstStyle/>
+                    <a:p>
+                      <a:r>
+                        <a:rPr lang="en-US" sz="1000" dirty="0"/>
+                        <a:t>Track Name</a:t>
+                      </a:r>
+                    </a:p>
+                  </a:txBody>
+                  <a:tcPr/>
+                </a:tc>
+                <a:extLst>
+                  <a:ext uri="{0D108BD9-81ED-4DB2-BD59-A6C34878D82A}">
+                    <a16:rowId xmlns:a16="http://schemas.microsoft.com/office/drawing/2014/main" val="557907252"/>
+                  </a:ext>
+                </a:extLst>
+              </a:tr>
+              <a:tr h="182880">
+                <a:tc>
+                  <a:txBody>
+                    <a:bodyPr/>
+                    <a:lstStyle/>
+                    <a:p>
+                      <a:r>
+                        <a:rPr lang="en-US" sz="1000" dirty="0"/>
+                        <a:t>Album</a:t>
+                      </a:r>
+                    </a:p>
+                  </a:txBody>
+                  <a:tcPr/>
+                </a:tc>
+                <a:tc>
+                  <a:txBody>
+                    <a:bodyPr/>
+                    <a:lstStyle/>
+                    <a:p>
+                      <a:r>
+                        <a:rPr lang="en-US" sz="1000" dirty="0"/>
+                        <a:t>Album the Track appears on</a:t>
+                      </a:r>
+                    </a:p>
+                  </a:txBody>
+                  <a:tcPr/>
+                </a:tc>
+                <a:extLst>
+                  <a:ext uri="{0D108BD9-81ED-4DB2-BD59-A6C34878D82A}">
+                    <a16:rowId xmlns:a16="http://schemas.microsoft.com/office/drawing/2014/main" val="4253828423"/>
+                  </a:ext>
+                </a:extLst>
+              </a:tr>
+              <a:tr h="182880">
+                <a:tc>
+                  <a:txBody>
+                    <a:bodyPr/>
+                    <a:lstStyle/>
+                    <a:p>
+                      <a:r>
+                        <a:rPr lang="en-US" sz="1000" dirty="0"/>
+                        <a:t>Artist</a:t>
+                      </a:r>
+                    </a:p>
+                  </a:txBody>
+                  <a:tcPr/>
+                </a:tc>
+                <a:tc>
+                  <a:txBody>
+                    <a:bodyPr/>
+                    <a:lstStyle/>
+                    <a:p>
+                      <a:r>
+                        <a:rPr lang="en-US" sz="1000" dirty="0"/>
+                        <a:t>Artist</a:t>
+                      </a:r>
+                    </a:p>
+                  </a:txBody>
+                  <a:tcPr/>
+                </a:tc>
+                <a:extLst>
+                  <a:ext uri="{0D108BD9-81ED-4DB2-BD59-A6C34878D82A}">
+                    <a16:rowId xmlns:a16="http://schemas.microsoft.com/office/drawing/2014/main" val="1520541512"/>
+                  </a:ext>
+                </a:extLst>
+              </a:tr>
+              <a:tr h="182880">
+                <a:tc>
+                  <a:txBody>
+                    <a:bodyPr/>
+                    <a:lstStyle/>
+                    <a:p>
+                      <a:r>
+                        <a:rPr lang="en-US" sz="1000" dirty="0"/>
+                        <a:t>Release Date</a:t>
+                      </a:r>
+                    </a:p>
+                  </a:txBody>
+                  <a:tcPr/>
+                </a:tc>
+                <a:tc>
+                  <a:txBody>
+                    <a:bodyPr/>
+                    <a:lstStyle/>
+                    <a:p>
+                      <a:r>
+                        <a:rPr lang="en-US" sz="1000" dirty="0"/>
+                        <a:t>Release date of the Track Name</a:t>
+                      </a:r>
+                    </a:p>
+                  </a:txBody>
+                  <a:tcPr/>
+                </a:tc>
+                <a:extLst>
+                  <a:ext uri="{0D108BD9-81ED-4DB2-BD59-A6C34878D82A}">
+                    <a16:rowId xmlns:a16="http://schemas.microsoft.com/office/drawing/2014/main" val="2313797719"/>
+                  </a:ext>
+                </a:extLst>
+              </a:tr>
+              <a:tr h="182880">
+                <a:tc>
+                  <a:txBody>
+                    <a:bodyPr/>
+                    <a:lstStyle/>
+                    <a:p>
+                      <a:r>
+                        <a:rPr lang="en-US" sz="1000" dirty="0"/>
+                        <a:t>Length</a:t>
+                      </a:r>
+                    </a:p>
+                  </a:txBody>
+                  <a:tcPr/>
+                </a:tc>
+                <a:tc>
+                  <a:txBody>
+                    <a:bodyPr/>
+                    <a:lstStyle/>
+                    <a:p>
+                      <a:r>
+                        <a:rPr lang="en-US" sz="1000" dirty="0"/>
+                        <a:t>Length of the Track in milliseconds</a:t>
+                      </a:r>
+                    </a:p>
+                  </a:txBody>
+                  <a:tcPr/>
+                </a:tc>
+                <a:extLst>
+                  <a:ext uri="{0D108BD9-81ED-4DB2-BD59-A6C34878D82A}">
+                    <a16:rowId xmlns:a16="http://schemas.microsoft.com/office/drawing/2014/main" val="3820849582"/>
+                  </a:ext>
+                </a:extLst>
+              </a:tr>
+              <a:tr h="182880">
+                <a:tc>
+                  <a:txBody>
+                    <a:bodyPr/>
+                    <a:lstStyle/>
+                    <a:p>
+                      <a:r>
+                        <a:rPr lang="en-US" sz="1000" dirty="0"/>
+                        <a:t>Popularity</a:t>
+                      </a:r>
+                    </a:p>
+                  </a:txBody>
+                  <a:tcPr/>
+                </a:tc>
+                <a:tc>
+                  <a:txBody>
+                    <a:bodyPr/>
+                    <a:lstStyle/>
+                    <a:p>
+                      <a:r>
+                        <a:rPr lang="en-US" sz="1000" dirty="0"/>
+                        <a:t>Popularity (0-100)</a:t>
+                      </a:r>
+                    </a:p>
+                  </a:txBody>
+                  <a:tcPr/>
+                </a:tc>
+                <a:extLst>
+                  <a:ext uri="{0D108BD9-81ED-4DB2-BD59-A6C34878D82A}">
+                    <a16:rowId xmlns:a16="http://schemas.microsoft.com/office/drawing/2014/main" val="2378666914"/>
+                  </a:ext>
+                </a:extLst>
+              </a:tr>
+            </a:tbl>
+          </a:graphicData>
+        </a:graphic>
+      </p:graphicFrame>
       <p:pic>
         <p:nvPicPr>
-          <p:cNvPr id="3" name="Picture 2" descr="Chart, bar chart&#10;&#10;Description automatically generated">
-            <a:extLst>
-              <a:ext uri="{FF2B5EF4-FFF2-40B4-BE49-F238E27FC236}">
-                <a16:creationId xmlns:a16="http://schemas.microsoft.com/office/drawing/2014/main" id="{2A55818C-57F2-4B4F-A7EC-A42A56FFEE51}"/>
+          <p:cNvPr id="4" name="Picture 3">
+            <a:extLst>
+              <a:ext uri="{FF2B5EF4-FFF2-40B4-BE49-F238E27FC236}">
+                <a16:creationId xmlns:a16="http://schemas.microsoft.com/office/drawing/2014/main" id="{9547CBCD-28D0-427A-B561-46F3A1C83C3A}"/>
               </a:ext>
             </a:extLst>
           </p:cNvPr>
@@ -10591,22 +12497,15 @@
           </p:cNvPicPr>
           <p:nvPr/>
         </p:nvPicPr>
-        <p:blipFill>
-          <a:blip r:embed="rId3">
-            <a:extLst>
-              <a:ext uri="{28A0092B-C50C-407E-A947-70E740481C1C}">
-                <a14:useLocalDpi xmlns:a14="http://schemas.microsoft.com/office/drawing/2010/main" val="0"/>
-              </a:ext>
-            </a:extLst>
-          </a:blip>
-          <a:stretch>
-            <a:fillRect/>
-          </a:stretch>
+        <p:blipFill rotWithShape="1">
+          <a:blip r:embed="rId5"/>
+          <a:srcRect r="16760"/>
+          <a:stretch/>
         </p:blipFill>
         <p:spPr>
           <a:xfrm>
-            <a:off x="285652" y="1294067"/>
-            <a:ext cx="6831785" cy="4269866"/>
+            <a:off x="7126913" y="227694"/>
+            <a:ext cx="4788912" cy="3819525"/>
           </a:xfrm>
           <a:prstGeom prst="rect">
             <a:avLst/>
@@ -10618,220 +12517,10 @@
           </a:ln>
         </p:spPr>
       </p:pic>
-      <p:sp>
-        <p:nvSpPr>
-          <p:cNvPr id="10" name="Title 1">
-            <a:extLst>
-              <a:ext uri="{FF2B5EF4-FFF2-40B4-BE49-F238E27FC236}">
-                <a16:creationId xmlns:a16="http://schemas.microsoft.com/office/drawing/2014/main" id="{2B1B05DD-99A1-4BE7-AF92-602B492D66AD}"/>
-              </a:ext>
-            </a:extLst>
-          </p:cNvPr>
-          <p:cNvSpPr txBox="1">
-            <a:spLocks/>
-          </p:cNvSpPr>
-          <p:nvPr/>
-        </p:nvSpPr>
-        <p:spPr>
-          <a:xfrm>
-            <a:off x="7403089" y="368969"/>
-            <a:ext cx="4788911" cy="6031830"/>
-          </a:xfrm>
-          <a:prstGeom prst="rect">
-            <a:avLst/>
-          </a:prstGeom>
-          <a:noFill/>
-        </p:spPr>
-        <p:txBody>
-          <a:bodyPr vert="horz" lIns="91440" tIns="45720" rIns="91440" bIns="45720" rtlCol="0" anchor="t">
-            <a:normAutofit lnSpcReduction="10000"/>
-          </a:bodyPr>
-          <a:lstStyle>
-            <a:lvl1pPr algn="l" defTabSz="914400" rtl="0" eaLnBrk="1" latinLnBrk="0" hangingPunct="1">
-              <a:lnSpc>
-                <a:spcPct val="90000"/>
-              </a:lnSpc>
-              <a:spcBef>
-                <a:spcPct val="0"/>
-              </a:spcBef>
-              <a:buNone/>
-              <a:defRPr sz="4400" kern="1200">
-                <a:solidFill>
-                  <a:schemeClr val="tx1"/>
-                </a:solidFill>
-                <a:latin typeface="+mj-lt"/>
-                <a:ea typeface="+mj-ea"/>
-                <a:cs typeface="+mj-cs"/>
-              </a:defRPr>
-            </a:lvl1pPr>
-          </a:lstStyle>
-          <a:p>
-            <a:pPr algn="ctr"/>
-            <a:r>
-              <a:rPr lang="en-US" sz="2400" b="1" dirty="0">
-                <a:solidFill>
-                  <a:srgbClr val="1ED760"/>
-                </a:solidFill>
-              </a:rPr>
-              <a:t>Analyzing Stream Count by Decades</a:t>
-            </a:r>
-          </a:p>
-          <a:p>
-            <a:pPr algn="ctr"/>
-            <a:endParaRPr lang="en-US" sz="3200" b="1" dirty="0">
-              <a:solidFill>
-                <a:schemeClr val="bg1"/>
-              </a:solidFill>
-            </a:endParaRPr>
-          </a:p>
-          <a:p>
-            <a:pPr marL="457200" indent="-457200">
-              <a:buClr>
-                <a:schemeClr val="bg1"/>
-              </a:buClr>
-              <a:buBlip>
-                <a:blip r:embed="rId4">
-                  <a:extLst>
-                    <a:ext uri="{837473B0-CC2E-450A-ABE3-18F120FF3D39}">
-                      <a1611:picAttrSrcUrl xmlns:a1611="http://schemas.microsoft.com/office/drawing/2016/11/main" r:id="rId5"/>
-                    </a:ext>
-                  </a:extLst>
-                </a:blip>
-              </a:buBlip>
-            </a:pPr>
-            <a:r>
-              <a:rPr lang="en-US" sz="2600" dirty="0">
-                <a:solidFill>
-                  <a:schemeClr val="bg1"/>
-                </a:solidFill>
-              </a:rPr>
-              <a:t>Because our data was predominantly featuring songs from the 2000s, rows were filtered to eliminate bias and skewed information.</a:t>
-            </a:r>
-          </a:p>
-          <a:p>
-            <a:pPr marL="457200" indent="-457200">
-              <a:buClr>
-                <a:schemeClr val="bg1"/>
-              </a:buClr>
-              <a:buBlip>
-                <a:blip r:embed="rId4">
-                  <a:extLst>
-                    <a:ext uri="{837473B0-CC2E-450A-ABE3-18F120FF3D39}">
-                      <a1611:picAttrSrcUrl xmlns:a1611="http://schemas.microsoft.com/office/drawing/2016/11/main" r:id="rId5"/>
-                    </a:ext>
-                  </a:extLst>
-                </a:blip>
-              </a:buBlip>
-            </a:pPr>
-            <a:endParaRPr lang="en-US" sz="2600" dirty="0">
-              <a:solidFill>
-                <a:schemeClr val="bg1"/>
-              </a:solidFill>
-            </a:endParaRPr>
-          </a:p>
-          <a:p>
-            <a:pPr marL="457200" indent="-457200">
-              <a:buClr>
-                <a:schemeClr val="bg1"/>
-              </a:buClr>
-              <a:buBlip>
-                <a:blip r:embed="rId4">
-                  <a:extLst>
-                    <a:ext uri="{837473B0-CC2E-450A-ABE3-18F120FF3D39}">
-                      <a1611:picAttrSrcUrl xmlns:a1611="http://schemas.microsoft.com/office/drawing/2016/11/main" r:id="rId5"/>
-                    </a:ext>
-                  </a:extLst>
-                </a:blip>
-              </a:buBlip>
-            </a:pPr>
-            <a:r>
-              <a:rPr lang="en-US" sz="2600" b="1" dirty="0">
-                <a:solidFill>
-                  <a:schemeClr val="bg1"/>
-                </a:solidFill>
-              </a:rPr>
-              <a:t>While the track count was the highest in 00s, The Janitors can see that the number of streams was larger across the board in all decades.</a:t>
-            </a:r>
-          </a:p>
-          <a:p>
-            <a:pPr>
-              <a:buClr>
-                <a:schemeClr val="bg1"/>
-              </a:buClr>
-            </a:pPr>
-            <a:endParaRPr lang="en-US" sz="2600" b="1" dirty="0">
-              <a:solidFill>
-                <a:schemeClr val="bg1"/>
-              </a:solidFill>
-            </a:endParaRPr>
-          </a:p>
-          <a:p>
-            <a:pPr marL="457200" indent="-457200">
-              <a:buClr>
-                <a:schemeClr val="bg1"/>
-              </a:buClr>
-              <a:buBlip>
-                <a:blip r:embed="rId4">
-                  <a:extLst>
-                    <a:ext uri="{837473B0-CC2E-450A-ABE3-18F120FF3D39}">
-                      <a1611:picAttrSrcUrl xmlns:a1611="http://schemas.microsoft.com/office/drawing/2016/11/main" r:id="rId5"/>
-                    </a:ext>
-                  </a:extLst>
-                </a:blip>
-              </a:buBlip>
-            </a:pPr>
-            <a:r>
-              <a:rPr lang="en-US" sz="2600" b="1" dirty="0">
-                <a:solidFill>
-                  <a:schemeClr val="bg1"/>
-                </a:solidFill>
-              </a:rPr>
-              <a:t>One can conclude that there is not necessarily a direct tie with stream to track count.</a:t>
-            </a:r>
-          </a:p>
-          <a:p>
-            <a:pPr marL="457200" indent="-457200">
-              <a:buClr>
-                <a:schemeClr val="bg1"/>
-              </a:buClr>
-              <a:buBlip>
-                <a:blip r:embed="rId4">
-                  <a:extLst>
-                    <a:ext uri="{837473B0-CC2E-450A-ABE3-18F120FF3D39}">
-                      <a1611:picAttrSrcUrl xmlns:a1611="http://schemas.microsoft.com/office/drawing/2016/11/main" r:id="rId5"/>
-                    </a:ext>
-                  </a:extLst>
-                </a:blip>
-              </a:buBlip>
-            </a:pPr>
-            <a:endParaRPr lang="en-US" sz="3200" b="1" dirty="0">
-              <a:solidFill>
-                <a:schemeClr val="bg1"/>
-              </a:solidFill>
-            </a:endParaRPr>
-          </a:p>
-          <a:p>
-            <a:pPr algn="ctr"/>
-            <a:endParaRPr lang="en-US" sz="3200" b="1" dirty="0">
-              <a:solidFill>
-                <a:schemeClr val="bg1"/>
-              </a:solidFill>
-            </a:endParaRPr>
-          </a:p>
-          <a:p>
-            <a:pPr algn="ctr"/>
-            <a:endParaRPr lang="en-US" sz="3200" b="1" dirty="0">
-              <a:solidFill>
-                <a:schemeClr val="bg1"/>
-              </a:solidFill>
-            </a:endParaRPr>
-          </a:p>
-        </p:txBody>
-      </p:sp>
     </p:spTree>
     <p:extLst>
       <p:ext uri="{BB962C8B-B14F-4D97-AF65-F5344CB8AC3E}">
-        <p14:creationId xmlns:p14="http://schemas.microsoft.com/office/powerpoint/2010/main" val="3589306822"/>
+        <p14:creationId xmlns:p14="http://schemas.microsoft.com/office/powerpoint/2010/main" val="48200059"/>
       </p:ext>
     </p:extLst>
   </p:cSld>
@@ -10927,8 +12616,37 @@
           <a:bodyPr rtlCol="0" anchor="ctr"/>
           <a:lstStyle/>
           <a:p>
-            <a:pPr algn="ctr"/>
-            <a:endParaRPr lang="en-US"/>
+            <a:pPr marL="0" marR="0" lvl="0" indent="0" algn="ctr" defTabSz="914400" rtl="0" eaLnBrk="1" fontAlgn="auto" latinLnBrk="0" hangingPunct="1">
+              <a:lnSpc>
+                <a:spcPct val="100000"/>
+              </a:lnSpc>
+              <a:spcBef>
+                <a:spcPts val="0"/>
+              </a:spcBef>
+              <a:spcAft>
+                <a:spcPts val="0"/>
+              </a:spcAft>
+              <a:buClrTx/>
+              <a:buSzTx/>
+              <a:buFontTx/>
+              <a:buNone/>
+              <a:tabLst/>
+              <a:defRPr/>
+            </a:pPr>
+            <a:endParaRPr kumimoji="0" lang="en-US" sz="1800" b="0" i="0" u="none" strike="noStrike" kern="1200" cap="none" spc="0" normalizeH="0" baseline="0" noProof="0">
+              <a:ln>
+                <a:noFill/>
+              </a:ln>
+              <a:solidFill>
+                <a:prstClr val="white"/>
+              </a:solidFill>
+              <a:effectLst/>
+              <a:uLnTx/>
+              <a:uFillTx/>
+              <a:latin typeface="Calibri" panose="020F0502020204030204"/>
+              <a:ea typeface="+mn-ea"/>
+              <a:cs typeface="+mn-cs"/>
+            </a:endParaRPr>
           </a:p>
         </p:txBody>
       </p:sp>
@@ -10937,7 +12655,7 @@
           <p:cNvPr id="5" name="Content Placeholder 4" descr="Terraform &amp; Spotify Data Engineering | Python In Plain English">
             <a:extLst>
               <a:ext uri="{FF2B5EF4-FFF2-40B4-BE49-F238E27FC236}">
-                <a16:creationId xmlns:a16="http://schemas.microsoft.com/office/drawing/2014/main" id="{84D92599-E100-4725-AD6A-0D4038DE46AD}"/>
+                <a16:creationId xmlns:a16="http://schemas.microsoft.com/office/drawing/2014/main" id="{843EDE0C-EB57-4DD9-98B2-9FF5C24A7B94}"/>
               </a:ext>
             </a:extLst>
           </p:cNvPr>
@@ -10979,66 +12697,10 @@
       </p:pic>
       <p:sp>
         <p:nvSpPr>
-          <p:cNvPr id="7" name="Title 1">
-            <a:extLst>
-              <a:ext uri="{FF2B5EF4-FFF2-40B4-BE49-F238E27FC236}">
-                <a16:creationId xmlns:a16="http://schemas.microsoft.com/office/drawing/2014/main" id="{EBA8A45B-E1A7-47EC-8A3D-B78F9CD35F1D}"/>
-              </a:ext>
-            </a:extLst>
-          </p:cNvPr>
-          <p:cNvSpPr txBox="1">
-            <a:spLocks/>
-          </p:cNvSpPr>
-          <p:nvPr/>
-        </p:nvSpPr>
-        <p:spPr>
-          <a:xfrm>
-            <a:off x="183089" y="0"/>
-            <a:ext cx="10901471" cy="1236440"/>
-          </a:xfrm>
-          <a:prstGeom prst="rect">
-            <a:avLst/>
-          </a:prstGeom>
-          <a:noFill/>
-        </p:spPr>
-        <p:txBody>
-          <a:bodyPr vert="horz" lIns="91440" tIns="45720" rIns="91440" bIns="45720" rtlCol="0" anchor="ctr">
-            <a:normAutofit/>
-          </a:bodyPr>
-          <a:lstStyle>
-            <a:lvl1pPr algn="l" defTabSz="914400" rtl="0" eaLnBrk="1" latinLnBrk="0" hangingPunct="1">
-              <a:lnSpc>
-                <a:spcPct val="90000"/>
-              </a:lnSpc>
-              <a:spcBef>
-                <a:spcPct val="0"/>
-              </a:spcBef>
-              <a:buNone/>
-              <a:defRPr sz="4400" kern="1200">
-                <a:solidFill>
-                  <a:schemeClr val="tx1"/>
-                </a:solidFill>
-                <a:latin typeface="+mj-lt"/>
-                <a:ea typeface="+mj-ea"/>
-                <a:cs typeface="+mj-cs"/>
-              </a:defRPr>
-            </a:lvl1pPr>
-          </a:lstStyle>
-          <a:p>
-            <a:endParaRPr lang="en-US" sz="4800" b="1" dirty="0">
-              <a:solidFill>
-                <a:schemeClr val="bg1"/>
-              </a:solidFill>
-            </a:endParaRPr>
-          </a:p>
-        </p:txBody>
-      </p:sp>
-      <p:sp>
-        <p:nvSpPr>
           <p:cNvPr id="9" name="Title 1">
             <a:extLst>
               <a:ext uri="{FF2B5EF4-FFF2-40B4-BE49-F238E27FC236}">
-                <a16:creationId xmlns:a16="http://schemas.microsoft.com/office/drawing/2014/main" id="{E49AA69A-92C5-4D28-A84A-D4CC39C5635E}"/>
+                <a16:creationId xmlns:a16="http://schemas.microsoft.com/office/drawing/2014/main" id="{426BB233-A55B-4835-80DC-FA6CA4516D5E}"/>
               </a:ext>
             </a:extLst>
           </p:cNvPr>
@@ -11081,6 +12743,23 @@
             </a:lvl1pPr>
           </a:lstStyle>
           <a:p>
+            <a:pPr marL="0" marR="0" lvl="0" indent="0" algn="l" defTabSz="914400" rtl="0" eaLnBrk="1" fontAlgn="auto" latinLnBrk="0" hangingPunct="1">
+              <a:lnSpc>
+                <a:spcPct val="90000"/>
+              </a:lnSpc>
+              <a:spcBef>
+                <a:spcPct val="0"/>
+              </a:spcBef>
+              <a:spcAft>
+                <a:spcPts val="0"/>
+              </a:spcAft>
+              <a:buClrTx/>
+              <a:buSzTx/>
+              <a:buFontTx/>
+              <a:buNone/>
+              <a:tabLst/>
+              <a:defRPr/>
+            </a:pPr>
             <a:r>
               <a:rPr lang="en-US" sz="4000" b="1" i="1" dirty="0">
                 <a:solidFill>
@@ -11088,23 +12767,31 @@
                 </a:solidFill>
                 <a:latin typeface="Ink Free" panose="03080402000500000000" pitchFamily="66" charset="0"/>
               </a:rPr>
-              <a:t>o u r   g r a p h s</a:t>
+              <a:t>c l e a n i n g   t h e   d a t a</a:t>
             </a:r>
-            <a:endParaRPr lang="en-US" sz="2800" b="1" i="1" dirty="0">
+            <a:endParaRPr kumimoji="0" lang="en-US" sz="2800" b="1" i="1" u="none" strike="noStrike" kern="1200" cap="none" spc="0" normalizeH="0" baseline="0" noProof="0" dirty="0">
+              <a:ln>
+                <a:noFill/>
+              </a:ln>
               <a:solidFill>
-                <a:schemeClr val="bg1"/>
+                <a:prstClr val="white"/>
               </a:solidFill>
+              <a:effectLst/>
+              <a:uLnTx/>
+              <a:uFillTx/>
               <a:latin typeface="Ink Free" panose="03080402000500000000" pitchFamily="66" charset="0"/>
+              <a:ea typeface="+mj-ea"/>
+              <a:cs typeface="+mj-cs"/>
             </a:endParaRPr>
           </a:p>
         </p:txBody>
       </p:sp>
       <p:pic>
         <p:nvPicPr>
-          <p:cNvPr id="10" name="Picture 9">
-            <a:extLst>
-              <a:ext uri="{FF2B5EF4-FFF2-40B4-BE49-F238E27FC236}">
-                <a16:creationId xmlns:a16="http://schemas.microsoft.com/office/drawing/2014/main" id="{00A35371-46AB-4218-8914-10D7982FD810}"/>
+          <p:cNvPr id="2" name="Picture 1">
+            <a:extLst>
+              <a:ext uri="{FF2B5EF4-FFF2-40B4-BE49-F238E27FC236}">
+                <a16:creationId xmlns:a16="http://schemas.microsoft.com/office/drawing/2014/main" id="{92C05386-5F19-4ED5-AD42-DDDEFC963A74}"/>
               </a:ext>
             </a:extLst>
           </p:cNvPr>
@@ -11121,8 +12808,8 @@
         </p:blipFill>
         <p:spPr>
           <a:xfrm>
-            <a:off x="1357312" y="1652587"/>
-            <a:ext cx="9477375" cy="3552825"/>
+            <a:off x="478172" y="1236440"/>
+            <a:ext cx="5410701" cy="3485687"/>
           </a:xfrm>
           <a:prstGeom prst="rect">
             <a:avLst/>
@@ -11134,68 +12821,80 @@
           </a:ln>
         </p:spPr>
       </p:pic>
-      <p:sp>
-        <p:nvSpPr>
-          <p:cNvPr id="2" name="Rectangle 1">
-            <a:extLst>
-              <a:ext uri="{FF2B5EF4-FFF2-40B4-BE49-F238E27FC236}">
-                <a16:creationId xmlns:a16="http://schemas.microsoft.com/office/drawing/2014/main" id="{C857CCFD-0755-4A27-B79A-6A2B1BEBB692}"/>
-              </a:ext>
-            </a:extLst>
-          </p:cNvPr>
-          <p:cNvSpPr/>
+      <p:pic>
+        <p:nvPicPr>
+          <p:cNvPr id="3" name="Picture 2">
+            <a:extLst>
+              <a:ext uri="{FF2B5EF4-FFF2-40B4-BE49-F238E27FC236}">
+                <a16:creationId xmlns:a16="http://schemas.microsoft.com/office/drawing/2014/main" id="{729F035C-C8B3-49C5-B98F-5216F7658A9D}"/>
+              </a:ext>
+            </a:extLst>
+          </p:cNvPr>
+          <p:cNvPicPr>
+            <a:picLocks noChangeAspect="1"/>
+          </p:cNvPicPr>
           <p:nvPr/>
-        </p:nvSpPr>
+        </p:nvPicPr>
+        <p:blipFill>
+          <a:blip r:embed="rId4"/>
+          <a:stretch>
+            <a:fillRect/>
+          </a:stretch>
+        </p:blipFill>
         <p:spPr>
           <a:xfrm>
-            <a:off x="6509857" y="4865615"/>
-            <a:ext cx="620785" cy="339797"/>
+            <a:off x="3357587" y="2878642"/>
+            <a:ext cx="4788912" cy="3568868"/>
           </a:xfrm>
           <a:prstGeom prst="rect">
             <a:avLst/>
           </a:prstGeom>
-          <a:noFill/>
           <a:ln w="38100">
             <a:solidFill>
-              <a:srgbClr val="FF0000"/>
+              <a:srgbClr val="1ED760"/>
             </a:solidFill>
           </a:ln>
         </p:spPr>
-        <p:style>
-          <a:lnRef idx="2">
-            <a:schemeClr val="accent1">
-              <a:shade val="50000"/>
-            </a:schemeClr>
-          </a:lnRef>
-          <a:fillRef idx="1">
-            <a:schemeClr val="accent1"/>
-          </a:fillRef>
-          <a:effectRef idx="0">
-            <a:schemeClr val="accent1"/>
-          </a:effectRef>
-          <a:fontRef idx="minor">
-            <a:schemeClr val="lt1"/>
-          </a:fontRef>
-        </p:style>
-        <p:txBody>
-          <a:bodyPr rtlCol="0" anchor="ctr"/>
-          <a:lstStyle/>
-          <a:p>
-            <a:pPr algn="ctr"/>
-            <a:endParaRPr lang="en-US">
-              <a:ln>
-                <a:solidFill>
-                  <a:srgbClr val="FF0000"/>
-                </a:solidFill>
-              </a:ln>
-            </a:endParaRPr>
-          </a:p>
-        </p:txBody>
-      </p:sp>
+      </p:pic>
+      <p:pic>
+        <p:nvPicPr>
+          <p:cNvPr id="4" name="Picture 3">
+            <a:extLst>
+              <a:ext uri="{FF2B5EF4-FFF2-40B4-BE49-F238E27FC236}">
+                <a16:creationId xmlns:a16="http://schemas.microsoft.com/office/drawing/2014/main" id="{56913B3C-B892-47A9-9DCD-5B1402A98F6E}"/>
+              </a:ext>
+            </a:extLst>
+          </p:cNvPr>
+          <p:cNvPicPr>
+            <a:picLocks noChangeAspect="1"/>
+          </p:cNvPicPr>
+          <p:nvPr/>
+        </p:nvPicPr>
+        <p:blipFill>
+          <a:blip r:embed="rId5"/>
+          <a:stretch>
+            <a:fillRect/>
+          </a:stretch>
+        </p:blipFill>
+        <p:spPr>
+          <a:xfrm>
+            <a:off x="6797237" y="410490"/>
+            <a:ext cx="4486400" cy="4946073"/>
+          </a:xfrm>
+          <a:prstGeom prst="rect">
+            <a:avLst/>
+          </a:prstGeom>
+          <a:ln w="38100">
+            <a:solidFill>
+              <a:srgbClr val="1ED760"/>
+            </a:solidFill>
+          </a:ln>
+        </p:spPr>
+      </p:pic>
     </p:spTree>
     <p:extLst>
       <p:ext uri="{BB962C8B-B14F-4D97-AF65-F5344CB8AC3E}">
-        <p14:creationId xmlns:p14="http://schemas.microsoft.com/office/powerpoint/2010/main" val="1362752728"/>
+        <p14:creationId xmlns:p14="http://schemas.microsoft.com/office/powerpoint/2010/main" val="3904705731"/>
       </p:ext>
     </p:extLst>
   </p:cSld>
@@ -11291,8 +12990,37 @@
           <a:bodyPr rtlCol="0" anchor="ctr"/>
           <a:lstStyle/>
           <a:p>
-            <a:pPr algn="ctr"/>
-            <a:endParaRPr lang="en-US"/>
+            <a:pPr marL="0" marR="0" lvl="0" indent="0" algn="ctr" defTabSz="914400" rtl="0" eaLnBrk="1" fontAlgn="auto" latinLnBrk="0" hangingPunct="1">
+              <a:lnSpc>
+                <a:spcPct val="100000"/>
+              </a:lnSpc>
+              <a:spcBef>
+                <a:spcPts val="0"/>
+              </a:spcBef>
+              <a:spcAft>
+                <a:spcPts val="0"/>
+              </a:spcAft>
+              <a:buClrTx/>
+              <a:buSzTx/>
+              <a:buFontTx/>
+              <a:buNone/>
+              <a:tabLst/>
+              <a:defRPr/>
+            </a:pPr>
+            <a:endParaRPr kumimoji="0" lang="en-US" sz="1800" b="0" i="0" u="none" strike="noStrike" kern="1200" cap="none" spc="0" normalizeH="0" baseline="0" noProof="0">
+              <a:ln>
+                <a:noFill/>
+              </a:ln>
+              <a:solidFill>
+                <a:prstClr val="white"/>
+              </a:solidFill>
+              <a:effectLst/>
+              <a:uLnTx/>
+              <a:uFillTx/>
+              <a:latin typeface="Calibri" panose="020F0502020204030204"/>
+              <a:ea typeface="+mn-ea"/>
+              <a:cs typeface="+mn-cs"/>
+            </a:endParaRPr>
           </a:p>
         </p:txBody>
       </p:sp>
@@ -11301,7 +13029,7 @@
           <p:cNvPr id="5" name="Content Placeholder 4" descr="Terraform &amp; Spotify Data Engineering | Python In Plain English">
             <a:extLst>
               <a:ext uri="{FF2B5EF4-FFF2-40B4-BE49-F238E27FC236}">
-                <a16:creationId xmlns:a16="http://schemas.microsoft.com/office/drawing/2014/main" id="{1CB322AD-0C14-4B6E-87B1-21D722FE2094}"/>
+                <a16:creationId xmlns:a16="http://schemas.microsoft.com/office/drawing/2014/main" id="{1D82E38B-A57A-4A72-BC02-A48E14940DA5}"/>
               </a:ext>
             </a:extLst>
           </p:cNvPr>
@@ -11343,10 +13071,236 @@
       </p:pic>
       <p:sp>
         <p:nvSpPr>
-          <p:cNvPr id="8" name="Title 1">
-            <a:extLst>
-              <a:ext uri="{FF2B5EF4-FFF2-40B4-BE49-F238E27FC236}">
-                <a16:creationId xmlns:a16="http://schemas.microsoft.com/office/drawing/2014/main" id="{D9DFD1F7-1CAA-4059-8E9F-3A5144453FCF}"/>
+          <p:cNvPr id="8" name="Content Placeholder 1">
+            <a:extLst>
+              <a:ext uri="{FF2B5EF4-FFF2-40B4-BE49-F238E27FC236}">
+                <a16:creationId xmlns:a16="http://schemas.microsoft.com/office/drawing/2014/main" id="{EE7210D4-1A10-48EA-B614-F3FD1ED309CC}"/>
+              </a:ext>
+            </a:extLst>
+          </p:cNvPr>
+          <p:cNvSpPr txBox="1">
+            <a:spLocks/>
+          </p:cNvSpPr>
+          <p:nvPr/>
+        </p:nvSpPr>
+        <p:spPr>
+          <a:xfrm>
+            <a:off x="376024" y="1520825"/>
+            <a:ext cx="6615326" cy="4351338"/>
+          </a:xfrm>
+          <a:prstGeom prst="rect">
+            <a:avLst/>
+          </a:prstGeom>
+        </p:spPr>
+        <p:txBody>
+          <a:bodyPr vert="horz" lIns="91440" tIns="45720" rIns="91440" bIns="45720" rtlCol="0">
+            <a:normAutofit/>
+          </a:bodyPr>
+          <a:lstStyle>
+            <a:lvl1pPr marL="228600" indent="-228600" algn="l" defTabSz="914400" rtl="0" eaLnBrk="1" latinLnBrk="0" hangingPunct="1">
+              <a:lnSpc>
+                <a:spcPct val="90000"/>
+              </a:lnSpc>
+              <a:spcBef>
+                <a:spcPts val="1000"/>
+              </a:spcBef>
+              <a:buFont typeface="Arial" panose="020B0604020202020204" pitchFamily="34" charset="0"/>
+              <a:buChar char="•"/>
+              <a:defRPr sz="2800" kern="1200">
+                <a:solidFill>
+                  <a:schemeClr val="tx1"/>
+                </a:solidFill>
+                <a:latin typeface="+mn-lt"/>
+                <a:ea typeface="+mn-ea"/>
+                <a:cs typeface="+mn-cs"/>
+              </a:defRPr>
+            </a:lvl1pPr>
+            <a:lvl2pPr marL="685800" indent="-228600" algn="l" defTabSz="914400" rtl="0" eaLnBrk="1" latinLnBrk="0" hangingPunct="1">
+              <a:lnSpc>
+                <a:spcPct val="90000"/>
+              </a:lnSpc>
+              <a:spcBef>
+                <a:spcPts val="500"/>
+              </a:spcBef>
+              <a:buFont typeface="Arial" panose="020B0604020202020204" pitchFamily="34" charset="0"/>
+              <a:buChar char="•"/>
+              <a:defRPr sz="2400" kern="1200">
+                <a:solidFill>
+                  <a:schemeClr val="tx1"/>
+                </a:solidFill>
+                <a:latin typeface="+mn-lt"/>
+                <a:ea typeface="+mn-ea"/>
+                <a:cs typeface="+mn-cs"/>
+              </a:defRPr>
+            </a:lvl2pPr>
+            <a:lvl3pPr marL="1143000" indent="-228600" algn="l" defTabSz="914400" rtl="0" eaLnBrk="1" latinLnBrk="0" hangingPunct="1">
+              <a:lnSpc>
+                <a:spcPct val="90000"/>
+              </a:lnSpc>
+              <a:spcBef>
+                <a:spcPts val="500"/>
+              </a:spcBef>
+              <a:buFont typeface="Arial" panose="020B0604020202020204" pitchFamily="34" charset="0"/>
+              <a:buChar char="•"/>
+              <a:defRPr sz="2000" kern="1200">
+                <a:solidFill>
+                  <a:schemeClr val="tx1"/>
+                </a:solidFill>
+                <a:latin typeface="+mn-lt"/>
+                <a:ea typeface="+mn-ea"/>
+                <a:cs typeface="+mn-cs"/>
+              </a:defRPr>
+            </a:lvl3pPr>
+            <a:lvl4pPr marL="1600200" indent="-228600" algn="l" defTabSz="914400" rtl="0" eaLnBrk="1" latinLnBrk="0" hangingPunct="1">
+              <a:lnSpc>
+                <a:spcPct val="90000"/>
+              </a:lnSpc>
+              <a:spcBef>
+                <a:spcPts val="500"/>
+              </a:spcBef>
+              <a:buFont typeface="Arial" panose="020B0604020202020204" pitchFamily="34" charset="0"/>
+              <a:buChar char="•"/>
+              <a:defRPr sz="1800" kern="1200">
+                <a:solidFill>
+                  <a:schemeClr val="tx1"/>
+                </a:solidFill>
+                <a:latin typeface="+mn-lt"/>
+                <a:ea typeface="+mn-ea"/>
+                <a:cs typeface="+mn-cs"/>
+              </a:defRPr>
+            </a:lvl4pPr>
+            <a:lvl5pPr marL="2057400" indent="-228600" algn="l" defTabSz="914400" rtl="0" eaLnBrk="1" latinLnBrk="0" hangingPunct="1">
+              <a:lnSpc>
+                <a:spcPct val="90000"/>
+              </a:lnSpc>
+              <a:spcBef>
+                <a:spcPts val="500"/>
+              </a:spcBef>
+              <a:buFont typeface="Arial" panose="020B0604020202020204" pitchFamily="34" charset="0"/>
+              <a:buChar char="•"/>
+              <a:defRPr sz="1800" kern="1200">
+                <a:solidFill>
+                  <a:schemeClr val="tx1"/>
+                </a:solidFill>
+                <a:latin typeface="+mn-lt"/>
+                <a:ea typeface="+mn-ea"/>
+                <a:cs typeface="+mn-cs"/>
+              </a:defRPr>
+            </a:lvl5pPr>
+            <a:lvl6pPr marL="2514600" indent="-228600" algn="l" defTabSz="914400" rtl="0" eaLnBrk="1" latinLnBrk="0" hangingPunct="1">
+              <a:lnSpc>
+                <a:spcPct val="90000"/>
+              </a:lnSpc>
+              <a:spcBef>
+                <a:spcPts val="500"/>
+              </a:spcBef>
+              <a:buFont typeface="Arial" panose="020B0604020202020204" pitchFamily="34" charset="0"/>
+              <a:buChar char="•"/>
+              <a:defRPr sz="1800" kern="1200">
+                <a:solidFill>
+                  <a:schemeClr val="tx1"/>
+                </a:solidFill>
+                <a:latin typeface="+mn-lt"/>
+                <a:ea typeface="+mn-ea"/>
+                <a:cs typeface="+mn-cs"/>
+              </a:defRPr>
+            </a:lvl6pPr>
+            <a:lvl7pPr marL="2971800" indent="-228600" algn="l" defTabSz="914400" rtl="0" eaLnBrk="1" latinLnBrk="0" hangingPunct="1">
+              <a:lnSpc>
+                <a:spcPct val="90000"/>
+              </a:lnSpc>
+              <a:spcBef>
+                <a:spcPts val="500"/>
+              </a:spcBef>
+              <a:buFont typeface="Arial" panose="020B0604020202020204" pitchFamily="34" charset="0"/>
+              <a:buChar char="•"/>
+              <a:defRPr sz="1800" kern="1200">
+                <a:solidFill>
+                  <a:schemeClr val="tx1"/>
+                </a:solidFill>
+                <a:latin typeface="+mn-lt"/>
+                <a:ea typeface="+mn-ea"/>
+                <a:cs typeface="+mn-cs"/>
+              </a:defRPr>
+            </a:lvl7pPr>
+            <a:lvl8pPr marL="3429000" indent="-228600" algn="l" defTabSz="914400" rtl="0" eaLnBrk="1" latinLnBrk="0" hangingPunct="1">
+              <a:lnSpc>
+                <a:spcPct val="90000"/>
+              </a:lnSpc>
+              <a:spcBef>
+                <a:spcPts val="500"/>
+              </a:spcBef>
+              <a:buFont typeface="Arial" panose="020B0604020202020204" pitchFamily="34" charset="0"/>
+              <a:buChar char="•"/>
+              <a:defRPr sz="1800" kern="1200">
+                <a:solidFill>
+                  <a:schemeClr val="tx1"/>
+                </a:solidFill>
+                <a:latin typeface="+mn-lt"/>
+                <a:ea typeface="+mn-ea"/>
+                <a:cs typeface="+mn-cs"/>
+              </a:defRPr>
+            </a:lvl8pPr>
+            <a:lvl9pPr marL="3886200" indent="-228600" algn="l" defTabSz="914400" rtl="0" eaLnBrk="1" latinLnBrk="0" hangingPunct="1">
+              <a:lnSpc>
+                <a:spcPct val="90000"/>
+              </a:lnSpc>
+              <a:spcBef>
+                <a:spcPts val="500"/>
+              </a:spcBef>
+              <a:buFont typeface="Arial" panose="020B0604020202020204" pitchFamily="34" charset="0"/>
+              <a:buChar char="•"/>
+              <a:defRPr sz="1800" kern="1200">
+                <a:solidFill>
+                  <a:schemeClr val="tx1"/>
+                </a:solidFill>
+                <a:latin typeface="+mn-lt"/>
+                <a:ea typeface="+mn-ea"/>
+                <a:cs typeface="+mn-cs"/>
+              </a:defRPr>
+            </a:lvl9pPr>
+          </a:lstStyle>
+          <a:p>
+            <a:pPr marL="0" marR="0" lvl="0" indent="0" algn="l" defTabSz="914400" rtl="0" eaLnBrk="1" fontAlgn="auto" latinLnBrk="0" hangingPunct="1">
+              <a:lnSpc>
+                <a:spcPct val="90000"/>
+              </a:lnSpc>
+              <a:spcBef>
+                <a:spcPts val="1000"/>
+              </a:spcBef>
+              <a:spcAft>
+                <a:spcPts val="0"/>
+              </a:spcAft>
+              <a:buClrTx/>
+              <a:buSzTx/>
+              <a:buFont typeface="Arial" panose="020B0604020202020204" pitchFamily="34" charset="0"/>
+              <a:buNone/>
+              <a:tabLst/>
+              <a:defRPr/>
+            </a:pPr>
+            <a:endParaRPr kumimoji="0" lang="en-US" sz="2800" b="1" i="0" u="none" strike="noStrike" kern="1200" cap="none" spc="0" normalizeH="0" baseline="0" noProof="0" dirty="0">
+              <a:ln>
+                <a:noFill/>
+              </a:ln>
+              <a:solidFill>
+                <a:srgbClr val="262626"/>
+              </a:solidFill>
+              <a:effectLst/>
+              <a:uLnTx/>
+              <a:uFillTx/>
+              <a:latin typeface="Calibri Light" panose="020F0302020204030204"/>
+              <a:ea typeface="+mn-ea"/>
+              <a:cs typeface="+mn-cs"/>
+            </a:endParaRPr>
+          </a:p>
+        </p:txBody>
+      </p:sp>
+      <p:sp>
+        <p:nvSpPr>
+          <p:cNvPr id="9" name="Title 1">
+            <a:extLst>
+              <a:ext uri="{FF2B5EF4-FFF2-40B4-BE49-F238E27FC236}">
+                <a16:creationId xmlns:a16="http://schemas.microsoft.com/office/drawing/2014/main" id="{D8C10810-AC5E-494D-9CD2-414CEC04F8D6}"/>
               </a:ext>
             </a:extLst>
           </p:cNvPr>
@@ -11389,6 +13343,23 @@
             </a:lvl1pPr>
           </a:lstStyle>
           <a:p>
+            <a:pPr marL="0" marR="0" lvl="0" indent="0" algn="l" defTabSz="914400" rtl="0" eaLnBrk="1" fontAlgn="auto" latinLnBrk="0" hangingPunct="1">
+              <a:lnSpc>
+                <a:spcPct val="90000"/>
+              </a:lnSpc>
+              <a:spcBef>
+                <a:spcPct val="0"/>
+              </a:spcBef>
+              <a:spcAft>
+                <a:spcPts val="0"/>
+              </a:spcAft>
+              <a:buClrTx/>
+              <a:buSzTx/>
+              <a:buFontTx/>
+              <a:buNone/>
+              <a:tabLst/>
+              <a:defRPr/>
+            </a:pPr>
             <a:r>
               <a:rPr lang="en-US" sz="4000" b="1" i="1" dirty="0">
                 <a:solidFill>
@@ -11396,23 +13367,31 @@
                 </a:solidFill>
                 <a:latin typeface="Ink Free" panose="03080402000500000000" pitchFamily="66" charset="0"/>
               </a:rPr>
-              <a:t>o u r   g r a p h s</a:t>
+              <a:t>c o d e</a:t>
             </a:r>
-            <a:endParaRPr lang="en-US" sz="2800" b="1" i="1" dirty="0">
+            <a:endParaRPr kumimoji="0" lang="en-US" sz="2800" b="1" i="1" u="none" strike="noStrike" kern="1200" cap="none" spc="0" normalizeH="0" baseline="0" noProof="0" dirty="0">
+              <a:ln>
+                <a:noFill/>
+              </a:ln>
               <a:solidFill>
-                <a:schemeClr val="bg1"/>
+                <a:prstClr val="white"/>
               </a:solidFill>
+              <a:effectLst/>
+              <a:uLnTx/>
+              <a:uFillTx/>
               <a:latin typeface="Ink Free" panose="03080402000500000000" pitchFamily="66" charset="0"/>
+              <a:ea typeface="+mj-ea"/>
+              <a:cs typeface="+mj-cs"/>
             </a:endParaRPr>
           </a:p>
         </p:txBody>
       </p:sp>
       <p:pic>
         <p:nvPicPr>
-          <p:cNvPr id="3" name="Picture 2" descr="Chart, scatter chart&#10;&#10;Description automatically generated">
-            <a:extLst>
-              <a:ext uri="{FF2B5EF4-FFF2-40B4-BE49-F238E27FC236}">
-                <a16:creationId xmlns:a16="http://schemas.microsoft.com/office/drawing/2014/main" id="{BEE24786-917D-41D0-83EB-F0BC9085B5F8}"/>
+          <p:cNvPr id="2" name="Picture 1">
+            <a:extLst>
+              <a:ext uri="{FF2B5EF4-FFF2-40B4-BE49-F238E27FC236}">
+                <a16:creationId xmlns:a16="http://schemas.microsoft.com/office/drawing/2014/main" id="{4C663453-D95F-4D0F-89BC-3A722B2E5DB4}"/>
               </a:ext>
             </a:extLst>
           </p:cNvPr>
@@ -11422,21 +13401,15 @@
           <p:nvPr/>
         </p:nvPicPr>
         <p:blipFill>
-          <a:blip r:embed="rId3">
-            <a:extLst>
-              <a:ext uri="{28A0092B-C50C-407E-A947-70E740481C1C}">
-                <a14:useLocalDpi xmlns:a14="http://schemas.microsoft.com/office/drawing/2010/main" val="0"/>
-              </a:ext>
-            </a:extLst>
-          </a:blip>
+          <a:blip r:embed="rId3"/>
           <a:stretch>
             <a:fillRect/>
           </a:stretch>
         </p:blipFill>
         <p:spPr>
           <a:xfrm>
-            <a:off x="1045203" y="1599783"/>
-            <a:ext cx="5487650" cy="3658433"/>
+            <a:off x="1744508" y="1493569"/>
+            <a:ext cx="8015069" cy="4405849"/>
           </a:xfrm>
           <a:prstGeom prst="rect">
             <a:avLst/>
@@ -11448,233 +13421,10 @@
           </a:ln>
         </p:spPr>
       </p:pic>
-      <p:sp>
-        <p:nvSpPr>
-          <p:cNvPr id="9" name="Title 1">
-            <a:extLst>
-              <a:ext uri="{FF2B5EF4-FFF2-40B4-BE49-F238E27FC236}">
-                <a16:creationId xmlns:a16="http://schemas.microsoft.com/office/drawing/2014/main" id="{93CFEEBA-B8C9-40E3-89AD-98EB11AF5C92}"/>
-              </a:ext>
-            </a:extLst>
-          </p:cNvPr>
-          <p:cNvSpPr txBox="1">
-            <a:spLocks/>
-          </p:cNvSpPr>
-          <p:nvPr/>
-        </p:nvSpPr>
-        <p:spPr>
-          <a:xfrm>
-            <a:off x="7403089" y="368969"/>
-            <a:ext cx="4788911" cy="6031830"/>
-          </a:xfrm>
-          <a:prstGeom prst="rect">
-            <a:avLst/>
-          </a:prstGeom>
-          <a:noFill/>
-        </p:spPr>
-        <p:txBody>
-          <a:bodyPr vert="horz" lIns="91440" tIns="45720" rIns="91440" bIns="45720" rtlCol="0" anchor="t">
-            <a:normAutofit/>
-          </a:bodyPr>
-          <a:lstStyle>
-            <a:lvl1pPr algn="l" defTabSz="914400" rtl="0" eaLnBrk="1" latinLnBrk="0" hangingPunct="1">
-              <a:lnSpc>
-                <a:spcPct val="90000"/>
-              </a:lnSpc>
-              <a:spcBef>
-                <a:spcPct val="0"/>
-              </a:spcBef>
-              <a:buNone/>
-              <a:defRPr sz="4400" kern="1200">
-                <a:solidFill>
-                  <a:schemeClr val="tx1"/>
-                </a:solidFill>
-                <a:latin typeface="+mj-lt"/>
-                <a:ea typeface="+mj-ea"/>
-                <a:cs typeface="+mj-cs"/>
-              </a:defRPr>
-            </a:lvl1pPr>
-          </a:lstStyle>
-          <a:p>
-            <a:pPr algn="ctr"/>
-            <a:r>
-              <a:rPr lang="en-US" sz="2200" b="1" dirty="0">
-                <a:solidFill>
-                  <a:srgbClr val="1ED760"/>
-                </a:solidFill>
-              </a:rPr>
-              <a:t>Stream Count by Release Year</a:t>
-            </a:r>
-          </a:p>
-          <a:p>
-            <a:pPr>
-              <a:buClr>
-                <a:schemeClr val="bg1"/>
-              </a:buClr>
-            </a:pPr>
-            <a:endParaRPr lang="en-US" sz="2200" b="1" dirty="0">
-              <a:solidFill>
-                <a:schemeClr val="bg1"/>
-              </a:solidFill>
-            </a:endParaRPr>
-          </a:p>
-          <a:p>
-            <a:pPr marL="457200" indent="-457200">
-              <a:buClr>
-                <a:schemeClr val="bg1"/>
-              </a:buClr>
-              <a:buBlip>
-                <a:blip r:embed="rId4">
-                  <a:extLst>
-                    <a:ext uri="{837473B0-CC2E-450A-ABE3-18F120FF3D39}">
-                      <a1611:picAttrSrcUrl xmlns:a1611="http://schemas.microsoft.com/office/drawing/2016/11/main" r:id="rId5"/>
-                    </a:ext>
-                  </a:extLst>
-                </a:blip>
-              </a:buBlip>
-            </a:pPr>
-            <a:r>
-              <a:rPr lang="en-US" sz="2200" b="1" dirty="0">
-                <a:solidFill>
-                  <a:schemeClr val="bg1"/>
-                </a:solidFill>
-              </a:rPr>
-              <a:t>Based off the data represented in the correlation map, The Janitors can conclude that there is a weak (to no) correlation tied between the stream count as the years progress. </a:t>
-            </a:r>
-          </a:p>
-          <a:p>
-            <a:pPr marL="457200" indent="-457200">
-              <a:buClr>
-                <a:schemeClr val="bg1"/>
-              </a:buClr>
-              <a:buBlip>
-                <a:blip r:embed="rId4">
-                  <a:extLst>
-                    <a:ext uri="{837473B0-CC2E-450A-ABE3-18F120FF3D39}">
-                      <a1611:picAttrSrcUrl xmlns:a1611="http://schemas.microsoft.com/office/drawing/2016/11/main" r:id="rId5"/>
-                    </a:ext>
-                  </a:extLst>
-                </a:blip>
-              </a:buBlip>
-            </a:pPr>
-            <a:endParaRPr lang="en-US" sz="2200" b="1" dirty="0">
-              <a:solidFill>
-                <a:schemeClr val="bg1"/>
-              </a:solidFill>
-            </a:endParaRPr>
-          </a:p>
-          <a:p>
-            <a:pPr marL="457200" indent="-457200">
-              <a:buClr>
-                <a:schemeClr val="bg1"/>
-              </a:buClr>
-              <a:buBlip>
-                <a:blip r:embed="rId4">
-                  <a:extLst>
-                    <a:ext uri="{837473B0-CC2E-450A-ABE3-18F120FF3D39}">
-                      <a1611:picAttrSrcUrl xmlns:a1611="http://schemas.microsoft.com/office/drawing/2016/11/main" r:id="rId5"/>
-                    </a:ext>
-                  </a:extLst>
-                </a:blip>
-              </a:buBlip>
-            </a:pPr>
-            <a:r>
-              <a:rPr lang="en-US" sz="2200" b="1" dirty="0">
-                <a:solidFill>
-                  <a:schemeClr val="bg1"/>
-                </a:solidFill>
-              </a:rPr>
-              <a:t>In contrast to our previous graph, there are several outliers causing our data points to skew. </a:t>
-            </a:r>
-          </a:p>
-          <a:p>
-            <a:pPr marL="457200" indent="-457200">
-              <a:buClr>
-                <a:schemeClr val="bg1"/>
-              </a:buClr>
-              <a:buBlip>
-                <a:blip r:embed="rId4">
-                  <a:extLst>
-                    <a:ext uri="{837473B0-CC2E-450A-ABE3-18F120FF3D39}">
-                      <a1611:picAttrSrcUrl xmlns:a1611="http://schemas.microsoft.com/office/drawing/2016/11/main" r:id="rId5"/>
-                    </a:ext>
-                  </a:extLst>
-                </a:blip>
-              </a:buBlip>
-            </a:pPr>
-            <a:endParaRPr lang="en-US" sz="2200" b="1" dirty="0">
-              <a:solidFill>
-                <a:schemeClr val="bg1"/>
-              </a:solidFill>
-            </a:endParaRPr>
-          </a:p>
-          <a:p>
-            <a:pPr marL="457200" indent="-457200">
-              <a:buClr>
-                <a:schemeClr val="bg1"/>
-              </a:buClr>
-              <a:buBlip>
-                <a:blip r:embed="rId4">
-                  <a:extLst>
-                    <a:ext uri="{837473B0-CC2E-450A-ABE3-18F120FF3D39}">
-                      <a1611:picAttrSrcUrl xmlns:a1611="http://schemas.microsoft.com/office/drawing/2016/11/main" r:id="rId5"/>
-                    </a:ext>
-                  </a:extLst>
-                </a:blip>
-              </a:buBlip>
-            </a:pPr>
-            <a:r>
-              <a:rPr lang="en-US" sz="2200" b="1" dirty="0">
-                <a:solidFill>
-                  <a:schemeClr val="bg1"/>
-                </a:solidFill>
-              </a:rPr>
-              <a:t>Theoretically, one would conclude that with modern technology and booming streaming industry, the stream counts would directly tie as the years progress. </a:t>
-            </a:r>
-          </a:p>
-          <a:p>
-            <a:pPr marL="457200" indent="-457200">
-              <a:buClr>
-                <a:schemeClr val="bg1"/>
-              </a:buClr>
-              <a:buBlip>
-                <a:blip r:embed="rId4">
-                  <a:extLst>
-                    <a:ext uri="{837473B0-CC2E-450A-ABE3-18F120FF3D39}">
-                      <a1611:picAttrSrcUrl xmlns:a1611="http://schemas.microsoft.com/office/drawing/2016/11/main" r:id="rId5"/>
-                    </a:ext>
-                  </a:extLst>
-                </a:blip>
-              </a:buBlip>
-            </a:pPr>
-            <a:endParaRPr lang="en-US" sz="2200" b="1" dirty="0">
-              <a:solidFill>
-                <a:schemeClr val="bg1"/>
-              </a:solidFill>
-            </a:endParaRPr>
-          </a:p>
-          <a:p>
-            <a:pPr algn="ctr"/>
-            <a:endParaRPr lang="en-US" sz="2200" b="1" dirty="0">
-              <a:solidFill>
-                <a:schemeClr val="bg1"/>
-              </a:solidFill>
-            </a:endParaRPr>
-          </a:p>
-          <a:p>
-            <a:pPr algn="ctr"/>
-            <a:endParaRPr lang="en-US" sz="2200" b="1" dirty="0">
-              <a:solidFill>
-                <a:schemeClr val="bg1"/>
-              </a:solidFill>
-            </a:endParaRPr>
-          </a:p>
-        </p:txBody>
-      </p:sp>
     </p:spTree>
     <p:extLst>
       <p:ext uri="{BB962C8B-B14F-4D97-AF65-F5344CB8AC3E}">
-        <p14:creationId xmlns:p14="http://schemas.microsoft.com/office/powerpoint/2010/main" val="147323286"/>
+        <p14:creationId xmlns:p14="http://schemas.microsoft.com/office/powerpoint/2010/main" val="232419550"/>
       </p:ext>
     </p:extLst>
   </p:cSld>
@@ -11780,7 +13530,7 @@
           <p:cNvPr id="5" name="Content Placeholder 4" descr="Terraform &amp; Spotify Data Engineering | Python In Plain English">
             <a:extLst>
               <a:ext uri="{FF2B5EF4-FFF2-40B4-BE49-F238E27FC236}">
-                <a16:creationId xmlns:a16="http://schemas.microsoft.com/office/drawing/2014/main" id="{843EDE0C-EB57-4DD9-98B2-9FF5C24A7B94}"/>
+                <a16:creationId xmlns:a16="http://schemas.microsoft.com/office/drawing/2014/main" id="{1D82E38B-A57A-4A72-BC02-A48E14940DA5}"/>
               </a:ext>
             </a:extLst>
           </p:cNvPr>
@@ -11822,10 +13572,216 @@
       </p:pic>
       <p:sp>
         <p:nvSpPr>
+          <p:cNvPr id="8" name="Content Placeholder 1">
+            <a:extLst>
+              <a:ext uri="{FF2B5EF4-FFF2-40B4-BE49-F238E27FC236}">
+                <a16:creationId xmlns:a16="http://schemas.microsoft.com/office/drawing/2014/main" id="{EE7210D4-1A10-48EA-B614-F3FD1ED309CC}"/>
+              </a:ext>
+            </a:extLst>
+          </p:cNvPr>
+          <p:cNvSpPr txBox="1">
+            <a:spLocks/>
+          </p:cNvSpPr>
+          <p:nvPr/>
+        </p:nvSpPr>
+        <p:spPr>
+          <a:xfrm>
+            <a:off x="376024" y="1520825"/>
+            <a:ext cx="6615326" cy="4351338"/>
+          </a:xfrm>
+          <a:prstGeom prst="rect">
+            <a:avLst/>
+          </a:prstGeom>
+        </p:spPr>
+        <p:txBody>
+          <a:bodyPr vert="horz" lIns="91440" tIns="45720" rIns="91440" bIns="45720" rtlCol="0">
+            <a:normAutofit/>
+          </a:bodyPr>
+          <a:lstStyle>
+            <a:lvl1pPr marL="228600" indent="-228600" algn="l" defTabSz="914400" rtl="0" eaLnBrk="1" latinLnBrk="0" hangingPunct="1">
+              <a:lnSpc>
+                <a:spcPct val="90000"/>
+              </a:lnSpc>
+              <a:spcBef>
+                <a:spcPts val="1000"/>
+              </a:spcBef>
+              <a:buFont typeface="Arial" panose="020B0604020202020204" pitchFamily="34" charset="0"/>
+              <a:buChar char="•"/>
+              <a:defRPr sz="2800" kern="1200">
+                <a:solidFill>
+                  <a:schemeClr val="tx1"/>
+                </a:solidFill>
+                <a:latin typeface="+mn-lt"/>
+                <a:ea typeface="+mn-ea"/>
+                <a:cs typeface="+mn-cs"/>
+              </a:defRPr>
+            </a:lvl1pPr>
+            <a:lvl2pPr marL="685800" indent="-228600" algn="l" defTabSz="914400" rtl="0" eaLnBrk="1" latinLnBrk="0" hangingPunct="1">
+              <a:lnSpc>
+                <a:spcPct val="90000"/>
+              </a:lnSpc>
+              <a:spcBef>
+                <a:spcPts val="500"/>
+              </a:spcBef>
+              <a:buFont typeface="Arial" panose="020B0604020202020204" pitchFamily="34" charset="0"/>
+              <a:buChar char="•"/>
+              <a:defRPr sz="2400" kern="1200">
+                <a:solidFill>
+                  <a:schemeClr val="tx1"/>
+                </a:solidFill>
+                <a:latin typeface="+mn-lt"/>
+                <a:ea typeface="+mn-ea"/>
+                <a:cs typeface="+mn-cs"/>
+              </a:defRPr>
+            </a:lvl2pPr>
+            <a:lvl3pPr marL="1143000" indent="-228600" algn="l" defTabSz="914400" rtl="0" eaLnBrk="1" latinLnBrk="0" hangingPunct="1">
+              <a:lnSpc>
+                <a:spcPct val="90000"/>
+              </a:lnSpc>
+              <a:spcBef>
+                <a:spcPts val="500"/>
+              </a:spcBef>
+              <a:buFont typeface="Arial" panose="020B0604020202020204" pitchFamily="34" charset="0"/>
+              <a:buChar char="•"/>
+              <a:defRPr sz="2000" kern="1200">
+                <a:solidFill>
+                  <a:schemeClr val="tx1"/>
+                </a:solidFill>
+                <a:latin typeface="+mn-lt"/>
+                <a:ea typeface="+mn-ea"/>
+                <a:cs typeface="+mn-cs"/>
+              </a:defRPr>
+            </a:lvl3pPr>
+            <a:lvl4pPr marL="1600200" indent="-228600" algn="l" defTabSz="914400" rtl="0" eaLnBrk="1" latinLnBrk="0" hangingPunct="1">
+              <a:lnSpc>
+                <a:spcPct val="90000"/>
+              </a:lnSpc>
+              <a:spcBef>
+                <a:spcPts val="500"/>
+              </a:spcBef>
+              <a:buFont typeface="Arial" panose="020B0604020202020204" pitchFamily="34" charset="0"/>
+              <a:buChar char="•"/>
+              <a:defRPr sz="1800" kern="1200">
+                <a:solidFill>
+                  <a:schemeClr val="tx1"/>
+                </a:solidFill>
+                <a:latin typeface="+mn-lt"/>
+                <a:ea typeface="+mn-ea"/>
+                <a:cs typeface="+mn-cs"/>
+              </a:defRPr>
+            </a:lvl4pPr>
+            <a:lvl5pPr marL="2057400" indent="-228600" algn="l" defTabSz="914400" rtl="0" eaLnBrk="1" latinLnBrk="0" hangingPunct="1">
+              <a:lnSpc>
+                <a:spcPct val="90000"/>
+              </a:lnSpc>
+              <a:spcBef>
+                <a:spcPts val="500"/>
+              </a:spcBef>
+              <a:buFont typeface="Arial" panose="020B0604020202020204" pitchFamily="34" charset="0"/>
+              <a:buChar char="•"/>
+              <a:defRPr sz="1800" kern="1200">
+                <a:solidFill>
+                  <a:schemeClr val="tx1"/>
+                </a:solidFill>
+                <a:latin typeface="+mn-lt"/>
+                <a:ea typeface="+mn-ea"/>
+                <a:cs typeface="+mn-cs"/>
+              </a:defRPr>
+            </a:lvl5pPr>
+            <a:lvl6pPr marL="2514600" indent="-228600" algn="l" defTabSz="914400" rtl="0" eaLnBrk="1" latinLnBrk="0" hangingPunct="1">
+              <a:lnSpc>
+                <a:spcPct val="90000"/>
+              </a:lnSpc>
+              <a:spcBef>
+                <a:spcPts val="500"/>
+              </a:spcBef>
+              <a:buFont typeface="Arial" panose="020B0604020202020204" pitchFamily="34" charset="0"/>
+              <a:buChar char="•"/>
+              <a:defRPr sz="1800" kern="1200">
+                <a:solidFill>
+                  <a:schemeClr val="tx1"/>
+                </a:solidFill>
+                <a:latin typeface="+mn-lt"/>
+                <a:ea typeface="+mn-ea"/>
+                <a:cs typeface="+mn-cs"/>
+              </a:defRPr>
+            </a:lvl6pPr>
+            <a:lvl7pPr marL="2971800" indent="-228600" algn="l" defTabSz="914400" rtl="0" eaLnBrk="1" latinLnBrk="0" hangingPunct="1">
+              <a:lnSpc>
+                <a:spcPct val="90000"/>
+              </a:lnSpc>
+              <a:spcBef>
+                <a:spcPts val="500"/>
+              </a:spcBef>
+              <a:buFont typeface="Arial" panose="020B0604020202020204" pitchFamily="34" charset="0"/>
+              <a:buChar char="•"/>
+              <a:defRPr sz="1800" kern="1200">
+                <a:solidFill>
+                  <a:schemeClr val="tx1"/>
+                </a:solidFill>
+                <a:latin typeface="+mn-lt"/>
+                <a:ea typeface="+mn-ea"/>
+                <a:cs typeface="+mn-cs"/>
+              </a:defRPr>
+            </a:lvl7pPr>
+            <a:lvl8pPr marL="3429000" indent="-228600" algn="l" defTabSz="914400" rtl="0" eaLnBrk="1" latinLnBrk="0" hangingPunct="1">
+              <a:lnSpc>
+                <a:spcPct val="90000"/>
+              </a:lnSpc>
+              <a:spcBef>
+                <a:spcPts val="500"/>
+              </a:spcBef>
+              <a:buFont typeface="Arial" panose="020B0604020202020204" pitchFamily="34" charset="0"/>
+              <a:buChar char="•"/>
+              <a:defRPr sz="1800" kern="1200">
+                <a:solidFill>
+                  <a:schemeClr val="tx1"/>
+                </a:solidFill>
+                <a:latin typeface="+mn-lt"/>
+                <a:ea typeface="+mn-ea"/>
+                <a:cs typeface="+mn-cs"/>
+              </a:defRPr>
+            </a:lvl8pPr>
+            <a:lvl9pPr marL="3886200" indent="-228600" algn="l" defTabSz="914400" rtl="0" eaLnBrk="1" latinLnBrk="0" hangingPunct="1">
+              <a:lnSpc>
+                <a:spcPct val="90000"/>
+              </a:lnSpc>
+              <a:spcBef>
+                <a:spcPts val="500"/>
+              </a:spcBef>
+              <a:buFont typeface="Arial" panose="020B0604020202020204" pitchFamily="34" charset="0"/>
+              <a:buChar char="•"/>
+              <a:defRPr sz="1800" kern="1200">
+                <a:solidFill>
+                  <a:schemeClr val="tx1"/>
+                </a:solidFill>
+                <a:latin typeface="+mn-lt"/>
+                <a:ea typeface="+mn-ea"/>
+                <a:cs typeface="+mn-cs"/>
+              </a:defRPr>
+            </a:lvl9pPr>
+          </a:lstStyle>
+          <a:p>
+            <a:pPr marL="0" indent="0">
+              <a:buNone/>
+            </a:pPr>
+            <a:endParaRPr lang="en-US" sz="2800" b="1" dirty="0">
+              <a:solidFill>
+                <a:srgbClr val="262626"/>
+              </a:solidFill>
+              <a:latin typeface="+mj-lt"/>
+              <a:ea typeface="+mj-ea"/>
+              <a:cs typeface="+mj-cs"/>
+            </a:endParaRPr>
+          </a:p>
+        </p:txBody>
+      </p:sp>
+      <p:sp>
+        <p:nvSpPr>
           <p:cNvPr id="9" name="Title 1">
             <a:extLst>
               <a:ext uri="{FF2B5EF4-FFF2-40B4-BE49-F238E27FC236}">
-                <a16:creationId xmlns:a16="http://schemas.microsoft.com/office/drawing/2014/main" id="{426BB233-A55B-4835-80DC-FA6CA4516D5E}"/>
+                <a16:creationId xmlns:a16="http://schemas.microsoft.com/office/drawing/2014/main" id="{D8C10810-AC5E-494D-9CD2-414CEC04F8D6}"/>
               </a:ext>
             </a:extLst>
           </p:cNvPr>
@@ -11886,12 +13842,53 @@
           </a:p>
         </p:txBody>
       </p:sp>
+      <p:pic>
+        <p:nvPicPr>
+          <p:cNvPr id="3" name="Picture 2" descr="Chart, bar chart&#10;&#10;Description automatically generated">
+            <a:extLst>
+              <a:ext uri="{FF2B5EF4-FFF2-40B4-BE49-F238E27FC236}">
+                <a16:creationId xmlns:a16="http://schemas.microsoft.com/office/drawing/2014/main" id="{2A55818C-57F2-4B4F-A7EC-A42A56FFEE51}"/>
+              </a:ext>
+            </a:extLst>
+          </p:cNvPr>
+          <p:cNvPicPr>
+            <a:picLocks noChangeAspect="1"/>
+          </p:cNvPicPr>
+          <p:nvPr/>
+        </p:nvPicPr>
+        <p:blipFill>
+          <a:blip r:embed="rId3">
+            <a:extLst>
+              <a:ext uri="{28A0092B-C50C-407E-A947-70E740481C1C}">
+                <a14:useLocalDpi xmlns:a14="http://schemas.microsoft.com/office/drawing/2010/main" val="0"/>
+              </a:ext>
+            </a:extLst>
+          </a:blip>
+          <a:stretch>
+            <a:fillRect/>
+          </a:stretch>
+        </p:blipFill>
+        <p:spPr>
+          <a:xfrm>
+            <a:off x="285652" y="1294067"/>
+            <a:ext cx="6831785" cy="4269866"/>
+          </a:xfrm>
+          <a:prstGeom prst="rect">
+            <a:avLst/>
+          </a:prstGeom>
+          <a:ln w="38100">
+            <a:solidFill>
+              <a:srgbClr val="1ED760"/>
+            </a:solidFill>
+          </a:ln>
+        </p:spPr>
+      </p:pic>
       <p:sp>
         <p:nvSpPr>
-          <p:cNvPr id="10" name="Content Placeholder 1">
-            <a:extLst>
-              <a:ext uri="{FF2B5EF4-FFF2-40B4-BE49-F238E27FC236}">
-                <a16:creationId xmlns:a16="http://schemas.microsoft.com/office/drawing/2014/main" id="{F8009F92-071A-49E2-81A1-83C7D84ED0E9}"/>
+          <p:cNvPr id="10" name="Title 1">
+            <a:extLst>
+              <a:ext uri="{FF2B5EF4-FFF2-40B4-BE49-F238E27FC236}">
+                <a16:creationId xmlns:a16="http://schemas.microsoft.com/office/drawing/2014/main" id="{2B1B05DD-99A1-4BE7-AF92-602B492D66AD}"/>
               </a:ext>
             </a:extLst>
           </p:cNvPr>
@@ -11902,229 +13899,196 @@
         </p:nvSpPr>
         <p:spPr>
           <a:xfrm>
-            <a:off x="376024" y="1520825"/>
-            <a:ext cx="6615326" cy="4351338"/>
+            <a:off x="7403089" y="368969"/>
+            <a:ext cx="4788911" cy="6031830"/>
           </a:xfrm>
           <a:prstGeom prst="rect">
             <a:avLst/>
           </a:prstGeom>
+          <a:noFill/>
         </p:spPr>
         <p:txBody>
-          <a:bodyPr vert="horz" lIns="91440" tIns="45720" rIns="91440" bIns="45720" rtlCol="0">
-            <a:normAutofit/>
+          <a:bodyPr vert="horz" lIns="91440" tIns="45720" rIns="91440" bIns="45720" rtlCol="0" anchor="t">
+            <a:normAutofit lnSpcReduction="10000"/>
           </a:bodyPr>
           <a:lstStyle>
-            <a:lvl1pPr marL="228600" indent="-228600" algn="l" defTabSz="914400" rtl="0" eaLnBrk="1" latinLnBrk="0" hangingPunct="1">
-              <a:lnSpc>
-                <a:spcPct val="90000"/>
-              </a:lnSpc>
-              <a:spcBef>
-                <a:spcPts val="1000"/>
-              </a:spcBef>
-              <a:buFont typeface="Arial" panose="020B0604020202020204" pitchFamily="34" charset="0"/>
-              <a:buChar char="•"/>
-              <a:defRPr sz="2800" kern="1200">
+            <a:lvl1pPr algn="l" defTabSz="914400" rtl="0" eaLnBrk="1" latinLnBrk="0" hangingPunct="1">
+              <a:lnSpc>
+                <a:spcPct val="90000"/>
+              </a:lnSpc>
+              <a:spcBef>
+                <a:spcPct val="0"/>
+              </a:spcBef>
+              <a:buNone/>
+              <a:defRPr sz="4400" kern="1200">
                 <a:solidFill>
                   <a:schemeClr val="tx1"/>
-                </a:solidFill>
-                <a:latin typeface="+mn-lt"/>
-                <a:ea typeface="+mn-ea"/>
-                <a:cs typeface="+mn-cs"/>
-              </a:defRPr>
-            </a:lvl1pPr>
-            <a:lvl2pPr marL="685800" indent="-228600" algn="l" defTabSz="914400" rtl="0" eaLnBrk="1" latinLnBrk="0" hangingPunct="1">
-              <a:lnSpc>
-                <a:spcPct val="90000"/>
-              </a:lnSpc>
-              <a:spcBef>
-                <a:spcPts val="500"/>
-              </a:spcBef>
-              <a:buFont typeface="Arial" panose="020B0604020202020204" pitchFamily="34" charset="0"/>
-              <a:buChar char="•"/>
-              <a:defRPr sz="2400" kern="1200">
-                <a:solidFill>
-                  <a:schemeClr val="tx1"/>
-                </a:solidFill>
-                <a:latin typeface="+mn-lt"/>
-                <a:ea typeface="+mn-ea"/>
-                <a:cs typeface="+mn-cs"/>
-              </a:defRPr>
-            </a:lvl2pPr>
-            <a:lvl3pPr marL="1143000" indent="-228600" algn="l" defTabSz="914400" rtl="0" eaLnBrk="1" latinLnBrk="0" hangingPunct="1">
-              <a:lnSpc>
-                <a:spcPct val="90000"/>
-              </a:lnSpc>
-              <a:spcBef>
-                <a:spcPts val="500"/>
-              </a:spcBef>
-              <a:buFont typeface="Arial" panose="020B0604020202020204" pitchFamily="34" charset="0"/>
-              <a:buChar char="•"/>
-              <a:defRPr sz="2000" kern="1200">
-                <a:solidFill>
-                  <a:schemeClr val="tx1"/>
-                </a:solidFill>
-                <a:latin typeface="+mn-lt"/>
-                <a:ea typeface="+mn-ea"/>
-                <a:cs typeface="+mn-cs"/>
-              </a:defRPr>
-            </a:lvl3pPr>
-            <a:lvl4pPr marL="1600200" indent="-228600" algn="l" defTabSz="914400" rtl="0" eaLnBrk="1" latinLnBrk="0" hangingPunct="1">
-              <a:lnSpc>
-                <a:spcPct val="90000"/>
-              </a:lnSpc>
-              <a:spcBef>
-                <a:spcPts val="500"/>
-              </a:spcBef>
-              <a:buFont typeface="Arial" panose="020B0604020202020204" pitchFamily="34" charset="0"/>
-              <a:buChar char="•"/>
-              <a:defRPr sz="1800" kern="1200">
-                <a:solidFill>
-                  <a:schemeClr val="tx1"/>
-                </a:solidFill>
-                <a:latin typeface="+mn-lt"/>
-                <a:ea typeface="+mn-ea"/>
-                <a:cs typeface="+mn-cs"/>
-              </a:defRPr>
-            </a:lvl4pPr>
-            <a:lvl5pPr marL="2057400" indent="-228600" algn="l" defTabSz="914400" rtl="0" eaLnBrk="1" latinLnBrk="0" hangingPunct="1">
-              <a:lnSpc>
-                <a:spcPct val="90000"/>
-              </a:lnSpc>
-              <a:spcBef>
-                <a:spcPts val="500"/>
-              </a:spcBef>
-              <a:buFont typeface="Arial" panose="020B0604020202020204" pitchFamily="34" charset="0"/>
-              <a:buChar char="•"/>
-              <a:defRPr sz="1800" kern="1200">
-                <a:solidFill>
-                  <a:schemeClr val="tx1"/>
-                </a:solidFill>
-                <a:latin typeface="+mn-lt"/>
-                <a:ea typeface="+mn-ea"/>
-                <a:cs typeface="+mn-cs"/>
-              </a:defRPr>
-            </a:lvl5pPr>
-            <a:lvl6pPr marL="2514600" indent="-228600" algn="l" defTabSz="914400" rtl="0" eaLnBrk="1" latinLnBrk="0" hangingPunct="1">
-              <a:lnSpc>
-                <a:spcPct val="90000"/>
-              </a:lnSpc>
-              <a:spcBef>
-                <a:spcPts val="500"/>
-              </a:spcBef>
-              <a:buFont typeface="Arial" panose="020B0604020202020204" pitchFamily="34" charset="0"/>
-              <a:buChar char="•"/>
-              <a:defRPr sz="1800" kern="1200">
-                <a:solidFill>
-                  <a:schemeClr val="tx1"/>
-                </a:solidFill>
-                <a:latin typeface="+mn-lt"/>
-                <a:ea typeface="+mn-ea"/>
-                <a:cs typeface="+mn-cs"/>
-              </a:defRPr>
-            </a:lvl6pPr>
-            <a:lvl7pPr marL="2971800" indent="-228600" algn="l" defTabSz="914400" rtl="0" eaLnBrk="1" latinLnBrk="0" hangingPunct="1">
-              <a:lnSpc>
-                <a:spcPct val="90000"/>
-              </a:lnSpc>
-              <a:spcBef>
-                <a:spcPts val="500"/>
-              </a:spcBef>
-              <a:buFont typeface="Arial" panose="020B0604020202020204" pitchFamily="34" charset="0"/>
-              <a:buChar char="•"/>
-              <a:defRPr sz="1800" kern="1200">
-                <a:solidFill>
-                  <a:schemeClr val="tx1"/>
-                </a:solidFill>
-                <a:latin typeface="+mn-lt"/>
-                <a:ea typeface="+mn-ea"/>
-                <a:cs typeface="+mn-cs"/>
-              </a:defRPr>
-            </a:lvl7pPr>
-            <a:lvl8pPr marL="3429000" indent="-228600" algn="l" defTabSz="914400" rtl="0" eaLnBrk="1" latinLnBrk="0" hangingPunct="1">
-              <a:lnSpc>
-                <a:spcPct val="90000"/>
-              </a:lnSpc>
-              <a:spcBef>
-                <a:spcPts val="500"/>
-              </a:spcBef>
-              <a:buFont typeface="Arial" panose="020B0604020202020204" pitchFamily="34" charset="0"/>
-              <a:buChar char="•"/>
-              <a:defRPr sz="1800" kern="1200">
-                <a:solidFill>
-                  <a:schemeClr val="tx1"/>
-                </a:solidFill>
-                <a:latin typeface="+mn-lt"/>
-                <a:ea typeface="+mn-ea"/>
-                <a:cs typeface="+mn-cs"/>
-              </a:defRPr>
-            </a:lvl8pPr>
-            <a:lvl9pPr marL="3886200" indent="-228600" algn="l" defTabSz="914400" rtl="0" eaLnBrk="1" latinLnBrk="0" hangingPunct="1">
-              <a:lnSpc>
-                <a:spcPct val="90000"/>
-              </a:lnSpc>
-              <a:spcBef>
-                <a:spcPts val="500"/>
-              </a:spcBef>
-              <a:buFont typeface="Arial" panose="020B0604020202020204" pitchFamily="34" charset="0"/>
-              <a:buChar char="•"/>
-              <a:defRPr sz="1800" kern="1200">
-                <a:solidFill>
-                  <a:schemeClr val="tx1"/>
-                </a:solidFill>
-                <a:latin typeface="+mn-lt"/>
-                <a:ea typeface="+mn-ea"/>
-                <a:cs typeface="+mn-cs"/>
-              </a:defRPr>
-            </a:lvl9pPr>
-          </a:lstStyle>
-          <a:p>
-            <a:pPr>
-              <a:buFont typeface="Courier New" panose="02070309020205020404" pitchFamily="49" charset="0"/>
-              <a:buChar char="o"/>
-            </a:pPr>
-            <a:r>
-              <a:rPr lang="en-US" b="1" dirty="0">
-                <a:solidFill>
-                  <a:srgbClr val="262626"/>
                 </a:solidFill>
                 <a:latin typeface="+mj-lt"/>
                 <a:ea typeface="+mj-ea"/>
                 <a:cs typeface="+mj-cs"/>
+              </a:defRPr>
+            </a:lvl1pPr>
+          </a:lstStyle>
+          <a:p>
+            <a:pPr algn="ctr"/>
+            <a:r>
+              <a:rPr lang="en-US" sz="2400" b="1" dirty="0">
+                <a:solidFill>
+                  <a:srgbClr val="1ED760"/>
+                </a:solidFill>
               </a:rPr>
-              <a:t> </a:t>
+              <a:t>Analyzing Stream Count by Decades</a:t>
             </a:r>
+          </a:p>
+          <a:p>
+            <a:pPr algn="ctr"/>
+            <a:endParaRPr lang="en-US" sz="3200" b="1" dirty="0">
+              <a:solidFill>
+                <a:schemeClr val="bg1"/>
+              </a:solidFill>
+            </a:endParaRPr>
+          </a:p>
+          <a:p>
+            <a:pPr marL="457200" indent="-457200">
+              <a:buClr>
+                <a:schemeClr val="bg1"/>
+              </a:buClr>
+              <a:buBlip>
+                <a:blip r:embed="rId4">
+                  <a:extLst>
+                    <a:ext uri="{837473B0-CC2E-450A-ABE3-18F120FF3D39}">
+                      <a1611:picAttrSrcUrl xmlns:a1611="http://schemas.microsoft.com/office/drawing/2016/11/main" r:id="rId5"/>
+                    </a:ext>
+                  </a:extLst>
+                </a:blip>
+              </a:buBlip>
+            </a:pPr>
             <a:r>
-              <a:rPr lang="en-US" b="1" dirty="0" err="1">
-                <a:solidFill>
-                  <a:srgbClr val="262626"/>
-                </a:solidFill>
-                <a:latin typeface="+mj-lt"/>
-                <a:ea typeface="+mj-ea"/>
-                <a:cs typeface="+mj-cs"/>
+              <a:rPr lang="en-US" sz="2600" dirty="0">
+                <a:solidFill>
+                  <a:schemeClr val="bg1"/>
+                </a:solidFill>
               </a:rPr>
-              <a:t>ldsjfkdsfks</a:t>
+              <a:t>Because our data was predominantly featuring songs from the 2000s, rows were filtered to eliminate bias and skewed information.</a:t>
             </a:r>
-            <a:endParaRPr lang="en-US" sz="2800" b="1" dirty="0">
+          </a:p>
+          <a:p>
+            <a:pPr marL="457200" indent="-457200">
+              <a:buClr>
+                <a:schemeClr val="bg1"/>
+              </a:buClr>
+              <a:buBlip>
+                <a:blip r:embed="rId4">
+                  <a:extLst>
+                    <a:ext uri="{837473B0-CC2E-450A-ABE3-18F120FF3D39}">
+                      <a1611:picAttrSrcUrl xmlns:a1611="http://schemas.microsoft.com/office/drawing/2016/11/main" r:id="rId5"/>
+                    </a:ext>
+                  </a:extLst>
+                </a:blip>
+              </a:buBlip>
+            </a:pPr>
+            <a:endParaRPr lang="en-US" sz="2600" dirty="0">
               <a:solidFill>
-                <a:srgbClr val="262626"/>
+                <a:schemeClr val="bg1"/>
               </a:solidFill>
-              <a:latin typeface="+mj-lt"/>
-              <a:ea typeface="+mj-ea"/>
-              <a:cs typeface="+mj-cs"/>
             </a:endParaRPr>
           </a:p>
           <a:p>
-            <a:pPr lvl="1">
-              <a:buFont typeface="Courier New" panose="02070309020205020404" pitchFamily="49" charset="0"/>
-              <a:buChar char="o"/>
+            <a:pPr marL="457200" indent="-457200">
+              <a:buClr>
+                <a:schemeClr val="bg1"/>
+              </a:buClr>
+              <a:buBlip>
+                <a:blip r:embed="rId4">
+                  <a:extLst>
+                    <a:ext uri="{837473B0-CC2E-450A-ABE3-18F120FF3D39}">
+                      <a1611:picAttrSrcUrl xmlns:a1611="http://schemas.microsoft.com/office/drawing/2016/11/main" r:id="rId5"/>
+                    </a:ext>
+                  </a:extLst>
+                </a:blip>
+              </a:buBlip>
             </a:pPr>
-            <a:endParaRPr lang="en-US" sz="2800" b="1" dirty="0">
+            <a:r>
+              <a:rPr lang="en-US" sz="2600" b="1" dirty="0">
+                <a:solidFill>
+                  <a:schemeClr val="bg1"/>
+                </a:solidFill>
+              </a:rPr>
+              <a:t>While the track count was the highest in 00s, The Janitors can see that the number of streams was larger across the board in all decades.</a:t>
+            </a:r>
+          </a:p>
+          <a:p>
+            <a:pPr>
+              <a:buClr>
+                <a:schemeClr val="bg1"/>
+              </a:buClr>
+            </a:pPr>
+            <a:endParaRPr lang="en-US" sz="2600" b="1" dirty="0">
               <a:solidFill>
-                <a:srgbClr val="262626"/>
+                <a:schemeClr val="bg1"/>
               </a:solidFill>
-              <a:latin typeface="+mj-lt"/>
-              <a:ea typeface="+mj-ea"/>
-              <a:cs typeface="+mj-cs"/>
+            </a:endParaRPr>
+          </a:p>
+          <a:p>
+            <a:pPr marL="457200" indent="-457200">
+              <a:buClr>
+                <a:schemeClr val="bg1"/>
+              </a:buClr>
+              <a:buBlip>
+                <a:blip r:embed="rId4">
+                  <a:extLst>
+                    <a:ext uri="{837473B0-CC2E-450A-ABE3-18F120FF3D39}">
+                      <a1611:picAttrSrcUrl xmlns:a1611="http://schemas.microsoft.com/office/drawing/2016/11/main" r:id="rId5"/>
+                    </a:ext>
+                  </a:extLst>
+                </a:blip>
+              </a:buBlip>
+            </a:pPr>
+            <a:r>
+              <a:rPr lang="en-US" sz="2600" b="1" dirty="0">
+                <a:solidFill>
+                  <a:schemeClr val="bg1"/>
+                </a:solidFill>
+              </a:rPr>
+              <a:t>One can conclude that there is not necessarily a direct tie with stream to track count.</a:t>
+            </a:r>
+          </a:p>
+          <a:p>
+            <a:pPr marL="457200" indent="-457200">
+              <a:buClr>
+                <a:schemeClr val="bg1"/>
+              </a:buClr>
+              <a:buBlip>
+                <a:blip r:embed="rId4">
+                  <a:extLst>
+                    <a:ext uri="{837473B0-CC2E-450A-ABE3-18F120FF3D39}">
+                      <a1611:picAttrSrcUrl xmlns:a1611="http://schemas.microsoft.com/office/drawing/2016/11/main" r:id="rId5"/>
+                    </a:ext>
+                  </a:extLst>
+                </a:blip>
+              </a:buBlip>
+            </a:pPr>
+            <a:endParaRPr lang="en-US" sz="3200" b="1" dirty="0">
+              <a:solidFill>
+                <a:schemeClr val="bg1"/>
+              </a:solidFill>
+            </a:endParaRPr>
+          </a:p>
+          <a:p>
+            <a:pPr algn="ctr"/>
+            <a:endParaRPr lang="en-US" sz="3200" b="1" dirty="0">
+              <a:solidFill>
+                <a:schemeClr val="bg1"/>
+              </a:solidFill>
+            </a:endParaRPr>
+          </a:p>
+          <a:p>
+            <a:pPr algn="ctr"/>
+            <a:endParaRPr lang="en-US" sz="3200" b="1" dirty="0">
+              <a:solidFill>
+                <a:schemeClr val="bg1"/>
+              </a:solidFill>
             </a:endParaRPr>
           </a:p>
         </p:txBody>
@@ -12132,7 +14096,7 @@
     </p:spTree>
     <p:extLst>
       <p:ext uri="{BB962C8B-B14F-4D97-AF65-F5344CB8AC3E}">
-        <p14:creationId xmlns:p14="http://schemas.microsoft.com/office/powerpoint/2010/main" val="1542471732"/>
+        <p14:creationId xmlns:p14="http://schemas.microsoft.com/office/powerpoint/2010/main" val="3589306822"/>
       </p:ext>
     </p:extLst>
   </p:cSld>

--- a/Spotipy Presentation 10.27.pptx
+++ b/Spotipy Presentation 10.27.pptx
@@ -281,7 +281,7 @@
           <a:p>
             <a:fld id="{2E169012-87EE-4DD3-8E3A-8A578A32B048}" type="datetimeFigureOut">
               <a:rPr lang="en-US" smtClean="0"/>
-              <a:t>10/24/2020</a:t>
+              <a:t>10/26/2020</a:t>
             </a:fld>
             <a:endParaRPr lang="en-US"/>
           </a:p>
@@ -479,7 +479,7 @@
           <a:p>
             <a:fld id="{2E169012-87EE-4DD3-8E3A-8A578A32B048}" type="datetimeFigureOut">
               <a:rPr lang="en-US" smtClean="0"/>
-              <a:t>10/24/2020</a:t>
+              <a:t>10/26/2020</a:t>
             </a:fld>
             <a:endParaRPr lang="en-US"/>
           </a:p>
@@ -687,7 +687,7 @@
           <a:p>
             <a:fld id="{2E169012-87EE-4DD3-8E3A-8A578A32B048}" type="datetimeFigureOut">
               <a:rPr lang="en-US" smtClean="0"/>
-              <a:t>10/24/2020</a:t>
+              <a:t>10/26/2020</a:t>
             </a:fld>
             <a:endParaRPr lang="en-US"/>
           </a:p>
@@ -885,7 +885,7 @@
           <a:p>
             <a:fld id="{2E169012-87EE-4DD3-8E3A-8A578A32B048}" type="datetimeFigureOut">
               <a:rPr lang="en-US" smtClean="0"/>
-              <a:t>10/24/2020</a:t>
+              <a:t>10/26/2020</a:t>
             </a:fld>
             <a:endParaRPr lang="en-US"/>
           </a:p>
@@ -1160,7 +1160,7 @@
           <a:p>
             <a:fld id="{2E169012-87EE-4DD3-8E3A-8A578A32B048}" type="datetimeFigureOut">
               <a:rPr lang="en-US" smtClean="0"/>
-              <a:t>10/24/2020</a:t>
+              <a:t>10/26/2020</a:t>
             </a:fld>
             <a:endParaRPr lang="en-US"/>
           </a:p>
@@ -1425,7 +1425,7 @@
           <a:p>
             <a:fld id="{2E169012-87EE-4DD3-8E3A-8A578A32B048}" type="datetimeFigureOut">
               <a:rPr lang="en-US" smtClean="0"/>
-              <a:t>10/24/2020</a:t>
+              <a:t>10/26/2020</a:t>
             </a:fld>
             <a:endParaRPr lang="en-US"/>
           </a:p>
@@ -1837,7 +1837,7 @@
           <a:p>
             <a:fld id="{2E169012-87EE-4DD3-8E3A-8A578A32B048}" type="datetimeFigureOut">
               <a:rPr lang="en-US" smtClean="0"/>
-              <a:t>10/24/2020</a:t>
+              <a:t>10/26/2020</a:t>
             </a:fld>
             <a:endParaRPr lang="en-US"/>
           </a:p>
@@ -1978,7 +1978,7 @@
           <a:p>
             <a:fld id="{2E169012-87EE-4DD3-8E3A-8A578A32B048}" type="datetimeFigureOut">
               <a:rPr lang="en-US" smtClean="0"/>
-              <a:t>10/24/2020</a:t>
+              <a:t>10/26/2020</a:t>
             </a:fld>
             <a:endParaRPr lang="en-US"/>
           </a:p>
@@ -2091,7 +2091,7 @@
           <a:p>
             <a:fld id="{2E169012-87EE-4DD3-8E3A-8A578A32B048}" type="datetimeFigureOut">
               <a:rPr lang="en-US" smtClean="0"/>
-              <a:t>10/24/2020</a:t>
+              <a:t>10/26/2020</a:t>
             </a:fld>
             <a:endParaRPr lang="en-US"/>
           </a:p>
@@ -2402,7 +2402,7 @@
           <a:p>
             <a:fld id="{2E169012-87EE-4DD3-8E3A-8A578A32B048}" type="datetimeFigureOut">
               <a:rPr lang="en-US" smtClean="0"/>
-              <a:t>10/24/2020</a:t>
+              <a:t>10/26/2020</a:t>
             </a:fld>
             <a:endParaRPr lang="en-US"/>
           </a:p>
@@ -2690,7 +2690,7 @@
           <a:p>
             <a:fld id="{2E169012-87EE-4DD3-8E3A-8A578A32B048}" type="datetimeFigureOut">
               <a:rPr lang="en-US" smtClean="0"/>
-              <a:t>10/24/2020</a:t>
+              <a:t>10/26/2020</a:t>
             </a:fld>
             <a:endParaRPr lang="en-US"/>
           </a:p>
@@ -2931,7 +2931,7 @@
           <a:p>
             <a:fld id="{2E169012-87EE-4DD3-8E3A-8A578A32B048}" type="datetimeFigureOut">
               <a:rPr lang="en-US" smtClean="0"/>
-              <a:t>10/24/2020</a:t>
+              <a:t>10/26/2020</a:t>
             </a:fld>
             <a:endParaRPr lang="en-US"/>
           </a:p>
@@ -18409,7 +18409,7 @@
                 <a:ea typeface="+mj-ea"/>
                 <a:cs typeface="+mj-cs"/>
               </a:rPr>
-              <a:t>What decade was responsible for providing the most amount of streams? </a:t>
+              <a:t>What decade, prior to 2010, was responsible for providing the most streams in 2017? </a:t>
             </a:r>
           </a:p>
           <a:p>

--- a/Spotipy Presentation 10.27.pptx
+++ b/Spotipy Presentation 10.27.pptx
@@ -9,8 +9,8 @@
     <p:sldId id="265" r:id="rId3"/>
     <p:sldId id="257" r:id="rId4"/>
     <p:sldId id="262" r:id="rId5"/>
-    <p:sldId id="263" r:id="rId6"/>
-    <p:sldId id="277" r:id="rId7"/>
+    <p:sldId id="277" r:id="rId6"/>
+    <p:sldId id="263" r:id="rId7"/>
     <p:sldId id="276" r:id="rId8"/>
     <p:sldId id="278" r:id="rId9"/>
     <p:sldId id="279" r:id="rId10"/>
@@ -19592,1243 +19592,6 @@
 </file>
 
 <file path=ppt/slides/slide5.xml><?xml version="1.0" encoding="utf-8"?>
-<p:sld xmlns:a="http://schemas.openxmlformats.org/drawingml/2006/main" xmlns:r="http://schemas.openxmlformats.org/officeDocument/2006/relationships" xmlns:p="http://schemas.openxmlformats.org/presentationml/2006/main">
-  <p:cSld>
-    <p:bg>
-      <p:bgPr>
-        <a:solidFill>
-          <a:schemeClr val="bg1"/>
-        </a:solidFill>
-        <a:effectLst/>
-      </p:bgPr>
-    </p:bg>
-    <p:spTree>
-      <p:nvGrpSpPr>
-        <p:cNvPr id="1" name=""/>
-        <p:cNvGrpSpPr/>
-        <p:nvPr/>
-      </p:nvGrpSpPr>
-      <p:grpSpPr>
-        <a:xfrm>
-          <a:off x="0" y="0"/>
-          <a:ext cx="0" cy="0"/>
-          <a:chOff x="0" y="0"/>
-          <a:chExt cx="0" cy="0"/>
-        </a:xfrm>
-      </p:grpSpPr>
-      <p:sp>
-        <p:nvSpPr>
-          <p:cNvPr id="11" name="Rectangle 10">
-            <a:extLst>
-              <a:ext uri="{FF2B5EF4-FFF2-40B4-BE49-F238E27FC236}">
-                <a16:creationId xmlns:a16="http://schemas.microsoft.com/office/drawing/2014/main" id="{2E614F1C-2D93-42D0-B229-768199449923}"/>
-              </a:ext>
-              <a:ext uri="{C183D7F6-B498-43B3-948B-1728B52AA6E4}">
-                <adec:decorative xmlns:adec="http://schemas.microsoft.com/office/drawing/2017/decorative" val="1"/>
-              </a:ext>
-            </a:extLst>
-          </p:cNvPr>
-          <p:cNvSpPr>
-            <a:spLocks noGrp="1" noRot="1" noChangeAspect="1" noMove="1" noResize="1" noEditPoints="1" noAdjustHandles="1" noChangeArrowheads="1" noChangeShapeType="1" noTextEdit="1"/>
-          </p:cNvSpPr>
-          <p:nvPr>
-            <p:extLst>
-              <p:ext uri="{386F3935-93C4-4BCD-93E2-E3B085C9AB24}">
-                <p16:designElem xmlns:p16="http://schemas.microsoft.com/office/powerpoint/2015/main" val="1"/>
-              </p:ext>
-            </p:extLst>
-          </p:nvPr>
-        </p:nvSpPr>
-        <p:spPr bwMode="white">
-          <a:xfrm>
-            <a:off x="7403089" y="0"/>
-            <a:ext cx="4788912" cy="6858000"/>
-          </a:xfrm>
-          <a:prstGeom prst="rect">
-            <a:avLst/>
-          </a:prstGeom>
-          <a:solidFill>
-            <a:schemeClr val="tx1">
-              <a:lumMod val="85000"/>
-              <a:lumOff val="15000"/>
-            </a:schemeClr>
-          </a:solidFill>
-          <a:ln>
-            <a:noFill/>
-          </a:ln>
-        </p:spPr>
-        <p:style>
-          <a:lnRef idx="2">
-            <a:schemeClr val="accent1">
-              <a:shade val="50000"/>
-            </a:schemeClr>
-          </a:lnRef>
-          <a:fillRef idx="1">
-            <a:schemeClr val="accent1"/>
-          </a:fillRef>
-          <a:effectRef idx="0">
-            <a:schemeClr val="accent1"/>
-          </a:effectRef>
-          <a:fontRef idx="minor">
-            <a:schemeClr val="lt1"/>
-          </a:fontRef>
-        </p:style>
-        <p:txBody>
-          <a:bodyPr rtlCol="0" anchor="ctr"/>
-          <a:lstStyle/>
-          <a:p>
-            <a:pPr algn="ctr"/>
-            <a:endParaRPr lang="en-US"/>
-          </a:p>
-        </p:txBody>
-      </p:sp>
-      <p:pic>
-        <p:nvPicPr>
-          <p:cNvPr id="5" name="Content Placeholder 4" descr="Terraform &amp; Spotify Data Engineering | Python In Plain English">
-            <a:extLst>
-              <a:ext uri="{FF2B5EF4-FFF2-40B4-BE49-F238E27FC236}">
-                <a16:creationId xmlns:a16="http://schemas.microsoft.com/office/drawing/2014/main" id="{50B1EFE3-741F-453E-8793-C05FA4889D1F}"/>
-              </a:ext>
-            </a:extLst>
-          </p:cNvPr>
-          <p:cNvPicPr>
-            <a:picLocks noChangeAspect="1" noChangeArrowheads="1"/>
-          </p:cNvPicPr>
-          <p:nvPr/>
-        </p:nvPicPr>
-        <p:blipFill rotWithShape="1">
-          <a:blip r:embed="rId2">
-            <a:extLst>
-              <a:ext uri="{28A0092B-C50C-407E-A947-70E740481C1C}">
-                <a14:useLocalDpi xmlns:a14="http://schemas.microsoft.com/office/drawing/2010/main" val="0"/>
-              </a:ext>
-            </a:extLst>
-          </a:blip>
-          <a:srcRect l="9719" r="9804"/>
-          <a:stretch/>
-        </p:blipFill>
-        <p:spPr bwMode="auto">
-          <a:xfrm>
-            <a:off x="11084560" y="5770880"/>
-            <a:ext cx="1107440" cy="1016000"/>
-          </a:xfrm>
-          <a:prstGeom prst="rect">
-            <a:avLst/>
-          </a:prstGeom>
-          <a:noFill/>
-          <a:extLst>
-            <a:ext uri="{909E8E84-426E-40DD-AFC4-6F175D3DCCD1}">
-              <a14:hiddenFill xmlns:a14="http://schemas.microsoft.com/office/drawing/2010/main">
-                <a:solidFill>
-                  <a:srgbClr val="FFFFFF"/>
-                </a:solidFill>
-              </a14:hiddenFill>
-            </a:ext>
-          </a:extLst>
-        </p:spPr>
-      </p:pic>
-      <p:sp>
-        <p:nvSpPr>
-          <p:cNvPr id="8" name="Content Placeholder 1">
-            <a:extLst>
-              <a:ext uri="{FF2B5EF4-FFF2-40B4-BE49-F238E27FC236}">
-                <a16:creationId xmlns:a16="http://schemas.microsoft.com/office/drawing/2014/main" id="{FF2369B4-D283-4008-B8BA-ABA6D72CA155}"/>
-              </a:ext>
-            </a:extLst>
-          </p:cNvPr>
-          <p:cNvSpPr txBox="1">
-            <a:spLocks/>
-          </p:cNvSpPr>
-          <p:nvPr/>
-        </p:nvSpPr>
-        <p:spPr>
-          <a:xfrm>
-            <a:off x="376024" y="1520825"/>
-            <a:ext cx="6615326" cy="4992270"/>
-          </a:xfrm>
-          <a:prstGeom prst="rect">
-            <a:avLst/>
-          </a:prstGeom>
-        </p:spPr>
-        <p:txBody>
-          <a:bodyPr vert="horz" lIns="91440" tIns="45720" rIns="91440" bIns="45720" rtlCol="0">
-            <a:normAutofit/>
-          </a:bodyPr>
-          <a:lstStyle>
-            <a:lvl1pPr marL="228600" indent="-228600" algn="l" defTabSz="914400" rtl="0" eaLnBrk="1" latinLnBrk="0" hangingPunct="1">
-              <a:lnSpc>
-                <a:spcPct val="90000"/>
-              </a:lnSpc>
-              <a:spcBef>
-                <a:spcPts val="1000"/>
-              </a:spcBef>
-              <a:buFont typeface="Arial" panose="020B0604020202020204" pitchFamily="34" charset="0"/>
-              <a:buChar char="•"/>
-              <a:defRPr sz="2800" kern="1200">
-                <a:solidFill>
-                  <a:schemeClr val="tx1"/>
-                </a:solidFill>
-                <a:latin typeface="+mn-lt"/>
-                <a:ea typeface="+mn-ea"/>
-                <a:cs typeface="+mn-cs"/>
-              </a:defRPr>
-            </a:lvl1pPr>
-            <a:lvl2pPr marL="685800" indent="-228600" algn="l" defTabSz="914400" rtl="0" eaLnBrk="1" latinLnBrk="0" hangingPunct="1">
-              <a:lnSpc>
-                <a:spcPct val="90000"/>
-              </a:lnSpc>
-              <a:spcBef>
-                <a:spcPts val="500"/>
-              </a:spcBef>
-              <a:buFont typeface="Arial" panose="020B0604020202020204" pitchFamily="34" charset="0"/>
-              <a:buChar char="•"/>
-              <a:defRPr sz="2400" kern="1200">
-                <a:solidFill>
-                  <a:schemeClr val="tx1"/>
-                </a:solidFill>
-                <a:latin typeface="+mn-lt"/>
-                <a:ea typeface="+mn-ea"/>
-                <a:cs typeface="+mn-cs"/>
-              </a:defRPr>
-            </a:lvl2pPr>
-            <a:lvl3pPr marL="1143000" indent="-228600" algn="l" defTabSz="914400" rtl="0" eaLnBrk="1" latinLnBrk="0" hangingPunct="1">
-              <a:lnSpc>
-                <a:spcPct val="90000"/>
-              </a:lnSpc>
-              <a:spcBef>
-                <a:spcPts val="500"/>
-              </a:spcBef>
-              <a:buFont typeface="Arial" panose="020B0604020202020204" pitchFamily="34" charset="0"/>
-              <a:buChar char="•"/>
-              <a:defRPr sz="2000" kern="1200">
-                <a:solidFill>
-                  <a:schemeClr val="tx1"/>
-                </a:solidFill>
-                <a:latin typeface="+mn-lt"/>
-                <a:ea typeface="+mn-ea"/>
-                <a:cs typeface="+mn-cs"/>
-              </a:defRPr>
-            </a:lvl3pPr>
-            <a:lvl4pPr marL="1600200" indent="-228600" algn="l" defTabSz="914400" rtl="0" eaLnBrk="1" latinLnBrk="0" hangingPunct="1">
-              <a:lnSpc>
-                <a:spcPct val="90000"/>
-              </a:lnSpc>
-              <a:spcBef>
-                <a:spcPts val="500"/>
-              </a:spcBef>
-              <a:buFont typeface="Arial" panose="020B0604020202020204" pitchFamily="34" charset="0"/>
-              <a:buChar char="•"/>
-              <a:defRPr sz="1800" kern="1200">
-                <a:solidFill>
-                  <a:schemeClr val="tx1"/>
-                </a:solidFill>
-                <a:latin typeface="+mn-lt"/>
-                <a:ea typeface="+mn-ea"/>
-                <a:cs typeface="+mn-cs"/>
-              </a:defRPr>
-            </a:lvl4pPr>
-            <a:lvl5pPr marL="2057400" indent="-228600" algn="l" defTabSz="914400" rtl="0" eaLnBrk="1" latinLnBrk="0" hangingPunct="1">
-              <a:lnSpc>
-                <a:spcPct val="90000"/>
-              </a:lnSpc>
-              <a:spcBef>
-                <a:spcPts val="500"/>
-              </a:spcBef>
-              <a:buFont typeface="Arial" panose="020B0604020202020204" pitchFamily="34" charset="0"/>
-              <a:buChar char="•"/>
-              <a:defRPr sz="1800" kern="1200">
-                <a:solidFill>
-                  <a:schemeClr val="tx1"/>
-                </a:solidFill>
-                <a:latin typeface="+mn-lt"/>
-                <a:ea typeface="+mn-ea"/>
-                <a:cs typeface="+mn-cs"/>
-              </a:defRPr>
-            </a:lvl5pPr>
-            <a:lvl6pPr marL="2514600" indent="-228600" algn="l" defTabSz="914400" rtl="0" eaLnBrk="1" latinLnBrk="0" hangingPunct="1">
-              <a:lnSpc>
-                <a:spcPct val="90000"/>
-              </a:lnSpc>
-              <a:spcBef>
-                <a:spcPts val="500"/>
-              </a:spcBef>
-              <a:buFont typeface="Arial" panose="020B0604020202020204" pitchFamily="34" charset="0"/>
-              <a:buChar char="•"/>
-              <a:defRPr sz="1800" kern="1200">
-                <a:solidFill>
-                  <a:schemeClr val="tx1"/>
-                </a:solidFill>
-                <a:latin typeface="+mn-lt"/>
-                <a:ea typeface="+mn-ea"/>
-                <a:cs typeface="+mn-cs"/>
-              </a:defRPr>
-            </a:lvl6pPr>
-            <a:lvl7pPr marL="2971800" indent="-228600" algn="l" defTabSz="914400" rtl="0" eaLnBrk="1" latinLnBrk="0" hangingPunct="1">
-              <a:lnSpc>
-                <a:spcPct val="90000"/>
-              </a:lnSpc>
-              <a:spcBef>
-                <a:spcPts val="500"/>
-              </a:spcBef>
-              <a:buFont typeface="Arial" panose="020B0604020202020204" pitchFamily="34" charset="0"/>
-              <a:buChar char="•"/>
-              <a:defRPr sz="1800" kern="1200">
-                <a:solidFill>
-                  <a:schemeClr val="tx1"/>
-                </a:solidFill>
-                <a:latin typeface="+mn-lt"/>
-                <a:ea typeface="+mn-ea"/>
-                <a:cs typeface="+mn-cs"/>
-              </a:defRPr>
-            </a:lvl7pPr>
-            <a:lvl8pPr marL="3429000" indent="-228600" algn="l" defTabSz="914400" rtl="0" eaLnBrk="1" latinLnBrk="0" hangingPunct="1">
-              <a:lnSpc>
-                <a:spcPct val="90000"/>
-              </a:lnSpc>
-              <a:spcBef>
-                <a:spcPts val="500"/>
-              </a:spcBef>
-              <a:buFont typeface="Arial" panose="020B0604020202020204" pitchFamily="34" charset="0"/>
-              <a:buChar char="•"/>
-              <a:defRPr sz="1800" kern="1200">
-                <a:solidFill>
-                  <a:schemeClr val="tx1"/>
-                </a:solidFill>
-                <a:latin typeface="+mn-lt"/>
-                <a:ea typeface="+mn-ea"/>
-                <a:cs typeface="+mn-cs"/>
-              </a:defRPr>
-            </a:lvl8pPr>
-            <a:lvl9pPr marL="3886200" indent="-228600" algn="l" defTabSz="914400" rtl="0" eaLnBrk="1" latinLnBrk="0" hangingPunct="1">
-              <a:lnSpc>
-                <a:spcPct val="90000"/>
-              </a:lnSpc>
-              <a:spcBef>
-                <a:spcPts val="500"/>
-              </a:spcBef>
-              <a:buFont typeface="Arial" panose="020B0604020202020204" pitchFamily="34" charset="0"/>
-              <a:buChar char="•"/>
-              <a:defRPr sz="1800" kern="1200">
-                <a:solidFill>
-                  <a:schemeClr val="tx1"/>
-                </a:solidFill>
-                <a:latin typeface="+mn-lt"/>
-                <a:ea typeface="+mn-ea"/>
-                <a:cs typeface="+mn-cs"/>
-              </a:defRPr>
-            </a:lvl9pPr>
-          </a:lstStyle>
-          <a:p>
-            <a:pPr lvl="1">
-              <a:buFont typeface="Courier New" panose="02070309020205020404" pitchFamily="49" charset="0"/>
-              <a:buChar char="o"/>
-            </a:pPr>
-            <a:endParaRPr lang="en-US" b="1" dirty="0">
-              <a:solidFill>
-                <a:srgbClr val="262626"/>
-              </a:solidFill>
-              <a:latin typeface="+mj-lt"/>
-              <a:ea typeface="+mj-ea"/>
-              <a:cs typeface="+mj-cs"/>
-            </a:endParaRPr>
-          </a:p>
-          <a:p>
-            <a:pPr lvl="1">
-              <a:buFont typeface="Courier New" panose="02070309020205020404" pitchFamily="49" charset="0"/>
-              <a:buChar char="o"/>
-            </a:pPr>
-            <a:endParaRPr lang="en-US" sz="2800" b="1" dirty="0">
-              <a:solidFill>
-                <a:srgbClr val="262626"/>
-              </a:solidFill>
-              <a:latin typeface="+mj-lt"/>
-              <a:ea typeface="+mj-ea"/>
-              <a:cs typeface="+mj-cs"/>
-            </a:endParaRPr>
-          </a:p>
-        </p:txBody>
-      </p:sp>
-      <p:sp>
-        <p:nvSpPr>
-          <p:cNvPr id="9" name="Title 1">
-            <a:extLst>
-              <a:ext uri="{FF2B5EF4-FFF2-40B4-BE49-F238E27FC236}">
-                <a16:creationId xmlns:a16="http://schemas.microsoft.com/office/drawing/2014/main" id="{FC2BD453-C865-4503-A6A5-50F87DE569AD}"/>
-              </a:ext>
-            </a:extLst>
-          </p:cNvPr>
-          <p:cNvSpPr txBox="1">
-            <a:spLocks/>
-          </p:cNvSpPr>
-          <p:nvPr/>
-        </p:nvSpPr>
-        <p:spPr>
-          <a:xfrm>
-            <a:off x="0" y="0"/>
-            <a:ext cx="11504086" cy="1236440"/>
-          </a:xfrm>
-          <a:prstGeom prst="rect">
-            <a:avLst/>
-          </a:prstGeom>
-          <a:noFill/>
-        </p:spPr>
-        <p:txBody>
-          <a:bodyPr vert="horz" lIns="91440" tIns="45720" rIns="91440" bIns="45720" rtlCol="0" anchor="ctr">
-            <a:normAutofit/>
-          </a:bodyPr>
-          <a:lstStyle>
-            <a:lvl1pPr algn="l" defTabSz="914400" rtl="0" eaLnBrk="1" latinLnBrk="0" hangingPunct="1">
-              <a:lnSpc>
-                <a:spcPct val="90000"/>
-              </a:lnSpc>
-              <a:spcBef>
-                <a:spcPct val="0"/>
-              </a:spcBef>
-              <a:buNone/>
-              <a:defRPr sz="4400" kern="1200">
-                <a:solidFill>
-                  <a:schemeClr val="tx1"/>
-                </a:solidFill>
-                <a:latin typeface="+mj-lt"/>
-                <a:ea typeface="+mj-ea"/>
-                <a:cs typeface="+mj-cs"/>
-              </a:defRPr>
-            </a:lvl1pPr>
-          </a:lstStyle>
-          <a:p>
-            <a:r>
-              <a:rPr lang="en-US" sz="4000" b="1" i="1" dirty="0">
-                <a:solidFill>
-                  <a:srgbClr val="1ED760"/>
-                </a:solidFill>
-                <a:latin typeface="Ink Free" panose="03080402000500000000" pitchFamily="66" charset="0"/>
-              </a:rPr>
-              <a:t>c l e a n i n g   t h e   d a t a</a:t>
-            </a:r>
-            <a:endParaRPr lang="en-US" sz="2800" b="1" i="1" dirty="0">
-              <a:solidFill>
-                <a:schemeClr val="bg1"/>
-              </a:solidFill>
-              <a:latin typeface="Ink Free" panose="03080402000500000000" pitchFamily="66" charset="0"/>
-            </a:endParaRPr>
-          </a:p>
-        </p:txBody>
-      </p:sp>
-      <p:sp>
-        <p:nvSpPr>
-          <p:cNvPr id="6" name="Content Placeholder 1">
-            <a:extLst>
-              <a:ext uri="{FF2B5EF4-FFF2-40B4-BE49-F238E27FC236}">
-                <a16:creationId xmlns:a16="http://schemas.microsoft.com/office/drawing/2014/main" id="{E0E24ACE-92F9-4FD5-B544-EBC0DDBB08DB}"/>
-              </a:ext>
-            </a:extLst>
-          </p:cNvPr>
-          <p:cNvSpPr txBox="1">
-            <a:spLocks/>
-          </p:cNvSpPr>
-          <p:nvPr/>
-        </p:nvSpPr>
-        <p:spPr>
-          <a:xfrm>
-            <a:off x="376024" y="1520825"/>
-            <a:ext cx="6615326" cy="4351338"/>
-          </a:xfrm>
-          <a:prstGeom prst="rect">
-            <a:avLst/>
-          </a:prstGeom>
-        </p:spPr>
-        <p:txBody>
-          <a:bodyPr vert="horz" lIns="91440" tIns="45720" rIns="91440" bIns="45720" rtlCol="0">
-            <a:normAutofit/>
-          </a:bodyPr>
-          <a:lstStyle>
-            <a:lvl1pPr marL="228600" indent="-228600" algn="l" defTabSz="914400" rtl="0" eaLnBrk="1" latinLnBrk="0" hangingPunct="1">
-              <a:lnSpc>
-                <a:spcPct val="90000"/>
-              </a:lnSpc>
-              <a:spcBef>
-                <a:spcPts val="1000"/>
-              </a:spcBef>
-              <a:buFont typeface="Arial" panose="020B0604020202020204" pitchFamily="34" charset="0"/>
-              <a:buChar char="•"/>
-              <a:defRPr sz="2800" kern="1200">
-                <a:solidFill>
-                  <a:schemeClr val="tx1"/>
-                </a:solidFill>
-                <a:latin typeface="+mn-lt"/>
-                <a:ea typeface="+mn-ea"/>
-                <a:cs typeface="+mn-cs"/>
-              </a:defRPr>
-            </a:lvl1pPr>
-            <a:lvl2pPr marL="685800" indent="-228600" algn="l" defTabSz="914400" rtl="0" eaLnBrk="1" latinLnBrk="0" hangingPunct="1">
-              <a:lnSpc>
-                <a:spcPct val="90000"/>
-              </a:lnSpc>
-              <a:spcBef>
-                <a:spcPts val="500"/>
-              </a:spcBef>
-              <a:buFont typeface="Arial" panose="020B0604020202020204" pitchFamily="34" charset="0"/>
-              <a:buChar char="•"/>
-              <a:defRPr sz="2400" kern="1200">
-                <a:solidFill>
-                  <a:schemeClr val="tx1"/>
-                </a:solidFill>
-                <a:latin typeface="+mn-lt"/>
-                <a:ea typeface="+mn-ea"/>
-                <a:cs typeface="+mn-cs"/>
-              </a:defRPr>
-            </a:lvl2pPr>
-            <a:lvl3pPr marL="1143000" indent="-228600" algn="l" defTabSz="914400" rtl="0" eaLnBrk="1" latinLnBrk="0" hangingPunct="1">
-              <a:lnSpc>
-                <a:spcPct val="90000"/>
-              </a:lnSpc>
-              <a:spcBef>
-                <a:spcPts val="500"/>
-              </a:spcBef>
-              <a:buFont typeface="Arial" panose="020B0604020202020204" pitchFamily="34" charset="0"/>
-              <a:buChar char="•"/>
-              <a:defRPr sz="2000" kern="1200">
-                <a:solidFill>
-                  <a:schemeClr val="tx1"/>
-                </a:solidFill>
-                <a:latin typeface="+mn-lt"/>
-                <a:ea typeface="+mn-ea"/>
-                <a:cs typeface="+mn-cs"/>
-              </a:defRPr>
-            </a:lvl3pPr>
-            <a:lvl4pPr marL="1600200" indent="-228600" algn="l" defTabSz="914400" rtl="0" eaLnBrk="1" latinLnBrk="0" hangingPunct="1">
-              <a:lnSpc>
-                <a:spcPct val="90000"/>
-              </a:lnSpc>
-              <a:spcBef>
-                <a:spcPts val="500"/>
-              </a:spcBef>
-              <a:buFont typeface="Arial" panose="020B0604020202020204" pitchFamily="34" charset="0"/>
-              <a:buChar char="•"/>
-              <a:defRPr sz="1800" kern="1200">
-                <a:solidFill>
-                  <a:schemeClr val="tx1"/>
-                </a:solidFill>
-                <a:latin typeface="+mn-lt"/>
-                <a:ea typeface="+mn-ea"/>
-                <a:cs typeface="+mn-cs"/>
-              </a:defRPr>
-            </a:lvl4pPr>
-            <a:lvl5pPr marL="2057400" indent="-228600" algn="l" defTabSz="914400" rtl="0" eaLnBrk="1" latinLnBrk="0" hangingPunct="1">
-              <a:lnSpc>
-                <a:spcPct val="90000"/>
-              </a:lnSpc>
-              <a:spcBef>
-                <a:spcPts val="500"/>
-              </a:spcBef>
-              <a:buFont typeface="Arial" panose="020B0604020202020204" pitchFamily="34" charset="0"/>
-              <a:buChar char="•"/>
-              <a:defRPr sz="1800" kern="1200">
-                <a:solidFill>
-                  <a:schemeClr val="tx1"/>
-                </a:solidFill>
-                <a:latin typeface="+mn-lt"/>
-                <a:ea typeface="+mn-ea"/>
-                <a:cs typeface="+mn-cs"/>
-              </a:defRPr>
-            </a:lvl5pPr>
-            <a:lvl6pPr marL="2514600" indent="-228600" algn="l" defTabSz="914400" rtl="0" eaLnBrk="1" latinLnBrk="0" hangingPunct="1">
-              <a:lnSpc>
-                <a:spcPct val="90000"/>
-              </a:lnSpc>
-              <a:spcBef>
-                <a:spcPts val="500"/>
-              </a:spcBef>
-              <a:buFont typeface="Arial" panose="020B0604020202020204" pitchFamily="34" charset="0"/>
-              <a:buChar char="•"/>
-              <a:defRPr sz="1800" kern="1200">
-                <a:solidFill>
-                  <a:schemeClr val="tx1"/>
-                </a:solidFill>
-                <a:latin typeface="+mn-lt"/>
-                <a:ea typeface="+mn-ea"/>
-                <a:cs typeface="+mn-cs"/>
-              </a:defRPr>
-            </a:lvl6pPr>
-            <a:lvl7pPr marL="2971800" indent="-228600" algn="l" defTabSz="914400" rtl="0" eaLnBrk="1" latinLnBrk="0" hangingPunct="1">
-              <a:lnSpc>
-                <a:spcPct val="90000"/>
-              </a:lnSpc>
-              <a:spcBef>
-                <a:spcPts val="500"/>
-              </a:spcBef>
-              <a:buFont typeface="Arial" panose="020B0604020202020204" pitchFamily="34" charset="0"/>
-              <a:buChar char="•"/>
-              <a:defRPr sz="1800" kern="1200">
-                <a:solidFill>
-                  <a:schemeClr val="tx1"/>
-                </a:solidFill>
-                <a:latin typeface="+mn-lt"/>
-                <a:ea typeface="+mn-ea"/>
-                <a:cs typeface="+mn-cs"/>
-              </a:defRPr>
-            </a:lvl7pPr>
-            <a:lvl8pPr marL="3429000" indent="-228600" algn="l" defTabSz="914400" rtl="0" eaLnBrk="1" latinLnBrk="0" hangingPunct="1">
-              <a:lnSpc>
-                <a:spcPct val="90000"/>
-              </a:lnSpc>
-              <a:spcBef>
-                <a:spcPts val="500"/>
-              </a:spcBef>
-              <a:buFont typeface="Arial" panose="020B0604020202020204" pitchFamily="34" charset="0"/>
-              <a:buChar char="•"/>
-              <a:defRPr sz="1800" kern="1200">
-                <a:solidFill>
-                  <a:schemeClr val="tx1"/>
-                </a:solidFill>
-                <a:latin typeface="+mn-lt"/>
-                <a:ea typeface="+mn-ea"/>
-                <a:cs typeface="+mn-cs"/>
-              </a:defRPr>
-            </a:lvl8pPr>
-            <a:lvl9pPr marL="3886200" indent="-228600" algn="l" defTabSz="914400" rtl="0" eaLnBrk="1" latinLnBrk="0" hangingPunct="1">
-              <a:lnSpc>
-                <a:spcPct val="90000"/>
-              </a:lnSpc>
-              <a:spcBef>
-                <a:spcPts val="500"/>
-              </a:spcBef>
-              <a:buFont typeface="Arial" panose="020B0604020202020204" pitchFamily="34" charset="0"/>
-              <a:buChar char="•"/>
-              <a:defRPr sz="1800" kern="1200">
-                <a:solidFill>
-                  <a:schemeClr val="tx1"/>
-                </a:solidFill>
-                <a:latin typeface="+mn-lt"/>
-                <a:ea typeface="+mn-ea"/>
-                <a:cs typeface="+mn-cs"/>
-              </a:defRPr>
-            </a:lvl9pPr>
-          </a:lstStyle>
-          <a:p>
-            <a:pPr>
-              <a:buBlip>
-                <a:blip r:embed="rId3">
-                  <a:extLst>
-                    <a:ext uri="{837473B0-CC2E-450A-ABE3-18F120FF3D39}">
-                      <a1611:picAttrSrcUrl xmlns:a1611="http://schemas.microsoft.com/office/drawing/2016/11/main" r:id="rId4"/>
-                    </a:ext>
-                  </a:extLst>
-                </a:blip>
-              </a:buBlip>
-            </a:pPr>
-            <a:r>
-              <a:rPr lang="en-US" sz="2200" dirty="0">
-                <a:solidFill>
-                  <a:srgbClr val="262626"/>
-                </a:solidFill>
-                <a:latin typeface="+mj-lt"/>
-                <a:ea typeface="+mj-ea"/>
-                <a:cs typeface="+mj-cs"/>
-              </a:rPr>
-              <a:t>Given the sheer volume of information provided, we knew we wanted to “clean” as much as possible to give ourselves a small subset of the data.</a:t>
-            </a:r>
-          </a:p>
-          <a:p>
-            <a:pPr marL="0" indent="0">
-              <a:buNone/>
-            </a:pPr>
-            <a:r>
-              <a:rPr lang="en-US" sz="2200" dirty="0">
-                <a:solidFill>
-                  <a:srgbClr val="262626"/>
-                </a:solidFill>
-                <a:latin typeface="+mj-lt"/>
-                <a:ea typeface="+mj-ea"/>
-                <a:cs typeface="+mj-cs"/>
-              </a:rPr>
-              <a:t> </a:t>
-            </a:r>
-          </a:p>
-          <a:p>
-            <a:pPr>
-              <a:buBlip>
-                <a:blip r:embed="rId3">
-                  <a:extLst>
-                    <a:ext uri="{837473B0-CC2E-450A-ABE3-18F120FF3D39}">
-                      <a1611:picAttrSrcUrl xmlns:a1611="http://schemas.microsoft.com/office/drawing/2016/11/main" r:id="rId4"/>
-                    </a:ext>
-                  </a:extLst>
-                </a:blip>
-              </a:buBlip>
-            </a:pPr>
-            <a:r>
-              <a:rPr lang="en-US" sz="2200" dirty="0">
-                <a:solidFill>
-                  <a:srgbClr val="262626"/>
-                </a:solidFill>
-                <a:latin typeface="+mj-lt"/>
-              </a:rPr>
-              <a:t>Using the tools from class, our base data has a combination of the Spotify API to bring in additional columns, US data in 2017, and the trimmed version to exclude erroneous Track Names and Artists.</a:t>
-            </a:r>
-            <a:endParaRPr lang="en-US" sz="2000" dirty="0">
-              <a:solidFill>
-                <a:srgbClr val="262626"/>
-              </a:solidFill>
-              <a:latin typeface="+mj-lt"/>
-            </a:endParaRPr>
-          </a:p>
-          <a:p>
-            <a:pPr>
-              <a:buBlip>
-                <a:blip r:embed="rId3">
-                  <a:extLst>
-                    <a:ext uri="{837473B0-CC2E-450A-ABE3-18F120FF3D39}">
-                      <a1611:picAttrSrcUrl xmlns:a1611="http://schemas.microsoft.com/office/drawing/2016/11/main" r:id="rId4"/>
-                    </a:ext>
-                  </a:extLst>
-                </a:blip>
-              </a:buBlip>
-            </a:pPr>
-            <a:endParaRPr lang="en-US" sz="2000" dirty="0">
-              <a:solidFill>
-                <a:srgbClr val="262626"/>
-              </a:solidFill>
-              <a:latin typeface="+mj-lt"/>
-            </a:endParaRPr>
-          </a:p>
-          <a:p>
-            <a:pPr>
-              <a:buBlip>
-                <a:blip r:embed="rId3">
-                  <a:extLst>
-                    <a:ext uri="{837473B0-CC2E-450A-ABE3-18F120FF3D39}">
-                      <a1611:picAttrSrcUrl xmlns:a1611="http://schemas.microsoft.com/office/drawing/2016/11/main" r:id="rId4"/>
-                    </a:ext>
-                  </a:extLst>
-                </a:blip>
-              </a:buBlip>
-            </a:pPr>
-            <a:endParaRPr lang="en-US" sz="2000" dirty="0">
-              <a:solidFill>
-                <a:srgbClr val="262626"/>
-              </a:solidFill>
-              <a:latin typeface="+mj-lt"/>
-            </a:endParaRPr>
-          </a:p>
-          <a:p>
-            <a:pPr>
-              <a:buBlip>
-                <a:blip r:embed="rId3">
-                  <a:extLst>
-                    <a:ext uri="{837473B0-CC2E-450A-ABE3-18F120FF3D39}">
-                      <a1611:picAttrSrcUrl xmlns:a1611="http://schemas.microsoft.com/office/drawing/2016/11/main" r:id="rId4"/>
-                    </a:ext>
-                  </a:extLst>
-                </a:blip>
-              </a:buBlip>
-            </a:pPr>
-            <a:endParaRPr lang="en-US" sz="2000" b="1" dirty="0">
-              <a:solidFill>
-                <a:srgbClr val="262626"/>
-              </a:solidFill>
-              <a:latin typeface="+mj-lt"/>
-              <a:ea typeface="+mj-ea"/>
-              <a:cs typeface="+mj-cs"/>
-            </a:endParaRPr>
-          </a:p>
-          <a:p>
-            <a:pPr>
-              <a:buBlip>
-                <a:blip r:embed="rId3">
-                  <a:extLst>
-                    <a:ext uri="{837473B0-CC2E-450A-ABE3-18F120FF3D39}">
-                      <a1611:picAttrSrcUrl xmlns:a1611="http://schemas.microsoft.com/office/drawing/2016/11/main" r:id="rId4"/>
-                    </a:ext>
-                  </a:extLst>
-                </a:blip>
-              </a:buBlip>
-            </a:pPr>
-            <a:endParaRPr lang="en-US" sz="2000" b="1" dirty="0">
-              <a:solidFill>
-                <a:srgbClr val="262626"/>
-              </a:solidFill>
-              <a:latin typeface="+mj-lt"/>
-              <a:ea typeface="+mj-ea"/>
-              <a:cs typeface="+mj-cs"/>
-            </a:endParaRPr>
-          </a:p>
-          <a:p>
-            <a:pPr lvl="1">
-              <a:buFont typeface="Wingdings" panose="05000000000000000000" pitchFamily="2" charset="2"/>
-              <a:buChar char="q"/>
-            </a:pPr>
-            <a:endParaRPr lang="en-US" sz="1800" b="1" dirty="0">
-              <a:solidFill>
-                <a:srgbClr val="262626"/>
-              </a:solidFill>
-              <a:latin typeface="+mj-lt"/>
-              <a:ea typeface="+mj-ea"/>
-              <a:cs typeface="+mj-cs"/>
-            </a:endParaRPr>
-          </a:p>
-          <a:p>
-            <a:pPr marL="457200" lvl="1" indent="0">
-              <a:buNone/>
-            </a:pPr>
-            <a:endParaRPr lang="en-US" sz="1800" b="1" dirty="0">
-              <a:solidFill>
-                <a:srgbClr val="262626"/>
-              </a:solidFill>
-              <a:latin typeface="+mj-lt"/>
-              <a:ea typeface="+mj-ea"/>
-              <a:cs typeface="+mj-cs"/>
-            </a:endParaRPr>
-          </a:p>
-          <a:p>
-            <a:pPr lvl="1">
-              <a:buFont typeface="Wingdings" panose="05000000000000000000" pitchFamily="2" charset="2"/>
-              <a:buChar char="q"/>
-            </a:pPr>
-            <a:endParaRPr lang="en-US" sz="1800" b="1" dirty="0">
-              <a:solidFill>
-                <a:srgbClr val="262626"/>
-              </a:solidFill>
-              <a:latin typeface="+mj-lt"/>
-              <a:ea typeface="+mj-ea"/>
-              <a:cs typeface="+mj-cs"/>
-            </a:endParaRPr>
-          </a:p>
-          <a:p>
-            <a:pPr lvl="1">
-              <a:buFont typeface="Wingdings" panose="05000000000000000000" pitchFamily="2" charset="2"/>
-              <a:buChar char="q"/>
-            </a:pPr>
-            <a:endParaRPr lang="en-US" sz="1800" b="1" dirty="0">
-              <a:solidFill>
-                <a:srgbClr val="262626"/>
-              </a:solidFill>
-              <a:latin typeface="+mj-lt"/>
-              <a:ea typeface="+mj-ea"/>
-              <a:cs typeface="+mj-cs"/>
-            </a:endParaRPr>
-          </a:p>
-          <a:p>
-            <a:pPr lvl="1">
-              <a:buFont typeface="Courier New" panose="02070309020205020404" pitchFamily="49" charset="0"/>
-              <a:buChar char="o"/>
-            </a:pPr>
-            <a:endParaRPr lang="en-US" sz="1800" b="1" dirty="0">
-              <a:solidFill>
-                <a:srgbClr val="262626"/>
-              </a:solidFill>
-              <a:latin typeface="+mj-lt"/>
-              <a:ea typeface="+mj-ea"/>
-              <a:cs typeface="+mj-cs"/>
-            </a:endParaRPr>
-          </a:p>
-          <a:p>
-            <a:pPr lvl="1">
-              <a:buFont typeface="Courier New" panose="02070309020205020404" pitchFamily="49" charset="0"/>
-              <a:buChar char="o"/>
-            </a:pPr>
-            <a:endParaRPr lang="en-US" sz="2000" b="1" dirty="0">
-              <a:solidFill>
-                <a:srgbClr val="262626"/>
-              </a:solidFill>
-              <a:latin typeface="+mj-lt"/>
-              <a:ea typeface="+mj-ea"/>
-              <a:cs typeface="+mj-cs"/>
-            </a:endParaRPr>
-          </a:p>
-        </p:txBody>
-      </p:sp>
-      <p:pic>
-        <p:nvPicPr>
-          <p:cNvPr id="1026" name="Picture 2" descr="A giant panda cub plays with a broom at the China Giant Panda... News Photo  - Getty Images">
-            <a:extLst>
-              <a:ext uri="{FF2B5EF4-FFF2-40B4-BE49-F238E27FC236}">
-                <a16:creationId xmlns:a16="http://schemas.microsoft.com/office/drawing/2014/main" id="{203E4197-6E9A-4AB6-A8AF-A6363002BFAA}"/>
-              </a:ext>
-            </a:extLst>
-          </p:cNvPr>
-          <p:cNvPicPr>
-            <a:picLocks noChangeAspect="1" noChangeArrowheads="1"/>
-          </p:cNvPicPr>
-          <p:nvPr/>
-        </p:nvPicPr>
-        <p:blipFill rotWithShape="1">
-          <a:blip r:embed="rId5">
-            <a:alphaModFix amt="85000"/>
-            <a:extLst>
-              <a:ext uri="{28A0092B-C50C-407E-A947-70E740481C1C}">
-                <a14:useLocalDpi xmlns:a14="http://schemas.microsoft.com/office/drawing/2010/main" val="0"/>
-              </a:ext>
-            </a:extLst>
-          </a:blip>
-          <a:srcRect l="9944" t="8244" r="42329" b="31951"/>
-          <a:stretch/>
-        </p:blipFill>
-        <p:spPr bwMode="auto">
-          <a:xfrm>
-            <a:off x="8128000" y="1986549"/>
-            <a:ext cx="3461882" cy="2884902"/>
-          </a:xfrm>
-          <a:custGeom>
-            <a:avLst/>
-            <a:gdLst>
-              <a:gd name="connsiteX0" fmla="*/ 0 w 3461882"/>
-              <a:gd name="connsiteY0" fmla="*/ 0 h 2884902"/>
-              <a:gd name="connsiteX1" fmla="*/ 692376 w 3461882"/>
-              <a:gd name="connsiteY1" fmla="*/ 0 h 2884902"/>
-              <a:gd name="connsiteX2" fmla="*/ 1453990 w 3461882"/>
-              <a:gd name="connsiteY2" fmla="*/ 0 h 2884902"/>
-              <a:gd name="connsiteX3" fmla="*/ 2215604 w 3461882"/>
-              <a:gd name="connsiteY3" fmla="*/ 0 h 2884902"/>
-              <a:gd name="connsiteX4" fmla="*/ 3461882 w 3461882"/>
-              <a:gd name="connsiteY4" fmla="*/ 0 h 2884902"/>
-              <a:gd name="connsiteX5" fmla="*/ 3461882 w 3461882"/>
-              <a:gd name="connsiteY5" fmla="*/ 519282 h 2884902"/>
-              <a:gd name="connsiteX6" fmla="*/ 3461882 w 3461882"/>
-              <a:gd name="connsiteY6" fmla="*/ 1009716 h 2884902"/>
-              <a:gd name="connsiteX7" fmla="*/ 3461882 w 3461882"/>
-              <a:gd name="connsiteY7" fmla="*/ 1557847 h 2884902"/>
-              <a:gd name="connsiteX8" fmla="*/ 3461882 w 3461882"/>
-              <a:gd name="connsiteY8" fmla="*/ 2077129 h 2884902"/>
-              <a:gd name="connsiteX9" fmla="*/ 3461882 w 3461882"/>
-              <a:gd name="connsiteY9" fmla="*/ 2884902 h 2884902"/>
-              <a:gd name="connsiteX10" fmla="*/ 2769506 w 3461882"/>
-              <a:gd name="connsiteY10" fmla="*/ 2884902 h 2884902"/>
-              <a:gd name="connsiteX11" fmla="*/ 2111748 w 3461882"/>
-              <a:gd name="connsiteY11" fmla="*/ 2884902 h 2884902"/>
-              <a:gd name="connsiteX12" fmla="*/ 1384753 w 3461882"/>
-              <a:gd name="connsiteY12" fmla="*/ 2884902 h 2884902"/>
-              <a:gd name="connsiteX13" fmla="*/ 623139 w 3461882"/>
-              <a:gd name="connsiteY13" fmla="*/ 2884902 h 2884902"/>
-              <a:gd name="connsiteX14" fmla="*/ 0 w 3461882"/>
-              <a:gd name="connsiteY14" fmla="*/ 2884902 h 2884902"/>
-              <a:gd name="connsiteX15" fmla="*/ 0 w 3461882"/>
-              <a:gd name="connsiteY15" fmla="*/ 2307922 h 2884902"/>
-              <a:gd name="connsiteX16" fmla="*/ 0 w 3461882"/>
-              <a:gd name="connsiteY16" fmla="*/ 1788639 h 2884902"/>
-              <a:gd name="connsiteX17" fmla="*/ 0 w 3461882"/>
-              <a:gd name="connsiteY17" fmla="*/ 1240508 h 2884902"/>
-              <a:gd name="connsiteX18" fmla="*/ 0 w 3461882"/>
-              <a:gd name="connsiteY18" fmla="*/ 663527 h 2884902"/>
-              <a:gd name="connsiteX19" fmla="*/ 0 w 3461882"/>
-              <a:gd name="connsiteY19" fmla="*/ 0 h 2884902"/>
-            </a:gdLst>
-            <a:ahLst/>
-            <a:cxnLst>
-              <a:cxn ang="0">
-                <a:pos x="connsiteX0" y="connsiteY0"/>
-              </a:cxn>
-              <a:cxn ang="0">
-                <a:pos x="connsiteX1" y="connsiteY1"/>
-              </a:cxn>
-              <a:cxn ang="0">
-                <a:pos x="connsiteX2" y="connsiteY2"/>
-              </a:cxn>
-              <a:cxn ang="0">
-                <a:pos x="connsiteX3" y="connsiteY3"/>
-              </a:cxn>
-              <a:cxn ang="0">
-                <a:pos x="connsiteX4" y="connsiteY4"/>
-              </a:cxn>
-              <a:cxn ang="0">
-                <a:pos x="connsiteX5" y="connsiteY5"/>
-              </a:cxn>
-              <a:cxn ang="0">
-                <a:pos x="connsiteX6" y="connsiteY6"/>
-              </a:cxn>
-              <a:cxn ang="0">
-                <a:pos x="connsiteX7" y="connsiteY7"/>
-              </a:cxn>
-              <a:cxn ang="0">
-                <a:pos x="connsiteX8" y="connsiteY8"/>
-              </a:cxn>
-              <a:cxn ang="0">
-                <a:pos x="connsiteX9" y="connsiteY9"/>
-              </a:cxn>
-              <a:cxn ang="0">
-                <a:pos x="connsiteX10" y="connsiteY10"/>
-              </a:cxn>
-              <a:cxn ang="0">
-                <a:pos x="connsiteX11" y="connsiteY11"/>
-              </a:cxn>
-              <a:cxn ang="0">
-                <a:pos x="connsiteX12" y="connsiteY12"/>
-              </a:cxn>
-              <a:cxn ang="0">
-                <a:pos x="connsiteX13" y="connsiteY13"/>
-              </a:cxn>
-              <a:cxn ang="0">
-                <a:pos x="connsiteX14" y="connsiteY14"/>
-              </a:cxn>
-              <a:cxn ang="0">
-                <a:pos x="connsiteX15" y="connsiteY15"/>
-              </a:cxn>
-              <a:cxn ang="0">
-                <a:pos x="connsiteX16" y="connsiteY16"/>
-              </a:cxn>
-              <a:cxn ang="0">
-                <a:pos x="connsiteX17" y="connsiteY17"/>
-              </a:cxn>
-              <a:cxn ang="0">
-                <a:pos x="connsiteX18" y="connsiteY18"/>
-              </a:cxn>
-              <a:cxn ang="0">
-                <a:pos x="connsiteX19" y="connsiteY19"/>
-              </a:cxn>
-            </a:cxnLst>
-            <a:rect l="l" t="t" r="r" b="b"/>
-            <a:pathLst>
-              <a:path w="3461882" h="2884902" fill="none" extrusionOk="0">
-                <a:moveTo>
-                  <a:pt x="0" y="0"/>
-                </a:moveTo>
-                <a:cubicBezTo>
-                  <a:pt x="170932" y="-10707"/>
-                  <a:pt x="474357" y="-14607"/>
-                  <a:pt x="692376" y="0"/>
-                </a:cubicBezTo>
-                <a:cubicBezTo>
-                  <a:pt x="910395" y="14607"/>
-                  <a:pt x="1133760" y="-2343"/>
-                  <a:pt x="1453990" y="0"/>
-                </a:cubicBezTo>
-                <a:cubicBezTo>
-                  <a:pt x="1774220" y="2343"/>
-                  <a:pt x="1936594" y="-35351"/>
-                  <a:pt x="2215604" y="0"/>
-                </a:cubicBezTo>
-                <a:cubicBezTo>
-                  <a:pt x="2494614" y="35351"/>
-                  <a:pt x="2938540" y="-13689"/>
-                  <a:pt x="3461882" y="0"/>
-                </a:cubicBezTo>
-                <a:cubicBezTo>
-                  <a:pt x="3482065" y="107705"/>
-                  <a:pt x="3457868" y="304641"/>
-                  <a:pt x="3461882" y="519282"/>
-                </a:cubicBezTo>
-                <a:cubicBezTo>
-                  <a:pt x="3465896" y="733923"/>
-                  <a:pt x="3478668" y="875294"/>
-                  <a:pt x="3461882" y="1009716"/>
-                </a:cubicBezTo>
-                <a:cubicBezTo>
-                  <a:pt x="3445096" y="1144138"/>
-                  <a:pt x="3465341" y="1292508"/>
-                  <a:pt x="3461882" y="1557847"/>
-                </a:cubicBezTo>
-                <a:cubicBezTo>
-                  <a:pt x="3458423" y="1823186"/>
-                  <a:pt x="3463211" y="1944997"/>
-                  <a:pt x="3461882" y="2077129"/>
-                </a:cubicBezTo>
-                <a:cubicBezTo>
-                  <a:pt x="3460553" y="2209261"/>
-                  <a:pt x="3466728" y="2519132"/>
-                  <a:pt x="3461882" y="2884902"/>
-                </a:cubicBezTo>
-                <a:cubicBezTo>
-                  <a:pt x="3219948" y="2872339"/>
-                  <a:pt x="3033528" y="2859650"/>
-                  <a:pt x="2769506" y="2884902"/>
-                </a:cubicBezTo>
-                <a:cubicBezTo>
-                  <a:pt x="2505484" y="2910154"/>
-                  <a:pt x="2321132" y="2854990"/>
-                  <a:pt x="2111748" y="2884902"/>
-                </a:cubicBezTo>
-                <a:cubicBezTo>
-                  <a:pt x="1902364" y="2914814"/>
-                  <a:pt x="1538154" y="2902510"/>
-                  <a:pt x="1384753" y="2884902"/>
-                </a:cubicBezTo>
-                <a:cubicBezTo>
-                  <a:pt x="1231352" y="2867294"/>
-                  <a:pt x="882546" y="2907237"/>
-                  <a:pt x="623139" y="2884902"/>
-                </a:cubicBezTo>
-                <a:cubicBezTo>
-                  <a:pt x="363732" y="2862567"/>
-                  <a:pt x="165913" y="2869910"/>
-                  <a:pt x="0" y="2884902"/>
-                </a:cubicBezTo>
-                <a:cubicBezTo>
-                  <a:pt x="-17945" y="2656320"/>
-                  <a:pt x="14193" y="2521172"/>
-                  <a:pt x="0" y="2307922"/>
-                </a:cubicBezTo>
-                <a:cubicBezTo>
-                  <a:pt x="-14193" y="2094672"/>
-                  <a:pt x="-5929" y="1918220"/>
-                  <a:pt x="0" y="1788639"/>
-                </a:cubicBezTo>
-                <a:cubicBezTo>
-                  <a:pt x="5929" y="1659058"/>
-                  <a:pt x="-19728" y="1354280"/>
-                  <a:pt x="0" y="1240508"/>
-                </a:cubicBezTo>
-                <a:cubicBezTo>
-                  <a:pt x="19728" y="1126736"/>
-                  <a:pt x="11956" y="882091"/>
-                  <a:pt x="0" y="663527"/>
-                </a:cubicBezTo>
-                <a:cubicBezTo>
-                  <a:pt x="-11956" y="444963"/>
-                  <a:pt x="-7588" y="319094"/>
-                  <a:pt x="0" y="0"/>
-                </a:cubicBezTo>
-                <a:close/>
-              </a:path>
-              <a:path w="3461882" h="2884902" stroke="0" extrusionOk="0">
-                <a:moveTo>
-                  <a:pt x="0" y="0"/>
-                </a:moveTo>
-                <a:cubicBezTo>
-                  <a:pt x="363847" y="-27971"/>
-                  <a:pt x="494366" y="30387"/>
-                  <a:pt x="761614" y="0"/>
-                </a:cubicBezTo>
-                <a:cubicBezTo>
-                  <a:pt x="1028862" y="-30387"/>
-                  <a:pt x="1127451" y="18837"/>
-                  <a:pt x="1384753" y="0"/>
-                </a:cubicBezTo>
-                <a:cubicBezTo>
-                  <a:pt x="1642055" y="-18837"/>
-                  <a:pt x="1868958" y="-29455"/>
-                  <a:pt x="2146367" y="0"/>
-                </a:cubicBezTo>
-                <a:cubicBezTo>
-                  <a:pt x="2423776" y="29455"/>
-                  <a:pt x="2531492" y="24735"/>
-                  <a:pt x="2734887" y="0"/>
-                </a:cubicBezTo>
-                <a:cubicBezTo>
-                  <a:pt x="2938282" y="-24735"/>
-                  <a:pt x="3276385" y="-11438"/>
-                  <a:pt x="3461882" y="0"/>
-                </a:cubicBezTo>
-                <a:cubicBezTo>
-                  <a:pt x="3478072" y="223848"/>
-                  <a:pt x="3452342" y="288869"/>
-                  <a:pt x="3461882" y="490433"/>
-                </a:cubicBezTo>
-                <a:cubicBezTo>
-                  <a:pt x="3471422" y="691997"/>
-                  <a:pt x="3472684" y="936241"/>
-                  <a:pt x="3461882" y="1125112"/>
-                </a:cubicBezTo>
-                <a:cubicBezTo>
-                  <a:pt x="3451080" y="1313983"/>
-                  <a:pt x="3457353" y="1509714"/>
-                  <a:pt x="3461882" y="1759790"/>
-                </a:cubicBezTo>
-                <a:cubicBezTo>
-                  <a:pt x="3466411" y="2009866"/>
-                  <a:pt x="3487300" y="2162044"/>
-                  <a:pt x="3461882" y="2394469"/>
-                </a:cubicBezTo>
-                <a:cubicBezTo>
-                  <a:pt x="3436464" y="2626894"/>
-                  <a:pt x="3456419" y="2684695"/>
-                  <a:pt x="3461882" y="2884902"/>
-                </a:cubicBezTo>
-                <a:cubicBezTo>
-                  <a:pt x="3152602" y="2862883"/>
-                  <a:pt x="2943316" y="2904258"/>
-                  <a:pt x="2804124" y="2884902"/>
-                </a:cubicBezTo>
-                <a:cubicBezTo>
-                  <a:pt x="2664932" y="2865546"/>
-                  <a:pt x="2367841" y="2857207"/>
-                  <a:pt x="2180986" y="2884902"/>
-                </a:cubicBezTo>
-                <a:cubicBezTo>
-                  <a:pt x="1994131" y="2912597"/>
-                  <a:pt x="1820293" y="2878919"/>
-                  <a:pt x="1523228" y="2884902"/>
-                </a:cubicBezTo>
-                <a:cubicBezTo>
-                  <a:pt x="1226163" y="2890885"/>
-                  <a:pt x="1042656" y="2872163"/>
-                  <a:pt x="830852" y="2884902"/>
-                </a:cubicBezTo>
-                <a:cubicBezTo>
-                  <a:pt x="619048" y="2897641"/>
-                  <a:pt x="199149" y="2885501"/>
-                  <a:pt x="0" y="2884902"/>
-                </a:cubicBezTo>
-                <a:cubicBezTo>
-                  <a:pt x="-25403" y="2719229"/>
-                  <a:pt x="-21983" y="2492966"/>
-                  <a:pt x="0" y="2250224"/>
-                </a:cubicBezTo>
-                <a:cubicBezTo>
-                  <a:pt x="21983" y="2007482"/>
-                  <a:pt x="-2931" y="1911240"/>
-                  <a:pt x="0" y="1730941"/>
-                </a:cubicBezTo>
-                <a:cubicBezTo>
-                  <a:pt x="2931" y="1550642"/>
-                  <a:pt x="-19986" y="1468603"/>
-                  <a:pt x="0" y="1240508"/>
-                </a:cubicBezTo>
-                <a:cubicBezTo>
-                  <a:pt x="19986" y="1012413"/>
-                  <a:pt x="13435" y="900077"/>
-                  <a:pt x="0" y="750075"/>
-                </a:cubicBezTo>
-                <a:cubicBezTo>
-                  <a:pt x="-13435" y="600073"/>
-                  <a:pt x="-29843" y="231617"/>
-                  <a:pt x="0" y="0"/>
-                </a:cubicBezTo>
-                <a:close/>
-              </a:path>
-            </a:pathLst>
-          </a:custGeom>
-          <a:ln w="38100">
-            <a:solidFill>
-              <a:srgbClr val="1ED760"/>
-            </a:solidFill>
-            <a:extLst>
-              <a:ext uri="{C807C97D-BFC1-408E-A445-0C87EB9F89A2}">
-                <ask:lineSketchStyleProps xmlns:ask="http://schemas.microsoft.com/office/drawing/2018/sketchyshapes" sd="1332450688">
-                  <a:prstGeom prst="rect">
-                    <a:avLst/>
-                  </a:prstGeom>
-                  <ask:type>
-                    <ask:lineSketchFreehand/>
-                  </ask:type>
-                </ask:lineSketchStyleProps>
-              </a:ext>
-            </a:extLst>
-          </a:ln>
-          <a:extLst>
-            <a:ext uri="{909E8E84-426E-40DD-AFC4-6F175D3DCCD1}">
-              <a14:hiddenFill xmlns:a14="http://schemas.microsoft.com/office/drawing/2010/main">
-                <a:solidFill>
-                  <a:srgbClr val="FFFFFF"/>
-                </a:solidFill>
-              </a14:hiddenFill>
-            </a:ext>
-          </a:extLst>
-        </p:spPr>
-      </p:pic>
-    </p:spTree>
-    <p:extLst>
-      <p:ext uri="{BB962C8B-B14F-4D97-AF65-F5344CB8AC3E}">
-        <p14:creationId xmlns:p14="http://schemas.microsoft.com/office/powerpoint/2010/main" val="2597762722"/>
-      </p:ext>
-    </p:extLst>
-  </p:cSld>
-  <p:clrMapOvr>
-    <a:masterClrMapping/>
-  </p:clrMapOvr>
-</p:sld>
-</file>
-
-<file path=ppt/slides/slide6.xml><?xml version="1.0" encoding="utf-8"?>
 <p:sld xmlns:a="http://schemas.openxmlformats.org/drawingml/2006/main" xmlns:r="http://schemas.openxmlformats.org/officeDocument/2006/relationships" xmlns:p="http://schemas.openxmlformats.org/presentationml/2006/main">
   <p:cSld>
     <p:bg>
@@ -22880,6 +21643,1243 @@
 </p:sld>
 </file>
 
+<file path=ppt/slides/slide6.xml><?xml version="1.0" encoding="utf-8"?>
+<p:sld xmlns:a="http://schemas.openxmlformats.org/drawingml/2006/main" xmlns:r="http://schemas.openxmlformats.org/officeDocument/2006/relationships" xmlns:p="http://schemas.openxmlformats.org/presentationml/2006/main">
+  <p:cSld>
+    <p:bg>
+      <p:bgPr>
+        <a:solidFill>
+          <a:schemeClr val="bg1"/>
+        </a:solidFill>
+        <a:effectLst/>
+      </p:bgPr>
+    </p:bg>
+    <p:spTree>
+      <p:nvGrpSpPr>
+        <p:cNvPr id="1" name=""/>
+        <p:cNvGrpSpPr/>
+        <p:nvPr/>
+      </p:nvGrpSpPr>
+      <p:grpSpPr>
+        <a:xfrm>
+          <a:off x="0" y="0"/>
+          <a:ext cx="0" cy="0"/>
+          <a:chOff x="0" y="0"/>
+          <a:chExt cx="0" cy="0"/>
+        </a:xfrm>
+      </p:grpSpPr>
+      <p:sp>
+        <p:nvSpPr>
+          <p:cNvPr id="11" name="Rectangle 10">
+            <a:extLst>
+              <a:ext uri="{FF2B5EF4-FFF2-40B4-BE49-F238E27FC236}">
+                <a16:creationId xmlns:a16="http://schemas.microsoft.com/office/drawing/2014/main" id="{2E614F1C-2D93-42D0-B229-768199449923}"/>
+              </a:ext>
+              <a:ext uri="{C183D7F6-B498-43B3-948B-1728B52AA6E4}">
+                <adec:decorative xmlns:adec="http://schemas.microsoft.com/office/drawing/2017/decorative" val="1"/>
+              </a:ext>
+            </a:extLst>
+          </p:cNvPr>
+          <p:cNvSpPr>
+            <a:spLocks noGrp="1" noRot="1" noChangeAspect="1" noMove="1" noResize="1" noEditPoints="1" noAdjustHandles="1" noChangeArrowheads="1" noChangeShapeType="1" noTextEdit="1"/>
+          </p:cNvSpPr>
+          <p:nvPr>
+            <p:extLst>
+              <p:ext uri="{386F3935-93C4-4BCD-93E2-E3B085C9AB24}">
+                <p16:designElem xmlns:p16="http://schemas.microsoft.com/office/powerpoint/2015/main" val="1"/>
+              </p:ext>
+            </p:extLst>
+          </p:nvPr>
+        </p:nvSpPr>
+        <p:spPr bwMode="white">
+          <a:xfrm>
+            <a:off x="7403089" y="0"/>
+            <a:ext cx="4788912" cy="6858000"/>
+          </a:xfrm>
+          <a:prstGeom prst="rect">
+            <a:avLst/>
+          </a:prstGeom>
+          <a:solidFill>
+            <a:schemeClr val="tx1">
+              <a:lumMod val="85000"/>
+              <a:lumOff val="15000"/>
+            </a:schemeClr>
+          </a:solidFill>
+          <a:ln>
+            <a:noFill/>
+          </a:ln>
+        </p:spPr>
+        <p:style>
+          <a:lnRef idx="2">
+            <a:schemeClr val="accent1">
+              <a:shade val="50000"/>
+            </a:schemeClr>
+          </a:lnRef>
+          <a:fillRef idx="1">
+            <a:schemeClr val="accent1"/>
+          </a:fillRef>
+          <a:effectRef idx="0">
+            <a:schemeClr val="accent1"/>
+          </a:effectRef>
+          <a:fontRef idx="minor">
+            <a:schemeClr val="lt1"/>
+          </a:fontRef>
+        </p:style>
+        <p:txBody>
+          <a:bodyPr rtlCol="0" anchor="ctr"/>
+          <a:lstStyle/>
+          <a:p>
+            <a:pPr algn="ctr"/>
+            <a:endParaRPr lang="en-US"/>
+          </a:p>
+        </p:txBody>
+      </p:sp>
+      <p:pic>
+        <p:nvPicPr>
+          <p:cNvPr id="5" name="Content Placeholder 4" descr="Terraform &amp; Spotify Data Engineering | Python In Plain English">
+            <a:extLst>
+              <a:ext uri="{FF2B5EF4-FFF2-40B4-BE49-F238E27FC236}">
+                <a16:creationId xmlns:a16="http://schemas.microsoft.com/office/drawing/2014/main" id="{50B1EFE3-741F-453E-8793-C05FA4889D1F}"/>
+              </a:ext>
+            </a:extLst>
+          </p:cNvPr>
+          <p:cNvPicPr>
+            <a:picLocks noChangeAspect="1" noChangeArrowheads="1"/>
+          </p:cNvPicPr>
+          <p:nvPr/>
+        </p:nvPicPr>
+        <p:blipFill rotWithShape="1">
+          <a:blip r:embed="rId2">
+            <a:extLst>
+              <a:ext uri="{28A0092B-C50C-407E-A947-70E740481C1C}">
+                <a14:useLocalDpi xmlns:a14="http://schemas.microsoft.com/office/drawing/2010/main" val="0"/>
+              </a:ext>
+            </a:extLst>
+          </a:blip>
+          <a:srcRect l="9719" r="9804"/>
+          <a:stretch/>
+        </p:blipFill>
+        <p:spPr bwMode="auto">
+          <a:xfrm>
+            <a:off x="11084560" y="5770880"/>
+            <a:ext cx="1107440" cy="1016000"/>
+          </a:xfrm>
+          <a:prstGeom prst="rect">
+            <a:avLst/>
+          </a:prstGeom>
+          <a:noFill/>
+          <a:extLst>
+            <a:ext uri="{909E8E84-426E-40DD-AFC4-6F175D3DCCD1}">
+              <a14:hiddenFill xmlns:a14="http://schemas.microsoft.com/office/drawing/2010/main">
+                <a:solidFill>
+                  <a:srgbClr val="FFFFFF"/>
+                </a:solidFill>
+              </a14:hiddenFill>
+            </a:ext>
+          </a:extLst>
+        </p:spPr>
+      </p:pic>
+      <p:sp>
+        <p:nvSpPr>
+          <p:cNvPr id="8" name="Content Placeholder 1">
+            <a:extLst>
+              <a:ext uri="{FF2B5EF4-FFF2-40B4-BE49-F238E27FC236}">
+                <a16:creationId xmlns:a16="http://schemas.microsoft.com/office/drawing/2014/main" id="{FF2369B4-D283-4008-B8BA-ABA6D72CA155}"/>
+              </a:ext>
+            </a:extLst>
+          </p:cNvPr>
+          <p:cNvSpPr txBox="1">
+            <a:spLocks/>
+          </p:cNvSpPr>
+          <p:nvPr/>
+        </p:nvSpPr>
+        <p:spPr>
+          <a:xfrm>
+            <a:off x="376024" y="1520825"/>
+            <a:ext cx="6615326" cy="4992270"/>
+          </a:xfrm>
+          <a:prstGeom prst="rect">
+            <a:avLst/>
+          </a:prstGeom>
+        </p:spPr>
+        <p:txBody>
+          <a:bodyPr vert="horz" lIns="91440" tIns="45720" rIns="91440" bIns="45720" rtlCol="0">
+            <a:normAutofit/>
+          </a:bodyPr>
+          <a:lstStyle>
+            <a:lvl1pPr marL="228600" indent="-228600" algn="l" defTabSz="914400" rtl="0" eaLnBrk="1" latinLnBrk="0" hangingPunct="1">
+              <a:lnSpc>
+                <a:spcPct val="90000"/>
+              </a:lnSpc>
+              <a:spcBef>
+                <a:spcPts val="1000"/>
+              </a:spcBef>
+              <a:buFont typeface="Arial" panose="020B0604020202020204" pitchFamily="34" charset="0"/>
+              <a:buChar char="•"/>
+              <a:defRPr sz="2800" kern="1200">
+                <a:solidFill>
+                  <a:schemeClr val="tx1"/>
+                </a:solidFill>
+                <a:latin typeface="+mn-lt"/>
+                <a:ea typeface="+mn-ea"/>
+                <a:cs typeface="+mn-cs"/>
+              </a:defRPr>
+            </a:lvl1pPr>
+            <a:lvl2pPr marL="685800" indent="-228600" algn="l" defTabSz="914400" rtl="0" eaLnBrk="1" latinLnBrk="0" hangingPunct="1">
+              <a:lnSpc>
+                <a:spcPct val="90000"/>
+              </a:lnSpc>
+              <a:spcBef>
+                <a:spcPts val="500"/>
+              </a:spcBef>
+              <a:buFont typeface="Arial" panose="020B0604020202020204" pitchFamily="34" charset="0"/>
+              <a:buChar char="•"/>
+              <a:defRPr sz="2400" kern="1200">
+                <a:solidFill>
+                  <a:schemeClr val="tx1"/>
+                </a:solidFill>
+                <a:latin typeface="+mn-lt"/>
+                <a:ea typeface="+mn-ea"/>
+                <a:cs typeface="+mn-cs"/>
+              </a:defRPr>
+            </a:lvl2pPr>
+            <a:lvl3pPr marL="1143000" indent="-228600" algn="l" defTabSz="914400" rtl="0" eaLnBrk="1" latinLnBrk="0" hangingPunct="1">
+              <a:lnSpc>
+                <a:spcPct val="90000"/>
+              </a:lnSpc>
+              <a:spcBef>
+                <a:spcPts val="500"/>
+              </a:spcBef>
+              <a:buFont typeface="Arial" panose="020B0604020202020204" pitchFamily="34" charset="0"/>
+              <a:buChar char="•"/>
+              <a:defRPr sz="2000" kern="1200">
+                <a:solidFill>
+                  <a:schemeClr val="tx1"/>
+                </a:solidFill>
+                <a:latin typeface="+mn-lt"/>
+                <a:ea typeface="+mn-ea"/>
+                <a:cs typeface="+mn-cs"/>
+              </a:defRPr>
+            </a:lvl3pPr>
+            <a:lvl4pPr marL="1600200" indent="-228600" algn="l" defTabSz="914400" rtl="0" eaLnBrk="1" latinLnBrk="0" hangingPunct="1">
+              <a:lnSpc>
+                <a:spcPct val="90000"/>
+              </a:lnSpc>
+              <a:spcBef>
+                <a:spcPts val="500"/>
+              </a:spcBef>
+              <a:buFont typeface="Arial" panose="020B0604020202020204" pitchFamily="34" charset="0"/>
+              <a:buChar char="•"/>
+              <a:defRPr sz="1800" kern="1200">
+                <a:solidFill>
+                  <a:schemeClr val="tx1"/>
+                </a:solidFill>
+                <a:latin typeface="+mn-lt"/>
+                <a:ea typeface="+mn-ea"/>
+                <a:cs typeface="+mn-cs"/>
+              </a:defRPr>
+            </a:lvl4pPr>
+            <a:lvl5pPr marL="2057400" indent="-228600" algn="l" defTabSz="914400" rtl="0" eaLnBrk="1" latinLnBrk="0" hangingPunct="1">
+              <a:lnSpc>
+                <a:spcPct val="90000"/>
+              </a:lnSpc>
+              <a:spcBef>
+                <a:spcPts val="500"/>
+              </a:spcBef>
+              <a:buFont typeface="Arial" panose="020B0604020202020204" pitchFamily="34" charset="0"/>
+              <a:buChar char="•"/>
+              <a:defRPr sz="1800" kern="1200">
+                <a:solidFill>
+                  <a:schemeClr val="tx1"/>
+                </a:solidFill>
+                <a:latin typeface="+mn-lt"/>
+                <a:ea typeface="+mn-ea"/>
+                <a:cs typeface="+mn-cs"/>
+              </a:defRPr>
+            </a:lvl5pPr>
+            <a:lvl6pPr marL="2514600" indent="-228600" algn="l" defTabSz="914400" rtl="0" eaLnBrk="1" latinLnBrk="0" hangingPunct="1">
+              <a:lnSpc>
+                <a:spcPct val="90000"/>
+              </a:lnSpc>
+              <a:spcBef>
+                <a:spcPts val="500"/>
+              </a:spcBef>
+              <a:buFont typeface="Arial" panose="020B0604020202020204" pitchFamily="34" charset="0"/>
+              <a:buChar char="•"/>
+              <a:defRPr sz="1800" kern="1200">
+                <a:solidFill>
+                  <a:schemeClr val="tx1"/>
+                </a:solidFill>
+                <a:latin typeface="+mn-lt"/>
+                <a:ea typeface="+mn-ea"/>
+                <a:cs typeface="+mn-cs"/>
+              </a:defRPr>
+            </a:lvl6pPr>
+            <a:lvl7pPr marL="2971800" indent="-228600" algn="l" defTabSz="914400" rtl="0" eaLnBrk="1" latinLnBrk="0" hangingPunct="1">
+              <a:lnSpc>
+                <a:spcPct val="90000"/>
+              </a:lnSpc>
+              <a:spcBef>
+                <a:spcPts val="500"/>
+              </a:spcBef>
+              <a:buFont typeface="Arial" panose="020B0604020202020204" pitchFamily="34" charset="0"/>
+              <a:buChar char="•"/>
+              <a:defRPr sz="1800" kern="1200">
+                <a:solidFill>
+                  <a:schemeClr val="tx1"/>
+                </a:solidFill>
+                <a:latin typeface="+mn-lt"/>
+                <a:ea typeface="+mn-ea"/>
+                <a:cs typeface="+mn-cs"/>
+              </a:defRPr>
+            </a:lvl7pPr>
+            <a:lvl8pPr marL="3429000" indent="-228600" algn="l" defTabSz="914400" rtl="0" eaLnBrk="1" latinLnBrk="0" hangingPunct="1">
+              <a:lnSpc>
+                <a:spcPct val="90000"/>
+              </a:lnSpc>
+              <a:spcBef>
+                <a:spcPts val="500"/>
+              </a:spcBef>
+              <a:buFont typeface="Arial" panose="020B0604020202020204" pitchFamily="34" charset="0"/>
+              <a:buChar char="•"/>
+              <a:defRPr sz="1800" kern="1200">
+                <a:solidFill>
+                  <a:schemeClr val="tx1"/>
+                </a:solidFill>
+                <a:latin typeface="+mn-lt"/>
+                <a:ea typeface="+mn-ea"/>
+                <a:cs typeface="+mn-cs"/>
+              </a:defRPr>
+            </a:lvl8pPr>
+            <a:lvl9pPr marL="3886200" indent="-228600" algn="l" defTabSz="914400" rtl="0" eaLnBrk="1" latinLnBrk="0" hangingPunct="1">
+              <a:lnSpc>
+                <a:spcPct val="90000"/>
+              </a:lnSpc>
+              <a:spcBef>
+                <a:spcPts val="500"/>
+              </a:spcBef>
+              <a:buFont typeface="Arial" panose="020B0604020202020204" pitchFamily="34" charset="0"/>
+              <a:buChar char="•"/>
+              <a:defRPr sz="1800" kern="1200">
+                <a:solidFill>
+                  <a:schemeClr val="tx1"/>
+                </a:solidFill>
+                <a:latin typeface="+mn-lt"/>
+                <a:ea typeface="+mn-ea"/>
+                <a:cs typeface="+mn-cs"/>
+              </a:defRPr>
+            </a:lvl9pPr>
+          </a:lstStyle>
+          <a:p>
+            <a:pPr lvl="1">
+              <a:buFont typeface="Courier New" panose="02070309020205020404" pitchFamily="49" charset="0"/>
+              <a:buChar char="o"/>
+            </a:pPr>
+            <a:endParaRPr lang="en-US" b="1" dirty="0">
+              <a:solidFill>
+                <a:srgbClr val="262626"/>
+              </a:solidFill>
+              <a:latin typeface="+mj-lt"/>
+              <a:ea typeface="+mj-ea"/>
+              <a:cs typeface="+mj-cs"/>
+            </a:endParaRPr>
+          </a:p>
+          <a:p>
+            <a:pPr lvl="1">
+              <a:buFont typeface="Courier New" panose="02070309020205020404" pitchFamily="49" charset="0"/>
+              <a:buChar char="o"/>
+            </a:pPr>
+            <a:endParaRPr lang="en-US" sz="2800" b="1" dirty="0">
+              <a:solidFill>
+                <a:srgbClr val="262626"/>
+              </a:solidFill>
+              <a:latin typeface="+mj-lt"/>
+              <a:ea typeface="+mj-ea"/>
+              <a:cs typeface="+mj-cs"/>
+            </a:endParaRPr>
+          </a:p>
+        </p:txBody>
+      </p:sp>
+      <p:sp>
+        <p:nvSpPr>
+          <p:cNvPr id="9" name="Title 1">
+            <a:extLst>
+              <a:ext uri="{FF2B5EF4-FFF2-40B4-BE49-F238E27FC236}">
+                <a16:creationId xmlns:a16="http://schemas.microsoft.com/office/drawing/2014/main" id="{FC2BD453-C865-4503-A6A5-50F87DE569AD}"/>
+              </a:ext>
+            </a:extLst>
+          </p:cNvPr>
+          <p:cNvSpPr txBox="1">
+            <a:spLocks/>
+          </p:cNvSpPr>
+          <p:nvPr/>
+        </p:nvSpPr>
+        <p:spPr>
+          <a:xfrm>
+            <a:off x="0" y="0"/>
+            <a:ext cx="11504086" cy="1236440"/>
+          </a:xfrm>
+          <a:prstGeom prst="rect">
+            <a:avLst/>
+          </a:prstGeom>
+          <a:noFill/>
+        </p:spPr>
+        <p:txBody>
+          <a:bodyPr vert="horz" lIns="91440" tIns="45720" rIns="91440" bIns="45720" rtlCol="0" anchor="ctr">
+            <a:normAutofit/>
+          </a:bodyPr>
+          <a:lstStyle>
+            <a:lvl1pPr algn="l" defTabSz="914400" rtl="0" eaLnBrk="1" latinLnBrk="0" hangingPunct="1">
+              <a:lnSpc>
+                <a:spcPct val="90000"/>
+              </a:lnSpc>
+              <a:spcBef>
+                <a:spcPct val="0"/>
+              </a:spcBef>
+              <a:buNone/>
+              <a:defRPr sz="4400" kern="1200">
+                <a:solidFill>
+                  <a:schemeClr val="tx1"/>
+                </a:solidFill>
+                <a:latin typeface="+mj-lt"/>
+                <a:ea typeface="+mj-ea"/>
+                <a:cs typeface="+mj-cs"/>
+              </a:defRPr>
+            </a:lvl1pPr>
+          </a:lstStyle>
+          <a:p>
+            <a:r>
+              <a:rPr lang="en-US" sz="4000" b="1" i="1" dirty="0">
+                <a:solidFill>
+                  <a:srgbClr val="1ED760"/>
+                </a:solidFill>
+                <a:latin typeface="Ink Free" panose="03080402000500000000" pitchFamily="66" charset="0"/>
+              </a:rPr>
+              <a:t>c l e a n i n g   t h e   d a t a</a:t>
+            </a:r>
+            <a:endParaRPr lang="en-US" sz="2800" b="1" i="1" dirty="0">
+              <a:solidFill>
+                <a:schemeClr val="bg1"/>
+              </a:solidFill>
+              <a:latin typeface="Ink Free" panose="03080402000500000000" pitchFamily="66" charset="0"/>
+            </a:endParaRPr>
+          </a:p>
+        </p:txBody>
+      </p:sp>
+      <p:sp>
+        <p:nvSpPr>
+          <p:cNvPr id="6" name="Content Placeholder 1">
+            <a:extLst>
+              <a:ext uri="{FF2B5EF4-FFF2-40B4-BE49-F238E27FC236}">
+                <a16:creationId xmlns:a16="http://schemas.microsoft.com/office/drawing/2014/main" id="{E0E24ACE-92F9-4FD5-B544-EBC0DDBB08DB}"/>
+              </a:ext>
+            </a:extLst>
+          </p:cNvPr>
+          <p:cNvSpPr txBox="1">
+            <a:spLocks/>
+          </p:cNvSpPr>
+          <p:nvPr/>
+        </p:nvSpPr>
+        <p:spPr>
+          <a:xfrm>
+            <a:off x="376024" y="1520825"/>
+            <a:ext cx="6615326" cy="4351338"/>
+          </a:xfrm>
+          <a:prstGeom prst="rect">
+            <a:avLst/>
+          </a:prstGeom>
+        </p:spPr>
+        <p:txBody>
+          <a:bodyPr vert="horz" lIns="91440" tIns="45720" rIns="91440" bIns="45720" rtlCol="0">
+            <a:normAutofit/>
+          </a:bodyPr>
+          <a:lstStyle>
+            <a:lvl1pPr marL="228600" indent="-228600" algn="l" defTabSz="914400" rtl="0" eaLnBrk="1" latinLnBrk="0" hangingPunct="1">
+              <a:lnSpc>
+                <a:spcPct val="90000"/>
+              </a:lnSpc>
+              <a:spcBef>
+                <a:spcPts val="1000"/>
+              </a:spcBef>
+              <a:buFont typeface="Arial" panose="020B0604020202020204" pitchFamily="34" charset="0"/>
+              <a:buChar char="•"/>
+              <a:defRPr sz="2800" kern="1200">
+                <a:solidFill>
+                  <a:schemeClr val="tx1"/>
+                </a:solidFill>
+                <a:latin typeface="+mn-lt"/>
+                <a:ea typeface="+mn-ea"/>
+                <a:cs typeface="+mn-cs"/>
+              </a:defRPr>
+            </a:lvl1pPr>
+            <a:lvl2pPr marL="685800" indent="-228600" algn="l" defTabSz="914400" rtl="0" eaLnBrk="1" latinLnBrk="0" hangingPunct="1">
+              <a:lnSpc>
+                <a:spcPct val="90000"/>
+              </a:lnSpc>
+              <a:spcBef>
+                <a:spcPts val="500"/>
+              </a:spcBef>
+              <a:buFont typeface="Arial" panose="020B0604020202020204" pitchFamily="34" charset="0"/>
+              <a:buChar char="•"/>
+              <a:defRPr sz="2400" kern="1200">
+                <a:solidFill>
+                  <a:schemeClr val="tx1"/>
+                </a:solidFill>
+                <a:latin typeface="+mn-lt"/>
+                <a:ea typeface="+mn-ea"/>
+                <a:cs typeface="+mn-cs"/>
+              </a:defRPr>
+            </a:lvl2pPr>
+            <a:lvl3pPr marL="1143000" indent="-228600" algn="l" defTabSz="914400" rtl="0" eaLnBrk="1" latinLnBrk="0" hangingPunct="1">
+              <a:lnSpc>
+                <a:spcPct val="90000"/>
+              </a:lnSpc>
+              <a:spcBef>
+                <a:spcPts val="500"/>
+              </a:spcBef>
+              <a:buFont typeface="Arial" panose="020B0604020202020204" pitchFamily="34" charset="0"/>
+              <a:buChar char="•"/>
+              <a:defRPr sz="2000" kern="1200">
+                <a:solidFill>
+                  <a:schemeClr val="tx1"/>
+                </a:solidFill>
+                <a:latin typeface="+mn-lt"/>
+                <a:ea typeface="+mn-ea"/>
+                <a:cs typeface="+mn-cs"/>
+              </a:defRPr>
+            </a:lvl3pPr>
+            <a:lvl4pPr marL="1600200" indent="-228600" algn="l" defTabSz="914400" rtl="0" eaLnBrk="1" latinLnBrk="0" hangingPunct="1">
+              <a:lnSpc>
+                <a:spcPct val="90000"/>
+              </a:lnSpc>
+              <a:spcBef>
+                <a:spcPts val="500"/>
+              </a:spcBef>
+              <a:buFont typeface="Arial" panose="020B0604020202020204" pitchFamily="34" charset="0"/>
+              <a:buChar char="•"/>
+              <a:defRPr sz="1800" kern="1200">
+                <a:solidFill>
+                  <a:schemeClr val="tx1"/>
+                </a:solidFill>
+                <a:latin typeface="+mn-lt"/>
+                <a:ea typeface="+mn-ea"/>
+                <a:cs typeface="+mn-cs"/>
+              </a:defRPr>
+            </a:lvl4pPr>
+            <a:lvl5pPr marL="2057400" indent="-228600" algn="l" defTabSz="914400" rtl="0" eaLnBrk="1" latinLnBrk="0" hangingPunct="1">
+              <a:lnSpc>
+                <a:spcPct val="90000"/>
+              </a:lnSpc>
+              <a:spcBef>
+                <a:spcPts val="500"/>
+              </a:spcBef>
+              <a:buFont typeface="Arial" panose="020B0604020202020204" pitchFamily="34" charset="0"/>
+              <a:buChar char="•"/>
+              <a:defRPr sz="1800" kern="1200">
+                <a:solidFill>
+                  <a:schemeClr val="tx1"/>
+                </a:solidFill>
+                <a:latin typeface="+mn-lt"/>
+                <a:ea typeface="+mn-ea"/>
+                <a:cs typeface="+mn-cs"/>
+              </a:defRPr>
+            </a:lvl5pPr>
+            <a:lvl6pPr marL="2514600" indent="-228600" algn="l" defTabSz="914400" rtl="0" eaLnBrk="1" latinLnBrk="0" hangingPunct="1">
+              <a:lnSpc>
+                <a:spcPct val="90000"/>
+              </a:lnSpc>
+              <a:spcBef>
+                <a:spcPts val="500"/>
+              </a:spcBef>
+              <a:buFont typeface="Arial" panose="020B0604020202020204" pitchFamily="34" charset="0"/>
+              <a:buChar char="•"/>
+              <a:defRPr sz="1800" kern="1200">
+                <a:solidFill>
+                  <a:schemeClr val="tx1"/>
+                </a:solidFill>
+                <a:latin typeface="+mn-lt"/>
+                <a:ea typeface="+mn-ea"/>
+                <a:cs typeface="+mn-cs"/>
+              </a:defRPr>
+            </a:lvl6pPr>
+            <a:lvl7pPr marL="2971800" indent="-228600" algn="l" defTabSz="914400" rtl="0" eaLnBrk="1" latinLnBrk="0" hangingPunct="1">
+              <a:lnSpc>
+                <a:spcPct val="90000"/>
+              </a:lnSpc>
+              <a:spcBef>
+                <a:spcPts val="500"/>
+              </a:spcBef>
+              <a:buFont typeface="Arial" panose="020B0604020202020204" pitchFamily="34" charset="0"/>
+              <a:buChar char="•"/>
+              <a:defRPr sz="1800" kern="1200">
+                <a:solidFill>
+                  <a:schemeClr val="tx1"/>
+                </a:solidFill>
+                <a:latin typeface="+mn-lt"/>
+                <a:ea typeface="+mn-ea"/>
+                <a:cs typeface="+mn-cs"/>
+              </a:defRPr>
+            </a:lvl7pPr>
+            <a:lvl8pPr marL="3429000" indent="-228600" algn="l" defTabSz="914400" rtl="0" eaLnBrk="1" latinLnBrk="0" hangingPunct="1">
+              <a:lnSpc>
+                <a:spcPct val="90000"/>
+              </a:lnSpc>
+              <a:spcBef>
+                <a:spcPts val="500"/>
+              </a:spcBef>
+              <a:buFont typeface="Arial" panose="020B0604020202020204" pitchFamily="34" charset="0"/>
+              <a:buChar char="•"/>
+              <a:defRPr sz="1800" kern="1200">
+                <a:solidFill>
+                  <a:schemeClr val="tx1"/>
+                </a:solidFill>
+                <a:latin typeface="+mn-lt"/>
+                <a:ea typeface="+mn-ea"/>
+                <a:cs typeface="+mn-cs"/>
+              </a:defRPr>
+            </a:lvl8pPr>
+            <a:lvl9pPr marL="3886200" indent="-228600" algn="l" defTabSz="914400" rtl="0" eaLnBrk="1" latinLnBrk="0" hangingPunct="1">
+              <a:lnSpc>
+                <a:spcPct val="90000"/>
+              </a:lnSpc>
+              <a:spcBef>
+                <a:spcPts val="500"/>
+              </a:spcBef>
+              <a:buFont typeface="Arial" panose="020B0604020202020204" pitchFamily="34" charset="0"/>
+              <a:buChar char="•"/>
+              <a:defRPr sz="1800" kern="1200">
+                <a:solidFill>
+                  <a:schemeClr val="tx1"/>
+                </a:solidFill>
+                <a:latin typeface="+mn-lt"/>
+                <a:ea typeface="+mn-ea"/>
+                <a:cs typeface="+mn-cs"/>
+              </a:defRPr>
+            </a:lvl9pPr>
+          </a:lstStyle>
+          <a:p>
+            <a:pPr>
+              <a:buBlip>
+                <a:blip r:embed="rId3">
+                  <a:extLst>
+                    <a:ext uri="{837473B0-CC2E-450A-ABE3-18F120FF3D39}">
+                      <a1611:picAttrSrcUrl xmlns:a1611="http://schemas.microsoft.com/office/drawing/2016/11/main" r:id="rId4"/>
+                    </a:ext>
+                  </a:extLst>
+                </a:blip>
+              </a:buBlip>
+            </a:pPr>
+            <a:r>
+              <a:rPr lang="en-US" sz="2200" dirty="0">
+                <a:solidFill>
+                  <a:srgbClr val="262626"/>
+                </a:solidFill>
+                <a:latin typeface="+mj-lt"/>
+                <a:ea typeface="+mj-ea"/>
+                <a:cs typeface="+mj-cs"/>
+              </a:rPr>
+              <a:t>Given the sheer volume of information provided, we knew we wanted to “clean” as much as possible to give ourselves a small subset of the data.</a:t>
+            </a:r>
+          </a:p>
+          <a:p>
+            <a:pPr marL="0" indent="0">
+              <a:buNone/>
+            </a:pPr>
+            <a:r>
+              <a:rPr lang="en-US" sz="2200" dirty="0">
+                <a:solidFill>
+                  <a:srgbClr val="262626"/>
+                </a:solidFill>
+                <a:latin typeface="+mj-lt"/>
+                <a:ea typeface="+mj-ea"/>
+                <a:cs typeface="+mj-cs"/>
+              </a:rPr>
+              <a:t> </a:t>
+            </a:r>
+          </a:p>
+          <a:p>
+            <a:pPr>
+              <a:buBlip>
+                <a:blip r:embed="rId3">
+                  <a:extLst>
+                    <a:ext uri="{837473B0-CC2E-450A-ABE3-18F120FF3D39}">
+                      <a1611:picAttrSrcUrl xmlns:a1611="http://schemas.microsoft.com/office/drawing/2016/11/main" r:id="rId4"/>
+                    </a:ext>
+                  </a:extLst>
+                </a:blip>
+              </a:buBlip>
+            </a:pPr>
+            <a:r>
+              <a:rPr lang="en-US" sz="2200" dirty="0">
+                <a:solidFill>
+                  <a:srgbClr val="262626"/>
+                </a:solidFill>
+                <a:latin typeface="+mj-lt"/>
+              </a:rPr>
+              <a:t>Using the tools from class, our base data has a combination of the Spotify API to bring in additional columns, US data in 2017, and the trimmed version to exclude erroneous Track Names and Artists.</a:t>
+            </a:r>
+            <a:endParaRPr lang="en-US" sz="2000" dirty="0">
+              <a:solidFill>
+                <a:srgbClr val="262626"/>
+              </a:solidFill>
+              <a:latin typeface="+mj-lt"/>
+            </a:endParaRPr>
+          </a:p>
+          <a:p>
+            <a:pPr>
+              <a:buBlip>
+                <a:blip r:embed="rId3">
+                  <a:extLst>
+                    <a:ext uri="{837473B0-CC2E-450A-ABE3-18F120FF3D39}">
+                      <a1611:picAttrSrcUrl xmlns:a1611="http://schemas.microsoft.com/office/drawing/2016/11/main" r:id="rId4"/>
+                    </a:ext>
+                  </a:extLst>
+                </a:blip>
+              </a:buBlip>
+            </a:pPr>
+            <a:endParaRPr lang="en-US" sz="2000" dirty="0">
+              <a:solidFill>
+                <a:srgbClr val="262626"/>
+              </a:solidFill>
+              <a:latin typeface="+mj-lt"/>
+            </a:endParaRPr>
+          </a:p>
+          <a:p>
+            <a:pPr>
+              <a:buBlip>
+                <a:blip r:embed="rId3">
+                  <a:extLst>
+                    <a:ext uri="{837473B0-CC2E-450A-ABE3-18F120FF3D39}">
+                      <a1611:picAttrSrcUrl xmlns:a1611="http://schemas.microsoft.com/office/drawing/2016/11/main" r:id="rId4"/>
+                    </a:ext>
+                  </a:extLst>
+                </a:blip>
+              </a:buBlip>
+            </a:pPr>
+            <a:endParaRPr lang="en-US" sz="2000" dirty="0">
+              <a:solidFill>
+                <a:srgbClr val="262626"/>
+              </a:solidFill>
+              <a:latin typeface="+mj-lt"/>
+            </a:endParaRPr>
+          </a:p>
+          <a:p>
+            <a:pPr>
+              <a:buBlip>
+                <a:blip r:embed="rId3">
+                  <a:extLst>
+                    <a:ext uri="{837473B0-CC2E-450A-ABE3-18F120FF3D39}">
+                      <a1611:picAttrSrcUrl xmlns:a1611="http://schemas.microsoft.com/office/drawing/2016/11/main" r:id="rId4"/>
+                    </a:ext>
+                  </a:extLst>
+                </a:blip>
+              </a:buBlip>
+            </a:pPr>
+            <a:endParaRPr lang="en-US" sz="2000" b="1" dirty="0">
+              <a:solidFill>
+                <a:srgbClr val="262626"/>
+              </a:solidFill>
+              <a:latin typeface="+mj-lt"/>
+              <a:ea typeface="+mj-ea"/>
+              <a:cs typeface="+mj-cs"/>
+            </a:endParaRPr>
+          </a:p>
+          <a:p>
+            <a:pPr>
+              <a:buBlip>
+                <a:blip r:embed="rId3">
+                  <a:extLst>
+                    <a:ext uri="{837473B0-CC2E-450A-ABE3-18F120FF3D39}">
+                      <a1611:picAttrSrcUrl xmlns:a1611="http://schemas.microsoft.com/office/drawing/2016/11/main" r:id="rId4"/>
+                    </a:ext>
+                  </a:extLst>
+                </a:blip>
+              </a:buBlip>
+            </a:pPr>
+            <a:endParaRPr lang="en-US" sz="2000" b="1" dirty="0">
+              <a:solidFill>
+                <a:srgbClr val="262626"/>
+              </a:solidFill>
+              <a:latin typeface="+mj-lt"/>
+              <a:ea typeface="+mj-ea"/>
+              <a:cs typeface="+mj-cs"/>
+            </a:endParaRPr>
+          </a:p>
+          <a:p>
+            <a:pPr lvl="1">
+              <a:buFont typeface="Wingdings" panose="05000000000000000000" pitchFamily="2" charset="2"/>
+              <a:buChar char="q"/>
+            </a:pPr>
+            <a:endParaRPr lang="en-US" sz="1800" b="1" dirty="0">
+              <a:solidFill>
+                <a:srgbClr val="262626"/>
+              </a:solidFill>
+              <a:latin typeface="+mj-lt"/>
+              <a:ea typeface="+mj-ea"/>
+              <a:cs typeface="+mj-cs"/>
+            </a:endParaRPr>
+          </a:p>
+          <a:p>
+            <a:pPr marL="457200" lvl="1" indent="0">
+              <a:buNone/>
+            </a:pPr>
+            <a:endParaRPr lang="en-US" sz="1800" b="1" dirty="0">
+              <a:solidFill>
+                <a:srgbClr val="262626"/>
+              </a:solidFill>
+              <a:latin typeface="+mj-lt"/>
+              <a:ea typeface="+mj-ea"/>
+              <a:cs typeface="+mj-cs"/>
+            </a:endParaRPr>
+          </a:p>
+          <a:p>
+            <a:pPr lvl="1">
+              <a:buFont typeface="Wingdings" panose="05000000000000000000" pitchFamily="2" charset="2"/>
+              <a:buChar char="q"/>
+            </a:pPr>
+            <a:endParaRPr lang="en-US" sz="1800" b="1" dirty="0">
+              <a:solidFill>
+                <a:srgbClr val="262626"/>
+              </a:solidFill>
+              <a:latin typeface="+mj-lt"/>
+              <a:ea typeface="+mj-ea"/>
+              <a:cs typeface="+mj-cs"/>
+            </a:endParaRPr>
+          </a:p>
+          <a:p>
+            <a:pPr lvl="1">
+              <a:buFont typeface="Wingdings" panose="05000000000000000000" pitchFamily="2" charset="2"/>
+              <a:buChar char="q"/>
+            </a:pPr>
+            <a:endParaRPr lang="en-US" sz="1800" b="1" dirty="0">
+              <a:solidFill>
+                <a:srgbClr val="262626"/>
+              </a:solidFill>
+              <a:latin typeface="+mj-lt"/>
+              <a:ea typeface="+mj-ea"/>
+              <a:cs typeface="+mj-cs"/>
+            </a:endParaRPr>
+          </a:p>
+          <a:p>
+            <a:pPr lvl="1">
+              <a:buFont typeface="Courier New" panose="02070309020205020404" pitchFamily="49" charset="0"/>
+              <a:buChar char="o"/>
+            </a:pPr>
+            <a:endParaRPr lang="en-US" sz="1800" b="1" dirty="0">
+              <a:solidFill>
+                <a:srgbClr val="262626"/>
+              </a:solidFill>
+              <a:latin typeface="+mj-lt"/>
+              <a:ea typeface="+mj-ea"/>
+              <a:cs typeface="+mj-cs"/>
+            </a:endParaRPr>
+          </a:p>
+          <a:p>
+            <a:pPr lvl="1">
+              <a:buFont typeface="Courier New" panose="02070309020205020404" pitchFamily="49" charset="0"/>
+              <a:buChar char="o"/>
+            </a:pPr>
+            <a:endParaRPr lang="en-US" sz="2000" b="1" dirty="0">
+              <a:solidFill>
+                <a:srgbClr val="262626"/>
+              </a:solidFill>
+              <a:latin typeface="+mj-lt"/>
+              <a:ea typeface="+mj-ea"/>
+              <a:cs typeface="+mj-cs"/>
+            </a:endParaRPr>
+          </a:p>
+        </p:txBody>
+      </p:sp>
+      <p:pic>
+        <p:nvPicPr>
+          <p:cNvPr id="1026" name="Picture 2" descr="A giant panda cub plays with a broom at the China Giant Panda... News Photo  - Getty Images">
+            <a:extLst>
+              <a:ext uri="{FF2B5EF4-FFF2-40B4-BE49-F238E27FC236}">
+                <a16:creationId xmlns:a16="http://schemas.microsoft.com/office/drawing/2014/main" id="{203E4197-6E9A-4AB6-A8AF-A6363002BFAA}"/>
+              </a:ext>
+            </a:extLst>
+          </p:cNvPr>
+          <p:cNvPicPr>
+            <a:picLocks noChangeAspect="1" noChangeArrowheads="1"/>
+          </p:cNvPicPr>
+          <p:nvPr/>
+        </p:nvPicPr>
+        <p:blipFill rotWithShape="1">
+          <a:blip r:embed="rId5">
+            <a:alphaModFix amt="85000"/>
+            <a:extLst>
+              <a:ext uri="{28A0092B-C50C-407E-A947-70E740481C1C}">
+                <a14:useLocalDpi xmlns:a14="http://schemas.microsoft.com/office/drawing/2010/main" val="0"/>
+              </a:ext>
+            </a:extLst>
+          </a:blip>
+          <a:srcRect l="9944" t="8244" r="42329" b="31951"/>
+          <a:stretch/>
+        </p:blipFill>
+        <p:spPr bwMode="auto">
+          <a:xfrm>
+            <a:off x="8128000" y="1986549"/>
+            <a:ext cx="3461882" cy="2884902"/>
+          </a:xfrm>
+          <a:custGeom>
+            <a:avLst/>
+            <a:gdLst>
+              <a:gd name="connsiteX0" fmla="*/ 0 w 3461882"/>
+              <a:gd name="connsiteY0" fmla="*/ 0 h 2884902"/>
+              <a:gd name="connsiteX1" fmla="*/ 692376 w 3461882"/>
+              <a:gd name="connsiteY1" fmla="*/ 0 h 2884902"/>
+              <a:gd name="connsiteX2" fmla="*/ 1453990 w 3461882"/>
+              <a:gd name="connsiteY2" fmla="*/ 0 h 2884902"/>
+              <a:gd name="connsiteX3" fmla="*/ 2215604 w 3461882"/>
+              <a:gd name="connsiteY3" fmla="*/ 0 h 2884902"/>
+              <a:gd name="connsiteX4" fmla="*/ 3461882 w 3461882"/>
+              <a:gd name="connsiteY4" fmla="*/ 0 h 2884902"/>
+              <a:gd name="connsiteX5" fmla="*/ 3461882 w 3461882"/>
+              <a:gd name="connsiteY5" fmla="*/ 519282 h 2884902"/>
+              <a:gd name="connsiteX6" fmla="*/ 3461882 w 3461882"/>
+              <a:gd name="connsiteY6" fmla="*/ 1009716 h 2884902"/>
+              <a:gd name="connsiteX7" fmla="*/ 3461882 w 3461882"/>
+              <a:gd name="connsiteY7" fmla="*/ 1557847 h 2884902"/>
+              <a:gd name="connsiteX8" fmla="*/ 3461882 w 3461882"/>
+              <a:gd name="connsiteY8" fmla="*/ 2077129 h 2884902"/>
+              <a:gd name="connsiteX9" fmla="*/ 3461882 w 3461882"/>
+              <a:gd name="connsiteY9" fmla="*/ 2884902 h 2884902"/>
+              <a:gd name="connsiteX10" fmla="*/ 2769506 w 3461882"/>
+              <a:gd name="connsiteY10" fmla="*/ 2884902 h 2884902"/>
+              <a:gd name="connsiteX11" fmla="*/ 2111748 w 3461882"/>
+              <a:gd name="connsiteY11" fmla="*/ 2884902 h 2884902"/>
+              <a:gd name="connsiteX12" fmla="*/ 1384753 w 3461882"/>
+              <a:gd name="connsiteY12" fmla="*/ 2884902 h 2884902"/>
+              <a:gd name="connsiteX13" fmla="*/ 623139 w 3461882"/>
+              <a:gd name="connsiteY13" fmla="*/ 2884902 h 2884902"/>
+              <a:gd name="connsiteX14" fmla="*/ 0 w 3461882"/>
+              <a:gd name="connsiteY14" fmla="*/ 2884902 h 2884902"/>
+              <a:gd name="connsiteX15" fmla="*/ 0 w 3461882"/>
+              <a:gd name="connsiteY15" fmla="*/ 2307922 h 2884902"/>
+              <a:gd name="connsiteX16" fmla="*/ 0 w 3461882"/>
+              <a:gd name="connsiteY16" fmla="*/ 1788639 h 2884902"/>
+              <a:gd name="connsiteX17" fmla="*/ 0 w 3461882"/>
+              <a:gd name="connsiteY17" fmla="*/ 1240508 h 2884902"/>
+              <a:gd name="connsiteX18" fmla="*/ 0 w 3461882"/>
+              <a:gd name="connsiteY18" fmla="*/ 663527 h 2884902"/>
+              <a:gd name="connsiteX19" fmla="*/ 0 w 3461882"/>
+              <a:gd name="connsiteY19" fmla="*/ 0 h 2884902"/>
+            </a:gdLst>
+            <a:ahLst/>
+            <a:cxnLst>
+              <a:cxn ang="0">
+                <a:pos x="connsiteX0" y="connsiteY0"/>
+              </a:cxn>
+              <a:cxn ang="0">
+                <a:pos x="connsiteX1" y="connsiteY1"/>
+              </a:cxn>
+              <a:cxn ang="0">
+                <a:pos x="connsiteX2" y="connsiteY2"/>
+              </a:cxn>
+              <a:cxn ang="0">
+                <a:pos x="connsiteX3" y="connsiteY3"/>
+              </a:cxn>
+              <a:cxn ang="0">
+                <a:pos x="connsiteX4" y="connsiteY4"/>
+              </a:cxn>
+              <a:cxn ang="0">
+                <a:pos x="connsiteX5" y="connsiteY5"/>
+              </a:cxn>
+              <a:cxn ang="0">
+                <a:pos x="connsiteX6" y="connsiteY6"/>
+              </a:cxn>
+              <a:cxn ang="0">
+                <a:pos x="connsiteX7" y="connsiteY7"/>
+              </a:cxn>
+              <a:cxn ang="0">
+                <a:pos x="connsiteX8" y="connsiteY8"/>
+              </a:cxn>
+              <a:cxn ang="0">
+                <a:pos x="connsiteX9" y="connsiteY9"/>
+              </a:cxn>
+              <a:cxn ang="0">
+                <a:pos x="connsiteX10" y="connsiteY10"/>
+              </a:cxn>
+              <a:cxn ang="0">
+                <a:pos x="connsiteX11" y="connsiteY11"/>
+              </a:cxn>
+              <a:cxn ang="0">
+                <a:pos x="connsiteX12" y="connsiteY12"/>
+              </a:cxn>
+              <a:cxn ang="0">
+                <a:pos x="connsiteX13" y="connsiteY13"/>
+              </a:cxn>
+              <a:cxn ang="0">
+                <a:pos x="connsiteX14" y="connsiteY14"/>
+              </a:cxn>
+              <a:cxn ang="0">
+                <a:pos x="connsiteX15" y="connsiteY15"/>
+              </a:cxn>
+              <a:cxn ang="0">
+                <a:pos x="connsiteX16" y="connsiteY16"/>
+              </a:cxn>
+              <a:cxn ang="0">
+                <a:pos x="connsiteX17" y="connsiteY17"/>
+              </a:cxn>
+              <a:cxn ang="0">
+                <a:pos x="connsiteX18" y="connsiteY18"/>
+              </a:cxn>
+              <a:cxn ang="0">
+                <a:pos x="connsiteX19" y="connsiteY19"/>
+              </a:cxn>
+            </a:cxnLst>
+            <a:rect l="l" t="t" r="r" b="b"/>
+            <a:pathLst>
+              <a:path w="3461882" h="2884902" fill="none" extrusionOk="0">
+                <a:moveTo>
+                  <a:pt x="0" y="0"/>
+                </a:moveTo>
+                <a:cubicBezTo>
+                  <a:pt x="170932" y="-10707"/>
+                  <a:pt x="474357" y="-14607"/>
+                  <a:pt x="692376" y="0"/>
+                </a:cubicBezTo>
+                <a:cubicBezTo>
+                  <a:pt x="910395" y="14607"/>
+                  <a:pt x="1133760" y="-2343"/>
+                  <a:pt x="1453990" y="0"/>
+                </a:cubicBezTo>
+                <a:cubicBezTo>
+                  <a:pt x="1774220" y="2343"/>
+                  <a:pt x="1936594" y="-35351"/>
+                  <a:pt x="2215604" y="0"/>
+                </a:cubicBezTo>
+                <a:cubicBezTo>
+                  <a:pt x="2494614" y="35351"/>
+                  <a:pt x="2938540" y="-13689"/>
+                  <a:pt x="3461882" y="0"/>
+                </a:cubicBezTo>
+                <a:cubicBezTo>
+                  <a:pt x="3482065" y="107705"/>
+                  <a:pt x="3457868" y="304641"/>
+                  <a:pt x="3461882" y="519282"/>
+                </a:cubicBezTo>
+                <a:cubicBezTo>
+                  <a:pt x="3465896" y="733923"/>
+                  <a:pt x="3478668" y="875294"/>
+                  <a:pt x="3461882" y="1009716"/>
+                </a:cubicBezTo>
+                <a:cubicBezTo>
+                  <a:pt x="3445096" y="1144138"/>
+                  <a:pt x="3465341" y="1292508"/>
+                  <a:pt x="3461882" y="1557847"/>
+                </a:cubicBezTo>
+                <a:cubicBezTo>
+                  <a:pt x="3458423" y="1823186"/>
+                  <a:pt x="3463211" y="1944997"/>
+                  <a:pt x="3461882" y="2077129"/>
+                </a:cubicBezTo>
+                <a:cubicBezTo>
+                  <a:pt x="3460553" y="2209261"/>
+                  <a:pt x="3466728" y="2519132"/>
+                  <a:pt x="3461882" y="2884902"/>
+                </a:cubicBezTo>
+                <a:cubicBezTo>
+                  <a:pt x="3219948" y="2872339"/>
+                  <a:pt x="3033528" y="2859650"/>
+                  <a:pt x="2769506" y="2884902"/>
+                </a:cubicBezTo>
+                <a:cubicBezTo>
+                  <a:pt x="2505484" y="2910154"/>
+                  <a:pt x="2321132" y="2854990"/>
+                  <a:pt x="2111748" y="2884902"/>
+                </a:cubicBezTo>
+                <a:cubicBezTo>
+                  <a:pt x="1902364" y="2914814"/>
+                  <a:pt x="1538154" y="2902510"/>
+                  <a:pt x="1384753" y="2884902"/>
+                </a:cubicBezTo>
+                <a:cubicBezTo>
+                  <a:pt x="1231352" y="2867294"/>
+                  <a:pt x="882546" y="2907237"/>
+                  <a:pt x="623139" y="2884902"/>
+                </a:cubicBezTo>
+                <a:cubicBezTo>
+                  <a:pt x="363732" y="2862567"/>
+                  <a:pt x="165913" y="2869910"/>
+                  <a:pt x="0" y="2884902"/>
+                </a:cubicBezTo>
+                <a:cubicBezTo>
+                  <a:pt x="-17945" y="2656320"/>
+                  <a:pt x="14193" y="2521172"/>
+                  <a:pt x="0" y="2307922"/>
+                </a:cubicBezTo>
+                <a:cubicBezTo>
+                  <a:pt x="-14193" y="2094672"/>
+                  <a:pt x="-5929" y="1918220"/>
+                  <a:pt x="0" y="1788639"/>
+                </a:cubicBezTo>
+                <a:cubicBezTo>
+                  <a:pt x="5929" y="1659058"/>
+                  <a:pt x="-19728" y="1354280"/>
+                  <a:pt x="0" y="1240508"/>
+                </a:cubicBezTo>
+                <a:cubicBezTo>
+                  <a:pt x="19728" y="1126736"/>
+                  <a:pt x="11956" y="882091"/>
+                  <a:pt x="0" y="663527"/>
+                </a:cubicBezTo>
+                <a:cubicBezTo>
+                  <a:pt x="-11956" y="444963"/>
+                  <a:pt x="-7588" y="319094"/>
+                  <a:pt x="0" y="0"/>
+                </a:cubicBezTo>
+                <a:close/>
+              </a:path>
+              <a:path w="3461882" h="2884902" stroke="0" extrusionOk="0">
+                <a:moveTo>
+                  <a:pt x="0" y="0"/>
+                </a:moveTo>
+                <a:cubicBezTo>
+                  <a:pt x="363847" y="-27971"/>
+                  <a:pt x="494366" y="30387"/>
+                  <a:pt x="761614" y="0"/>
+                </a:cubicBezTo>
+                <a:cubicBezTo>
+                  <a:pt x="1028862" y="-30387"/>
+                  <a:pt x="1127451" y="18837"/>
+                  <a:pt x="1384753" y="0"/>
+                </a:cubicBezTo>
+                <a:cubicBezTo>
+                  <a:pt x="1642055" y="-18837"/>
+                  <a:pt x="1868958" y="-29455"/>
+                  <a:pt x="2146367" y="0"/>
+                </a:cubicBezTo>
+                <a:cubicBezTo>
+                  <a:pt x="2423776" y="29455"/>
+                  <a:pt x="2531492" y="24735"/>
+                  <a:pt x="2734887" y="0"/>
+                </a:cubicBezTo>
+                <a:cubicBezTo>
+                  <a:pt x="2938282" y="-24735"/>
+                  <a:pt x="3276385" y="-11438"/>
+                  <a:pt x="3461882" y="0"/>
+                </a:cubicBezTo>
+                <a:cubicBezTo>
+                  <a:pt x="3478072" y="223848"/>
+                  <a:pt x="3452342" y="288869"/>
+                  <a:pt x="3461882" y="490433"/>
+                </a:cubicBezTo>
+                <a:cubicBezTo>
+                  <a:pt x="3471422" y="691997"/>
+                  <a:pt x="3472684" y="936241"/>
+                  <a:pt x="3461882" y="1125112"/>
+                </a:cubicBezTo>
+                <a:cubicBezTo>
+                  <a:pt x="3451080" y="1313983"/>
+                  <a:pt x="3457353" y="1509714"/>
+                  <a:pt x="3461882" y="1759790"/>
+                </a:cubicBezTo>
+                <a:cubicBezTo>
+                  <a:pt x="3466411" y="2009866"/>
+                  <a:pt x="3487300" y="2162044"/>
+                  <a:pt x="3461882" y="2394469"/>
+                </a:cubicBezTo>
+                <a:cubicBezTo>
+                  <a:pt x="3436464" y="2626894"/>
+                  <a:pt x="3456419" y="2684695"/>
+                  <a:pt x="3461882" y="2884902"/>
+                </a:cubicBezTo>
+                <a:cubicBezTo>
+                  <a:pt x="3152602" y="2862883"/>
+                  <a:pt x="2943316" y="2904258"/>
+                  <a:pt x="2804124" y="2884902"/>
+                </a:cubicBezTo>
+                <a:cubicBezTo>
+                  <a:pt x="2664932" y="2865546"/>
+                  <a:pt x="2367841" y="2857207"/>
+                  <a:pt x="2180986" y="2884902"/>
+                </a:cubicBezTo>
+                <a:cubicBezTo>
+                  <a:pt x="1994131" y="2912597"/>
+                  <a:pt x="1820293" y="2878919"/>
+                  <a:pt x="1523228" y="2884902"/>
+                </a:cubicBezTo>
+                <a:cubicBezTo>
+                  <a:pt x="1226163" y="2890885"/>
+                  <a:pt x="1042656" y="2872163"/>
+                  <a:pt x="830852" y="2884902"/>
+                </a:cubicBezTo>
+                <a:cubicBezTo>
+                  <a:pt x="619048" y="2897641"/>
+                  <a:pt x="199149" y="2885501"/>
+                  <a:pt x="0" y="2884902"/>
+                </a:cubicBezTo>
+                <a:cubicBezTo>
+                  <a:pt x="-25403" y="2719229"/>
+                  <a:pt x="-21983" y="2492966"/>
+                  <a:pt x="0" y="2250224"/>
+                </a:cubicBezTo>
+                <a:cubicBezTo>
+                  <a:pt x="21983" y="2007482"/>
+                  <a:pt x="-2931" y="1911240"/>
+                  <a:pt x="0" y="1730941"/>
+                </a:cubicBezTo>
+                <a:cubicBezTo>
+                  <a:pt x="2931" y="1550642"/>
+                  <a:pt x="-19986" y="1468603"/>
+                  <a:pt x="0" y="1240508"/>
+                </a:cubicBezTo>
+                <a:cubicBezTo>
+                  <a:pt x="19986" y="1012413"/>
+                  <a:pt x="13435" y="900077"/>
+                  <a:pt x="0" y="750075"/>
+                </a:cubicBezTo>
+                <a:cubicBezTo>
+                  <a:pt x="-13435" y="600073"/>
+                  <a:pt x="-29843" y="231617"/>
+                  <a:pt x="0" y="0"/>
+                </a:cubicBezTo>
+                <a:close/>
+              </a:path>
+            </a:pathLst>
+          </a:custGeom>
+          <a:ln w="38100">
+            <a:solidFill>
+              <a:srgbClr val="1ED760"/>
+            </a:solidFill>
+            <a:extLst>
+              <a:ext uri="{C807C97D-BFC1-408E-A445-0C87EB9F89A2}">
+                <ask:lineSketchStyleProps xmlns:ask="http://schemas.microsoft.com/office/drawing/2018/sketchyshapes" sd="1332450688">
+                  <a:prstGeom prst="rect">
+                    <a:avLst/>
+                  </a:prstGeom>
+                  <ask:type>
+                    <ask:lineSketchFreehand/>
+                  </ask:type>
+                </ask:lineSketchStyleProps>
+              </a:ext>
+            </a:extLst>
+          </a:ln>
+          <a:extLst>
+            <a:ext uri="{909E8E84-426E-40DD-AFC4-6F175D3DCCD1}">
+              <a14:hiddenFill xmlns:a14="http://schemas.microsoft.com/office/drawing/2010/main">
+                <a:solidFill>
+                  <a:srgbClr val="FFFFFF"/>
+                </a:solidFill>
+              </a14:hiddenFill>
+            </a:ext>
+          </a:extLst>
+        </p:spPr>
+      </p:pic>
+    </p:spTree>
+    <p:extLst>
+      <p:ext uri="{BB962C8B-B14F-4D97-AF65-F5344CB8AC3E}">
+        <p14:creationId xmlns:p14="http://schemas.microsoft.com/office/powerpoint/2010/main" val="2597762722"/>
+      </p:ext>
+    </p:extLst>
+  </p:cSld>
+  <p:clrMapOvr>
+    <a:masterClrMapping/>
+  </p:clrMapOvr>
+</p:sld>
+</file>
+
 <file path=ppt/slides/slide7.xml><?xml version="1.0" encoding="utf-8"?>
 <p:sld xmlns:a="http://schemas.openxmlformats.org/drawingml/2006/main" xmlns:r="http://schemas.openxmlformats.org/officeDocument/2006/relationships" xmlns:p="http://schemas.openxmlformats.org/presentationml/2006/main">
   <p:cSld>

--- a/Spotipy Presentation 10.27.pptx
+++ b/Spotipy Presentation 10.27.pptx
@@ -281,7 +281,7 @@
           <a:p>
             <a:fld id="{2E169012-87EE-4DD3-8E3A-8A578A32B048}" type="datetimeFigureOut">
               <a:rPr lang="en-US" smtClean="0"/>
-              <a:t>10/26/2020</a:t>
+              <a:t>10/27/20</a:t>
             </a:fld>
             <a:endParaRPr lang="en-US"/>
           </a:p>
@@ -479,7 +479,7 @@
           <a:p>
             <a:fld id="{2E169012-87EE-4DD3-8E3A-8A578A32B048}" type="datetimeFigureOut">
               <a:rPr lang="en-US" smtClean="0"/>
-              <a:t>10/26/2020</a:t>
+              <a:t>10/27/20</a:t>
             </a:fld>
             <a:endParaRPr lang="en-US"/>
           </a:p>
@@ -687,7 +687,7 @@
           <a:p>
             <a:fld id="{2E169012-87EE-4DD3-8E3A-8A578A32B048}" type="datetimeFigureOut">
               <a:rPr lang="en-US" smtClean="0"/>
-              <a:t>10/26/2020</a:t>
+              <a:t>10/27/20</a:t>
             </a:fld>
             <a:endParaRPr lang="en-US"/>
           </a:p>
@@ -885,7 +885,7 @@
           <a:p>
             <a:fld id="{2E169012-87EE-4DD3-8E3A-8A578A32B048}" type="datetimeFigureOut">
               <a:rPr lang="en-US" smtClean="0"/>
-              <a:t>10/26/2020</a:t>
+              <a:t>10/27/20</a:t>
             </a:fld>
             <a:endParaRPr lang="en-US"/>
           </a:p>
@@ -1160,7 +1160,7 @@
           <a:p>
             <a:fld id="{2E169012-87EE-4DD3-8E3A-8A578A32B048}" type="datetimeFigureOut">
               <a:rPr lang="en-US" smtClean="0"/>
-              <a:t>10/26/2020</a:t>
+              <a:t>10/27/20</a:t>
             </a:fld>
             <a:endParaRPr lang="en-US"/>
           </a:p>
@@ -1425,7 +1425,7 @@
           <a:p>
             <a:fld id="{2E169012-87EE-4DD3-8E3A-8A578A32B048}" type="datetimeFigureOut">
               <a:rPr lang="en-US" smtClean="0"/>
-              <a:t>10/26/2020</a:t>
+              <a:t>10/27/20</a:t>
             </a:fld>
             <a:endParaRPr lang="en-US"/>
           </a:p>
@@ -1837,7 +1837,7 @@
           <a:p>
             <a:fld id="{2E169012-87EE-4DD3-8E3A-8A578A32B048}" type="datetimeFigureOut">
               <a:rPr lang="en-US" smtClean="0"/>
-              <a:t>10/26/2020</a:t>
+              <a:t>10/27/20</a:t>
             </a:fld>
             <a:endParaRPr lang="en-US"/>
           </a:p>
@@ -1978,7 +1978,7 @@
           <a:p>
             <a:fld id="{2E169012-87EE-4DD3-8E3A-8A578A32B048}" type="datetimeFigureOut">
               <a:rPr lang="en-US" smtClean="0"/>
-              <a:t>10/26/2020</a:t>
+              <a:t>10/27/20</a:t>
             </a:fld>
             <a:endParaRPr lang="en-US"/>
           </a:p>
@@ -2091,7 +2091,7 @@
           <a:p>
             <a:fld id="{2E169012-87EE-4DD3-8E3A-8A578A32B048}" type="datetimeFigureOut">
               <a:rPr lang="en-US" smtClean="0"/>
-              <a:t>10/26/2020</a:t>
+              <a:t>10/27/20</a:t>
             </a:fld>
             <a:endParaRPr lang="en-US"/>
           </a:p>
@@ -2402,7 +2402,7 @@
           <a:p>
             <a:fld id="{2E169012-87EE-4DD3-8E3A-8A578A32B048}" type="datetimeFigureOut">
               <a:rPr lang="en-US" smtClean="0"/>
-              <a:t>10/26/2020</a:t>
+              <a:t>10/27/20</a:t>
             </a:fld>
             <a:endParaRPr lang="en-US"/>
           </a:p>
@@ -2690,7 +2690,7 @@
           <a:p>
             <a:fld id="{2E169012-87EE-4DD3-8E3A-8A578A32B048}" type="datetimeFigureOut">
               <a:rPr lang="en-US" smtClean="0"/>
-              <a:t>10/26/2020</a:t>
+              <a:t>10/27/20</a:t>
             </a:fld>
             <a:endParaRPr lang="en-US"/>
           </a:p>
@@ -2931,7 +2931,7 @@
           <a:p>
             <a:fld id="{2E169012-87EE-4DD3-8E3A-8A578A32B048}" type="datetimeFigureOut">
               <a:rPr lang="en-US" smtClean="0"/>
-              <a:t>10/26/2020</a:t>
+              <a:t>10/27/20</a:t>
             </a:fld>
             <a:endParaRPr lang="en-US"/>
           </a:p>
@@ -13271,7 +13271,7 @@
       </p:sp>
       <p:pic>
         <p:nvPicPr>
-          <p:cNvPr id="3" name="Picture 2" descr="A picture containing chart&#10;&#10;Description automatically generated">
+          <p:cNvPr id="3" name="Picture 2">
             <a:extLst>
               <a:ext uri="{FF2B5EF4-FFF2-40B4-BE49-F238E27FC236}">
                 <a16:creationId xmlns:a16="http://schemas.microsoft.com/office/drawing/2014/main" id="{1602D7E4-A51C-4D3C-983B-7BD12F541332}"/>
@@ -13283,7 +13283,7 @@
           </p:cNvPicPr>
           <p:nvPr/>
         </p:nvPicPr>
-        <p:blipFill>
+        <p:blipFill rotWithShape="1">
           <a:blip r:embed="rId3">
             <a:extLst>
               <a:ext uri="{28A0092B-C50C-407E-A947-70E740481C1C}">
@@ -13291,84 +13291,77 @@
               </a:ext>
             </a:extLst>
           </a:blip>
-          <a:stretch>
-            <a:fillRect/>
-          </a:stretch>
+          <a:srcRect l="-855" t="-1852" r="-855" b="-1852"/>
+          <a:stretch/>
         </p:blipFill>
         <p:spPr>
           <a:xfrm>
-            <a:off x="101095" y="2092097"/>
-            <a:ext cx="7200900" cy="2823126"/>
+            <a:off x="120883" y="2148840"/>
+            <a:ext cx="7161324" cy="2560320"/>
           </a:xfrm>
           <a:custGeom>
             <a:avLst/>
             <a:gdLst>
-              <a:gd name="connsiteX0" fmla="*/ 0 w 7200900"/>
-              <a:gd name="connsiteY0" fmla="*/ 0 h 2823126"/>
-              <a:gd name="connsiteX1" fmla="*/ 438600 w 7200900"/>
-              <a:gd name="connsiteY1" fmla="*/ 0 h 2823126"/>
-              <a:gd name="connsiteX2" fmla="*/ 1021219 w 7200900"/>
-              <a:gd name="connsiteY2" fmla="*/ 0 h 2823126"/>
-              <a:gd name="connsiteX3" fmla="*/ 1603837 w 7200900"/>
-              <a:gd name="connsiteY3" fmla="*/ 0 h 2823126"/>
-              <a:gd name="connsiteX4" fmla="*/ 2186455 w 7200900"/>
-              <a:gd name="connsiteY4" fmla="*/ 0 h 2823126"/>
-              <a:gd name="connsiteX5" fmla="*/ 2769073 w 7200900"/>
-              <a:gd name="connsiteY5" fmla="*/ 0 h 2823126"/>
-              <a:gd name="connsiteX6" fmla="*/ 3495710 w 7200900"/>
-              <a:gd name="connsiteY6" fmla="*/ 0 h 2823126"/>
-              <a:gd name="connsiteX7" fmla="*/ 4078328 w 7200900"/>
-              <a:gd name="connsiteY7" fmla="*/ 0 h 2823126"/>
-              <a:gd name="connsiteX8" fmla="*/ 4732955 w 7200900"/>
-              <a:gd name="connsiteY8" fmla="*/ 0 h 2823126"/>
-              <a:gd name="connsiteX9" fmla="*/ 5531600 w 7200900"/>
-              <a:gd name="connsiteY9" fmla="*/ 0 h 2823126"/>
-              <a:gd name="connsiteX10" fmla="*/ 5970201 w 7200900"/>
-              <a:gd name="connsiteY10" fmla="*/ 0 h 2823126"/>
-              <a:gd name="connsiteX11" fmla="*/ 6552819 w 7200900"/>
-              <a:gd name="connsiteY11" fmla="*/ 0 h 2823126"/>
-              <a:gd name="connsiteX12" fmla="*/ 7200900 w 7200900"/>
-              <a:gd name="connsiteY12" fmla="*/ 0 h 2823126"/>
-              <a:gd name="connsiteX13" fmla="*/ 7200900 w 7200900"/>
-              <a:gd name="connsiteY13" fmla="*/ 564625 h 2823126"/>
-              <a:gd name="connsiteX14" fmla="*/ 7200900 w 7200900"/>
-              <a:gd name="connsiteY14" fmla="*/ 1129250 h 2823126"/>
-              <a:gd name="connsiteX15" fmla="*/ 7200900 w 7200900"/>
-              <a:gd name="connsiteY15" fmla="*/ 1665644 h 2823126"/>
-              <a:gd name="connsiteX16" fmla="*/ 7200900 w 7200900"/>
-              <a:gd name="connsiteY16" fmla="*/ 2173807 h 2823126"/>
-              <a:gd name="connsiteX17" fmla="*/ 7200900 w 7200900"/>
-              <a:gd name="connsiteY17" fmla="*/ 2823126 h 2823126"/>
-              <a:gd name="connsiteX18" fmla="*/ 6402255 w 7200900"/>
-              <a:gd name="connsiteY18" fmla="*/ 2823126 h 2823126"/>
-              <a:gd name="connsiteX19" fmla="*/ 5891645 w 7200900"/>
-              <a:gd name="connsiteY19" fmla="*/ 2823126 h 2823126"/>
-              <a:gd name="connsiteX20" fmla="*/ 5165009 w 7200900"/>
-              <a:gd name="connsiteY20" fmla="*/ 2823126 h 2823126"/>
-              <a:gd name="connsiteX21" fmla="*/ 4438373 w 7200900"/>
-              <a:gd name="connsiteY21" fmla="*/ 2823126 h 2823126"/>
-              <a:gd name="connsiteX22" fmla="*/ 3783746 w 7200900"/>
-              <a:gd name="connsiteY22" fmla="*/ 2823126 h 2823126"/>
-              <a:gd name="connsiteX23" fmla="*/ 3129118 w 7200900"/>
-              <a:gd name="connsiteY23" fmla="*/ 2823126 h 2823126"/>
-              <a:gd name="connsiteX24" fmla="*/ 2402482 w 7200900"/>
-              <a:gd name="connsiteY24" fmla="*/ 2823126 h 2823126"/>
-              <a:gd name="connsiteX25" fmla="*/ 1675846 w 7200900"/>
-              <a:gd name="connsiteY25" fmla="*/ 2823126 h 2823126"/>
-              <a:gd name="connsiteX26" fmla="*/ 877201 w 7200900"/>
-              <a:gd name="connsiteY26" fmla="*/ 2823126 h 2823126"/>
-              <a:gd name="connsiteX27" fmla="*/ 0 w 7200900"/>
-              <a:gd name="connsiteY27" fmla="*/ 2823126 h 2823126"/>
-              <a:gd name="connsiteX28" fmla="*/ 0 w 7200900"/>
-              <a:gd name="connsiteY28" fmla="*/ 2202038 h 2823126"/>
-              <a:gd name="connsiteX29" fmla="*/ 0 w 7200900"/>
-              <a:gd name="connsiteY29" fmla="*/ 1665644 h 2823126"/>
-              <a:gd name="connsiteX30" fmla="*/ 0 w 7200900"/>
-              <a:gd name="connsiteY30" fmla="*/ 1157482 h 2823126"/>
-              <a:gd name="connsiteX31" fmla="*/ 0 w 7200900"/>
-              <a:gd name="connsiteY31" fmla="*/ 649319 h 2823126"/>
-              <a:gd name="connsiteX32" fmla="*/ 0 w 7200900"/>
-              <a:gd name="connsiteY32" fmla="*/ 0 h 2823126"/>
+              <a:gd name="connsiteX0" fmla="*/ 0 w 7161324"/>
+              <a:gd name="connsiteY0" fmla="*/ 0 h 2560320"/>
+              <a:gd name="connsiteX1" fmla="*/ 794256 w 7161324"/>
+              <a:gd name="connsiteY1" fmla="*/ 0 h 2560320"/>
+              <a:gd name="connsiteX2" fmla="*/ 1588512 w 7161324"/>
+              <a:gd name="connsiteY2" fmla="*/ 0 h 2560320"/>
+              <a:gd name="connsiteX3" fmla="*/ 2096315 w 7161324"/>
+              <a:gd name="connsiteY3" fmla="*/ 0 h 2560320"/>
+              <a:gd name="connsiteX4" fmla="*/ 2675731 w 7161324"/>
+              <a:gd name="connsiteY4" fmla="*/ 0 h 2560320"/>
+              <a:gd name="connsiteX5" fmla="*/ 3255147 w 7161324"/>
+              <a:gd name="connsiteY5" fmla="*/ 0 h 2560320"/>
+              <a:gd name="connsiteX6" fmla="*/ 3834563 w 7161324"/>
+              <a:gd name="connsiteY6" fmla="*/ 0 h 2560320"/>
+              <a:gd name="connsiteX7" fmla="*/ 4413980 w 7161324"/>
+              <a:gd name="connsiteY7" fmla="*/ 0 h 2560320"/>
+              <a:gd name="connsiteX8" fmla="*/ 5136622 w 7161324"/>
+              <a:gd name="connsiteY8" fmla="*/ 0 h 2560320"/>
+              <a:gd name="connsiteX9" fmla="*/ 5716039 w 7161324"/>
+              <a:gd name="connsiteY9" fmla="*/ 0 h 2560320"/>
+              <a:gd name="connsiteX10" fmla="*/ 6367068 w 7161324"/>
+              <a:gd name="connsiteY10" fmla="*/ 0 h 2560320"/>
+              <a:gd name="connsiteX11" fmla="*/ 7161324 w 7161324"/>
+              <a:gd name="connsiteY11" fmla="*/ 0 h 2560320"/>
+              <a:gd name="connsiteX12" fmla="*/ 7161324 w 7161324"/>
+              <a:gd name="connsiteY12" fmla="*/ 563270 h 2560320"/>
+              <a:gd name="connsiteX13" fmla="*/ 7161324 w 7161324"/>
+              <a:gd name="connsiteY13" fmla="*/ 1254557 h 2560320"/>
+              <a:gd name="connsiteX14" fmla="*/ 7161324 w 7161324"/>
+              <a:gd name="connsiteY14" fmla="*/ 1843430 h 2560320"/>
+              <a:gd name="connsiteX15" fmla="*/ 7161324 w 7161324"/>
+              <a:gd name="connsiteY15" fmla="*/ 2560320 h 2560320"/>
+              <a:gd name="connsiteX16" fmla="*/ 6510295 w 7161324"/>
+              <a:gd name="connsiteY16" fmla="*/ 2560320 h 2560320"/>
+              <a:gd name="connsiteX17" fmla="*/ 5787652 w 7161324"/>
+              <a:gd name="connsiteY17" fmla="*/ 2560320 h 2560320"/>
+              <a:gd name="connsiteX18" fmla="*/ 5065009 w 7161324"/>
+              <a:gd name="connsiteY18" fmla="*/ 2560320 h 2560320"/>
+              <a:gd name="connsiteX19" fmla="*/ 4342366 w 7161324"/>
+              <a:gd name="connsiteY19" fmla="*/ 2560320 h 2560320"/>
+              <a:gd name="connsiteX20" fmla="*/ 3762950 w 7161324"/>
+              <a:gd name="connsiteY20" fmla="*/ 2560320 h 2560320"/>
+              <a:gd name="connsiteX21" fmla="*/ 3255147 w 7161324"/>
+              <a:gd name="connsiteY21" fmla="*/ 2560320 h 2560320"/>
+              <a:gd name="connsiteX22" fmla="*/ 2532505 w 7161324"/>
+              <a:gd name="connsiteY22" fmla="*/ 2560320 h 2560320"/>
+              <a:gd name="connsiteX23" fmla="*/ 1809862 w 7161324"/>
+              <a:gd name="connsiteY23" fmla="*/ 2560320 h 2560320"/>
+              <a:gd name="connsiteX24" fmla="*/ 1158832 w 7161324"/>
+              <a:gd name="connsiteY24" fmla="*/ 2560320 h 2560320"/>
+              <a:gd name="connsiteX25" fmla="*/ 0 w 7161324"/>
+              <a:gd name="connsiteY25" fmla="*/ 2560320 h 2560320"/>
+              <a:gd name="connsiteX26" fmla="*/ 0 w 7161324"/>
+              <a:gd name="connsiteY26" fmla="*/ 1894637 h 2560320"/>
+              <a:gd name="connsiteX27" fmla="*/ 0 w 7161324"/>
+              <a:gd name="connsiteY27" fmla="*/ 1228954 h 2560320"/>
+              <a:gd name="connsiteX28" fmla="*/ 0 w 7161324"/>
+              <a:gd name="connsiteY28" fmla="*/ 588874 h 2560320"/>
+              <a:gd name="connsiteX29" fmla="*/ 0 w 7161324"/>
+              <a:gd name="connsiteY29" fmla="*/ 0 h 2560320"/>
             </a:gdLst>
             <a:ahLst/>
             <a:cxnLst>
@@ -13462,341 +13455,307 @@
               <a:cxn ang="0">
                 <a:pos x="connsiteX29" y="connsiteY29"/>
               </a:cxn>
-              <a:cxn ang="0">
-                <a:pos x="connsiteX30" y="connsiteY30"/>
-              </a:cxn>
-              <a:cxn ang="0">
-                <a:pos x="connsiteX31" y="connsiteY31"/>
-              </a:cxn>
-              <a:cxn ang="0">
-                <a:pos x="connsiteX32" y="connsiteY32"/>
-              </a:cxn>
             </a:cxnLst>
             <a:rect l="l" t="t" r="r" b="b"/>
             <a:pathLst>
-              <a:path w="7200900" h="2823126" fill="none" extrusionOk="0">
+              <a:path w="7161324" h="2560320" fill="none" extrusionOk="0">
                 <a:moveTo>
                   <a:pt x="0" y="0"/>
                 </a:moveTo>
                 <a:cubicBezTo>
-                  <a:pt x="181443" y="-2759"/>
-                  <a:pt x="261350" y="-21029"/>
-                  <a:pt x="438600" y="0"/>
-                </a:cubicBezTo>
-                <a:cubicBezTo>
-                  <a:pt x="615850" y="21029"/>
-                  <a:pt x="747950" y="26830"/>
-                  <a:pt x="1021219" y="0"/>
-                </a:cubicBezTo>
-                <a:cubicBezTo>
-                  <a:pt x="1294488" y="-26830"/>
-                  <a:pt x="1317949" y="91"/>
-                  <a:pt x="1603837" y="0"/>
-                </a:cubicBezTo>
-                <a:cubicBezTo>
-                  <a:pt x="1889725" y="-91"/>
-                  <a:pt x="1953956" y="-199"/>
-                  <a:pt x="2186455" y="0"/>
-                </a:cubicBezTo>
-                <a:cubicBezTo>
-                  <a:pt x="2418954" y="199"/>
-                  <a:pt x="2621232" y="-14386"/>
-                  <a:pt x="2769073" y="0"/>
-                </a:cubicBezTo>
-                <a:cubicBezTo>
-                  <a:pt x="2916914" y="14386"/>
-                  <a:pt x="3339701" y="-9396"/>
-                  <a:pt x="3495710" y="0"/>
-                </a:cubicBezTo>
-                <a:cubicBezTo>
-                  <a:pt x="3651719" y="9396"/>
-                  <a:pt x="3833242" y="-13424"/>
-                  <a:pt x="4078328" y="0"/>
-                </a:cubicBezTo>
-                <a:cubicBezTo>
-                  <a:pt x="4323414" y="13424"/>
-                  <a:pt x="4544213" y="-7190"/>
-                  <a:pt x="4732955" y="0"/>
-                </a:cubicBezTo>
-                <a:cubicBezTo>
-                  <a:pt x="4921697" y="7190"/>
-                  <a:pt x="5359190" y="12382"/>
-                  <a:pt x="5531600" y="0"/>
-                </a:cubicBezTo>
-                <a:cubicBezTo>
-                  <a:pt x="5704010" y="-12382"/>
-                  <a:pt x="5834203" y="6982"/>
-                  <a:pt x="5970201" y="0"/>
-                </a:cubicBezTo>
-                <a:cubicBezTo>
-                  <a:pt x="6106199" y="-6982"/>
-                  <a:pt x="6387968" y="18836"/>
-                  <a:pt x="6552819" y="0"/>
-                </a:cubicBezTo>
-                <a:cubicBezTo>
-                  <a:pt x="6717670" y="-18836"/>
-                  <a:pt x="7016891" y="-21976"/>
-                  <a:pt x="7200900" y="0"/>
-                </a:cubicBezTo>
-                <a:cubicBezTo>
-                  <a:pt x="7218794" y="175835"/>
-                  <a:pt x="7200069" y="448075"/>
-                  <a:pt x="7200900" y="564625"/>
-                </a:cubicBezTo>
-                <a:cubicBezTo>
-                  <a:pt x="7201731" y="681176"/>
-                  <a:pt x="7228764" y="963803"/>
-                  <a:pt x="7200900" y="1129250"/>
-                </a:cubicBezTo>
-                <a:cubicBezTo>
-                  <a:pt x="7173036" y="1294698"/>
-                  <a:pt x="7221791" y="1489930"/>
-                  <a:pt x="7200900" y="1665644"/>
-                </a:cubicBezTo>
-                <a:cubicBezTo>
-                  <a:pt x="7180009" y="1841358"/>
-                  <a:pt x="7192472" y="1974924"/>
-                  <a:pt x="7200900" y="2173807"/>
-                </a:cubicBezTo>
-                <a:cubicBezTo>
-                  <a:pt x="7209328" y="2372690"/>
-                  <a:pt x="7199518" y="2503672"/>
-                  <a:pt x="7200900" y="2823126"/>
-                </a:cubicBezTo>
-                <a:cubicBezTo>
-                  <a:pt x="6884794" y="2804289"/>
-                  <a:pt x="6710696" y="2827446"/>
-                  <a:pt x="6402255" y="2823126"/>
-                </a:cubicBezTo>
-                <a:cubicBezTo>
-                  <a:pt x="6093814" y="2818806"/>
-                  <a:pt x="6022712" y="2844658"/>
-                  <a:pt x="5891645" y="2823126"/>
-                </a:cubicBezTo>
-                <a:cubicBezTo>
-                  <a:pt x="5760578" y="2801595"/>
-                  <a:pt x="5408776" y="2825294"/>
-                  <a:pt x="5165009" y="2823126"/>
-                </a:cubicBezTo>
-                <a:cubicBezTo>
-                  <a:pt x="4921242" y="2820958"/>
-                  <a:pt x="4677101" y="2857652"/>
-                  <a:pt x="4438373" y="2823126"/>
-                </a:cubicBezTo>
-                <a:cubicBezTo>
-                  <a:pt x="4199645" y="2788600"/>
-                  <a:pt x="4019118" y="2823847"/>
-                  <a:pt x="3783746" y="2823126"/>
-                </a:cubicBezTo>
-                <a:cubicBezTo>
-                  <a:pt x="3548374" y="2822405"/>
-                  <a:pt x="3338916" y="2835632"/>
-                  <a:pt x="3129118" y="2823126"/>
-                </a:cubicBezTo>
-                <a:cubicBezTo>
-                  <a:pt x="2919320" y="2810620"/>
-                  <a:pt x="2583192" y="2831500"/>
-                  <a:pt x="2402482" y="2823126"/>
-                </a:cubicBezTo>
-                <a:cubicBezTo>
-                  <a:pt x="2221772" y="2814752"/>
-                  <a:pt x="1872106" y="2835880"/>
-                  <a:pt x="1675846" y="2823126"/>
-                </a:cubicBezTo>
-                <a:cubicBezTo>
-                  <a:pt x="1479586" y="2810372"/>
-                  <a:pt x="1093714" y="2856281"/>
-                  <a:pt x="877201" y="2823126"/>
-                </a:cubicBezTo>
-                <a:cubicBezTo>
-                  <a:pt x="660688" y="2789971"/>
-                  <a:pt x="305077" y="2791985"/>
-                  <a:pt x="0" y="2823126"/>
-                </a:cubicBezTo>
-                <a:cubicBezTo>
-                  <a:pt x="20325" y="2583549"/>
-                  <a:pt x="17015" y="2401516"/>
-                  <a:pt x="0" y="2202038"/>
-                </a:cubicBezTo>
-                <a:cubicBezTo>
-                  <a:pt x="-17015" y="2002560"/>
-                  <a:pt x="10858" y="1884950"/>
-                  <a:pt x="0" y="1665644"/>
-                </a:cubicBezTo>
-                <a:cubicBezTo>
-                  <a:pt x="-10858" y="1446338"/>
-                  <a:pt x="20908" y="1299183"/>
-                  <a:pt x="0" y="1157482"/>
-                </a:cubicBezTo>
-                <a:cubicBezTo>
-                  <a:pt x="-20908" y="1015781"/>
-                  <a:pt x="-8333" y="804851"/>
-                  <a:pt x="0" y="649319"/>
-                </a:cubicBezTo>
-                <a:cubicBezTo>
-                  <a:pt x="8333" y="493787"/>
-                  <a:pt x="-2939" y="190799"/>
+                  <a:pt x="202305" y="35518"/>
+                  <a:pt x="398148" y="-33503"/>
+                  <a:pt x="794256" y="0"/>
+                </a:cubicBezTo>
+                <a:cubicBezTo>
+                  <a:pt x="1190364" y="33503"/>
+                  <a:pt x="1218376" y="-25278"/>
+                  <a:pt x="1588512" y="0"/>
+                </a:cubicBezTo>
+                <a:cubicBezTo>
+                  <a:pt x="1958648" y="25278"/>
+                  <a:pt x="1982835" y="19860"/>
+                  <a:pt x="2096315" y="0"/>
+                </a:cubicBezTo>
+                <a:cubicBezTo>
+                  <a:pt x="2209795" y="-19860"/>
+                  <a:pt x="2523393" y="22924"/>
+                  <a:pt x="2675731" y="0"/>
+                </a:cubicBezTo>
+                <a:cubicBezTo>
+                  <a:pt x="2828069" y="-22924"/>
+                  <a:pt x="3122921" y="8300"/>
+                  <a:pt x="3255147" y="0"/>
+                </a:cubicBezTo>
+                <a:cubicBezTo>
+                  <a:pt x="3387373" y="-8300"/>
+                  <a:pt x="3558821" y="-20238"/>
+                  <a:pt x="3834563" y="0"/>
+                </a:cubicBezTo>
+                <a:cubicBezTo>
+                  <a:pt x="4110305" y="20238"/>
+                  <a:pt x="4224420" y="-13694"/>
+                  <a:pt x="4413980" y="0"/>
+                </a:cubicBezTo>
+                <a:cubicBezTo>
+                  <a:pt x="4603540" y="13694"/>
+                  <a:pt x="4922836" y="-6681"/>
+                  <a:pt x="5136622" y="0"/>
+                </a:cubicBezTo>
+                <a:cubicBezTo>
+                  <a:pt x="5350408" y="6681"/>
+                  <a:pt x="5586251" y="-21947"/>
+                  <a:pt x="5716039" y="0"/>
+                </a:cubicBezTo>
+                <a:cubicBezTo>
+                  <a:pt x="5845827" y="21947"/>
+                  <a:pt x="6235701" y="-27446"/>
+                  <a:pt x="6367068" y="0"/>
+                </a:cubicBezTo>
+                <a:cubicBezTo>
+                  <a:pt x="6498435" y="27446"/>
+                  <a:pt x="6832013" y="9121"/>
+                  <a:pt x="7161324" y="0"/>
+                </a:cubicBezTo>
+                <a:cubicBezTo>
+                  <a:pt x="7169550" y="151322"/>
+                  <a:pt x="7174514" y="426767"/>
+                  <a:pt x="7161324" y="563270"/>
+                </a:cubicBezTo>
+                <a:cubicBezTo>
+                  <a:pt x="7148135" y="699773"/>
+                  <a:pt x="7168029" y="1082287"/>
+                  <a:pt x="7161324" y="1254557"/>
+                </a:cubicBezTo>
+                <a:cubicBezTo>
+                  <a:pt x="7154619" y="1426827"/>
+                  <a:pt x="7190085" y="1683256"/>
+                  <a:pt x="7161324" y="1843430"/>
+                </a:cubicBezTo>
+                <a:cubicBezTo>
+                  <a:pt x="7132563" y="2003604"/>
+                  <a:pt x="7167800" y="2292090"/>
+                  <a:pt x="7161324" y="2560320"/>
+                </a:cubicBezTo>
+                <a:cubicBezTo>
+                  <a:pt x="6872499" y="2588211"/>
+                  <a:pt x="6671821" y="2572037"/>
+                  <a:pt x="6510295" y="2560320"/>
+                </a:cubicBezTo>
+                <a:cubicBezTo>
+                  <a:pt x="6348769" y="2548603"/>
+                  <a:pt x="6013487" y="2536083"/>
+                  <a:pt x="5787652" y="2560320"/>
+                </a:cubicBezTo>
+                <a:cubicBezTo>
+                  <a:pt x="5561817" y="2584557"/>
+                  <a:pt x="5347194" y="2527155"/>
+                  <a:pt x="5065009" y="2560320"/>
+                </a:cubicBezTo>
+                <a:cubicBezTo>
+                  <a:pt x="4782824" y="2593485"/>
+                  <a:pt x="4588678" y="2595167"/>
+                  <a:pt x="4342366" y="2560320"/>
+                </a:cubicBezTo>
+                <a:cubicBezTo>
+                  <a:pt x="4096054" y="2525473"/>
+                  <a:pt x="3979552" y="2579365"/>
+                  <a:pt x="3762950" y="2560320"/>
+                </a:cubicBezTo>
+                <a:cubicBezTo>
+                  <a:pt x="3546348" y="2541275"/>
+                  <a:pt x="3458963" y="2573938"/>
+                  <a:pt x="3255147" y="2560320"/>
+                </a:cubicBezTo>
+                <a:cubicBezTo>
+                  <a:pt x="3051331" y="2546702"/>
+                  <a:pt x="2872125" y="2579863"/>
+                  <a:pt x="2532505" y="2560320"/>
+                </a:cubicBezTo>
+                <a:cubicBezTo>
+                  <a:pt x="2192885" y="2540777"/>
+                  <a:pt x="2160242" y="2587860"/>
+                  <a:pt x="1809862" y="2560320"/>
+                </a:cubicBezTo>
+                <a:cubicBezTo>
+                  <a:pt x="1459482" y="2532780"/>
+                  <a:pt x="1469682" y="2589216"/>
+                  <a:pt x="1158832" y="2560320"/>
+                </a:cubicBezTo>
+                <a:cubicBezTo>
+                  <a:pt x="847982" y="2531425"/>
+                  <a:pt x="255548" y="2513714"/>
+                  <a:pt x="0" y="2560320"/>
+                </a:cubicBezTo>
+                <a:cubicBezTo>
+                  <a:pt x="-19072" y="2227913"/>
+                  <a:pt x="31044" y="2172715"/>
+                  <a:pt x="0" y="1894637"/>
+                </a:cubicBezTo>
+                <a:cubicBezTo>
+                  <a:pt x="-31044" y="1616559"/>
+                  <a:pt x="11360" y="1459708"/>
+                  <a:pt x="0" y="1228954"/>
+                </a:cubicBezTo>
+                <a:cubicBezTo>
+                  <a:pt x="-11360" y="998200"/>
+                  <a:pt x="28097" y="835399"/>
+                  <a:pt x="0" y="588874"/>
+                </a:cubicBezTo>
+                <a:cubicBezTo>
+                  <a:pt x="-28097" y="342349"/>
+                  <a:pt x="-11627" y="292997"/>
                   <a:pt x="0" y="0"/>
                 </a:cubicBezTo>
                 <a:close/>
               </a:path>
-              <a:path w="7200900" h="2823126" stroke="0" extrusionOk="0">
+              <a:path w="7161324" h="2560320" stroke="0" extrusionOk="0">
                 <a:moveTo>
                   <a:pt x="0" y="0"/>
                 </a:moveTo>
                 <a:cubicBezTo>
-                  <a:pt x="224301" y="19623"/>
-                  <a:pt x="447624" y="-20529"/>
-                  <a:pt x="582618" y="0"/>
-                </a:cubicBezTo>
-                <a:cubicBezTo>
-                  <a:pt x="717612" y="20529"/>
-                  <a:pt x="1071977" y="-10816"/>
-                  <a:pt x="1309255" y="0"/>
-                </a:cubicBezTo>
-                <a:cubicBezTo>
-                  <a:pt x="1546533" y="10816"/>
-                  <a:pt x="1707001" y="-11782"/>
-                  <a:pt x="1963882" y="0"/>
-                </a:cubicBezTo>
-                <a:cubicBezTo>
-                  <a:pt x="2220763" y="11782"/>
-                  <a:pt x="2411286" y="7340"/>
-                  <a:pt x="2762527" y="0"/>
-                </a:cubicBezTo>
-                <a:cubicBezTo>
-                  <a:pt x="3113768" y="-7340"/>
-                  <a:pt x="3096345" y="-10376"/>
-                  <a:pt x="3417154" y="0"/>
-                </a:cubicBezTo>
-                <a:cubicBezTo>
-                  <a:pt x="3737963" y="10376"/>
-                  <a:pt x="3737791" y="-11392"/>
-                  <a:pt x="3855755" y="0"/>
-                </a:cubicBezTo>
-                <a:cubicBezTo>
-                  <a:pt x="3973719" y="11392"/>
-                  <a:pt x="4220447" y="26213"/>
-                  <a:pt x="4582391" y="0"/>
-                </a:cubicBezTo>
-                <a:cubicBezTo>
-                  <a:pt x="4944335" y="-26213"/>
-                  <a:pt x="5105564" y="-32453"/>
-                  <a:pt x="5237018" y="0"/>
-                </a:cubicBezTo>
-                <a:cubicBezTo>
-                  <a:pt x="5368472" y="32453"/>
-                  <a:pt x="5709977" y="-33935"/>
-                  <a:pt x="6035663" y="0"/>
-                </a:cubicBezTo>
-                <a:cubicBezTo>
-                  <a:pt x="6361349" y="33935"/>
-                  <a:pt x="6927655" y="-1671"/>
-                  <a:pt x="7200900" y="0"/>
-                </a:cubicBezTo>
-                <a:cubicBezTo>
-                  <a:pt x="7218261" y="192985"/>
-                  <a:pt x="7218921" y="355673"/>
-                  <a:pt x="7200900" y="621088"/>
-                </a:cubicBezTo>
-                <a:cubicBezTo>
-                  <a:pt x="7182879" y="886503"/>
-                  <a:pt x="7226008" y="1000267"/>
-                  <a:pt x="7200900" y="1157482"/>
-                </a:cubicBezTo>
-                <a:cubicBezTo>
-                  <a:pt x="7175792" y="1314697"/>
-                  <a:pt x="7179035" y="1560244"/>
-                  <a:pt x="7200900" y="1778569"/>
-                </a:cubicBezTo>
-                <a:cubicBezTo>
-                  <a:pt x="7222765" y="1996894"/>
-                  <a:pt x="7179951" y="2037141"/>
-                  <a:pt x="7200900" y="2258501"/>
-                </a:cubicBezTo>
-                <a:cubicBezTo>
-                  <a:pt x="7221849" y="2479861"/>
-                  <a:pt x="7190041" y="2592507"/>
-                  <a:pt x="7200900" y="2823126"/>
-                </a:cubicBezTo>
-                <a:cubicBezTo>
-                  <a:pt x="7041104" y="2838110"/>
-                  <a:pt x="6815086" y="2849223"/>
-                  <a:pt x="6618282" y="2823126"/>
-                </a:cubicBezTo>
-                <a:cubicBezTo>
-                  <a:pt x="6421478" y="2797029"/>
-                  <a:pt x="6319459" y="2836893"/>
-                  <a:pt x="6179681" y="2823126"/>
-                </a:cubicBezTo>
-                <a:cubicBezTo>
-                  <a:pt x="6039903" y="2809359"/>
-                  <a:pt x="5671248" y="2859101"/>
-                  <a:pt x="5453045" y="2823126"/>
-                </a:cubicBezTo>
-                <a:cubicBezTo>
-                  <a:pt x="5234842" y="2787151"/>
-                  <a:pt x="4992426" y="2844758"/>
-                  <a:pt x="4870427" y="2823126"/>
-                </a:cubicBezTo>
-                <a:cubicBezTo>
-                  <a:pt x="4748428" y="2801494"/>
-                  <a:pt x="4568418" y="2842328"/>
-                  <a:pt x="4431827" y="2823126"/>
-                </a:cubicBezTo>
-                <a:cubicBezTo>
-                  <a:pt x="4295236" y="2803924"/>
-                  <a:pt x="3912369" y="2843563"/>
-                  <a:pt x="3633181" y="2823126"/>
-                </a:cubicBezTo>
-                <a:cubicBezTo>
-                  <a:pt x="3353993" y="2802689"/>
-                  <a:pt x="3254111" y="2841376"/>
-                  <a:pt x="2978554" y="2823126"/>
-                </a:cubicBezTo>
-                <a:cubicBezTo>
-                  <a:pt x="2702997" y="2804876"/>
-                  <a:pt x="2546200" y="2825048"/>
-                  <a:pt x="2179909" y="2823126"/>
-                </a:cubicBezTo>
-                <a:cubicBezTo>
-                  <a:pt x="1813619" y="2821204"/>
-                  <a:pt x="1672248" y="2824464"/>
-                  <a:pt x="1453273" y="2823126"/>
-                </a:cubicBezTo>
-                <a:cubicBezTo>
-                  <a:pt x="1234298" y="2821788"/>
-                  <a:pt x="1012618" y="2803279"/>
-                  <a:pt x="798645" y="2823126"/>
-                </a:cubicBezTo>
-                <a:cubicBezTo>
-                  <a:pt x="584672" y="2842973"/>
-                  <a:pt x="258302" y="2861178"/>
-                  <a:pt x="0" y="2823126"/>
-                </a:cubicBezTo>
-                <a:cubicBezTo>
-                  <a:pt x="3974" y="2561896"/>
-                  <a:pt x="25078" y="2414844"/>
-                  <a:pt x="0" y="2286732"/>
-                </a:cubicBezTo>
-                <a:cubicBezTo>
-                  <a:pt x="-25078" y="2158620"/>
-                  <a:pt x="-11963" y="2004217"/>
-                  <a:pt x="0" y="1806801"/>
-                </a:cubicBezTo>
-                <a:cubicBezTo>
-                  <a:pt x="11963" y="1609385"/>
-                  <a:pt x="17830" y="1469618"/>
-                  <a:pt x="0" y="1185713"/>
-                </a:cubicBezTo>
-                <a:cubicBezTo>
-                  <a:pt x="-17830" y="901808"/>
-                  <a:pt x="-8255" y="780894"/>
-                  <a:pt x="0" y="564625"/>
-                </a:cubicBezTo>
-                <a:cubicBezTo>
-                  <a:pt x="8255" y="348356"/>
-                  <a:pt x="-16453" y="124699"/>
+                  <a:pt x="232359" y="16465"/>
+                  <a:pt x="345844" y="-26670"/>
+                  <a:pt x="579416" y="0"/>
+                </a:cubicBezTo>
+                <a:cubicBezTo>
+                  <a:pt x="812988" y="26670"/>
+                  <a:pt x="1036787" y="13323"/>
+                  <a:pt x="1302059" y="0"/>
+                </a:cubicBezTo>
+                <a:cubicBezTo>
+                  <a:pt x="1567331" y="-13323"/>
+                  <a:pt x="1784666" y="17419"/>
+                  <a:pt x="1953088" y="0"/>
+                </a:cubicBezTo>
+                <a:cubicBezTo>
+                  <a:pt x="2121510" y="-17419"/>
+                  <a:pt x="2424917" y="17013"/>
+                  <a:pt x="2747344" y="0"/>
+                </a:cubicBezTo>
+                <a:cubicBezTo>
+                  <a:pt x="3069771" y="-17013"/>
+                  <a:pt x="3072931" y="26691"/>
+                  <a:pt x="3398374" y="0"/>
+                </a:cubicBezTo>
+                <a:cubicBezTo>
+                  <a:pt x="3723817" y="-26691"/>
+                  <a:pt x="3688325" y="18737"/>
+                  <a:pt x="3834563" y="0"/>
+                </a:cubicBezTo>
+                <a:cubicBezTo>
+                  <a:pt x="3980801" y="-18737"/>
+                  <a:pt x="4349964" y="25193"/>
+                  <a:pt x="4557206" y="0"/>
+                </a:cubicBezTo>
+                <a:cubicBezTo>
+                  <a:pt x="4764448" y="-25193"/>
+                  <a:pt x="4913847" y="-4602"/>
+                  <a:pt x="5208236" y="0"/>
+                </a:cubicBezTo>
+                <a:cubicBezTo>
+                  <a:pt x="5502625" y="4602"/>
+                  <a:pt x="5715719" y="-19320"/>
+                  <a:pt x="6002492" y="0"/>
+                </a:cubicBezTo>
+                <a:cubicBezTo>
+                  <a:pt x="6289265" y="19320"/>
+                  <a:pt x="6797896" y="-8700"/>
+                  <a:pt x="7161324" y="0"/>
+                </a:cubicBezTo>
+                <a:cubicBezTo>
+                  <a:pt x="7190508" y="138562"/>
+                  <a:pt x="7187296" y="541608"/>
+                  <a:pt x="7161324" y="691286"/>
+                </a:cubicBezTo>
+                <a:cubicBezTo>
+                  <a:pt x="7135352" y="840964"/>
+                  <a:pt x="7135694" y="1111546"/>
+                  <a:pt x="7161324" y="1305763"/>
+                </a:cubicBezTo>
+                <a:cubicBezTo>
+                  <a:pt x="7186954" y="1499980"/>
+                  <a:pt x="7156732" y="1809433"/>
+                  <a:pt x="7161324" y="1997050"/>
+                </a:cubicBezTo>
+                <a:cubicBezTo>
+                  <a:pt x="7165916" y="2184667"/>
+                  <a:pt x="7175922" y="2389426"/>
+                  <a:pt x="7161324" y="2560320"/>
+                </a:cubicBezTo>
+                <a:cubicBezTo>
+                  <a:pt x="6970563" y="2550863"/>
+                  <a:pt x="6715694" y="2553346"/>
+                  <a:pt x="6367068" y="2560320"/>
+                </a:cubicBezTo>
+                <a:cubicBezTo>
+                  <a:pt x="6018442" y="2567294"/>
+                  <a:pt x="6046877" y="2535493"/>
+                  <a:pt x="5859265" y="2560320"/>
+                </a:cubicBezTo>
+                <a:cubicBezTo>
+                  <a:pt x="5671653" y="2585147"/>
+                  <a:pt x="5572401" y="2581057"/>
+                  <a:pt x="5423075" y="2560320"/>
+                </a:cubicBezTo>
+                <a:cubicBezTo>
+                  <a:pt x="5273749" y="2539584"/>
+                  <a:pt x="5011807" y="2546731"/>
+                  <a:pt x="4700433" y="2560320"/>
+                </a:cubicBezTo>
+                <a:cubicBezTo>
+                  <a:pt x="4389059" y="2573909"/>
+                  <a:pt x="4371574" y="2568528"/>
+                  <a:pt x="4121016" y="2560320"/>
+                </a:cubicBezTo>
+                <a:cubicBezTo>
+                  <a:pt x="3870458" y="2552112"/>
+                  <a:pt x="3808260" y="2552916"/>
+                  <a:pt x="3684827" y="2560320"/>
+                </a:cubicBezTo>
+                <a:cubicBezTo>
+                  <a:pt x="3561394" y="2567724"/>
+                  <a:pt x="3254469" y="2555166"/>
+                  <a:pt x="2890571" y="2560320"/>
+                </a:cubicBezTo>
+                <a:cubicBezTo>
+                  <a:pt x="2526673" y="2565474"/>
+                  <a:pt x="2466082" y="2575809"/>
+                  <a:pt x="2239541" y="2560320"/>
+                </a:cubicBezTo>
+                <a:cubicBezTo>
+                  <a:pt x="2013000" y="2544832"/>
+                  <a:pt x="1718678" y="2579560"/>
+                  <a:pt x="1445285" y="2560320"/>
+                </a:cubicBezTo>
+                <a:cubicBezTo>
+                  <a:pt x="1171892" y="2541080"/>
+                  <a:pt x="924184" y="2565026"/>
+                  <a:pt x="722643" y="2560320"/>
+                </a:cubicBezTo>
+                <a:cubicBezTo>
+                  <a:pt x="521102" y="2555614"/>
+                  <a:pt x="342387" y="2528227"/>
+                  <a:pt x="0" y="2560320"/>
+                </a:cubicBezTo>
+                <a:cubicBezTo>
+                  <a:pt x="11069" y="2292163"/>
+                  <a:pt x="-7801" y="2200119"/>
+                  <a:pt x="0" y="1894637"/>
+                </a:cubicBezTo>
+                <a:cubicBezTo>
+                  <a:pt x="7801" y="1589155"/>
+                  <a:pt x="11822" y="1371458"/>
+                  <a:pt x="0" y="1203350"/>
+                </a:cubicBezTo>
+                <a:cubicBezTo>
+                  <a:pt x="-11822" y="1035242"/>
+                  <a:pt x="-8903" y="904683"/>
+                  <a:pt x="0" y="640080"/>
+                </a:cubicBezTo>
+                <a:cubicBezTo>
+                  <a:pt x="8903" y="375477"/>
+                  <a:pt x="-21622" y="173855"/>
                   <a:pt x="0" y="0"/>
                 </a:cubicBezTo>
                 <a:close/>
